--- a/SpringMVC3.pptx
+++ b/SpringMVC3.pptx
@@ -6,6 +6,7 @@
   </p:sldMasterIdLst>
   <p:sldIdLst>
     <p:sldId id="256" r:id="rId2"/>
+    <p:sldId id="257" r:id="rId3"/>
   </p:sldIdLst>
   <p:sldSz cx="9144000" cy="6858000" type="screen4x3"/>
   <p:notesSz cx="6858000" cy="9144000"/>
@@ -1920,7 +1921,7 @@
             <a:fld id="{E30E2307-1E40-4E12-8716-25BFDA8E7013}" type="datetime1">
               <a:rPr lang="en-US" smtClean="0"/>
               <a:pPr/>
-              <a:t>13-8-4</a:t>
+              <a:t>13-8-5</a:t>
             </a:fld>
             <a:endParaRPr lang="en-US"/>
           </a:p>
@@ -2103,7 +2104,7 @@
             <a:fld id="{E5CFCF5A-EA79-452C-A52C-1A2668C2E7DF}" type="datetime1">
               <a:rPr lang="en-US" smtClean="0"/>
               <a:pPr/>
-              <a:t>13-8-4</a:t>
+              <a:t>13-8-5</a:t>
             </a:fld>
             <a:endParaRPr lang="en-US"/>
           </a:p>
@@ -2256,7 +2257,7 @@
             <a:fld id="{2E5C4C28-BD4B-4892-9A2D-6E19BD753A9A}" type="datetime1">
               <a:rPr lang="en-US" smtClean="0"/>
               <a:pPr/>
-              <a:t>13-8-4</a:t>
+              <a:t>13-8-5</a:t>
             </a:fld>
             <a:endParaRPr lang="en-US"/>
           </a:p>
@@ -4084,7 +4085,7 @@
             <a:fld id="{61FD9D02-426E-46C9-9EE9-0DE1EF8B2838}" type="datetime1">
               <a:rPr lang="en-US" smtClean="0"/>
               <a:pPr/>
-              <a:t>13-8-4</a:t>
+              <a:t>13-8-5</a:t>
             </a:fld>
             <a:endParaRPr lang="en-US"/>
           </a:p>
@@ -5956,7 +5957,7 @@
             <a:fld id="{7B8AEBBE-F8B2-42CF-9895-E86A608384EB}" type="datetime1">
               <a:rPr lang="en-US" smtClean="0"/>
               <a:pPr/>
-              <a:t>13-8-4</a:t>
+              <a:t>13-8-5</a:t>
             </a:fld>
             <a:endParaRPr lang="en-US"/>
           </a:p>
@@ -6071,7 +6072,7 @@
             <a:fld id="{E1FAA6B6-10E5-4810-BC9F-DA72D8452E73}" type="datetime1">
               <a:rPr lang="en-US" smtClean="0"/>
               <a:pPr/>
-              <a:t>13-8-4</a:t>
+              <a:t>13-8-5</a:t>
             </a:fld>
             <a:endParaRPr lang="en-US"/>
           </a:p>
@@ -6614,7 +6615,7 @@
             <a:fld id="{6D18D072-EF12-4AA2-BD71-ABC68B06D0E2}" type="datetime1">
               <a:rPr lang="en-US" smtClean="0"/>
               <a:pPr/>
-              <a:t>13-8-4</a:t>
+              <a:t>13-8-5</a:t>
             </a:fld>
             <a:endParaRPr lang="en-US"/>
           </a:p>
@@ -6729,7 +6730,7 @@
             <a:fld id="{B8CDBF60-6CC3-4B74-A60D-3486985E4346}" type="datetime1">
               <a:rPr lang="en-US" smtClean="0"/>
               <a:pPr/>
-              <a:t>13-8-4</a:t>
+              <a:t>13-8-5</a:t>
             </a:fld>
             <a:endParaRPr lang="en-US"/>
           </a:p>
@@ -8442,7 +8443,7 @@
             <a:fld id="{22714818-984F-4759-BF72-A33BDC1963BD}" type="datetime1">
               <a:rPr lang="en-US" smtClean="0"/>
               <a:pPr/>
-              <a:t>13-8-4</a:t>
+              <a:t>13-8-5</a:t>
             </a:fld>
             <a:endParaRPr lang="en-US"/>
           </a:p>
@@ -8595,7 +8596,7 @@
             <a:fld id="{9EA7E191-5F94-4FC1-B823-BD7CABF7FA06}" type="datetime1">
               <a:rPr lang="en-US" smtClean="0"/>
               <a:pPr/>
-              <a:t>13-8-4</a:t>
+              <a:t>13-8-5</a:t>
             </a:fld>
             <a:endParaRPr lang="en-US"/>
           </a:p>
@@ -12212,7 +12213,7 @@
             <a:fld id="{88856D55-EFBE-4F9B-8A5F-09D42CA22A9B}" type="datetime1">
               <a:rPr lang="en-US" smtClean="0"/>
               <a:pPr/>
-              <a:t>13-8-4</a:t>
+              <a:t>13-8-5</a:t>
             </a:fld>
             <a:endParaRPr lang="en-US"/>
           </a:p>
@@ -14073,7 +14074,7 @@
             <a:fld id="{9D1D110F-3F4E-48D9-B8AA-5D0E825AFDBA}" type="datetime1">
               <a:rPr lang="en-US" smtClean="0"/>
               <a:pPr/>
-              <a:t>13-8-4</a:t>
+              <a:t>13-8-5</a:t>
             </a:fld>
             <a:endParaRPr lang="en-US"/>
           </a:p>
@@ -14701,6 +14702,407 @@
 </p:sld>
 </file>
 
+<file path=ppt/slides/slide2.xml><?xml version="1.0" encoding="utf-8"?>
+<p:sld xmlns:a="http://schemas.openxmlformats.org/drawingml/2006/main" xmlns:r="http://schemas.openxmlformats.org/officeDocument/2006/relationships" xmlns:p="http://schemas.openxmlformats.org/presentationml/2006/main">
+  <p:cSld>
+    <p:spTree>
+      <p:nvGrpSpPr>
+        <p:cNvPr id="1" name=""/>
+        <p:cNvGrpSpPr/>
+        <p:nvPr/>
+      </p:nvGrpSpPr>
+      <p:grpSpPr>
+        <a:xfrm>
+          <a:off x="0" y="0"/>
+          <a:ext cx="0" cy="0"/>
+          <a:chOff x="0" y="0"/>
+          <a:chExt cx="0" cy="0"/>
+        </a:xfrm>
+      </p:grpSpPr>
+      <p:sp>
+        <p:nvSpPr>
+          <p:cNvPr id="5" name="内容占位符 4"/>
+          <p:cNvSpPr>
+            <a:spLocks noGrp="1"/>
+          </p:cNvSpPr>
+          <p:nvPr>
+            <p:ph idx="1"/>
+          </p:nvPr>
+        </p:nvSpPr>
+        <p:spPr/>
+        <p:txBody>
+          <a:bodyPr/>
+          <a:lstStyle/>
+          <a:p>
+            <a:pPr>
+              <a:buFont typeface="Wingdings" charset="2"/>
+              <a:buChar char="Ø"/>
+            </a:pPr>
+            <a:r>
+              <a:rPr kumimoji="1" lang="en-US" altLang="en-US" dirty="0" err="1" smtClean="0">
+                <a:latin typeface="Heiti SC Light"/>
+                <a:ea typeface="Heiti SC Light"/>
+                <a:cs typeface="Heiti SC Light"/>
+              </a:rPr>
+              <a:t>介绍Spring</a:t>
+            </a:r>
+            <a:r>
+              <a:rPr kumimoji="1" lang="en-US" altLang="en-US" dirty="0" smtClean="0">
+                <a:latin typeface="Heiti SC Light"/>
+                <a:ea typeface="Heiti SC Light"/>
+                <a:cs typeface="Heiti SC Light"/>
+              </a:rPr>
+              <a:t> MVC 3</a:t>
+            </a:r>
+            <a:endParaRPr kumimoji="1" lang="en-US" altLang="en-US" dirty="0">
+              <a:latin typeface="Heiti SC Light"/>
+              <a:ea typeface="Heiti SC Light"/>
+              <a:cs typeface="Heiti SC Light"/>
+            </a:endParaRPr>
+          </a:p>
+          <a:p>
+            <a:pPr>
+              <a:buFont typeface="Wingdings" charset="2"/>
+              <a:buChar char="Ø"/>
+            </a:pPr>
+            <a:r>
+              <a:rPr kumimoji="1" lang="zh-CN" altLang="en-US" dirty="0" smtClean="0">
+                <a:latin typeface="Heiti SC Light"/>
+                <a:ea typeface="Heiti SC Light"/>
+                <a:cs typeface="Heiti SC Light"/>
+              </a:rPr>
+              <a:t>希望在</a:t>
+            </a:r>
+            <a:r>
+              <a:rPr kumimoji="1" lang="en-US" altLang="zh-CN" dirty="0" err="1" smtClean="0">
+                <a:latin typeface="Heiti SC Light"/>
+                <a:ea typeface="Heiti SC Light"/>
+                <a:cs typeface="Heiti SC Light"/>
+              </a:rPr>
+              <a:t>WebEstimating</a:t>
+            </a:r>
+            <a:r>
+              <a:rPr kumimoji="1" lang="zh-CN" altLang="en-US" dirty="0" smtClean="0">
+                <a:latin typeface="Heiti SC Light"/>
+                <a:ea typeface="Heiti SC Light"/>
+                <a:cs typeface="Heiti SC Light"/>
+              </a:rPr>
+              <a:t>中推广</a:t>
+            </a:r>
+            <a:r>
+              <a:rPr kumimoji="1" lang="en-US" altLang="zh-CN" dirty="0" smtClean="0">
+                <a:latin typeface="Heiti SC Light"/>
+                <a:ea typeface="Heiti SC Light"/>
+                <a:cs typeface="Heiti SC Light"/>
+              </a:rPr>
+              <a:t>Spring</a:t>
+            </a:r>
+            <a:r>
+              <a:rPr kumimoji="1" lang="zh-CN" altLang="en-US" dirty="0" smtClean="0">
+                <a:latin typeface="Heiti SC Light"/>
+                <a:ea typeface="Heiti SC Light"/>
+                <a:cs typeface="Heiti SC Light"/>
+              </a:rPr>
+              <a:t> </a:t>
+            </a:r>
+            <a:r>
+              <a:rPr kumimoji="1" lang="en-US" altLang="zh-CN" dirty="0" smtClean="0">
+                <a:latin typeface="Heiti SC Light"/>
+                <a:ea typeface="Heiti SC Light"/>
+                <a:cs typeface="Heiti SC Light"/>
+              </a:rPr>
+              <a:t>MVC</a:t>
+            </a:r>
+            <a:r>
+              <a:rPr kumimoji="1" lang="zh-CN" altLang="en-US" dirty="0" smtClean="0">
+                <a:latin typeface="Heiti SC Light"/>
+                <a:ea typeface="Heiti SC Light"/>
+                <a:cs typeface="Heiti SC Light"/>
+              </a:rPr>
+              <a:t> </a:t>
+            </a:r>
+            <a:r>
+              <a:rPr kumimoji="1" lang="en-US" altLang="zh-CN" dirty="0" smtClean="0">
+                <a:latin typeface="Heiti SC Light"/>
+                <a:ea typeface="Heiti SC Light"/>
+                <a:cs typeface="Heiti SC Light"/>
+              </a:rPr>
+              <a:t>3</a:t>
+            </a:r>
+            <a:endParaRPr kumimoji="1" lang="en-US" altLang="en-US" dirty="0" smtClean="0">
+              <a:latin typeface="Heiti SC Light"/>
+              <a:ea typeface="Heiti SC Light"/>
+              <a:cs typeface="Heiti SC Light"/>
+            </a:endParaRPr>
+          </a:p>
+        </p:txBody>
+      </p:sp>
+      <p:sp>
+        <p:nvSpPr>
+          <p:cNvPr id="2" name="标题 1"/>
+          <p:cNvSpPr>
+            <a:spLocks noGrp="1"/>
+          </p:cNvSpPr>
+          <p:nvPr>
+            <p:ph type="title"/>
+          </p:nvPr>
+        </p:nvSpPr>
+        <p:spPr/>
+        <p:txBody>
+          <a:bodyPr/>
+          <a:lstStyle/>
+          <a:p>
+            <a:r>
+              <a:rPr kumimoji="1" lang="zh-CN" altLang="en-US" dirty="0" smtClean="0">
+                <a:latin typeface="Heiti SC Light"/>
+                <a:ea typeface="Heiti SC Light"/>
+                <a:cs typeface="Heiti SC Light"/>
+              </a:rPr>
+              <a:t>目的</a:t>
+            </a:r>
+            <a:endParaRPr kumimoji="1" lang="zh-CN" altLang="en-US" dirty="0">
+              <a:latin typeface="Heiti SC Light"/>
+              <a:ea typeface="Heiti SC Light"/>
+              <a:cs typeface="Heiti SC Light"/>
+            </a:endParaRPr>
+          </a:p>
+        </p:txBody>
+      </p:sp>
+      <p:sp>
+        <p:nvSpPr>
+          <p:cNvPr id="4" name="副标题 2"/>
+          <p:cNvSpPr txBox="1">
+            <a:spLocks/>
+          </p:cNvSpPr>
+          <p:nvPr/>
+        </p:nvSpPr>
+        <p:spPr>
+          <a:xfrm>
+            <a:off x="690032" y="1651180"/>
+            <a:ext cx="7772400" cy="4153985"/>
+          </a:xfrm>
+          <a:prstGeom prst="rect">
+            <a:avLst/>
+          </a:prstGeom>
+        </p:spPr>
+        <p:txBody>
+          <a:bodyPr vert="horz" lIns="91440" tIns="45720" rIns="91440" bIns="45720" rtlCol="0" anchor="b">
+            <a:normAutofit/>
+          </a:bodyPr>
+          <a:lstStyle>
+            <a:lvl1pPr marL="0" indent="0" algn="ctr" defTabSz="914400" rtl="0" eaLnBrk="1" latinLnBrk="0" hangingPunct="1">
+              <a:spcBef>
+                <a:spcPct val="20000"/>
+              </a:spcBef>
+              <a:buClr>
+                <a:schemeClr val="accent1"/>
+              </a:buClr>
+              <a:buSzPct val="100000"/>
+              <a:buFont typeface="Symbol" pitchFamily="18" charset="2"/>
+              <a:buNone/>
+              <a:defRPr sz="2000" kern="1200">
+                <a:solidFill>
+                  <a:srgbClr val="FFFFFF"/>
+                </a:solidFill>
+                <a:latin typeface="+mn-lt"/>
+                <a:ea typeface="+mn-ea"/>
+                <a:cs typeface="+mn-cs"/>
+              </a:defRPr>
+            </a:lvl1pPr>
+            <a:lvl2pPr marL="457200" indent="0" algn="l" defTabSz="914400" rtl="0" eaLnBrk="1" latinLnBrk="0" hangingPunct="1">
+              <a:spcBef>
+                <a:spcPct val="20000"/>
+              </a:spcBef>
+              <a:buClr>
+                <a:schemeClr val="accent1"/>
+              </a:buClr>
+              <a:buSzPct val="100000"/>
+              <a:buFont typeface="Symbol" pitchFamily="18" charset="2"/>
+              <a:buNone/>
+              <a:defRPr sz="1800" kern="1200">
+                <a:solidFill>
+                  <a:schemeClr val="tx1">
+                    <a:tint val="75000"/>
+                  </a:schemeClr>
+                </a:solidFill>
+                <a:latin typeface="+mn-lt"/>
+                <a:ea typeface="+mn-ea"/>
+                <a:cs typeface="+mn-cs"/>
+              </a:defRPr>
+            </a:lvl2pPr>
+            <a:lvl3pPr marL="914400" indent="0" algn="l" defTabSz="914400" rtl="0" eaLnBrk="1" latinLnBrk="0" hangingPunct="1">
+              <a:spcBef>
+                <a:spcPct val="20000"/>
+              </a:spcBef>
+              <a:buClr>
+                <a:schemeClr val="accent1"/>
+              </a:buClr>
+              <a:buSzPct val="100000"/>
+              <a:buFont typeface="Symbol" pitchFamily="18" charset="2"/>
+              <a:buNone/>
+              <a:defRPr sz="1600" kern="1200">
+                <a:solidFill>
+                  <a:schemeClr val="tx1">
+                    <a:tint val="75000"/>
+                  </a:schemeClr>
+                </a:solidFill>
+                <a:latin typeface="+mn-lt"/>
+                <a:ea typeface="+mn-ea"/>
+                <a:cs typeface="+mn-cs"/>
+              </a:defRPr>
+            </a:lvl3pPr>
+            <a:lvl4pPr marL="1371600" indent="0" algn="l" defTabSz="914400" rtl="0" eaLnBrk="1" latinLnBrk="0" hangingPunct="1">
+              <a:spcBef>
+                <a:spcPct val="20000"/>
+              </a:spcBef>
+              <a:buClr>
+                <a:schemeClr val="accent1"/>
+              </a:buClr>
+              <a:buSzPct val="100000"/>
+              <a:buFont typeface="Symbol" pitchFamily="18" charset="2"/>
+              <a:buNone/>
+              <a:defRPr sz="1400" kern="1200">
+                <a:solidFill>
+                  <a:schemeClr val="tx1">
+                    <a:tint val="75000"/>
+                  </a:schemeClr>
+                </a:solidFill>
+                <a:latin typeface="+mn-lt"/>
+                <a:ea typeface="+mn-ea"/>
+                <a:cs typeface="+mn-cs"/>
+              </a:defRPr>
+            </a:lvl4pPr>
+            <a:lvl5pPr marL="1828800" indent="0" algn="l" defTabSz="914400" rtl="0" eaLnBrk="1" latinLnBrk="0" hangingPunct="1">
+              <a:spcBef>
+                <a:spcPct val="20000"/>
+              </a:spcBef>
+              <a:buClr>
+                <a:schemeClr val="accent1"/>
+              </a:buClr>
+              <a:buSzPct val="100000"/>
+              <a:buFont typeface="Symbol" pitchFamily="18" charset="2"/>
+              <a:buNone/>
+              <a:defRPr sz="1400" kern="1200">
+                <a:solidFill>
+                  <a:schemeClr val="tx1">
+                    <a:tint val="75000"/>
+                  </a:schemeClr>
+                </a:solidFill>
+                <a:latin typeface="+mn-lt"/>
+                <a:ea typeface="+mn-ea"/>
+                <a:cs typeface="+mn-cs"/>
+              </a:defRPr>
+            </a:lvl5pPr>
+            <a:lvl6pPr marL="2286000" indent="0" algn="l" defTabSz="914400" rtl="0" eaLnBrk="1" latinLnBrk="0" hangingPunct="1">
+              <a:spcBef>
+                <a:spcPts val="384"/>
+              </a:spcBef>
+              <a:buClr>
+                <a:schemeClr val="accent1"/>
+              </a:buClr>
+              <a:buFont typeface="Symbol" pitchFamily="18" charset="2"/>
+              <a:buNone/>
+              <a:defRPr sz="1400" kern="1200">
+                <a:solidFill>
+                  <a:schemeClr val="tx1">
+                    <a:tint val="75000"/>
+                  </a:schemeClr>
+                </a:solidFill>
+                <a:latin typeface="+mn-lt"/>
+                <a:ea typeface="+mn-ea"/>
+                <a:cs typeface="+mn-cs"/>
+              </a:defRPr>
+            </a:lvl6pPr>
+            <a:lvl7pPr marL="2743200" indent="0" algn="l" defTabSz="914400" rtl="0" eaLnBrk="1" latinLnBrk="0" hangingPunct="1">
+              <a:spcBef>
+                <a:spcPts val="384"/>
+              </a:spcBef>
+              <a:buClr>
+                <a:schemeClr val="accent1"/>
+              </a:buClr>
+              <a:buFont typeface="Symbol" pitchFamily="18" charset="2"/>
+              <a:buNone/>
+              <a:defRPr sz="1400" kern="1200">
+                <a:solidFill>
+                  <a:schemeClr val="tx1">
+                    <a:tint val="75000"/>
+                  </a:schemeClr>
+                </a:solidFill>
+                <a:latin typeface="+mn-lt"/>
+                <a:ea typeface="+mn-ea"/>
+                <a:cs typeface="+mn-cs"/>
+              </a:defRPr>
+            </a:lvl7pPr>
+            <a:lvl8pPr marL="3200400" indent="0" algn="l" defTabSz="914400" rtl="0" eaLnBrk="1" latinLnBrk="0" hangingPunct="1">
+              <a:spcBef>
+                <a:spcPts val="384"/>
+              </a:spcBef>
+              <a:buClr>
+                <a:schemeClr val="accent1"/>
+              </a:buClr>
+              <a:buFont typeface="Symbol" pitchFamily="18" charset="2"/>
+              <a:buNone/>
+              <a:defRPr sz="1400" kern="1200">
+                <a:solidFill>
+                  <a:schemeClr val="tx1">
+                    <a:tint val="75000"/>
+                  </a:schemeClr>
+                </a:solidFill>
+                <a:latin typeface="+mn-lt"/>
+                <a:ea typeface="+mn-ea"/>
+                <a:cs typeface="+mn-cs"/>
+              </a:defRPr>
+            </a:lvl8pPr>
+            <a:lvl9pPr marL="3657600" indent="0" algn="l" defTabSz="914400" rtl="0" eaLnBrk="1" latinLnBrk="0" hangingPunct="1">
+              <a:spcBef>
+                <a:spcPts val="384"/>
+              </a:spcBef>
+              <a:buClr>
+                <a:schemeClr val="accent1"/>
+              </a:buClr>
+              <a:buFont typeface="Symbol" pitchFamily="18" charset="2"/>
+              <a:buNone/>
+              <a:defRPr sz="1400" kern="1200">
+                <a:solidFill>
+                  <a:schemeClr val="tx1">
+                    <a:tint val="75000"/>
+                  </a:schemeClr>
+                </a:solidFill>
+                <a:latin typeface="+mn-lt"/>
+                <a:ea typeface="+mn-ea"/>
+                <a:cs typeface="+mn-cs"/>
+              </a:defRPr>
+            </a:lvl9pPr>
+          </a:lstStyle>
+          <a:p>
+            <a:endParaRPr kumimoji="1" lang="zh-CN" altLang="en-US" dirty="0">
+              <a:solidFill>
+                <a:schemeClr val="tx1"/>
+              </a:solidFill>
+            </a:endParaRPr>
+          </a:p>
+        </p:txBody>
+      </p:sp>
+    </p:spTree>
+    <p:extLst>
+      <p:ext uri="{BB962C8B-B14F-4D97-AF65-F5344CB8AC3E}">
+        <p14:creationId xmlns:p14="http://schemas.microsoft.com/office/powerpoint/2010/main" val="2102558356"/>
+      </p:ext>
+    </p:extLst>
+  </p:cSld>
+  <p:clrMapOvr>
+    <a:masterClrMapping/>
+  </p:clrMapOvr>
+  <p:timing>
+    <p:tnLst>
+      <p:par>
+        <p:cTn xmlns:p14="http://schemas.microsoft.com/office/powerpoint/2010/main" id="1" dur="indefinite" restart="never" nodeType="tmRoot"/>
+      </p:par>
+    </p:tnLst>
+  </p:timing>
+</p:sld>
+</file>
+
 <file path=ppt/theme/theme1.xml><?xml version="1.0" encoding="utf-8"?>
 <a:theme xmlns:a="http://schemas.openxmlformats.org/drawingml/2006/main" name="波形">
   <a:themeElements>

--- a/SpringMVC3.pptx
+++ b/SpringMVC3.pptx
@@ -7,6 +7,8 @@
   <p:sldIdLst>
     <p:sldId id="256" r:id="rId2"/>
     <p:sldId id="257" r:id="rId3"/>
+    <p:sldId id="258" r:id="rId4"/>
+    <p:sldId id="259" r:id="rId5"/>
   </p:sldIdLst>
   <p:sldSz cx="9144000" cy="6858000" type="screen4x3"/>
   <p:notesSz cx="6858000" cy="9144000"/>
@@ -1921,7 +1923,7 @@
             <a:fld id="{E30E2307-1E40-4E12-8716-25BFDA8E7013}" type="datetime1">
               <a:rPr lang="en-US" smtClean="0"/>
               <a:pPr/>
-              <a:t>13-8-5</a:t>
+              <a:t>10/11/2013</a:t>
             </a:fld>
             <a:endParaRPr lang="en-US"/>
           </a:p>
@@ -2104,7 +2106,7 @@
             <a:fld id="{E5CFCF5A-EA79-452C-A52C-1A2668C2E7DF}" type="datetime1">
               <a:rPr lang="en-US" smtClean="0"/>
               <a:pPr/>
-              <a:t>13-8-5</a:t>
+              <a:t>10/11/2013</a:t>
             </a:fld>
             <a:endParaRPr lang="en-US"/>
           </a:p>
@@ -2257,7 +2259,7 @@
             <a:fld id="{2E5C4C28-BD4B-4892-9A2D-6E19BD753A9A}" type="datetime1">
               <a:rPr lang="en-US" smtClean="0"/>
               <a:pPr/>
-              <a:t>13-8-5</a:t>
+              <a:t>10/11/2013</a:t>
             </a:fld>
             <a:endParaRPr lang="en-US"/>
           </a:p>
@@ -4085,7 +4087,7 @@
             <a:fld id="{61FD9D02-426E-46C9-9EE9-0DE1EF8B2838}" type="datetime1">
               <a:rPr lang="en-US" smtClean="0"/>
               <a:pPr/>
-              <a:t>13-8-5</a:t>
+              <a:t>10/11/2013</a:t>
             </a:fld>
             <a:endParaRPr lang="en-US"/>
           </a:p>
@@ -5957,7 +5959,7 @@
             <a:fld id="{7B8AEBBE-F8B2-42CF-9895-E86A608384EB}" type="datetime1">
               <a:rPr lang="en-US" smtClean="0"/>
               <a:pPr/>
-              <a:t>13-8-5</a:t>
+              <a:t>10/11/2013</a:t>
             </a:fld>
             <a:endParaRPr lang="en-US"/>
           </a:p>
@@ -6072,7 +6074,7 @@
             <a:fld id="{E1FAA6B6-10E5-4810-BC9F-DA72D8452E73}" type="datetime1">
               <a:rPr lang="en-US" smtClean="0"/>
               <a:pPr/>
-              <a:t>13-8-5</a:t>
+              <a:t>10/11/2013</a:t>
             </a:fld>
             <a:endParaRPr lang="en-US"/>
           </a:p>
@@ -6615,7 +6617,7 @@
             <a:fld id="{6D18D072-EF12-4AA2-BD71-ABC68B06D0E2}" type="datetime1">
               <a:rPr lang="en-US" smtClean="0"/>
               <a:pPr/>
-              <a:t>13-8-5</a:t>
+              <a:t>10/11/2013</a:t>
             </a:fld>
             <a:endParaRPr lang="en-US"/>
           </a:p>
@@ -6730,7 +6732,7 @@
             <a:fld id="{B8CDBF60-6CC3-4B74-A60D-3486985E4346}" type="datetime1">
               <a:rPr lang="en-US" smtClean="0"/>
               <a:pPr/>
-              <a:t>13-8-5</a:t>
+              <a:t>10/11/2013</a:t>
             </a:fld>
             <a:endParaRPr lang="en-US"/>
           </a:p>
@@ -8443,7 +8445,7 @@
             <a:fld id="{22714818-984F-4759-BF72-A33BDC1963BD}" type="datetime1">
               <a:rPr lang="en-US" smtClean="0"/>
               <a:pPr/>
-              <a:t>13-8-5</a:t>
+              <a:t>10/11/2013</a:t>
             </a:fld>
             <a:endParaRPr lang="en-US"/>
           </a:p>
@@ -8596,7 +8598,7 @@
             <a:fld id="{9EA7E191-5F94-4FC1-B823-BD7CABF7FA06}" type="datetime1">
               <a:rPr lang="en-US" smtClean="0"/>
               <a:pPr/>
-              <a:t>13-8-5</a:t>
+              <a:t>10/11/2013</a:t>
             </a:fld>
             <a:endParaRPr lang="en-US"/>
           </a:p>
@@ -12213,7 +12215,7 @@
             <a:fld id="{88856D55-EFBE-4F9B-8A5F-09D42CA22A9B}" type="datetime1">
               <a:rPr lang="en-US" smtClean="0"/>
               <a:pPr/>
-              <a:t>13-8-5</a:t>
+              <a:t>10/11/2013</a:t>
             </a:fld>
             <a:endParaRPr lang="en-US"/>
           </a:p>
@@ -14074,7 +14076,7 @@
             <a:fld id="{9D1D110F-3F4E-48D9-B8AA-5D0E825AFDBA}" type="datetime1">
               <a:rPr lang="en-US" smtClean="0"/>
               <a:pPr/>
-              <a:t>13-8-5</a:t>
+              <a:t>10/11/2013</a:t>
             </a:fld>
             <a:endParaRPr lang="en-US"/>
           </a:p>
@@ -14695,7 +14697,7 @@
   <p:timing>
     <p:tnLst>
       <p:par>
-        <p:cTn xmlns:p14="http://schemas.microsoft.com/office/powerpoint/2010/main" id="1" dur="indefinite" restart="never" nodeType="tmRoot"/>
+        <p:cTn id="1" dur="indefinite" restart="never" nodeType="tmRoot"/>
       </p:par>
     </p:tnLst>
   </p:timing>
@@ -14849,20 +14851,20 @@
         </p:nvSpPr>
         <p:spPr/>
         <p:txBody>
-          <a:bodyPr/>
+          <a:bodyPr>
+            <a:noAutofit/>
+          </a:bodyPr>
           <a:lstStyle/>
           <a:p>
             <a:r>
-              <a:rPr kumimoji="1" lang="zh-CN" altLang="en-US" dirty="0" smtClean="0">
-                <a:latin typeface="Heiti SC Light"/>
-                <a:ea typeface="Heiti SC Light"/>
+              <a:rPr kumimoji="1" lang="zh-CN" altLang="en-US" sz="8000" dirty="0" smtClean="0">
+                <a:latin typeface="+mj-ea"/>
                 <a:cs typeface="Heiti SC Light"/>
               </a:rPr>
               <a:t>目的</a:t>
             </a:r>
-            <a:endParaRPr kumimoji="1" lang="zh-CN" altLang="en-US" dirty="0">
-              <a:latin typeface="Heiti SC Light"/>
-              <a:ea typeface="Heiti SC Light"/>
+            <a:endParaRPr kumimoji="1" lang="zh-CN" altLang="en-US" sz="8000" dirty="0">
+              <a:latin typeface="+mj-ea"/>
               <a:cs typeface="Heiti SC Light"/>
             </a:endParaRPr>
           </a:p>
@@ -15096,7 +15098,929 @@
   <p:timing>
     <p:tnLst>
       <p:par>
-        <p:cTn xmlns:p14="http://schemas.microsoft.com/office/powerpoint/2010/main" id="1" dur="indefinite" restart="never" nodeType="tmRoot"/>
+        <p:cTn id="1" dur="indefinite" restart="never" nodeType="tmRoot"/>
+      </p:par>
+    </p:tnLst>
+  </p:timing>
+</p:sld>
+</file>
+
+<file path=ppt/slides/slide3.xml><?xml version="1.0" encoding="utf-8"?>
+<p:sld xmlns:a="http://schemas.openxmlformats.org/drawingml/2006/main" xmlns:r="http://schemas.openxmlformats.org/officeDocument/2006/relationships" xmlns:p="http://schemas.openxmlformats.org/presentationml/2006/main">
+  <p:cSld>
+    <p:spTree>
+      <p:nvGrpSpPr>
+        <p:cNvPr id="1" name=""/>
+        <p:cNvGrpSpPr/>
+        <p:nvPr/>
+      </p:nvGrpSpPr>
+      <p:grpSpPr>
+        <a:xfrm>
+          <a:off x="0" y="0"/>
+          <a:ext cx="0" cy="0"/>
+          <a:chOff x="0" y="0"/>
+          <a:chExt cx="0" cy="0"/>
+        </a:xfrm>
+      </p:grpSpPr>
+      <p:sp>
+        <p:nvSpPr>
+          <p:cNvPr id="5" name="内容占位符 4"/>
+          <p:cNvSpPr>
+            <a:spLocks noGrp="1"/>
+          </p:cNvSpPr>
+          <p:nvPr>
+            <p:ph idx="1"/>
+          </p:nvPr>
+        </p:nvSpPr>
+        <p:spPr/>
+        <p:txBody>
+          <a:bodyPr/>
+          <a:lstStyle/>
+          <a:p>
+            <a:pPr>
+              <a:buFont typeface="Wingdings" charset="2"/>
+              <a:buChar char="Ø"/>
+            </a:pPr>
+            <a:r>
+              <a:rPr kumimoji="1" lang="en-US" altLang="zh-CN" dirty="0" smtClean="0">
+                <a:latin typeface="+mj-ea"/>
+                <a:ea typeface="+mj-ea"/>
+                <a:cs typeface="Heiti SC Light"/>
+              </a:rPr>
+              <a:t>Model Driven</a:t>
+            </a:r>
+          </a:p>
+          <a:p>
+            <a:pPr>
+              <a:buFont typeface="Wingdings" charset="2"/>
+              <a:buChar char="Ø"/>
+            </a:pPr>
+            <a:r>
+              <a:rPr kumimoji="1" lang="en-US" altLang="zh-CN" dirty="0" smtClean="0">
+                <a:latin typeface="+mj-ea"/>
+                <a:ea typeface="+mj-ea"/>
+                <a:cs typeface="Heiti SC Light"/>
+              </a:rPr>
+              <a:t>Modern</a:t>
+            </a:r>
+            <a:r>
+              <a:rPr kumimoji="1" lang="zh-CN" altLang="en-US" dirty="0" smtClean="0">
+                <a:latin typeface="+mj-ea"/>
+                <a:ea typeface="+mj-ea"/>
+                <a:cs typeface="Heiti SC Light"/>
+              </a:rPr>
+              <a:t>的</a:t>
+            </a:r>
+            <a:r>
+              <a:rPr kumimoji="1" lang="en-US" altLang="zh-CN" dirty="0" smtClean="0">
+                <a:latin typeface="+mj-ea"/>
+                <a:ea typeface="+mj-ea"/>
+                <a:cs typeface="Heiti SC Light"/>
+              </a:rPr>
+              <a:t>API</a:t>
+            </a:r>
+          </a:p>
+          <a:p>
+            <a:pPr>
+              <a:buFont typeface="Wingdings" charset="2"/>
+              <a:buChar char="Ø"/>
+            </a:pPr>
+            <a:r>
+              <a:rPr kumimoji="1" lang="en-US" altLang="zh-CN" dirty="0" smtClean="0">
+                <a:latin typeface="+mj-ea"/>
+                <a:ea typeface="+mj-ea"/>
+                <a:cs typeface="Heiti SC Light"/>
+              </a:rPr>
+              <a:t>Spring</a:t>
+            </a:r>
+            <a:r>
+              <a:rPr kumimoji="1" lang="zh-CN" altLang="en-US" dirty="0" smtClean="0">
+                <a:latin typeface="+mj-ea"/>
+                <a:ea typeface="+mj-ea"/>
+                <a:cs typeface="Heiti SC Light"/>
+              </a:rPr>
+              <a:t>整合更好</a:t>
+            </a:r>
+            <a:endParaRPr kumimoji="1" lang="en-US" altLang="zh-CN" dirty="0" smtClean="0">
+              <a:latin typeface="+mj-ea"/>
+              <a:ea typeface="+mj-ea"/>
+              <a:cs typeface="Heiti SC Light"/>
+            </a:endParaRPr>
+          </a:p>
+          <a:p>
+            <a:pPr>
+              <a:buFont typeface="Wingdings" charset="2"/>
+              <a:buChar char="Ø"/>
+            </a:pPr>
+            <a:r>
+              <a:rPr kumimoji="1" lang="en-US" altLang="zh-CN" dirty="0" err="1" smtClean="0">
+                <a:latin typeface="+mj-ea"/>
+                <a:ea typeface="+mj-ea"/>
+                <a:cs typeface="Heiti SC Light"/>
+              </a:rPr>
+              <a:t>RESTful</a:t>
+            </a:r>
+            <a:r>
+              <a:rPr kumimoji="1" lang="zh-CN" altLang="en-US" dirty="0" smtClean="0">
+                <a:latin typeface="+mj-ea"/>
+                <a:ea typeface="+mj-ea"/>
+                <a:cs typeface="Heiti SC Light"/>
+              </a:rPr>
+              <a:t>支持更好</a:t>
+            </a:r>
+            <a:endParaRPr kumimoji="1" lang="en-US" altLang="zh-CN" dirty="0" smtClean="0">
+              <a:latin typeface="+mj-ea"/>
+              <a:ea typeface="+mj-ea"/>
+              <a:cs typeface="Heiti SC Light"/>
+            </a:endParaRPr>
+          </a:p>
+          <a:p>
+            <a:pPr>
+              <a:buFont typeface="Wingdings" charset="2"/>
+              <a:buChar char="Ø"/>
+            </a:pPr>
+            <a:r>
+              <a:rPr kumimoji="1" lang="en-US" altLang="zh-CN" dirty="0" smtClean="0">
+                <a:latin typeface="+mj-ea"/>
+                <a:ea typeface="+mj-ea"/>
+                <a:cs typeface="Heiti SC Light"/>
+              </a:rPr>
+              <a:t>Performance</a:t>
+            </a:r>
+          </a:p>
+          <a:p>
+            <a:pPr>
+              <a:buFont typeface="Wingdings" charset="2"/>
+              <a:buChar char="Ø"/>
+            </a:pPr>
+            <a:r>
+              <a:rPr kumimoji="1" lang="zh-CN" altLang="en-US" dirty="0">
+                <a:latin typeface="+mj-ea"/>
+                <a:ea typeface="+mj-ea"/>
+                <a:cs typeface="Heiti SC Light"/>
+              </a:rPr>
+              <a:t>社</a:t>
+            </a:r>
+            <a:r>
+              <a:rPr kumimoji="1" lang="zh-CN" altLang="en-US" dirty="0" smtClean="0">
+                <a:latin typeface="+mj-ea"/>
+                <a:ea typeface="+mj-ea"/>
+                <a:cs typeface="Heiti SC Light"/>
+              </a:rPr>
+              <a:t>区支持更好</a:t>
+            </a:r>
+            <a:endParaRPr kumimoji="1" lang="en-US" altLang="zh-CN" dirty="0" smtClean="0">
+              <a:latin typeface="+mj-ea"/>
+              <a:ea typeface="+mj-ea"/>
+              <a:cs typeface="Heiti SC Light"/>
+            </a:endParaRPr>
+          </a:p>
+          <a:p>
+            <a:pPr>
+              <a:buFont typeface="Wingdings" charset="2"/>
+              <a:buChar char="Ø"/>
+            </a:pPr>
+            <a:endParaRPr kumimoji="1" lang="en-US" altLang="zh-CN" dirty="0" smtClean="0">
+              <a:latin typeface="+mj-ea"/>
+              <a:ea typeface="+mj-ea"/>
+              <a:cs typeface="Heiti SC Light"/>
+            </a:endParaRPr>
+          </a:p>
+        </p:txBody>
+      </p:sp>
+      <p:sp>
+        <p:nvSpPr>
+          <p:cNvPr id="2" name="标题 1"/>
+          <p:cNvSpPr>
+            <a:spLocks noGrp="1"/>
+          </p:cNvSpPr>
+          <p:nvPr>
+            <p:ph type="title"/>
+          </p:nvPr>
+        </p:nvSpPr>
+        <p:spPr/>
+        <p:txBody>
+          <a:bodyPr/>
+          <a:lstStyle/>
+          <a:p>
+            <a:r>
+              <a:rPr kumimoji="1" lang="zh-CN" altLang="en-US" dirty="0">
+                <a:latin typeface="+mj-ea"/>
+                <a:cs typeface="Heiti SC Light"/>
+              </a:rPr>
+              <a:t>为什</a:t>
+            </a:r>
+            <a:r>
+              <a:rPr kumimoji="1" lang="zh-CN" altLang="en-US" dirty="0" smtClean="0">
+                <a:latin typeface="+mj-ea"/>
+                <a:cs typeface="Heiti SC Light"/>
+              </a:rPr>
+              <a:t>么用</a:t>
+            </a:r>
+            <a:r>
+              <a:rPr kumimoji="1" lang="en-US" altLang="zh-CN" dirty="0" smtClean="0">
+                <a:latin typeface="+mj-ea"/>
+                <a:cs typeface="Heiti SC Light"/>
+              </a:rPr>
+              <a:t>Spring MVC</a:t>
+            </a:r>
+            <a:endParaRPr kumimoji="1" lang="zh-CN" altLang="en-US" dirty="0">
+              <a:latin typeface="+mj-ea"/>
+              <a:cs typeface="Heiti SC Light"/>
+            </a:endParaRPr>
+          </a:p>
+        </p:txBody>
+      </p:sp>
+      <p:sp>
+        <p:nvSpPr>
+          <p:cNvPr id="4" name="副标题 2"/>
+          <p:cNvSpPr txBox="1">
+            <a:spLocks/>
+          </p:cNvSpPr>
+          <p:nvPr/>
+        </p:nvSpPr>
+        <p:spPr>
+          <a:xfrm>
+            <a:off x="690032" y="1651180"/>
+            <a:ext cx="7772400" cy="4153985"/>
+          </a:xfrm>
+          <a:prstGeom prst="rect">
+            <a:avLst/>
+          </a:prstGeom>
+        </p:spPr>
+        <p:txBody>
+          <a:bodyPr vert="horz" lIns="91440" tIns="45720" rIns="91440" bIns="45720" rtlCol="0" anchor="b">
+            <a:normAutofit/>
+          </a:bodyPr>
+          <a:lstStyle>
+            <a:lvl1pPr marL="0" indent="0" algn="ctr" defTabSz="914400" rtl="0" eaLnBrk="1" latinLnBrk="0" hangingPunct="1">
+              <a:spcBef>
+                <a:spcPct val="20000"/>
+              </a:spcBef>
+              <a:buClr>
+                <a:schemeClr val="accent1"/>
+              </a:buClr>
+              <a:buSzPct val="100000"/>
+              <a:buFont typeface="Symbol" pitchFamily="18" charset="2"/>
+              <a:buNone/>
+              <a:defRPr sz="2000" kern="1200">
+                <a:solidFill>
+                  <a:srgbClr val="FFFFFF"/>
+                </a:solidFill>
+                <a:latin typeface="+mn-lt"/>
+                <a:ea typeface="+mn-ea"/>
+                <a:cs typeface="+mn-cs"/>
+              </a:defRPr>
+            </a:lvl1pPr>
+            <a:lvl2pPr marL="457200" indent="0" algn="l" defTabSz="914400" rtl="0" eaLnBrk="1" latinLnBrk="0" hangingPunct="1">
+              <a:spcBef>
+                <a:spcPct val="20000"/>
+              </a:spcBef>
+              <a:buClr>
+                <a:schemeClr val="accent1"/>
+              </a:buClr>
+              <a:buSzPct val="100000"/>
+              <a:buFont typeface="Symbol" pitchFamily="18" charset="2"/>
+              <a:buNone/>
+              <a:defRPr sz="1800" kern="1200">
+                <a:solidFill>
+                  <a:schemeClr val="tx1">
+                    <a:tint val="75000"/>
+                  </a:schemeClr>
+                </a:solidFill>
+                <a:latin typeface="+mn-lt"/>
+                <a:ea typeface="+mn-ea"/>
+                <a:cs typeface="+mn-cs"/>
+              </a:defRPr>
+            </a:lvl2pPr>
+            <a:lvl3pPr marL="914400" indent="0" algn="l" defTabSz="914400" rtl="0" eaLnBrk="1" latinLnBrk="0" hangingPunct="1">
+              <a:spcBef>
+                <a:spcPct val="20000"/>
+              </a:spcBef>
+              <a:buClr>
+                <a:schemeClr val="accent1"/>
+              </a:buClr>
+              <a:buSzPct val="100000"/>
+              <a:buFont typeface="Symbol" pitchFamily="18" charset="2"/>
+              <a:buNone/>
+              <a:defRPr sz="1600" kern="1200">
+                <a:solidFill>
+                  <a:schemeClr val="tx1">
+                    <a:tint val="75000"/>
+                  </a:schemeClr>
+                </a:solidFill>
+                <a:latin typeface="+mn-lt"/>
+                <a:ea typeface="+mn-ea"/>
+                <a:cs typeface="+mn-cs"/>
+              </a:defRPr>
+            </a:lvl3pPr>
+            <a:lvl4pPr marL="1371600" indent="0" algn="l" defTabSz="914400" rtl="0" eaLnBrk="1" latinLnBrk="0" hangingPunct="1">
+              <a:spcBef>
+                <a:spcPct val="20000"/>
+              </a:spcBef>
+              <a:buClr>
+                <a:schemeClr val="accent1"/>
+              </a:buClr>
+              <a:buSzPct val="100000"/>
+              <a:buFont typeface="Symbol" pitchFamily="18" charset="2"/>
+              <a:buNone/>
+              <a:defRPr sz="1400" kern="1200">
+                <a:solidFill>
+                  <a:schemeClr val="tx1">
+                    <a:tint val="75000"/>
+                  </a:schemeClr>
+                </a:solidFill>
+                <a:latin typeface="+mn-lt"/>
+                <a:ea typeface="+mn-ea"/>
+                <a:cs typeface="+mn-cs"/>
+              </a:defRPr>
+            </a:lvl4pPr>
+            <a:lvl5pPr marL="1828800" indent="0" algn="l" defTabSz="914400" rtl="0" eaLnBrk="1" latinLnBrk="0" hangingPunct="1">
+              <a:spcBef>
+                <a:spcPct val="20000"/>
+              </a:spcBef>
+              <a:buClr>
+                <a:schemeClr val="accent1"/>
+              </a:buClr>
+              <a:buSzPct val="100000"/>
+              <a:buFont typeface="Symbol" pitchFamily="18" charset="2"/>
+              <a:buNone/>
+              <a:defRPr sz="1400" kern="1200">
+                <a:solidFill>
+                  <a:schemeClr val="tx1">
+                    <a:tint val="75000"/>
+                  </a:schemeClr>
+                </a:solidFill>
+                <a:latin typeface="+mn-lt"/>
+                <a:ea typeface="+mn-ea"/>
+                <a:cs typeface="+mn-cs"/>
+              </a:defRPr>
+            </a:lvl5pPr>
+            <a:lvl6pPr marL="2286000" indent="0" algn="l" defTabSz="914400" rtl="0" eaLnBrk="1" latinLnBrk="0" hangingPunct="1">
+              <a:spcBef>
+                <a:spcPts val="384"/>
+              </a:spcBef>
+              <a:buClr>
+                <a:schemeClr val="accent1"/>
+              </a:buClr>
+              <a:buFont typeface="Symbol" pitchFamily="18" charset="2"/>
+              <a:buNone/>
+              <a:defRPr sz="1400" kern="1200">
+                <a:solidFill>
+                  <a:schemeClr val="tx1">
+                    <a:tint val="75000"/>
+                  </a:schemeClr>
+                </a:solidFill>
+                <a:latin typeface="+mn-lt"/>
+                <a:ea typeface="+mn-ea"/>
+                <a:cs typeface="+mn-cs"/>
+              </a:defRPr>
+            </a:lvl6pPr>
+            <a:lvl7pPr marL="2743200" indent="0" algn="l" defTabSz="914400" rtl="0" eaLnBrk="1" latinLnBrk="0" hangingPunct="1">
+              <a:spcBef>
+                <a:spcPts val="384"/>
+              </a:spcBef>
+              <a:buClr>
+                <a:schemeClr val="accent1"/>
+              </a:buClr>
+              <a:buFont typeface="Symbol" pitchFamily="18" charset="2"/>
+              <a:buNone/>
+              <a:defRPr sz="1400" kern="1200">
+                <a:solidFill>
+                  <a:schemeClr val="tx1">
+                    <a:tint val="75000"/>
+                  </a:schemeClr>
+                </a:solidFill>
+                <a:latin typeface="+mn-lt"/>
+                <a:ea typeface="+mn-ea"/>
+                <a:cs typeface="+mn-cs"/>
+              </a:defRPr>
+            </a:lvl7pPr>
+            <a:lvl8pPr marL="3200400" indent="0" algn="l" defTabSz="914400" rtl="0" eaLnBrk="1" latinLnBrk="0" hangingPunct="1">
+              <a:spcBef>
+                <a:spcPts val="384"/>
+              </a:spcBef>
+              <a:buClr>
+                <a:schemeClr val="accent1"/>
+              </a:buClr>
+              <a:buFont typeface="Symbol" pitchFamily="18" charset="2"/>
+              <a:buNone/>
+              <a:defRPr sz="1400" kern="1200">
+                <a:solidFill>
+                  <a:schemeClr val="tx1">
+                    <a:tint val="75000"/>
+                  </a:schemeClr>
+                </a:solidFill>
+                <a:latin typeface="+mn-lt"/>
+                <a:ea typeface="+mn-ea"/>
+                <a:cs typeface="+mn-cs"/>
+              </a:defRPr>
+            </a:lvl8pPr>
+            <a:lvl9pPr marL="3657600" indent="0" algn="l" defTabSz="914400" rtl="0" eaLnBrk="1" latinLnBrk="0" hangingPunct="1">
+              <a:spcBef>
+                <a:spcPts val="384"/>
+              </a:spcBef>
+              <a:buClr>
+                <a:schemeClr val="accent1"/>
+              </a:buClr>
+              <a:buFont typeface="Symbol" pitchFamily="18" charset="2"/>
+              <a:buNone/>
+              <a:defRPr sz="1400" kern="1200">
+                <a:solidFill>
+                  <a:schemeClr val="tx1">
+                    <a:tint val="75000"/>
+                  </a:schemeClr>
+                </a:solidFill>
+                <a:latin typeface="+mn-lt"/>
+                <a:ea typeface="+mn-ea"/>
+                <a:cs typeface="+mn-cs"/>
+              </a:defRPr>
+            </a:lvl9pPr>
+          </a:lstStyle>
+          <a:p>
+            <a:endParaRPr kumimoji="1" lang="zh-CN" altLang="en-US" dirty="0">
+              <a:solidFill>
+                <a:schemeClr val="tx1"/>
+              </a:solidFill>
+            </a:endParaRPr>
+          </a:p>
+        </p:txBody>
+      </p:sp>
+    </p:spTree>
+    <p:extLst>
+      <p:ext uri="{BB962C8B-B14F-4D97-AF65-F5344CB8AC3E}">
+        <p14:creationId xmlns:p14="http://schemas.microsoft.com/office/powerpoint/2010/main" val="3145520429"/>
+      </p:ext>
+    </p:extLst>
+  </p:cSld>
+  <p:clrMapOvr>
+    <a:masterClrMapping/>
+  </p:clrMapOvr>
+  <p:timing>
+    <p:tnLst>
+      <p:par>
+        <p:cTn id="1" dur="indefinite" restart="never" nodeType="tmRoot"/>
+      </p:par>
+    </p:tnLst>
+  </p:timing>
+</p:sld>
+</file>
+
+<file path=ppt/slides/slide4.xml><?xml version="1.0" encoding="utf-8"?>
+<p:sld xmlns:a="http://schemas.openxmlformats.org/drawingml/2006/main" xmlns:r="http://schemas.openxmlformats.org/officeDocument/2006/relationships" xmlns:p="http://schemas.openxmlformats.org/presentationml/2006/main">
+  <p:cSld>
+    <p:spTree>
+      <p:nvGrpSpPr>
+        <p:cNvPr id="1" name=""/>
+        <p:cNvGrpSpPr/>
+        <p:nvPr/>
+      </p:nvGrpSpPr>
+      <p:grpSpPr>
+        <a:xfrm>
+          <a:off x="0" y="0"/>
+          <a:ext cx="0" cy="0"/>
+          <a:chOff x="0" y="0"/>
+          <a:chExt cx="0" cy="0"/>
+        </a:xfrm>
+      </p:grpSpPr>
+      <p:sp>
+        <p:nvSpPr>
+          <p:cNvPr id="5" name="内容占位符 4"/>
+          <p:cNvSpPr>
+            <a:spLocks noGrp="1"/>
+          </p:cNvSpPr>
+          <p:nvPr>
+            <p:ph idx="1"/>
+          </p:nvPr>
+        </p:nvSpPr>
+        <p:spPr/>
+        <p:txBody>
+          <a:bodyPr/>
+          <a:lstStyle/>
+          <a:p>
+            <a:pPr>
+              <a:buFont typeface="Wingdings" charset="2"/>
+              <a:buChar char="Ø"/>
+            </a:pPr>
+            <a:r>
+              <a:rPr kumimoji="1" lang="en-US" altLang="zh-CN" dirty="0" smtClean="0">
+                <a:latin typeface="+mj-ea"/>
+                <a:ea typeface="+mj-ea"/>
+                <a:cs typeface="Heiti SC Light"/>
+              </a:rPr>
+              <a:t>Model Driven</a:t>
+            </a:r>
+          </a:p>
+          <a:p>
+            <a:pPr>
+              <a:buFont typeface="Wingdings" charset="2"/>
+              <a:buChar char="Ø"/>
+            </a:pPr>
+            <a:r>
+              <a:rPr kumimoji="1" lang="en-US" altLang="zh-CN" dirty="0" smtClean="0">
+                <a:latin typeface="+mj-ea"/>
+                <a:ea typeface="+mj-ea"/>
+                <a:cs typeface="Heiti SC Light"/>
+              </a:rPr>
+              <a:t>Modern</a:t>
+            </a:r>
+            <a:r>
+              <a:rPr kumimoji="1" lang="zh-CN" altLang="en-US" dirty="0" smtClean="0">
+                <a:latin typeface="+mj-ea"/>
+                <a:ea typeface="+mj-ea"/>
+                <a:cs typeface="Heiti SC Light"/>
+              </a:rPr>
+              <a:t>的</a:t>
+            </a:r>
+            <a:r>
+              <a:rPr kumimoji="1" lang="en-US" altLang="zh-CN" dirty="0" smtClean="0">
+                <a:latin typeface="+mj-ea"/>
+                <a:ea typeface="+mj-ea"/>
+                <a:cs typeface="Heiti SC Light"/>
+              </a:rPr>
+              <a:t>API</a:t>
+            </a:r>
+          </a:p>
+          <a:p>
+            <a:pPr>
+              <a:buFont typeface="Wingdings" charset="2"/>
+              <a:buChar char="Ø"/>
+            </a:pPr>
+            <a:r>
+              <a:rPr kumimoji="1" lang="en-US" altLang="zh-CN" dirty="0" smtClean="0">
+                <a:latin typeface="+mj-ea"/>
+                <a:ea typeface="+mj-ea"/>
+                <a:cs typeface="Heiti SC Light"/>
+              </a:rPr>
+              <a:t>Spring</a:t>
+            </a:r>
+            <a:r>
+              <a:rPr kumimoji="1" lang="zh-CN" altLang="en-US" dirty="0" smtClean="0">
+                <a:latin typeface="+mj-ea"/>
+                <a:ea typeface="+mj-ea"/>
+                <a:cs typeface="Heiti SC Light"/>
+              </a:rPr>
+              <a:t>整合更好</a:t>
+            </a:r>
+            <a:endParaRPr kumimoji="1" lang="en-US" altLang="zh-CN" dirty="0" smtClean="0">
+              <a:latin typeface="+mj-ea"/>
+              <a:ea typeface="+mj-ea"/>
+              <a:cs typeface="Heiti SC Light"/>
+            </a:endParaRPr>
+          </a:p>
+          <a:p>
+            <a:pPr>
+              <a:buFont typeface="Wingdings" charset="2"/>
+              <a:buChar char="Ø"/>
+            </a:pPr>
+            <a:r>
+              <a:rPr kumimoji="1" lang="en-US" altLang="zh-CN" dirty="0" err="1" smtClean="0">
+                <a:latin typeface="+mj-ea"/>
+                <a:ea typeface="+mj-ea"/>
+                <a:cs typeface="Heiti SC Light"/>
+              </a:rPr>
+              <a:t>RESTful</a:t>
+            </a:r>
+            <a:r>
+              <a:rPr kumimoji="1" lang="zh-CN" altLang="en-US" dirty="0" smtClean="0">
+                <a:latin typeface="+mj-ea"/>
+                <a:ea typeface="+mj-ea"/>
+                <a:cs typeface="Heiti SC Light"/>
+              </a:rPr>
+              <a:t>支持更好</a:t>
+            </a:r>
+            <a:endParaRPr kumimoji="1" lang="en-US" altLang="zh-CN" dirty="0" smtClean="0">
+              <a:latin typeface="+mj-ea"/>
+              <a:ea typeface="+mj-ea"/>
+              <a:cs typeface="Heiti SC Light"/>
+            </a:endParaRPr>
+          </a:p>
+          <a:p>
+            <a:pPr>
+              <a:buFont typeface="Wingdings" charset="2"/>
+              <a:buChar char="Ø"/>
+            </a:pPr>
+            <a:r>
+              <a:rPr kumimoji="1" lang="en-US" altLang="zh-CN" dirty="0" smtClean="0">
+                <a:latin typeface="+mj-ea"/>
+                <a:ea typeface="+mj-ea"/>
+                <a:cs typeface="Heiti SC Light"/>
+              </a:rPr>
+              <a:t>Performance</a:t>
+            </a:r>
+          </a:p>
+          <a:p>
+            <a:pPr>
+              <a:buFont typeface="Wingdings" charset="2"/>
+              <a:buChar char="Ø"/>
+            </a:pPr>
+            <a:r>
+              <a:rPr kumimoji="1" lang="zh-CN" altLang="en-US" dirty="0">
+                <a:latin typeface="+mj-ea"/>
+                <a:ea typeface="+mj-ea"/>
+                <a:cs typeface="Heiti SC Light"/>
+              </a:rPr>
+              <a:t>社</a:t>
+            </a:r>
+            <a:r>
+              <a:rPr kumimoji="1" lang="zh-CN" altLang="en-US" dirty="0" smtClean="0">
+                <a:latin typeface="+mj-ea"/>
+                <a:ea typeface="+mj-ea"/>
+                <a:cs typeface="Heiti SC Light"/>
+              </a:rPr>
+              <a:t>区支持更好</a:t>
+            </a:r>
+            <a:endParaRPr kumimoji="1" lang="en-US" altLang="zh-CN" dirty="0" smtClean="0">
+              <a:latin typeface="+mj-ea"/>
+              <a:ea typeface="+mj-ea"/>
+              <a:cs typeface="Heiti SC Light"/>
+            </a:endParaRPr>
+          </a:p>
+          <a:p>
+            <a:pPr>
+              <a:buFont typeface="Wingdings" charset="2"/>
+              <a:buChar char="Ø"/>
+            </a:pPr>
+            <a:endParaRPr kumimoji="1" lang="en-US" altLang="zh-CN" dirty="0" smtClean="0">
+              <a:latin typeface="+mj-ea"/>
+              <a:ea typeface="+mj-ea"/>
+              <a:cs typeface="Heiti SC Light"/>
+            </a:endParaRPr>
+          </a:p>
+        </p:txBody>
+      </p:sp>
+      <p:sp>
+        <p:nvSpPr>
+          <p:cNvPr id="2" name="标题 1"/>
+          <p:cNvSpPr>
+            <a:spLocks noGrp="1"/>
+          </p:cNvSpPr>
+          <p:nvPr>
+            <p:ph type="title"/>
+          </p:nvPr>
+        </p:nvSpPr>
+        <p:spPr/>
+        <p:txBody>
+          <a:bodyPr/>
+          <a:lstStyle/>
+          <a:p>
+            <a:r>
+              <a:rPr kumimoji="1" lang="zh-CN" altLang="en-US" dirty="0">
+                <a:latin typeface="+mj-ea"/>
+                <a:cs typeface="Heiti SC Light"/>
+              </a:rPr>
+              <a:t>为什</a:t>
+            </a:r>
+            <a:r>
+              <a:rPr kumimoji="1" lang="zh-CN" altLang="en-US" dirty="0" smtClean="0">
+                <a:latin typeface="+mj-ea"/>
+                <a:cs typeface="Heiti SC Light"/>
+              </a:rPr>
+              <a:t>么用</a:t>
+            </a:r>
+            <a:r>
+              <a:rPr kumimoji="1" lang="en-US" altLang="zh-CN" dirty="0" smtClean="0">
+                <a:latin typeface="+mj-ea"/>
+                <a:cs typeface="Heiti SC Light"/>
+              </a:rPr>
+              <a:t>Spring MVC</a:t>
+            </a:r>
+            <a:endParaRPr kumimoji="1" lang="zh-CN" altLang="en-US" dirty="0">
+              <a:latin typeface="+mj-ea"/>
+              <a:cs typeface="Heiti SC Light"/>
+            </a:endParaRPr>
+          </a:p>
+        </p:txBody>
+      </p:sp>
+      <p:sp>
+        <p:nvSpPr>
+          <p:cNvPr id="4" name="副标题 2"/>
+          <p:cNvSpPr txBox="1">
+            <a:spLocks/>
+          </p:cNvSpPr>
+          <p:nvPr/>
+        </p:nvSpPr>
+        <p:spPr>
+          <a:xfrm>
+            <a:off x="690032" y="1651180"/>
+            <a:ext cx="7772400" cy="4153985"/>
+          </a:xfrm>
+          <a:prstGeom prst="rect">
+            <a:avLst/>
+          </a:prstGeom>
+        </p:spPr>
+        <p:txBody>
+          <a:bodyPr vert="horz" lIns="91440" tIns="45720" rIns="91440" bIns="45720" rtlCol="0" anchor="b">
+            <a:normAutofit/>
+          </a:bodyPr>
+          <a:lstStyle>
+            <a:lvl1pPr marL="0" indent="0" algn="ctr" defTabSz="914400" rtl="0" eaLnBrk="1" latinLnBrk="0" hangingPunct="1">
+              <a:spcBef>
+                <a:spcPct val="20000"/>
+              </a:spcBef>
+              <a:buClr>
+                <a:schemeClr val="accent1"/>
+              </a:buClr>
+              <a:buSzPct val="100000"/>
+              <a:buFont typeface="Symbol" pitchFamily="18" charset="2"/>
+              <a:buNone/>
+              <a:defRPr sz="2000" kern="1200">
+                <a:solidFill>
+                  <a:srgbClr val="FFFFFF"/>
+                </a:solidFill>
+                <a:latin typeface="+mn-lt"/>
+                <a:ea typeface="+mn-ea"/>
+                <a:cs typeface="+mn-cs"/>
+              </a:defRPr>
+            </a:lvl1pPr>
+            <a:lvl2pPr marL="457200" indent="0" algn="l" defTabSz="914400" rtl="0" eaLnBrk="1" latinLnBrk="0" hangingPunct="1">
+              <a:spcBef>
+                <a:spcPct val="20000"/>
+              </a:spcBef>
+              <a:buClr>
+                <a:schemeClr val="accent1"/>
+              </a:buClr>
+              <a:buSzPct val="100000"/>
+              <a:buFont typeface="Symbol" pitchFamily="18" charset="2"/>
+              <a:buNone/>
+              <a:defRPr sz="1800" kern="1200">
+                <a:solidFill>
+                  <a:schemeClr val="tx1">
+                    <a:tint val="75000"/>
+                  </a:schemeClr>
+                </a:solidFill>
+                <a:latin typeface="+mn-lt"/>
+                <a:ea typeface="+mn-ea"/>
+                <a:cs typeface="+mn-cs"/>
+              </a:defRPr>
+            </a:lvl2pPr>
+            <a:lvl3pPr marL="914400" indent="0" algn="l" defTabSz="914400" rtl="0" eaLnBrk="1" latinLnBrk="0" hangingPunct="1">
+              <a:spcBef>
+                <a:spcPct val="20000"/>
+              </a:spcBef>
+              <a:buClr>
+                <a:schemeClr val="accent1"/>
+              </a:buClr>
+              <a:buSzPct val="100000"/>
+              <a:buFont typeface="Symbol" pitchFamily="18" charset="2"/>
+              <a:buNone/>
+              <a:defRPr sz="1600" kern="1200">
+                <a:solidFill>
+                  <a:schemeClr val="tx1">
+                    <a:tint val="75000"/>
+                  </a:schemeClr>
+                </a:solidFill>
+                <a:latin typeface="+mn-lt"/>
+                <a:ea typeface="+mn-ea"/>
+                <a:cs typeface="+mn-cs"/>
+              </a:defRPr>
+            </a:lvl3pPr>
+            <a:lvl4pPr marL="1371600" indent="0" algn="l" defTabSz="914400" rtl="0" eaLnBrk="1" latinLnBrk="0" hangingPunct="1">
+              <a:spcBef>
+                <a:spcPct val="20000"/>
+              </a:spcBef>
+              <a:buClr>
+                <a:schemeClr val="accent1"/>
+              </a:buClr>
+              <a:buSzPct val="100000"/>
+              <a:buFont typeface="Symbol" pitchFamily="18" charset="2"/>
+              <a:buNone/>
+              <a:defRPr sz="1400" kern="1200">
+                <a:solidFill>
+                  <a:schemeClr val="tx1">
+                    <a:tint val="75000"/>
+                  </a:schemeClr>
+                </a:solidFill>
+                <a:latin typeface="+mn-lt"/>
+                <a:ea typeface="+mn-ea"/>
+                <a:cs typeface="+mn-cs"/>
+              </a:defRPr>
+            </a:lvl4pPr>
+            <a:lvl5pPr marL="1828800" indent="0" algn="l" defTabSz="914400" rtl="0" eaLnBrk="1" latinLnBrk="0" hangingPunct="1">
+              <a:spcBef>
+                <a:spcPct val="20000"/>
+              </a:spcBef>
+              <a:buClr>
+                <a:schemeClr val="accent1"/>
+              </a:buClr>
+              <a:buSzPct val="100000"/>
+              <a:buFont typeface="Symbol" pitchFamily="18" charset="2"/>
+              <a:buNone/>
+              <a:defRPr sz="1400" kern="1200">
+                <a:solidFill>
+                  <a:schemeClr val="tx1">
+                    <a:tint val="75000"/>
+                  </a:schemeClr>
+                </a:solidFill>
+                <a:latin typeface="+mn-lt"/>
+                <a:ea typeface="+mn-ea"/>
+                <a:cs typeface="+mn-cs"/>
+              </a:defRPr>
+            </a:lvl5pPr>
+            <a:lvl6pPr marL="2286000" indent="0" algn="l" defTabSz="914400" rtl="0" eaLnBrk="1" latinLnBrk="0" hangingPunct="1">
+              <a:spcBef>
+                <a:spcPts val="384"/>
+              </a:spcBef>
+              <a:buClr>
+                <a:schemeClr val="accent1"/>
+              </a:buClr>
+              <a:buFont typeface="Symbol" pitchFamily="18" charset="2"/>
+              <a:buNone/>
+              <a:defRPr sz="1400" kern="1200">
+                <a:solidFill>
+                  <a:schemeClr val="tx1">
+                    <a:tint val="75000"/>
+                  </a:schemeClr>
+                </a:solidFill>
+                <a:latin typeface="+mn-lt"/>
+                <a:ea typeface="+mn-ea"/>
+                <a:cs typeface="+mn-cs"/>
+              </a:defRPr>
+            </a:lvl6pPr>
+            <a:lvl7pPr marL="2743200" indent="0" algn="l" defTabSz="914400" rtl="0" eaLnBrk="1" latinLnBrk="0" hangingPunct="1">
+              <a:spcBef>
+                <a:spcPts val="384"/>
+              </a:spcBef>
+              <a:buClr>
+                <a:schemeClr val="accent1"/>
+              </a:buClr>
+              <a:buFont typeface="Symbol" pitchFamily="18" charset="2"/>
+              <a:buNone/>
+              <a:defRPr sz="1400" kern="1200">
+                <a:solidFill>
+                  <a:schemeClr val="tx1">
+                    <a:tint val="75000"/>
+                  </a:schemeClr>
+                </a:solidFill>
+                <a:latin typeface="+mn-lt"/>
+                <a:ea typeface="+mn-ea"/>
+                <a:cs typeface="+mn-cs"/>
+              </a:defRPr>
+            </a:lvl7pPr>
+            <a:lvl8pPr marL="3200400" indent="0" algn="l" defTabSz="914400" rtl="0" eaLnBrk="1" latinLnBrk="0" hangingPunct="1">
+              <a:spcBef>
+                <a:spcPts val="384"/>
+              </a:spcBef>
+              <a:buClr>
+                <a:schemeClr val="accent1"/>
+              </a:buClr>
+              <a:buFont typeface="Symbol" pitchFamily="18" charset="2"/>
+              <a:buNone/>
+              <a:defRPr sz="1400" kern="1200">
+                <a:solidFill>
+                  <a:schemeClr val="tx1">
+                    <a:tint val="75000"/>
+                  </a:schemeClr>
+                </a:solidFill>
+                <a:latin typeface="+mn-lt"/>
+                <a:ea typeface="+mn-ea"/>
+                <a:cs typeface="+mn-cs"/>
+              </a:defRPr>
+            </a:lvl8pPr>
+            <a:lvl9pPr marL="3657600" indent="0" algn="l" defTabSz="914400" rtl="0" eaLnBrk="1" latinLnBrk="0" hangingPunct="1">
+              <a:spcBef>
+                <a:spcPts val="384"/>
+              </a:spcBef>
+              <a:buClr>
+                <a:schemeClr val="accent1"/>
+              </a:buClr>
+              <a:buFont typeface="Symbol" pitchFamily="18" charset="2"/>
+              <a:buNone/>
+              <a:defRPr sz="1400" kern="1200">
+                <a:solidFill>
+                  <a:schemeClr val="tx1">
+                    <a:tint val="75000"/>
+                  </a:schemeClr>
+                </a:solidFill>
+                <a:latin typeface="+mn-lt"/>
+                <a:ea typeface="+mn-ea"/>
+                <a:cs typeface="+mn-cs"/>
+              </a:defRPr>
+            </a:lvl9pPr>
+          </a:lstStyle>
+          <a:p>
+            <a:endParaRPr kumimoji="1" lang="zh-CN" altLang="en-US" dirty="0">
+              <a:solidFill>
+                <a:schemeClr val="tx1"/>
+              </a:solidFill>
+            </a:endParaRPr>
+          </a:p>
+        </p:txBody>
+      </p:sp>
+    </p:spTree>
+    <p:extLst>
+      <p:ext uri="{BB962C8B-B14F-4D97-AF65-F5344CB8AC3E}">
+        <p14:creationId xmlns:p14="http://schemas.microsoft.com/office/powerpoint/2010/main" val="1451551853"/>
+      </p:ext>
+    </p:extLst>
+  </p:cSld>
+  <p:clrMapOvr>
+    <a:masterClrMapping/>
+  </p:clrMapOvr>
+  <p:timing>
+    <p:tnLst>
+      <p:par>
+        <p:cTn id="1" dur="indefinite" restart="never" nodeType="tmRoot"/>
       </p:par>
     </p:tnLst>
   </p:timing>

--- a/SpringMVC3.pptx
+++ b/SpringMVC3.pptx
@@ -9,6 +9,7 @@
     <p:sldId id="257" r:id="rId3"/>
     <p:sldId id="258" r:id="rId4"/>
     <p:sldId id="259" r:id="rId5"/>
+    <p:sldId id="260" r:id="rId6"/>
   </p:sldIdLst>
   <p:sldSz cx="9144000" cy="6858000" type="screen4x3"/>
   <p:notesSz cx="6858000" cy="9144000"/>
@@ -15593,9 +15594,16 @@
             <p:ph idx="1"/>
           </p:nvPr>
         </p:nvSpPr>
-        <p:spPr/>
+        <p:spPr>
+          <a:xfrm>
+            <a:off x="872067" y="1856096"/>
+            <a:ext cx="7408333" cy="4476465"/>
+          </a:xfrm>
+        </p:spPr>
         <p:txBody>
-          <a:bodyPr/>
+          <a:bodyPr>
+            <a:normAutofit fontScale="85000" lnSpcReduction="20000"/>
+          </a:bodyPr>
           <a:lstStyle/>
           <a:p>
             <a:pPr>
@@ -15603,91 +15611,12 @@
               <a:buChar char="Ø"/>
             </a:pPr>
             <a:r>
-              <a:rPr kumimoji="1" lang="en-US" altLang="zh-CN" dirty="0" smtClean="0">
+              <a:rPr kumimoji="1" lang="en-US" altLang="zh-CN" dirty="0">
                 <a:latin typeface="+mj-ea"/>
                 <a:ea typeface="+mj-ea"/>
                 <a:cs typeface="Heiti SC Light"/>
               </a:rPr>
-              <a:t>Model Driven</a:t>
-            </a:r>
-          </a:p>
-          <a:p>
-            <a:pPr>
-              <a:buFont typeface="Wingdings" charset="2"/>
-              <a:buChar char="Ø"/>
-            </a:pPr>
-            <a:r>
-              <a:rPr kumimoji="1" lang="en-US" altLang="zh-CN" dirty="0" smtClean="0">
-                <a:latin typeface="+mj-ea"/>
-                <a:ea typeface="+mj-ea"/>
-                <a:cs typeface="Heiti SC Light"/>
-              </a:rPr>
-              <a:t>Modern</a:t>
-            </a:r>
-            <a:r>
-              <a:rPr kumimoji="1" lang="zh-CN" altLang="en-US" dirty="0" smtClean="0">
-                <a:latin typeface="+mj-ea"/>
-                <a:ea typeface="+mj-ea"/>
-                <a:cs typeface="Heiti SC Light"/>
-              </a:rPr>
-              <a:t>的</a:t>
-            </a:r>
-            <a:r>
-              <a:rPr kumimoji="1" lang="en-US" altLang="zh-CN" dirty="0" smtClean="0">
-                <a:latin typeface="+mj-ea"/>
-                <a:ea typeface="+mj-ea"/>
-                <a:cs typeface="Heiti SC Light"/>
-              </a:rPr>
-              <a:t>API</a:t>
-            </a:r>
-          </a:p>
-          <a:p>
-            <a:pPr>
-              <a:buFont typeface="Wingdings" charset="2"/>
-              <a:buChar char="Ø"/>
-            </a:pPr>
-            <a:r>
-              <a:rPr kumimoji="1" lang="en-US" altLang="zh-CN" dirty="0" smtClean="0">
-                <a:latin typeface="+mj-ea"/>
-                <a:ea typeface="+mj-ea"/>
-                <a:cs typeface="Heiti SC Light"/>
-              </a:rPr>
-              <a:t>Spring</a:t>
-            </a:r>
-            <a:r>
-              <a:rPr kumimoji="1" lang="zh-CN" altLang="en-US" dirty="0" smtClean="0">
-                <a:latin typeface="+mj-ea"/>
-                <a:ea typeface="+mj-ea"/>
-                <a:cs typeface="Heiti SC Light"/>
-              </a:rPr>
-              <a:t>整合更好</a:t>
-            </a:r>
-            <a:endParaRPr kumimoji="1" lang="en-US" altLang="zh-CN" dirty="0" smtClean="0">
-              <a:latin typeface="+mj-ea"/>
-              <a:ea typeface="+mj-ea"/>
-              <a:cs typeface="Heiti SC Light"/>
-            </a:endParaRPr>
-          </a:p>
-          <a:p>
-            <a:pPr>
-              <a:buFont typeface="Wingdings" charset="2"/>
-              <a:buChar char="Ø"/>
-            </a:pPr>
-            <a:r>
-              <a:rPr kumimoji="1" lang="en-US" altLang="zh-CN" dirty="0" err="1" smtClean="0">
-                <a:latin typeface="+mj-ea"/>
-                <a:ea typeface="+mj-ea"/>
-                <a:cs typeface="Heiti SC Light"/>
-              </a:rPr>
-              <a:t>RESTful</a:t>
-            </a:r>
-            <a:r>
-              <a:rPr kumimoji="1" lang="zh-CN" altLang="en-US" dirty="0" smtClean="0">
-                <a:latin typeface="+mj-ea"/>
-                <a:ea typeface="+mj-ea"/>
-                <a:cs typeface="Heiti SC Light"/>
-              </a:rPr>
-              <a:t>支持更好</a:t>
+              <a:t>Getting started</a:t>
             </a:r>
             <a:endParaRPr kumimoji="1" lang="en-US" altLang="zh-CN" dirty="0" smtClean="0">
               <a:latin typeface="+mj-ea"/>
@@ -15706,8 +15635,48 @@
                 <a:ea typeface="+mj-ea"/>
                 <a:cs typeface="Heiti SC Light"/>
               </a:rPr>
-              <a:t>Performance</a:t>
+              <a:t>MVC </a:t>
             </a:r>
+            <a:r>
+              <a:rPr kumimoji="1" lang="zh-CN" altLang="en-US" dirty="0" smtClean="0">
+                <a:latin typeface="+mj-ea"/>
+                <a:ea typeface="+mj-ea"/>
+                <a:cs typeface="Heiti SC Light"/>
+              </a:rPr>
+              <a:t>模型</a:t>
+            </a:r>
+            <a:endParaRPr kumimoji="1" lang="en-US" altLang="zh-CN" dirty="0" smtClean="0">
+              <a:latin typeface="+mj-ea"/>
+              <a:ea typeface="+mj-ea"/>
+              <a:cs typeface="Heiti SC Light"/>
+            </a:endParaRPr>
+          </a:p>
+          <a:p>
+            <a:pPr>
+              <a:buFont typeface="Wingdings" charset="2"/>
+              <a:buChar char="Ø"/>
+            </a:pPr>
+            <a:r>
+              <a:rPr kumimoji="1" lang="en-US" altLang="zh-CN" dirty="0" smtClean="0">
+                <a:latin typeface="+mj-ea"/>
+                <a:ea typeface="+mj-ea"/>
+                <a:cs typeface="Heiti SC Light"/>
+              </a:rPr>
+              <a:t>HTTP</a:t>
+            </a:r>
+            <a:r>
+              <a:rPr kumimoji="1" lang="zh-CN" altLang="en-US" dirty="0" smtClean="0">
+                <a:latin typeface="+mj-ea"/>
+                <a:ea typeface="+mj-ea"/>
+                <a:cs typeface="Heiti SC Light"/>
+              </a:rPr>
+              <a:t>请求映射</a:t>
+            </a:r>
+            <a:endParaRPr kumimoji="1" lang="en-US" altLang="zh-CN" dirty="0" smtClean="0">
+              <a:latin typeface="+mj-ea"/>
+              <a:ea typeface="+mj-ea"/>
+              <a:cs typeface="Heiti SC Light"/>
+            </a:endParaRPr>
           </a:p>
           <a:p>
             <a:pPr>
@@ -15720,7 +15689,7 @@
                 <a:ea typeface="+mj-ea"/>
                 <a:cs typeface="Heiti SC Light"/>
               </a:rPr>
-              <a:t>社</a:t>
+              <a:t>获</a:t>
             </a:r>
             <a:r>
               <a:rPr kumimoji="1" lang="zh-CN" altLang="en-US" dirty="0" smtClean="0">
@@ -15728,7 +15697,23 @@
                 <a:ea typeface="+mj-ea"/>
                 <a:cs typeface="Heiti SC Light"/>
               </a:rPr>
-              <a:t>区支持更好</a:t>
+              <a:t>取</a:t>
+            </a:r>
+            <a:r>
+              <a:rPr kumimoji="1" lang="en-US" altLang="zh-CN" dirty="0" smtClean="0">
+                <a:latin typeface="+mj-ea"/>
+                <a:ea typeface="+mj-ea"/>
+                <a:cs typeface="Heiti SC Light"/>
+              </a:rPr>
+              <a:t>Request</a:t>
+            </a:r>
+            <a:r>
+              <a:rPr kumimoji="1" lang="zh-CN" altLang="en-US" dirty="0" smtClean="0">
+                <a:latin typeface="+mj-ea"/>
+                <a:ea typeface="+mj-ea"/>
+                <a:cs typeface="Heiti SC Light"/>
+              </a:rPr>
+              <a:t>的输入</a:t>
             </a:r>
             <a:endParaRPr kumimoji="1" lang="en-US" altLang="zh-CN" dirty="0" smtClean="0">
               <a:latin typeface="+mj-ea"/>
@@ -15741,6 +15726,260 @@
               <a:buFont typeface="Wingdings" charset="2"/>
               <a:buChar char="Ø"/>
             </a:pPr>
+            <a:r>
+              <a:rPr kumimoji="1" lang="zh-CN" altLang="en-US" dirty="0">
+                <a:latin typeface="+mj-ea"/>
+                <a:ea typeface="+mj-ea"/>
+                <a:cs typeface="Heiti SC Light"/>
+              </a:rPr>
+              <a:t>生</a:t>
+            </a:r>
+            <a:r>
+              <a:rPr kumimoji="1" lang="zh-CN" altLang="en-US" dirty="0" smtClean="0">
+                <a:latin typeface="+mj-ea"/>
+                <a:ea typeface="+mj-ea"/>
+                <a:cs typeface="Heiti SC Light"/>
+              </a:rPr>
+              <a:t>成</a:t>
+            </a:r>
+            <a:r>
+              <a:rPr kumimoji="1" lang="en-US" altLang="zh-CN" dirty="0" smtClean="0">
+                <a:latin typeface="+mj-ea"/>
+                <a:ea typeface="+mj-ea"/>
+                <a:cs typeface="Heiti SC Light"/>
+              </a:rPr>
+              <a:t>Response</a:t>
+            </a:r>
+            <a:endParaRPr kumimoji="1" lang="en-US" altLang="zh-CN" dirty="0" smtClean="0">
+              <a:latin typeface="+mj-ea"/>
+              <a:ea typeface="+mj-ea"/>
+              <a:cs typeface="Heiti SC Light"/>
+            </a:endParaRPr>
+          </a:p>
+          <a:p>
+            <a:pPr>
+              <a:buFont typeface="Wingdings" charset="2"/>
+              <a:buChar char="Ø"/>
+            </a:pPr>
+            <a:r>
+              <a:rPr kumimoji="1" lang="zh-CN" altLang="en-US" dirty="0">
+                <a:latin typeface="+mj-ea"/>
+                <a:ea typeface="+mj-ea"/>
+                <a:cs typeface="Heiti SC Light"/>
+              </a:rPr>
+              <a:t>展示</a:t>
+            </a:r>
+            <a:r>
+              <a:rPr kumimoji="1" lang="en-US" altLang="zh-CN" dirty="0" smtClean="0">
+                <a:latin typeface="+mj-ea"/>
+                <a:ea typeface="+mj-ea"/>
+                <a:cs typeface="Heiti SC Light"/>
+              </a:rPr>
+              <a:t>View</a:t>
+            </a:r>
+            <a:endParaRPr kumimoji="1" lang="en-US" altLang="zh-CN" dirty="0" smtClean="0">
+              <a:latin typeface="+mj-ea"/>
+              <a:ea typeface="+mj-ea"/>
+              <a:cs typeface="Heiti SC Light"/>
+            </a:endParaRPr>
+          </a:p>
+          <a:p>
+            <a:pPr>
+              <a:buFont typeface="Wingdings" charset="2"/>
+              <a:buChar char="Ø"/>
+            </a:pPr>
+            <a:r>
+              <a:rPr kumimoji="1" lang="en-US" altLang="zh-CN" dirty="0" smtClean="0">
+                <a:latin typeface="+mj-ea"/>
+                <a:ea typeface="+mj-ea"/>
+                <a:cs typeface="Heiti SC Light"/>
+              </a:rPr>
+              <a:t>Web</a:t>
+            </a:r>
+            <a:r>
+              <a:rPr kumimoji="1" lang="zh-CN" altLang="en-US" dirty="0">
+                <a:latin typeface="+mj-ea"/>
+                <a:ea typeface="+mj-ea"/>
+                <a:cs typeface="Heiti SC Light"/>
+              </a:rPr>
+              <a:t>应</a:t>
+            </a:r>
+            <a:r>
+              <a:rPr kumimoji="1" lang="zh-CN" altLang="en-US" dirty="0" smtClean="0">
+                <a:latin typeface="+mj-ea"/>
+                <a:ea typeface="+mj-ea"/>
+                <a:cs typeface="Heiti SC Light"/>
+              </a:rPr>
+              <a:t>用的常见课题</a:t>
+            </a:r>
+            <a:endParaRPr kumimoji="1" lang="en-US" altLang="zh-CN" dirty="0" smtClean="0">
+              <a:latin typeface="+mj-ea"/>
+              <a:ea typeface="+mj-ea"/>
+              <a:cs typeface="Heiti SC Light"/>
+            </a:endParaRPr>
+          </a:p>
+          <a:p>
+            <a:pPr lvl="1">
+              <a:buFont typeface="Wingdings" charset="2"/>
+              <a:buChar char="Ø"/>
+            </a:pPr>
+            <a:r>
+              <a:rPr kumimoji="1" lang="zh-CN" altLang="en-US" dirty="0" smtClean="0">
+                <a:latin typeface="+mj-ea"/>
+                <a:ea typeface="+mj-ea"/>
+                <a:cs typeface="Heiti SC Light"/>
+              </a:rPr>
+              <a:t>类型转换</a:t>
+            </a:r>
+            <a:endParaRPr kumimoji="1" lang="en-US" altLang="zh-CN" dirty="0" smtClean="0">
+              <a:latin typeface="+mj-ea"/>
+              <a:ea typeface="+mj-ea"/>
+              <a:cs typeface="Heiti SC Light"/>
+            </a:endParaRPr>
+          </a:p>
+          <a:p>
+            <a:pPr lvl="1">
+              <a:buFont typeface="Wingdings" charset="2"/>
+              <a:buChar char="Ø"/>
+            </a:pPr>
+            <a:r>
+              <a:rPr kumimoji="1" lang="zh-CN" altLang="en-US" dirty="0">
+                <a:latin typeface="+mj-ea"/>
+                <a:ea typeface="+mj-ea"/>
+                <a:cs typeface="Heiti SC Light"/>
+              </a:rPr>
+              <a:t>输入验</a:t>
+            </a:r>
+            <a:r>
+              <a:rPr kumimoji="1" lang="zh-CN" altLang="en-US" dirty="0" smtClean="0">
+                <a:latin typeface="+mj-ea"/>
+                <a:ea typeface="+mj-ea"/>
+                <a:cs typeface="Heiti SC Light"/>
+              </a:rPr>
+              <a:t>证</a:t>
+            </a:r>
+            <a:endParaRPr kumimoji="1" lang="en-US" altLang="zh-CN" dirty="0" smtClean="0">
+              <a:latin typeface="+mj-ea"/>
+              <a:ea typeface="+mj-ea"/>
+              <a:cs typeface="Heiti SC Light"/>
+            </a:endParaRPr>
+          </a:p>
+          <a:p>
+            <a:pPr lvl="1">
+              <a:buFont typeface="Wingdings" charset="2"/>
+              <a:buChar char="Ø"/>
+            </a:pPr>
+            <a:r>
+              <a:rPr kumimoji="1" lang="en-US" altLang="zh-CN" dirty="0" smtClean="0">
+                <a:latin typeface="+mj-ea"/>
+                <a:ea typeface="+mj-ea"/>
+                <a:cs typeface="Heiti SC Light"/>
+              </a:rPr>
+              <a:t>Form</a:t>
+            </a:r>
+          </a:p>
+          <a:p>
+            <a:pPr lvl="1">
+              <a:buFont typeface="Wingdings" charset="2"/>
+              <a:buChar char="Ø"/>
+            </a:pPr>
+            <a:r>
+              <a:rPr kumimoji="1" lang="zh-CN" altLang="en-US" dirty="0">
+                <a:latin typeface="+mj-ea"/>
+                <a:ea typeface="+mj-ea"/>
+                <a:cs typeface="Heiti SC Light"/>
+              </a:rPr>
+              <a:t>文</a:t>
+            </a:r>
+            <a:r>
+              <a:rPr kumimoji="1" lang="zh-CN" altLang="en-US" dirty="0" smtClean="0">
+                <a:latin typeface="+mj-ea"/>
+                <a:ea typeface="+mj-ea"/>
+                <a:cs typeface="Heiti SC Light"/>
+              </a:rPr>
+              <a:t>件上传</a:t>
+            </a:r>
+            <a:endParaRPr kumimoji="1" lang="en-US" altLang="zh-CN" dirty="0" smtClean="0">
+              <a:latin typeface="+mj-ea"/>
+              <a:ea typeface="+mj-ea"/>
+              <a:cs typeface="Heiti SC Light"/>
+            </a:endParaRPr>
+          </a:p>
+          <a:p>
+            <a:pPr>
+              <a:buFont typeface="Wingdings" charset="2"/>
+              <a:buChar char="Ø"/>
+            </a:pPr>
+            <a:r>
+              <a:rPr kumimoji="1" lang="zh-CN" altLang="en-US" dirty="0">
+                <a:latin typeface="+mj-ea"/>
+                <a:ea typeface="+mj-ea"/>
+                <a:cs typeface="Heiti SC Light"/>
+              </a:rPr>
+              <a:t>异</a:t>
+            </a:r>
+            <a:r>
+              <a:rPr kumimoji="1" lang="zh-CN" altLang="en-US" dirty="0" smtClean="0">
+                <a:latin typeface="+mj-ea"/>
+                <a:ea typeface="+mj-ea"/>
+                <a:cs typeface="Heiti SC Light"/>
+              </a:rPr>
+              <a:t>常处理</a:t>
+            </a:r>
+            <a:endParaRPr kumimoji="1" lang="en-US" altLang="zh-CN" dirty="0" smtClean="0">
+              <a:latin typeface="+mj-ea"/>
+              <a:ea typeface="+mj-ea"/>
+              <a:cs typeface="Heiti SC Light"/>
+            </a:endParaRPr>
+          </a:p>
+          <a:p>
+            <a:pPr>
+              <a:buFont typeface="Wingdings" charset="2"/>
+              <a:buChar char="Ø"/>
+            </a:pPr>
+            <a:r>
+              <a:rPr kumimoji="1" lang="zh-CN" altLang="en-US" dirty="0">
+                <a:latin typeface="+mj-ea"/>
+                <a:ea typeface="+mj-ea"/>
+                <a:cs typeface="Heiti SC Light"/>
+              </a:rPr>
+              <a:t>扩</a:t>
+            </a:r>
+            <a:r>
+              <a:rPr kumimoji="1" lang="zh-CN" altLang="en-US" dirty="0" smtClean="0">
+                <a:latin typeface="+mj-ea"/>
+                <a:ea typeface="+mj-ea"/>
+                <a:cs typeface="Heiti SC Light"/>
+              </a:rPr>
+              <a:t>展</a:t>
+            </a:r>
+            <a:endParaRPr kumimoji="1" lang="en-US" altLang="zh-CN" dirty="0" smtClean="0">
+              <a:latin typeface="+mj-ea"/>
+              <a:ea typeface="+mj-ea"/>
+              <a:cs typeface="Heiti SC Light"/>
+            </a:endParaRPr>
+          </a:p>
+          <a:p>
+            <a:pPr>
+              <a:buFont typeface="Wingdings" charset="2"/>
+              <a:buChar char="Ø"/>
+            </a:pPr>
+            <a:r>
+              <a:rPr kumimoji="1" lang="en-US" altLang="zh-CN" dirty="0" smtClean="0">
+                <a:latin typeface="+mj-ea"/>
+                <a:ea typeface="+mj-ea"/>
+                <a:cs typeface="Heiti SC Light"/>
+              </a:rPr>
+              <a:t>3.1/3.2</a:t>
+            </a:r>
+            <a:r>
+              <a:rPr kumimoji="1" lang="zh-CN" altLang="en-US" dirty="0" smtClean="0">
+                <a:latin typeface="+mj-ea"/>
+                <a:ea typeface="+mj-ea"/>
+                <a:cs typeface="Heiti SC Light"/>
+              </a:rPr>
+              <a:t>的新功能</a:t>
+            </a:r>
             <a:endParaRPr kumimoji="1" lang="en-US" altLang="zh-CN" dirty="0" smtClean="0">
               <a:latin typeface="+mj-ea"/>
               <a:ea typeface="+mj-ea"/>
@@ -15765,25 +16004,11 @@
           <a:lstStyle/>
           <a:p>
             <a:r>
-              <a:rPr kumimoji="1" lang="zh-CN" altLang="en-US" dirty="0">
-                <a:latin typeface="+mj-ea"/>
-                <a:cs typeface="Heiti SC Light"/>
-              </a:rPr>
-              <a:t>为什</a:t>
-            </a:r>
-            <a:r>
-              <a:rPr kumimoji="1" lang="zh-CN" altLang="en-US" dirty="0" smtClean="0">
-                <a:latin typeface="+mj-ea"/>
-                <a:cs typeface="Heiti SC Light"/>
-              </a:rPr>
-              <a:t>么用</a:t>
-            </a:r>
-            <a:r>
               <a:rPr kumimoji="1" lang="en-US" altLang="zh-CN" dirty="0" smtClean="0">
                 <a:latin typeface="+mj-ea"/>
                 <a:cs typeface="Heiti SC Light"/>
               </a:rPr>
-              <a:t>Spring MVC</a:t>
+              <a:t>Agenda</a:t>
             </a:r>
             <a:endParaRPr kumimoji="1" lang="zh-CN" altLang="en-US" dirty="0">
               <a:latin typeface="+mj-ea"/>
@@ -16011,6 +16236,317 @@
     <p:extLst>
       <p:ext uri="{BB962C8B-B14F-4D97-AF65-F5344CB8AC3E}">
         <p14:creationId xmlns:p14="http://schemas.microsoft.com/office/powerpoint/2010/main" val="1451551853"/>
+      </p:ext>
+    </p:extLst>
+  </p:cSld>
+  <p:clrMapOvr>
+    <a:masterClrMapping/>
+  </p:clrMapOvr>
+  <p:timing>
+    <p:tnLst>
+      <p:par>
+        <p:cTn id="1" dur="indefinite" restart="never" nodeType="tmRoot"/>
+      </p:par>
+    </p:tnLst>
+  </p:timing>
+</p:sld>
+</file>
+
+<file path=ppt/slides/slide5.xml><?xml version="1.0" encoding="utf-8"?>
+<p:sld xmlns:a="http://schemas.openxmlformats.org/drawingml/2006/main" xmlns:r="http://schemas.openxmlformats.org/officeDocument/2006/relationships" xmlns:p="http://schemas.openxmlformats.org/presentationml/2006/main">
+  <p:cSld>
+    <p:spTree>
+      <p:nvGrpSpPr>
+        <p:cNvPr id="1" name=""/>
+        <p:cNvGrpSpPr/>
+        <p:nvPr/>
+      </p:nvGrpSpPr>
+      <p:grpSpPr>
+        <a:xfrm>
+          <a:off x="0" y="0"/>
+          <a:ext cx="0" cy="0"/>
+          <a:chOff x="0" y="0"/>
+          <a:chExt cx="0" cy="0"/>
+        </a:xfrm>
+      </p:grpSpPr>
+      <p:sp>
+        <p:nvSpPr>
+          <p:cNvPr id="5" name="内容占位符 4"/>
+          <p:cNvSpPr>
+            <a:spLocks noGrp="1"/>
+          </p:cNvSpPr>
+          <p:nvPr>
+            <p:ph idx="1"/>
+          </p:nvPr>
+        </p:nvSpPr>
+        <p:spPr>
+          <a:xfrm>
+            <a:off x="872067" y="1856096"/>
+            <a:ext cx="7408333" cy="4476465"/>
+          </a:xfrm>
+        </p:spPr>
+        <p:txBody>
+          <a:bodyPr>
+            <a:normAutofit/>
+          </a:bodyPr>
+          <a:lstStyle/>
+          <a:p>
+            <a:pPr>
+              <a:buFont typeface="Wingdings" charset="2"/>
+              <a:buChar char="Ø"/>
+            </a:pPr>
+            <a:endParaRPr kumimoji="1" lang="en-US" altLang="zh-CN" dirty="0" smtClean="0">
+              <a:latin typeface="+mj-ea"/>
+              <a:ea typeface="+mj-ea"/>
+              <a:cs typeface="Heiti SC Light"/>
+            </a:endParaRPr>
+          </a:p>
+        </p:txBody>
+      </p:sp>
+      <p:sp>
+        <p:nvSpPr>
+          <p:cNvPr id="2" name="标题 1"/>
+          <p:cNvSpPr>
+            <a:spLocks noGrp="1"/>
+          </p:cNvSpPr>
+          <p:nvPr>
+            <p:ph type="title"/>
+          </p:nvPr>
+        </p:nvSpPr>
+        <p:spPr/>
+        <p:txBody>
+          <a:bodyPr/>
+          <a:lstStyle/>
+          <a:p>
+            <a:r>
+              <a:rPr kumimoji="1" lang="en-US" altLang="zh-CN" dirty="0">
+                <a:latin typeface="+mj-ea"/>
+                <a:cs typeface="Heiti SC Light"/>
+              </a:rPr>
+              <a:t>Getting started</a:t>
+            </a:r>
+          </a:p>
+        </p:txBody>
+      </p:sp>
+      <p:sp>
+        <p:nvSpPr>
+          <p:cNvPr id="4" name="副标题 2"/>
+          <p:cNvSpPr txBox="1">
+            <a:spLocks/>
+          </p:cNvSpPr>
+          <p:nvPr/>
+        </p:nvSpPr>
+        <p:spPr>
+          <a:xfrm>
+            <a:off x="690032" y="1651180"/>
+            <a:ext cx="7772400" cy="4153985"/>
+          </a:xfrm>
+          <a:prstGeom prst="rect">
+            <a:avLst/>
+          </a:prstGeom>
+        </p:spPr>
+        <p:txBody>
+          <a:bodyPr vert="horz" lIns="91440" tIns="45720" rIns="91440" bIns="45720" rtlCol="0" anchor="b">
+            <a:normAutofit/>
+          </a:bodyPr>
+          <a:lstStyle>
+            <a:lvl1pPr marL="0" indent="0" algn="ctr" defTabSz="914400" rtl="0" eaLnBrk="1" latinLnBrk="0" hangingPunct="1">
+              <a:spcBef>
+                <a:spcPct val="20000"/>
+              </a:spcBef>
+              <a:buClr>
+                <a:schemeClr val="accent1"/>
+              </a:buClr>
+              <a:buSzPct val="100000"/>
+              <a:buFont typeface="Symbol" pitchFamily="18" charset="2"/>
+              <a:buNone/>
+              <a:defRPr sz="2000" kern="1200">
+                <a:solidFill>
+                  <a:srgbClr val="FFFFFF"/>
+                </a:solidFill>
+                <a:latin typeface="+mn-lt"/>
+                <a:ea typeface="+mn-ea"/>
+                <a:cs typeface="+mn-cs"/>
+              </a:defRPr>
+            </a:lvl1pPr>
+            <a:lvl2pPr marL="457200" indent="0" algn="l" defTabSz="914400" rtl="0" eaLnBrk="1" latinLnBrk="0" hangingPunct="1">
+              <a:spcBef>
+                <a:spcPct val="20000"/>
+              </a:spcBef>
+              <a:buClr>
+                <a:schemeClr val="accent1"/>
+              </a:buClr>
+              <a:buSzPct val="100000"/>
+              <a:buFont typeface="Symbol" pitchFamily="18" charset="2"/>
+              <a:buNone/>
+              <a:defRPr sz="1800" kern="1200">
+                <a:solidFill>
+                  <a:schemeClr val="tx1">
+                    <a:tint val="75000"/>
+                  </a:schemeClr>
+                </a:solidFill>
+                <a:latin typeface="+mn-lt"/>
+                <a:ea typeface="+mn-ea"/>
+                <a:cs typeface="+mn-cs"/>
+              </a:defRPr>
+            </a:lvl2pPr>
+            <a:lvl3pPr marL="914400" indent="0" algn="l" defTabSz="914400" rtl="0" eaLnBrk="1" latinLnBrk="0" hangingPunct="1">
+              <a:spcBef>
+                <a:spcPct val="20000"/>
+              </a:spcBef>
+              <a:buClr>
+                <a:schemeClr val="accent1"/>
+              </a:buClr>
+              <a:buSzPct val="100000"/>
+              <a:buFont typeface="Symbol" pitchFamily="18" charset="2"/>
+              <a:buNone/>
+              <a:defRPr sz="1600" kern="1200">
+                <a:solidFill>
+                  <a:schemeClr val="tx1">
+                    <a:tint val="75000"/>
+                  </a:schemeClr>
+                </a:solidFill>
+                <a:latin typeface="+mn-lt"/>
+                <a:ea typeface="+mn-ea"/>
+                <a:cs typeface="+mn-cs"/>
+              </a:defRPr>
+            </a:lvl3pPr>
+            <a:lvl4pPr marL="1371600" indent="0" algn="l" defTabSz="914400" rtl="0" eaLnBrk="1" latinLnBrk="0" hangingPunct="1">
+              <a:spcBef>
+                <a:spcPct val="20000"/>
+              </a:spcBef>
+              <a:buClr>
+                <a:schemeClr val="accent1"/>
+              </a:buClr>
+              <a:buSzPct val="100000"/>
+              <a:buFont typeface="Symbol" pitchFamily="18" charset="2"/>
+              <a:buNone/>
+              <a:defRPr sz="1400" kern="1200">
+                <a:solidFill>
+                  <a:schemeClr val="tx1">
+                    <a:tint val="75000"/>
+                  </a:schemeClr>
+                </a:solidFill>
+                <a:latin typeface="+mn-lt"/>
+                <a:ea typeface="+mn-ea"/>
+                <a:cs typeface="+mn-cs"/>
+              </a:defRPr>
+            </a:lvl4pPr>
+            <a:lvl5pPr marL="1828800" indent="0" algn="l" defTabSz="914400" rtl="0" eaLnBrk="1" latinLnBrk="0" hangingPunct="1">
+              <a:spcBef>
+                <a:spcPct val="20000"/>
+              </a:spcBef>
+              <a:buClr>
+                <a:schemeClr val="accent1"/>
+              </a:buClr>
+              <a:buSzPct val="100000"/>
+              <a:buFont typeface="Symbol" pitchFamily="18" charset="2"/>
+              <a:buNone/>
+              <a:defRPr sz="1400" kern="1200">
+                <a:solidFill>
+                  <a:schemeClr val="tx1">
+                    <a:tint val="75000"/>
+                  </a:schemeClr>
+                </a:solidFill>
+                <a:latin typeface="+mn-lt"/>
+                <a:ea typeface="+mn-ea"/>
+                <a:cs typeface="+mn-cs"/>
+              </a:defRPr>
+            </a:lvl5pPr>
+            <a:lvl6pPr marL="2286000" indent="0" algn="l" defTabSz="914400" rtl="0" eaLnBrk="1" latinLnBrk="0" hangingPunct="1">
+              <a:spcBef>
+                <a:spcPts val="384"/>
+              </a:spcBef>
+              <a:buClr>
+                <a:schemeClr val="accent1"/>
+              </a:buClr>
+              <a:buFont typeface="Symbol" pitchFamily="18" charset="2"/>
+              <a:buNone/>
+              <a:defRPr sz="1400" kern="1200">
+                <a:solidFill>
+                  <a:schemeClr val="tx1">
+                    <a:tint val="75000"/>
+                  </a:schemeClr>
+                </a:solidFill>
+                <a:latin typeface="+mn-lt"/>
+                <a:ea typeface="+mn-ea"/>
+                <a:cs typeface="+mn-cs"/>
+              </a:defRPr>
+            </a:lvl6pPr>
+            <a:lvl7pPr marL="2743200" indent="0" algn="l" defTabSz="914400" rtl="0" eaLnBrk="1" latinLnBrk="0" hangingPunct="1">
+              <a:spcBef>
+                <a:spcPts val="384"/>
+              </a:spcBef>
+              <a:buClr>
+                <a:schemeClr val="accent1"/>
+              </a:buClr>
+              <a:buFont typeface="Symbol" pitchFamily="18" charset="2"/>
+              <a:buNone/>
+              <a:defRPr sz="1400" kern="1200">
+                <a:solidFill>
+                  <a:schemeClr val="tx1">
+                    <a:tint val="75000"/>
+                  </a:schemeClr>
+                </a:solidFill>
+                <a:latin typeface="+mn-lt"/>
+                <a:ea typeface="+mn-ea"/>
+                <a:cs typeface="+mn-cs"/>
+              </a:defRPr>
+            </a:lvl7pPr>
+            <a:lvl8pPr marL="3200400" indent="0" algn="l" defTabSz="914400" rtl="0" eaLnBrk="1" latinLnBrk="0" hangingPunct="1">
+              <a:spcBef>
+                <a:spcPts val="384"/>
+              </a:spcBef>
+              <a:buClr>
+                <a:schemeClr val="accent1"/>
+              </a:buClr>
+              <a:buFont typeface="Symbol" pitchFamily="18" charset="2"/>
+              <a:buNone/>
+              <a:defRPr sz="1400" kern="1200">
+                <a:solidFill>
+                  <a:schemeClr val="tx1">
+                    <a:tint val="75000"/>
+                  </a:schemeClr>
+                </a:solidFill>
+                <a:latin typeface="+mn-lt"/>
+                <a:ea typeface="+mn-ea"/>
+                <a:cs typeface="+mn-cs"/>
+              </a:defRPr>
+            </a:lvl8pPr>
+            <a:lvl9pPr marL="3657600" indent="0" algn="l" defTabSz="914400" rtl="0" eaLnBrk="1" latinLnBrk="0" hangingPunct="1">
+              <a:spcBef>
+                <a:spcPts val="384"/>
+              </a:spcBef>
+              <a:buClr>
+                <a:schemeClr val="accent1"/>
+              </a:buClr>
+              <a:buFont typeface="Symbol" pitchFamily="18" charset="2"/>
+              <a:buNone/>
+              <a:defRPr sz="1400" kern="1200">
+                <a:solidFill>
+                  <a:schemeClr val="tx1">
+                    <a:tint val="75000"/>
+                  </a:schemeClr>
+                </a:solidFill>
+                <a:latin typeface="+mn-lt"/>
+                <a:ea typeface="+mn-ea"/>
+                <a:cs typeface="+mn-cs"/>
+              </a:defRPr>
+            </a:lvl9pPr>
+          </a:lstStyle>
+          <a:p>
+            <a:endParaRPr kumimoji="1" lang="zh-CN" altLang="en-US" dirty="0">
+              <a:solidFill>
+                <a:schemeClr val="tx1"/>
+              </a:solidFill>
+            </a:endParaRPr>
+          </a:p>
+        </p:txBody>
+      </p:sp>
+    </p:spTree>
+    <p:extLst>
+      <p:ext uri="{BB962C8B-B14F-4D97-AF65-F5344CB8AC3E}">
+        <p14:creationId xmlns:p14="http://schemas.microsoft.com/office/powerpoint/2010/main" val="2403698646"/>
       </p:ext>
     </p:extLst>
   </p:cSld>

--- a/SpringMVC3.pptx
+++ b/SpringMVC3.pptx
@@ -10,6 +10,7 @@
     <p:sldId id="258" r:id="rId4"/>
     <p:sldId id="259" r:id="rId5"/>
     <p:sldId id="260" r:id="rId6"/>
+    <p:sldId id="261" r:id="rId7"/>
   </p:sldIdLst>
   <p:sldSz cx="9144000" cy="6858000" type="screen4x3"/>
   <p:notesSz cx="6858000" cy="9144000"/>
@@ -1924,7 +1925,7 @@
             <a:fld id="{E30E2307-1E40-4E12-8716-25BFDA8E7013}" type="datetime1">
               <a:rPr lang="en-US" smtClean="0"/>
               <a:pPr/>
-              <a:t>10/11/2013</a:t>
+              <a:t>10/12/2013</a:t>
             </a:fld>
             <a:endParaRPr lang="en-US"/>
           </a:p>
@@ -2107,7 +2108,7 @@
             <a:fld id="{E5CFCF5A-EA79-452C-A52C-1A2668C2E7DF}" type="datetime1">
               <a:rPr lang="en-US" smtClean="0"/>
               <a:pPr/>
-              <a:t>10/11/2013</a:t>
+              <a:t>10/12/2013</a:t>
             </a:fld>
             <a:endParaRPr lang="en-US"/>
           </a:p>
@@ -2260,7 +2261,7 @@
             <a:fld id="{2E5C4C28-BD4B-4892-9A2D-6E19BD753A9A}" type="datetime1">
               <a:rPr lang="en-US" smtClean="0"/>
               <a:pPr/>
-              <a:t>10/11/2013</a:t>
+              <a:t>10/12/2013</a:t>
             </a:fld>
             <a:endParaRPr lang="en-US"/>
           </a:p>
@@ -4088,7 +4089,7 @@
             <a:fld id="{61FD9D02-426E-46C9-9EE9-0DE1EF8B2838}" type="datetime1">
               <a:rPr lang="en-US" smtClean="0"/>
               <a:pPr/>
-              <a:t>10/11/2013</a:t>
+              <a:t>10/12/2013</a:t>
             </a:fld>
             <a:endParaRPr lang="en-US"/>
           </a:p>
@@ -5960,7 +5961,7 @@
             <a:fld id="{7B8AEBBE-F8B2-42CF-9895-E86A608384EB}" type="datetime1">
               <a:rPr lang="en-US" smtClean="0"/>
               <a:pPr/>
-              <a:t>10/11/2013</a:t>
+              <a:t>10/12/2013</a:t>
             </a:fld>
             <a:endParaRPr lang="en-US"/>
           </a:p>
@@ -6075,7 +6076,7 @@
             <a:fld id="{E1FAA6B6-10E5-4810-BC9F-DA72D8452E73}" type="datetime1">
               <a:rPr lang="en-US" smtClean="0"/>
               <a:pPr/>
-              <a:t>10/11/2013</a:t>
+              <a:t>10/12/2013</a:t>
             </a:fld>
             <a:endParaRPr lang="en-US"/>
           </a:p>
@@ -6618,7 +6619,7 @@
             <a:fld id="{6D18D072-EF12-4AA2-BD71-ABC68B06D0E2}" type="datetime1">
               <a:rPr lang="en-US" smtClean="0"/>
               <a:pPr/>
-              <a:t>10/11/2013</a:t>
+              <a:t>10/12/2013</a:t>
             </a:fld>
             <a:endParaRPr lang="en-US"/>
           </a:p>
@@ -6733,7 +6734,7 @@
             <a:fld id="{B8CDBF60-6CC3-4B74-A60D-3486985E4346}" type="datetime1">
               <a:rPr lang="en-US" smtClean="0"/>
               <a:pPr/>
-              <a:t>10/11/2013</a:t>
+              <a:t>10/12/2013</a:t>
             </a:fld>
             <a:endParaRPr lang="en-US"/>
           </a:p>
@@ -8446,7 +8447,7 @@
             <a:fld id="{22714818-984F-4759-BF72-A33BDC1963BD}" type="datetime1">
               <a:rPr lang="en-US" smtClean="0"/>
               <a:pPr/>
-              <a:t>10/11/2013</a:t>
+              <a:t>10/12/2013</a:t>
             </a:fld>
             <a:endParaRPr lang="en-US"/>
           </a:p>
@@ -8599,7 +8600,7 @@
             <a:fld id="{9EA7E191-5F94-4FC1-B823-BD7CABF7FA06}" type="datetime1">
               <a:rPr lang="en-US" smtClean="0"/>
               <a:pPr/>
-              <a:t>10/11/2013</a:t>
+              <a:t>10/12/2013</a:t>
             </a:fld>
             <a:endParaRPr lang="en-US"/>
           </a:p>
@@ -12216,7 +12217,7 @@
             <a:fld id="{88856D55-EFBE-4F9B-8A5F-09D42CA22A9B}" type="datetime1">
               <a:rPr lang="en-US" smtClean="0"/>
               <a:pPr/>
-              <a:t>10/11/2013</a:t>
+              <a:t>10/12/2013</a:t>
             </a:fld>
             <a:endParaRPr lang="en-US"/>
           </a:p>
@@ -14077,7 +14078,7 @@
             <a:fld id="{9D1D110F-3F4E-48D9-B8AA-5D0E825AFDBA}" type="datetime1">
               <a:rPr lang="en-US" smtClean="0"/>
               <a:pPr/>
-              <a:t>10/11/2013</a:t>
+              <a:t>10/12/2013</a:t>
             </a:fld>
             <a:endParaRPr lang="en-US"/>
           </a:p>
@@ -15596,13 +15597,13 @@
         </p:nvSpPr>
         <p:spPr>
           <a:xfrm>
-            <a:off x="872067" y="1856096"/>
-            <a:ext cx="7408333" cy="4476465"/>
+            <a:off x="872067" y="1795776"/>
+            <a:ext cx="7408333" cy="4932574"/>
           </a:xfrm>
         </p:spPr>
         <p:txBody>
           <a:bodyPr>
-            <a:normAutofit fontScale="85000" lnSpcReduction="20000"/>
+            <a:normAutofit fontScale="92500" lnSpcReduction="10000"/>
           </a:bodyPr>
           <a:lstStyle/>
           <a:p>
@@ -15750,11 +15751,6 @@
               </a:rPr>
               <a:t>Response</a:t>
             </a:r>
-            <a:endParaRPr kumimoji="1" lang="en-US" altLang="zh-CN" dirty="0" smtClean="0">
-              <a:latin typeface="+mj-ea"/>
-              <a:ea typeface="+mj-ea"/>
-              <a:cs typeface="Heiti SC Light"/>
-            </a:endParaRPr>
           </a:p>
           <a:p>
             <a:pPr>
@@ -15777,11 +15773,6 @@
               </a:rPr>
               <a:t>View</a:t>
             </a:r>
-            <a:endParaRPr kumimoji="1" lang="en-US" altLang="zh-CN" dirty="0" smtClean="0">
-              <a:latin typeface="+mj-ea"/>
-              <a:ea typeface="+mj-ea"/>
-              <a:cs typeface="Heiti SC Light"/>
-            </a:endParaRPr>
           </a:p>
           <a:p>
             <a:pPr>
@@ -15829,26 +15820,39 @@
                 <a:ea typeface="+mj-ea"/>
                 <a:cs typeface="Heiti SC Light"/>
               </a:rPr>
-              <a:t>类型转换</a:t>
+              <a:t>类型转</a:t>
             </a:r>
-            <a:endParaRPr kumimoji="1" lang="en-US" altLang="zh-CN" dirty="0" smtClean="0">
-              <a:latin typeface="+mj-ea"/>
-              <a:ea typeface="+mj-ea"/>
-              <a:cs typeface="Heiti SC Light"/>
-            </a:endParaRPr>
-          </a:p>
-          <a:p>
-            <a:pPr lvl="1">
-              <a:buFont typeface="Wingdings" charset="2"/>
-              <a:buChar char="Ø"/>
-            </a:pPr>
+            <a:r>
+              <a:rPr kumimoji="1" lang="zh-CN" altLang="en-US" dirty="0" smtClean="0">
+                <a:latin typeface="+mj-ea"/>
+                <a:ea typeface="+mj-ea"/>
+                <a:cs typeface="Heiti SC Light"/>
+              </a:rPr>
+              <a:t>换</a:t>
+            </a:r>
+            <a:r>
+              <a:rPr kumimoji="1" lang="en-US" altLang="zh-CN" dirty="0" smtClean="0">
+                <a:latin typeface="+mj-ea"/>
+                <a:ea typeface="+mj-ea"/>
+                <a:cs typeface="Heiti SC Light"/>
+              </a:rPr>
+              <a:t>, </a:t>
+            </a:r>
+            <a:r>
+              <a:rPr kumimoji="1" lang="zh-CN" altLang="en-US" dirty="0" smtClean="0">
+                <a:latin typeface="+mj-ea"/>
+                <a:ea typeface="+mj-ea"/>
+                <a:cs typeface="Heiti SC Light"/>
+              </a:rPr>
+              <a:t>输</a:t>
+            </a:r>
             <a:r>
               <a:rPr kumimoji="1" lang="zh-CN" altLang="en-US" dirty="0">
                 <a:latin typeface="+mj-ea"/>
                 <a:ea typeface="+mj-ea"/>
                 <a:cs typeface="Heiti SC Light"/>
               </a:rPr>
-              <a:t>输入验</a:t>
+              <a:t>入验</a:t>
             </a:r>
             <a:r>
               <a:rPr kumimoji="1" lang="zh-CN" altLang="en-US" dirty="0" smtClean="0">
@@ -15858,33 +15862,16 @@
               </a:rPr>
               <a:t>证</a:t>
             </a:r>
-            <a:endParaRPr kumimoji="1" lang="en-US" altLang="zh-CN" dirty="0" smtClean="0">
-              <a:latin typeface="+mj-ea"/>
-              <a:ea typeface="+mj-ea"/>
-              <a:cs typeface="Heiti SC Light"/>
-            </a:endParaRPr>
-          </a:p>
-          <a:p>
-            <a:pPr lvl="1">
-              <a:buFont typeface="Wingdings" charset="2"/>
-              <a:buChar char="Ø"/>
-            </a:pPr>
             <a:r>
               <a:rPr kumimoji="1" lang="en-US" altLang="zh-CN" dirty="0" smtClean="0">
                 <a:latin typeface="+mj-ea"/>
                 <a:ea typeface="+mj-ea"/>
                 <a:cs typeface="Heiti SC Light"/>
               </a:rPr>
-              <a:t>Form</a:t>
+              <a:t>, Form,</a:t>
             </a:r>
-          </a:p>
-          <a:p>
-            <a:pPr lvl="1">
-              <a:buFont typeface="Wingdings" charset="2"/>
-              <a:buChar char="Ø"/>
-            </a:pPr>
             <a:r>
-              <a:rPr kumimoji="1" lang="zh-CN" altLang="en-US" dirty="0">
+              <a:rPr kumimoji="1" lang="zh-CN" altLang="en-US" dirty="0" smtClean="0">
                 <a:latin typeface="+mj-ea"/>
                 <a:ea typeface="+mj-ea"/>
                 <a:cs typeface="Heiti SC Light"/>
@@ -15978,7 +15965,72 @@
                 <a:ea typeface="+mj-ea"/>
                 <a:cs typeface="Heiti SC Light"/>
               </a:rPr>
-              <a:t>的新功能</a:t>
+              <a:t>的新功</a:t>
+            </a:r>
+            <a:r>
+              <a:rPr kumimoji="1" lang="zh-CN" altLang="en-US" dirty="0" smtClean="0">
+                <a:latin typeface="+mj-ea"/>
+                <a:ea typeface="+mj-ea"/>
+                <a:cs typeface="Heiti SC Light"/>
+              </a:rPr>
+              <a:t>能</a:t>
+            </a:r>
+            <a:endParaRPr kumimoji="1" lang="en-US" altLang="zh-CN" dirty="0" smtClean="0">
+              <a:latin typeface="+mj-ea"/>
+              <a:ea typeface="+mj-ea"/>
+              <a:cs typeface="Heiti SC Light"/>
+            </a:endParaRPr>
+          </a:p>
+          <a:p>
+            <a:pPr>
+              <a:buFont typeface="Wingdings" charset="2"/>
+              <a:buChar char="Ø"/>
+            </a:pPr>
+            <a:r>
+              <a:rPr kumimoji="1" lang="zh-CN" altLang="en-US" dirty="0" smtClean="0">
+                <a:latin typeface="+mj-ea"/>
+                <a:ea typeface="+mj-ea"/>
+                <a:cs typeface="Heiti SC Light"/>
+              </a:rPr>
+              <a:t>从</a:t>
+            </a:r>
+            <a:r>
+              <a:rPr kumimoji="1" lang="en-US" altLang="zh-CN" dirty="0" smtClean="0">
+                <a:latin typeface="+mj-ea"/>
+                <a:ea typeface="+mj-ea"/>
+                <a:cs typeface="Heiti SC Light"/>
+              </a:rPr>
+              <a:t>Struts2</a:t>
+            </a:r>
+            <a:r>
+              <a:rPr kumimoji="1" lang="zh-CN" altLang="en-US" dirty="0" smtClean="0">
+                <a:latin typeface="+mj-ea"/>
+                <a:ea typeface="+mj-ea"/>
+                <a:cs typeface="Heiti SC Light"/>
+              </a:rPr>
+              <a:t>迁移到</a:t>
+            </a:r>
+            <a:r>
+              <a:rPr kumimoji="1" lang="en-US" altLang="zh-CN" dirty="0" smtClean="0">
+                <a:latin typeface="+mj-ea"/>
+                <a:ea typeface="+mj-ea"/>
+                <a:cs typeface="Heiti SC Light"/>
+              </a:rPr>
+              <a:t>Spring MVC3</a:t>
+            </a:r>
+          </a:p>
+          <a:p>
+            <a:pPr>
+              <a:buFont typeface="Wingdings" charset="2"/>
+              <a:buChar char="Ø"/>
+            </a:pPr>
+            <a:r>
+              <a:rPr kumimoji="1" lang="en-US" altLang="zh-CN" dirty="0">
+                <a:latin typeface="+mj-ea"/>
+                <a:ea typeface="+mj-ea"/>
+                <a:cs typeface="Heiti SC Light"/>
+              </a:rPr>
+              <a:t>Performance</a:t>
             </a:r>
             <a:endParaRPr kumimoji="1" lang="en-US" altLang="zh-CN" dirty="0" smtClean="0">
               <a:latin typeface="+mj-ea"/>
@@ -16295,6 +16347,155 @@
               <a:buFont typeface="Wingdings" charset="2"/>
               <a:buChar char="Ø"/>
             </a:pPr>
+            <a:r>
+              <a:rPr kumimoji="1" lang="zh-CN" altLang="en-US" dirty="0" smtClean="0">
+                <a:latin typeface="+mj-ea"/>
+                <a:ea typeface="+mj-ea"/>
+                <a:cs typeface="Heiti SC Light"/>
+              </a:rPr>
+              <a:t>在</a:t>
+            </a:r>
+            <a:r>
+              <a:rPr kumimoji="1" lang="en-US" altLang="zh-CN" dirty="0" smtClean="0">
+                <a:latin typeface="+mj-ea"/>
+                <a:ea typeface="+mj-ea"/>
+                <a:cs typeface="Heiti SC Light"/>
+              </a:rPr>
+              <a:t>web.xml</a:t>
+            </a:r>
+            <a:r>
+              <a:rPr kumimoji="1" lang="zh-CN" altLang="en-US" dirty="0" smtClean="0">
+                <a:latin typeface="+mj-ea"/>
+                <a:ea typeface="+mj-ea"/>
+                <a:cs typeface="Heiti SC Light"/>
+              </a:rPr>
+              <a:t>中注册</a:t>
+            </a:r>
+            <a:r>
+              <a:rPr kumimoji="1" lang="en-US" altLang="zh-CN" dirty="0" err="1" smtClean="0">
+                <a:latin typeface="+mj-ea"/>
+                <a:ea typeface="+mj-ea"/>
+                <a:cs typeface="Heiti SC Light"/>
+              </a:rPr>
+              <a:t>DispatcherServlet</a:t>
+            </a:r>
+            <a:endParaRPr kumimoji="1" lang="en-US" altLang="zh-CN" dirty="0" smtClean="0">
+              <a:latin typeface="+mj-ea"/>
+              <a:ea typeface="+mj-ea"/>
+              <a:cs typeface="Heiti SC Light"/>
+            </a:endParaRPr>
+          </a:p>
+          <a:p>
+            <a:pPr>
+              <a:buFont typeface="Wingdings" charset="2"/>
+              <a:buChar char="Ø"/>
+            </a:pPr>
+            <a:r>
+              <a:rPr kumimoji="1" lang="en-US" altLang="zh-CN" dirty="0" smtClean="0">
+                <a:latin typeface="+mj-ea"/>
+                <a:ea typeface="+mj-ea"/>
+                <a:cs typeface="Heiti SC Light"/>
+              </a:rPr>
+              <a:t>Spring</a:t>
+            </a:r>
+            <a:r>
+              <a:rPr kumimoji="1" lang="zh-CN" altLang="en-US" dirty="0">
+                <a:latin typeface="+mj-ea"/>
+                <a:ea typeface="+mj-ea"/>
+                <a:cs typeface="Heiti SC Light"/>
+              </a:rPr>
+              <a:t>环境</a:t>
+            </a:r>
+            <a:r>
+              <a:rPr kumimoji="1" lang="en-US" altLang="zh-CN" dirty="0" smtClean="0">
+                <a:latin typeface="+mj-ea"/>
+                <a:ea typeface="+mj-ea"/>
+                <a:cs typeface="Heiti SC Light"/>
+              </a:rPr>
+              <a:t>app</a:t>
+            </a:r>
+            <a:r>
+              <a:rPr kumimoji="1" lang="en-US" altLang="zh-CN" dirty="0" smtClean="0">
+                <a:latin typeface="+mj-ea"/>
+                <a:ea typeface="+mj-ea"/>
+                <a:cs typeface="Heiti SC Light"/>
+              </a:rPr>
+              <a:t>Name-servlet.xml</a:t>
+            </a:r>
+          </a:p>
+          <a:p>
+            <a:pPr lvl="1">
+              <a:buFont typeface="Wingdings" charset="2"/>
+              <a:buChar char="Ø"/>
+            </a:pPr>
+            <a:r>
+              <a:rPr kumimoji="1" lang="en-US" altLang="zh-CN" dirty="0" smtClean="0">
+                <a:latin typeface="+mj-ea"/>
+                <a:ea typeface="+mj-ea"/>
+                <a:cs typeface="Heiti SC Light"/>
+              </a:rPr>
+              <a:t>component-scan</a:t>
+            </a:r>
+          </a:p>
+          <a:p>
+            <a:pPr lvl="1">
+              <a:buFont typeface="Wingdings" charset="2"/>
+              <a:buChar char="Ø"/>
+            </a:pPr>
+            <a:r>
+              <a:rPr kumimoji="1" lang="en-US" altLang="zh-CN" dirty="0" err="1" smtClean="0">
+                <a:latin typeface="+mj-ea"/>
+                <a:ea typeface="+mj-ea"/>
+                <a:cs typeface="Heiti SC Light"/>
+              </a:rPr>
+              <a:t>ViewResolver</a:t>
+            </a:r>
+            <a:endParaRPr kumimoji="1" lang="en-US" altLang="zh-CN" dirty="0" smtClean="0">
+              <a:latin typeface="+mj-ea"/>
+              <a:ea typeface="+mj-ea"/>
+              <a:cs typeface="Heiti SC Light"/>
+            </a:endParaRPr>
+          </a:p>
+          <a:p>
+            <a:pPr>
+              <a:buFont typeface="Wingdings" charset="2"/>
+              <a:buChar char="Ø"/>
+            </a:pPr>
+            <a:r>
+              <a:rPr kumimoji="1" lang="en-US" altLang="zh-CN" dirty="0" err="1" smtClean="0">
+                <a:latin typeface="+mj-ea"/>
+                <a:ea typeface="+mj-ea"/>
+                <a:cs typeface="Heiti SC Light"/>
+              </a:rPr>
+              <a:t>HelloController</a:t>
+            </a:r>
+            <a:endParaRPr kumimoji="1" lang="en-US" altLang="zh-CN" dirty="0" smtClean="0">
+              <a:latin typeface="+mj-ea"/>
+              <a:ea typeface="+mj-ea"/>
+              <a:cs typeface="Heiti SC Light"/>
+            </a:endParaRPr>
+          </a:p>
+          <a:p>
+            <a:pPr>
+              <a:buFont typeface="Wingdings" charset="2"/>
+              <a:buChar char="Ø"/>
+            </a:pPr>
+            <a:r>
+              <a:rPr kumimoji="1" lang="en-US" altLang="zh-CN" dirty="0" err="1">
+                <a:latin typeface="+mj-ea"/>
+                <a:ea typeface="+mj-ea"/>
+                <a:cs typeface="Heiti SC Light"/>
+              </a:rPr>
+              <a:t>h</a:t>
+            </a:r>
+            <a:r>
+              <a:rPr kumimoji="1" lang="en-US" altLang="zh-CN" dirty="0" err="1" smtClean="0">
+                <a:latin typeface="+mj-ea"/>
+                <a:ea typeface="+mj-ea"/>
+                <a:cs typeface="Heiti SC Light"/>
+              </a:rPr>
+              <a:t>ello.jsp</a:t>
+            </a:r>
             <a:endParaRPr kumimoji="1" lang="en-US" altLang="zh-CN" dirty="0" smtClean="0">
               <a:latin typeface="+mj-ea"/>
               <a:ea typeface="+mj-ea"/>
@@ -16547,6 +16748,473 @@
     <p:extLst>
       <p:ext uri="{BB962C8B-B14F-4D97-AF65-F5344CB8AC3E}">
         <p14:creationId xmlns:p14="http://schemas.microsoft.com/office/powerpoint/2010/main" val="2403698646"/>
+      </p:ext>
+    </p:extLst>
+  </p:cSld>
+  <p:clrMapOvr>
+    <a:masterClrMapping/>
+  </p:clrMapOvr>
+  <p:timing>
+    <p:tnLst>
+      <p:par>
+        <p:cTn id="1" dur="indefinite" restart="never" nodeType="tmRoot"/>
+      </p:par>
+    </p:tnLst>
+  </p:timing>
+</p:sld>
+</file>
+
+<file path=ppt/slides/slide6.xml><?xml version="1.0" encoding="utf-8"?>
+<p:sld xmlns:a="http://schemas.openxmlformats.org/drawingml/2006/main" xmlns:r="http://schemas.openxmlformats.org/officeDocument/2006/relationships" xmlns:p="http://schemas.openxmlformats.org/presentationml/2006/main">
+  <p:cSld>
+    <p:spTree>
+      <p:nvGrpSpPr>
+        <p:cNvPr id="1" name=""/>
+        <p:cNvGrpSpPr/>
+        <p:nvPr/>
+      </p:nvGrpSpPr>
+      <p:grpSpPr>
+        <a:xfrm>
+          <a:off x="0" y="0"/>
+          <a:ext cx="0" cy="0"/>
+          <a:chOff x="0" y="0"/>
+          <a:chExt cx="0" cy="0"/>
+        </a:xfrm>
+      </p:grpSpPr>
+      <p:sp>
+        <p:nvSpPr>
+          <p:cNvPr id="5" name="内容占位符 4"/>
+          <p:cNvSpPr>
+            <a:spLocks noGrp="1"/>
+          </p:cNvSpPr>
+          <p:nvPr>
+            <p:ph idx="1"/>
+          </p:nvPr>
+        </p:nvSpPr>
+        <p:spPr>
+          <a:xfrm>
+            <a:off x="872067" y="1856096"/>
+            <a:ext cx="7408333" cy="4476465"/>
+          </a:xfrm>
+        </p:spPr>
+        <p:txBody>
+          <a:bodyPr>
+            <a:normAutofit/>
+          </a:bodyPr>
+          <a:lstStyle/>
+          <a:p>
+            <a:pPr>
+              <a:buFont typeface="Wingdings" charset="2"/>
+              <a:buChar char="Ø"/>
+            </a:pPr>
+            <a:r>
+              <a:rPr kumimoji="1" lang="zh-CN" altLang="en-US" dirty="0" smtClean="0">
+                <a:latin typeface="+mj-ea"/>
+                <a:ea typeface="+mj-ea"/>
+                <a:cs typeface="Heiti SC Light"/>
+              </a:rPr>
+              <a:t>在</a:t>
+            </a:r>
+            <a:r>
+              <a:rPr kumimoji="1" lang="en-US" altLang="zh-CN" dirty="0" smtClean="0">
+                <a:latin typeface="+mj-ea"/>
+                <a:ea typeface="+mj-ea"/>
+                <a:cs typeface="Heiti SC Light"/>
+              </a:rPr>
+              <a:t>web.xml</a:t>
+            </a:r>
+            <a:r>
+              <a:rPr kumimoji="1" lang="zh-CN" altLang="en-US" dirty="0" smtClean="0">
+                <a:latin typeface="+mj-ea"/>
+                <a:ea typeface="+mj-ea"/>
+                <a:cs typeface="Heiti SC Light"/>
+              </a:rPr>
+              <a:t>中注册</a:t>
+            </a:r>
+            <a:r>
+              <a:rPr kumimoji="1" lang="en-US" altLang="zh-CN" dirty="0" err="1" smtClean="0">
+                <a:latin typeface="+mj-ea"/>
+                <a:ea typeface="+mj-ea"/>
+                <a:cs typeface="Heiti SC Light"/>
+              </a:rPr>
+              <a:t>DispatcherServlet</a:t>
+            </a:r>
+            <a:endParaRPr kumimoji="1" lang="en-US" altLang="zh-CN" dirty="0" smtClean="0">
+              <a:latin typeface="+mj-ea"/>
+              <a:ea typeface="+mj-ea"/>
+              <a:cs typeface="Heiti SC Light"/>
+            </a:endParaRPr>
+          </a:p>
+          <a:p>
+            <a:pPr>
+              <a:buFont typeface="Wingdings" charset="2"/>
+              <a:buChar char="Ø"/>
+            </a:pPr>
+            <a:r>
+              <a:rPr kumimoji="1" lang="en-US" altLang="zh-CN" dirty="0" smtClean="0">
+                <a:latin typeface="+mj-ea"/>
+                <a:ea typeface="+mj-ea"/>
+                <a:cs typeface="Heiti SC Light"/>
+              </a:rPr>
+              <a:t>Spring</a:t>
+            </a:r>
+            <a:r>
+              <a:rPr kumimoji="1" lang="zh-CN" altLang="en-US" dirty="0">
+                <a:latin typeface="+mj-ea"/>
+                <a:ea typeface="+mj-ea"/>
+                <a:cs typeface="Heiti SC Light"/>
+              </a:rPr>
+              <a:t>环境</a:t>
+            </a:r>
+            <a:r>
+              <a:rPr kumimoji="1" lang="en-US" altLang="zh-CN" dirty="0" smtClean="0">
+                <a:latin typeface="+mj-ea"/>
+                <a:ea typeface="+mj-ea"/>
+                <a:cs typeface="Heiti SC Light"/>
+              </a:rPr>
+              <a:t>app</a:t>
+            </a:r>
+            <a:r>
+              <a:rPr kumimoji="1" lang="en-US" altLang="zh-CN" dirty="0" smtClean="0">
+                <a:latin typeface="+mj-ea"/>
+                <a:ea typeface="+mj-ea"/>
+                <a:cs typeface="Heiti SC Light"/>
+              </a:rPr>
+              <a:t>Name-servlet.xml</a:t>
+            </a:r>
+          </a:p>
+          <a:p>
+            <a:pPr lvl="1">
+              <a:buFont typeface="Wingdings" charset="2"/>
+              <a:buChar char="Ø"/>
+            </a:pPr>
+            <a:r>
+              <a:rPr kumimoji="1" lang="en-US" altLang="zh-CN" dirty="0" smtClean="0">
+                <a:latin typeface="+mj-ea"/>
+                <a:ea typeface="+mj-ea"/>
+                <a:cs typeface="Heiti SC Light"/>
+              </a:rPr>
+              <a:t>component-scan</a:t>
+            </a:r>
+          </a:p>
+          <a:p>
+            <a:pPr lvl="1">
+              <a:buFont typeface="Wingdings" charset="2"/>
+              <a:buChar char="Ø"/>
+            </a:pPr>
+            <a:r>
+              <a:rPr kumimoji="1" lang="en-US" altLang="zh-CN" dirty="0" err="1" smtClean="0">
+                <a:latin typeface="+mj-ea"/>
+                <a:ea typeface="+mj-ea"/>
+                <a:cs typeface="Heiti SC Light"/>
+              </a:rPr>
+              <a:t>ViewResolver</a:t>
+            </a:r>
+            <a:endParaRPr kumimoji="1" lang="en-US" altLang="zh-CN" dirty="0" smtClean="0">
+              <a:latin typeface="+mj-ea"/>
+              <a:ea typeface="+mj-ea"/>
+              <a:cs typeface="Heiti SC Light"/>
+            </a:endParaRPr>
+          </a:p>
+          <a:p>
+            <a:pPr>
+              <a:buFont typeface="Wingdings" charset="2"/>
+              <a:buChar char="Ø"/>
+            </a:pPr>
+            <a:r>
+              <a:rPr kumimoji="1" lang="en-US" altLang="zh-CN" dirty="0" err="1" smtClean="0">
+                <a:latin typeface="+mj-ea"/>
+                <a:ea typeface="+mj-ea"/>
+                <a:cs typeface="Heiti SC Light"/>
+              </a:rPr>
+              <a:t>HelloController</a:t>
+            </a:r>
+            <a:endParaRPr kumimoji="1" lang="en-US" altLang="zh-CN" dirty="0" smtClean="0">
+              <a:latin typeface="+mj-ea"/>
+              <a:ea typeface="+mj-ea"/>
+              <a:cs typeface="Heiti SC Light"/>
+            </a:endParaRPr>
+          </a:p>
+          <a:p>
+            <a:pPr>
+              <a:buFont typeface="Wingdings" charset="2"/>
+              <a:buChar char="Ø"/>
+            </a:pPr>
+            <a:r>
+              <a:rPr kumimoji="1" lang="en-US" altLang="zh-CN" dirty="0" err="1">
+                <a:latin typeface="+mj-ea"/>
+                <a:ea typeface="+mj-ea"/>
+                <a:cs typeface="Heiti SC Light"/>
+              </a:rPr>
+              <a:t>h</a:t>
+            </a:r>
+            <a:r>
+              <a:rPr kumimoji="1" lang="en-US" altLang="zh-CN" dirty="0" err="1" smtClean="0">
+                <a:latin typeface="+mj-ea"/>
+                <a:ea typeface="+mj-ea"/>
+                <a:cs typeface="Heiti SC Light"/>
+              </a:rPr>
+              <a:t>ello.jsp</a:t>
+            </a:r>
+            <a:endParaRPr kumimoji="1" lang="en-US" altLang="zh-CN" dirty="0" smtClean="0">
+              <a:latin typeface="+mj-ea"/>
+              <a:ea typeface="+mj-ea"/>
+              <a:cs typeface="Heiti SC Light"/>
+            </a:endParaRPr>
+          </a:p>
+        </p:txBody>
+      </p:sp>
+      <p:sp>
+        <p:nvSpPr>
+          <p:cNvPr id="2" name="标题 1"/>
+          <p:cNvSpPr>
+            <a:spLocks noGrp="1"/>
+          </p:cNvSpPr>
+          <p:nvPr>
+            <p:ph type="title"/>
+          </p:nvPr>
+        </p:nvSpPr>
+        <p:spPr/>
+        <p:txBody>
+          <a:bodyPr/>
+          <a:lstStyle/>
+          <a:p>
+            <a:r>
+              <a:rPr kumimoji="1" lang="en-US" altLang="zh-CN" dirty="0">
+                <a:latin typeface="+mj-ea"/>
+                <a:cs typeface="Heiti SC Light"/>
+              </a:rPr>
+              <a:t>MVC </a:t>
+            </a:r>
+            <a:r>
+              <a:rPr kumimoji="1" lang="zh-CN" altLang="en-US" dirty="0">
+                <a:latin typeface="+mj-ea"/>
+                <a:cs typeface="Heiti SC Light"/>
+              </a:rPr>
+              <a:t>模型</a:t>
+            </a:r>
+          </a:p>
+        </p:txBody>
+      </p:sp>
+      <p:sp>
+        <p:nvSpPr>
+          <p:cNvPr id="4" name="副标题 2"/>
+          <p:cNvSpPr txBox="1">
+            <a:spLocks/>
+          </p:cNvSpPr>
+          <p:nvPr/>
+        </p:nvSpPr>
+        <p:spPr>
+          <a:xfrm>
+            <a:off x="690032" y="1651180"/>
+            <a:ext cx="7772400" cy="4153985"/>
+          </a:xfrm>
+          <a:prstGeom prst="rect">
+            <a:avLst/>
+          </a:prstGeom>
+        </p:spPr>
+        <p:txBody>
+          <a:bodyPr vert="horz" lIns="91440" tIns="45720" rIns="91440" bIns="45720" rtlCol="0" anchor="b">
+            <a:normAutofit/>
+          </a:bodyPr>
+          <a:lstStyle>
+            <a:lvl1pPr marL="0" indent="0" algn="ctr" defTabSz="914400" rtl="0" eaLnBrk="1" latinLnBrk="0" hangingPunct="1">
+              <a:spcBef>
+                <a:spcPct val="20000"/>
+              </a:spcBef>
+              <a:buClr>
+                <a:schemeClr val="accent1"/>
+              </a:buClr>
+              <a:buSzPct val="100000"/>
+              <a:buFont typeface="Symbol" pitchFamily="18" charset="2"/>
+              <a:buNone/>
+              <a:defRPr sz="2000" kern="1200">
+                <a:solidFill>
+                  <a:srgbClr val="FFFFFF"/>
+                </a:solidFill>
+                <a:latin typeface="+mn-lt"/>
+                <a:ea typeface="+mn-ea"/>
+                <a:cs typeface="+mn-cs"/>
+              </a:defRPr>
+            </a:lvl1pPr>
+            <a:lvl2pPr marL="457200" indent="0" algn="l" defTabSz="914400" rtl="0" eaLnBrk="1" latinLnBrk="0" hangingPunct="1">
+              <a:spcBef>
+                <a:spcPct val="20000"/>
+              </a:spcBef>
+              <a:buClr>
+                <a:schemeClr val="accent1"/>
+              </a:buClr>
+              <a:buSzPct val="100000"/>
+              <a:buFont typeface="Symbol" pitchFamily="18" charset="2"/>
+              <a:buNone/>
+              <a:defRPr sz="1800" kern="1200">
+                <a:solidFill>
+                  <a:schemeClr val="tx1">
+                    <a:tint val="75000"/>
+                  </a:schemeClr>
+                </a:solidFill>
+                <a:latin typeface="+mn-lt"/>
+                <a:ea typeface="+mn-ea"/>
+                <a:cs typeface="+mn-cs"/>
+              </a:defRPr>
+            </a:lvl2pPr>
+            <a:lvl3pPr marL="914400" indent="0" algn="l" defTabSz="914400" rtl="0" eaLnBrk="1" latinLnBrk="0" hangingPunct="1">
+              <a:spcBef>
+                <a:spcPct val="20000"/>
+              </a:spcBef>
+              <a:buClr>
+                <a:schemeClr val="accent1"/>
+              </a:buClr>
+              <a:buSzPct val="100000"/>
+              <a:buFont typeface="Symbol" pitchFamily="18" charset="2"/>
+              <a:buNone/>
+              <a:defRPr sz="1600" kern="1200">
+                <a:solidFill>
+                  <a:schemeClr val="tx1">
+                    <a:tint val="75000"/>
+                  </a:schemeClr>
+                </a:solidFill>
+                <a:latin typeface="+mn-lt"/>
+                <a:ea typeface="+mn-ea"/>
+                <a:cs typeface="+mn-cs"/>
+              </a:defRPr>
+            </a:lvl3pPr>
+            <a:lvl4pPr marL="1371600" indent="0" algn="l" defTabSz="914400" rtl="0" eaLnBrk="1" latinLnBrk="0" hangingPunct="1">
+              <a:spcBef>
+                <a:spcPct val="20000"/>
+              </a:spcBef>
+              <a:buClr>
+                <a:schemeClr val="accent1"/>
+              </a:buClr>
+              <a:buSzPct val="100000"/>
+              <a:buFont typeface="Symbol" pitchFamily="18" charset="2"/>
+              <a:buNone/>
+              <a:defRPr sz="1400" kern="1200">
+                <a:solidFill>
+                  <a:schemeClr val="tx1">
+                    <a:tint val="75000"/>
+                  </a:schemeClr>
+                </a:solidFill>
+                <a:latin typeface="+mn-lt"/>
+                <a:ea typeface="+mn-ea"/>
+                <a:cs typeface="+mn-cs"/>
+              </a:defRPr>
+            </a:lvl4pPr>
+            <a:lvl5pPr marL="1828800" indent="0" algn="l" defTabSz="914400" rtl="0" eaLnBrk="1" latinLnBrk="0" hangingPunct="1">
+              <a:spcBef>
+                <a:spcPct val="20000"/>
+              </a:spcBef>
+              <a:buClr>
+                <a:schemeClr val="accent1"/>
+              </a:buClr>
+              <a:buSzPct val="100000"/>
+              <a:buFont typeface="Symbol" pitchFamily="18" charset="2"/>
+              <a:buNone/>
+              <a:defRPr sz="1400" kern="1200">
+                <a:solidFill>
+                  <a:schemeClr val="tx1">
+                    <a:tint val="75000"/>
+                  </a:schemeClr>
+                </a:solidFill>
+                <a:latin typeface="+mn-lt"/>
+                <a:ea typeface="+mn-ea"/>
+                <a:cs typeface="+mn-cs"/>
+              </a:defRPr>
+            </a:lvl5pPr>
+            <a:lvl6pPr marL="2286000" indent="0" algn="l" defTabSz="914400" rtl="0" eaLnBrk="1" latinLnBrk="0" hangingPunct="1">
+              <a:spcBef>
+                <a:spcPts val="384"/>
+              </a:spcBef>
+              <a:buClr>
+                <a:schemeClr val="accent1"/>
+              </a:buClr>
+              <a:buFont typeface="Symbol" pitchFamily="18" charset="2"/>
+              <a:buNone/>
+              <a:defRPr sz="1400" kern="1200">
+                <a:solidFill>
+                  <a:schemeClr val="tx1">
+                    <a:tint val="75000"/>
+                  </a:schemeClr>
+                </a:solidFill>
+                <a:latin typeface="+mn-lt"/>
+                <a:ea typeface="+mn-ea"/>
+                <a:cs typeface="+mn-cs"/>
+              </a:defRPr>
+            </a:lvl6pPr>
+            <a:lvl7pPr marL="2743200" indent="0" algn="l" defTabSz="914400" rtl="0" eaLnBrk="1" latinLnBrk="0" hangingPunct="1">
+              <a:spcBef>
+                <a:spcPts val="384"/>
+              </a:spcBef>
+              <a:buClr>
+                <a:schemeClr val="accent1"/>
+              </a:buClr>
+              <a:buFont typeface="Symbol" pitchFamily="18" charset="2"/>
+              <a:buNone/>
+              <a:defRPr sz="1400" kern="1200">
+                <a:solidFill>
+                  <a:schemeClr val="tx1">
+                    <a:tint val="75000"/>
+                  </a:schemeClr>
+                </a:solidFill>
+                <a:latin typeface="+mn-lt"/>
+                <a:ea typeface="+mn-ea"/>
+                <a:cs typeface="+mn-cs"/>
+              </a:defRPr>
+            </a:lvl7pPr>
+            <a:lvl8pPr marL="3200400" indent="0" algn="l" defTabSz="914400" rtl="0" eaLnBrk="1" latinLnBrk="0" hangingPunct="1">
+              <a:spcBef>
+                <a:spcPts val="384"/>
+              </a:spcBef>
+              <a:buClr>
+                <a:schemeClr val="accent1"/>
+              </a:buClr>
+              <a:buFont typeface="Symbol" pitchFamily="18" charset="2"/>
+              <a:buNone/>
+              <a:defRPr sz="1400" kern="1200">
+                <a:solidFill>
+                  <a:schemeClr val="tx1">
+                    <a:tint val="75000"/>
+                  </a:schemeClr>
+                </a:solidFill>
+                <a:latin typeface="+mn-lt"/>
+                <a:ea typeface="+mn-ea"/>
+                <a:cs typeface="+mn-cs"/>
+              </a:defRPr>
+            </a:lvl8pPr>
+            <a:lvl9pPr marL="3657600" indent="0" algn="l" defTabSz="914400" rtl="0" eaLnBrk="1" latinLnBrk="0" hangingPunct="1">
+              <a:spcBef>
+                <a:spcPts val="384"/>
+              </a:spcBef>
+              <a:buClr>
+                <a:schemeClr val="accent1"/>
+              </a:buClr>
+              <a:buFont typeface="Symbol" pitchFamily="18" charset="2"/>
+              <a:buNone/>
+              <a:defRPr sz="1400" kern="1200">
+                <a:solidFill>
+                  <a:schemeClr val="tx1">
+                    <a:tint val="75000"/>
+                  </a:schemeClr>
+                </a:solidFill>
+                <a:latin typeface="+mn-lt"/>
+                <a:ea typeface="+mn-ea"/>
+                <a:cs typeface="+mn-cs"/>
+              </a:defRPr>
+            </a:lvl9pPr>
+          </a:lstStyle>
+          <a:p>
+            <a:endParaRPr kumimoji="1" lang="zh-CN" altLang="en-US" dirty="0">
+              <a:solidFill>
+                <a:schemeClr val="tx1"/>
+              </a:solidFill>
+            </a:endParaRPr>
+          </a:p>
+        </p:txBody>
+      </p:sp>
+    </p:spTree>
+    <p:extLst>
+      <p:ext uri="{BB962C8B-B14F-4D97-AF65-F5344CB8AC3E}">
+        <p14:creationId xmlns:p14="http://schemas.microsoft.com/office/powerpoint/2010/main" val="1515502876"/>
       </p:ext>
     </p:extLst>
   </p:cSld>

--- a/SpringMVC3.pptx
+++ b/SpringMVC3.pptx
@@ -11,6 +11,7 @@
     <p:sldId id="259" r:id="rId5"/>
     <p:sldId id="260" r:id="rId6"/>
     <p:sldId id="261" r:id="rId7"/>
+    <p:sldId id="262" r:id="rId8"/>
   </p:sldIdLst>
   <p:sldSz cx="9144000" cy="6858000" type="screen4x3"/>
   <p:notesSz cx="6858000" cy="9144000"/>
@@ -1925,7 +1926,7 @@
             <a:fld id="{E30E2307-1E40-4E12-8716-25BFDA8E7013}" type="datetime1">
               <a:rPr lang="en-US" smtClean="0"/>
               <a:pPr/>
-              <a:t>10/12/2013</a:t>
+              <a:t>13-10-13</a:t>
             </a:fld>
             <a:endParaRPr lang="en-US"/>
           </a:p>
@@ -2108,7 +2109,7 @@
             <a:fld id="{E5CFCF5A-EA79-452C-A52C-1A2668C2E7DF}" type="datetime1">
               <a:rPr lang="en-US" smtClean="0"/>
               <a:pPr/>
-              <a:t>10/12/2013</a:t>
+              <a:t>13-10-13</a:t>
             </a:fld>
             <a:endParaRPr lang="en-US"/>
           </a:p>
@@ -2261,7 +2262,7 @@
             <a:fld id="{2E5C4C28-BD4B-4892-9A2D-6E19BD753A9A}" type="datetime1">
               <a:rPr lang="en-US" smtClean="0"/>
               <a:pPr/>
-              <a:t>10/12/2013</a:t>
+              <a:t>13-10-13</a:t>
             </a:fld>
             <a:endParaRPr lang="en-US"/>
           </a:p>
@@ -4089,7 +4090,7 @@
             <a:fld id="{61FD9D02-426E-46C9-9EE9-0DE1EF8B2838}" type="datetime1">
               <a:rPr lang="en-US" smtClean="0"/>
               <a:pPr/>
-              <a:t>10/12/2013</a:t>
+              <a:t>13-10-13</a:t>
             </a:fld>
             <a:endParaRPr lang="en-US"/>
           </a:p>
@@ -5961,7 +5962,7 @@
             <a:fld id="{7B8AEBBE-F8B2-42CF-9895-E86A608384EB}" type="datetime1">
               <a:rPr lang="en-US" smtClean="0"/>
               <a:pPr/>
-              <a:t>10/12/2013</a:t>
+              <a:t>13-10-13</a:t>
             </a:fld>
             <a:endParaRPr lang="en-US"/>
           </a:p>
@@ -6076,7 +6077,7 @@
             <a:fld id="{E1FAA6B6-10E5-4810-BC9F-DA72D8452E73}" type="datetime1">
               <a:rPr lang="en-US" smtClean="0"/>
               <a:pPr/>
-              <a:t>10/12/2013</a:t>
+              <a:t>13-10-13</a:t>
             </a:fld>
             <a:endParaRPr lang="en-US"/>
           </a:p>
@@ -6619,7 +6620,7 @@
             <a:fld id="{6D18D072-EF12-4AA2-BD71-ABC68B06D0E2}" type="datetime1">
               <a:rPr lang="en-US" smtClean="0"/>
               <a:pPr/>
-              <a:t>10/12/2013</a:t>
+              <a:t>13-10-13</a:t>
             </a:fld>
             <a:endParaRPr lang="en-US"/>
           </a:p>
@@ -6734,7 +6735,7 @@
             <a:fld id="{B8CDBF60-6CC3-4B74-A60D-3486985E4346}" type="datetime1">
               <a:rPr lang="en-US" smtClean="0"/>
               <a:pPr/>
-              <a:t>10/12/2013</a:t>
+              <a:t>13-10-13</a:t>
             </a:fld>
             <a:endParaRPr lang="en-US"/>
           </a:p>
@@ -8447,7 +8448,7 @@
             <a:fld id="{22714818-984F-4759-BF72-A33BDC1963BD}" type="datetime1">
               <a:rPr lang="en-US" smtClean="0"/>
               <a:pPr/>
-              <a:t>10/12/2013</a:t>
+              <a:t>13-10-13</a:t>
             </a:fld>
             <a:endParaRPr lang="en-US"/>
           </a:p>
@@ -8600,7 +8601,7 @@
             <a:fld id="{9EA7E191-5F94-4FC1-B823-BD7CABF7FA06}" type="datetime1">
               <a:rPr lang="en-US" smtClean="0"/>
               <a:pPr/>
-              <a:t>10/12/2013</a:t>
+              <a:t>13-10-13</a:t>
             </a:fld>
             <a:endParaRPr lang="en-US"/>
           </a:p>
@@ -12217,7 +12218,7 @@
             <a:fld id="{88856D55-EFBE-4F9B-8A5F-09D42CA22A9B}" type="datetime1">
               <a:rPr lang="en-US" smtClean="0"/>
               <a:pPr/>
-              <a:t>10/12/2013</a:t>
+              <a:t>13-10-13</a:t>
             </a:fld>
             <a:endParaRPr lang="en-US"/>
           </a:p>
@@ -14078,7 +14079,7 @@
             <a:fld id="{9D1D110F-3F4E-48D9-B8AA-5D0E825AFDBA}" type="datetime1">
               <a:rPr lang="en-US" smtClean="0"/>
               <a:pPr/>
-              <a:t>10/12/2013</a:t>
+              <a:t>13-10-13</a:t>
             </a:fld>
             <a:endParaRPr lang="en-US"/>
           </a:p>
@@ -14699,7 +14700,7 @@
   <p:timing>
     <p:tnLst>
       <p:par>
-        <p:cTn id="1" dur="indefinite" restart="never" nodeType="tmRoot"/>
+        <p:cTn xmlns:p14="http://schemas.microsoft.com/office/powerpoint/2010/main" id="1" dur="indefinite" restart="never" nodeType="tmRoot"/>
       </p:par>
     </p:tnLst>
   </p:timing>
@@ -15100,7 +15101,7 @@
   <p:timing>
     <p:tnLst>
       <p:par>
-        <p:cTn id="1" dur="indefinite" restart="never" nodeType="tmRoot"/>
+        <p:cTn xmlns:p14="http://schemas.microsoft.com/office/powerpoint/2010/main" id="1" dur="indefinite" restart="never" nodeType="tmRoot"/>
       </p:par>
     </p:tnLst>
   </p:timing>
@@ -15561,7 +15562,7 @@
   <p:timing>
     <p:tnLst>
       <p:par>
-        <p:cTn id="1" dur="indefinite" restart="never" nodeType="tmRoot"/>
+        <p:cTn xmlns:p14="http://schemas.microsoft.com/office/powerpoint/2010/main" id="1" dur="indefinite" restart="never" nodeType="tmRoot"/>
       </p:par>
     </p:tnLst>
   </p:timing>
@@ -15820,15 +15821,7 @@
                 <a:ea typeface="+mj-ea"/>
                 <a:cs typeface="Heiti SC Light"/>
               </a:rPr>
-              <a:t>类型转</a:t>
-            </a:r>
-            <a:r>
-              <a:rPr kumimoji="1" lang="zh-CN" altLang="en-US" dirty="0" smtClean="0">
-                <a:latin typeface="+mj-ea"/>
-                <a:ea typeface="+mj-ea"/>
-                <a:cs typeface="Heiti SC Light"/>
-              </a:rPr>
-              <a:t>换</a:t>
+              <a:t>类型转换</a:t>
             </a:r>
             <a:r>
               <a:rPr kumimoji="1" lang="en-US" altLang="zh-CN" dirty="0" smtClean="0">
@@ -15876,15 +15869,7 @@
                 <a:ea typeface="+mj-ea"/>
                 <a:cs typeface="Heiti SC Light"/>
               </a:rPr>
-              <a:t>文</a:t>
-            </a:r>
-            <a:r>
-              <a:rPr kumimoji="1" lang="zh-CN" altLang="en-US" dirty="0" smtClean="0">
-                <a:latin typeface="+mj-ea"/>
-                <a:ea typeface="+mj-ea"/>
-                <a:cs typeface="Heiti SC Light"/>
-              </a:rPr>
-              <a:t>件上传</a:t>
+              <a:t>文件上传</a:t>
             </a:r>
             <a:endParaRPr kumimoji="1" lang="en-US" altLang="zh-CN" dirty="0" smtClean="0">
               <a:latin typeface="+mj-ea"/>
@@ -15965,15 +15950,7 @@
                 <a:ea typeface="+mj-ea"/>
                 <a:cs typeface="Heiti SC Light"/>
               </a:rPr>
-              <a:t>的新功</a:t>
-            </a:r>
-            <a:r>
-              <a:rPr kumimoji="1" lang="zh-CN" altLang="en-US" dirty="0" smtClean="0">
-                <a:latin typeface="+mj-ea"/>
-                <a:ea typeface="+mj-ea"/>
-                <a:cs typeface="Heiti SC Light"/>
-              </a:rPr>
-              <a:t>能</a:t>
+              <a:t>的新功能</a:t>
             </a:r>
             <a:endParaRPr kumimoji="1" lang="en-US" altLang="zh-CN" dirty="0" smtClean="0">
               <a:latin typeface="+mj-ea"/>
@@ -16297,7 +16274,7 @@
   <p:timing>
     <p:tnLst>
       <p:par>
-        <p:cTn id="1" dur="indefinite" restart="never" nodeType="tmRoot"/>
+        <p:cTn xmlns:p14="http://schemas.microsoft.com/office/powerpoint/2010/main" id="1" dur="indefinite" restart="never" nodeType="tmRoot"/>
       </p:par>
     </p:tnLst>
   </p:timing>
@@ -16412,15 +16389,7 @@
                 <a:ea typeface="+mj-ea"/>
                 <a:cs typeface="Heiti SC Light"/>
               </a:rPr>
-              <a:t>app</a:t>
-            </a:r>
-            <a:r>
-              <a:rPr kumimoji="1" lang="en-US" altLang="zh-CN" dirty="0" smtClean="0">
-                <a:latin typeface="+mj-ea"/>
-                <a:ea typeface="+mj-ea"/>
-                <a:cs typeface="Heiti SC Light"/>
-              </a:rPr>
-              <a:t>Name-servlet.xml</a:t>
+              <a:t>appName-servlet.xml</a:t>
             </a:r>
           </a:p>
           <a:p>
@@ -16757,7 +16726,7 @@
   <p:timing>
     <p:tnLst>
       <p:par>
-        <p:cTn id="1" dur="indefinite" restart="never" nodeType="tmRoot"/>
+        <p:cTn xmlns:p14="http://schemas.microsoft.com/office/powerpoint/2010/main" id="1" dur="indefinite" restart="never" nodeType="tmRoot"/>
       </p:par>
     </p:tnLst>
   </p:timing>
@@ -16794,7 +16763,7 @@
         <p:spPr>
           <a:xfrm>
             <a:off x="872067" y="1856096"/>
-            <a:ext cx="7408333" cy="4476465"/>
+            <a:ext cx="7408333" cy="1759175"/>
           </a:xfrm>
         </p:spPr>
         <p:txBody>
@@ -16808,36 +16777,82 @@
               <a:buChar char="Ø"/>
             </a:pPr>
             <a:r>
-              <a:rPr kumimoji="1" lang="zh-CN" altLang="en-US" dirty="0" smtClean="0">
-                <a:latin typeface="+mj-ea"/>
-                <a:ea typeface="+mj-ea"/>
-                <a:cs typeface="Heiti SC Light"/>
-              </a:rPr>
-              <a:t>在</a:t>
-            </a:r>
-            <a:r>
-              <a:rPr kumimoji="1" lang="en-US" altLang="zh-CN" dirty="0" smtClean="0">
-                <a:latin typeface="+mj-ea"/>
-                <a:ea typeface="+mj-ea"/>
-                <a:cs typeface="Heiti SC Light"/>
-              </a:rPr>
-              <a:t>web.xml</a:t>
-            </a:r>
-            <a:r>
-              <a:rPr kumimoji="1" lang="zh-CN" altLang="en-US" dirty="0" smtClean="0">
-                <a:latin typeface="+mj-ea"/>
-                <a:ea typeface="+mj-ea"/>
-                <a:cs typeface="Heiti SC Light"/>
-              </a:rPr>
-              <a:t>中注册</a:t>
-            </a:r>
-            <a:r>
               <a:rPr kumimoji="1" lang="en-US" altLang="zh-CN" dirty="0" err="1" smtClean="0">
                 <a:latin typeface="+mj-ea"/>
                 <a:ea typeface="+mj-ea"/>
                 <a:cs typeface="Heiti SC Light"/>
               </a:rPr>
               <a:t>DispatcherServlet</a:t>
+            </a:r>
+            <a:r>
+              <a:rPr kumimoji="1" lang="zh-CN" altLang="en-US" dirty="0" smtClean="0">
+                <a:latin typeface="+mj-ea"/>
+                <a:ea typeface="+mj-ea"/>
+                <a:cs typeface="Heiti SC Light"/>
+              </a:rPr>
+              <a:t>把</a:t>
+            </a:r>
+            <a:r>
+              <a:rPr kumimoji="1" lang="en-US" altLang="zh-CN" dirty="0" smtClean="0">
+                <a:latin typeface="+mj-ea"/>
+                <a:ea typeface="+mj-ea"/>
+                <a:cs typeface="Heiti SC Light"/>
+              </a:rPr>
+              <a:t>Request</a:t>
+            </a:r>
+            <a:r>
+              <a:rPr kumimoji="1" lang="zh-CN" altLang="en-US" dirty="0" smtClean="0">
+                <a:latin typeface="+mj-ea"/>
+                <a:ea typeface="+mj-ea"/>
+                <a:cs typeface="Heiti SC Light"/>
+              </a:rPr>
+              <a:t>映射到</a:t>
+            </a:r>
+            <a:r>
+              <a:rPr kumimoji="1" lang="en-US" altLang="zh-CN" dirty="0" smtClean="0">
+                <a:latin typeface="+mj-ea"/>
+                <a:ea typeface="+mj-ea"/>
+                <a:cs typeface="Heiti SC Light"/>
+              </a:rPr>
+              <a:t>@Controller</a:t>
+            </a:r>
+          </a:p>
+          <a:p>
+            <a:pPr lvl="1">
+              <a:buFont typeface="Wingdings" charset="2"/>
+              <a:buChar char="Ø"/>
+            </a:pPr>
+            <a:r>
+              <a:rPr kumimoji="1" lang="zh-CN" altLang="en-US" dirty="0" smtClean="0">
+                <a:latin typeface="+mj-ea"/>
+                <a:ea typeface="+mj-ea"/>
+                <a:cs typeface="Heiti SC Light"/>
+              </a:rPr>
+              <a:t>通过</a:t>
+            </a:r>
+            <a:r>
+              <a:rPr kumimoji="1" lang="en-US" altLang="zh-CN" dirty="0">
+                <a:latin typeface="+mj-ea"/>
+                <a:ea typeface="+mj-ea"/>
+                <a:cs typeface="Heiti SC Light"/>
+              </a:rPr>
+              <a:t>@</a:t>
+            </a:r>
+            <a:r>
+              <a:rPr kumimoji="1" lang="en-US" altLang="zh-CN" dirty="0" err="1" smtClean="0">
+                <a:latin typeface="+mj-ea"/>
+                <a:ea typeface="+mj-ea"/>
+                <a:cs typeface="Heiti SC Light"/>
+              </a:rPr>
+              <a:t>RequestMapping</a:t>
+            </a:r>
+            <a:r>
+              <a:rPr kumimoji="1" lang="zh-CN" altLang="en-US" dirty="0" smtClean="0">
+                <a:latin typeface="+mj-ea"/>
+                <a:ea typeface="+mj-ea"/>
+                <a:cs typeface="Heiti SC Light"/>
+              </a:rPr>
+              <a:t>定义映射规则</a:t>
             </a:r>
             <a:endParaRPr kumimoji="1" lang="en-US" altLang="zh-CN" dirty="0" smtClean="0">
               <a:latin typeface="+mj-ea"/>
@@ -16846,69 +16861,33 @@
             </a:endParaRPr>
           </a:p>
           <a:p>
-            <a:pPr>
+            <a:pPr lvl="1">
               <a:buFont typeface="Wingdings" charset="2"/>
               <a:buChar char="Ø"/>
             </a:pPr>
+            <a:r>
+              <a:rPr kumimoji="1" lang="zh-CN" altLang="en-US" dirty="0" smtClean="0">
+                <a:latin typeface="+mj-ea"/>
+                <a:ea typeface="+mj-ea"/>
+                <a:cs typeface="Heiti SC Light"/>
+              </a:rPr>
+              <a:t>通过方法参数来获取</a:t>
+            </a:r>
             <a:r>
               <a:rPr kumimoji="1" lang="en-US" altLang="zh-CN" dirty="0" smtClean="0">
                 <a:latin typeface="+mj-ea"/>
                 <a:ea typeface="+mj-ea"/>
                 <a:cs typeface="Heiti SC Light"/>
               </a:rPr>
-              <a:t>Spring</a:t>
-            </a:r>
-            <a:r>
-              <a:rPr kumimoji="1" lang="zh-CN" altLang="en-US" dirty="0">
+              <a:t>Request</a:t>
+            </a:r>
+            <a:r>
+              <a:rPr kumimoji="1" lang="zh-CN" altLang="en-US" dirty="0" smtClean="0">
                 <a:latin typeface="+mj-ea"/>
                 <a:ea typeface="+mj-ea"/>
                 <a:cs typeface="Heiti SC Light"/>
               </a:rPr>
-              <a:t>环境</a:t>
-            </a:r>
-            <a:r>
-              <a:rPr kumimoji="1" lang="en-US" altLang="zh-CN" dirty="0" smtClean="0">
-                <a:latin typeface="+mj-ea"/>
-                <a:ea typeface="+mj-ea"/>
-                <a:cs typeface="Heiti SC Light"/>
-              </a:rPr>
-              <a:t>app</a:t>
-            </a:r>
-            <a:r>
-              <a:rPr kumimoji="1" lang="en-US" altLang="zh-CN" dirty="0" smtClean="0">
-                <a:latin typeface="+mj-ea"/>
-                <a:ea typeface="+mj-ea"/>
-                <a:cs typeface="Heiti SC Light"/>
-              </a:rPr>
-              <a:t>Name-servlet.xml</a:t>
-            </a:r>
-          </a:p>
-          <a:p>
-            <a:pPr lvl="1">
-              <a:buFont typeface="Wingdings" charset="2"/>
-              <a:buChar char="Ø"/>
-            </a:pPr>
-            <a:r>
-              <a:rPr kumimoji="1" lang="en-US" altLang="zh-CN" dirty="0" smtClean="0">
-                <a:latin typeface="+mj-ea"/>
-                <a:ea typeface="+mj-ea"/>
-                <a:cs typeface="Heiti SC Light"/>
-              </a:rPr>
-              <a:t>component-scan</a:t>
-            </a:r>
-          </a:p>
-          <a:p>
-            <a:pPr lvl="1">
-              <a:buFont typeface="Wingdings" charset="2"/>
-              <a:buChar char="Ø"/>
-            </a:pPr>
-            <a:r>
-              <a:rPr kumimoji="1" lang="en-US" altLang="zh-CN" dirty="0" err="1" smtClean="0">
-                <a:latin typeface="+mj-ea"/>
-                <a:ea typeface="+mj-ea"/>
-                <a:cs typeface="Heiti SC Light"/>
-              </a:rPr>
-              <a:t>ViewResolver</a:t>
+              <a:t>的内容</a:t>
             </a:r>
             <a:endParaRPr kumimoji="1" lang="en-US" altLang="zh-CN" dirty="0" smtClean="0">
               <a:latin typeface="+mj-ea"/>
@@ -16917,46 +16896,35 @@
             </a:endParaRPr>
           </a:p>
           <a:p>
-            <a:pPr>
+            <a:pPr lvl="1">
               <a:buFont typeface="Wingdings" charset="2"/>
               <a:buChar char="Ø"/>
             </a:pPr>
             <a:r>
-              <a:rPr kumimoji="1" lang="en-US" altLang="zh-CN" dirty="0" err="1" smtClean="0">
+              <a:rPr kumimoji="1" lang="zh-CN" altLang="en-US" dirty="0" smtClean="0">
                 <a:latin typeface="+mj-ea"/>
                 <a:ea typeface="+mj-ea"/>
                 <a:cs typeface="Heiti SC Light"/>
               </a:rPr>
-              <a:t>HelloController</a:t>
-            </a:r>
-            <a:endParaRPr kumimoji="1" lang="en-US" altLang="zh-CN" dirty="0" smtClean="0">
-              <a:latin typeface="+mj-ea"/>
-              <a:ea typeface="+mj-ea"/>
-              <a:cs typeface="Heiti SC Light"/>
-            </a:endParaRPr>
-          </a:p>
-          <a:p>
-            <a:pPr>
-              <a:buFont typeface="Wingdings" charset="2"/>
-              <a:buChar char="Ø"/>
-            </a:pPr>
-            <a:r>
-              <a:rPr kumimoji="1" lang="en-US" altLang="zh-CN" dirty="0" err="1">
+              <a:t>通过方法的返回值来生成</a:t>
+            </a:r>
+            <a:r>
+              <a:rPr kumimoji="1" lang="en-US" altLang="zh-CN" dirty="0" smtClean="0">
                 <a:latin typeface="+mj-ea"/>
                 <a:ea typeface="+mj-ea"/>
                 <a:cs typeface="Heiti SC Light"/>
               </a:rPr>
-              <a:t>h</a:t>
-            </a:r>
-            <a:r>
-              <a:rPr kumimoji="1" lang="en-US" altLang="zh-CN" dirty="0" err="1" smtClean="0">
+              <a:t>Response</a:t>
+            </a:r>
+            <a:r>
+              <a:rPr kumimoji="1" lang="zh-CN" altLang="en-US" dirty="0" smtClean="0">
                 <a:latin typeface="+mj-ea"/>
                 <a:ea typeface="+mj-ea"/>
                 <a:cs typeface="Heiti SC Light"/>
               </a:rPr>
-              <a:t>ello.jsp</a:t>
-            </a:r>
-            <a:endParaRPr kumimoji="1" lang="en-US" altLang="zh-CN" dirty="0" smtClean="0">
+              <a:t>的内容</a:t>
+            </a:r>
+            <a:endParaRPr kumimoji="1" lang="en-US" altLang="zh-CN" dirty="0">
               <a:latin typeface="+mj-ea"/>
               <a:ea typeface="+mj-ea"/>
               <a:cs typeface="Heiti SC Light"/>
@@ -17211,6 +17179,160 @@
           </a:p>
         </p:txBody>
       </p:sp>
+      <p:sp>
+        <p:nvSpPr>
+          <p:cNvPr id="3" name="矩形 2"/>
+          <p:cNvSpPr/>
+          <p:nvPr/>
+        </p:nvSpPr>
+        <p:spPr>
+          <a:xfrm>
+            <a:off x="1301138" y="3822598"/>
+            <a:ext cx="5968482" cy="2585323"/>
+          </a:xfrm>
+          <a:prstGeom prst="rect">
+            <a:avLst/>
+          </a:prstGeom>
+        </p:spPr>
+        <p:txBody>
+          <a:bodyPr wrap="square">
+            <a:spAutoFit/>
+          </a:bodyPr>
+          <a:lstStyle/>
+          <a:p>
+            <a:r>
+              <a:rPr lang="en-US" altLang="zh-CN" dirty="0">
+                <a:latin typeface="Courier New"/>
+                <a:ea typeface="+mj-ea"/>
+                <a:cs typeface="Courier New"/>
+              </a:rPr>
+              <a:t>@Controller</a:t>
+            </a:r>
+          </a:p>
+          <a:p>
+            <a:r>
+              <a:rPr lang="en-US" altLang="zh-CN" dirty="0">
+                <a:latin typeface="Courier New"/>
+                <a:ea typeface="+mj-ea"/>
+                <a:cs typeface="Courier New"/>
+              </a:rPr>
+              <a:t>public class </a:t>
+            </a:r>
+            <a:r>
+              <a:rPr lang="en-US" altLang="zh-CN" dirty="0" err="1">
+                <a:latin typeface="Courier New"/>
+                <a:ea typeface="+mj-ea"/>
+                <a:cs typeface="Courier New"/>
+              </a:rPr>
+              <a:t>SimpleController</a:t>
+            </a:r>
+            <a:r>
+              <a:rPr lang="en-US" altLang="zh-CN" dirty="0">
+                <a:latin typeface="Courier New"/>
+                <a:ea typeface="+mj-ea"/>
+                <a:cs typeface="Courier New"/>
+              </a:rPr>
+              <a:t> {</a:t>
+            </a:r>
+          </a:p>
+          <a:p>
+            <a:endParaRPr lang="en-US" altLang="zh-CN" dirty="0">
+              <a:latin typeface="Courier New"/>
+              <a:ea typeface="+mj-ea"/>
+              <a:cs typeface="Courier New"/>
+            </a:endParaRPr>
+          </a:p>
+          <a:p>
+            <a:r>
+              <a:rPr lang="en-US" altLang="zh-CN" dirty="0">
+                <a:latin typeface="Courier New"/>
+                <a:ea typeface="+mj-ea"/>
+                <a:cs typeface="Courier New"/>
+              </a:rPr>
+              <a:t>    @</a:t>
+            </a:r>
+            <a:r>
+              <a:rPr lang="en-US" altLang="zh-CN" dirty="0" err="1">
+                <a:latin typeface="Courier New"/>
+                <a:ea typeface="+mj-ea"/>
+                <a:cs typeface="Courier New"/>
+              </a:rPr>
+              <a:t>RequestMapping</a:t>
+            </a:r>
+            <a:r>
+              <a:rPr lang="en-US" altLang="zh-CN" dirty="0">
+                <a:latin typeface="Courier New"/>
+                <a:ea typeface="+mj-ea"/>
+                <a:cs typeface="Courier New"/>
+              </a:rPr>
+              <a:t>("/simple")</a:t>
+            </a:r>
+          </a:p>
+          <a:p>
+            <a:r>
+              <a:rPr lang="en-US" altLang="zh-CN" dirty="0">
+                <a:latin typeface="Courier New"/>
+                <a:ea typeface="+mj-ea"/>
+                <a:cs typeface="Courier New"/>
+              </a:rPr>
+              <a:t>    public @</a:t>
+            </a:r>
+            <a:r>
+              <a:rPr lang="en-US" altLang="zh-CN" dirty="0" err="1">
+                <a:latin typeface="Courier New"/>
+                <a:ea typeface="+mj-ea"/>
+                <a:cs typeface="Courier New"/>
+              </a:rPr>
+              <a:t>ResponseBody</a:t>
+            </a:r>
+            <a:r>
+              <a:rPr lang="en-US" altLang="zh-CN" dirty="0">
+                <a:latin typeface="Courier New"/>
+                <a:ea typeface="+mj-ea"/>
+                <a:cs typeface="Courier New"/>
+              </a:rPr>
+              <a:t> String simple() {</a:t>
+            </a:r>
+          </a:p>
+          <a:p>
+            <a:r>
+              <a:rPr lang="en-US" altLang="zh-CN" dirty="0">
+                <a:latin typeface="Courier New"/>
+                <a:ea typeface="+mj-ea"/>
+                <a:cs typeface="Courier New"/>
+              </a:rPr>
+              <a:t>        return "Hello world!";</a:t>
+            </a:r>
+          </a:p>
+          <a:p>
+            <a:r>
+              <a:rPr lang="en-US" altLang="zh-CN" dirty="0">
+                <a:latin typeface="Courier New"/>
+                <a:ea typeface="+mj-ea"/>
+                <a:cs typeface="Courier New"/>
+              </a:rPr>
+              <a:t>    }</a:t>
+            </a:r>
+          </a:p>
+          <a:p>
+            <a:endParaRPr lang="en-US" altLang="zh-CN" dirty="0">
+              <a:latin typeface="Courier New"/>
+              <a:ea typeface="+mj-ea"/>
+              <a:cs typeface="Courier New"/>
+            </a:endParaRPr>
+          </a:p>
+          <a:p>
+            <a:r>
+              <a:rPr lang="en-US" altLang="zh-CN" dirty="0">
+                <a:latin typeface="Courier New"/>
+                <a:ea typeface="+mj-ea"/>
+                <a:cs typeface="Courier New"/>
+              </a:rPr>
+              <a:t>}</a:t>
+            </a:r>
+          </a:p>
+        </p:txBody>
+      </p:sp>
     </p:spTree>
     <p:extLst>
       <p:ext uri="{BB962C8B-B14F-4D97-AF65-F5344CB8AC3E}">
@@ -17224,7 +17346,792 @@
   <p:timing>
     <p:tnLst>
       <p:par>
-        <p:cTn id="1" dur="indefinite" restart="never" nodeType="tmRoot"/>
+        <p:cTn xmlns:p14="http://schemas.microsoft.com/office/powerpoint/2010/main" id="1" dur="indefinite" restart="never" nodeType="tmRoot">
+          <p:childTnLst>
+            <p:seq concurrent="1" nextAc="seek">
+              <p:cTn id="2" dur="indefinite" nodeType="mainSeq">
+                <p:childTnLst>
+                  <p:par>
+                    <p:cTn id="3" fill="hold">
+                      <p:stCondLst>
+                        <p:cond delay="indefinite"/>
+                      </p:stCondLst>
+                      <p:childTnLst>
+                        <p:par>
+                          <p:cTn id="4" fill="hold">
+                            <p:stCondLst>
+                              <p:cond delay="0"/>
+                            </p:stCondLst>
+                            <p:childTnLst>
+                              <p:par>
+                                <p:cTn id="5" presetID="2" presetClass="entr" presetSubtype="2" fill="hold" grpId="0" nodeType="clickEffect">
+                                  <p:stCondLst>
+                                    <p:cond delay="0"/>
+                                  </p:stCondLst>
+                                  <p:childTnLst>
+                                    <p:set>
+                                      <p:cBhvr>
+                                        <p:cTn id="6" dur="1" fill="hold">
+                                          <p:stCondLst>
+                                            <p:cond delay="0"/>
+                                          </p:stCondLst>
+                                        </p:cTn>
+                                        <p:tgtEl>
+                                          <p:spTgt spid="3"/>
+                                        </p:tgtEl>
+                                        <p:attrNameLst>
+                                          <p:attrName>style.visibility</p:attrName>
+                                        </p:attrNameLst>
+                                      </p:cBhvr>
+                                      <p:to>
+                                        <p:strVal val="visible"/>
+                                      </p:to>
+                                    </p:set>
+                                    <p:anim calcmode="lin" valueType="num">
+                                      <p:cBhvr additive="base">
+                                        <p:cTn id="7" dur="500" fill="hold"/>
+                                        <p:tgtEl>
+                                          <p:spTgt spid="3"/>
+                                        </p:tgtEl>
+                                        <p:attrNameLst>
+                                          <p:attrName>ppt_x</p:attrName>
+                                        </p:attrNameLst>
+                                      </p:cBhvr>
+                                      <p:tavLst>
+                                        <p:tav tm="0">
+                                          <p:val>
+                                            <p:strVal val="1+#ppt_w/2"/>
+                                          </p:val>
+                                        </p:tav>
+                                        <p:tav tm="100000">
+                                          <p:val>
+                                            <p:strVal val="#ppt_x"/>
+                                          </p:val>
+                                        </p:tav>
+                                      </p:tavLst>
+                                    </p:anim>
+                                    <p:anim calcmode="lin" valueType="num">
+                                      <p:cBhvr additive="base">
+                                        <p:cTn id="8" dur="500" fill="hold"/>
+                                        <p:tgtEl>
+                                          <p:spTgt spid="3"/>
+                                        </p:tgtEl>
+                                        <p:attrNameLst>
+                                          <p:attrName>ppt_y</p:attrName>
+                                        </p:attrNameLst>
+                                      </p:cBhvr>
+                                      <p:tavLst>
+                                        <p:tav tm="0">
+                                          <p:val>
+                                            <p:strVal val="#ppt_y"/>
+                                          </p:val>
+                                        </p:tav>
+                                        <p:tav tm="100000">
+                                          <p:val>
+                                            <p:strVal val="#ppt_y"/>
+                                          </p:val>
+                                        </p:tav>
+                                      </p:tavLst>
+                                    </p:anim>
+                                  </p:childTnLst>
+                                </p:cTn>
+                              </p:par>
+                            </p:childTnLst>
+                          </p:cTn>
+                        </p:par>
+                      </p:childTnLst>
+                    </p:cTn>
+                  </p:par>
+                </p:childTnLst>
+              </p:cTn>
+              <p:prevCondLst>
+                <p:cond evt="onPrev" delay="0">
+                  <p:tgtEl>
+                    <p:sldTgt/>
+                  </p:tgtEl>
+                </p:cond>
+              </p:prevCondLst>
+              <p:nextCondLst>
+                <p:cond evt="onNext" delay="0">
+                  <p:tgtEl>
+                    <p:sldTgt/>
+                  </p:tgtEl>
+                </p:cond>
+              </p:nextCondLst>
+            </p:seq>
+          </p:childTnLst>
+        </p:cTn>
+      </p:par>
+    </p:tnLst>
+    <p:bldLst>
+      <p:bldP spid="3" grpId="0"/>
+    </p:bldLst>
+  </p:timing>
+</p:sld>
+</file>
+
+<file path=ppt/slides/slide7.xml><?xml version="1.0" encoding="utf-8"?>
+<p:sld xmlns:a="http://schemas.openxmlformats.org/drawingml/2006/main" xmlns:r="http://schemas.openxmlformats.org/officeDocument/2006/relationships" xmlns:p="http://schemas.openxmlformats.org/presentationml/2006/main">
+  <p:cSld>
+    <p:spTree>
+      <p:nvGrpSpPr>
+        <p:cNvPr id="1" name=""/>
+        <p:cNvGrpSpPr/>
+        <p:nvPr/>
+      </p:nvGrpSpPr>
+      <p:grpSpPr>
+        <a:xfrm>
+          <a:off x="0" y="0"/>
+          <a:ext cx="0" cy="0"/>
+          <a:chOff x="0" y="0"/>
+          <a:chExt cx="0" cy="0"/>
+        </a:xfrm>
+      </p:grpSpPr>
+      <p:sp>
+        <p:nvSpPr>
+          <p:cNvPr id="5" name="内容占位符 4"/>
+          <p:cNvSpPr>
+            <a:spLocks noGrp="1"/>
+          </p:cNvSpPr>
+          <p:nvPr>
+            <p:ph idx="1"/>
+          </p:nvPr>
+        </p:nvSpPr>
+        <p:spPr>
+          <a:xfrm>
+            <a:off x="872067" y="1856096"/>
+            <a:ext cx="7408333" cy="4260061"/>
+          </a:xfrm>
+        </p:spPr>
+        <p:txBody>
+          <a:bodyPr>
+            <a:normAutofit fontScale="92500" lnSpcReduction="20000"/>
+          </a:bodyPr>
+          <a:lstStyle/>
+          <a:p>
+            <a:pPr>
+              <a:buFont typeface="Wingdings" charset="2"/>
+              <a:buChar char="Ø"/>
+            </a:pPr>
+            <a:r>
+              <a:rPr kumimoji="1" lang="zh-CN" altLang="en-US" sz="2000" dirty="0" smtClean="0">
+                <a:latin typeface="+mj-ea"/>
+                <a:ea typeface="+mj-ea"/>
+                <a:cs typeface="Heiti SC Light"/>
+              </a:rPr>
+              <a:t>通过</a:t>
+            </a:r>
+            <a:r>
+              <a:rPr kumimoji="1" lang="en-US" altLang="zh-CN" sz="2000" dirty="0" smtClean="0">
+                <a:latin typeface="+mj-ea"/>
+                <a:ea typeface="+mj-ea"/>
+                <a:cs typeface="Heiti SC Light"/>
+              </a:rPr>
+              <a:t>Path</a:t>
+            </a:r>
+          </a:p>
+          <a:p>
+            <a:pPr lvl="1">
+              <a:buFont typeface="Wingdings" charset="2"/>
+              <a:buChar char="Ø"/>
+            </a:pPr>
+            <a:r>
+              <a:rPr kumimoji="1" lang="en-US" altLang="zh-CN" sz="1800" dirty="0">
+                <a:latin typeface="+mj-ea"/>
+                <a:ea typeface="+mj-ea"/>
+                <a:cs typeface="Heiti SC Light"/>
+              </a:rPr>
+              <a:t>@</a:t>
+            </a:r>
+            <a:r>
+              <a:rPr kumimoji="1" lang="en-US" altLang="zh-CN" sz="1800" dirty="0" err="1">
+                <a:latin typeface="+mj-ea"/>
+                <a:ea typeface="+mj-ea"/>
+                <a:cs typeface="Heiti SC Light"/>
+              </a:rPr>
+              <a:t>RequestMapping</a:t>
+            </a:r>
+            <a:r>
+              <a:rPr kumimoji="1" lang="en-US" altLang="zh-CN" sz="1800" dirty="0">
+                <a:latin typeface="+mj-ea"/>
+                <a:ea typeface="+mj-ea"/>
+                <a:cs typeface="Heiti SC Light"/>
+              </a:rPr>
+              <a:t>("path"</a:t>
+            </a:r>
+            <a:r>
+              <a:rPr kumimoji="1" lang="en-US" altLang="zh-CN" sz="1800" dirty="0" smtClean="0">
+                <a:latin typeface="+mj-ea"/>
+                <a:ea typeface="+mj-ea"/>
+                <a:cs typeface="Heiti SC Light"/>
+              </a:rPr>
+              <a:t>)</a:t>
+            </a:r>
+          </a:p>
+          <a:p>
+            <a:pPr lvl="1">
+              <a:buFont typeface="Wingdings" charset="2"/>
+              <a:buChar char="Ø"/>
+            </a:pPr>
+            <a:endParaRPr kumimoji="1" lang="en-US" altLang="zh-CN" dirty="0" smtClean="0">
+              <a:latin typeface="+mj-ea"/>
+              <a:ea typeface="+mj-ea"/>
+              <a:cs typeface="Heiti SC Light"/>
+            </a:endParaRPr>
+          </a:p>
+          <a:p>
+            <a:pPr>
+              <a:buFont typeface="Wingdings" charset="2"/>
+              <a:buChar char="Ø"/>
+            </a:pPr>
+            <a:r>
+              <a:rPr kumimoji="1" lang="zh-CN" altLang="en-US" sz="2000" dirty="0" smtClean="0">
+                <a:latin typeface="+mj-ea"/>
+                <a:ea typeface="+mj-ea"/>
+                <a:cs typeface="Heiti SC Light"/>
+              </a:rPr>
+              <a:t>通过</a:t>
+            </a:r>
+            <a:r>
+              <a:rPr kumimoji="1" lang="en-US" altLang="zh-CN" sz="2000" dirty="0" smtClean="0">
+                <a:latin typeface="+mj-ea"/>
+                <a:ea typeface="+mj-ea"/>
+                <a:cs typeface="Heiti SC Light"/>
+              </a:rPr>
+              <a:t>HTTP</a:t>
+            </a:r>
+            <a:r>
+              <a:rPr kumimoji="1" lang="zh-CN" altLang="en-US" sz="2000" dirty="0" smtClean="0">
+                <a:latin typeface="+mj-ea"/>
+                <a:ea typeface="+mj-ea"/>
+                <a:cs typeface="Heiti SC Light"/>
+              </a:rPr>
+              <a:t>方法</a:t>
+            </a:r>
+            <a:endParaRPr kumimoji="1" lang="en-US" altLang="zh-CN" sz="2000" dirty="0" smtClean="0">
+              <a:latin typeface="+mj-ea"/>
+              <a:ea typeface="+mj-ea"/>
+              <a:cs typeface="Heiti SC Light"/>
+            </a:endParaRPr>
+          </a:p>
+          <a:p>
+            <a:pPr lvl="1">
+              <a:buFont typeface="Wingdings" charset="2"/>
+              <a:buChar char="Ø"/>
+            </a:pPr>
+            <a:r>
+              <a:rPr kumimoji="1" lang="en-US" altLang="zh-CN" sz="1800" dirty="0">
+                <a:latin typeface="+mj-ea"/>
+                <a:ea typeface="+mj-ea"/>
+                <a:cs typeface="Heiti SC Light"/>
+              </a:rPr>
+              <a:t>@</a:t>
+            </a:r>
+            <a:r>
+              <a:rPr kumimoji="1" lang="en-US" altLang="zh-CN" sz="1800" dirty="0" err="1">
+                <a:latin typeface="+mj-ea"/>
+                <a:ea typeface="+mj-ea"/>
+                <a:cs typeface="Heiti SC Light"/>
+              </a:rPr>
+              <a:t>RequestMapping</a:t>
+            </a:r>
+            <a:r>
+              <a:rPr kumimoji="1" lang="en-US" altLang="zh-CN" sz="1800" dirty="0">
+                <a:latin typeface="+mj-ea"/>
+                <a:ea typeface="+mj-ea"/>
+                <a:cs typeface="Heiti SC Light"/>
+              </a:rPr>
+              <a:t>("path", method=</a:t>
+            </a:r>
+            <a:r>
+              <a:rPr kumimoji="1" lang="en-US" altLang="zh-CN" sz="1800" dirty="0" err="1">
+                <a:latin typeface="+mj-ea"/>
+                <a:ea typeface="+mj-ea"/>
+                <a:cs typeface="Heiti SC Light"/>
+              </a:rPr>
+              <a:t>RequestMethod.GET</a:t>
+            </a:r>
+            <a:r>
+              <a:rPr kumimoji="1" lang="en-US" altLang="zh-CN" sz="1800" dirty="0" smtClean="0">
+                <a:latin typeface="+mj-ea"/>
+                <a:ea typeface="+mj-ea"/>
+                <a:cs typeface="Heiti SC Light"/>
+              </a:rPr>
+              <a:t>)</a:t>
+            </a:r>
+            <a:endParaRPr kumimoji="1" lang="en-US" altLang="zh-CN" sz="1800" dirty="0" smtClean="0">
+              <a:latin typeface="+mj-ea"/>
+              <a:ea typeface="+mj-ea"/>
+              <a:cs typeface="Heiti SC Light"/>
+            </a:endParaRPr>
+          </a:p>
+          <a:p>
+            <a:pPr lvl="1">
+              <a:buFont typeface="Wingdings" charset="2"/>
+              <a:buChar char="Ø"/>
+            </a:pPr>
+            <a:r>
+              <a:rPr kumimoji="1" lang="zh-CN" altLang="en-US" sz="1800" dirty="0" smtClean="0">
+                <a:latin typeface="+mj-ea"/>
+                <a:ea typeface="+mj-ea"/>
+                <a:cs typeface="Heiti SC Light"/>
+              </a:rPr>
+              <a:t>支持</a:t>
+            </a:r>
+            <a:r>
+              <a:rPr kumimoji="1" lang="en-US" altLang="zh-CN" sz="1800" dirty="0" smtClean="0">
+                <a:latin typeface="+mj-ea"/>
+                <a:ea typeface="+mj-ea"/>
+                <a:cs typeface="Heiti SC Light"/>
+              </a:rPr>
+              <a:t>POST</a:t>
+            </a:r>
+            <a:r>
+              <a:rPr kumimoji="1" lang="zh-CN" altLang="en-US" sz="1800" dirty="0" smtClean="0">
+                <a:latin typeface="+mj-ea"/>
+                <a:ea typeface="+mj-ea"/>
+                <a:cs typeface="Heiti SC Light"/>
+              </a:rPr>
+              <a:t>，</a:t>
+            </a:r>
+            <a:r>
+              <a:rPr kumimoji="1" lang="en-US" altLang="zh-CN" sz="1800" dirty="0" smtClean="0">
+                <a:latin typeface="+mj-ea"/>
+                <a:ea typeface="+mj-ea"/>
+                <a:cs typeface="Heiti SC Light"/>
+              </a:rPr>
+              <a:t>GET</a:t>
+            </a:r>
+            <a:r>
+              <a:rPr kumimoji="1" lang="zh-CN" altLang="en-US" sz="1800" dirty="0" smtClean="0">
+                <a:latin typeface="+mj-ea"/>
+                <a:ea typeface="+mj-ea"/>
+                <a:cs typeface="Heiti SC Light"/>
+              </a:rPr>
+              <a:t>，</a:t>
+            </a:r>
+            <a:r>
+              <a:rPr kumimoji="1" lang="en-US" altLang="zh-CN" sz="1800" dirty="0" smtClean="0">
+                <a:latin typeface="+mj-ea"/>
+                <a:ea typeface="+mj-ea"/>
+                <a:cs typeface="Heiti SC Light"/>
+              </a:rPr>
+              <a:t>PUT</a:t>
+            </a:r>
+            <a:r>
+              <a:rPr kumimoji="1" lang="zh-CN" altLang="en-US" sz="1800" dirty="0" smtClean="0">
+                <a:latin typeface="+mj-ea"/>
+                <a:ea typeface="+mj-ea"/>
+                <a:cs typeface="Heiti SC Light"/>
+              </a:rPr>
+              <a:t>，</a:t>
+            </a:r>
+            <a:r>
+              <a:rPr kumimoji="1" lang="en-US" altLang="zh-CN" sz="1800" dirty="0" smtClean="0">
+                <a:latin typeface="+mj-ea"/>
+                <a:ea typeface="+mj-ea"/>
+                <a:cs typeface="Heiti SC Light"/>
+              </a:rPr>
+              <a:t>DELETE</a:t>
+            </a:r>
+            <a:r>
+              <a:rPr kumimoji="1" lang="zh-CN" altLang="en-US" sz="1800" dirty="0" smtClean="0">
+                <a:latin typeface="+mj-ea"/>
+                <a:ea typeface="+mj-ea"/>
+                <a:cs typeface="Heiti SC Light"/>
+              </a:rPr>
+              <a:t>，</a:t>
+            </a:r>
+            <a:r>
+              <a:rPr kumimoji="1" lang="en-US" altLang="zh-CN" sz="1800" dirty="0" smtClean="0">
+                <a:latin typeface="+mj-ea"/>
+                <a:ea typeface="+mj-ea"/>
+                <a:cs typeface="Heiti SC Light"/>
+              </a:rPr>
+              <a:t>OPTIONS</a:t>
+            </a:r>
+            <a:r>
+              <a:rPr kumimoji="1" lang="zh-CN" altLang="en-US" sz="1800" dirty="0" smtClean="0">
+                <a:latin typeface="+mj-ea"/>
+                <a:ea typeface="+mj-ea"/>
+                <a:cs typeface="Heiti SC Light"/>
+              </a:rPr>
+              <a:t>，</a:t>
+            </a:r>
+            <a:r>
+              <a:rPr kumimoji="1" lang="en-US" altLang="zh-CN" sz="1800" dirty="0" smtClean="0">
+                <a:latin typeface="+mj-ea"/>
+                <a:ea typeface="+mj-ea"/>
+                <a:cs typeface="Heiti SC Light"/>
+              </a:rPr>
+              <a:t>TRACE</a:t>
+            </a:r>
+          </a:p>
+          <a:p>
+            <a:pPr lvl="1">
+              <a:buFont typeface="Wingdings" charset="2"/>
+              <a:buChar char="Ø"/>
+            </a:pPr>
+            <a:endParaRPr kumimoji="1" lang="en-US" altLang="zh-CN" sz="1800" dirty="0">
+              <a:latin typeface="+mj-ea"/>
+              <a:ea typeface="+mj-ea"/>
+              <a:cs typeface="Heiti SC Light"/>
+            </a:endParaRPr>
+          </a:p>
+          <a:p>
+            <a:pPr>
+              <a:buFont typeface="Wingdings" charset="2"/>
+              <a:buChar char="Ø"/>
+            </a:pPr>
+            <a:r>
+              <a:rPr kumimoji="1" lang="zh-CN" altLang="en-US" sz="2000" dirty="0" smtClean="0">
+                <a:latin typeface="+mj-ea"/>
+                <a:ea typeface="+mj-ea"/>
+                <a:cs typeface="Heiti SC Light"/>
+              </a:rPr>
+              <a:t>通过查询参数</a:t>
+            </a:r>
+            <a:endParaRPr kumimoji="1" lang="en-US" altLang="zh-CN" sz="2000" dirty="0" smtClean="0">
+              <a:latin typeface="+mj-ea"/>
+              <a:ea typeface="+mj-ea"/>
+              <a:cs typeface="Heiti SC Light"/>
+            </a:endParaRPr>
+          </a:p>
+          <a:p>
+            <a:pPr lvl="1">
+              <a:buFont typeface="Wingdings" charset="2"/>
+              <a:buChar char="Ø"/>
+            </a:pPr>
+            <a:r>
+              <a:rPr kumimoji="1" lang="en-US" altLang="zh-CN" sz="1800" dirty="0">
+                <a:latin typeface="+mj-ea"/>
+                <a:ea typeface="+mj-ea"/>
+                <a:cs typeface="Heiti SC Light"/>
+              </a:rPr>
+              <a:t>@</a:t>
+            </a:r>
+            <a:r>
+              <a:rPr kumimoji="1" lang="en-US" altLang="zh-CN" sz="1800" dirty="0" err="1">
+                <a:latin typeface="+mj-ea"/>
+                <a:ea typeface="+mj-ea"/>
+                <a:cs typeface="Heiti SC Light"/>
+              </a:rPr>
+              <a:t>RequestMapping</a:t>
+            </a:r>
+            <a:r>
+              <a:rPr kumimoji="1" lang="en-US" altLang="zh-CN" sz="1800" dirty="0">
+                <a:latin typeface="+mj-ea"/>
+                <a:ea typeface="+mj-ea"/>
+                <a:cs typeface="Heiti SC Light"/>
+              </a:rPr>
+              <a:t>("path", method=</a:t>
+            </a:r>
+            <a:r>
+              <a:rPr kumimoji="1" lang="en-US" altLang="zh-CN" sz="1800" dirty="0" err="1">
+                <a:latin typeface="+mj-ea"/>
+                <a:ea typeface="+mj-ea"/>
+                <a:cs typeface="Heiti SC Light"/>
+              </a:rPr>
+              <a:t>RequestMethod.GET</a:t>
+            </a:r>
+            <a:r>
+              <a:rPr kumimoji="1" lang="en-US" altLang="zh-CN" sz="1800" dirty="0">
+                <a:latin typeface="+mj-ea"/>
+                <a:ea typeface="+mj-ea"/>
+                <a:cs typeface="Heiti SC Light"/>
+              </a:rPr>
+              <a:t>, </a:t>
+            </a:r>
+            <a:r>
+              <a:rPr kumimoji="1" lang="en-US" altLang="zh-CN" sz="1800" dirty="0" err="1">
+                <a:latin typeface="+mj-ea"/>
+                <a:ea typeface="+mj-ea"/>
+                <a:cs typeface="Heiti SC Light"/>
+              </a:rPr>
+              <a:t>params</a:t>
+            </a:r>
+            <a:r>
+              <a:rPr kumimoji="1" lang="en-US" altLang="zh-CN" sz="1800" dirty="0">
+                <a:latin typeface="+mj-ea"/>
+                <a:ea typeface="+mj-ea"/>
+                <a:cs typeface="Heiti SC Light"/>
+              </a:rPr>
+              <a:t>="foo"</a:t>
+            </a:r>
+            <a:r>
+              <a:rPr kumimoji="1" lang="en-US" altLang="zh-CN" sz="1800" dirty="0" smtClean="0">
+                <a:latin typeface="+mj-ea"/>
+                <a:ea typeface="+mj-ea"/>
+                <a:cs typeface="Heiti SC Light"/>
+              </a:rPr>
+              <a:t>)</a:t>
+            </a:r>
+          </a:p>
+          <a:p>
+            <a:pPr lvl="1">
+              <a:buFont typeface="Wingdings" charset="2"/>
+              <a:buChar char="Ø"/>
+            </a:pPr>
+            <a:r>
+              <a:rPr kumimoji="1" lang="zh-CN" altLang="en-US" sz="1800" dirty="0" smtClean="0">
+                <a:latin typeface="+mj-ea"/>
+                <a:ea typeface="+mj-ea"/>
+                <a:cs typeface="Heiti SC Light"/>
+              </a:rPr>
+              <a:t>也支持取反</a:t>
+            </a:r>
+            <a:r>
+              <a:rPr kumimoji="1" lang="en-US" altLang="zh-CN" sz="1800" dirty="0" smtClean="0">
+                <a:latin typeface="+mj-ea"/>
+                <a:ea typeface="+mj-ea"/>
+                <a:cs typeface="Heiti SC Light"/>
+              </a:rPr>
+              <a:t>:</a:t>
+            </a:r>
+            <a:r>
+              <a:rPr lang="pt-BR" altLang="zh-CN" sz="1800" dirty="0" err="1"/>
+              <a:t>params</a:t>
+            </a:r>
+            <a:r>
+              <a:rPr lang="pt-BR" altLang="zh-CN" sz="1800" dirty="0"/>
+              <a:t>={ "</a:t>
+            </a:r>
+            <a:r>
+              <a:rPr lang="pt-BR" altLang="zh-CN" sz="1800" dirty="0" err="1"/>
+              <a:t>foo</a:t>
+            </a:r>
+            <a:r>
+              <a:rPr lang="pt-BR" altLang="zh-CN" sz="1800" dirty="0"/>
+              <a:t>", "!bar" }</a:t>
+            </a:r>
+            <a:r>
+              <a:rPr lang="pt-BR" altLang="zh-CN" sz="1800" dirty="0" smtClean="0"/>
+              <a:t>)</a:t>
+            </a:r>
+          </a:p>
+          <a:p>
+            <a:pPr lvl="1">
+              <a:buFont typeface="Wingdings" charset="2"/>
+              <a:buChar char="Ø"/>
+            </a:pPr>
+            <a:endParaRPr lang="pt-BR" altLang="zh-CN" sz="1800" dirty="0" smtClean="0"/>
+          </a:p>
+          <a:p>
+            <a:pPr>
+              <a:buFont typeface="Wingdings" charset="2"/>
+              <a:buChar char="Ø"/>
+            </a:pPr>
+            <a:r>
+              <a:rPr kumimoji="1" lang="zh-CN" altLang="en-US" sz="2000" dirty="0" smtClean="0">
+                <a:latin typeface="+mj-ea"/>
+                <a:ea typeface="+mj-ea"/>
+                <a:cs typeface="Heiti SC Light"/>
+              </a:rPr>
+              <a:t>通过</a:t>
+            </a:r>
+            <a:r>
+              <a:rPr kumimoji="1" lang="en-US" altLang="zh-CN" sz="2000" dirty="0" smtClean="0">
+                <a:latin typeface="+mj-ea"/>
+                <a:ea typeface="+mj-ea"/>
+                <a:cs typeface="Heiti SC Light"/>
+              </a:rPr>
+              <a:t>Header</a:t>
+            </a:r>
+            <a:r>
+              <a:rPr kumimoji="1" lang="zh-CN" altLang="en-US" sz="2000" dirty="0" smtClean="0">
+                <a:latin typeface="+mj-ea"/>
+                <a:ea typeface="+mj-ea"/>
+                <a:cs typeface="Heiti SC Light"/>
+              </a:rPr>
+              <a:t>中的值</a:t>
+            </a:r>
+            <a:endParaRPr kumimoji="1" lang="en-US" altLang="zh-CN" sz="2000" dirty="0" smtClean="0">
+              <a:latin typeface="+mj-ea"/>
+              <a:ea typeface="+mj-ea"/>
+              <a:cs typeface="Heiti SC Light"/>
+            </a:endParaRPr>
+          </a:p>
+          <a:p>
+            <a:pPr lvl="1">
+              <a:buFont typeface="Wingdings" charset="2"/>
+              <a:buChar char="Ø"/>
+            </a:pPr>
+            <a:r>
+              <a:rPr kumimoji="1" lang="en-US" altLang="zh-CN" sz="1700" dirty="0" smtClean="0">
+                <a:latin typeface="+mj-ea"/>
+                <a:ea typeface="+mj-ea"/>
+                <a:cs typeface="Heiti SC Light"/>
+              </a:rPr>
+              <a:t>@</a:t>
+            </a:r>
+            <a:r>
+              <a:rPr kumimoji="1" lang="en-US" altLang="zh-CN" sz="1700" dirty="0" err="1">
+                <a:latin typeface="+mj-ea"/>
+                <a:ea typeface="+mj-ea"/>
+                <a:cs typeface="Heiti SC Light"/>
+              </a:rPr>
+              <a:t>RequestMapping</a:t>
+            </a:r>
+            <a:r>
+              <a:rPr kumimoji="1" lang="en-US" altLang="zh-CN" sz="1700" dirty="0">
+                <a:latin typeface="+mj-ea"/>
+                <a:ea typeface="+mj-ea"/>
+                <a:cs typeface="Heiti SC Light"/>
+              </a:rPr>
+              <a:t>("path", header="content-</a:t>
+            </a:r>
+            <a:r>
+              <a:rPr kumimoji="1" lang="en-US" altLang="zh-CN" sz="1700" dirty="0" smtClean="0">
+                <a:latin typeface="+mj-ea"/>
+                <a:ea typeface="+mj-ea"/>
+                <a:cs typeface="Heiti SC Light"/>
+              </a:rPr>
+              <a:t>type=</a:t>
+            </a:r>
+            <a:r>
+              <a:rPr kumimoji="1" lang="en-US" altLang="zh-CN" sz="1700" dirty="0">
+                <a:latin typeface="+mj-ea"/>
+                <a:ea typeface="+mj-ea"/>
+                <a:cs typeface="Heiti SC Light"/>
+              </a:rPr>
+              <a:t>text/*"</a:t>
+            </a:r>
+            <a:r>
+              <a:rPr kumimoji="1" lang="en-US" altLang="zh-CN" sz="1700" dirty="0" smtClean="0">
+                <a:latin typeface="+mj-ea"/>
+                <a:ea typeface="+mj-ea"/>
+                <a:cs typeface="Heiti SC Light"/>
+              </a:rPr>
+              <a:t>)</a:t>
+            </a:r>
+          </a:p>
+          <a:p>
+            <a:pPr lvl="1">
+              <a:buFont typeface="Wingdings" charset="2"/>
+              <a:buChar char="Ø"/>
+            </a:pPr>
+            <a:r>
+              <a:rPr kumimoji="1" lang="zh-CN" altLang="en-US" sz="1700" dirty="0">
+                <a:latin typeface="+mj-ea"/>
+                <a:ea typeface="+mj-ea"/>
+                <a:cs typeface="Heiti SC Light"/>
+              </a:rPr>
+              <a:t>也支持取</a:t>
+            </a:r>
+            <a:r>
+              <a:rPr kumimoji="1" lang="zh-CN" altLang="en-US" sz="1700" dirty="0" smtClean="0">
+                <a:latin typeface="+mj-ea"/>
+                <a:ea typeface="+mj-ea"/>
+                <a:cs typeface="Heiti SC Light"/>
+              </a:rPr>
+              <a:t>反</a:t>
+            </a:r>
+            <a:r>
+              <a:rPr kumimoji="1" lang="en-US" altLang="zh-CN" sz="1700" dirty="0" smtClean="0">
+                <a:latin typeface="+mj-ea"/>
+                <a:ea typeface="+mj-ea"/>
+                <a:cs typeface="Heiti SC Light"/>
+              </a:rPr>
+              <a:t>:</a:t>
+            </a:r>
+            <a:r>
+              <a:rPr kumimoji="1" lang="en-US" altLang="zh-CN" sz="1700" dirty="0">
+                <a:latin typeface="+mj-ea"/>
+                <a:ea typeface="+mj-ea"/>
+                <a:cs typeface="Heiti SC Light"/>
+              </a:rPr>
+              <a:t>header</a:t>
+            </a:r>
+            <a:r>
+              <a:rPr kumimoji="1" lang="en-US" altLang="zh-CN" sz="1700" dirty="0" smtClean="0">
+                <a:latin typeface="+mj-ea"/>
+                <a:ea typeface="+mj-ea"/>
+                <a:cs typeface="Heiti SC Light"/>
+              </a:rPr>
+              <a:t>="content</a:t>
+            </a:r>
+            <a:r>
+              <a:rPr kumimoji="1" lang="en-US" altLang="zh-CN" sz="1700" dirty="0">
+                <a:latin typeface="+mj-ea"/>
+                <a:ea typeface="+mj-ea"/>
+                <a:cs typeface="Heiti SC Light"/>
+              </a:rPr>
+              <a:t>-</a:t>
+            </a:r>
+            <a:r>
+              <a:rPr kumimoji="1" lang="en-US" altLang="zh-CN" sz="1700" dirty="0" smtClean="0">
+                <a:latin typeface="+mj-ea"/>
+                <a:ea typeface="+mj-ea"/>
+                <a:cs typeface="Heiti SC Light"/>
+              </a:rPr>
+              <a:t>type!=</a:t>
+            </a:r>
+            <a:r>
+              <a:rPr kumimoji="1" lang="en-US" altLang="zh-CN" sz="1700" dirty="0">
+                <a:latin typeface="+mj-ea"/>
+                <a:ea typeface="+mj-ea"/>
+                <a:cs typeface="Heiti SC Light"/>
+              </a:rPr>
+              <a:t>text/*"</a:t>
+            </a:r>
+            <a:endParaRPr kumimoji="1" lang="en-US" altLang="zh-CN" sz="1600" dirty="0">
+              <a:latin typeface="+mj-ea"/>
+              <a:ea typeface="+mj-ea"/>
+              <a:cs typeface="Heiti SC Light"/>
+            </a:endParaRPr>
+          </a:p>
+        </p:txBody>
+      </p:sp>
+      <p:sp>
+        <p:nvSpPr>
+          <p:cNvPr id="2" name="标题 1"/>
+          <p:cNvSpPr>
+            <a:spLocks noGrp="1"/>
+          </p:cNvSpPr>
+          <p:nvPr>
+            <p:ph type="title"/>
+          </p:nvPr>
+        </p:nvSpPr>
+        <p:spPr/>
+        <p:txBody>
+          <a:bodyPr/>
+          <a:lstStyle/>
+          <a:p>
+            <a:r>
+              <a:rPr kumimoji="1" lang="en-US" altLang="zh-CN" dirty="0" err="1" smtClean="0">
+                <a:latin typeface="+mj-ea"/>
+                <a:cs typeface="Heiti SC Light"/>
+              </a:rPr>
+              <a:t>Request</a:t>
+            </a:r>
+            <a:r>
+              <a:rPr kumimoji="1" lang="en-US" altLang="en-US" dirty="0" err="1" smtClean="0">
+                <a:latin typeface="+mj-ea"/>
+                <a:cs typeface="Heiti SC Light"/>
+              </a:rPr>
+              <a:t>映射</a:t>
+            </a:r>
+            <a:endParaRPr kumimoji="1" lang="zh-CN" altLang="en-US" dirty="0">
+              <a:latin typeface="+mj-ea"/>
+              <a:cs typeface="Heiti SC Light"/>
+            </a:endParaRPr>
+          </a:p>
+        </p:txBody>
+      </p:sp>
+    </p:spTree>
+    <p:extLst>
+      <p:ext uri="{BB962C8B-B14F-4D97-AF65-F5344CB8AC3E}">
+        <p14:creationId xmlns:p14="http://schemas.microsoft.com/office/powerpoint/2010/main" val="2563776707"/>
+      </p:ext>
+    </p:extLst>
+  </p:cSld>
+  <p:clrMapOvr>
+    <a:masterClrMapping/>
+  </p:clrMapOvr>
+  <p:timing>
+    <p:tnLst>
+      <p:par>
+        <p:cTn xmlns:p14="http://schemas.microsoft.com/office/powerpoint/2010/main" id="1" dur="indefinite" restart="never" nodeType="tmRoot"/>
       </p:par>
     </p:tnLst>
   </p:timing>

--- a/SpringMVC3.pptx
+++ b/SpringMVC3.pptx
@@ -12,6 +12,15 @@
     <p:sldId id="260" r:id="rId6"/>
     <p:sldId id="261" r:id="rId7"/>
     <p:sldId id="262" r:id="rId8"/>
+    <p:sldId id="263" r:id="rId9"/>
+    <p:sldId id="264" r:id="rId10"/>
+    <p:sldId id="265" r:id="rId11"/>
+    <p:sldId id="266" r:id="rId12"/>
+    <p:sldId id="267" r:id="rId13"/>
+    <p:sldId id="268" r:id="rId14"/>
+    <p:sldId id="269" r:id="rId15"/>
+    <p:sldId id="270" r:id="rId16"/>
+    <p:sldId id="271" r:id="rId17"/>
   </p:sldIdLst>
   <p:sldSz cx="9144000" cy="6858000" type="screen4x3"/>
   <p:notesSz cx="6858000" cy="9144000"/>
@@ -1926,7 +1935,7 @@
             <a:fld id="{E30E2307-1E40-4E12-8716-25BFDA8E7013}" type="datetime1">
               <a:rPr lang="en-US" smtClean="0"/>
               <a:pPr/>
-              <a:t>13-10-13</a:t>
+              <a:t>10/14/2013</a:t>
             </a:fld>
             <a:endParaRPr lang="en-US"/>
           </a:p>
@@ -2109,7 +2118,7 @@
             <a:fld id="{E5CFCF5A-EA79-452C-A52C-1A2668C2E7DF}" type="datetime1">
               <a:rPr lang="en-US" smtClean="0"/>
               <a:pPr/>
-              <a:t>13-10-13</a:t>
+              <a:t>10/14/2013</a:t>
             </a:fld>
             <a:endParaRPr lang="en-US"/>
           </a:p>
@@ -2262,7 +2271,7 @@
             <a:fld id="{2E5C4C28-BD4B-4892-9A2D-6E19BD753A9A}" type="datetime1">
               <a:rPr lang="en-US" smtClean="0"/>
               <a:pPr/>
-              <a:t>13-10-13</a:t>
+              <a:t>10/14/2013</a:t>
             </a:fld>
             <a:endParaRPr lang="en-US"/>
           </a:p>
@@ -4090,7 +4099,7 @@
             <a:fld id="{61FD9D02-426E-46C9-9EE9-0DE1EF8B2838}" type="datetime1">
               <a:rPr lang="en-US" smtClean="0"/>
               <a:pPr/>
-              <a:t>13-10-13</a:t>
+              <a:t>10/14/2013</a:t>
             </a:fld>
             <a:endParaRPr lang="en-US"/>
           </a:p>
@@ -5962,7 +5971,7 @@
             <a:fld id="{7B8AEBBE-F8B2-42CF-9895-E86A608384EB}" type="datetime1">
               <a:rPr lang="en-US" smtClean="0"/>
               <a:pPr/>
-              <a:t>13-10-13</a:t>
+              <a:t>10/14/2013</a:t>
             </a:fld>
             <a:endParaRPr lang="en-US"/>
           </a:p>
@@ -6077,7 +6086,7 @@
             <a:fld id="{E1FAA6B6-10E5-4810-BC9F-DA72D8452E73}" type="datetime1">
               <a:rPr lang="en-US" smtClean="0"/>
               <a:pPr/>
-              <a:t>13-10-13</a:t>
+              <a:t>10/14/2013</a:t>
             </a:fld>
             <a:endParaRPr lang="en-US"/>
           </a:p>
@@ -6620,7 +6629,7 @@
             <a:fld id="{6D18D072-EF12-4AA2-BD71-ABC68B06D0E2}" type="datetime1">
               <a:rPr lang="en-US" smtClean="0"/>
               <a:pPr/>
-              <a:t>13-10-13</a:t>
+              <a:t>10/14/2013</a:t>
             </a:fld>
             <a:endParaRPr lang="en-US"/>
           </a:p>
@@ -6735,7 +6744,7 @@
             <a:fld id="{B8CDBF60-6CC3-4B74-A60D-3486985E4346}" type="datetime1">
               <a:rPr lang="en-US" smtClean="0"/>
               <a:pPr/>
-              <a:t>13-10-13</a:t>
+              <a:t>10/14/2013</a:t>
             </a:fld>
             <a:endParaRPr lang="en-US"/>
           </a:p>
@@ -8448,7 +8457,7 @@
             <a:fld id="{22714818-984F-4759-BF72-A33BDC1963BD}" type="datetime1">
               <a:rPr lang="en-US" smtClean="0"/>
               <a:pPr/>
-              <a:t>13-10-13</a:t>
+              <a:t>10/14/2013</a:t>
             </a:fld>
             <a:endParaRPr lang="en-US"/>
           </a:p>
@@ -8601,7 +8610,7 @@
             <a:fld id="{9EA7E191-5F94-4FC1-B823-BD7CABF7FA06}" type="datetime1">
               <a:rPr lang="en-US" smtClean="0"/>
               <a:pPr/>
-              <a:t>13-10-13</a:t>
+              <a:t>10/14/2013</a:t>
             </a:fld>
             <a:endParaRPr lang="en-US"/>
           </a:p>
@@ -12218,7 +12227,7 @@
             <a:fld id="{88856D55-EFBE-4F9B-8A5F-09D42CA22A9B}" type="datetime1">
               <a:rPr lang="en-US" smtClean="0"/>
               <a:pPr/>
-              <a:t>13-10-13</a:t>
+              <a:t>10/14/2013</a:t>
             </a:fld>
             <a:endParaRPr lang="en-US"/>
           </a:p>
@@ -14079,7 +14088,7 @@
             <a:fld id="{9D1D110F-3F4E-48D9-B8AA-5D0E825AFDBA}" type="datetime1">
               <a:rPr lang="en-US" smtClean="0"/>
               <a:pPr/>
-              <a:t>13-10-13</a:t>
+              <a:t>10/14/2013</a:t>
             </a:fld>
             <a:endParaRPr lang="en-US"/>
           </a:p>
@@ -14700,7 +14709,2287 @@
   <p:timing>
     <p:tnLst>
       <p:par>
-        <p:cTn xmlns:p14="http://schemas.microsoft.com/office/powerpoint/2010/main" id="1" dur="indefinite" restart="never" nodeType="tmRoot"/>
+        <p:cTn id="1" dur="indefinite" restart="never" nodeType="tmRoot"/>
+      </p:par>
+    </p:tnLst>
+  </p:timing>
+</p:sld>
+</file>
+
+<file path=ppt/slides/slide10.xml><?xml version="1.0" encoding="utf-8"?>
+<p:sld xmlns:a="http://schemas.openxmlformats.org/drawingml/2006/main" xmlns:r="http://schemas.openxmlformats.org/officeDocument/2006/relationships" xmlns:p="http://schemas.openxmlformats.org/presentationml/2006/main">
+  <p:cSld>
+    <p:spTree>
+      <p:nvGrpSpPr>
+        <p:cNvPr id="1" name=""/>
+        <p:cNvGrpSpPr/>
+        <p:nvPr/>
+      </p:nvGrpSpPr>
+      <p:grpSpPr>
+        <a:xfrm>
+          <a:off x="0" y="0"/>
+          <a:ext cx="0" cy="0"/>
+          <a:chOff x="0" y="0"/>
+          <a:chExt cx="0" cy="0"/>
+        </a:xfrm>
+      </p:grpSpPr>
+      <p:sp>
+        <p:nvSpPr>
+          <p:cNvPr id="5" name="内容占位符 4"/>
+          <p:cNvSpPr>
+            <a:spLocks noGrp="1"/>
+          </p:cNvSpPr>
+          <p:nvPr>
+            <p:ph idx="1"/>
+          </p:nvPr>
+        </p:nvSpPr>
+        <p:spPr>
+          <a:xfrm>
+            <a:off x="872067" y="1856097"/>
+            <a:ext cx="7408333" cy="668740"/>
+          </a:xfrm>
+        </p:spPr>
+        <p:txBody>
+          <a:bodyPr>
+            <a:normAutofit/>
+          </a:bodyPr>
+          <a:lstStyle/>
+          <a:p>
+            <a:pPr>
+              <a:buFont typeface="Wingdings" charset="2"/>
+              <a:buChar char="Ø"/>
+            </a:pPr>
+            <a:r>
+              <a:rPr kumimoji="1" lang="en-US" altLang="zh-CN" sz="2000" dirty="0">
+                <a:latin typeface="+mj-ea"/>
+                <a:ea typeface="+mj-ea"/>
+                <a:cs typeface="Heiti SC Light"/>
+              </a:rPr>
+              <a:t>Method</a:t>
+            </a:r>
+            <a:r>
+              <a:rPr kumimoji="1" lang="en-US" altLang="zh-CN" sz="2000" dirty="0" smtClean="0">
+                <a:latin typeface="+mj-ea"/>
+                <a:ea typeface="+mj-ea"/>
+                <a:cs typeface="Heiti SC Light"/>
+              </a:rPr>
+              <a:t> Level Mapping</a:t>
+            </a:r>
+            <a:endParaRPr kumimoji="1" lang="en-US" altLang="zh-CN" sz="1800" dirty="0">
+              <a:latin typeface="+mj-ea"/>
+              <a:cs typeface="Heiti SC Light"/>
+            </a:endParaRPr>
+          </a:p>
+        </p:txBody>
+      </p:sp>
+      <p:sp>
+        <p:nvSpPr>
+          <p:cNvPr id="2" name="标题 1"/>
+          <p:cNvSpPr>
+            <a:spLocks noGrp="1"/>
+          </p:cNvSpPr>
+          <p:nvPr>
+            <p:ph type="title"/>
+          </p:nvPr>
+        </p:nvSpPr>
+        <p:spPr/>
+        <p:txBody>
+          <a:bodyPr>
+            <a:normAutofit/>
+          </a:bodyPr>
+          <a:lstStyle/>
+          <a:p>
+            <a:r>
+              <a:rPr kumimoji="1" lang="en-US" altLang="zh-CN" dirty="0">
+                <a:latin typeface="+mj-ea"/>
+                <a:cs typeface="Heiti SC Light"/>
+              </a:rPr>
+              <a:t>Method Level </a:t>
+            </a:r>
+            <a:r>
+              <a:rPr kumimoji="1" lang="en-US" altLang="zh-CN" dirty="0" smtClean="0">
+                <a:latin typeface="+mj-ea"/>
+                <a:cs typeface="Heiti SC Light"/>
+              </a:rPr>
+              <a:t>Mapping</a:t>
+            </a:r>
+            <a:endParaRPr kumimoji="1" lang="zh-CN" altLang="en-US" dirty="0">
+              <a:latin typeface="华文新魏" panose="02010800040101010101" pitchFamily="2" charset="-122"/>
+              <a:ea typeface="华文新魏" panose="02010800040101010101" pitchFamily="2" charset="-122"/>
+              <a:cs typeface="Heiti SC Light"/>
+            </a:endParaRPr>
+          </a:p>
+        </p:txBody>
+      </p:sp>
+      <p:sp>
+        <p:nvSpPr>
+          <p:cNvPr id="3" name="Rectangle 2"/>
+          <p:cNvSpPr/>
+          <p:nvPr/>
+        </p:nvSpPr>
+        <p:spPr>
+          <a:xfrm>
+            <a:off x="872067" y="2552133"/>
+            <a:ext cx="8072650" cy="2585323"/>
+          </a:xfrm>
+          <a:prstGeom prst="rect">
+            <a:avLst/>
+          </a:prstGeom>
+        </p:spPr>
+        <p:txBody>
+          <a:bodyPr wrap="square">
+            <a:spAutoFit/>
+          </a:bodyPr>
+          <a:lstStyle/>
+          <a:p>
+            <a:r>
+              <a:rPr kumimoji="1" lang="en-US" altLang="zh-CN" dirty="0">
+                <a:latin typeface="Courier New" panose="02070309020205020404" pitchFamily="49" charset="0"/>
+                <a:cs typeface="Courier New" panose="02070309020205020404" pitchFamily="49" charset="0"/>
+              </a:rPr>
+              <a:t>@</a:t>
+            </a:r>
+            <a:r>
+              <a:rPr kumimoji="1" lang="en-US" altLang="zh-CN" dirty="0" smtClean="0">
+                <a:latin typeface="Courier New" panose="02070309020205020404" pitchFamily="49" charset="0"/>
+                <a:cs typeface="Courier New" panose="02070309020205020404" pitchFamily="49" charset="0"/>
+              </a:rPr>
+              <a:t>Controller</a:t>
+            </a:r>
+          </a:p>
+          <a:p>
+            <a:r>
+              <a:rPr kumimoji="1" lang="en-US" altLang="zh-CN" dirty="0" smtClean="0">
+                <a:latin typeface="Courier New" panose="02070309020205020404" pitchFamily="49" charset="0"/>
+                <a:cs typeface="Courier New" panose="02070309020205020404" pitchFamily="49" charset="0"/>
+              </a:rPr>
+              <a:t>public </a:t>
+            </a:r>
+            <a:r>
+              <a:rPr kumimoji="1" lang="en-US" altLang="zh-CN" dirty="0">
+                <a:latin typeface="Courier New" panose="02070309020205020404" pitchFamily="49" charset="0"/>
+                <a:cs typeface="Courier New" panose="02070309020205020404" pitchFamily="49" charset="0"/>
+              </a:rPr>
+              <a:t>class </a:t>
+            </a:r>
+            <a:r>
+              <a:rPr kumimoji="1" lang="en-US" altLang="zh-CN" dirty="0" err="1">
+                <a:latin typeface="Courier New" panose="02070309020205020404" pitchFamily="49" charset="0"/>
+                <a:cs typeface="Courier New" panose="02070309020205020404" pitchFamily="49" charset="0"/>
+              </a:rPr>
+              <a:t>AccountsController</a:t>
+            </a:r>
+            <a:r>
+              <a:rPr kumimoji="1" lang="en-US" altLang="zh-CN" dirty="0">
+                <a:latin typeface="Courier New" panose="02070309020205020404" pitchFamily="49" charset="0"/>
+                <a:cs typeface="Courier New" panose="02070309020205020404" pitchFamily="49" charset="0"/>
+              </a:rPr>
+              <a:t> {</a:t>
+            </a:r>
+          </a:p>
+          <a:p>
+            <a:endParaRPr kumimoji="1" lang="en-US" altLang="zh-CN" dirty="0">
+              <a:latin typeface="Courier New" panose="02070309020205020404" pitchFamily="49" charset="0"/>
+              <a:cs typeface="Courier New" panose="02070309020205020404" pitchFamily="49" charset="0"/>
+            </a:endParaRPr>
+          </a:p>
+          <a:p>
+            <a:r>
+              <a:rPr kumimoji="1" lang="en-US" altLang="zh-CN" dirty="0">
+                <a:latin typeface="Courier New" panose="02070309020205020404" pitchFamily="49" charset="0"/>
+                <a:cs typeface="Courier New" panose="02070309020205020404" pitchFamily="49" charset="0"/>
+              </a:rPr>
+              <a:t>    @</a:t>
+            </a:r>
+            <a:r>
+              <a:rPr kumimoji="1" lang="en-US" altLang="zh-CN" dirty="0" err="1">
+                <a:latin typeface="Courier New" panose="02070309020205020404" pitchFamily="49" charset="0"/>
+                <a:cs typeface="Courier New" panose="02070309020205020404" pitchFamily="49" charset="0"/>
+              </a:rPr>
+              <a:t>RequestMapping</a:t>
+            </a:r>
+            <a:r>
+              <a:rPr kumimoji="1" lang="en-US" altLang="zh-CN" dirty="0" smtClean="0">
+                <a:latin typeface="Courier New" panose="02070309020205020404" pitchFamily="49" charset="0"/>
+                <a:cs typeface="Courier New" panose="02070309020205020404" pitchFamily="49" charset="0"/>
+              </a:rPr>
+              <a:t>("</a:t>
+            </a:r>
+            <a:r>
+              <a:rPr kumimoji="1" lang="en-US" altLang="zh-CN" dirty="0">
+                <a:latin typeface="Courier New" panose="02070309020205020404" pitchFamily="49" charset="0"/>
+                <a:cs typeface="Courier New" panose="02070309020205020404" pitchFamily="49" charset="0"/>
+              </a:rPr>
+              <a:t>/accounts/</a:t>
+            </a:r>
+            <a:r>
+              <a:rPr kumimoji="1" lang="en-US" altLang="zh-CN" dirty="0" smtClean="0">
+                <a:latin typeface="Courier New" panose="02070309020205020404" pitchFamily="49" charset="0"/>
+                <a:cs typeface="Courier New" panose="02070309020205020404" pitchFamily="49" charset="0"/>
+              </a:rPr>
+              <a:t>active</a:t>
+            </a:r>
+            <a:r>
+              <a:rPr kumimoji="1" lang="en-US" altLang="zh-CN" dirty="0">
+                <a:latin typeface="Courier New" panose="02070309020205020404" pitchFamily="49" charset="0"/>
+                <a:cs typeface="Courier New" panose="02070309020205020404" pitchFamily="49" charset="0"/>
+              </a:rPr>
+              <a:t>")</a:t>
+            </a:r>
+          </a:p>
+          <a:p>
+            <a:r>
+              <a:rPr kumimoji="1" lang="en-US" altLang="zh-CN" dirty="0">
+                <a:latin typeface="Courier New" panose="02070309020205020404" pitchFamily="49" charset="0"/>
+                <a:cs typeface="Courier New" panose="02070309020205020404" pitchFamily="49" charset="0"/>
+              </a:rPr>
+              <a:t>    public @</a:t>
+            </a:r>
+            <a:r>
+              <a:rPr kumimoji="1" lang="en-US" altLang="zh-CN" dirty="0" err="1">
+                <a:latin typeface="Courier New" panose="02070309020205020404" pitchFamily="49" charset="0"/>
+                <a:cs typeface="Courier New" panose="02070309020205020404" pitchFamily="49" charset="0"/>
+              </a:rPr>
+              <a:t>ResponseBody</a:t>
+            </a:r>
+            <a:r>
+              <a:rPr kumimoji="1" lang="en-US" altLang="zh-CN" dirty="0">
+                <a:latin typeface="Courier New" panose="02070309020205020404" pitchFamily="49" charset="0"/>
+                <a:cs typeface="Courier New" panose="02070309020205020404" pitchFamily="49" charset="0"/>
+              </a:rPr>
+              <a:t> List&lt;Account&gt; active() { + }</a:t>
+            </a:r>
+          </a:p>
+          <a:p>
+            <a:endParaRPr kumimoji="1" lang="en-US" altLang="zh-CN" dirty="0">
+              <a:latin typeface="Courier New" panose="02070309020205020404" pitchFamily="49" charset="0"/>
+              <a:cs typeface="Courier New" panose="02070309020205020404" pitchFamily="49" charset="0"/>
+            </a:endParaRPr>
+          </a:p>
+          <a:p>
+            <a:r>
+              <a:rPr kumimoji="1" lang="en-US" altLang="zh-CN" dirty="0">
+                <a:latin typeface="Courier New" panose="02070309020205020404" pitchFamily="49" charset="0"/>
+                <a:cs typeface="Courier New" panose="02070309020205020404" pitchFamily="49" charset="0"/>
+              </a:rPr>
+              <a:t>    @</a:t>
+            </a:r>
+            <a:r>
+              <a:rPr kumimoji="1" lang="en-US" altLang="zh-CN" dirty="0" err="1">
+                <a:latin typeface="Courier New" panose="02070309020205020404" pitchFamily="49" charset="0"/>
+                <a:cs typeface="Courier New" panose="02070309020205020404" pitchFamily="49" charset="0"/>
+              </a:rPr>
+              <a:t>RequestMapping</a:t>
+            </a:r>
+            <a:r>
+              <a:rPr kumimoji="1" lang="en-US" altLang="zh-CN" dirty="0" smtClean="0">
+                <a:latin typeface="Courier New" panose="02070309020205020404" pitchFamily="49" charset="0"/>
+                <a:cs typeface="Courier New" panose="02070309020205020404" pitchFamily="49" charset="0"/>
+              </a:rPr>
+              <a:t>("</a:t>
+            </a:r>
+            <a:r>
+              <a:rPr kumimoji="1" lang="en-US" altLang="zh-CN" dirty="0">
+                <a:latin typeface="Courier New" panose="02070309020205020404" pitchFamily="49" charset="0"/>
+                <a:cs typeface="Courier New" panose="02070309020205020404" pitchFamily="49" charset="0"/>
+              </a:rPr>
+              <a:t>/accounts/</a:t>
+            </a:r>
+            <a:r>
+              <a:rPr kumimoji="1" lang="en-US" altLang="zh-CN" dirty="0" smtClean="0">
+                <a:latin typeface="Courier New" panose="02070309020205020404" pitchFamily="49" charset="0"/>
+                <a:cs typeface="Courier New" panose="02070309020205020404" pitchFamily="49" charset="0"/>
+              </a:rPr>
+              <a:t>inactive</a:t>
+            </a:r>
+            <a:r>
+              <a:rPr kumimoji="1" lang="en-US" altLang="zh-CN" dirty="0">
+                <a:latin typeface="Courier New" panose="02070309020205020404" pitchFamily="49" charset="0"/>
+                <a:cs typeface="Courier New" panose="02070309020205020404" pitchFamily="49" charset="0"/>
+              </a:rPr>
+              <a:t>")</a:t>
+            </a:r>
+          </a:p>
+          <a:p>
+            <a:r>
+              <a:rPr kumimoji="1" lang="en-US" altLang="zh-CN" dirty="0">
+                <a:latin typeface="Courier New" panose="02070309020205020404" pitchFamily="49" charset="0"/>
+                <a:cs typeface="Courier New" panose="02070309020205020404" pitchFamily="49" charset="0"/>
+              </a:rPr>
+              <a:t>    public @</a:t>
+            </a:r>
+            <a:r>
+              <a:rPr kumimoji="1" lang="en-US" altLang="zh-CN" dirty="0" err="1">
+                <a:latin typeface="Courier New" panose="02070309020205020404" pitchFamily="49" charset="0"/>
+                <a:cs typeface="Courier New" panose="02070309020205020404" pitchFamily="49" charset="0"/>
+              </a:rPr>
+              <a:t>ResponseBody</a:t>
+            </a:r>
+            <a:r>
+              <a:rPr kumimoji="1" lang="en-US" altLang="zh-CN" dirty="0">
+                <a:latin typeface="Courier New" panose="02070309020205020404" pitchFamily="49" charset="0"/>
+                <a:cs typeface="Courier New" panose="02070309020205020404" pitchFamily="49" charset="0"/>
+              </a:rPr>
+              <a:t> List&lt;Account&gt; inactive() { + }</a:t>
+            </a:r>
+          </a:p>
+          <a:p>
+            <a:r>
+              <a:rPr kumimoji="1" lang="en-US" altLang="zh-CN" dirty="0">
+                <a:latin typeface="Courier New" panose="02070309020205020404" pitchFamily="49" charset="0"/>
+                <a:cs typeface="Courier New" panose="02070309020205020404" pitchFamily="49" charset="0"/>
+              </a:rPr>
+              <a:t>}</a:t>
+            </a:r>
+          </a:p>
+        </p:txBody>
+      </p:sp>
+    </p:spTree>
+    <p:extLst>
+      <p:ext uri="{BB962C8B-B14F-4D97-AF65-F5344CB8AC3E}">
+        <p14:creationId xmlns:p14="http://schemas.microsoft.com/office/powerpoint/2010/main" val="3229371924"/>
+      </p:ext>
+    </p:extLst>
+  </p:cSld>
+  <p:clrMapOvr>
+    <a:masterClrMapping/>
+  </p:clrMapOvr>
+  <p:timing>
+    <p:tnLst>
+      <p:par>
+        <p:cTn id="1" dur="indefinite" restart="never" nodeType="tmRoot"/>
+      </p:par>
+    </p:tnLst>
+  </p:timing>
+</p:sld>
+</file>
+
+<file path=ppt/slides/slide11.xml><?xml version="1.0" encoding="utf-8"?>
+<p:sld xmlns:a="http://schemas.openxmlformats.org/drawingml/2006/main" xmlns:r="http://schemas.openxmlformats.org/officeDocument/2006/relationships" xmlns:p="http://schemas.openxmlformats.org/presentationml/2006/main">
+  <p:cSld>
+    <p:spTree>
+      <p:nvGrpSpPr>
+        <p:cNvPr id="1" name=""/>
+        <p:cNvGrpSpPr/>
+        <p:nvPr/>
+      </p:nvGrpSpPr>
+      <p:grpSpPr>
+        <a:xfrm>
+          <a:off x="0" y="0"/>
+          <a:ext cx="0" cy="0"/>
+          <a:chOff x="0" y="0"/>
+          <a:chExt cx="0" cy="0"/>
+        </a:xfrm>
+      </p:grpSpPr>
+      <p:sp>
+        <p:nvSpPr>
+          <p:cNvPr id="5" name="内容占位符 4"/>
+          <p:cNvSpPr>
+            <a:spLocks noGrp="1"/>
+          </p:cNvSpPr>
+          <p:nvPr>
+            <p:ph idx="1"/>
+          </p:nvPr>
+        </p:nvSpPr>
+        <p:spPr>
+          <a:xfrm>
+            <a:off x="872067" y="1856096"/>
+            <a:ext cx="7408333" cy="4260061"/>
+          </a:xfrm>
+        </p:spPr>
+        <p:txBody>
+          <a:bodyPr>
+            <a:normAutofit fontScale="92500" lnSpcReduction="10000"/>
+          </a:bodyPr>
+          <a:lstStyle/>
+          <a:p>
+            <a:pPr>
+              <a:buFont typeface="Wingdings" charset="2"/>
+              <a:buChar char="Ø"/>
+            </a:pPr>
+            <a:r>
+              <a:rPr kumimoji="1" lang="en-US" altLang="zh-CN" sz="2000" dirty="0" smtClean="0">
+                <a:latin typeface="+mj-ea"/>
+                <a:ea typeface="+mj-ea"/>
+                <a:cs typeface="Heiti SC Light"/>
+              </a:rPr>
+              <a:t>Request</a:t>
+            </a:r>
+            <a:r>
+              <a:rPr kumimoji="1" lang="zh-CN" altLang="en-US" sz="2000" dirty="0" smtClean="0">
+                <a:latin typeface="+mj-ea"/>
+                <a:ea typeface="+mj-ea"/>
+                <a:cs typeface="Heiti SC Light"/>
+              </a:rPr>
+              <a:t>的内容通过方法的参数获取</a:t>
+            </a:r>
+            <a:endParaRPr kumimoji="1" lang="en-US" altLang="zh-CN" sz="2000" dirty="0" smtClean="0">
+              <a:latin typeface="+mj-ea"/>
+              <a:ea typeface="+mj-ea"/>
+              <a:cs typeface="Heiti SC Light"/>
+            </a:endParaRPr>
+          </a:p>
+          <a:p>
+            <a:pPr lvl="1">
+              <a:buFont typeface="Wingdings" charset="2"/>
+              <a:buChar char="Ø"/>
+            </a:pPr>
+            <a:r>
+              <a:rPr kumimoji="1" lang="zh-CN" altLang="en-US" sz="1800" dirty="0">
+                <a:latin typeface="+mj-ea"/>
+                <a:ea typeface="+mj-ea"/>
+                <a:cs typeface="Heiti SC Light"/>
+              </a:rPr>
+              <a:t>获</a:t>
+            </a:r>
+            <a:r>
+              <a:rPr kumimoji="1" lang="zh-CN" altLang="en-US" sz="1800" dirty="0" smtClean="0">
+                <a:latin typeface="+mj-ea"/>
+                <a:ea typeface="+mj-ea"/>
+                <a:cs typeface="Heiti SC Light"/>
+              </a:rPr>
+              <a:t>取查询的参数</a:t>
+            </a:r>
+            <a:r>
+              <a:rPr kumimoji="1" lang="zh-CN" altLang="en-US" sz="1800" dirty="0">
+                <a:latin typeface="+mj-ea"/>
+                <a:ea typeface="+mj-ea"/>
+                <a:cs typeface="Heiti SC Light"/>
+              </a:rPr>
+              <a:t>值</a:t>
+            </a:r>
+            <a:endParaRPr kumimoji="1" lang="en-US" altLang="zh-CN" sz="1800" dirty="0">
+              <a:latin typeface="+mj-ea"/>
+              <a:ea typeface="+mj-ea"/>
+              <a:cs typeface="Heiti SC Light"/>
+            </a:endParaRPr>
+          </a:p>
+          <a:p>
+            <a:pPr lvl="2">
+              <a:buFont typeface="Wingdings" charset="2"/>
+              <a:buChar char="Ø"/>
+            </a:pPr>
+            <a:r>
+              <a:rPr kumimoji="1" lang="en-US" altLang="zh-CN" sz="1600" dirty="0" smtClean="0">
+                <a:latin typeface="+mj-ea"/>
+                <a:ea typeface="+mj-ea"/>
+                <a:cs typeface="Heiti SC Light"/>
+              </a:rPr>
+              <a:t>@</a:t>
+            </a:r>
+            <a:r>
+              <a:rPr kumimoji="1" lang="en-US" altLang="zh-CN" sz="1600" dirty="0" err="1">
+                <a:latin typeface="+mj-ea"/>
+                <a:ea typeface="+mj-ea"/>
+                <a:cs typeface="Heiti SC Light"/>
+              </a:rPr>
+              <a:t>RequestParam</a:t>
+            </a:r>
+            <a:r>
+              <a:rPr kumimoji="1" lang="en-US" altLang="zh-CN" sz="1600" dirty="0">
+                <a:latin typeface="+mj-ea"/>
+                <a:ea typeface="+mj-ea"/>
+                <a:cs typeface="Heiti SC Light"/>
+              </a:rPr>
+              <a:t>("name</a:t>
+            </a:r>
+            <a:r>
+              <a:rPr kumimoji="1" lang="en-US" altLang="zh-CN" sz="1600" dirty="0" smtClean="0">
+                <a:latin typeface="+mj-ea"/>
+                <a:ea typeface="+mj-ea"/>
+                <a:cs typeface="Heiti SC Light"/>
+              </a:rPr>
+              <a:t>")</a:t>
+            </a:r>
+          </a:p>
+          <a:p>
+            <a:pPr lvl="1">
+              <a:buFont typeface="Wingdings" charset="2"/>
+              <a:buChar char="Ø"/>
+            </a:pPr>
+            <a:r>
+              <a:rPr kumimoji="1" lang="zh-CN" altLang="en-US" sz="1800" dirty="0">
+                <a:latin typeface="+mj-ea"/>
+                <a:ea typeface="+mj-ea"/>
+                <a:cs typeface="Heiti SC Light"/>
+              </a:rPr>
+              <a:t>获取一组查询参数值</a:t>
+            </a:r>
+            <a:endParaRPr kumimoji="1" lang="en-US" altLang="zh-CN" sz="1800" dirty="0">
+              <a:latin typeface="+mj-ea"/>
+              <a:ea typeface="+mj-ea"/>
+              <a:cs typeface="Heiti SC Light"/>
+            </a:endParaRPr>
+          </a:p>
+          <a:p>
+            <a:pPr lvl="2">
+              <a:buFont typeface="Wingdings" charset="2"/>
+              <a:buChar char="Ø"/>
+            </a:pPr>
+            <a:r>
+              <a:rPr kumimoji="1" lang="zh-CN" altLang="en-US" sz="1600" dirty="0">
+                <a:latin typeface="+mj-ea"/>
+                <a:ea typeface="+mj-ea"/>
+                <a:cs typeface="Heiti SC Light"/>
+              </a:rPr>
+              <a:t>自动映射到</a:t>
+            </a:r>
+            <a:r>
+              <a:rPr kumimoji="1" lang="en-US" altLang="zh-CN" sz="1600" dirty="0" smtClean="0">
+                <a:latin typeface="+mj-ea"/>
+                <a:ea typeface="+mj-ea"/>
+                <a:cs typeface="Heiti SC Light"/>
+              </a:rPr>
+              <a:t>JavaBean</a:t>
+            </a:r>
+          </a:p>
+          <a:p>
+            <a:pPr lvl="1">
+              <a:buFont typeface="Wingdings" charset="2"/>
+              <a:buChar char="Ø"/>
+            </a:pPr>
+            <a:r>
+              <a:rPr kumimoji="1" lang="zh-CN" altLang="en-US" sz="1800" dirty="0">
+                <a:latin typeface="+mj-ea"/>
+                <a:ea typeface="+mj-ea"/>
+                <a:cs typeface="Heiti SC Light"/>
+              </a:rPr>
+              <a:t>获取</a:t>
+            </a:r>
+            <a:r>
+              <a:rPr kumimoji="1" lang="en-US" altLang="zh-CN" sz="1800" dirty="0">
+                <a:latin typeface="+mj-ea"/>
+                <a:ea typeface="+mj-ea"/>
+                <a:cs typeface="Heiti SC Light"/>
+              </a:rPr>
+              <a:t>Path</a:t>
+            </a:r>
+            <a:r>
+              <a:rPr kumimoji="1" lang="zh-CN" altLang="en-US" sz="1800" dirty="0">
+                <a:latin typeface="+mj-ea"/>
+                <a:ea typeface="+mj-ea"/>
+                <a:cs typeface="Heiti SC Light"/>
+              </a:rPr>
+              <a:t>中的内</a:t>
+            </a:r>
+            <a:r>
+              <a:rPr kumimoji="1" lang="zh-CN" altLang="en-US" sz="1800" dirty="0" smtClean="0">
+                <a:latin typeface="+mj-ea"/>
+                <a:ea typeface="+mj-ea"/>
+                <a:cs typeface="Heiti SC Light"/>
+              </a:rPr>
+              <a:t>容</a:t>
+            </a:r>
+            <a:endParaRPr kumimoji="1" lang="en-US" altLang="zh-CN" sz="1800" dirty="0" smtClean="0">
+              <a:latin typeface="+mj-ea"/>
+              <a:ea typeface="+mj-ea"/>
+              <a:cs typeface="Heiti SC Light"/>
+            </a:endParaRPr>
+          </a:p>
+          <a:p>
+            <a:pPr lvl="2">
+              <a:buFont typeface="Wingdings" charset="2"/>
+              <a:buChar char="Ø"/>
+            </a:pPr>
+            <a:r>
+              <a:rPr kumimoji="1" lang="en-US" altLang="zh-CN" sz="1600" dirty="0">
+                <a:latin typeface="+mj-ea"/>
+                <a:ea typeface="+mj-ea"/>
+                <a:cs typeface="Heiti SC Light"/>
+              </a:rPr>
+              <a:t>@</a:t>
+            </a:r>
+            <a:r>
+              <a:rPr kumimoji="1" lang="en-US" altLang="zh-CN" sz="1600" dirty="0" err="1">
+                <a:latin typeface="+mj-ea"/>
+                <a:ea typeface="+mj-ea"/>
+                <a:cs typeface="Heiti SC Light"/>
+              </a:rPr>
+              <a:t>PathVariable</a:t>
+            </a:r>
+            <a:r>
+              <a:rPr kumimoji="1" lang="en-US" altLang="zh-CN" sz="1600" dirty="0">
+                <a:latin typeface="+mj-ea"/>
+                <a:ea typeface="+mj-ea"/>
+                <a:cs typeface="Heiti SC Light"/>
+              </a:rPr>
+              <a:t>("</a:t>
+            </a:r>
+            <a:r>
+              <a:rPr kumimoji="1" lang="en-US" altLang="zh-CN" sz="1600" dirty="0" err="1">
+                <a:latin typeface="+mj-ea"/>
+                <a:ea typeface="+mj-ea"/>
+                <a:cs typeface="Heiti SC Light"/>
+              </a:rPr>
+              <a:t>var</a:t>
+            </a:r>
+            <a:r>
+              <a:rPr kumimoji="1" lang="en-US" altLang="zh-CN" sz="1600" dirty="0" smtClean="0">
+                <a:latin typeface="+mj-ea"/>
+                <a:ea typeface="+mj-ea"/>
+                <a:cs typeface="Heiti SC Light"/>
+              </a:rPr>
+              <a:t>")</a:t>
+            </a:r>
+          </a:p>
+          <a:p>
+            <a:pPr lvl="1">
+              <a:buFont typeface="Wingdings" charset="2"/>
+              <a:buChar char="Ø"/>
+            </a:pPr>
+            <a:r>
+              <a:rPr kumimoji="1" lang="zh-CN" altLang="en-US" sz="1800" dirty="0">
+                <a:latin typeface="+mj-ea"/>
+                <a:ea typeface="+mj-ea"/>
+                <a:cs typeface="Heiti SC Light"/>
+              </a:rPr>
+              <a:t>获</a:t>
+            </a:r>
+            <a:r>
+              <a:rPr kumimoji="1" lang="zh-CN" altLang="en-US" sz="1800" dirty="0" smtClean="0">
+                <a:latin typeface="+mj-ea"/>
+                <a:ea typeface="+mj-ea"/>
+                <a:cs typeface="Heiti SC Light"/>
+              </a:rPr>
+              <a:t>取</a:t>
+            </a:r>
+            <a:r>
+              <a:rPr kumimoji="1" lang="en-US" altLang="zh-CN" sz="1800" dirty="0" smtClean="0">
+                <a:latin typeface="+mj-ea"/>
+                <a:ea typeface="+mj-ea"/>
+                <a:cs typeface="Heiti SC Light"/>
+              </a:rPr>
+              <a:t>Header</a:t>
+            </a:r>
+            <a:r>
+              <a:rPr kumimoji="1" lang="zh-CN" altLang="en-US" sz="1800" dirty="0" smtClean="0">
+                <a:latin typeface="+mj-ea"/>
+                <a:ea typeface="+mj-ea"/>
+                <a:cs typeface="Heiti SC Light"/>
+              </a:rPr>
+              <a:t>中的内容</a:t>
+            </a:r>
+            <a:endParaRPr kumimoji="1" lang="en-US" altLang="zh-CN" sz="1800" dirty="0" smtClean="0">
+              <a:latin typeface="+mj-ea"/>
+              <a:ea typeface="+mj-ea"/>
+              <a:cs typeface="Heiti SC Light"/>
+            </a:endParaRPr>
+          </a:p>
+          <a:p>
+            <a:pPr lvl="2">
+              <a:buFont typeface="Wingdings" charset="2"/>
+              <a:buChar char="Ø"/>
+            </a:pPr>
+            <a:r>
+              <a:rPr kumimoji="1" lang="en-US" altLang="zh-CN" sz="1600" dirty="0">
+                <a:latin typeface="+mj-ea"/>
+                <a:ea typeface="+mj-ea"/>
+                <a:cs typeface="Heiti SC Light"/>
+              </a:rPr>
+              <a:t>@</a:t>
+            </a:r>
+            <a:r>
+              <a:rPr kumimoji="1" lang="en-US" altLang="zh-CN" sz="1600" dirty="0" err="1">
+                <a:latin typeface="+mj-ea"/>
+                <a:ea typeface="+mj-ea"/>
+                <a:cs typeface="Heiti SC Light"/>
+              </a:rPr>
+              <a:t>RequestHeader</a:t>
+            </a:r>
+            <a:r>
+              <a:rPr kumimoji="1" lang="en-US" altLang="zh-CN" sz="1600" dirty="0">
+                <a:latin typeface="+mj-ea"/>
+                <a:ea typeface="+mj-ea"/>
+                <a:cs typeface="Heiti SC Light"/>
+              </a:rPr>
+              <a:t>("name</a:t>
+            </a:r>
+            <a:r>
+              <a:rPr kumimoji="1" lang="en-US" altLang="zh-CN" sz="1600" dirty="0" smtClean="0">
+                <a:latin typeface="+mj-ea"/>
+                <a:ea typeface="+mj-ea"/>
+                <a:cs typeface="Heiti SC Light"/>
+              </a:rPr>
+              <a:t>")</a:t>
+            </a:r>
+          </a:p>
+          <a:p>
+            <a:pPr lvl="1">
+              <a:buFont typeface="Wingdings" charset="2"/>
+              <a:buChar char="Ø"/>
+            </a:pPr>
+            <a:r>
+              <a:rPr kumimoji="1" lang="zh-CN" altLang="en-US" sz="1800" dirty="0">
+                <a:latin typeface="+mj-ea"/>
+                <a:ea typeface="+mj-ea"/>
+                <a:cs typeface="Heiti SC Light"/>
+              </a:rPr>
+              <a:t>获</a:t>
+            </a:r>
+            <a:r>
+              <a:rPr kumimoji="1" lang="zh-CN" altLang="en-US" sz="1800" dirty="0" smtClean="0">
+                <a:latin typeface="+mj-ea"/>
+                <a:ea typeface="+mj-ea"/>
+                <a:cs typeface="Heiti SC Light"/>
+              </a:rPr>
+              <a:t>取</a:t>
+            </a:r>
+            <a:r>
+              <a:rPr kumimoji="1" lang="en-US" altLang="zh-CN" sz="1800" dirty="0" smtClean="0">
+                <a:latin typeface="+mj-ea"/>
+                <a:ea typeface="+mj-ea"/>
+                <a:cs typeface="Heiti SC Light"/>
+              </a:rPr>
+              <a:t>Cookie</a:t>
+            </a:r>
+            <a:r>
+              <a:rPr kumimoji="1" lang="zh-CN" altLang="en-US" sz="1800" dirty="0" smtClean="0">
+                <a:latin typeface="+mj-ea"/>
+                <a:ea typeface="+mj-ea"/>
+                <a:cs typeface="Heiti SC Light"/>
+              </a:rPr>
+              <a:t>中的值</a:t>
+            </a:r>
+            <a:endParaRPr kumimoji="1" lang="en-US" altLang="zh-CN" sz="1800" dirty="0" smtClean="0">
+              <a:latin typeface="+mj-ea"/>
+              <a:ea typeface="+mj-ea"/>
+              <a:cs typeface="Heiti SC Light"/>
+            </a:endParaRPr>
+          </a:p>
+          <a:p>
+            <a:pPr lvl="2">
+              <a:buFont typeface="Wingdings" charset="2"/>
+              <a:buChar char="Ø"/>
+            </a:pPr>
+            <a:r>
+              <a:rPr kumimoji="1" lang="en-US" altLang="zh-CN" sz="1600" dirty="0">
+                <a:latin typeface="+mj-ea"/>
+                <a:ea typeface="+mj-ea"/>
+                <a:cs typeface="Heiti SC Light"/>
+              </a:rPr>
+              <a:t>@</a:t>
+            </a:r>
+            <a:r>
+              <a:rPr kumimoji="1" lang="en-US" altLang="zh-CN" sz="1600" dirty="0" err="1">
+                <a:latin typeface="+mj-ea"/>
+                <a:ea typeface="+mj-ea"/>
+                <a:cs typeface="Heiti SC Light"/>
+              </a:rPr>
+              <a:t>CookieValue</a:t>
+            </a:r>
+            <a:r>
+              <a:rPr kumimoji="1" lang="en-US" altLang="zh-CN" sz="1600" dirty="0">
+                <a:latin typeface="+mj-ea"/>
+                <a:ea typeface="+mj-ea"/>
+                <a:cs typeface="Heiti SC Light"/>
+              </a:rPr>
+              <a:t>("name</a:t>
+            </a:r>
+            <a:r>
+              <a:rPr kumimoji="1" lang="en-US" altLang="zh-CN" sz="1600" dirty="0" smtClean="0">
+                <a:latin typeface="+mj-ea"/>
+                <a:ea typeface="+mj-ea"/>
+                <a:cs typeface="Heiti SC Light"/>
+              </a:rPr>
+              <a:t>")</a:t>
+            </a:r>
+          </a:p>
+          <a:p>
+            <a:pPr lvl="1">
+              <a:buFont typeface="Wingdings" charset="2"/>
+              <a:buChar char="Ø"/>
+            </a:pPr>
+            <a:r>
+              <a:rPr kumimoji="1" lang="zh-CN" altLang="en-US" sz="1800" dirty="0">
+                <a:latin typeface="+mj-ea"/>
+                <a:ea typeface="+mj-ea"/>
+                <a:cs typeface="Heiti SC Light"/>
+              </a:rPr>
+              <a:t>获取</a:t>
+            </a:r>
+            <a:r>
+              <a:rPr kumimoji="1" lang="en-US" altLang="zh-CN" sz="1800" dirty="0" smtClean="0">
+                <a:latin typeface="+mj-ea"/>
+                <a:ea typeface="+mj-ea"/>
+                <a:cs typeface="Heiti SC Light"/>
+              </a:rPr>
+              <a:t>Request</a:t>
+            </a:r>
+            <a:r>
+              <a:rPr kumimoji="1" lang="zh-CN" altLang="en-US" sz="1800" dirty="0" smtClean="0">
+                <a:latin typeface="+mj-ea"/>
+                <a:ea typeface="+mj-ea"/>
+                <a:cs typeface="Heiti SC Light"/>
+              </a:rPr>
+              <a:t>的</a:t>
+            </a:r>
+            <a:r>
+              <a:rPr kumimoji="1" lang="en-US" altLang="zh-CN" sz="1800" dirty="0" smtClean="0">
+                <a:latin typeface="+mj-ea"/>
+                <a:ea typeface="+mj-ea"/>
+                <a:cs typeface="Heiti SC Light"/>
+              </a:rPr>
+              <a:t>Body</a:t>
+            </a:r>
+          </a:p>
+          <a:p>
+            <a:pPr lvl="2">
+              <a:buFont typeface="Wingdings" charset="2"/>
+              <a:buChar char="Ø"/>
+            </a:pPr>
+            <a:r>
+              <a:rPr kumimoji="1" lang="en-US" altLang="zh-CN" sz="1600" dirty="0">
+                <a:latin typeface="+mj-ea"/>
+                <a:ea typeface="+mj-ea"/>
+                <a:cs typeface="Heiti SC Light"/>
+              </a:rPr>
+              <a:t>@</a:t>
+            </a:r>
+            <a:r>
+              <a:rPr kumimoji="1" lang="en-US" altLang="zh-CN" sz="1600" dirty="0" err="1" smtClean="0">
+                <a:latin typeface="+mj-ea"/>
+                <a:ea typeface="+mj-ea"/>
+                <a:cs typeface="Heiti SC Light"/>
+              </a:rPr>
+              <a:t>RequestBody</a:t>
+            </a:r>
+            <a:endParaRPr kumimoji="1" lang="en-US" altLang="zh-CN" sz="1600" dirty="0" smtClean="0">
+              <a:latin typeface="+mj-ea"/>
+              <a:ea typeface="+mj-ea"/>
+              <a:cs typeface="Heiti SC Light"/>
+            </a:endParaRPr>
+          </a:p>
+          <a:p>
+            <a:pPr lvl="1">
+              <a:buFont typeface="Wingdings" charset="2"/>
+              <a:buChar char="Ø"/>
+            </a:pPr>
+            <a:r>
+              <a:rPr kumimoji="1" lang="zh-CN" altLang="en-US" sz="1800" dirty="0">
+                <a:latin typeface="+mj-ea"/>
+                <a:ea typeface="+mj-ea"/>
+                <a:cs typeface="Heiti SC Light"/>
+              </a:rPr>
+              <a:t>获</a:t>
+            </a:r>
+            <a:r>
+              <a:rPr kumimoji="1" lang="zh-CN" altLang="en-US" sz="1800" dirty="0" smtClean="0">
+                <a:latin typeface="+mj-ea"/>
+                <a:ea typeface="+mj-ea"/>
+                <a:cs typeface="Heiti SC Light"/>
+              </a:rPr>
+              <a:t>取</a:t>
+            </a:r>
+            <a:r>
+              <a:rPr kumimoji="1" lang="en-US" altLang="zh-CN" sz="1800" dirty="0" smtClean="0">
+                <a:latin typeface="+mj-ea"/>
+                <a:ea typeface="+mj-ea"/>
+                <a:cs typeface="Heiti SC Light"/>
+              </a:rPr>
+              <a:t>Request</a:t>
+            </a:r>
+            <a:r>
+              <a:rPr kumimoji="1" lang="zh-CN" altLang="en-US" sz="1800" dirty="0" smtClean="0">
+                <a:latin typeface="+mj-ea"/>
+                <a:ea typeface="+mj-ea"/>
+                <a:cs typeface="Heiti SC Light"/>
+              </a:rPr>
+              <a:t>的</a:t>
+            </a:r>
+            <a:r>
+              <a:rPr kumimoji="1" lang="en-US" altLang="zh-CN" sz="1800" dirty="0" smtClean="0">
+                <a:latin typeface="+mj-ea"/>
+                <a:ea typeface="+mj-ea"/>
+                <a:cs typeface="Heiti SC Light"/>
+              </a:rPr>
+              <a:t>Body</a:t>
+            </a:r>
+            <a:r>
+              <a:rPr kumimoji="1" lang="zh-CN" altLang="en-US" sz="1800" dirty="0" smtClean="0">
+                <a:latin typeface="+mj-ea"/>
+                <a:ea typeface="+mj-ea"/>
+                <a:cs typeface="Heiti SC Light"/>
+              </a:rPr>
+              <a:t>和</a:t>
+            </a:r>
+            <a:r>
+              <a:rPr kumimoji="1" lang="en-US" altLang="zh-CN" sz="1800" dirty="0" smtClean="0">
+                <a:latin typeface="+mj-ea"/>
+                <a:ea typeface="+mj-ea"/>
+                <a:cs typeface="Heiti SC Light"/>
+              </a:rPr>
+              <a:t>Header</a:t>
+            </a:r>
+          </a:p>
+          <a:p>
+            <a:pPr lvl="2">
+              <a:buFont typeface="Wingdings" charset="2"/>
+              <a:buChar char="Ø"/>
+            </a:pPr>
+            <a:r>
+              <a:rPr kumimoji="1" lang="en-US" altLang="zh-CN" sz="1600" dirty="0" err="1">
+                <a:latin typeface="+mj-ea"/>
+                <a:ea typeface="+mj-ea"/>
+                <a:cs typeface="Heiti SC Light"/>
+              </a:rPr>
+              <a:t>HttpEntity</a:t>
+            </a:r>
+            <a:r>
+              <a:rPr kumimoji="1" lang="en-US" altLang="zh-CN" sz="1600" dirty="0">
+                <a:latin typeface="+mj-ea"/>
+                <a:ea typeface="+mj-ea"/>
+                <a:cs typeface="Heiti SC Light"/>
+              </a:rPr>
+              <a:t>&lt;T&gt;</a:t>
+            </a:r>
+          </a:p>
+        </p:txBody>
+      </p:sp>
+      <p:sp>
+        <p:nvSpPr>
+          <p:cNvPr id="2" name="标题 1"/>
+          <p:cNvSpPr>
+            <a:spLocks noGrp="1"/>
+          </p:cNvSpPr>
+          <p:nvPr>
+            <p:ph type="title"/>
+          </p:nvPr>
+        </p:nvSpPr>
+        <p:spPr/>
+        <p:txBody>
+          <a:bodyPr/>
+          <a:lstStyle/>
+          <a:p>
+            <a:r>
+              <a:rPr kumimoji="1" lang="zh-CN" altLang="en-US" dirty="0">
+                <a:latin typeface="+mj-ea"/>
+                <a:cs typeface="Heiti SC Light"/>
+              </a:rPr>
+              <a:t>获取</a:t>
+            </a:r>
+            <a:r>
+              <a:rPr kumimoji="1" lang="en-US" altLang="zh-CN" dirty="0">
+                <a:latin typeface="+mj-ea"/>
+                <a:cs typeface="Heiti SC Light"/>
+              </a:rPr>
+              <a:t>Request</a:t>
+            </a:r>
+            <a:r>
+              <a:rPr kumimoji="1" lang="zh-CN" altLang="en-US" dirty="0">
+                <a:latin typeface="+mj-ea"/>
+                <a:cs typeface="Heiti SC Light"/>
+              </a:rPr>
+              <a:t>的输入</a:t>
+            </a:r>
+            <a:endParaRPr kumimoji="1" lang="en-US" altLang="zh-CN" dirty="0">
+              <a:latin typeface="+mj-ea"/>
+              <a:cs typeface="Heiti SC Light"/>
+            </a:endParaRPr>
+          </a:p>
+        </p:txBody>
+      </p:sp>
+    </p:spTree>
+    <p:extLst>
+      <p:ext uri="{BB962C8B-B14F-4D97-AF65-F5344CB8AC3E}">
+        <p14:creationId xmlns:p14="http://schemas.microsoft.com/office/powerpoint/2010/main" val="4250921583"/>
+      </p:ext>
+    </p:extLst>
+  </p:cSld>
+  <p:clrMapOvr>
+    <a:masterClrMapping/>
+  </p:clrMapOvr>
+  <p:timing>
+    <p:tnLst>
+      <p:par>
+        <p:cTn id="1" dur="indefinite" restart="never" nodeType="tmRoot"/>
+      </p:par>
+    </p:tnLst>
+  </p:timing>
+</p:sld>
+</file>
+
+<file path=ppt/slides/slide12.xml><?xml version="1.0" encoding="utf-8"?>
+<p:sld xmlns:a="http://schemas.openxmlformats.org/drawingml/2006/main" xmlns:r="http://schemas.openxmlformats.org/officeDocument/2006/relationships" xmlns:p="http://schemas.openxmlformats.org/presentationml/2006/main">
+  <p:cSld>
+    <p:spTree>
+      <p:nvGrpSpPr>
+        <p:cNvPr id="1" name=""/>
+        <p:cNvGrpSpPr/>
+        <p:nvPr/>
+      </p:nvGrpSpPr>
+      <p:grpSpPr>
+        <a:xfrm>
+          <a:off x="0" y="0"/>
+          <a:ext cx="0" cy="0"/>
+          <a:chOff x="0" y="0"/>
+          <a:chExt cx="0" cy="0"/>
+        </a:xfrm>
+      </p:grpSpPr>
+      <p:sp>
+        <p:nvSpPr>
+          <p:cNvPr id="5" name="内容占位符 4"/>
+          <p:cNvSpPr>
+            <a:spLocks noGrp="1"/>
+          </p:cNvSpPr>
+          <p:nvPr>
+            <p:ph idx="1"/>
+          </p:nvPr>
+        </p:nvSpPr>
+        <p:spPr>
+          <a:xfrm>
+            <a:off x="872067" y="1856096"/>
+            <a:ext cx="7408333" cy="4653886"/>
+          </a:xfrm>
+        </p:spPr>
+        <p:txBody>
+          <a:bodyPr>
+            <a:normAutofit lnSpcReduction="10000"/>
+          </a:bodyPr>
+          <a:lstStyle/>
+          <a:p>
+            <a:pPr>
+              <a:buFont typeface="Wingdings" charset="2"/>
+              <a:buChar char="Ø"/>
+            </a:pPr>
+            <a:r>
+              <a:rPr lang="en-US" sz="2000" dirty="0" err="1" smtClean="0"/>
+              <a:t>WebRequest</a:t>
+            </a:r>
+            <a:r>
+              <a:rPr lang="en-US" sz="2000" dirty="0" smtClean="0"/>
+              <a:t> / </a:t>
+            </a:r>
+            <a:r>
+              <a:rPr lang="en-US" sz="2000" dirty="0" err="1" smtClean="0"/>
+              <a:t>ServletRequest</a:t>
+            </a:r>
+            <a:r>
+              <a:rPr lang="en-US" sz="2000" dirty="0" smtClean="0"/>
+              <a:t> / </a:t>
+            </a:r>
+            <a:r>
+              <a:rPr lang="en-US" sz="2000" dirty="0" err="1" smtClean="0"/>
+              <a:t>HttpServletRequest</a:t>
+            </a:r>
+            <a:endParaRPr lang="en-US" sz="2000" dirty="0"/>
+          </a:p>
+          <a:p>
+            <a:pPr>
+              <a:buFont typeface="Wingdings" charset="2"/>
+              <a:buChar char="Ø"/>
+            </a:pPr>
+            <a:r>
+              <a:rPr lang="en-US" sz="2000" dirty="0" err="1" smtClean="0"/>
+              <a:t>MultipartFile</a:t>
+            </a:r>
+            <a:r>
+              <a:rPr lang="en-US" sz="2000" dirty="0" smtClean="0"/>
+              <a:t> / </a:t>
+            </a:r>
+            <a:r>
+              <a:rPr lang="en-US" sz="2000" dirty="0" err="1" smtClean="0"/>
+              <a:t>MultipartRequest</a:t>
+            </a:r>
+            <a:r>
+              <a:rPr lang="en-US" sz="2000" dirty="0" smtClean="0"/>
+              <a:t> / </a:t>
+            </a:r>
+            <a:r>
+              <a:rPr lang="en-US" sz="2000" dirty="0" err="1" smtClean="0"/>
+              <a:t>MultipartHttpServletRequest</a:t>
+            </a:r>
+            <a:endParaRPr lang="en-US" sz="2000" dirty="0" smtClean="0"/>
+          </a:p>
+          <a:p>
+            <a:pPr>
+              <a:buFont typeface="Wingdings" charset="2"/>
+              <a:buChar char="Ø"/>
+            </a:pPr>
+            <a:r>
+              <a:rPr lang="en-US" sz="2000" dirty="0" smtClean="0"/>
+              <a:t>Principal</a:t>
+            </a:r>
+          </a:p>
+          <a:p>
+            <a:pPr>
+              <a:buFont typeface="Wingdings" charset="2"/>
+              <a:buChar char="Ø"/>
+            </a:pPr>
+            <a:r>
+              <a:rPr lang="en-US" sz="2000" dirty="0" smtClean="0"/>
+              <a:t>Locale</a:t>
+            </a:r>
+          </a:p>
+          <a:p>
+            <a:pPr>
+              <a:buFont typeface="Wingdings" charset="2"/>
+              <a:buChar char="Ø"/>
+            </a:pPr>
+            <a:r>
+              <a:rPr lang="en-US" sz="2000" dirty="0" err="1" smtClean="0"/>
+              <a:t>InputStream</a:t>
+            </a:r>
+            <a:r>
+              <a:rPr lang="en-US" sz="2000" dirty="0" smtClean="0"/>
+              <a:t> / </a:t>
+            </a:r>
+            <a:r>
+              <a:rPr lang="en-US" altLang="zh-CN" sz="2000" dirty="0" smtClean="0"/>
+              <a:t>Reader</a:t>
+            </a:r>
+          </a:p>
+          <a:p>
+            <a:pPr>
+              <a:buFont typeface="Wingdings" charset="2"/>
+              <a:buChar char="Ø"/>
+            </a:pPr>
+            <a:r>
+              <a:rPr lang="en-US" sz="2000" dirty="0" err="1" smtClean="0"/>
+              <a:t>ServletResponse</a:t>
+            </a:r>
+            <a:r>
+              <a:rPr lang="en-US" sz="2000" dirty="0" smtClean="0"/>
+              <a:t> / </a:t>
+            </a:r>
+            <a:r>
+              <a:rPr lang="en-US" sz="2000" dirty="0" err="1" smtClean="0"/>
+              <a:t>HttpServletResponse</a:t>
+            </a:r>
+            <a:endParaRPr lang="en-US" sz="2000" dirty="0" smtClean="0"/>
+          </a:p>
+          <a:p>
+            <a:pPr>
+              <a:buFont typeface="Wingdings" charset="2"/>
+              <a:buChar char="Ø"/>
+            </a:pPr>
+            <a:r>
+              <a:rPr lang="en-US" altLang="zh-CN" sz="2000" dirty="0" err="1" smtClean="0"/>
+              <a:t>OutputStream</a:t>
+            </a:r>
+            <a:r>
+              <a:rPr lang="en-US" altLang="zh-CN" sz="2000" dirty="0" smtClean="0"/>
+              <a:t> / Writer</a:t>
+            </a:r>
+          </a:p>
+          <a:p>
+            <a:pPr>
+              <a:buFont typeface="Wingdings" charset="2"/>
+              <a:buChar char="Ø"/>
+            </a:pPr>
+            <a:r>
+              <a:rPr lang="en-US" sz="2000" dirty="0" err="1" smtClean="0"/>
+              <a:t>HttpSession</a:t>
+            </a:r>
+            <a:r>
+              <a:rPr lang="en-US" sz="2000" dirty="0" smtClean="0"/>
+              <a:t> / </a:t>
+            </a:r>
+            <a:r>
+              <a:rPr lang="en-US" sz="2000" dirty="0" err="1" smtClean="0"/>
+              <a:t>SessionStatus</a:t>
+            </a:r>
+            <a:endParaRPr lang="en-US" sz="2000" dirty="0" smtClean="0"/>
+          </a:p>
+          <a:p>
+            <a:pPr>
+              <a:buFont typeface="Wingdings" charset="2"/>
+              <a:buChar char="Ø"/>
+            </a:pPr>
+            <a:r>
+              <a:rPr lang="en-US" sz="2000" dirty="0" smtClean="0"/>
+              <a:t>Map / Model / </a:t>
+            </a:r>
+            <a:r>
+              <a:rPr lang="en-US" sz="2000" dirty="0" err="1" smtClean="0"/>
+              <a:t>ModelMap</a:t>
+            </a:r>
+            <a:endParaRPr lang="en-US" sz="2000" dirty="0" smtClean="0"/>
+          </a:p>
+          <a:p>
+            <a:pPr>
+              <a:buFont typeface="Wingdings" charset="2"/>
+              <a:buChar char="Ø"/>
+            </a:pPr>
+            <a:r>
+              <a:rPr lang="en-US" sz="2000" dirty="0" err="1" smtClean="0"/>
+              <a:t>RedirectAttributes</a:t>
+            </a:r>
+            <a:endParaRPr lang="en-US" sz="2000" dirty="0" smtClean="0"/>
+          </a:p>
+          <a:p>
+            <a:pPr>
+              <a:buFont typeface="Wingdings" charset="2"/>
+              <a:buChar char="Ø"/>
+            </a:pPr>
+            <a:r>
+              <a:rPr lang="en-US" sz="2000" dirty="0" smtClean="0"/>
+              <a:t>Errors / </a:t>
+            </a:r>
+            <a:r>
+              <a:rPr lang="en-US" sz="2000" dirty="0" err="1" smtClean="0"/>
+              <a:t>BindingResult</a:t>
+            </a:r>
+            <a:endParaRPr lang="en-US" sz="2000" dirty="0" smtClean="0"/>
+          </a:p>
+          <a:p>
+            <a:pPr>
+              <a:buFont typeface="Wingdings" charset="2"/>
+              <a:buChar char="Ø"/>
+            </a:pPr>
+            <a:r>
+              <a:rPr lang="en-US" sz="2000" dirty="0" err="1" smtClean="0"/>
+              <a:t>HttpEntity</a:t>
+            </a:r>
+            <a:r>
+              <a:rPr lang="en-US" sz="2000" dirty="0" smtClean="0"/>
+              <a:t> / JavaBean</a:t>
+            </a:r>
+          </a:p>
+          <a:p>
+            <a:pPr>
+              <a:buFont typeface="Wingdings" charset="2"/>
+              <a:buChar char="Ø"/>
+            </a:pPr>
+            <a:r>
+              <a:rPr lang="en-US" sz="2000" dirty="0" err="1"/>
+              <a:t>UriComponentsBuilder</a:t>
+            </a:r>
+            <a:endParaRPr lang="en-US" sz="2000" dirty="0" smtClean="0"/>
+          </a:p>
+        </p:txBody>
+      </p:sp>
+      <p:sp>
+        <p:nvSpPr>
+          <p:cNvPr id="2" name="标题 1"/>
+          <p:cNvSpPr>
+            <a:spLocks noGrp="1"/>
+          </p:cNvSpPr>
+          <p:nvPr>
+            <p:ph type="title"/>
+          </p:nvPr>
+        </p:nvSpPr>
+        <p:spPr/>
+        <p:txBody>
+          <a:bodyPr/>
+          <a:lstStyle/>
+          <a:p>
+            <a:r>
+              <a:rPr kumimoji="1" lang="zh-CN" altLang="en-US" dirty="0">
+                <a:latin typeface="+mj-ea"/>
+                <a:cs typeface="Heiti SC Light"/>
+              </a:rPr>
+              <a:t>可</a:t>
+            </a:r>
+            <a:r>
+              <a:rPr kumimoji="1" lang="zh-CN" altLang="en-US" dirty="0" smtClean="0">
+                <a:latin typeface="+mj-ea"/>
+                <a:cs typeface="Heiti SC Light"/>
+              </a:rPr>
+              <a:t>用参数类型</a:t>
+            </a:r>
+            <a:endParaRPr kumimoji="1" lang="en-US" altLang="zh-CN" dirty="0">
+              <a:latin typeface="+mj-ea"/>
+              <a:cs typeface="Heiti SC Light"/>
+            </a:endParaRPr>
+          </a:p>
+        </p:txBody>
+      </p:sp>
+    </p:spTree>
+    <p:extLst>
+      <p:ext uri="{BB962C8B-B14F-4D97-AF65-F5344CB8AC3E}">
+        <p14:creationId xmlns:p14="http://schemas.microsoft.com/office/powerpoint/2010/main" val="1174130147"/>
+      </p:ext>
+    </p:extLst>
+  </p:cSld>
+  <p:clrMapOvr>
+    <a:masterClrMapping/>
+  </p:clrMapOvr>
+  <p:timing>
+    <p:tnLst>
+      <p:par>
+        <p:cTn id="1" dur="indefinite" restart="never" nodeType="tmRoot"/>
+      </p:par>
+    </p:tnLst>
+  </p:timing>
+</p:sld>
+</file>
+
+<file path=ppt/slides/slide13.xml><?xml version="1.0" encoding="utf-8"?>
+<p:sld xmlns:a="http://schemas.openxmlformats.org/drawingml/2006/main" xmlns:r="http://schemas.openxmlformats.org/officeDocument/2006/relationships" xmlns:p="http://schemas.openxmlformats.org/presentationml/2006/main">
+  <p:cSld>
+    <p:spTree>
+      <p:nvGrpSpPr>
+        <p:cNvPr id="1" name=""/>
+        <p:cNvGrpSpPr/>
+        <p:nvPr/>
+      </p:nvGrpSpPr>
+      <p:grpSpPr>
+        <a:xfrm>
+          <a:off x="0" y="0"/>
+          <a:ext cx="0" cy="0"/>
+          <a:chOff x="0" y="0"/>
+          <a:chExt cx="0" cy="0"/>
+        </a:xfrm>
+      </p:grpSpPr>
+      <p:sp>
+        <p:nvSpPr>
+          <p:cNvPr id="5" name="内容占位符 4"/>
+          <p:cNvSpPr>
+            <a:spLocks noGrp="1"/>
+          </p:cNvSpPr>
+          <p:nvPr>
+            <p:ph idx="1"/>
+          </p:nvPr>
+        </p:nvSpPr>
+        <p:spPr>
+          <a:xfrm>
+            <a:off x="872067" y="1856097"/>
+            <a:ext cx="7408333" cy="1201002"/>
+          </a:xfrm>
+        </p:spPr>
+        <p:txBody>
+          <a:bodyPr>
+            <a:normAutofit/>
+          </a:bodyPr>
+          <a:lstStyle/>
+          <a:p>
+            <a:pPr>
+              <a:buFont typeface="Wingdings" charset="2"/>
+              <a:buChar char="Ø"/>
+            </a:pPr>
+            <a:r>
+              <a:rPr kumimoji="1" lang="zh-CN" altLang="en-US" sz="2000" dirty="0">
+                <a:latin typeface="+mj-ea"/>
+                <a:ea typeface="+mj-ea"/>
+                <a:cs typeface="Heiti SC Light"/>
+              </a:rPr>
+              <a:t>通</a:t>
+            </a:r>
+            <a:r>
+              <a:rPr kumimoji="1" lang="zh-CN" altLang="en-US" sz="2000" dirty="0" smtClean="0">
+                <a:latin typeface="+mj-ea"/>
+                <a:ea typeface="+mj-ea"/>
+                <a:cs typeface="Heiti SC Light"/>
+              </a:rPr>
+              <a:t>过</a:t>
+            </a:r>
+            <a:r>
+              <a:rPr kumimoji="1" lang="en-US" altLang="zh-CN" sz="2000" dirty="0" err="1" smtClean="0">
+                <a:latin typeface="+mj-ea"/>
+                <a:ea typeface="+mj-ea"/>
+                <a:cs typeface="Heiti SC Light"/>
+              </a:rPr>
+              <a:t>WebArgumentResolver</a:t>
+            </a:r>
+            <a:r>
+              <a:rPr kumimoji="1" lang="zh-CN" altLang="en-US" sz="2000" dirty="0" smtClean="0">
+                <a:latin typeface="+mj-ea"/>
+                <a:ea typeface="+mj-ea"/>
+                <a:cs typeface="Heiti SC Light"/>
+              </a:rPr>
+              <a:t>自定义删除映射</a:t>
+            </a:r>
+            <a:endParaRPr kumimoji="1" lang="en-US" altLang="zh-CN" sz="2000" dirty="0" smtClean="0">
+              <a:latin typeface="+mj-ea"/>
+              <a:ea typeface="+mj-ea"/>
+              <a:cs typeface="Heiti SC Light"/>
+            </a:endParaRPr>
+          </a:p>
+          <a:p>
+            <a:pPr>
+              <a:buFont typeface="Wingdings" charset="2"/>
+              <a:buChar char="Ø"/>
+            </a:pPr>
+            <a:r>
+              <a:rPr kumimoji="1" lang="zh-CN" altLang="en-US" sz="2000" dirty="0">
+                <a:latin typeface="+mj-ea"/>
+                <a:ea typeface="+mj-ea"/>
+                <a:cs typeface="Heiti SC Light"/>
+              </a:rPr>
+              <a:t>返</a:t>
+            </a:r>
+            <a:r>
+              <a:rPr kumimoji="1" lang="zh-CN" altLang="en-US" sz="2000" dirty="0" smtClean="0">
+                <a:latin typeface="+mj-ea"/>
+                <a:ea typeface="+mj-ea"/>
+                <a:cs typeface="Heiti SC Light"/>
+              </a:rPr>
+              <a:t>回</a:t>
+            </a:r>
+            <a:r>
+              <a:rPr kumimoji="1" lang="en-US" altLang="zh-CN" sz="2000" dirty="0" err="1" smtClean="0">
+                <a:latin typeface="+mj-ea"/>
+                <a:ea typeface="+mj-ea"/>
+                <a:cs typeface="Heiti SC Light"/>
+              </a:rPr>
+              <a:t>ResponseEntity</a:t>
+            </a:r>
+            <a:r>
+              <a:rPr kumimoji="1" lang="en-US" altLang="zh-CN" sz="2000" dirty="0" smtClean="0">
+                <a:latin typeface="+mj-ea"/>
+                <a:ea typeface="+mj-ea"/>
+                <a:cs typeface="Heiti SC Light"/>
+              </a:rPr>
+              <a:t>&lt;T&gt;</a:t>
+            </a:r>
+            <a:r>
+              <a:rPr kumimoji="1" lang="zh-CN" altLang="en-US" sz="2000" dirty="0" smtClean="0">
+                <a:latin typeface="+mj-ea"/>
+                <a:ea typeface="+mj-ea"/>
+                <a:cs typeface="Heiti SC Light"/>
+              </a:rPr>
+              <a:t>对象</a:t>
+            </a:r>
+            <a:endParaRPr kumimoji="1" lang="en-US" altLang="zh-CN" sz="2000" dirty="0" smtClean="0">
+              <a:latin typeface="+mj-ea"/>
+              <a:ea typeface="+mj-ea"/>
+              <a:cs typeface="Heiti SC Light"/>
+            </a:endParaRPr>
+          </a:p>
+        </p:txBody>
+      </p:sp>
+      <p:sp>
+        <p:nvSpPr>
+          <p:cNvPr id="2" name="标题 1"/>
+          <p:cNvSpPr>
+            <a:spLocks noGrp="1"/>
+          </p:cNvSpPr>
+          <p:nvPr>
+            <p:ph type="title"/>
+          </p:nvPr>
+        </p:nvSpPr>
+        <p:spPr/>
+        <p:txBody>
+          <a:bodyPr/>
+          <a:lstStyle/>
+          <a:p>
+            <a:r>
+              <a:rPr kumimoji="1" lang="zh-CN" altLang="en-US" dirty="0">
+                <a:latin typeface="+mj-ea"/>
+                <a:cs typeface="Heiti SC Light"/>
+              </a:rPr>
+              <a:t>自定</a:t>
+            </a:r>
+            <a:r>
+              <a:rPr kumimoji="1" lang="zh-CN" altLang="en-US" dirty="0" smtClean="0">
+                <a:latin typeface="+mj-ea"/>
+                <a:cs typeface="Heiti SC Light"/>
+              </a:rPr>
+              <a:t>义参数映射</a:t>
+            </a:r>
+            <a:endParaRPr kumimoji="1" lang="en-US" altLang="zh-CN" dirty="0">
+              <a:latin typeface="+mj-ea"/>
+              <a:cs typeface="Heiti SC Light"/>
+            </a:endParaRPr>
+          </a:p>
+        </p:txBody>
+      </p:sp>
+    </p:spTree>
+    <p:extLst>
+      <p:ext uri="{BB962C8B-B14F-4D97-AF65-F5344CB8AC3E}">
+        <p14:creationId xmlns:p14="http://schemas.microsoft.com/office/powerpoint/2010/main" val="1213187459"/>
+      </p:ext>
+    </p:extLst>
+  </p:cSld>
+  <p:clrMapOvr>
+    <a:masterClrMapping/>
+  </p:clrMapOvr>
+  <p:timing>
+    <p:tnLst>
+      <p:par>
+        <p:cTn id="1" dur="indefinite" restart="never" nodeType="tmRoot"/>
+      </p:par>
+    </p:tnLst>
+  </p:timing>
+</p:sld>
+</file>
+
+<file path=ppt/slides/slide14.xml><?xml version="1.0" encoding="utf-8"?>
+<p:sld xmlns:a="http://schemas.openxmlformats.org/drawingml/2006/main" xmlns:r="http://schemas.openxmlformats.org/officeDocument/2006/relationships" xmlns:p="http://schemas.openxmlformats.org/presentationml/2006/main">
+  <p:cSld>
+    <p:spTree>
+      <p:nvGrpSpPr>
+        <p:cNvPr id="1" name=""/>
+        <p:cNvGrpSpPr/>
+        <p:nvPr/>
+      </p:nvGrpSpPr>
+      <p:grpSpPr>
+        <a:xfrm>
+          <a:off x="0" y="0"/>
+          <a:ext cx="0" cy="0"/>
+          <a:chOff x="0" y="0"/>
+          <a:chExt cx="0" cy="0"/>
+        </a:xfrm>
+      </p:grpSpPr>
+      <p:sp>
+        <p:nvSpPr>
+          <p:cNvPr id="5" name="内容占位符 4"/>
+          <p:cNvSpPr>
+            <a:spLocks noGrp="1"/>
+          </p:cNvSpPr>
+          <p:nvPr>
+            <p:ph idx="1"/>
+          </p:nvPr>
+        </p:nvSpPr>
+        <p:spPr>
+          <a:xfrm>
+            <a:off x="872067" y="1856097"/>
+            <a:ext cx="7408333" cy="668740"/>
+          </a:xfrm>
+        </p:spPr>
+        <p:txBody>
+          <a:bodyPr>
+            <a:normAutofit/>
+          </a:bodyPr>
+          <a:lstStyle/>
+          <a:p>
+            <a:pPr>
+              <a:buFont typeface="Wingdings" charset="2"/>
+              <a:buChar char="Ø"/>
+            </a:pPr>
+            <a:r>
+              <a:rPr kumimoji="1" lang="zh-CN" altLang="en-US" sz="2000" dirty="0" smtClean="0">
+                <a:latin typeface="+mj-ea"/>
+                <a:ea typeface="+mj-ea"/>
+                <a:cs typeface="Heiti SC Light"/>
+              </a:rPr>
+              <a:t>返回</a:t>
+            </a:r>
+            <a:r>
+              <a:rPr kumimoji="1" lang="en-US" altLang="zh-CN" sz="2000" dirty="0" smtClean="0">
+                <a:latin typeface="+mj-ea"/>
+                <a:ea typeface="+mj-ea"/>
+                <a:cs typeface="Heiti SC Light"/>
+              </a:rPr>
+              <a:t>POJO</a:t>
+            </a:r>
+            <a:r>
+              <a:rPr kumimoji="1" lang="zh-CN" altLang="en-US" sz="2000" dirty="0" smtClean="0">
+                <a:latin typeface="+mj-ea"/>
+                <a:ea typeface="+mj-ea"/>
+                <a:cs typeface="Heiti SC Light"/>
+              </a:rPr>
+              <a:t>并用</a:t>
+            </a:r>
+            <a:r>
+              <a:rPr kumimoji="1" lang="en-US" altLang="zh-CN" sz="2000" dirty="0">
+                <a:latin typeface="+mj-ea"/>
+                <a:ea typeface="+mj-ea"/>
+                <a:cs typeface="Heiti SC Light"/>
+              </a:rPr>
+              <a:t>@</a:t>
+            </a:r>
+            <a:r>
+              <a:rPr kumimoji="1" lang="en-US" altLang="zh-CN" sz="2000" dirty="0" err="1" smtClean="0">
+                <a:latin typeface="+mj-ea"/>
+                <a:ea typeface="+mj-ea"/>
+                <a:cs typeface="Heiti SC Light"/>
+              </a:rPr>
+              <a:t>ResponseBody</a:t>
+            </a:r>
+            <a:r>
+              <a:rPr kumimoji="1" lang="zh-CN" altLang="en-US" sz="2000" dirty="0" smtClean="0">
+                <a:latin typeface="+mj-ea"/>
+                <a:ea typeface="+mj-ea"/>
+                <a:cs typeface="Heiti SC Light"/>
+              </a:rPr>
+              <a:t>标注</a:t>
+            </a:r>
+            <a:endParaRPr kumimoji="1" lang="en-US" altLang="zh-CN" sz="2000" dirty="0" smtClean="0">
+              <a:latin typeface="+mj-ea"/>
+              <a:ea typeface="+mj-ea"/>
+              <a:cs typeface="Heiti SC Light"/>
+            </a:endParaRPr>
+          </a:p>
+        </p:txBody>
+      </p:sp>
+      <p:sp>
+        <p:nvSpPr>
+          <p:cNvPr id="2" name="标题 1"/>
+          <p:cNvSpPr>
+            <a:spLocks noGrp="1"/>
+          </p:cNvSpPr>
+          <p:nvPr>
+            <p:ph type="title"/>
+          </p:nvPr>
+        </p:nvSpPr>
+        <p:spPr/>
+        <p:txBody>
+          <a:bodyPr/>
+          <a:lstStyle/>
+          <a:p>
+            <a:r>
+              <a:rPr kumimoji="1" lang="zh-CN" altLang="en-US" dirty="0" smtClean="0">
+                <a:latin typeface="+mj-ea"/>
+                <a:cs typeface="Heiti SC Light"/>
+              </a:rPr>
+              <a:t>生成</a:t>
+            </a:r>
+            <a:r>
+              <a:rPr kumimoji="1" lang="en-US" altLang="zh-CN" dirty="0" smtClean="0">
+                <a:latin typeface="+mj-ea"/>
+                <a:cs typeface="Heiti SC Light"/>
+              </a:rPr>
+              <a:t>Response</a:t>
+            </a:r>
+            <a:endParaRPr kumimoji="1" lang="en-US" altLang="zh-CN" dirty="0">
+              <a:latin typeface="+mj-ea"/>
+              <a:cs typeface="Heiti SC Light"/>
+            </a:endParaRPr>
+          </a:p>
+        </p:txBody>
+      </p:sp>
+      <p:sp>
+        <p:nvSpPr>
+          <p:cNvPr id="3" name="Rectangle 2"/>
+          <p:cNvSpPr/>
+          <p:nvPr/>
+        </p:nvSpPr>
+        <p:spPr>
+          <a:xfrm>
+            <a:off x="872067" y="2690336"/>
+            <a:ext cx="7287906" cy="1107996"/>
+          </a:xfrm>
+          <a:prstGeom prst="rect">
+            <a:avLst/>
+          </a:prstGeom>
+        </p:spPr>
+        <p:txBody>
+          <a:bodyPr wrap="square">
+            <a:spAutoFit/>
+          </a:bodyPr>
+          <a:lstStyle/>
+          <a:p>
+            <a:r>
+              <a:rPr lang="en-US" sz="1600" dirty="0">
+                <a:latin typeface="Courier New" panose="02070309020205020404" pitchFamily="49" charset="0"/>
+                <a:cs typeface="Courier New" panose="02070309020205020404" pitchFamily="49" charset="0"/>
+              </a:rPr>
+              <a:t>public interface </a:t>
+            </a:r>
+            <a:r>
+              <a:rPr lang="en-US" sz="1600" dirty="0" err="1">
+                <a:latin typeface="Courier New" panose="02070309020205020404" pitchFamily="49" charset="0"/>
+                <a:cs typeface="Courier New" panose="02070309020205020404" pitchFamily="49" charset="0"/>
+              </a:rPr>
+              <a:t>WebArgumentResolver</a:t>
+            </a:r>
+            <a:r>
+              <a:rPr lang="en-US" sz="1600" dirty="0">
+                <a:latin typeface="Courier New" panose="02070309020205020404" pitchFamily="49" charset="0"/>
+                <a:cs typeface="Courier New" panose="02070309020205020404" pitchFamily="49" charset="0"/>
+              </a:rPr>
+              <a:t> {</a:t>
+            </a:r>
+          </a:p>
+          <a:p>
+            <a:r>
+              <a:rPr lang="en-US" sz="1600" dirty="0">
+                <a:latin typeface="Courier New" panose="02070309020205020404" pitchFamily="49" charset="0"/>
+                <a:cs typeface="Courier New" panose="02070309020205020404" pitchFamily="49" charset="0"/>
+              </a:rPr>
+              <a:t>    Object </a:t>
+            </a:r>
+            <a:r>
+              <a:rPr lang="en-US" sz="1600" dirty="0" err="1">
+                <a:latin typeface="Courier New" panose="02070309020205020404" pitchFamily="49" charset="0"/>
+                <a:cs typeface="Courier New" panose="02070309020205020404" pitchFamily="49" charset="0"/>
+              </a:rPr>
+              <a:t>resolveArgument</a:t>
+            </a:r>
+            <a:r>
+              <a:rPr lang="en-US" sz="1600" dirty="0">
+                <a:latin typeface="Courier New" panose="02070309020205020404" pitchFamily="49" charset="0"/>
+                <a:cs typeface="Courier New" panose="02070309020205020404" pitchFamily="49" charset="0"/>
+              </a:rPr>
+              <a:t>(</a:t>
+            </a:r>
+            <a:r>
+              <a:rPr lang="en-US" sz="1600" dirty="0" err="1">
+                <a:latin typeface="Courier New" panose="02070309020205020404" pitchFamily="49" charset="0"/>
+                <a:cs typeface="Courier New" panose="02070309020205020404" pitchFamily="49" charset="0"/>
+              </a:rPr>
+              <a:t>MethodParameter</a:t>
+            </a:r>
+            <a:r>
+              <a:rPr lang="en-US" sz="1600" dirty="0">
+                <a:latin typeface="Courier New" panose="02070309020205020404" pitchFamily="49" charset="0"/>
+                <a:cs typeface="Courier New" panose="02070309020205020404" pitchFamily="49" charset="0"/>
+              </a:rPr>
+              <a:t> </a:t>
+            </a:r>
+            <a:r>
+              <a:rPr lang="en-US" sz="1600" dirty="0" err="1">
+                <a:latin typeface="Courier New" panose="02070309020205020404" pitchFamily="49" charset="0"/>
+                <a:cs typeface="Courier New" panose="02070309020205020404" pitchFamily="49" charset="0"/>
+              </a:rPr>
+              <a:t>param</a:t>
+            </a:r>
+            <a:r>
+              <a:rPr lang="en-US" sz="1600" dirty="0">
+                <a:latin typeface="Courier New" panose="02070309020205020404" pitchFamily="49" charset="0"/>
+                <a:cs typeface="Courier New" panose="02070309020205020404" pitchFamily="49" charset="0"/>
+              </a:rPr>
+              <a:t>, </a:t>
+            </a:r>
+            <a:endParaRPr lang="en-US" sz="1600" dirty="0" smtClean="0">
+              <a:latin typeface="Courier New" panose="02070309020205020404" pitchFamily="49" charset="0"/>
+              <a:cs typeface="Courier New" panose="02070309020205020404" pitchFamily="49" charset="0"/>
+            </a:endParaRPr>
+          </a:p>
+          <a:p>
+            <a:r>
+              <a:rPr lang="en-US" sz="1600" dirty="0">
+                <a:latin typeface="Courier New" panose="02070309020205020404" pitchFamily="49" charset="0"/>
+                <a:cs typeface="Courier New" panose="02070309020205020404" pitchFamily="49" charset="0"/>
+              </a:rPr>
+              <a:t> </a:t>
+            </a:r>
+            <a:r>
+              <a:rPr lang="en-US" sz="1600" dirty="0" smtClean="0">
+                <a:latin typeface="Courier New" panose="02070309020205020404" pitchFamily="49" charset="0"/>
+                <a:cs typeface="Courier New" panose="02070309020205020404" pitchFamily="49" charset="0"/>
+              </a:rPr>
+              <a:t>                          </a:t>
+            </a:r>
+            <a:r>
+              <a:rPr lang="en-US" sz="1600" dirty="0" err="1" smtClean="0">
+                <a:latin typeface="Courier New" panose="02070309020205020404" pitchFamily="49" charset="0"/>
+                <a:cs typeface="Courier New" panose="02070309020205020404" pitchFamily="49" charset="0"/>
+              </a:rPr>
+              <a:t>NativeWebRequest</a:t>
+            </a:r>
+            <a:r>
+              <a:rPr lang="en-US" sz="1600" dirty="0" smtClean="0">
+                <a:latin typeface="Courier New" panose="02070309020205020404" pitchFamily="49" charset="0"/>
+                <a:cs typeface="Courier New" panose="02070309020205020404" pitchFamily="49" charset="0"/>
+              </a:rPr>
+              <a:t> </a:t>
+            </a:r>
+            <a:r>
+              <a:rPr lang="en-US" sz="1600" dirty="0">
+                <a:latin typeface="Courier New" panose="02070309020205020404" pitchFamily="49" charset="0"/>
+                <a:cs typeface="Courier New" panose="02070309020205020404" pitchFamily="49" charset="0"/>
+              </a:rPr>
+              <a:t>request);</a:t>
+            </a:r>
+          </a:p>
+          <a:p>
+            <a:r>
+              <a:rPr lang="en-US" sz="1600" dirty="0">
+                <a:latin typeface="Courier New" panose="02070309020205020404" pitchFamily="49" charset="0"/>
+                <a:cs typeface="Courier New" panose="02070309020205020404" pitchFamily="49" charset="0"/>
+              </a:rPr>
+              <a:t>}</a:t>
+            </a:r>
+          </a:p>
+        </p:txBody>
+      </p:sp>
+    </p:spTree>
+    <p:extLst>
+      <p:ext uri="{BB962C8B-B14F-4D97-AF65-F5344CB8AC3E}">
+        <p14:creationId xmlns:p14="http://schemas.microsoft.com/office/powerpoint/2010/main" val="2244486218"/>
+      </p:ext>
+    </p:extLst>
+  </p:cSld>
+  <p:clrMapOvr>
+    <a:masterClrMapping/>
+  </p:clrMapOvr>
+  <p:timing>
+    <p:tnLst>
+      <p:par>
+        <p:cTn id="1" dur="indefinite" restart="never" nodeType="tmRoot"/>
+      </p:par>
+    </p:tnLst>
+  </p:timing>
+</p:sld>
+</file>
+
+<file path=ppt/slides/slide15.xml><?xml version="1.0" encoding="utf-8"?>
+<p:sld xmlns:a="http://schemas.openxmlformats.org/drawingml/2006/main" xmlns:r="http://schemas.openxmlformats.org/officeDocument/2006/relationships" xmlns:p="http://schemas.openxmlformats.org/presentationml/2006/main">
+  <p:cSld>
+    <p:spTree>
+      <p:nvGrpSpPr>
+        <p:cNvPr id="1" name=""/>
+        <p:cNvGrpSpPr/>
+        <p:nvPr/>
+      </p:nvGrpSpPr>
+      <p:grpSpPr>
+        <a:xfrm>
+          <a:off x="0" y="0"/>
+          <a:ext cx="0" cy="0"/>
+          <a:chOff x="0" y="0"/>
+          <a:chExt cx="0" cy="0"/>
+        </a:xfrm>
+      </p:grpSpPr>
+      <p:sp>
+        <p:nvSpPr>
+          <p:cNvPr id="5" name="内容占位符 4"/>
+          <p:cNvSpPr>
+            <a:spLocks noGrp="1"/>
+          </p:cNvSpPr>
+          <p:nvPr>
+            <p:ph idx="1"/>
+          </p:nvPr>
+        </p:nvSpPr>
+        <p:spPr>
+          <a:xfrm>
+            <a:off x="872067" y="1856097"/>
+            <a:ext cx="7408333" cy="3916906"/>
+          </a:xfrm>
+        </p:spPr>
+        <p:txBody>
+          <a:bodyPr>
+            <a:normAutofit/>
+          </a:bodyPr>
+          <a:lstStyle/>
+          <a:p>
+            <a:pPr>
+              <a:buFont typeface="Wingdings" charset="2"/>
+              <a:buChar char="Ø"/>
+            </a:pPr>
+            <a:r>
+              <a:rPr kumimoji="1" lang="en-US" altLang="zh-CN" sz="2000" dirty="0" err="1" smtClean="0">
+                <a:latin typeface="+mj-ea"/>
+                <a:ea typeface="+mj-ea"/>
+                <a:cs typeface="Heiti SC Light"/>
+              </a:rPr>
+              <a:t>HttpMessageConverter</a:t>
+            </a:r>
+            <a:r>
+              <a:rPr kumimoji="1" lang="zh-CN" altLang="en-US" sz="2000" dirty="0" smtClean="0">
+                <a:latin typeface="+mj-ea"/>
+                <a:ea typeface="+mj-ea"/>
+                <a:cs typeface="Heiti SC Light"/>
+              </a:rPr>
+              <a:t>是</a:t>
+            </a:r>
+            <a:r>
+              <a:rPr kumimoji="1" lang="en-US" altLang="zh-CN" sz="2000" dirty="0" err="1" smtClean="0">
+                <a:latin typeface="+mj-ea"/>
+                <a:ea typeface="+mj-ea"/>
+                <a:cs typeface="Heiti SC Light"/>
+              </a:rPr>
+              <a:t>SpringMVC</a:t>
+            </a:r>
+            <a:r>
+              <a:rPr kumimoji="1" lang="zh-CN" altLang="en-US" sz="2000" dirty="0" smtClean="0">
+                <a:latin typeface="+mj-ea"/>
+                <a:ea typeface="+mj-ea"/>
+                <a:cs typeface="Heiti SC Light"/>
+              </a:rPr>
+              <a:t>中负责读取</a:t>
+            </a:r>
+            <a:r>
+              <a:rPr kumimoji="1" lang="en-US" altLang="zh-CN" sz="2000" dirty="0" smtClean="0">
+                <a:latin typeface="+mj-ea"/>
+                <a:ea typeface="+mj-ea"/>
+                <a:cs typeface="Heiti SC Light"/>
+              </a:rPr>
+              <a:t>Request</a:t>
+            </a:r>
+            <a:r>
+              <a:rPr kumimoji="1" lang="zh-CN" altLang="en-US" sz="2000" dirty="0" smtClean="0">
+                <a:latin typeface="+mj-ea"/>
+                <a:ea typeface="+mj-ea"/>
+                <a:cs typeface="Heiti SC Light"/>
+              </a:rPr>
+              <a:t>的</a:t>
+            </a:r>
+            <a:r>
+              <a:rPr kumimoji="1" lang="en-US" altLang="zh-CN" sz="2000" dirty="0" smtClean="0">
+                <a:latin typeface="+mj-ea"/>
+                <a:ea typeface="+mj-ea"/>
+                <a:cs typeface="Heiti SC Light"/>
+              </a:rPr>
+              <a:t>Body</a:t>
+            </a:r>
+            <a:r>
+              <a:rPr kumimoji="1" lang="zh-CN" altLang="en-US" sz="2000" dirty="0" smtClean="0">
+                <a:latin typeface="+mj-ea"/>
+                <a:ea typeface="+mj-ea"/>
+                <a:cs typeface="Heiti SC Light"/>
+              </a:rPr>
+              <a:t>和生成</a:t>
+            </a:r>
+            <a:r>
+              <a:rPr kumimoji="1" lang="en-US" altLang="zh-CN" sz="2000" dirty="0" smtClean="0">
+                <a:latin typeface="+mj-ea"/>
+                <a:ea typeface="+mj-ea"/>
+                <a:cs typeface="Heiti SC Light"/>
+              </a:rPr>
+              <a:t>Response</a:t>
+            </a:r>
+            <a:r>
+              <a:rPr kumimoji="1" lang="zh-CN" altLang="en-US" sz="2000" dirty="0" smtClean="0">
+                <a:latin typeface="+mj-ea"/>
+                <a:ea typeface="+mj-ea"/>
+                <a:cs typeface="Heiti SC Light"/>
+              </a:rPr>
+              <a:t>组件</a:t>
+            </a:r>
+            <a:endParaRPr kumimoji="1" lang="en-US" altLang="zh-CN" sz="2000" dirty="0" smtClean="0">
+              <a:latin typeface="+mj-ea"/>
+              <a:ea typeface="+mj-ea"/>
+              <a:cs typeface="Heiti SC Light"/>
+            </a:endParaRPr>
+          </a:p>
+          <a:p>
+            <a:pPr>
+              <a:buFont typeface="Wingdings" charset="2"/>
+              <a:buChar char="Ø"/>
+            </a:pPr>
+            <a:r>
+              <a:rPr kumimoji="1" lang="zh-CN" altLang="en-US" sz="2000" dirty="0" smtClean="0">
+                <a:latin typeface="+mj-ea"/>
+                <a:ea typeface="+mj-ea"/>
+                <a:cs typeface="Heiti SC Light"/>
+              </a:rPr>
+              <a:t>可以针对每种</a:t>
+            </a:r>
+            <a:r>
+              <a:rPr kumimoji="1" lang="en-US" altLang="zh-CN" sz="2000" dirty="0" err="1" smtClean="0">
+                <a:latin typeface="+mj-ea"/>
+                <a:ea typeface="+mj-ea"/>
+                <a:cs typeface="Heiti SC Light"/>
+              </a:rPr>
+              <a:t>C</a:t>
+            </a:r>
+            <a:r>
+              <a:rPr kumimoji="1" lang="en-US" altLang="zh-CN" sz="2000" dirty="0" err="1" smtClean="0">
+                <a:latin typeface="+mj-ea"/>
+                <a:ea typeface="+mj-ea"/>
+                <a:cs typeface="Heiti SC Light"/>
+              </a:rPr>
+              <a:t>ontentType</a:t>
+            </a:r>
+            <a:r>
+              <a:rPr kumimoji="1" lang="zh-CN" altLang="en-US" sz="2000" dirty="0">
+                <a:latin typeface="+mj-ea"/>
+                <a:ea typeface="+mj-ea"/>
+                <a:cs typeface="Heiti SC Light"/>
+              </a:rPr>
+              <a:t>注</a:t>
+            </a:r>
+            <a:r>
+              <a:rPr kumimoji="1" lang="zh-CN" altLang="en-US" sz="2000" dirty="0" smtClean="0">
+                <a:latin typeface="+mj-ea"/>
+                <a:ea typeface="+mj-ea"/>
+                <a:cs typeface="Heiti SC Light"/>
+              </a:rPr>
+              <a:t>册多个</a:t>
+            </a:r>
+            <a:r>
+              <a:rPr kumimoji="1" lang="en-US" altLang="zh-CN" sz="2000" dirty="0" err="1" smtClean="0">
+                <a:latin typeface="+mj-ea"/>
+                <a:cs typeface="Heiti SC Light"/>
+              </a:rPr>
+              <a:t>HttpMessageConverter</a:t>
+            </a:r>
+            <a:endParaRPr kumimoji="1" lang="en-US" altLang="zh-CN" sz="2000" dirty="0" smtClean="0">
+              <a:latin typeface="+mj-ea"/>
+              <a:cs typeface="Heiti SC Light"/>
+            </a:endParaRPr>
+          </a:p>
+          <a:p>
+            <a:pPr>
+              <a:buFont typeface="Wingdings" charset="2"/>
+              <a:buChar char="Ø"/>
+            </a:pPr>
+            <a:r>
+              <a:rPr kumimoji="1" lang="zh-CN" altLang="en-US" sz="2000" dirty="0">
+                <a:latin typeface="+mj-ea"/>
+                <a:ea typeface="+mj-ea"/>
+                <a:cs typeface="Heiti SC Light"/>
+              </a:rPr>
+              <a:t>对</a:t>
+            </a:r>
+            <a:r>
+              <a:rPr kumimoji="1" lang="zh-CN" altLang="en-US" sz="2000" dirty="0" smtClean="0">
+                <a:latin typeface="+mj-ea"/>
+                <a:ea typeface="+mj-ea"/>
+                <a:cs typeface="Heiti SC Light"/>
+              </a:rPr>
+              <a:t>于标注</a:t>
+            </a:r>
+            <a:r>
+              <a:rPr kumimoji="1" lang="en-US" altLang="zh-CN" sz="2000" dirty="0" smtClean="0">
+                <a:latin typeface="+mj-ea"/>
+                <a:ea typeface="+mj-ea"/>
+                <a:cs typeface="Heiti SC Light"/>
+              </a:rPr>
+              <a:t>@</a:t>
+            </a:r>
+            <a:r>
+              <a:rPr kumimoji="1" lang="en-US" altLang="zh-CN" sz="2000" dirty="0" err="1" smtClean="0">
+                <a:latin typeface="+mj-ea"/>
+                <a:ea typeface="+mj-ea"/>
+                <a:cs typeface="Heiti SC Light"/>
+              </a:rPr>
+              <a:t>ResponseBody</a:t>
+            </a:r>
+            <a:r>
+              <a:rPr kumimoji="1" lang="zh-CN" altLang="en-US" sz="2000" dirty="0" smtClean="0">
+                <a:latin typeface="+mj-ea"/>
+                <a:ea typeface="+mj-ea"/>
+                <a:cs typeface="Heiti SC Light"/>
+              </a:rPr>
+              <a:t>的返回值</a:t>
+            </a:r>
+            <a:r>
+              <a:rPr kumimoji="1" lang="en-US" altLang="zh-CN" sz="2000" dirty="0" smtClean="0">
+                <a:latin typeface="+mj-ea"/>
+                <a:ea typeface="+mj-ea"/>
+                <a:cs typeface="Heiti SC Light"/>
+              </a:rPr>
+              <a:t>, Spring</a:t>
+            </a:r>
+            <a:r>
+              <a:rPr kumimoji="1" lang="zh-CN" altLang="en-US" sz="2000" dirty="0" smtClean="0">
+                <a:latin typeface="+mj-ea"/>
+                <a:ea typeface="+mj-ea"/>
+                <a:cs typeface="Heiti SC Light"/>
+              </a:rPr>
+              <a:t>会根据</a:t>
+            </a:r>
+            <a:r>
+              <a:rPr kumimoji="1" lang="en-US" altLang="zh-CN" sz="2000" dirty="0" smtClean="0">
+                <a:latin typeface="+mj-ea"/>
+                <a:ea typeface="+mj-ea"/>
+                <a:cs typeface="Heiti SC Light"/>
+              </a:rPr>
+              <a:t>Request</a:t>
+            </a:r>
+            <a:r>
+              <a:rPr kumimoji="1" lang="zh-CN" altLang="en-US" sz="2000" dirty="0" smtClean="0">
+                <a:latin typeface="+mj-ea"/>
+                <a:ea typeface="+mj-ea"/>
+                <a:cs typeface="Heiti SC Light"/>
+              </a:rPr>
+              <a:t>中的</a:t>
+            </a:r>
+            <a:r>
+              <a:rPr kumimoji="1" lang="en-US" altLang="zh-CN" sz="2000" dirty="0" smtClean="0">
+                <a:latin typeface="+mj-ea"/>
+                <a:ea typeface="+mj-ea"/>
+                <a:cs typeface="Heiti SC Light"/>
+              </a:rPr>
+              <a:t>Accept</a:t>
+            </a:r>
+            <a:r>
+              <a:rPr kumimoji="1" lang="zh-CN" altLang="en-US" sz="2000" dirty="0" smtClean="0">
+                <a:latin typeface="+mj-ea"/>
+                <a:ea typeface="+mj-ea"/>
+                <a:cs typeface="Heiti SC Light"/>
+              </a:rPr>
+              <a:t>来确定调用哪个</a:t>
+            </a:r>
+            <a:r>
+              <a:rPr kumimoji="1" lang="en-US" altLang="zh-CN" sz="2000" dirty="0" err="1" smtClean="0">
+                <a:latin typeface="+mj-ea"/>
+                <a:cs typeface="Heiti SC Light"/>
+              </a:rPr>
+              <a:t>HttpMessageConverter</a:t>
+            </a:r>
+            <a:endParaRPr kumimoji="1" lang="en-US" altLang="zh-CN" sz="2000" dirty="0" smtClean="0">
+              <a:latin typeface="+mj-ea"/>
+              <a:cs typeface="Heiti SC Light"/>
+            </a:endParaRPr>
+          </a:p>
+          <a:p>
+            <a:pPr>
+              <a:buFont typeface="Wingdings" charset="2"/>
+              <a:buChar char="Ø"/>
+            </a:pPr>
+            <a:r>
+              <a:rPr kumimoji="1" lang="zh-CN" altLang="en-US" sz="2000" dirty="0">
+                <a:latin typeface="+mj-ea"/>
+                <a:ea typeface="+mj-ea"/>
+                <a:cs typeface="Heiti SC Light"/>
+              </a:rPr>
+              <a:t>可</a:t>
+            </a:r>
+            <a:r>
+              <a:rPr kumimoji="1" lang="zh-CN" altLang="en-US" sz="2000" dirty="0" smtClean="0">
+                <a:latin typeface="+mj-ea"/>
+                <a:ea typeface="+mj-ea"/>
+                <a:cs typeface="Heiti SC Light"/>
+              </a:rPr>
+              <a:t>以自定义</a:t>
+            </a:r>
+            <a:r>
+              <a:rPr kumimoji="1" lang="en-US" altLang="zh-CN" sz="2000" dirty="0" err="1">
+                <a:latin typeface="+mj-ea"/>
+                <a:cs typeface="Heiti SC Light"/>
+              </a:rPr>
+              <a:t>HttpMessageConverter</a:t>
+            </a:r>
+            <a:endParaRPr kumimoji="1" lang="en-US" altLang="zh-CN" sz="2000" dirty="0" smtClean="0">
+              <a:latin typeface="+mj-ea"/>
+              <a:ea typeface="+mj-ea"/>
+              <a:cs typeface="Heiti SC Light"/>
+            </a:endParaRPr>
+          </a:p>
+        </p:txBody>
+      </p:sp>
+      <p:sp>
+        <p:nvSpPr>
+          <p:cNvPr id="2" name="标题 1"/>
+          <p:cNvSpPr>
+            <a:spLocks noGrp="1"/>
+          </p:cNvSpPr>
+          <p:nvPr>
+            <p:ph type="title"/>
+          </p:nvPr>
+        </p:nvSpPr>
+        <p:spPr/>
+        <p:txBody>
+          <a:bodyPr/>
+          <a:lstStyle/>
+          <a:p>
+            <a:r>
+              <a:rPr kumimoji="1" lang="en-US" altLang="zh-CN" dirty="0" err="1">
+                <a:latin typeface="+mj-ea"/>
+                <a:cs typeface="Heiti SC Light"/>
+              </a:rPr>
+              <a:t>HttpMessageConverter</a:t>
+            </a:r>
+            <a:endParaRPr kumimoji="1" lang="en-US" altLang="zh-CN" dirty="0">
+              <a:latin typeface="+mj-ea"/>
+              <a:cs typeface="Heiti SC Light"/>
+            </a:endParaRPr>
+          </a:p>
+        </p:txBody>
+      </p:sp>
+    </p:spTree>
+    <p:extLst>
+      <p:ext uri="{BB962C8B-B14F-4D97-AF65-F5344CB8AC3E}">
+        <p14:creationId xmlns:p14="http://schemas.microsoft.com/office/powerpoint/2010/main" val="4170062066"/>
+      </p:ext>
+    </p:extLst>
+  </p:cSld>
+  <p:clrMapOvr>
+    <a:masterClrMapping/>
+  </p:clrMapOvr>
+  <p:timing>
+    <p:tnLst>
+      <p:par>
+        <p:cTn id="1" dur="indefinite" restart="never" nodeType="tmRoot"/>
+      </p:par>
+    </p:tnLst>
+  </p:timing>
+</p:sld>
+</file>
+
+<file path=ppt/slides/slide16.xml><?xml version="1.0" encoding="utf-8"?>
+<p:sld xmlns:a="http://schemas.openxmlformats.org/drawingml/2006/main" xmlns:r="http://schemas.openxmlformats.org/officeDocument/2006/relationships" xmlns:p="http://schemas.openxmlformats.org/presentationml/2006/main">
+  <p:cSld>
+    <p:spTree>
+      <p:nvGrpSpPr>
+        <p:cNvPr id="1" name=""/>
+        <p:cNvGrpSpPr/>
+        <p:nvPr/>
+      </p:nvGrpSpPr>
+      <p:grpSpPr>
+        <a:xfrm>
+          <a:off x="0" y="0"/>
+          <a:ext cx="0" cy="0"/>
+          <a:chOff x="0" y="0"/>
+          <a:chExt cx="0" cy="0"/>
+        </a:xfrm>
+      </p:grpSpPr>
+      <p:sp>
+        <p:nvSpPr>
+          <p:cNvPr id="5" name="内容占位符 4"/>
+          <p:cNvSpPr>
+            <a:spLocks noGrp="1"/>
+          </p:cNvSpPr>
+          <p:nvPr>
+            <p:ph idx="1"/>
+          </p:nvPr>
+        </p:nvSpPr>
+        <p:spPr>
+          <a:xfrm>
+            <a:off x="872067" y="1856097"/>
+            <a:ext cx="7408333" cy="3916906"/>
+          </a:xfrm>
+        </p:spPr>
+        <p:txBody>
+          <a:bodyPr>
+            <a:normAutofit/>
+          </a:bodyPr>
+          <a:lstStyle/>
+          <a:p>
+            <a:pPr>
+              <a:buFont typeface="Wingdings" charset="2"/>
+              <a:buChar char="Ø"/>
+            </a:pPr>
+            <a:r>
+              <a:rPr kumimoji="1" lang="en-US" altLang="zh-CN" sz="2000" dirty="0" err="1">
+                <a:latin typeface="+mj-ea"/>
+                <a:ea typeface="+mj-ea"/>
+                <a:cs typeface="Heiti SC Light"/>
+              </a:rPr>
+              <a:t>StringHttpMessageConverter</a:t>
+            </a:r>
+            <a:endParaRPr kumimoji="1" lang="en-US" altLang="zh-CN" sz="2000" dirty="0" smtClean="0">
+              <a:latin typeface="+mj-ea"/>
+              <a:ea typeface="+mj-ea"/>
+              <a:cs typeface="Heiti SC Light"/>
+            </a:endParaRPr>
+          </a:p>
+        </p:txBody>
+      </p:sp>
+      <p:sp>
+        <p:nvSpPr>
+          <p:cNvPr id="2" name="标题 1"/>
+          <p:cNvSpPr>
+            <a:spLocks noGrp="1"/>
+          </p:cNvSpPr>
+          <p:nvPr>
+            <p:ph type="title"/>
+          </p:nvPr>
+        </p:nvSpPr>
+        <p:spPr/>
+        <p:txBody>
+          <a:bodyPr/>
+          <a:lstStyle/>
+          <a:p>
+            <a:r>
+              <a:rPr kumimoji="1" lang="zh-CN" altLang="en-US" dirty="0" smtClean="0">
+                <a:latin typeface="+mj-ea"/>
+                <a:cs typeface="Heiti SC Light"/>
+              </a:rPr>
+              <a:t>默认的</a:t>
+            </a:r>
+            <a:r>
+              <a:rPr kumimoji="1" lang="en-US" altLang="zh-CN" dirty="0" err="1">
+                <a:latin typeface="+mj-ea"/>
+                <a:cs typeface="Heiti SC Light"/>
+              </a:rPr>
+              <a:t>HttpMessageConverter</a:t>
+            </a:r>
+            <a:endParaRPr kumimoji="1" lang="en-US" altLang="zh-CN" dirty="0">
+              <a:latin typeface="+mj-ea"/>
+              <a:cs typeface="Heiti SC Light"/>
+            </a:endParaRPr>
+          </a:p>
+        </p:txBody>
+      </p:sp>
+    </p:spTree>
+    <p:extLst>
+      <p:ext uri="{BB962C8B-B14F-4D97-AF65-F5344CB8AC3E}">
+        <p14:creationId xmlns:p14="http://schemas.microsoft.com/office/powerpoint/2010/main" val="3681356999"/>
+      </p:ext>
+    </p:extLst>
+  </p:cSld>
+  <p:clrMapOvr>
+    <a:masterClrMapping/>
+  </p:clrMapOvr>
+  <p:timing>
+    <p:tnLst>
+      <p:par>
+        <p:cTn id="1" dur="indefinite" restart="never" nodeType="tmRoot"/>
       </p:par>
     </p:tnLst>
   </p:timing>
@@ -15101,7 +17390,7 @@
   <p:timing>
     <p:tnLst>
       <p:par>
-        <p:cTn xmlns:p14="http://schemas.microsoft.com/office/powerpoint/2010/main" id="1" dur="indefinite" restart="never" nodeType="tmRoot"/>
+        <p:cTn id="1" dur="indefinite" restart="never" nodeType="tmRoot"/>
       </p:par>
     </p:tnLst>
   </p:timing>
@@ -15562,7 +17851,7 @@
   <p:timing>
     <p:tnLst>
       <p:par>
-        <p:cTn xmlns:p14="http://schemas.microsoft.com/office/powerpoint/2010/main" id="1" dur="indefinite" restart="never" nodeType="tmRoot"/>
+        <p:cTn id="1" dur="indefinite" restart="never" nodeType="tmRoot"/>
       </p:par>
     </p:tnLst>
   </p:timing>
@@ -16274,7 +18563,7 @@
   <p:timing>
     <p:tnLst>
       <p:par>
-        <p:cTn xmlns:p14="http://schemas.microsoft.com/office/powerpoint/2010/main" id="1" dur="indefinite" restart="never" nodeType="tmRoot"/>
+        <p:cTn id="1" dur="indefinite" restart="never" nodeType="tmRoot"/>
       </p:par>
     </p:tnLst>
   </p:timing>
@@ -16726,7 +19015,7 @@
   <p:timing>
     <p:tnLst>
       <p:par>
-        <p:cTn xmlns:p14="http://schemas.microsoft.com/office/powerpoint/2010/main" id="1" dur="indefinite" restart="never" nodeType="tmRoot"/>
+        <p:cTn id="1" dur="indefinite" restart="never" nodeType="tmRoot"/>
       </p:par>
     </p:tnLst>
   </p:timing>
@@ -17346,7 +19635,7 @@
   <p:timing>
     <p:tnLst>
       <p:par>
-        <p:cTn xmlns:p14="http://schemas.microsoft.com/office/powerpoint/2010/main" id="1" dur="indefinite" restart="never" nodeType="tmRoot">
+        <p:cTn id="1" dur="indefinite" restart="never" nodeType="tmRoot">
           <p:childTnLst>
             <p:seq concurrent="1" nextAc="seek">
               <p:cTn id="2" dur="indefinite" nodeType="mainSeq">
@@ -17659,11 +19948,6 @@
               </a:rPr>
               <a:t>)</a:t>
             </a:r>
-            <a:endParaRPr kumimoji="1" lang="en-US" altLang="zh-CN" sz="1800" dirty="0" smtClean="0">
-              <a:latin typeface="+mj-ea"/>
-              <a:ea typeface="+mj-ea"/>
-              <a:cs typeface="Heiti SC Light"/>
-            </a:endParaRPr>
           </a:p>
           <a:p>
             <a:pPr lvl="1">
@@ -17878,7 +20162,15 @@
                 <a:ea typeface="+mj-ea"/>
                 <a:cs typeface="Heiti SC Light"/>
               </a:rPr>
-              <a:t>也支持取反</a:t>
+              <a:t>支</a:t>
+            </a:r>
+            <a:r>
+              <a:rPr kumimoji="1" lang="zh-CN" altLang="en-US" sz="1800" dirty="0" smtClean="0">
+                <a:latin typeface="+mj-ea"/>
+                <a:ea typeface="+mj-ea"/>
+                <a:cs typeface="Heiti SC Light"/>
+              </a:rPr>
+              <a:t>持取反</a:t>
             </a:r>
             <a:r>
               <a:rPr kumimoji="1" lang="en-US" altLang="zh-CN" sz="1800" dirty="0" smtClean="0">
@@ -18011,12 +20303,20 @@
               <a:buChar char="Ø"/>
             </a:pPr>
             <a:r>
+              <a:rPr kumimoji="1" lang="zh-CN" altLang="en-US" sz="1700" dirty="0" smtClean="0">
+                <a:latin typeface="+mj-ea"/>
+                <a:ea typeface="+mj-ea"/>
+                <a:cs typeface="Heiti SC Light"/>
+              </a:rPr>
+              <a:t>支</a:t>
+            </a:r>
+            <a:r>
               <a:rPr kumimoji="1" lang="zh-CN" altLang="en-US" sz="1700" dirty="0">
                 <a:latin typeface="+mj-ea"/>
                 <a:ea typeface="+mj-ea"/>
                 <a:cs typeface="Heiti SC Light"/>
               </a:rPr>
-              <a:t>也支持取</a:t>
+              <a:t>持取</a:t>
             </a:r>
             <a:r>
               <a:rPr kumimoji="1" lang="zh-CN" altLang="en-US" sz="1700" dirty="0" smtClean="0">
@@ -18099,20 +20399,23 @@
           <a:p>
             <a:r>
               <a:rPr kumimoji="1" lang="en-US" altLang="zh-CN" dirty="0" err="1" smtClean="0">
-                <a:latin typeface="+mj-ea"/>
+                <a:latin typeface="华文新魏" panose="02010800040101010101" pitchFamily="2" charset="-122"/>
+                <a:ea typeface="华文新魏" panose="02010800040101010101" pitchFamily="2" charset="-122"/>
                 <a:cs typeface="Heiti SC Light"/>
               </a:rPr>
               <a:t>Request</a:t>
             </a:r>
             <a:r>
               <a:rPr kumimoji="1" lang="en-US" altLang="en-US" dirty="0" err="1" smtClean="0">
-                <a:latin typeface="+mj-ea"/>
+                <a:latin typeface="华文新魏" panose="02010800040101010101" pitchFamily="2" charset="-122"/>
+                <a:ea typeface="华文新魏" panose="02010800040101010101" pitchFamily="2" charset="-122"/>
                 <a:cs typeface="Heiti SC Light"/>
               </a:rPr>
               <a:t>映射</a:t>
             </a:r>
             <a:endParaRPr kumimoji="1" lang="zh-CN" altLang="en-US" dirty="0">
-              <a:latin typeface="+mj-ea"/>
+              <a:latin typeface="华文新魏" panose="02010800040101010101" pitchFamily="2" charset="-122"/>
+              <a:ea typeface="华文新魏" panose="02010800040101010101" pitchFamily="2" charset="-122"/>
               <a:cs typeface="Heiti SC Light"/>
             </a:endParaRPr>
           </a:p>
@@ -18131,7 +20434,629 @@
   <p:timing>
     <p:tnLst>
       <p:par>
-        <p:cTn xmlns:p14="http://schemas.microsoft.com/office/powerpoint/2010/main" id="1" dur="indefinite" restart="never" nodeType="tmRoot"/>
+        <p:cTn id="1" dur="indefinite" restart="never" nodeType="tmRoot"/>
+      </p:par>
+    </p:tnLst>
+  </p:timing>
+</p:sld>
+</file>
+
+<file path=ppt/slides/slide8.xml><?xml version="1.0" encoding="utf-8"?>
+<p:sld xmlns:a="http://schemas.openxmlformats.org/drawingml/2006/main" xmlns:r="http://schemas.openxmlformats.org/officeDocument/2006/relationships" xmlns:p="http://schemas.openxmlformats.org/presentationml/2006/main">
+  <p:cSld>
+    <p:spTree>
+      <p:nvGrpSpPr>
+        <p:cNvPr id="1" name=""/>
+        <p:cNvGrpSpPr/>
+        <p:nvPr/>
+      </p:nvGrpSpPr>
+      <p:grpSpPr>
+        <a:xfrm>
+          <a:off x="0" y="0"/>
+          <a:ext cx="0" cy="0"/>
+          <a:chOff x="0" y="0"/>
+          <a:chExt cx="0" cy="0"/>
+        </a:xfrm>
+      </p:grpSpPr>
+      <p:sp>
+        <p:nvSpPr>
+          <p:cNvPr id="5" name="内容占位符 4"/>
+          <p:cNvSpPr>
+            <a:spLocks noGrp="1"/>
+          </p:cNvSpPr>
+          <p:nvPr>
+            <p:ph idx="1"/>
+          </p:nvPr>
+        </p:nvSpPr>
+        <p:spPr>
+          <a:xfrm>
+            <a:off x="872067" y="1856096"/>
+            <a:ext cx="7408333" cy="4260061"/>
+          </a:xfrm>
+        </p:spPr>
+        <p:txBody>
+          <a:bodyPr>
+            <a:normAutofit/>
+          </a:bodyPr>
+          <a:lstStyle/>
+          <a:p>
+            <a:pPr>
+              <a:buFont typeface="Wingdings" charset="2"/>
+              <a:buChar char="Ø"/>
+            </a:pPr>
+            <a:r>
+              <a:rPr kumimoji="1" lang="zh-CN" altLang="en-US" sz="2000" dirty="0" smtClean="0">
+                <a:latin typeface="+mj-ea"/>
+                <a:ea typeface="+mj-ea"/>
+                <a:cs typeface="Heiti SC Light"/>
+              </a:rPr>
+              <a:t>通</a:t>
+            </a:r>
+            <a:r>
+              <a:rPr kumimoji="1" lang="zh-CN" altLang="en-US" sz="2000" dirty="0" smtClean="0">
+                <a:latin typeface="+mj-ea"/>
+                <a:ea typeface="+mj-ea"/>
+                <a:cs typeface="Heiti SC Light"/>
+              </a:rPr>
+              <a:t>过</a:t>
+            </a:r>
+            <a:r>
+              <a:rPr kumimoji="1" lang="en-US" altLang="zh-CN" sz="2000" dirty="0" smtClean="0">
+                <a:latin typeface="+mj-ea"/>
+                <a:ea typeface="+mj-ea"/>
+                <a:cs typeface="Heiti SC Light"/>
+              </a:rPr>
+              <a:t>consumes</a:t>
+            </a:r>
+            <a:endParaRPr kumimoji="1" lang="en-US" altLang="zh-CN" sz="2000" dirty="0" smtClean="0">
+              <a:latin typeface="+mj-ea"/>
+              <a:ea typeface="+mj-ea"/>
+              <a:cs typeface="Heiti SC Light"/>
+            </a:endParaRPr>
+          </a:p>
+          <a:p>
+            <a:pPr lvl="1">
+              <a:buFont typeface="Wingdings" charset="2"/>
+              <a:buChar char="Ø"/>
+            </a:pPr>
+            <a:r>
+              <a:rPr kumimoji="1" lang="en-US" altLang="zh-CN" sz="1800" dirty="0">
+                <a:latin typeface="+mj-ea"/>
+                <a:ea typeface="+mj-ea"/>
+                <a:cs typeface="Heiti SC Light"/>
+              </a:rPr>
+              <a:t>@</a:t>
+            </a:r>
+            <a:r>
+              <a:rPr kumimoji="1" lang="en-US" altLang="zh-CN" sz="1800" dirty="0" err="1">
+                <a:latin typeface="+mj-ea"/>
+                <a:ea typeface="+mj-ea"/>
+                <a:cs typeface="Heiti SC Light"/>
+              </a:rPr>
+              <a:t>RequestMapping</a:t>
+            </a:r>
+            <a:r>
+              <a:rPr kumimoji="1" lang="en-US" altLang="zh-CN" sz="1800" dirty="0">
+                <a:latin typeface="+mj-ea"/>
+                <a:ea typeface="+mj-ea"/>
+                <a:cs typeface="Heiti SC Light"/>
+              </a:rPr>
+              <a:t>(value = "/mapping/consumes", consumes = </a:t>
+            </a:r>
+            <a:r>
+              <a:rPr kumimoji="1" lang="en-US" altLang="zh-CN" sz="1800" dirty="0" err="1">
+                <a:latin typeface="+mj-ea"/>
+                <a:ea typeface="+mj-ea"/>
+                <a:cs typeface="Heiti SC Light"/>
+              </a:rPr>
+              <a:t>MediaType</a:t>
+            </a:r>
+            <a:r>
+              <a:rPr kumimoji="1" lang="en-US" altLang="zh-CN" sz="1800" dirty="0">
+                <a:latin typeface="+mj-ea"/>
+                <a:ea typeface="+mj-ea"/>
+                <a:cs typeface="Heiti SC Light"/>
+              </a:rPr>
+              <a:t>. APPLICATION_JSON_VALUE</a:t>
+            </a:r>
+            <a:r>
+              <a:rPr kumimoji="1" lang="en-US" altLang="zh-CN" sz="1800" dirty="0" smtClean="0">
+                <a:latin typeface="+mj-ea"/>
+                <a:ea typeface="+mj-ea"/>
+                <a:cs typeface="Heiti SC Light"/>
+              </a:rPr>
+              <a:t>)</a:t>
+            </a:r>
+          </a:p>
+          <a:p>
+            <a:pPr lvl="1">
+              <a:buFont typeface="Wingdings" charset="2"/>
+              <a:buChar char="Ø"/>
+            </a:pPr>
+            <a:r>
+              <a:rPr kumimoji="1" lang="en-US" altLang="zh-CN" sz="1800" dirty="0" smtClean="0">
+                <a:latin typeface="+mj-ea"/>
+                <a:ea typeface="+mj-ea"/>
+                <a:cs typeface="Heiti SC Light"/>
+              </a:rPr>
+              <a:t>Request</a:t>
+            </a:r>
+            <a:r>
+              <a:rPr kumimoji="1" lang="zh-CN" altLang="en-US" sz="1800" dirty="0" smtClean="0">
+                <a:latin typeface="+mj-ea"/>
+                <a:ea typeface="+mj-ea"/>
+                <a:cs typeface="Heiti SC Light"/>
+              </a:rPr>
+              <a:t>的</a:t>
+            </a:r>
+            <a:r>
+              <a:rPr kumimoji="1" lang="en-US" altLang="zh-CN" sz="1800" dirty="0" smtClean="0">
+                <a:latin typeface="+mj-ea"/>
+                <a:ea typeface="+mj-ea"/>
+                <a:cs typeface="Heiti SC Light"/>
+              </a:rPr>
+              <a:t>Content-Type</a:t>
+            </a:r>
+          </a:p>
+          <a:p>
+            <a:pPr lvl="2">
+              <a:buFont typeface="Wingdings" charset="2"/>
+              <a:buChar char="Ø"/>
+            </a:pPr>
+            <a:endParaRPr kumimoji="1" lang="en-US" altLang="zh-CN" sz="1600" dirty="0" smtClean="0">
+              <a:latin typeface="+mj-ea"/>
+              <a:ea typeface="+mj-ea"/>
+              <a:cs typeface="Heiti SC Light"/>
+            </a:endParaRPr>
+          </a:p>
+          <a:p>
+            <a:pPr>
+              <a:buFont typeface="Wingdings" charset="2"/>
+              <a:buChar char="Ø"/>
+            </a:pPr>
+            <a:r>
+              <a:rPr kumimoji="1" lang="zh-CN" altLang="en-US" sz="2000" dirty="0">
+                <a:latin typeface="+mj-ea"/>
+                <a:cs typeface="Heiti SC Light"/>
+              </a:rPr>
+              <a:t>通过</a:t>
+            </a:r>
+            <a:r>
+              <a:rPr kumimoji="1" lang="en-US" altLang="zh-CN" sz="2000" dirty="0" smtClean="0">
+                <a:latin typeface="+mj-ea"/>
+                <a:cs typeface="Heiti SC Light"/>
+              </a:rPr>
+              <a:t>produces</a:t>
+            </a:r>
+            <a:endParaRPr kumimoji="1" lang="en-US" altLang="zh-CN" sz="2000" dirty="0" smtClean="0">
+              <a:latin typeface="+mj-ea"/>
+              <a:ea typeface="+mj-ea"/>
+              <a:cs typeface="Heiti SC Light"/>
+            </a:endParaRPr>
+          </a:p>
+          <a:p>
+            <a:pPr lvl="1">
+              <a:buFont typeface="Wingdings" charset="2"/>
+              <a:buChar char="Ø"/>
+            </a:pPr>
+            <a:r>
+              <a:rPr kumimoji="1" lang="en-US" altLang="zh-CN" sz="1800" dirty="0">
+                <a:latin typeface="+mj-ea"/>
+                <a:cs typeface="Heiti SC Light"/>
+              </a:rPr>
+              <a:t>@</a:t>
+            </a:r>
+            <a:r>
+              <a:rPr kumimoji="1" lang="en-US" altLang="zh-CN" sz="1800" dirty="0" err="1">
+                <a:latin typeface="+mj-ea"/>
+                <a:cs typeface="Heiti SC Light"/>
+              </a:rPr>
+              <a:t>RequestMapping</a:t>
+            </a:r>
+            <a:r>
+              <a:rPr kumimoji="1" lang="en-US" altLang="zh-CN" sz="1800" dirty="0">
+                <a:latin typeface="+mj-ea"/>
+                <a:cs typeface="Heiti SC Light"/>
+              </a:rPr>
+              <a:t>(value = "/mapping/produces", produces = </a:t>
+            </a:r>
+            <a:r>
+              <a:rPr kumimoji="1" lang="en-US" altLang="zh-CN" sz="1800" dirty="0" err="1">
+                <a:latin typeface="+mj-ea"/>
+                <a:cs typeface="Heiti SC Light"/>
+              </a:rPr>
+              <a:t>MediaType</a:t>
+            </a:r>
+            <a:r>
+              <a:rPr kumimoji="1" lang="en-US" altLang="zh-CN" sz="1800" dirty="0">
+                <a:latin typeface="+mj-ea"/>
+                <a:cs typeface="Heiti SC Light"/>
+              </a:rPr>
+              <a:t>. APPLICATION_XML_VALUE</a:t>
+            </a:r>
+            <a:r>
+              <a:rPr kumimoji="1" lang="en-US" altLang="zh-CN" sz="1800" dirty="0" smtClean="0">
+                <a:latin typeface="+mj-ea"/>
+                <a:cs typeface="Heiti SC Light"/>
+              </a:rPr>
+              <a:t>)</a:t>
+            </a:r>
+          </a:p>
+          <a:p>
+            <a:pPr lvl="1">
+              <a:buFont typeface="Wingdings" charset="2"/>
+              <a:buChar char="Ø"/>
+            </a:pPr>
+            <a:r>
+              <a:rPr kumimoji="1" lang="en-US" altLang="zh-CN" sz="1800" dirty="0" smtClean="0">
+                <a:latin typeface="+mj-ea"/>
+                <a:cs typeface="Heiti SC Light"/>
+              </a:rPr>
+              <a:t>Request</a:t>
+            </a:r>
+            <a:r>
+              <a:rPr kumimoji="1" lang="zh-CN" altLang="en-US" sz="1800" dirty="0" smtClean="0">
+                <a:latin typeface="+mj-ea"/>
+                <a:cs typeface="Heiti SC Light"/>
+              </a:rPr>
+              <a:t>的</a:t>
+            </a:r>
+            <a:r>
+              <a:rPr kumimoji="1" lang="en-US" altLang="zh-CN" sz="1800" dirty="0" smtClean="0">
+                <a:latin typeface="+mj-ea"/>
+                <a:cs typeface="Heiti SC Light"/>
+              </a:rPr>
+              <a:t>Accept</a:t>
+            </a:r>
+            <a:endParaRPr kumimoji="1" lang="en-US" altLang="zh-CN" sz="1800" dirty="0">
+              <a:latin typeface="+mj-ea"/>
+              <a:cs typeface="Heiti SC Light"/>
+            </a:endParaRPr>
+          </a:p>
+        </p:txBody>
+      </p:sp>
+      <p:sp>
+        <p:nvSpPr>
+          <p:cNvPr id="2" name="标题 1"/>
+          <p:cNvSpPr>
+            <a:spLocks noGrp="1"/>
+          </p:cNvSpPr>
+          <p:nvPr>
+            <p:ph type="title"/>
+          </p:nvPr>
+        </p:nvSpPr>
+        <p:spPr/>
+        <p:txBody>
+          <a:bodyPr/>
+          <a:lstStyle/>
+          <a:p>
+            <a:r>
+              <a:rPr kumimoji="1" lang="en-US" altLang="zh-CN" dirty="0">
+                <a:latin typeface="+mj-ea"/>
+                <a:cs typeface="Heiti SC Light"/>
+              </a:rPr>
+              <a:t>consumes / produces</a:t>
+            </a:r>
+            <a:endParaRPr kumimoji="1" lang="zh-CN" altLang="en-US" dirty="0">
+              <a:latin typeface="华文新魏" panose="02010800040101010101" pitchFamily="2" charset="-122"/>
+              <a:ea typeface="华文新魏" panose="02010800040101010101" pitchFamily="2" charset="-122"/>
+              <a:cs typeface="Heiti SC Light"/>
+            </a:endParaRPr>
+          </a:p>
+        </p:txBody>
+      </p:sp>
+    </p:spTree>
+    <p:extLst>
+      <p:ext uri="{BB962C8B-B14F-4D97-AF65-F5344CB8AC3E}">
+        <p14:creationId xmlns:p14="http://schemas.microsoft.com/office/powerpoint/2010/main" val="2179122861"/>
+      </p:ext>
+    </p:extLst>
+  </p:cSld>
+  <p:clrMapOvr>
+    <a:masterClrMapping/>
+  </p:clrMapOvr>
+  <p:timing>
+    <p:tnLst>
+      <p:par>
+        <p:cTn id="1" dur="indefinite" restart="never" nodeType="tmRoot"/>
+      </p:par>
+    </p:tnLst>
+  </p:timing>
+</p:sld>
+</file>
+
+<file path=ppt/slides/slide9.xml><?xml version="1.0" encoding="utf-8"?>
+<p:sld xmlns:a="http://schemas.openxmlformats.org/drawingml/2006/main" xmlns:r="http://schemas.openxmlformats.org/officeDocument/2006/relationships" xmlns:p="http://schemas.openxmlformats.org/presentationml/2006/main">
+  <p:cSld>
+    <p:spTree>
+      <p:nvGrpSpPr>
+        <p:cNvPr id="1" name=""/>
+        <p:cNvGrpSpPr/>
+        <p:nvPr/>
+      </p:nvGrpSpPr>
+      <p:grpSpPr>
+        <a:xfrm>
+          <a:off x="0" y="0"/>
+          <a:ext cx="0" cy="0"/>
+          <a:chOff x="0" y="0"/>
+          <a:chExt cx="0" cy="0"/>
+        </a:xfrm>
+      </p:grpSpPr>
+      <p:sp>
+        <p:nvSpPr>
+          <p:cNvPr id="5" name="内容占位符 4"/>
+          <p:cNvSpPr>
+            <a:spLocks noGrp="1"/>
+          </p:cNvSpPr>
+          <p:nvPr>
+            <p:ph idx="1"/>
+          </p:nvPr>
+        </p:nvSpPr>
+        <p:spPr>
+          <a:xfrm>
+            <a:off x="872067" y="1856097"/>
+            <a:ext cx="7408333" cy="668740"/>
+          </a:xfrm>
+        </p:spPr>
+        <p:txBody>
+          <a:bodyPr>
+            <a:normAutofit/>
+          </a:bodyPr>
+          <a:lstStyle/>
+          <a:p>
+            <a:pPr>
+              <a:buFont typeface="Wingdings" charset="2"/>
+              <a:buChar char="Ø"/>
+            </a:pPr>
+            <a:r>
+              <a:rPr kumimoji="1" lang="en-US" altLang="zh-CN" sz="2000" dirty="0" smtClean="0">
+                <a:latin typeface="+mj-ea"/>
+                <a:ea typeface="+mj-ea"/>
+                <a:cs typeface="Heiti SC Light"/>
+              </a:rPr>
+              <a:t>Class Level Mapping</a:t>
+            </a:r>
+            <a:endParaRPr kumimoji="1" lang="en-US" altLang="zh-CN" sz="1800" dirty="0">
+              <a:latin typeface="+mj-ea"/>
+              <a:cs typeface="Heiti SC Light"/>
+            </a:endParaRPr>
+          </a:p>
+        </p:txBody>
+      </p:sp>
+      <p:sp>
+        <p:nvSpPr>
+          <p:cNvPr id="2" name="标题 1"/>
+          <p:cNvSpPr>
+            <a:spLocks noGrp="1"/>
+          </p:cNvSpPr>
+          <p:nvPr>
+            <p:ph type="title"/>
+          </p:nvPr>
+        </p:nvSpPr>
+        <p:spPr/>
+        <p:txBody>
+          <a:bodyPr/>
+          <a:lstStyle/>
+          <a:p>
+            <a:r>
+              <a:rPr kumimoji="1" lang="en-US" altLang="zh-CN" dirty="0">
+                <a:latin typeface="+mj-ea"/>
+                <a:cs typeface="Heiti SC Light"/>
+              </a:rPr>
+              <a:t>Class Level Mapping</a:t>
+            </a:r>
+            <a:endParaRPr kumimoji="1" lang="zh-CN" altLang="en-US" dirty="0">
+              <a:latin typeface="华文新魏" panose="02010800040101010101" pitchFamily="2" charset="-122"/>
+              <a:ea typeface="华文新魏" panose="02010800040101010101" pitchFamily="2" charset="-122"/>
+              <a:cs typeface="Heiti SC Light"/>
+            </a:endParaRPr>
+          </a:p>
+        </p:txBody>
+      </p:sp>
+      <p:sp>
+        <p:nvSpPr>
+          <p:cNvPr id="3" name="Rectangle 2"/>
+          <p:cNvSpPr/>
+          <p:nvPr/>
+        </p:nvSpPr>
+        <p:spPr>
+          <a:xfrm>
+            <a:off x="872067" y="2552133"/>
+            <a:ext cx="8072650" cy="2862322"/>
+          </a:xfrm>
+          <a:prstGeom prst="rect">
+            <a:avLst/>
+          </a:prstGeom>
+        </p:spPr>
+        <p:txBody>
+          <a:bodyPr wrap="square">
+            <a:spAutoFit/>
+          </a:bodyPr>
+          <a:lstStyle/>
+          <a:p>
+            <a:r>
+              <a:rPr kumimoji="1" lang="en-US" altLang="zh-CN" dirty="0">
+                <a:latin typeface="Courier New" panose="02070309020205020404" pitchFamily="49" charset="0"/>
+                <a:cs typeface="Courier New" panose="02070309020205020404" pitchFamily="49" charset="0"/>
+              </a:rPr>
+              <a:t>@Controller</a:t>
+            </a:r>
+          </a:p>
+          <a:p>
+            <a:r>
+              <a:rPr kumimoji="1" lang="en-US" altLang="zh-CN" dirty="0">
+                <a:latin typeface="Courier New" panose="02070309020205020404" pitchFamily="49" charset="0"/>
+                <a:cs typeface="Courier New" panose="02070309020205020404" pitchFamily="49" charset="0"/>
+              </a:rPr>
+              <a:t>@</a:t>
+            </a:r>
+            <a:r>
+              <a:rPr kumimoji="1" lang="en-US" altLang="zh-CN" dirty="0" err="1">
+                <a:latin typeface="Courier New" panose="02070309020205020404" pitchFamily="49" charset="0"/>
+                <a:cs typeface="Courier New" panose="02070309020205020404" pitchFamily="49" charset="0"/>
+              </a:rPr>
+              <a:t>RequestMapping</a:t>
+            </a:r>
+            <a:r>
+              <a:rPr kumimoji="1" lang="en-US" altLang="zh-CN" dirty="0">
+                <a:latin typeface="Courier New" panose="02070309020205020404" pitchFamily="49" charset="0"/>
+                <a:cs typeface="Courier New" panose="02070309020205020404" pitchFamily="49" charset="0"/>
+              </a:rPr>
+              <a:t>("/accounts/*")</a:t>
+            </a:r>
+          </a:p>
+          <a:p>
+            <a:r>
+              <a:rPr kumimoji="1" lang="en-US" altLang="zh-CN" dirty="0">
+                <a:latin typeface="Courier New" panose="02070309020205020404" pitchFamily="49" charset="0"/>
+                <a:cs typeface="Courier New" panose="02070309020205020404" pitchFamily="49" charset="0"/>
+              </a:rPr>
+              <a:t>public class </a:t>
+            </a:r>
+            <a:r>
+              <a:rPr kumimoji="1" lang="en-US" altLang="zh-CN" dirty="0" err="1">
+                <a:latin typeface="Courier New" panose="02070309020205020404" pitchFamily="49" charset="0"/>
+                <a:cs typeface="Courier New" panose="02070309020205020404" pitchFamily="49" charset="0"/>
+              </a:rPr>
+              <a:t>AccountsController</a:t>
+            </a:r>
+            <a:r>
+              <a:rPr kumimoji="1" lang="en-US" altLang="zh-CN" dirty="0">
+                <a:latin typeface="Courier New" panose="02070309020205020404" pitchFamily="49" charset="0"/>
+                <a:cs typeface="Courier New" panose="02070309020205020404" pitchFamily="49" charset="0"/>
+              </a:rPr>
+              <a:t> {</a:t>
+            </a:r>
+          </a:p>
+          <a:p>
+            <a:endParaRPr kumimoji="1" lang="en-US" altLang="zh-CN" dirty="0">
+              <a:latin typeface="Courier New" panose="02070309020205020404" pitchFamily="49" charset="0"/>
+              <a:cs typeface="Courier New" panose="02070309020205020404" pitchFamily="49" charset="0"/>
+            </a:endParaRPr>
+          </a:p>
+          <a:p>
+            <a:r>
+              <a:rPr kumimoji="1" lang="en-US" altLang="zh-CN" dirty="0">
+                <a:latin typeface="Courier New" panose="02070309020205020404" pitchFamily="49" charset="0"/>
+                <a:cs typeface="Courier New" panose="02070309020205020404" pitchFamily="49" charset="0"/>
+              </a:rPr>
+              <a:t>    @</a:t>
+            </a:r>
+            <a:r>
+              <a:rPr kumimoji="1" lang="en-US" altLang="zh-CN" dirty="0" err="1">
+                <a:latin typeface="Courier New" panose="02070309020205020404" pitchFamily="49" charset="0"/>
+                <a:cs typeface="Courier New" panose="02070309020205020404" pitchFamily="49" charset="0"/>
+              </a:rPr>
+              <a:t>RequestMapping</a:t>
+            </a:r>
+            <a:r>
+              <a:rPr kumimoji="1" lang="en-US" altLang="zh-CN" dirty="0">
+                <a:latin typeface="Courier New" panose="02070309020205020404" pitchFamily="49" charset="0"/>
+                <a:cs typeface="Courier New" panose="02070309020205020404" pitchFamily="49" charset="0"/>
+              </a:rPr>
+              <a:t>("active")</a:t>
+            </a:r>
+          </a:p>
+          <a:p>
+            <a:r>
+              <a:rPr kumimoji="1" lang="en-US" altLang="zh-CN" dirty="0">
+                <a:latin typeface="Courier New" panose="02070309020205020404" pitchFamily="49" charset="0"/>
+                <a:cs typeface="Courier New" panose="02070309020205020404" pitchFamily="49" charset="0"/>
+              </a:rPr>
+              <a:t>    public @</a:t>
+            </a:r>
+            <a:r>
+              <a:rPr kumimoji="1" lang="en-US" altLang="zh-CN" dirty="0" err="1">
+                <a:latin typeface="Courier New" panose="02070309020205020404" pitchFamily="49" charset="0"/>
+                <a:cs typeface="Courier New" panose="02070309020205020404" pitchFamily="49" charset="0"/>
+              </a:rPr>
+              <a:t>ResponseBody</a:t>
+            </a:r>
+            <a:r>
+              <a:rPr kumimoji="1" lang="en-US" altLang="zh-CN" dirty="0">
+                <a:latin typeface="Courier New" panose="02070309020205020404" pitchFamily="49" charset="0"/>
+                <a:cs typeface="Courier New" panose="02070309020205020404" pitchFamily="49" charset="0"/>
+              </a:rPr>
+              <a:t> List&lt;Account&gt; active() { + }</a:t>
+            </a:r>
+          </a:p>
+          <a:p>
+            <a:endParaRPr kumimoji="1" lang="en-US" altLang="zh-CN" dirty="0">
+              <a:latin typeface="Courier New" panose="02070309020205020404" pitchFamily="49" charset="0"/>
+              <a:cs typeface="Courier New" panose="02070309020205020404" pitchFamily="49" charset="0"/>
+            </a:endParaRPr>
+          </a:p>
+          <a:p>
+            <a:r>
+              <a:rPr kumimoji="1" lang="en-US" altLang="zh-CN" dirty="0">
+                <a:latin typeface="Courier New" panose="02070309020205020404" pitchFamily="49" charset="0"/>
+                <a:cs typeface="Courier New" panose="02070309020205020404" pitchFamily="49" charset="0"/>
+              </a:rPr>
+              <a:t>    @</a:t>
+            </a:r>
+            <a:r>
+              <a:rPr kumimoji="1" lang="en-US" altLang="zh-CN" dirty="0" err="1">
+                <a:latin typeface="Courier New" panose="02070309020205020404" pitchFamily="49" charset="0"/>
+                <a:cs typeface="Courier New" panose="02070309020205020404" pitchFamily="49" charset="0"/>
+              </a:rPr>
+              <a:t>RequestMapping</a:t>
+            </a:r>
+            <a:r>
+              <a:rPr kumimoji="1" lang="en-US" altLang="zh-CN" dirty="0">
+                <a:latin typeface="Courier New" panose="02070309020205020404" pitchFamily="49" charset="0"/>
+                <a:cs typeface="Courier New" panose="02070309020205020404" pitchFamily="49" charset="0"/>
+              </a:rPr>
+              <a:t>("inactive")</a:t>
+            </a:r>
+          </a:p>
+          <a:p>
+            <a:r>
+              <a:rPr kumimoji="1" lang="en-US" altLang="zh-CN" dirty="0">
+                <a:latin typeface="Courier New" panose="02070309020205020404" pitchFamily="49" charset="0"/>
+                <a:cs typeface="Courier New" panose="02070309020205020404" pitchFamily="49" charset="0"/>
+              </a:rPr>
+              <a:t>    public @</a:t>
+            </a:r>
+            <a:r>
+              <a:rPr kumimoji="1" lang="en-US" altLang="zh-CN" dirty="0" err="1">
+                <a:latin typeface="Courier New" panose="02070309020205020404" pitchFamily="49" charset="0"/>
+                <a:cs typeface="Courier New" panose="02070309020205020404" pitchFamily="49" charset="0"/>
+              </a:rPr>
+              <a:t>ResponseBody</a:t>
+            </a:r>
+            <a:r>
+              <a:rPr kumimoji="1" lang="en-US" altLang="zh-CN" dirty="0">
+                <a:latin typeface="Courier New" panose="02070309020205020404" pitchFamily="49" charset="0"/>
+                <a:cs typeface="Courier New" panose="02070309020205020404" pitchFamily="49" charset="0"/>
+              </a:rPr>
+              <a:t> List&lt;Account&gt; inactive() { + }</a:t>
+            </a:r>
+          </a:p>
+          <a:p>
+            <a:r>
+              <a:rPr kumimoji="1" lang="en-US" altLang="zh-CN" dirty="0">
+                <a:latin typeface="Courier New" panose="02070309020205020404" pitchFamily="49" charset="0"/>
+                <a:cs typeface="Courier New" panose="02070309020205020404" pitchFamily="49" charset="0"/>
+              </a:rPr>
+              <a:t>}</a:t>
+            </a:r>
+          </a:p>
+        </p:txBody>
+      </p:sp>
+    </p:spTree>
+    <p:extLst>
+      <p:ext uri="{BB962C8B-B14F-4D97-AF65-F5344CB8AC3E}">
+        <p14:creationId xmlns:p14="http://schemas.microsoft.com/office/powerpoint/2010/main" val="2631304343"/>
+      </p:ext>
+    </p:extLst>
+  </p:cSld>
+  <p:clrMapOvr>
+    <a:masterClrMapping/>
+  </p:clrMapOvr>
+  <p:timing>
+    <p:tnLst>
+      <p:par>
+        <p:cTn id="1" dur="indefinite" restart="never" nodeType="tmRoot"/>
       </p:par>
     </p:tnLst>
   </p:timing>

--- a/SpringMVC3.pptx
+++ b/SpringMVC3.pptx
@@ -21,6 +21,7 @@
     <p:sldId id="269" r:id="rId15"/>
     <p:sldId id="270" r:id="rId16"/>
     <p:sldId id="271" r:id="rId17"/>
+    <p:sldId id="272" r:id="rId18"/>
   </p:sldIdLst>
   <p:sldSz cx="9144000" cy="6858000" type="screen4x3"/>
   <p:notesSz cx="6858000" cy="9144000"/>
@@ -1935,7 +1936,7 @@
             <a:fld id="{E30E2307-1E40-4E12-8716-25BFDA8E7013}" type="datetime1">
               <a:rPr lang="en-US" smtClean="0"/>
               <a:pPr/>
-              <a:t>10/14/2013</a:t>
+              <a:t>13-10-14</a:t>
             </a:fld>
             <a:endParaRPr lang="en-US"/>
           </a:p>
@@ -2118,7 +2119,7 @@
             <a:fld id="{E5CFCF5A-EA79-452C-A52C-1A2668C2E7DF}" type="datetime1">
               <a:rPr lang="en-US" smtClean="0"/>
               <a:pPr/>
-              <a:t>10/14/2013</a:t>
+              <a:t>13-10-14</a:t>
             </a:fld>
             <a:endParaRPr lang="en-US"/>
           </a:p>
@@ -2271,7 +2272,7 @@
             <a:fld id="{2E5C4C28-BD4B-4892-9A2D-6E19BD753A9A}" type="datetime1">
               <a:rPr lang="en-US" smtClean="0"/>
               <a:pPr/>
-              <a:t>10/14/2013</a:t>
+              <a:t>13-10-14</a:t>
             </a:fld>
             <a:endParaRPr lang="en-US"/>
           </a:p>
@@ -4099,7 +4100,7 @@
             <a:fld id="{61FD9D02-426E-46C9-9EE9-0DE1EF8B2838}" type="datetime1">
               <a:rPr lang="en-US" smtClean="0"/>
               <a:pPr/>
-              <a:t>10/14/2013</a:t>
+              <a:t>13-10-14</a:t>
             </a:fld>
             <a:endParaRPr lang="en-US"/>
           </a:p>
@@ -5971,7 +5972,7 @@
             <a:fld id="{7B8AEBBE-F8B2-42CF-9895-E86A608384EB}" type="datetime1">
               <a:rPr lang="en-US" smtClean="0"/>
               <a:pPr/>
-              <a:t>10/14/2013</a:t>
+              <a:t>13-10-14</a:t>
             </a:fld>
             <a:endParaRPr lang="en-US"/>
           </a:p>
@@ -6086,7 +6087,7 @@
             <a:fld id="{E1FAA6B6-10E5-4810-BC9F-DA72D8452E73}" type="datetime1">
               <a:rPr lang="en-US" smtClean="0"/>
               <a:pPr/>
-              <a:t>10/14/2013</a:t>
+              <a:t>13-10-14</a:t>
             </a:fld>
             <a:endParaRPr lang="en-US"/>
           </a:p>
@@ -6629,7 +6630,7 @@
             <a:fld id="{6D18D072-EF12-4AA2-BD71-ABC68B06D0E2}" type="datetime1">
               <a:rPr lang="en-US" smtClean="0"/>
               <a:pPr/>
-              <a:t>10/14/2013</a:t>
+              <a:t>13-10-14</a:t>
             </a:fld>
             <a:endParaRPr lang="en-US"/>
           </a:p>
@@ -6744,7 +6745,7 @@
             <a:fld id="{B8CDBF60-6CC3-4B74-A60D-3486985E4346}" type="datetime1">
               <a:rPr lang="en-US" smtClean="0"/>
               <a:pPr/>
-              <a:t>10/14/2013</a:t>
+              <a:t>13-10-14</a:t>
             </a:fld>
             <a:endParaRPr lang="en-US"/>
           </a:p>
@@ -8457,7 +8458,7 @@
             <a:fld id="{22714818-984F-4759-BF72-A33BDC1963BD}" type="datetime1">
               <a:rPr lang="en-US" smtClean="0"/>
               <a:pPr/>
-              <a:t>10/14/2013</a:t>
+              <a:t>13-10-14</a:t>
             </a:fld>
             <a:endParaRPr lang="en-US"/>
           </a:p>
@@ -8610,7 +8611,7 @@
             <a:fld id="{9EA7E191-5F94-4FC1-B823-BD7CABF7FA06}" type="datetime1">
               <a:rPr lang="en-US" smtClean="0"/>
               <a:pPr/>
-              <a:t>10/14/2013</a:t>
+              <a:t>13-10-14</a:t>
             </a:fld>
             <a:endParaRPr lang="en-US"/>
           </a:p>
@@ -12227,7 +12228,7 @@
             <a:fld id="{88856D55-EFBE-4F9B-8A5F-09D42CA22A9B}" type="datetime1">
               <a:rPr lang="en-US" smtClean="0"/>
               <a:pPr/>
-              <a:t>10/14/2013</a:t>
+              <a:t>13-10-14</a:t>
             </a:fld>
             <a:endParaRPr lang="en-US"/>
           </a:p>
@@ -14088,7 +14089,7 @@
             <a:fld id="{9D1D110F-3F4E-48D9-B8AA-5D0E825AFDBA}" type="datetime1">
               <a:rPr lang="en-US" smtClean="0"/>
               <a:pPr/>
-              <a:t>10/14/2013</a:t>
+              <a:t>13-10-14</a:t>
             </a:fld>
             <a:endParaRPr lang="en-US"/>
           </a:p>
@@ -14709,7 +14710,7 @@
   <p:timing>
     <p:tnLst>
       <p:par>
-        <p:cTn id="1" dur="indefinite" restart="never" nodeType="tmRoot"/>
+        <p:cTn xmlns:p14="http://schemas.microsoft.com/office/powerpoint/2010/main" id="1" dur="indefinite" restart="never" nodeType="tmRoot"/>
       </p:par>
     </p:tnLst>
   </p:timing>
@@ -15057,7 +15058,7 @@
   <p:timing>
     <p:tnLst>
       <p:par>
-        <p:cTn id="1" dur="indefinite" restart="never" nodeType="tmRoot"/>
+        <p:cTn xmlns:p14="http://schemas.microsoft.com/office/powerpoint/2010/main" id="1" dur="indefinite" restart="never" nodeType="tmRoot"/>
       </p:par>
     </p:tnLst>
   </p:timing>
@@ -15701,7 +15702,7 @@
   <p:timing>
     <p:tnLst>
       <p:par>
-        <p:cTn id="1" dur="indefinite" restart="never" nodeType="tmRoot"/>
+        <p:cTn xmlns:p14="http://schemas.microsoft.com/office/powerpoint/2010/main" id="1" dur="indefinite" restart="never" nodeType="tmRoot"/>
       </p:par>
     </p:tnLst>
   </p:timing>
@@ -16007,7 +16008,7 @@
   <p:timing>
     <p:tnLst>
       <p:par>
-        <p:cTn id="1" dur="indefinite" restart="never" nodeType="tmRoot"/>
+        <p:cTn xmlns:p14="http://schemas.microsoft.com/office/powerpoint/2010/main" id="1" dur="indefinite" restart="never" nodeType="tmRoot"/>
       </p:par>
     </p:tnLst>
   </p:timing>
@@ -16197,7 +16198,7 @@
   <p:timing>
     <p:tnLst>
       <p:par>
-        <p:cTn id="1" dur="indefinite" restart="never" nodeType="tmRoot"/>
+        <p:cTn xmlns:p14="http://schemas.microsoft.com/office/powerpoint/2010/main" id="1" dur="indefinite" restart="never" nodeType="tmRoot"/>
       </p:par>
     </p:tnLst>
   </p:timing>
@@ -16498,7 +16499,7 @@
   <p:timing>
     <p:tnLst>
       <p:par>
-        <p:cTn id="1" dur="indefinite" restart="never" nodeType="tmRoot"/>
+        <p:cTn xmlns:p14="http://schemas.microsoft.com/office/powerpoint/2010/main" id="1" dur="indefinite" restart="never" nodeType="tmRoot"/>
       </p:par>
     </p:tnLst>
   </p:timing>
@@ -16653,15 +16654,7 @@
                 <a:ea typeface="+mj-ea"/>
                 <a:cs typeface="Heiti SC Light"/>
               </a:rPr>
-              <a:t>C</a:t>
-            </a:r>
-            <a:r>
-              <a:rPr kumimoji="1" lang="en-US" altLang="zh-CN" sz="2000" dirty="0" err="1" smtClean="0">
-                <a:latin typeface="+mj-ea"/>
-                <a:ea typeface="+mj-ea"/>
-                <a:cs typeface="Heiti SC Light"/>
-              </a:rPr>
-              <a:t>ontentType</a:t>
+              <a:t>ContentType</a:t>
             </a:r>
             <a:r>
               <a:rPr kumimoji="1" lang="zh-CN" altLang="en-US" sz="2000" dirty="0">
@@ -16818,13 +16811,228 @@
               <a:t>以自定义</a:t>
             </a:r>
             <a:r>
-              <a:rPr kumimoji="1" lang="en-US" altLang="zh-CN" sz="2000" dirty="0" err="1">
+              <a:rPr kumimoji="1" lang="en-US" altLang="zh-CN" sz="2000" dirty="0" err="1" smtClean="0">
                 <a:latin typeface="+mj-ea"/>
                 <a:cs typeface="Heiti SC Light"/>
               </a:rPr>
               <a:t>HttpMessageConverter</a:t>
             </a:r>
             <a:endParaRPr kumimoji="1" lang="en-US" altLang="zh-CN" sz="2000" dirty="0" smtClean="0">
+              <a:latin typeface="+mj-ea"/>
+              <a:cs typeface="Heiti SC Light"/>
+            </a:endParaRPr>
+          </a:p>
+          <a:p>
+            <a:pPr>
+              <a:buFont typeface="Wingdings" charset="2"/>
+              <a:buChar char="Ø"/>
+            </a:pPr>
+            <a:r>
+              <a:rPr kumimoji="1" lang="zh-CN" altLang="zh-CN" sz="2000" dirty="0" smtClean="0">
+                <a:latin typeface="+mj-ea"/>
+                <a:ea typeface="+mj-ea"/>
+                <a:cs typeface="Heiti SC Light"/>
+              </a:rPr>
+              <a:t>H</a:t>
+            </a:r>
+            <a:r>
+              <a:rPr kumimoji="1" lang="en-US" altLang="zh-CN" sz="2000" dirty="0" err="1" smtClean="0">
+                <a:latin typeface="+mj-ea"/>
+                <a:ea typeface="+mj-ea"/>
+                <a:cs typeface="Heiti SC Light"/>
+              </a:rPr>
+              <a:t>ttpMessageConverter</a:t>
+            </a:r>
+            <a:r>
+              <a:rPr kumimoji="1" lang="zh-CN" altLang="en-US" sz="2000" dirty="0" smtClean="0">
+                <a:latin typeface="+mj-ea"/>
+                <a:ea typeface="+mj-ea"/>
+                <a:cs typeface="Heiti SC Light"/>
+              </a:rPr>
+              <a:t>是对</a:t>
+            </a:r>
+            <a:r>
+              <a:rPr kumimoji="1" lang="en-US" altLang="zh-CN" sz="2000" dirty="0" smtClean="0">
+                <a:latin typeface="+mj-ea"/>
+                <a:ea typeface="+mj-ea"/>
+                <a:cs typeface="Heiti SC Light"/>
+              </a:rPr>
+              <a:t>Request</a:t>
+            </a:r>
+            <a:r>
+              <a:rPr kumimoji="1" lang="zh-CN" altLang="en-US" sz="2000" dirty="0" smtClean="0">
+                <a:latin typeface="+mj-ea"/>
+                <a:ea typeface="+mj-ea"/>
+                <a:cs typeface="Heiti SC Light"/>
+              </a:rPr>
+              <a:t>和</a:t>
+            </a:r>
+            <a:r>
+              <a:rPr kumimoji="1" lang="en-US" altLang="zh-CN" sz="2000" dirty="0" smtClean="0">
+                <a:latin typeface="+mj-ea"/>
+                <a:ea typeface="+mj-ea"/>
+                <a:cs typeface="Heiti SC Light"/>
+              </a:rPr>
+              <a:t>Response</a:t>
+            </a:r>
+            <a:r>
+              <a:rPr kumimoji="1" lang="zh-CN" altLang="en-US" sz="2000" dirty="0" smtClean="0">
+                <a:latin typeface="+mj-ea"/>
+                <a:ea typeface="+mj-ea"/>
+                <a:cs typeface="Heiti SC Light"/>
+              </a:rPr>
+              <a:t>的</a:t>
+            </a:r>
+            <a:r>
+              <a:rPr kumimoji="1" lang="en-US" altLang="zh-CN" sz="2000" dirty="0" smtClean="0">
+                <a:latin typeface="+mj-ea"/>
+                <a:ea typeface="+mj-ea"/>
+                <a:cs typeface="Heiti SC Light"/>
+              </a:rPr>
+              <a:t>Body</a:t>
+            </a:r>
+            <a:r>
+              <a:rPr kumimoji="1" lang="zh-CN" altLang="en-US" sz="2000" dirty="0" smtClean="0">
+                <a:latin typeface="+mj-ea"/>
+                <a:ea typeface="+mj-ea"/>
+                <a:cs typeface="Heiti SC Light"/>
+              </a:rPr>
+              <a:t>进行转换</a:t>
+            </a:r>
+            <a:r>
+              <a:rPr kumimoji="1" lang="en-US" altLang="zh-CN" sz="2000" dirty="0" smtClean="0">
+                <a:latin typeface="+mj-ea"/>
+                <a:ea typeface="+mj-ea"/>
+                <a:cs typeface="Heiti SC Light"/>
+              </a:rPr>
+              <a:t>(</a:t>
+            </a:r>
+            <a:r>
+              <a:rPr kumimoji="1" lang="zh-CN" altLang="en-US" sz="2000" dirty="0" smtClean="0">
+                <a:latin typeface="+mj-ea"/>
+                <a:ea typeface="+mj-ea"/>
+                <a:cs typeface="Heiti SC Light"/>
+              </a:rPr>
+              <a:t>即</a:t>
+            </a:r>
+            <a:r>
+              <a:rPr kumimoji="1" lang="en-US" altLang="zh-CN" sz="2000" dirty="0" smtClean="0">
+                <a:latin typeface="+mj-ea"/>
+                <a:ea typeface="+mj-ea"/>
+                <a:cs typeface="Heiti SC Light"/>
+              </a:rPr>
+              <a:t>@</a:t>
+            </a:r>
+            <a:r>
+              <a:rPr kumimoji="1" lang="en-US" altLang="zh-CN" sz="2000" dirty="0" err="1" smtClean="0">
+                <a:latin typeface="+mj-ea"/>
+                <a:ea typeface="+mj-ea"/>
+                <a:cs typeface="Heiti SC Light"/>
+              </a:rPr>
+              <a:t>RequestBody</a:t>
+            </a:r>
+            <a:r>
+              <a:rPr kumimoji="1" lang="zh-CN" altLang="en-US" sz="2000" dirty="0" smtClean="0">
+                <a:latin typeface="+mj-ea"/>
+                <a:ea typeface="+mj-ea"/>
+                <a:cs typeface="Heiti SC Light"/>
+              </a:rPr>
+              <a:t>和</a:t>
+            </a:r>
+            <a:r>
+              <a:rPr kumimoji="1" lang="en-US" altLang="zh-CN" sz="2000" dirty="0" smtClean="0">
+                <a:latin typeface="+mj-ea"/>
+                <a:ea typeface="+mj-ea"/>
+                <a:cs typeface="Heiti SC Light"/>
+              </a:rPr>
+              <a:t>@</a:t>
+            </a:r>
+            <a:r>
+              <a:rPr kumimoji="1" lang="en-US" altLang="zh-CN" sz="2000" dirty="0" err="1" smtClean="0">
+                <a:latin typeface="+mj-ea"/>
+                <a:ea typeface="+mj-ea"/>
+                <a:cs typeface="Heiti SC Light"/>
+              </a:rPr>
+              <a:t>ResponseBody</a:t>
+            </a:r>
+            <a:r>
+              <a:rPr kumimoji="1" lang="zh-CN" altLang="en-US" sz="2000" dirty="0" smtClean="0">
+                <a:latin typeface="+mj-ea"/>
+                <a:ea typeface="+mj-ea"/>
+                <a:cs typeface="Heiti SC Light"/>
+              </a:rPr>
+              <a:t>标注的部分</a:t>
+            </a:r>
+            <a:r>
+              <a:rPr kumimoji="1" lang="en-US" altLang="zh-CN" sz="2000" dirty="0" smtClean="0">
+                <a:latin typeface="+mj-ea"/>
+                <a:ea typeface="+mj-ea"/>
+                <a:cs typeface="Heiti SC Light"/>
+              </a:rPr>
+              <a:t>)</a:t>
+            </a:r>
+            <a:endParaRPr kumimoji="1" lang="en-US" altLang="zh-CN" sz="2000" dirty="0">
+              <a:latin typeface="+mj-ea"/>
+              <a:ea typeface="+mj-ea"/>
+              <a:cs typeface="Heiti SC Light"/>
+            </a:endParaRPr>
+          </a:p>
+          <a:p>
+            <a:pPr>
+              <a:buFont typeface="Wingdings" charset="2"/>
+              <a:buChar char="Ø"/>
+            </a:pPr>
+            <a:r>
+              <a:rPr kumimoji="1" lang="zh-CN" altLang="en-US" sz="2000" dirty="0" smtClean="0">
+                <a:latin typeface="+mj-ea"/>
+                <a:ea typeface="+mj-ea"/>
+                <a:cs typeface="Heiti SC Light"/>
+              </a:rPr>
+              <a:t>调用</a:t>
+            </a:r>
+            <a:r>
+              <a:rPr kumimoji="1" lang="en-US" altLang="zh-CN" sz="2000" dirty="0" err="1" smtClean="0">
+                <a:latin typeface="+mj-ea"/>
+                <a:ea typeface="+mj-ea"/>
+                <a:cs typeface="Heiti SC Light"/>
+              </a:rPr>
+              <a:t>HttpMessageConverter</a:t>
+            </a:r>
+            <a:r>
+              <a:rPr kumimoji="1" lang="zh-CN" altLang="en-US" sz="2000" dirty="0" smtClean="0">
+                <a:latin typeface="+mj-ea"/>
+                <a:ea typeface="+mj-ea"/>
+                <a:cs typeface="Heiti SC Light"/>
+              </a:rPr>
+              <a:t>的是一个</a:t>
+            </a:r>
+            <a:r>
+              <a:rPr kumimoji="1" lang="en-US" altLang="zh-CN" sz="2000" dirty="0" err="1" smtClean="0">
+                <a:latin typeface="+mj-ea"/>
+                <a:ea typeface="+mj-ea"/>
+                <a:cs typeface="Heiti SC Light"/>
+              </a:rPr>
+              <a:t>WebArgumentResolver</a:t>
+            </a:r>
+            <a:endParaRPr kumimoji="1" lang="en-US" altLang="zh-CN" sz="2000" dirty="0" smtClean="0">
+              <a:latin typeface="+mj-ea"/>
+              <a:ea typeface="+mj-ea"/>
+              <a:cs typeface="Heiti SC Light"/>
+            </a:endParaRPr>
+          </a:p>
+          <a:p>
+            <a:pPr lvl="1">
+              <a:buFont typeface="Wingdings" charset="2"/>
+              <a:buChar char="Ø"/>
+            </a:pPr>
+            <a:r>
+              <a:rPr kumimoji="1" lang="en-US" altLang="zh-CN" sz="1800" dirty="0" err="1">
+                <a:latin typeface="+mj-ea"/>
+                <a:cs typeface="Heiti SC Light"/>
+              </a:rPr>
+              <a:t>RequestResponseBodyMethodProcessor</a:t>
+            </a:r>
+            <a:endParaRPr kumimoji="1" lang="en-US" altLang="zh-CN" sz="1800" dirty="0" smtClean="0">
               <a:latin typeface="+mj-ea"/>
               <a:ea typeface="+mj-ea"/>
               <a:cs typeface="Heiti SC Light"/>
@@ -16874,7 +17082,7 @@
   <p:timing>
     <p:tnLst>
       <p:par>
-        <p:cTn id="1" dur="indefinite" restart="never" nodeType="tmRoot"/>
+        <p:cTn xmlns:p14="http://schemas.microsoft.com/office/powerpoint/2010/main" id="1" dur="indefinite" restart="never" nodeType="tmRoot"/>
       </p:par>
     </p:tnLst>
   </p:timing>
@@ -16910,8 +17118,8 @@
         </p:nvSpPr>
         <p:spPr>
           <a:xfrm>
-            <a:off x="872067" y="1856097"/>
-            <a:ext cx="7408333" cy="3916906"/>
+            <a:off x="872067" y="1972719"/>
+            <a:ext cx="7408333" cy="3780616"/>
           </a:xfrm>
         </p:spPr>
         <p:txBody>
@@ -16925,7 +17133,7 @@
               <a:buChar char="Ø"/>
             </a:pPr>
             <a:r>
-              <a:rPr kumimoji="1" lang="en-US" altLang="zh-CN" sz="2000" dirty="0" err="1">
+              <a:rPr kumimoji="1" lang="en-US" altLang="zh-CN" sz="2000" dirty="0" err="1" smtClean="0">
                 <a:latin typeface="+mj-ea"/>
                 <a:ea typeface="+mj-ea"/>
                 <a:cs typeface="Heiti SC Light"/>
@@ -16933,6 +17141,336 @@
               <a:t>StringHttpMessageConverter</a:t>
             </a:r>
             <a:endParaRPr kumimoji="1" lang="en-US" altLang="zh-CN" sz="2000" dirty="0" smtClean="0">
+              <a:latin typeface="+mj-ea"/>
+              <a:ea typeface="+mj-ea"/>
+              <a:cs typeface="Heiti SC Light"/>
+            </a:endParaRPr>
+          </a:p>
+          <a:p>
+            <a:pPr lvl="1">
+              <a:buFont typeface="Wingdings" charset="2"/>
+              <a:buChar char="Ø"/>
+            </a:pPr>
+            <a:r>
+              <a:rPr kumimoji="1" lang="zh-CN" altLang="en-US" sz="1800" dirty="0" smtClean="0">
+                <a:latin typeface="+mj-ea"/>
+                <a:ea typeface="+mj-ea"/>
+                <a:cs typeface="Heiti SC Light"/>
+              </a:rPr>
+              <a:t>直接把字符串输出到</a:t>
+            </a:r>
+            <a:r>
+              <a:rPr kumimoji="1" lang="en-US" altLang="zh-CN" sz="1800" dirty="0" err="1" smtClean="0">
+                <a:latin typeface="+mj-ea"/>
+                <a:ea typeface="+mj-ea"/>
+                <a:cs typeface="Heiti SC Light"/>
+              </a:rPr>
+              <a:t>HttpResponse</a:t>
+            </a:r>
+            <a:r>
+              <a:rPr kumimoji="1" lang="zh-CN" altLang="en-US" sz="1800" dirty="0" smtClean="0">
+                <a:latin typeface="+mj-ea"/>
+                <a:ea typeface="+mj-ea"/>
+                <a:cs typeface="Heiti SC Light"/>
+              </a:rPr>
+              <a:t> </a:t>
+            </a:r>
+            <a:r>
+              <a:rPr kumimoji="1" lang="en-US" altLang="zh-CN" sz="1800" dirty="0">
+                <a:latin typeface="+mj-ea"/>
+                <a:ea typeface="+mj-ea"/>
+                <a:cs typeface="Heiti SC Light"/>
+              </a:rPr>
+              <a:t>(text/plain</a:t>
+            </a:r>
+            <a:r>
+              <a:rPr kumimoji="1" lang="en-US" altLang="zh-CN" sz="1800" dirty="0" smtClean="0">
+                <a:latin typeface="+mj-ea"/>
+                <a:ea typeface="+mj-ea"/>
+                <a:cs typeface="Heiti SC Light"/>
+              </a:rPr>
+              <a:t>)</a:t>
+            </a:r>
+          </a:p>
+          <a:p>
+            <a:pPr>
+              <a:buFont typeface="Wingdings" charset="2"/>
+              <a:buChar char="Ø"/>
+            </a:pPr>
+            <a:r>
+              <a:rPr kumimoji="1" lang="en-US" altLang="zh-CN" sz="2000" dirty="0" err="1" smtClean="0">
+                <a:latin typeface="+mj-ea"/>
+                <a:ea typeface="+mj-ea"/>
+                <a:cs typeface="Heiti SC Light"/>
+              </a:rPr>
+              <a:t>FormHttpMessageConverter</a:t>
+            </a:r>
+            <a:endParaRPr kumimoji="1" lang="en-US" altLang="zh-CN" sz="2000" dirty="0" smtClean="0">
+              <a:latin typeface="+mj-ea"/>
+              <a:ea typeface="+mj-ea"/>
+              <a:cs typeface="Heiti SC Light"/>
+            </a:endParaRPr>
+          </a:p>
+          <a:p>
+            <a:pPr lvl="1">
+              <a:buFont typeface="Wingdings" charset="2"/>
+              <a:buChar char="Ø"/>
+            </a:pPr>
+            <a:r>
+              <a:rPr kumimoji="1" lang="zh-CN" altLang="en-US" sz="1800" dirty="0" smtClean="0">
+                <a:latin typeface="+mj-ea"/>
+                <a:ea typeface="+mj-ea"/>
+                <a:cs typeface="Heiti SC Light"/>
+              </a:rPr>
+              <a:t>处理</a:t>
+            </a:r>
+            <a:r>
+              <a:rPr kumimoji="1" lang="en-US" altLang="zh-CN" sz="1800" dirty="0">
+                <a:latin typeface="+mj-ea"/>
+                <a:ea typeface="+mj-ea"/>
+                <a:cs typeface="Heiti SC Light"/>
+              </a:rPr>
+              <a:t>application/x-www-form-</a:t>
+            </a:r>
+            <a:r>
+              <a:rPr kumimoji="1" lang="en-US" altLang="zh-CN" sz="1800" dirty="0" err="1" smtClean="0">
+                <a:latin typeface="+mj-ea"/>
+                <a:ea typeface="+mj-ea"/>
+                <a:cs typeface="Heiti SC Light"/>
+              </a:rPr>
+              <a:t>urlencoded</a:t>
+            </a:r>
+            <a:r>
+              <a:rPr kumimoji="1" lang="zh-CN" altLang="en-US" sz="1800" dirty="0" smtClean="0">
+                <a:latin typeface="+mj-ea"/>
+                <a:ea typeface="+mj-ea"/>
+                <a:cs typeface="Heiti SC Light"/>
+              </a:rPr>
+              <a:t>类型的</a:t>
+            </a:r>
+            <a:r>
+              <a:rPr kumimoji="1" lang="en-US" altLang="zh-CN" sz="1800" dirty="0" smtClean="0">
+                <a:latin typeface="+mj-ea"/>
+                <a:ea typeface="+mj-ea"/>
+                <a:cs typeface="Heiti SC Light"/>
+              </a:rPr>
+              <a:t>Body</a:t>
+            </a:r>
+          </a:p>
+          <a:p>
+            <a:pPr>
+              <a:buFont typeface="Wingdings" charset="2"/>
+              <a:buChar char="Ø"/>
+            </a:pPr>
+            <a:r>
+              <a:rPr kumimoji="1" lang="en-US" altLang="zh-CN" sz="2000" dirty="0" err="1" smtClean="0">
+                <a:latin typeface="+mj-ea"/>
+                <a:ea typeface="+mj-ea"/>
+                <a:cs typeface="Heiti SC Light"/>
+              </a:rPr>
+              <a:t>ByteArrayMessageConverter</a:t>
+            </a:r>
+            <a:endParaRPr kumimoji="1" lang="en-US" altLang="zh-CN" sz="2000" dirty="0" smtClean="0">
+              <a:latin typeface="+mj-ea"/>
+              <a:ea typeface="+mj-ea"/>
+              <a:cs typeface="Heiti SC Light"/>
+            </a:endParaRPr>
+          </a:p>
+          <a:p>
+            <a:pPr lvl="1">
+              <a:buFont typeface="Wingdings" charset="2"/>
+              <a:buChar char="Ø"/>
+            </a:pPr>
+            <a:r>
+              <a:rPr kumimoji="1" lang="zh-CN" altLang="en-US" sz="1800" dirty="0" smtClean="0">
+                <a:latin typeface="+mj-ea"/>
+                <a:ea typeface="+mj-ea"/>
+                <a:cs typeface="Heiti SC Light"/>
+              </a:rPr>
+              <a:t>处理</a:t>
+            </a:r>
+            <a:r>
+              <a:rPr kumimoji="1" lang="en-US" altLang="zh-CN" sz="1800" dirty="0">
+                <a:latin typeface="+mj-ea"/>
+                <a:ea typeface="+mj-ea"/>
+                <a:cs typeface="Heiti SC Light"/>
+              </a:rPr>
+              <a:t>application/octet-</a:t>
+            </a:r>
+            <a:r>
+              <a:rPr kumimoji="1" lang="en-US" altLang="zh-CN" sz="1800" dirty="0" smtClean="0">
+                <a:latin typeface="+mj-ea"/>
+                <a:ea typeface="+mj-ea"/>
+                <a:cs typeface="Heiti SC Light"/>
+              </a:rPr>
+              <a:t>stream</a:t>
+            </a:r>
+            <a:r>
+              <a:rPr kumimoji="1" lang="zh-CN" altLang="en-US" sz="1800" dirty="0" smtClean="0">
+                <a:latin typeface="+mj-ea"/>
+                <a:ea typeface="+mj-ea"/>
+                <a:cs typeface="Heiti SC Light"/>
+              </a:rPr>
+              <a:t>类型的</a:t>
+            </a:r>
+            <a:r>
+              <a:rPr kumimoji="1" lang="en-US" altLang="zh-CN" sz="1800" dirty="0" smtClean="0">
+                <a:latin typeface="+mj-ea"/>
+                <a:ea typeface="+mj-ea"/>
+                <a:cs typeface="Heiti SC Light"/>
+              </a:rPr>
+              <a:t>body</a:t>
+            </a:r>
+          </a:p>
+          <a:p>
+            <a:pPr>
+              <a:buFont typeface="Wingdings" charset="2"/>
+              <a:buChar char="Ø"/>
+            </a:pPr>
+            <a:r>
+              <a:rPr kumimoji="1" lang="en-US" altLang="zh-CN" sz="2000" dirty="0" smtClean="0">
+                <a:latin typeface="+mj-ea"/>
+                <a:ea typeface="+mj-ea"/>
+                <a:cs typeface="Heiti SC Light"/>
+              </a:rPr>
+              <a:t>Jaxb2RootElementHttpMessageConverter</a:t>
+            </a:r>
+          </a:p>
+          <a:p>
+            <a:pPr lvl="1">
+              <a:buFont typeface="Wingdings" charset="2"/>
+              <a:buChar char="Ø"/>
+            </a:pPr>
+            <a:r>
+              <a:rPr kumimoji="1" lang="zh-CN" altLang="en-US" sz="1800" dirty="0" smtClean="0">
+                <a:latin typeface="+mj-ea"/>
+                <a:ea typeface="+mj-ea"/>
+                <a:cs typeface="Heiti SC Light"/>
+              </a:rPr>
+              <a:t>处理</a:t>
+            </a:r>
+            <a:r>
+              <a:rPr kumimoji="1" lang="en-US" altLang="zh-CN" sz="1800" dirty="0">
+                <a:latin typeface="+mj-ea"/>
+                <a:ea typeface="+mj-ea"/>
+                <a:cs typeface="Heiti SC Light"/>
+              </a:rPr>
+              <a:t>text/</a:t>
+            </a:r>
+            <a:r>
+              <a:rPr kumimoji="1" lang="en-US" altLang="zh-CN" sz="1800" dirty="0" smtClean="0">
+                <a:latin typeface="+mj-ea"/>
+                <a:ea typeface="+mj-ea"/>
+                <a:cs typeface="Heiti SC Light"/>
+              </a:rPr>
+              <a:t>xml</a:t>
+            </a:r>
+            <a:r>
+              <a:rPr kumimoji="1" lang="zh-CN" altLang="en-US" sz="1800" dirty="0" smtClean="0">
+                <a:latin typeface="+mj-ea"/>
+                <a:ea typeface="+mj-ea"/>
+                <a:cs typeface="Heiti SC Light"/>
+              </a:rPr>
+              <a:t>和</a:t>
+            </a:r>
+            <a:r>
+              <a:rPr kumimoji="1" lang="en-US" altLang="zh-CN" sz="1800" dirty="0">
+                <a:latin typeface="+mj-ea"/>
+                <a:ea typeface="+mj-ea"/>
+                <a:cs typeface="Heiti SC Light"/>
+              </a:rPr>
+              <a:t>application/</a:t>
+            </a:r>
+            <a:r>
+              <a:rPr kumimoji="1" lang="en-US" altLang="zh-CN" sz="1800" dirty="0" smtClean="0">
+                <a:latin typeface="+mj-ea"/>
+                <a:ea typeface="+mj-ea"/>
+                <a:cs typeface="Heiti SC Light"/>
+              </a:rPr>
+              <a:t>xml</a:t>
+            </a:r>
+            <a:r>
+              <a:rPr kumimoji="1" lang="zh-CN" altLang="en-US" sz="1800" dirty="0" smtClean="0">
+                <a:latin typeface="+mj-ea"/>
+                <a:ea typeface="+mj-ea"/>
+                <a:cs typeface="Heiti SC Light"/>
+              </a:rPr>
+              <a:t>类型的数据</a:t>
+            </a:r>
+            <a:endParaRPr kumimoji="1" lang="en-US" altLang="zh-CN" sz="1800" dirty="0" smtClean="0">
+              <a:latin typeface="+mj-ea"/>
+              <a:ea typeface="+mj-ea"/>
+              <a:cs typeface="Heiti SC Light"/>
+            </a:endParaRPr>
+          </a:p>
+          <a:p>
+            <a:pPr>
+              <a:buFont typeface="Wingdings" charset="2"/>
+              <a:buChar char="Ø"/>
+            </a:pPr>
+            <a:r>
+              <a:rPr kumimoji="1" lang="en-US" altLang="zh-CN" sz="2000" dirty="0" err="1" smtClean="0">
+                <a:latin typeface="+mj-ea"/>
+                <a:ea typeface="+mj-ea"/>
+                <a:cs typeface="Heiti SC Light"/>
+              </a:rPr>
+              <a:t>MappingJacksonHttpMessageConverter</a:t>
+            </a:r>
+            <a:endParaRPr kumimoji="1" lang="en-US" altLang="zh-CN" sz="2000" dirty="0" smtClean="0">
+              <a:latin typeface="+mj-ea"/>
+              <a:ea typeface="+mj-ea"/>
+              <a:cs typeface="Heiti SC Light"/>
+            </a:endParaRPr>
+          </a:p>
+          <a:p>
+            <a:pPr lvl="1">
+              <a:buFont typeface="Wingdings" charset="2"/>
+              <a:buChar char="Ø"/>
+            </a:pPr>
+            <a:r>
+              <a:rPr kumimoji="1" lang="zh-CN" altLang="en-US" sz="1800" dirty="0" smtClean="0">
+                <a:latin typeface="+mj-ea"/>
+                <a:ea typeface="+mj-ea"/>
+                <a:cs typeface="Heiti SC Light"/>
+              </a:rPr>
+              <a:t>处理</a:t>
+            </a:r>
+            <a:r>
+              <a:rPr kumimoji="1" lang="en-US" altLang="zh-CN" sz="1800" dirty="0">
+                <a:latin typeface="+mj-ea"/>
+                <a:ea typeface="+mj-ea"/>
+                <a:cs typeface="Heiti SC Light"/>
+              </a:rPr>
+              <a:t>application/</a:t>
+            </a:r>
+            <a:r>
+              <a:rPr kumimoji="1" lang="en-US" altLang="zh-CN" sz="1800" dirty="0" err="1" smtClean="0">
+                <a:latin typeface="+mj-ea"/>
+                <a:ea typeface="+mj-ea"/>
+                <a:cs typeface="Heiti SC Light"/>
+              </a:rPr>
+              <a:t>json</a:t>
+            </a:r>
+            <a:r>
+              <a:rPr kumimoji="1" lang="zh-CN" altLang="en-US" sz="1800" dirty="0" smtClean="0">
+                <a:latin typeface="+mj-ea"/>
+                <a:ea typeface="+mj-ea"/>
+                <a:cs typeface="Heiti SC Light"/>
+              </a:rPr>
+              <a:t>类型的数据</a:t>
+            </a:r>
+            <a:endParaRPr kumimoji="1" lang="en-US" altLang="zh-CN" sz="1800" dirty="0">
+              <a:latin typeface="+mj-ea"/>
+              <a:ea typeface="+mj-ea"/>
+              <a:cs typeface="Heiti SC Light"/>
+            </a:endParaRPr>
+          </a:p>
+          <a:p>
+            <a:pPr lvl="1">
+              <a:buFont typeface="Wingdings" charset="2"/>
+              <a:buChar char="Ø"/>
+            </a:pPr>
+            <a:endParaRPr kumimoji="1" lang="en-US" altLang="zh-CN" sz="1800" dirty="0" smtClean="0">
               <a:latin typeface="+mj-ea"/>
               <a:ea typeface="+mj-ea"/>
               <a:cs typeface="Heiti SC Light"/>
@@ -16989,7 +17527,257 @@
   <p:timing>
     <p:tnLst>
       <p:par>
-        <p:cTn id="1" dur="indefinite" restart="never" nodeType="tmRoot"/>
+        <p:cTn xmlns:p14="http://schemas.microsoft.com/office/powerpoint/2010/main" id="1" dur="indefinite" restart="never" nodeType="tmRoot"/>
+      </p:par>
+    </p:tnLst>
+  </p:timing>
+</p:sld>
+</file>
+
+<file path=ppt/slides/slide17.xml><?xml version="1.0" encoding="utf-8"?>
+<p:sld xmlns:a="http://schemas.openxmlformats.org/drawingml/2006/main" xmlns:r="http://schemas.openxmlformats.org/officeDocument/2006/relationships" xmlns:p="http://schemas.openxmlformats.org/presentationml/2006/main">
+  <p:cSld>
+    <p:spTree>
+      <p:nvGrpSpPr>
+        <p:cNvPr id="1" name=""/>
+        <p:cNvGrpSpPr/>
+        <p:nvPr/>
+      </p:nvGrpSpPr>
+      <p:grpSpPr>
+        <a:xfrm>
+          <a:off x="0" y="0"/>
+          <a:ext cx="0" cy="0"/>
+          <a:chOff x="0" y="0"/>
+          <a:chExt cx="0" cy="0"/>
+        </a:xfrm>
+      </p:grpSpPr>
+      <p:sp>
+        <p:nvSpPr>
+          <p:cNvPr id="5" name="内容占位符 4"/>
+          <p:cNvSpPr>
+            <a:spLocks noGrp="1"/>
+          </p:cNvSpPr>
+          <p:nvPr>
+            <p:ph idx="1"/>
+          </p:nvPr>
+        </p:nvSpPr>
+        <p:spPr>
+          <a:xfrm>
+            <a:off x="872067" y="1972719"/>
+            <a:ext cx="7408333" cy="3780616"/>
+          </a:xfrm>
+        </p:spPr>
+        <p:txBody>
+          <a:bodyPr>
+            <a:normAutofit/>
+          </a:bodyPr>
+          <a:lstStyle/>
+          <a:p>
+            <a:pPr>
+              <a:buFont typeface="Wingdings" charset="2"/>
+              <a:buChar char="Ø"/>
+            </a:pPr>
+            <a:r>
+              <a:rPr kumimoji="1" lang="en-US" altLang="zh-CN" sz="2000" dirty="0" err="1" smtClean="0">
+                <a:latin typeface="+mj-ea"/>
+                <a:ea typeface="+mj-ea"/>
+                <a:cs typeface="Heiti SC Light"/>
+              </a:rPr>
+              <a:t>ResourceHttpMessageConverter</a:t>
+            </a:r>
+            <a:endParaRPr kumimoji="1" lang="en-US" altLang="zh-CN" sz="2000" dirty="0">
+              <a:latin typeface="+mj-ea"/>
+              <a:ea typeface="+mj-ea"/>
+              <a:cs typeface="Heiti SC Light"/>
+            </a:endParaRPr>
+          </a:p>
+          <a:p>
+            <a:pPr lvl="1">
+              <a:buFont typeface="Wingdings" charset="2"/>
+              <a:buChar char="Ø"/>
+            </a:pPr>
+            <a:r>
+              <a:rPr kumimoji="1" lang="zh-CN" altLang="en-US" sz="1800" dirty="0">
+                <a:latin typeface="+mj-ea"/>
+                <a:ea typeface="+mj-ea"/>
+                <a:cs typeface="Heiti SC Light"/>
+              </a:rPr>
+              <a:t>处理</a:t>
+            </a:r>
+            <a:r>
+              <a:rPr kumimoji="1" lang="en-US" altLang="zh-CN" sz="1800" dirty="0" err="1">
+                <a:latin typeface="+mj-ea"/>
+                <a:ea typeface="+mj-ea"/>
+                <a:cs typeface="Heiti SC Light"/>
+              </a:rPr>
+              <a:t>org.springframework.core.io.Resource</a:t>
+            </a:r>
+            <a:r>
+              <a:rPr kumimoji="1" lang="zh-CN" altLang="en-US" sz="1800" dirty="0" smtClean="0">
+                <a:latin typeface="+mj-ea"/>
+                <a:ea typeface="+mj-ea"/>
+                <a:cs typeface="Heiti SC Light"/>
+              </a:rPr>
+              <a:t>对象</a:t>
+            </a:r>
+            <a:endParaRPr kumimoji="1" lang="en-US" altLang="zh-CN" sz="1800" dirty="0" smtClean="0">
+              <a:latin typeface="+mj-ea"/>
+              <a:ea typeface="+mj-ea"/>
+              <a:cs typeface="Heiti SC Light"/>
+            </a:endParaRPr>
+          </a:p>
+          <a:p>
+            <a:pPr lvl="1">
+              <a:buFont typeface="Wingdings" charset="2"/>
+              <a:buChar char="Ø"/>
+            </a:pPr>
+            <a:endParaRPr kumimoji="1" lang="en-US" altLang="zh-CN" sz="1800" dirty="0">
+              <a:latin typeface="+mj-ea"/>
+              <a:ea typeface="+mj-ea"/>
+              <a:cs typeface="Heiti SC Light"/>
+            </a:endParaRPr>
+          </a:p>
+          <a:p>
+            <a:pPr>
+              <a:buFont typeface="Wingdings" charset="2"/>
+              <a:buChar char="Ø"/>
+            </a:pPr>
+            <a:r>
+              <a:rPr kumimoji="1" lang="en-US" altLang="zh-CN" sz="2000" dirty="0" err="1" smtClean="0">
+                <a:latin typeface="+mj-ea"/>
+                <a:ea typeface="+mj-ea"/>
+                <a:cs typeface="Heiti SC Light"/>
+              </a:rPr>
+              <a:t>BufferedImageHttpMessageConverter</a:t>
+            </a:r>
+            <a:endParaRPr kumimoji="1" lang="en-US" altLang="zh-CN" sz="2000" dirty="0" smtClean="0">
+              <a:latin typeface="+mj-ea"/>
+              <a:ea typeface="+mj-ea"/>
+              <a:cs typeface="Heiti SC Light"/>
+            </a:endParaRPr>
+          </a:p>
+          <a:p>
+            <a:pPr lvl="1">
+              <a:buFont typeface="Wingdings" charset="2"/>
+              <a:buChar char="Ø"/>
+            </a:pPr>
+            <a:r>
+              <a:rPr kumimoji="1" lang="zh-CN" altLang="en-US" sz="1800" dirty="0" smtClean="0">
+                <a:latin typeface="+mj-ea"/>
+                <a:ea typeface="+mj-ea"/>
+                <a:cs typeface="Heiti SC Light"/>
+              </a:rPr>
+              <a:t>处理图片</a:t>
+            </a:r>
+            <a:r>
+              <a:rPr kumimoji="1" lang="en-US" altLang="zh-CN" sz="1800" dirty="0" smtClean="0">
+                <a:latin typeface="+mj-ea"/>
+                <a:ea typeface="+mj-ea"/>
+                <a:cs typeface="Heiti SC Light"/>
+              </a:rPr>
+              <a:t>(</a:t>
+            </a:r>
+            <a:r>
+              <a:rPr kumimoji="1" lang="zh-CN" altLang="en-US" sz="1800" dirty="0" smtClean="0">
+                <a:latin typeface="+mj-ea"/>
+                <a:ea typeface="+mj-ea"/>
+                <a:cs typeface="Heiti SC Light"/>
+              </a:rPr>
+              <a:t>直接把上传的图片转换为</a:t>
+            </a:r>
+            <a:r>
+              <a:rPr kumimoji="1" lang="en-US" altLang="zh-CN" sz="1800" dirty="0" err="1" smtClean="0">
+                <a:latin typeface="+mj-ea"/>
+                <a:ea typeface="+mj-ea"/>
+                <a:cs typeface="Heiti SC Light"/>
+              </a:rPr>
+              <a:t>BufferedImage</a:t>
+            </a:r>
+            <a:r>
+              <a:rPr kumimoji="1" lang="zh-CN" altLang="en-US" sz="1800" dirty="0" smtClean="0">
+                <a:latin typeface="+mj-ea"/>
+                <a:ea typeface="+mj-ea"/>
+                <a:cs typeface="Heiti SC Light"/>
+              </a:rPr>
+              <a:t>，或反向</a:t>
+            </a:r>
+            <a:r>
+              <a:rPr kumimoji="1" lang="en-US" altLang="zh-CN" sz="1800" smtClean="0">
+                <a:latin typeface="+mj-ea"/>
+                <a:ea typeface="+mj-ea"/>
+                <a:cs typeface="Heiti SC Light"/>
+              </a:rPr>
+              <a:t>)</a:t>
+            </a:r>
+            <a:endParaRPr kumimoji="1" lang="en-US" altLang="zh-CN" sz="1800" dirty="0" smtClean="0">
+              <a:latin typeface="+mj-ea"/>
+              <a:ea typeface="+mj-ea"/>
+              <a:cs typeface="Heiti SC Light"/>
+            </a:endParaRPr>
+          </a:p>
+          <a:p>
+            <a:pPr lvl="1">
+              <a:buFont typeface="Wingdings" charset="2"/>
+              <a:buChar char="Ø"/>
+            </a:pPr>
+            <a:endParaRPr kumimoji="1" lang="en-US" altLang="zh-CN" sz="1800" dirty="0" smtClean="0">
+              <a:latin typeface="+mj-ea"/>
+              <a:ea typeface="+mj-ea"/>
+              <a:cs typeface="Heiti SC Light"/>
+            </a:endParaRPr>
+          </a:p>
+        </p:txBody>
+      </p:sp>
+      <p:sp>
+        <p:nvSpPr>
+          <p:cNvPr id="2" name="标题 1"/>
+          <p:cNvSpPr>
+            <a:spLocks noGrp="1"/>
+          </p:cNvSpPr>
+          <p:nvPr>
+            <p:ph type="title"/>
+          </p:nvPr>
+        </p:nvSpPr>
+        <p:spPr/>
+        <p:txBody>
+          <a:bodyPr/>
+          <a:lstStyle/>
+          <a:p>
+            <a:r>
+              <a:rPr kumimoji="1" lang="zh-CN" altLang="en-US" dirty="0">
+                <a:latin typeface="+mj-ea"/>
+                <a:cs typeface="Heiti SC Light"/>
+              </a:rPr>
+              <a:t>其他的</a:t>
+            </a:r>
+            <a:r>
+              <a:rPr kumimoji="1" lang="en-US" altLang="zh-CN" dirty="0" err="1" smtClean="0">
+                <a:latin typeface="+mj-ea"/>
+                <a:cs typeface="Heiti SC Light"/>
+              </a:rPr>
+              <a:t>HttpMessageConverter</a:t>
+            </a:r>
+            <a:endParaRPr kumimoji="1" lang="en-US" altLang="zh-CN" dirty="0">
+              <a:latin typeface="+mj-ea"/>
+              <a:cs typeface="Heiti SC Light"/>
+            </a:endParaRPr>
+          </a:p>
+        </p:txBody>
+      </p:sp>
+    </p:spTree>
+    <p:extLst>
+      <p:ext uri="{BB962C8B-B14F-4D97-AF65-F5344CB8AC3E}">
+        <p14:creationId xmlns:p14="http://schemas.microsoft.com/office/powerpoint/2010/main" val="1854781086"/>
+      </p:ext>
+    </p:extLst>
+  </p:cSld>
+  <p:clrMapOvr>
+    <a:masterClrMapping/>
+  </p:clrMapOvr>
+  <p:timing>
+    <p:tnLst>
+      <p:par>
+        <p:cTn xmlns:p14="http://schemas.microsoft.com/office/powerpoint/2010/main" id="1" dur="indefinite" restart="never" nodeType="tmRoot"/>
       </p:par>
     </p:tnLst>
   </p:timing>
@@ -17390,7 +18178,7 @@
   <p:timing>
     <p:tnLst>
       <p:par>
-        <p:cTn id="1" dur="indefinite" restart="never" nodeType="tmRoot"/>
+        <p:cTn xmlns:p14="http://schemas.microsoft.com/office/powerpoint/2010/main" id="1" dur="indefinite" restart="never" nodeType="tmRoot"/>
       </p:par>
     </p:tnLst>
   </p:timing>
@@ -17851,7 +18639,7 @@
   <p:timing>
     <p:tnLst>
       <p:par>
-        <p:cTn id="1" dur="indefinite" restart="never" nodeType="tmRoot"/>
+        <p:cTn xmlns:p14="http://schemas.microsoft.com/office/powerpoint/2010/main" id="1" dur="indefinite" restart="never" nodeType="tmRoot"/>
       </p:par>
     </p:tnLst>
   </p:timing>
@@ -18563,7 +19351,7 @@
   <p:timing>
     <p:tnLst>
       <p:par>
-        <p:cTn id="1" dur="indefinite" restart="never" nodeType="tmRoot"/>
+        <p:cTn xmlns:p14="http://schemas.microsoft.com/office/powerpoint/2010/main" id="1" dur="indefinite" restart="never" nodeType="tmRoot"/>
       </p:par>
     </p:tnLst>
   </p:timing>
@@ -19015,7 +19803,7 @@
   <p:timing>
     <p:tnLst>
       <p:par>
-        <p:cTn id="1" dur="indefinite" restart="never" nodeType="tmRoot"/>
+        <p:cTn xmlns:p14="http://schemas.microsoft.com/office/powerpoint/2010/main" id="1" dur="indefinite" restart="never" nodeType="tmRoot"/>
       </p:par>
     </p:tnLst>
   </p:timing>
@@ -19635,7 +20423,7 @@
   <p:timing>
     <p:tnLst>
       <p:par>
-        <p:cTn id="1" dur="indefinite" restart="never" nodeType="tmRoot">
+        <p:cTn xmlns:p14="http://schemas.microsoft.com/office/powerpoint/2010/main" id="1" dur="indefinite" restart="never" nodeType="tmRoot">
           <p:childTnLst>
             <p:seq concurrent="1" nextAc="seek">
               <p:cTn id="2" dur="indefinite" nodeType="mainSeq">
@@ -20162,15 +20950,7 @@
                 <a:ea typeface="+mj-ea"/>
                 <a:cs typeface="Heiti SC Light"/>
               </a:rPr>
-              <a:t>支</a:t>
-            </a:r>
-            <a:r>
-              <a:rPr kumimoji="1" lang="zh-CN" altLang="en-US" sz="1800" dirty="0" smtClean="0">
-                <a:latin typeface="+mj-ea"/>
-                <a:ea typeface="+mj-ea"/>
-                <a:cs typeface="Heiti SC Light"/>
-              </a:rPr>
-              <a:t>持取反</a:t>
+              <a:t>支持取反</a:t>
             </a:r>
             <a:r>
               <a:rPr kumimoji="1" lang="en-US" altLang="zh-CN" sz="1800" dirty="0" smtClean="0">
@@ -20434,7 +21214,7 @@
   <p:timing>
     <p:tnLst>
       <p:par>
-        <p:cTn id="1" dur="indefinite" restart="never" nodeType="tmRoot"/>
+        <p:cTn xmlns:p14="http://schemas.microsoft.com/office/powerpoint/2010/main" id="1" dur="indefinite" restart="never" nodeType="tmRoot"/>
       </p:par>
     </p:tnLst>
   </p:timing>
@@ -20490,15 +21270,7 @@
                 <a:ea typeface="+mj-ea"/>
                 <a:cs typeface="Heiti SC Light"/>
               </a:rPr>
-              <a:t>通</a:t>
-            </a:r>
-            <a:r>
-              <a:rPr kumimoji="1" lang="zh-CN" altLang="en-US" sz="2000" dirty="0" smtClean="0">
-                <a:latin typeface="+mj-ea"/>
-                <a:ea typeface="+mj-ea"/>
-                <a:cs typeface="Heiti SC Light"/>
-              </a:rPr>
-              <a:t>过</a:t>
+              <a:t>通过</a:t>
             </a:r>
             <a:r>
               <a:rPr kumimoji="1" lang="en-US" altLang="zh-CN" sz="2000" dirty="0" smtClean="0">
@@ -20508,11 +21280,6 @@
               </a:rPr>
               <a:t>consumes</a:t>
             </a:r>
-            <a:endParaRPr kumimoji="1" lang="en-US" altLang="zh-CN" sz="2000" dirty="0" smtClean="0">
-              <a:latin typeface="+mj-ea"/>
-              <a:ea typeface="+mj-ea"/>
-              <a:cs typeface="Heiti SC Light"/>
-            </a:endParaRPr>
           </a:p>
           <a:p>
             <a:pPr lvl="1">
@@ -20758,7 +21525,7 @@
   <p:timing>
     <p:tnLst>
       <p:par>
-        <p:cTn id="1" dur="indefinite" restart="never" nodeType="tmRoot"/>
+        <p:cTn xmlns:p14="http://schemas.microsoft.com/office/powerpoint/2010/main" id="1" dur="indefinite" restart="never" nodeType="tmRoot"/>
       </p:par>
     </p:tnLst>
   </p:timing>
@@ -21056,7 +21823,7 @@
   <p:timing>
     <p:tnLst>
       <p:par>
-        <p:cTn id="1" dur="indefinite" restart="never" nodeType="tmRoot"/>
+        <p:cTn xmlns:p14="http://schemas.microsoft.com/office/powerpoint/2010/main" id="1" dur="indefinite" restart="never" nodeType="tmRoot"/>
       </p:par>
     </p:tnLst>
   </p:timing>

--- a/SpringMVC3.pptx
+++ b/SpringMVC3.pptx
@@ -22,6 +22,9 @@
     <p:sldId id="270" r:id="rId16"/>
     <p:sldId id="271" r:id="rId17"/>
     <p:sldId id="272" r:id="rId18"/>
+    <p:sldId id="273" r:id="rId19"/>
+    <p:sldId id="274" r:id="rId20"/>
+    <p:sldId id="275" r:id="rId21"/>
   </p:sldIdLst>
   <p:sldSz cx="9144000" cy="6858000" type="screen4x3"/>
   <p:notesSz cx="6858000" cy="9144000"/>
@@ -15045,6 +15048,47 @@
           </a:p>
         </p:txBody>
       </p:sp>
+      <p:sp>
+        <p:nvSpPr>
+          <p:cNvPr id="6" name="矩形 5"/>
+          <p:cNvSpPr/>
+          <p:nvPr/>
+        </p:nvSpPr>
+        <p:spPr>
+          <a:xfrm>
+            <a:off x="3317434" y="6501626"/>
+            <a:ext cx="5826566" cy="369332"/>
+          </a:xfrm>
+          <a:prstGeom prst="rect">
+            <a:avLst/>
+          </a:prstGeom>
+        </p:spPr>
+        <p:txBody>
+          <a:bodyPr wrap="square">
+            <a:spAutoFit/>
+          </a:bodyPr>
+          <a:lstStyle/>
+          <a:p>
+            <a:r>
+              <a:rPr lang="en-US" altLang="zh-CN" dirty="0" smtClean="0"/>
+              <a:t>Demo</a:t>
+            </a:r>
+            <a:r>
+              <a:rPr lang="zh-CN" altLang="zh-CN" dirty="0" smtClean="0"/>
+              <a:t>:</a:t>
+            </a:r>
+            <a:r>
+              <a:rPr lang="en-US" altLang="zh-CN" dirty="0" err="1" smtClean="0"/>
+              <a:t>org.springframework.samples.mvc.</a:t>
+            </a:r>
+            <a:r>
+              <a:rPr lang="en-US" altLang="zh-CN" dirty="0" err="1" smtClean="0"/>
+              <a:t>mapping</a:t>
+            </a:r>
+            <a:endParaRPr lang="zh-CN" altLang="en-US" dirty="0"/>
+          </a:p>
+        </p:txBody>
+      </p:sp>
     </p:spTree>
     <p:extLst>
       <p:ext uri="{BB962C8B-B14F-4D97-AF65-F5344CB8AC3E}">
@@ -15058,9 +15102,126 @@
   <p:timing>
     <p:tnLst>
       <p:par>
-        <p:cTn xmlns:p14="http://schemas.microsoft.com/office/powerpoint/2010/main" id="1" dur="indefinite" restart="never" nodeType="tmRoot"/>
+        <p:cTn xmlns:p14="http://schemas.microsoft.com/office/powerpoint/2010/main" id="1" dur="indefinite" restart="never" nodeType="tmRoot">
+          <p:childTnLst>
+            <p:seq concurrent="1" nextAc="seek">
+              <p:cTn id="2" dur="indefinite" nodeType="mainSeq">
+                <p:childTnLst>
+                  <p:par>
+                    <p:cTn id="3" fill="hold">
+                      <p:stCondLst>
+                        <p:cond delay="indefinite"/>
+                      </p:stCondLst>
+                      <p:childTnLst>
+                        <p:par>
+                          <p:cTn id="4" fill="hold">
+                            <p:stCondLst>
+                              <p:cond delay="0"/>
+                            </p:stCondLst>
+                            <p:childTnLst>
+                              <p:par>
+                                <p:cTn id="5" presetID="2" presetClass="entr" presetSubtype="4" fill="hold" grpId="0" nodeType="clickEffect">
+                                  <p:stCondLst>
+                                    <p:cond delay="0"/>
+                                  </p:stCondLst>
+                                  <p:childTnLst>
+                                    <p:set>
+                                      <p:cBhvr>
+                                        <p:cTn id="6" dur="1" fill="hold">
+                                          <p:stCondLst>
+                                            <p:cond delay="0"/>
+                                          </p:stCondLst>
+                                        </p:cTn>
+                                        <p:tgtEl>
+                                          <p:spTgt spid="6"/>
+                                        </p:tgtEl>
+                                        <p:attrNameLst>
+                                          <p:attrName>style.visibility</p:attrName>
+                                        </p:attrNameLst>
+                                      </p:cBhvr>
+                                      <p:to>
+                                        <p:strVal val="visible"/>
+                                      </p:to>
+                                    </p:set>
+                                    <p:anim calcmode="lin" valueType="num">
+                                      <p:cBhvr additive="base">
+                                        <p:cTn id="7" dur="500" fill="hold"/>
+                                        <p:tgtEl>
+                                          <p:spTgt spid="6"/>
+                                        </p:tgtEl>
+                                        <p:attrNameLst>
+                                          <p:attrName>ppt_x</p:attrName>
+                                        </p:attrNameLst>
+                                      </p:cBhvr>
+                                      <p:tavLst>
+                                        <p:tav tm="0">
+                                          <p:val>
+                                            <p:strVal val="#ppt_x"/>
+                                          </p:val>
+                                        </p:tav>
+                                        <p:tav tm="100000">
+                                          <p:val>
+                                            <p:strVal val="#ppt_x"/>
+                                          </p:val>
+                                        </p:tav>
+                                      </p:tavLst>
+                                    </p:anim>
+                                    <p:anim calcmode="lin" valueType="num">
+                                      <p:cBhvr additive="base">
+                                        <p:cTn id="8" dur="500" fill="hold"/>
+                                        <p:tgtEl>
+                                          <p:spTgt spid="6"/>
+                                        </p:tgtEl>
+                                        <p:attrNameLst>
+                                          <p:attrName>ppt_y</p:attrName>
+                                        </p:attrNameLst>
+                                      </p:cBhvr>
+                                      <p:tavLst>
+                                        <p:tav tm="0">
+                                          <p:val>
+                                            <p:strVal val="1+#ppt_h/2"/>
+                                          </p:val>
+                                        </p:tav>
+                                        <p:tav tm="100000">
+                                          <p:val>
+                                            <p:strVal val="#ppt_y"/>
+                                          </p:val>
+                                        </p:tav>
+                                      </p:tavLst>
+                                    </p:anim>
+                                  </p:childTnLst>
+                                </p:cTn>
+                              </p:par>
+                            </p:childTnLst>
+                          </p:cTn>
+                        </p:par>
+                      </p:childTnLst>
+                    </p:cTn>
+                  </p:par>
+                </p:childTnLst>
+              </p:cTn>
+              <p:prevCondLst>
+                <p:cond evt="onPrev" delay="0">
+                  <p:tgtEl>
+                    <p:sldTgt/>
+                  </p:tgtEl>
+                </p:cond>
+              </p:prevCondLst>
+              <p:nextCondLst>
+                <p:cond evt="onNext" delay="0">
+                  <p:tgtEl>
+                    <p:sldTgt/>
+                  </p:tgtEl>
+                </p:cond>
+              </p:nextCondLst>
+            </p:seq>
+          </p:childTnLst>
+        </p:cTn>
       </p:par>
     </p:tnLst>
+    <p:bldLst>
+      <p:bldP spid="6" grpId="0"/>
+    </p:bldLst>
   </p:timing>
 </p:sld>
 </file>
@@ -15689,6 +15850,43 @@
           </a:p>
         </p:txBody>
       </p:sp>
+      <p:sp>
+        <p:nvSpPr>
+          <p:cNvPr id="6" name="矩形 5"/>
+          <p:cNvSpPr/>
+          <p:nvPr/>
+        </p:nvSpPr>
+        <p:spPr>
+          <a:xfrm>
+            <a:off x="3317434" y="6501626"/>
+            <a:ext cx="5826566" cy="369332"/>
+          </a:xfrm>
+          <a:prstGeom prst="rect">
+            <a:avLst/>
+          </a:prstGeom>
+        </p:spPr>
+        <p:txBody>
+          <a:bodyPr wrap="square">
+            <a:spAutoFit/>
+          </a:bodyPr>
+          <a:lstStyle/>
+          <a:p>
+            <a:r>
+              <a:rPr lang="en-US" altLang="zh-CN" dirty="0" smtClean="0"/>
+              <a:t>Demo</a:t>
+            </a:r>
+            <a:r>
+              <a:rPr lang="zh-CN" altLang="zh-CN" dirty="0" smtClean="0"/>
+              <a:t>:</a:t>
+            </a:r>
+            <a:r>
+              <a:rPr lang="en-US" altLang="zh-CN" dirty="0" err="1"/>
+              <a:t>org.springframework.samples.mvc.data</a:t>
+            </a:r>
+            <a:endParaRPr lang="zh-CN" altLang="en-US" dirty="0"/>
+          </a:p>
+        </p:txBody>
+      </p:sp>
     </p:spTree>
     <p:extLst>
       <p:ext uri="{BB962C8B-B14F-4D97-AF65-F5344CB8AC3E}">
@@ -15702,9 +15900,126 @@
   <p:timing>
     <p:tnLst>
       <p:par>
-        <p:cTn xmlns:p14="http://schemas.microsoft.com/office/powerpoint/2010/main" id="1" dur="indefinite" restart="never" nodeType="tmRoot"/>
+        <p:cTn xmlns:p14="http://schemas.microsoft.com/office/powerpoint/2010/main" id="1" dur="indefinite" restart="never" nodeType="tmRoot">
+          <p:childTnLst>
+            <p:seq concurrent="1" nextAc="seek">
+              <p:cTn id="2" dur="indefinite" nodeType="mainSeq">
+                <p:childTnLst>
+                  <p:par>
+                    <p:cTn id="3" fill="hold">
+                      <p:stCondLst>
+                        <p:cond delay="indefinite"/>
+                      </p:stCondLst>
+                      <p:childTnLst>
+                        <p:par>
+                          <p:cTn id="4" fill="hold">
+                            <p:stCondLst>
+                              <p:cond delay="0"/>
+                            </p:stCondLst>
+                            <p:childTnLst>
+                              <p:par>
+                                <p:cTn id="5" presetID="2" presetClass="entr" presetSubtype="4" fill="hold" grpId="0" nodeType="clickEffect">
+                                  <p:stCondLst>
+                                    <p:cond delay="0"/>
+                                  </p:stCondLst>
+                                  <p:childTnLst>
+                                    <p:set>
+                                      <p:cBhvr>
+                                        <p:cTn id="6" dur="1" fill="hold">
+                                          <p:stCondLst>
+                                            <p:cond delay="0"/>
+                                          </p:stCondLst>
+                                        </p:cTn>
+                                        <p:tgtEl>
+                                          <p:spTgt spid="6"/>
+                                        </p:tgtEl>
+                                        <p:attrNameLst>
+                                          <p:attrName>style.visibility</p:attrName>
+                                        </p:attrNameLst>
+                                      </p:cBhvr>
+                                      <p:to>
+                                        <p:strVal val="visible"/>
+                                      </p:to>
+                                    </p:set>
+                                    <p:anim calcmode="lin" valueType="num">
+                                      <p:cBhvr additive="base">
+                                        <p:cTn id="7" dur="500" fill="hold"/>
+                                        <p:tgtEl>
+                                          <p:spTgt spid="6"/>
+                                        </p:tgtEl>
+                                        <p:attrNameLst>
+                                          <p:attrName>ppt_x</p:attrName>
+                                        </p:attrNameLst>
+                                      </p:cBhvr>
+                                      <p:tavLst>
+                                        <p:tav tm="0">
+                                          <p:val>
+                                            <p:strVal val="#ppt_x"/>
+                                          </p:val>
+                                        </p:tav>
+                                        <p:tav tm="100000">
+                                          <p:val>
+                                            <p:strVal val="#ppt_x"/>
+                                          </p:val>
+                                        </p:tav>
+                                      </p:tavLst>
+                                    </p:anim>
+                                    <p:anim calcmode="lin" valueType="num">
+                                      <p:cBhvr additive="base">
+                                        <p:cTn id="8" dur="500" fill="hold"/>
+                                        <p:tgtEl>
+                                          <p:spTgt spid="6"/>
+                                        </p:tgtEl>
+                                        <p:attrNameLst>
+                                          <p:attrName>ppt_y</p:attrName>
+                                        </p:attrNameLst>
+                                      </p:cBhvr>
+                                      <p:tavLst>
+                                        <p:tav tm="0">
+                                          <p:val>
+                                            <p:strVal val="1+#ppt_h/2"/>
+                                          </p:val>
+                                        </p:tav>
+                                        <p:tav tm="100000">
+                                          <p:val>
+                                            <p:strVal val="#ppt_y"/>
+                                          </p:val>
+                                        </p:tav>
+                                      </p:tavLst>
+                                    </p:anim>
+                                  </p:childTnLst>
+                                </p:cTn>
+                              </p:par>
+                            </p:childTnLst>
+                          </p:cTn>
+                        </p:par>
+                      </p:childTnLst>
+                    </p:cTn>
+                  </p:par>
+                </p:childTnLst>
+              </p:cTn>
+              <p:prevCondLst>
+                <p:cond evt="onPrev" delay="0">
+                  <p:tgtEl>
+                    <p:sldTgt/>
+                  </p:tgtEl>
+                </p:cond>
+              </p:prevCondLst>
+              <p:nextCondLst>
+                <p:cond evt="onNext" delay="0">
+                  <p:tgtEl>
+                    <p:sldTgt/>
+                  </p:tgtEl>
+                </p:cond>
+              </p:nextCondLst>
+            </p:seq>
+          </p:childTnLst>
+        </p:cTn>
       </p:par>
     </p:tnLst>
+    <p:bldLst>
+      <p:bldP spid="6" grpId="0"/>
+    </p:bldLst>
   </p:timing>
 </p:sld>
 </file>
@@ -15995,6 +16310,51 @@
           </a:p>
         </p:txBody>
       </p:sp>
+      <p:sp>
+        <p:nvSpPr>
+          <p:cNvPr id="4" name="矩形 3"/>
+          <p:cNvSpPr/>
+          <p:nvPr/>
+        </p:nvSpPr>
+        <p:spPr>
+          <a:xfrm>
+            <a:off x="3317434" y="6501626"/>
+            <a:ext cx="5826566" cy="369332"/>
+          </a:xfrm>
+          <a:prstGeom prst="rect">
+            <a:avLst/>
+          </a:prstGeom>
+        </p:spPr>
+        <p:txBody>
+          <a:bodyPr wrap="square">
+            <a:spAutoFit/>
+          </a:bodyPr>
+          <a:lstStyle/>
+          <a:p>
+            <a:r>
+              <a:rPr lang="en-US" altLang="zh-CN" dirty="0" smtClean="0"/>
+              <a:t>Demo</a:t>
+            </a:r>
+            <a:r>
+              <a:rPr lang="zh-CN" altLang="zh-CN" dirty="0" smtClean="0"/>
+              <a:t>:</a:t>
+            </a:r>
+            <a:r>
+              <a:rPr lang="en-US" altLang="zh-CN" dirty="0" err="1" smtClean="0"/>
+              <a:t>org.springframework.samples.mvc.data</a:t>
+            </a:r>
+            <a:r>
+              <a:rPr lang="en-US" altLang="zh-CN" dirty="0" smtClean="0"/>
+              <a:t>.</a:t>
+            </a:r>
+            <a:r>
+              <a:rPr lang="en-US" altLang="zh-CN" dirty="0"/>
+              <a:t> standard</a:t>
+            </a:r>
+            <a:endParaRPr lang="zh-CN" altLang="en-US" dirty="0"/>
+          </a:p>
+        </p:txBody>
+      </p:sp>
     </p:spTree>
     <p:extLst>
       <p:ext uri="{BB962C8B-B14F-4D97-AF65-F5344CB8AC3E}">
@@ -16008,9 +16368,126 @@
   <p:timing>
     <p:tnLst>
       <p:par>
-        <p:cTn xmlns:p14="http://schemas.microsoft.com/office/powerpoint/2010/main" id="1" dur="indefinite" restart="never" nodeType="tmRoot"/>
+        <p:cTn xmlns:p14="http://schemas.microsoft.com/office/powerpoint/2010/main" id="1" dur="indefinite" restart="never" nodeType="tmRoot">
+          <p:childTnLst>
+            <p:seq concurrent="1" nextAc="seek">
+              <p:cTn id="2" dur="indefinite" nodeType="mainSeq">
+                <p:childTnLst>
+                  <p:par>
+                    <p:cTn id="3" fill="hold">
+                      <p:stCondLst>
+                        <p:cond delay="indefinite"/>
+                      </p:stCondLst>
+                      <p:childTnLst>
+                        <p:par>
+                          <p:cTn id="4" fill="hold">
+                            <p:stCondLst>
+                              <p:cond delay="0"/>
+                            </p:stCondLst>
+                            <p:childTnLst>
+                              <p:par>
+                                <p:cTn id="5" presetID="2" presetClass="entr" presetSubtype="4" fill="hold" grpId="0" nodeType="clickEffect">
+                                  <p:stCondLst>
+                                    <p:cond delay="0"/>
+                                  </p:stCondLst>
+                                  <p:childTnLst>
+                                    <p:set>
+                                      <p:cBhvr>
+                                        <p:cTn id="6" dur="1" fill="hold">
+                                          <p:stCondLst>
+                                            <p:cond delay="0"/>
+                                          </p:stCondLst>
+                                        </p:cTn>
+                                        <p:tgtEl>
+                                          <p:spTgt spid="4"/>
+                                        </p:tgtEl>
+                                        <p:attrNameLst>
+                                          <p:attrName>style.visibility</p:attrName>
+                                        </p:attrNameLst>
+                                      </p:cBhvr>
+                                      <p:to>
+                                        <p:strVal val="visible"/>
+                                      </p:to>
+                                    </p:set>
+                                    <p:anim calcmode="lin" valueType="num">
+                                      <p:cBhvr additive="base">
+                                        <p:cTn id="7" dur="500" fill="hold"/>
+                                        <p:tgtEl>
+                                          <p:spTgt spid="4"/>
+                                        </p:tgtEl>
+                                        <p:attrNameLst>
+                                          <p:attrName>ppt_x</p:attrName>
+                                        </p:attrNameLst>
+                                      </p:cBhvr>
+                                      <p:tavLst>
+                                        <p:tav tm="0">
+                                          <p:val>
+                                            <p:strVal val="#ppt_x"/>
+                                          </p:val>
+                                        </p:tav>
+                                        <p:tav tm="100000">
+                                          <p:val>
+                                            <p:strVal val="#ppt_x"/>
+                                          </p:val>
+                                        </p:tav>
+                                      </p:tavLst>
+                                    </p:anim>
+                                    <p:anim calcmode="lin" valueType="num">
+                                      <p:cBhvr additive="base">
+                                        <p:cTn id="8" dur="500" fill="hold"/>
+                                        <p:tgtEl>
+                                          <p:spTgt spid="4"/>
+                                        </p:tgtEl>
+                                        <p:attrNameLst>
+                                          <p:attrName>ppt_y</p:attrName>
+                                        </p:attrNameLst>
+                                      </p:cBhvr>
+                                      <p:tavLst>
+                                        <p:tav tm="0">
+                                          <p:val>
+                                            <p:strVal val="1+#ppt_h/2"/>
+                                          </p:val>
+                                        </p:tav>
+                                        <p:tav tm="100000">
+                                          <p:val>
+                                            <p:strVal val="#ppt_y"/>
+                                          </p:val>
+                                        </p:tav>
+                                      </p:tavLst>
+                                    </p:anim>
+                                  </p:childTnLst>
+                                </p:cTn>
+                              </p:par>
+                            </p:childTnLst>
+                          </p:cTn>
+                        </p:par>
+                      </p:childTnLst>
+                    </p:cTn>
+                  </p:par>
+                </p:childTnLst>
+              </p:cTn>
+              <p:prevCondLst>
+                <p:cond evt="onPrev" delay="0">
+                  <p:tgtEl>
+                    <p:sldTgt/>
+                  </p:tgtEl>
+                </p:cond>
+              </p:prevCondLst>
+              <p:nextCondLst>
+                <p:cond evt="onNext" delay="0">
+                  <p:tgtEl>
+                    <p:sldTgt/>
+                  </p:tgtEl>
+                </p:cond>
+              </p:nextCondLst>
+            </p:seq>
+          </p:childTnLst>
+        </p:cTn>
       </p:par>
     </p:tnLst>
+    <p:bldLst>
+      <p:bldP spid="4" grpId="0"/>
+    </p:bldLst>
   </p:timing>
 </p:sld>
 </file>
@@ -16185,6 +16662,51 @@
           </a:p>
         </p:txBody>
       </p:sp>
+      <p:sp>
+        <p:nvSpPr>
+          <p:cNvPr id="4" name="矩形 3"/>
+          <p:cNvSpPr/>
+          <p:nvPr/>
+        </p:nvSpPr>
+        <p:spPr>
+          <a:xfrm>
+            <a:off x="3317434" y="6501626"/>
+            <a:ext cx="5826566" cy="369332"/>
+          </a:xfrm>
+          <a:prstGeom prst="rect">
+            <a:avLst/>
+          </a:prstGeom>
+        </p:spPr>
+        <p:txBody>
+          <a:bodyPr wrap="square">
+            <a:spAutoFit/>
+          </a:bodyPr>
+          <a:lstStyle/>
+          <a:p>
+            <a:r>
+              <a:rPr lang="en-US" altLang="zh-CN" dirty="0" smtClean="0"/>
+              <a:t>Demo</a:t>
+            </a:r>
+            <a:r>
+              <a:rPr lang="zh-CN" altLang="zh-CN" dirty="0" smtClean="0"/>
+              <a:t>:</a:t>
+            </a:r>
+            <a:r>
+              <a:rPr lang="en-US" altLang="zh-CN" dirty="0" err="1" smtClean="0"/>
+              <a:t>org.springframework.samples.mvc.data</a:t>
+            </a:r>
+            <a:r>
+              <a:rPr lang="en-US" altLang="zh-CN" dirty="0" smtClean="0"/>
+              <a:t>.</a:t>
+            </a:r>
+            <a:r>
+              <a:rPr lang="en-US" altLang="zh-CN" dirty="0"/>
+              <a:t> custom</a:t>
+            </a:r>
+            <a:endParaRPr lang="zh-CN" altLang="en-US" dirty="0"/>
+          </a:p>
+        </p:txBody>
+      </p:sp>
     </p:spTree>
     <p:extLst>
       <p:ext uri="{BB962C8B-B14F-4D97-AF65-F5344CB8AC3E}">
@@ -16198,9 +16720,126 @@
   <p:timing>
     <p:tnLst>
       <p:par>
-        <p:cTn xmlns:p14="http://schemas.microsoft.com/office/powerpoint/2010/main" id="1" dur="indefinite" restart="never" nodeType="tmRoot"/>
+        <p:cTn xmlns:p14="http://schemas.microsoft.com/office/powerpoint/2010/main" id="1" dur="indefinite" restart="never" nodeType="tmRoot">
+          <p:childTnLst>
+            <p:seq concurrent="1" nextAc="seek">
+              <p:cTn id="2" dur="indefinite" nodeType="mainSeq">
+                <p:childTnLst>
+                  <p:par>
+                    <p:cTn id="3" fill="hold">
+                      <p:stCondLst>
+                        <p:cond delay="indefinite"/>
+                      </p:stCondLst>
+                      <p:childTnLst>
+                        <p:par>
+                          <p:cTn id="4" fill="hold">
+                            <p:stCondLst>
+                              <p:cond delay="0"/>
+                            </p:stCondLst>
+                            <p:childTnLst>
+                              <p:par>
+                                <p:cTn id="5" presetID="2" presetClass="entr" presetSubtype="4" fill="hold" grpId="0" nodeType="clickEffect">
+                                  <p:stCondLst>
+                                    <p:cond delay="0"/>
+                                  </p:stCondLst>
+                                  <p:childTnLst>
+                                    <p:set>
+                                      <p:cBhvr>
+                                        <p:cTn id="6" dur="1" fill="hold">
+                                          <p:stCondLst>
+                                            <p:cond delay="0"/>
+                                          </p:stCondLst>
+                                        </p:cTn>
+                                        <p:tgtEl>
+                                          <p:spTgt spid="4"/>
+                                        </p:tgtEl>
+                                        <p:attrNameLst>
+                                          <p:attrName>style.visibility</p:attrName>
+                                        </p:attrNameLst>
+                                      </p:cBhvr>
+                                      <p:to>
+                                        <p:strVal val="visible"/>
+                                      </p:to>
+                                    </p:set>
+                                    <p:anim calcmode="lin" valueType="num">
+                                      <p:cBhvr additive="base">
+                                        <p:cTn id="7" dur="500" fill="hold"/>
+                                        <p:tgtEl>
+                                          <p:spTgt spid="4"/>
+                                        </p:tgtEl>
+                                        <p:attrNameLst>
+                                          <p:attrName>ppt_x</p:attrName>
+                                        </p:attrNameLst>
+                                      </p:cBhvr>
+                                      <p:tavLst>
+                                        <p:tav tm="0">
+                                          <p:val>
+                                            <p:strVal val="#ppt_x"/>
+                                          </p:val>
+                                        </p:tav>
+                                        <p:tav tm="100000">
+                                          <p:val>
+                                            <p:strVal val="#ppt_x"/>
+                                          </p:val>
+                                        </p:tav>
+                                      </p:tavLst>
+                                    </p:anim>
+                                    <p:anim calcmode="lin" valueType="num">
+                                      <p:cBhvr additive="base">
+                                        <p:cTn id="8" dur="500" fill="hold"/>
+                                        <p:tgtEl>
+                                          <p:spTgt spid="4"/>
+                                        </p:tgtEl>
+                                        <p:attrNameLst>
+                                          <p:attrName>ppt_y</p:attrName>
+                                        </p:attrNameLst>
+                                      </p:cBhvr>
+                                      <p:tavLst>
+                                        <p:tav tm="0">
+                                          <p:val>
+                                            <p:strVal val="1+#ppt_h/2"/>
+                                          </p:val>
+                                        </p:tav>
+                                        <p:tav tm="100000">
+                                          <p:val>
+                                            <p:strVal val="#ppt_y"/>
+                                          </p:val>
+                                        </p:tav>
+                                      </p:tavLst>
+                                    </p:anim>
+                                  </p:childTnLst>
+                                </p:cTn>
+                              </p:par>
+                            </p:childTnLst>
+                          </p:cTn>
+                        </p:par>
+                      </p:childTnLst>
+                    </p:cTn>
+                  </p:par>
+                </p:childTnLst>
+              </p:cTn>
+              <p:prevCondLst>
+                <p:cond evt="onPrev" delay="0">
+                  <p:tgtEl>
+                    <p:sldTgt/>
+                  </p:tgtEl>
+                </p:cond>
+              </p:prevCondLst>
+              <p:nextCondLst>
+                <p:cond evt="onNext" delay="0">
+                  <p:tgtEl>
+                    <p:sldTgt/>
+                  </p:tgtEl>
+                </p:cond>
+              </p:nextCondLst>
+            </p:seq>
+          </p:childTnLst>
+        </p:cTn>
       </p:par>
     </p:tnLst>
+    <p:bldLst>
+      <p:bldP spid="4" grpId="0"/>
+    </p:bldLst>
   </p:timing>
 </p:sld>
 </file>
@@ -16486,6 +17125,43 @@
           </a:p>
         </p:txBody>
       </p:sp>
+      <p:sp>
+        <p:nvSpPr>
+          <p:cNvPr id="6" name="矩形 5"/>
+          <p:cNvSpPr/>
+          <p:nvPr/>
+        </p:nvSpPr>
+        <p:spPr>
+          <a:xfrm>
+            <a:off x="3317434" y="6501626"/>
+            <a:ext cx="5826566" cy="369332"/>
+          </a:xfrm>
+          <a:prstGeom prst="rect">
+            <a:avLst/>
+          </a:prstGeom>
+        </p:spPr>
+        <p:txBody>
+          <a:bodyPr wrap="square">
+            <a:spAutoFit/>
+          </a:bodyPr>
+          <a:lstStyle/>
+          <a:p>
+            <a:r>
+              <a:rPr lang="en-US" altLang="zh-CN" dirty="0" smtClean="0"/>
+              <a:t>Demo</a:t>
+            </a:r>
+            <a:r>
+              <a:rPr lang="zh-CN" altLang="zh-CN" dirty="0" smtClean="0"/>
+              <a:t>:</a:t>
+            </a:r>
+            <a:r>
+              <a:rPr lang="en-US" altLang="zh-CN" dirty="0" err="1"/>
+              <a:t>org.springframework.samples.mvc.response</a:t>
+            </a:r>
+            <a:endParaRPr lang="zh-CN" altLang="en-US" dirty="0"/>
+          </a:p>
+        </p:txBody>
+      </p:sp>
     </p:spTree>
     <p:extLst>
       <p:ext uri="{BB962C8B-B14F-4D97-AF65-F5344CB8AC3E}">
@@ -16499,9 +17175,126 @@
   <p:timing>
     <p:tnLst>
       <p:par>
-        <p:cTn xmlns:p14="http://schemas.microsoft.com/office/powerpoint/2010/main" id="1" dur="indefinite" restart="never" nodeType="tmRoot"/>
+        <p:cTn xmlns:p14="http://schemas.microsoft.com/office/powerpoint/2010/main" id="1" dur="indefinite" restart="never" nodeType="tmRoot">
+          <p:childTnLst>
+            <p:seq concurrent="1" nextAc="seek">
+              <p:cTn id="2" dur="indefinite" nodeType="mainSeq">
+                <p:childTnLst>
+                  <p:par>
+                    <p:cTn id="3" fill="hold">
+                      <p:stCondLst>
+                        <p:cond delay="indefinite"/>
+                      </p:stCondLst>
+                      <p:childTnLst>
+                        <p:par>
+                          <p:cTn id="4" fill="hold">
+                            <p:stCondLst>
+                              <p:cond delay="0"/>
+                            </p:stCondLst>
+                            <p:childTnLst>
+                              <p:par>
+                                <p:cTn id="5" presetID="2" presetClass="entr" presetSubtype="4" fill="hold" grpId="0" nodeType="clickEffect">
+                                  <p:stCondLst>
+                                    <p:cond delay="0"/>
+                                  </p:stCondLst>
+                                  <p:childTnLst>
+                                    <p:set>
+                                      <p:cBhvr>
+                                        <p:cTn id="6" dur="1" fill="hold">
+                                          <p:stCondLst>
+                                            <p:cond delay="0"/>
+                                          </p:stCondLst>
+                                        </p:cTn>
+                                        <p:tgtEl>
+                                          <p:spTgt spid="6"/>
+                                        </p:tgtEl>
+                                        <p:attrNameLst>
+                                          <p:attrName>style.visibility</p:attrName>
+                                        </p:attrNameLst>
+                                      </p:cBhvr>
+                                      <p:to>
+                                        <p:strVal val="visible"/>
+                                      </p:to>
+                                    </p:set>
+                                    <p:anim calcmode="lin" valueType="num">
+                                      <p:cBhvr additive="base">
+                                        <p:cTn id="7" dur="500" fill="hold"/>
+                                        <p:tgtEl>
+                                          <p:spTgt spid="6"/>
+                                        </p:tgtEl>
+                                        <p:attrNameLst>
+                                          <p:attrName>ppt_x</p:attrName>
+                                        </p:attrNameLst>
+                                      </p:cBhvr>
+                                      <p:tavLst>
+                                        <p:tav tm="0">
+                                          <p:val>
+                                            <p:strVal val="#ppt_x"/>
+                                          </p:val>
+                                        </p:tav>
+                                        <p:tav tm="100000">
+                                          <p:val>
+                                            <p:strVal val="#ppt_x"/>
+                                          </p:val>
+                                        </p:tav>
+                                      </p:tavLst>
+                                    </p:anim>
+                                    <p:anim calcmode="lin" valueType="num">
+                                      <p:cBhvr additive="base">
+                                        <p:cTn id="8" dur="500" fill="hold"/>
+                                        <p:tgtEl>
+                                          <p:spTgt spid="6"/>
+                                        </p:tgtEl>
+                                        <p:attrNameLst>
+                                          <p:attrName>ppt_y</p:attrName>
+                                        </p:attrNameLst>
+                                      </p:cBhvr>
+                                      <p:tavLst>
+                                        <p:tav tm="0">
+                                          <p:val>
+                                            <p:strVal val="1+#ppt_h/2"/>
+                                          </p:val>
+                                        </p:tav>
+                                        <p:tav tm="100000">
+                                          <p:val>
+                                            <p:strVal val="#ppt_y"/>
+                                          </p:val>
+                                        </p:tav>
+                                      </p:tavLst>
+                                    </p:anim>
+                                  </p:childTnLst>
+                                </p:cTn>
+                              </p:par>
+                            </p:childTnLst>
+                          </p:cTn>
+                        </p:par>
+                      </p:childTnLst>
+                    </p:cTn>
+                  </p:par>
+                </p:childTnLst>
+              </p:cTn>
+              <p:prevCondLst>
+                <p:cond evt="onPrev" delay="0">
+                  <p:tgtEl>
+                    <p:sldTgt/>
+                  </p:tgtEl>
+                </p:cond>
+              </p:prevCondLst>
+              <p:nextCondLst>
+                <p:cond evt="onNext" delay="0">
+                  <p:tgtEl>
+                    <p:sldTgt/>
+                  </p:tgtEl>
+                </p:cond>
+              </p:nextCondLst>
+            </p:seq>
+          </p:childTnLst>
+        </p:cTn>
       </p:par>
     </p:tnLst>
+    <p:bldLst>
+      <p:bldP spid="6" grpId="0"/>
+    </p:bldLst>
   </p:timing>
 </p:sld>
 </file>
@@ -16535,13 +17328,13 @@
         </p:nvSpPr>
         <p:spPr>
           <a:xfrm>
-            <a:off x="872067" y="1856097"/>
-            <a:ext cx="7408333" cy="3916906"/>
+            <a:off x="872067" y="1856096"/>
+            <a:ext cx="7408333" cy="4622883"/>
           </a:xfrm>
         </p:spPr>
         <p:txBody>
           <a:bodyPr>
-            <a:normAutofit/>
+            <a:normAutofit fontScale="92500" lnSpcReduction="10000"/>
           </a:bodyPr>
           <a:lstStyle/>
           <a:p>
@@ -16627,7 +17420,15 @@
                 <a:ea typeface="+mj-ea"/>
                 <a:cs typeface="Heiti SC Light"/>
               </a:rPr>
-              <a:t>组件</a:t>
+              <a:t>组</a:t>
+            </a:r>
+            <a:r>
+              <a:rPr kumimoji="1" lang="zh-CN" altLang="en-US" sz="2000" dirty="0" smtClean="0">
+                <a:latin typeface="+mj-ea"/>
+                <a:ea typeface="+mj-ea"/>
+                <a:cs typeface="Heiti SC Light"/>
+              </a:rPr>
+              <a:t>件</a:t>
             </a:r>
             <a:endParaRPr kumimoji="1" lang="en-US" altLang="zh-CN" sz="2000" dirty="0" smtClean="0">
               <a:latin typeface="+mj-ea"/>
@@ -16640,6 +17441,17 @@
               <a:buFont typeface="Wingdings" charset="2"/>
               <a:buChar char="Ø"/>
             </a:pPr>
+            <a:endParaRPr kumimoji="1" lang="en-US" altLang="zh-CN" sz="2000" dirty="0" smtClean="0">
+              <a:latin typeface="+mj-ea"/>
+              <a:ea typeface="+mj-ea"/>
+              <a:cs typeface="Heiti SC Light"/>
+            </a:endParaRPr>
+          </a:p>
+          <a:p>
+            <a:pPr>
+              <a:buFont typeface="Wingdings" charset="2"/>
+              <a:buChar char="Ø"/>
+            </a:pPr>
             <a:r>
               <a:rPr kumimoji="1" lang="zh-CN" altLang="en-US" sz="2000" dirty="0" smtClean="0">
                 <a:latin typeface="+mj-ea"/>
@@ -16689,101 +17501,6 @@
               <a:buFont typeface="Wingdings" charset="2"/>
               <a:buChar char="Ø"/>
             </a:pPr>
-            <a:r>
-              <a:rPr kumimoji="1" lang="zh-CN" altLang="en-US" sz="2000" dirty="0">
-                <a:latin typeface="+mj-ea"/>
-                <a:ea typeface="+mj-ea"/>
-                <a:cs typeface="Heiti SC Light"/>
-              </a:rPr>
-              <a:t>对</a:t>
-            </a:r>
-            <a:r>
-              <a:rPr kumimoji="1" lang="zh-CN" altLang="en-US" sz="2000" dirty="0" smtClean="0">
-                <a:latin typeface="+mj-ea"/>
-                <a:ea typeface="+mj-ea"/>
-                <a:cs typeface="Heiti SC Light"/>
-              </a:rPr>
-              <a:t>于标注</a:t>
-            </a:r>
-            <a:r>
-              <a:rPr kumimoji="1" lang="en-US" altLang="zh-CN" sz="2000" dirty="0" smtClean="0">
-                <a:latin typeface="+mj-ea"/>
-                <a:ea typeface="+mj-ea"/>
-                <a:cs typeface="Heiti SC Light"/>
-              </a:rPr>
-              <a:t>@</a:t>
-            </a:r>
-            <a:r>
-              <a:rPr kumimoji="1" lang="en-US" altLang="zh-CN" sz="2000" dirty="0" err="1" smtClean="0">
-                <a:latin typeface="+mj-ea"/>
-                <a:ea typeface="+mj-ea"/>
-                <a:cs typeface="Heiti SC Light"/>
-              </a:rPr>
-              <a:t>ResponseBody</a:t>
-            </a:r>
-            <a:r>
-              <a:rPr kumimoji="1" lang="zh-CN" altLang="en-US" sz="2000" dirty="0" smtClean="0">
-                <a:latin typeface="+mj-ea"/>
-                <a:ea typeface="+mj-ea"/>
-                <a:cs typeface="Heiti SC Light"/>
-              </a:rPr>
-              <a:t>的返回值</a:t>
-            </a:r>
-            <a:r>
-              <a:rPr kumimoji="1" lang="en-US" altLang="zh-CN" sz="2000" dirty="0" smtClean="0">
-                <a:latin typeface="+mj-ea"/>
-                <a:ea typeface="+mj-ea"/>
-                <a:cs typeface="Heiti SC Light"/>
-              </a:rPr>
-              <a:t>, Spring</a:t>
-            </a:r>
-            <a:r>
-              <a:rPr kumimoji="1" lang="zh-CN" altLang="en-US" sz="2000" dirty="0" smtClean="0">
-                <a:latin typeface="+mj-ea"/>
-                <a:ea typeface="+mj-ea"/>
-                <a:cs typeface="Heiti SC Light"/>
-              </a:rPr>
-              <a:t>会根据</a:t>
-            </a:r>
-            <a:r>
-              <a:rPr kumimoji="1" lang="en-US" altLang="zh-CN" sz="2000" dirty="0" smtClean="0">
-                <a:latin typeface="+mj-ea"/>
-                <a:ea typeface="+mj-ea"/>
-                <a:cs typeface="Heiti SC Light"/>
-              </a:rPr>
-              <a:t>Request</a:t>
-            </a:r>
-            <a:r>
-              <a:rPr kumimoji="1" lang="zh-CN" altLang="en-US" sz="2000" dirty="0" smtClean="0">
-                <a:latin typeface="+mj-ea"/>
-                <a:ea typeface="+mj-ea"/>
-                <a:cs typeface="Heiti SC Light"/>
-              </a:rPr>
-              <a:t>中的</a:t>
-            </a:r>
-            <a:r>
-              <a:rPr kumimoji="1" lang="en-US" altLang="zh-CN" sz="2000" dirty="0" smtClean="0">
-                <a:latin typeface="+mj-ea"/>
-                <a:ea typeface="+mj-ea"/>
-                <a:cs typeface="Heiti SC Light"/>
-              </a:rPr>
-              <a:t>Accept</a:t>
-            </a:r>
-            <a:r>
-              <a:rPr kumimoji="1" lang="zh-CN" altLang="en-US" sz="2000" dirty="0" smtClean="0">
-                <a:latin typeface="+mj-ea"/>
-                <a:ea typeface="+mj-ea"/>
-                <a:cs typeface="Heiti SC Light"/>
-              </a:rPr>
-              <a:t>来确定调用哪个</a:t>
-            </a:r>
-            <a:r>
-              <a:rPr kumimoji="1" lang="en-US" altLang="zh-CN" sz="2000" dirty="0" err="1" smtClean="0">
-                <a:latin typeface="+mj-ea"/>
-                <a:cs typeface="Heiti SC Light"/>
-              </a:rPr>
-              <a:t>HttpMessageConverter</a:t>
-            </a:r>
             <a:endParaRPr kumimoji="1" lang="en-US" altLang="zh-CN" sz="2000" dirty="0" smtClean="0">
               <a:latin typeface="+mj-ea"/>
               <a:cs typeface="Heiti SC Light"/>
@@ -16800,7 +17517,7 @@
                 <a:ea typeface="+mj-ea"/>
                 <a:cs typeface="Heiti SC Light"/>
               </a:rPr>
-              <a:t>可</a:t>
+              <a:t>对</a:t>
             </a:r>
             <a:r>
               <a:rPr kumimoji="1" lang="zh-CN" altLang="en-US" sz="2000" dirty="0" smtClean="0">
@@ -16808,7 +17525,79 @@
                 <a:ea typeface="+mj-ea"/>
                 <a:cs typeface="Heiti SC Light"/>
               </a:rPr>
-              <a:t>以自定义</a:t>
+              <a:t>于标注</a:t>
+            </a:r>
+            <a:r>
+              <a:rPr kumimoji="1" lang="en-US" altLang="zh-CN" sz="2000" dirty="0" smtClean="0">
+                <a:latin typeface="+mj-ea"/>
+                <a:ea typeface="+mj-ea"/>
+                <a:cs typeface="Heiti SC Light"/>
+              </a:rPr>
+              <a:t>@</a:t>
+            </a:r>
+            <a:r>
+              <a:rPr kumimoji="1" lang="en-US" altLang="zh-CN" sz="2000" dirty="0" err="1" smtClean="0">
+                <a:latin typeface="+mj-ea"/>
+                <a:ea typeface="+mj-ea"/>
+                <a:cs typeface="Heiti SC Light"/>
+              </a:rPr>
+              <a:t>ResponseBody</a:t>
+            </a:r>
+            <a:r>
+              <a:rPr kumimoji="1" lang="zh-CN" altLang="en-US" sz="2000" dirty="0" smtClean="0">
+                <a:latin typeface="+mj-ea"/>
+                <a:ea typeface="+mj-ea"/>
+                <a:cs typeface="Heiti SC Light"/>
+              </a:rPr>
+              <a:t>的返回值</a:t>
+            </a:r>
+            <a:r>
+              <a:rPr kumimoji="1" lang="en-US" altLang="zh-CN" sz="2000" dirty="0" smtClean="0">
+                <a:latin typeface="+mj-ea"/>
+                <a:ea typeface="+mj-ea"/>
+                <a:cs typeface="Heiti SC Light"/>
+              </a:rPr>
+              <a:t>, Spring</a:t>
+            </a:r>
+            <a:r>
+              <a:rPr kumimoji="1" lang="zh-CN" altLang="en-US" sz="2000" dirty="0" smtClean="0">
+                <a:latin typeface="+mj-ea"/>
+                <a:ea typeface="+mj-ea"/>
+                <a:cs typeface="Heiti SC Light"/>
+              </a:rPr>
+              <a:t>会根据</a:t>
+            </a:r>
+            <a:r>
+              <a:rPr kumimoji="1" lang="en-US" altLang="zh-CN" sz="2000" dirty="0" smtClean="0">
+                <a:latin typeface="+mj-ea"/>
+                <a:ea typeface="+mj-ea"/>
+                <a:cs typeface="Heiti SC Light"/>
+              </a:rPr>
+              <a:t>Request</a:t>
+            </a:r>
+            <a:r>
+              <a:rPr kumimoji="1" lang="zh-CN" altLang="en-US" sz="2000" dirty="0" smtClean="0">
+                <a:latin typeface="+mj-ea"/>
+                <a:ea typeface="+mj-ea"/>
+                <a:cs typeface="Heiti SC Light"/>
+              </a:rPr>
+              <a:t>中的</a:t>
+            </a:r>
+            <a:r>
+              <a:rPr kumimoji="1" lang="en-US" altLang="zh-CN" sz="2000" dirty="0" smtClean="0">
+                <a:latin typeface="+mj-ea"/>
+                <a:ea typeface="+mj-ea"/>
+                <a:cs typeface="Heiti SC Light"/>
+              </a:rPr>
+              <a:t>Accept</a:t>
+            </a:r>
+            <a:r>
+              <a:rPr kumimoji="1" lang="zh-CN" altLang="en-US" sz="2000" dirty="0" smtClean="0">
+                <a:latin typeface="+mj-ea"/>
+                <a:ea typeface="+mj-ea"/>
+                <a:cs typeface="Heiti SC Light"/>
+              </a:rPr>
+              <a:t>来确定调用哪个</a:t>
             </a:r>
             <a:r>
               <a:rPr kumimoji="1" lang="en-US" altLang="zh-CN" sz="2000" dirty="0" err="1" smtClean="0">
@@ -16827,6 +17616,60 @@
               <a:buFont typeface="Wingdings" charset="2"/>
               <a:buChar char="Ø"/>
             </a:pPr>
+            <a:endParaRPr kumimoji="1" lang="en-US" altLang="zh-CN" sz="2000" dirty="0" smtClean="0">
+              <a:latin typeface="+mj-ea"/>
+              <a:cs typeface="Heiti SC Light"/>
+            </a:endParaRPr>
+          </a:p>
+          <a:p>
+            <a:pPr>
+              <a:buFont typeface="Wingdings" charset="2"/>
+              <a:buChar char="Ø"/>
+            </a:pPr>
+            <a:r>
+              <a:rPr kumimoji="1" lang="zh-CN" altLang="en-US" sz="2000" dirty="0">
+                <a:latin typeface="+mj-ea"/>
+                <a:ea typeface="+mj-ea"/>
+                <a:cs typeface="Heiti SC Light"/>
+              </a:rPr>
+              <a:t>可</a:t>
+            </a:r>
+            <a:r>
+              <a:rPr kumimoji="1" lang="zh-CN" altLang="en-US" sz="2000" dirty="0" smtClean="0">
+                <a:latin typeface="+mj-ea"/>
+                <a:ea typeface="+mj-ea"/>
+                <a:cs typeface="Heiti SC Light"/>
+              </a:rPr>
+              <a:t>以自定义</a:t>
+            </a:r>
+            <a:r>
+              <a:rPr kumimoji="1" lang="en-US" altLang="zh-CN" sz="2000" dirty="0" err="1" smtClean="0">
+                <a:latin typeface="+mj-ea"/>
+                <a:cs typeface="Heiti SC Light"/>
+              </a:rPr>
+              <a:t>HttpMessageConverter</a:t>
+            </a:r>
+            <a:endParaRPr kumimoji="1" lang="en-US" altLang="zh-CN" sz="2000" dirty="0" smtClean="0">
+              <a:latin typeface="+mj-ea"/>
+              <a:cs typeface="Heiti SC Light"/>
+            </a:endParaRPr>
+          </a:p>
+          <a:p>
+            <a:pPr>
+              <a:buFont typeface="Wingdings" charset="2"/>
+              <a:buChar char="Ø"/>
+            </a:pPr>
+            <a:endParaRPr kumimoji="1" lang="en-US" altLang="zh-CN" sz="2000" dirty="0" smtClean="0">
+              <a:latin typeface="+mj-ea"/>
+              <a:ea typeface="+mj-ea"/>
+              <a:cs typeface="Heiti SC Light"/>
+            </a:endParaRPr>
+          </a:p>
+          <a:p>
+            <a:pPr>
+              <a:buFont typeface="Wingdings" charset="2"/>
+              <a:buChar char="Ø"/>
+            </a:pPr>
             <a:r>
               <a:rPr kumimoji="1" lang="zh-CN" altLang="zh-CN" sz="2000" dirty="0" smtClean="0">
                 <a:latin typeface="+mj-ea"/>
@@ -16972,6 +17815,17 @@
               <a:t>)</a:t>
             </a:r>
             <a:endParaRPr kumimoji="1" lang="en-US" altLang="zh-CN" sz="2000" dirty="0">
+              <a:latin typeface="+mj-ea"/>
+              <a:ea typeface="+mj-ea"/>
+              <a:cs typeface="Heiti SC Light"/>
+            </a:endParaRPr>
+          </a:p>
+          <a:p>
+            <a:pPr>
+              <a:buFont typeface="Wingdings" charset="2"/>
+              <a:buChar char="Ø"/>
+            </a:pPr>
+            <a:endParaRPr kumimoji="1" lang="en-US" altLang="zh-CN" sz="2000" dirty="0" smtClean="0">
               <a:latin typeface="+mj-ea"/>
               <a:ea typeface="+mj-ea"/>
               <a:cs typeface="Heiti SC Light"/>
@@ -17118,13 +17972,13 @@
         </p:nvSpPr>
         <p:spPr>
           <a:xfrm>
-            <a:off x="872067" y="1972719"/>
-            <a:ext cx="7408333" cy="3780616"/>
+            <a:off x="872067" y="1972718"/>
+            <a:ext cx="7408333" cy="4454429"/>
           </a:xfrm>
         </p:spPr>
         <p:txBody>
           <a:bodyPr>
-            <a:normAutofit/>
+            <a:normAutofit fontScale="92500" lnSpcReduction="10000"/>
           </a:bodyPr>
           <a:lstStyle/>
           <a:p>
@@ -17193,6 +18047,17 @@
             </a:r>
           </a:p>
           <a:p>
+            <a:pPr lvl="1">
+              <a:buFont typeface="Wingdings" charset="2"/>
+              <a:buChar char="Ø"/>
+            </a:pPr>
+            <a:endParaRPr kumimoji="1" lang="en-US" altLang="zh-CN" sz="1800" dirty="0" smtClean="0">
+              <a:latin typeface="+mj-ea"/>
+              <a:ea typeface="+mj-ea"/>
+              <a:cs typeface="Heiti SC Light"/>
+            </a:endParaRPr>
+          </a:p>
+          <a:p>
             <a:pPr>
               <a:buFont typeface="Wingdings" charset="2"/>
               <a:buChar char="Ø"/>
@@ -17258,6 +18123,17 @@
             </a:r>
           </a:p>
           <a:p>
+            <a:pPr lvl="1">
+              <a:buFont typeface="Wingdings" charset="2"/>
+              <a:buChar char="Ø"/>
+            </a:pPr>
+            <a:endParaRPr kumimoji="1" lang="en-US" altLang="zh-CN" sz="1800" dirty="0" smtClean="0">
+              <a:latin typeface="+mj-ea"/>
+              <a:ea typeface="+mj-ea"/>
+              <a:cs typeface="Heiti SC Light"/>
+            </a:endParaRPr>
+          </a:p>
+          <a:p>
             <a:pPr>
               <a:buFont typeface="Wingdings" charset="2"/>
               <a:buChar char="Ø"/>
@@ -17323,6 +18199,17 @@
             </a:r>
           </a:p>
           <a:p>
+            <a:pPr lvl="1">
+              <a:buFont typeface="Wingdings" charset="2"/>
+              <a:buChar char="Ø"/>
+            </a:pPr>
+            <a:endParaRPr kumimoji="1" lang="en-US" altLang="zh-CN" sz="1800" dirty="0" smtClean="0">
+              <a:latin typeface="+mj-ea"/>
+              <a:ea typeface="+mj-ea"/>
+              <a:cs typeface="Heiti SC Light"/>
+            </a:endParaRPr>
+          </a:p>
+          <a:p>
             <a:pPr>
               <a:buFont typeface="Wingdings" charset="2"/>
               <a:buChar char="Ø"/>
@@ -17397,6 +18284,17 @@
               </a:rPr>
               <a:t>类型的数据</a:t>
             </a:r>
+            <a:endParaRPr kumimoji="1" lang="en-US" altLang="zh-CN" sz="1800" dirty="0" smtClean="0">
+              <a:latin typeface="+mj-ea"/>
+              <a:ea typeface="+mj-ea"/>
+              <a:cs typeface="Heiti SC Light"/>
+            </a:endParaRPr>
+          </a:p>
+          <a:p>
+            <a:pPr lvl="1">
+              <a:buFont typeface="Wingdings" charset="2"/>
+              <a:buChar char="Ø"/>
+            </a:pPr>
             <a:endParaRPr kumimoji="1" lang="en-US" altLang="zh-CN" sz="1800" dirty="0" smtClean="0">
               <a:latin typeface="+mj-ea"/>
               <a:ea typeface="+mj-ea"/>
@@ -17569,7 +18467,7 @@
         </p:spPr>
         <p:txBody>
           <a:bodyPr>
-            <a:normAutofit/>
+            <a:normAutofit lnSpcReduction="10000"/>
           </a:bodyPr>
           <a:lstStyle/>
           <a:p>
@@ -17702,7 +18600,7 @@
               <a:t>，或反向</a:t>
             </a:r>
             <a:r>
-              <a:rPr kumimoji="1" lang="en-US" altLang="zh-CN" sz="1800" smtClean="0">
+              <a:rPr kumimoji="1" lang="en-US" altLang="zh-CN" sz="1800" dirty="0" smtClean="0">
                 <a:latin typeface="+mj-ea"/>
                 <a:ea typeface="+mj-ea"/>
                 <a:cs typeface="Heiti SC Light"/>
@@ -17720,6 +18618,133 @@
               <a:buFont typeface="Wingdings" charset="2"/>
               <a:buChar char="Ø"/>
             </a:pPr>
+            <a:endParaRPr kumimoji="1" lang="en-US" altLang="zh-CN" sz="1800" dirty="0" smtClean="0">
+              <a:latin typeface="+mj-ea"/>
+              <a:ea typeface="+mj-ea"/>
+              <a:cs typeface="Heiti SC Light"/>
+            </a:endParaRPr>
+          </a:p>
+          <a:p>
+            <a:pPr>
+              <a:buFont typeface="Wingdings" charset="2"/>
+              <a:buChar char="Ø"/>
+            </a:pPr>
+            <a:r>
+              <a:rPr kumimoji="1" lang="en-US" altLang="zh-CN" sz="2000" dirty="0" err="1" smtClean="0">
+                <a:latin typeface="+mj-ea"/>
+                <a:ea typeface="+mj-ea"/>
+                <a:cs typeface="Heiti SC Light"/>
+              </a:rPr>
+              <a:t>MarshallingHttpMessageConverter</a:t>
+            </a:r>
+            <a:endParaRPr kumimoji="1" lang="en-US" altLang="zh-CN" sz="2000" dirty="0" smtClean="0">
+              <a:latin typeface="+mj-ea"/>
+              <a:ea typeface="+mj-ea"/>
+              <a:cs typeface="Heiti SC Light"/>
+            </a:endParaRPr>
+          </a:p>
+          <a:p>
+            <a:pPr lvl="1">
+              <a:buFont typeface="Wingdings" charset="2"/>
+              <a:buChar char="Ø"/>
+            </a:pPr>
+            <a:r>
+              <a:rPr kumimoji="1" lang="zh-CN" altLang="en-US" sz="1800" dirty="0" smtClean="0">
+                <a:latin typeface="+mj-ea"/>
+                <a:ea typeface="+mj-ea"/>
+                <a:cs typeface="Heiti SC Light"/>
+              </a:rPr>
+              <a:t>处理</a:t>
+            </a:r>
+            <a:r>
+              <a:rPr kumimoji="1" lang="en-US" altLang="zh-CN" sz="1800" dirty="0" smtClean="0">
+                <a:latin typeface="+mj-ea"/>
+                <a:ea typeface="+mj-ea"/>
+                <a:cs typeface="Heiti SC Light"/>
+              </a:rPr>
+              <a:t>XML</a:t>
+            </a:r>
+            <a:r>
+              <a:rPr kumimoji="1" lang="zh-CN" altLang="en-US" sz="1800" dirty="0" smtClean="0">
+                <a:latin typeface="+mj-ea"/>
+                <a:ea typeface="+mj-ea"/>
+                <a:cs typeface="Heiti SC Light"/>
+              </a:rPr>
+              <a:t>，提供了可以自定义</a:t>
+            </a:r>
+            <a:r>
+              <a:rPr kumimoji="1" lang="en-US" altLang="zh-CN" sz="1800" dirty="0" smtClean="0">
+                <a:latin typeface="+mj-ea"/>
+                <a:ea typeface="+mj-ea"/>
+                <a:cs typeface="Heiti SC Light"/>
+              </a:rPr>
+              <a:t>XML</a:t>
+            </a:r>
+            <a:r>
+              <a:rPr kumimoji="1" lang="zh-CN" altLang="en-US" sz="1800" dirty="0" smtClean="0">
+                <a:latin typeface="+mj-ea"/>
+                <a:ea typeface="+mj-ea"/>
+                <a:cs typeface="Heiti SC Light"/>
+              </a:rPr>
+              <a:t>解析、生成的接口</a:t>
+            </a:r>
+            <a:endParaRPr kumimoji="1" lang="en-US" altLang="zh-CN" sz="1800" dirty="0" smtClean="0">
+              <a:latin typeface="+mj-ea"/>
+              <a:ea typeface="+mj-ea"/>
+              <a:cs typeface="Heiti SC Light"/>
+            </a:endParaRPr>
+          </a:p>
+          <a:p>
+            <a:pPr lvl="1">
+              <a:buFont typeface="Wingdings" charset="2"/>
+              <a:buChar char="Ø"/>
+            </a:pPr>
+            <a:endParaRPr kumimoji="1" lang="en-US" altLang="zh-CN" sz="1800" dirty="0" smtClean="0">
+              <a:latin typeface="+mj-ea"/>
+              <a:ea typeface="+mj-ea"/>
+              <a:cs typeface="Heiti SC Light"/>
+            </a:endParaRPr>
+          </a:p>
+          <a:p>
+            <a:pPr>
+              <a:buFont typeface="Wingdings" charset="2"/>
+              <a:buChar char="Ø"/>
+            </a:pPr>
+            <a:r>
+              <a:rPr kumimoji="1" lang="zh-CN" altLang="en-US" sz="2000" dirty="0" smtClean="0">
+                <a:latin typeface="+mj-ea"/>
+                <a:ea typeface="+mj-ea"/>
+                <a:cs typeface="Heiti SC Light"/>
+              </a:rPr>
+              <a:t>自定义</a:t>
+            </a:r>
+            <a:r>
+              <a:rPr kumimoji="1" lang="en-US" altLang="zh-CN" sz="2000" dirty="0" err="1" smtClean="0">
+                <a:latin typeface="+mj-ea"/>
+                <a:ea typeface="+mj-ea"/>
+                <a:cs typeface="Heiti SC Light"/>
+              </a:rPr>
+              <a:t>HttpMessageConverter</a:t>
+            </a:r>
+            <a:endParaRPr kumimoji="1" lang="en-US" altLang="zh-CN" sz="2000" dirty="0" smtClean="0">
+              <a:latin typeface="+mj-ea"/>
+              <a:ea typeface="+mj-ea"/>
+              <a:cs typeface="Heiti SC Light"/>
+            </a:endParaRPr>
+          </a:p>
+          <a:p>
+            <a:pPr lvl="1">
+              <a:buFont typeface="Wingdings" charset="2"/>
+              <a:buChar char="Ø"/>
+            </a:pPr>
+            <a:r>
+              <a:rPr kumimoji="1" lang="en-US" altLang="zh-CN" sz="1800" dirty="0" err="1">
+                <a:latin typeface="+mj-ea"/>
+                <a:ea typeface="+mj-ea"/>
+                <a:cs typeface="Heiti SC Light"/>
+              </a:rPr>
+              <a:t>FastJsonHttpMessageConverter</a:t>
+            </a:r>
             <a:endParaRPr kumimoji="1" lang="en-US" altLang="zh-CN" sz="1800" dirty="0" smtClean="0">
               <a:latin typeface="+mj-ea"/>
               <a:ea typeface="+mj-ea"/>
@@ -17764,10 +18789,1287 @@
           </a:p>
         </p:txBody>
       </p:sp>
+      <p:sp>
+        <p:nvSpPr>
+          <p:cNvPr id="4" name="矩形 3"/>
+          <p:cNvSpPr/>
+          <p:nvPr/>
+        </p:nvSpPr>
+        <p:spPr>
+          <a:xfrm>
+            <a:off x="2980507" y="6501626"/>
+            <a:ext cx="6163493" cy="369332"/>
+          </a:xfrm>
+          <a:prstGeom prst="rect">
+            <a:avLst/>
+          </a:prstGeom>
+        </p:spPr>
+        <p:txBody>
+          <a:bodyPr wrap="square">
+            <a:spAutoFit/>
+          </a:bodyPr>
+          <a:lstStyle/>
+          <a:p>
+            <a:r>
+              <a:rPr lang="en-US" altLang="zh-CN" dirty="0" smtClean="0"/>
+              <a:t>Demo</a:t>
+            </a:r>
+            <a:r>
+              <a:rPr lang="zh-CN" altLang="zh-CN" dirty="0" smtClean="0"/>
+              <a:t>:</a:t>
+            </a:r>
+            <a:r>
+              <a:rPr lang="en-US" altLang="zh-CN" dirty="0" err="1"/>
+              <a:t>org.springframework.samples.mvc.messageconverters</a:t>
+            </a:r>
+            <a:endParaRPr lang="zh-CN" altLang="en-US" dirty="0"/>
+          </a:p>
+        </p:txBody>
+      </p:sp>
     </p:spTree>
     <p:extLst>
       <p:ext uri="{BB962C8B-B14F-4D97-AF65-F5344CB8AC3E}">
         <p14:creationId xmlns:p14="http://schemas.microsoft.com/office/powerpoint/2010/main" val="1854781086"/>
+      </p:ext>
+    </p:extLst>
+  </p:cSld>
+  <p:clrMapOvr>
+    <a:masterClrMapping/>
+  </p:clrMapOvr>
+  <p:timing>
+    <p:tnLst>
+      <p:par>
+        <p:cTn xmlns:p14="http://schemas.microsoft.com/office/powerpoint/2010/main" id="1" dur="indefinite" restart="never" nodeType="tmRoot">
+          <p:childTnLst>
+            <p:seq concurrent="1" nextAc="seek">
+              <p:cTn id="2" dur="indefinite" nodeType="mainSeq">
+                <p:childTnLst>
+                  <p:par>
+                    <p:cTn id="3" fill="hold">
+                      <p:stCondLst>
+                        <p:cond delay="indefinite"/>
+                      </p:stCondLst>
+                      <p:childTnLst>
+                        <p:par>
+                          <p:cTn id="4" fill="hold">
+                            <p:stCondLst>
+                              <p:cond delay="0"/>
+                            </p:stCondLst>
+                            <p:childTnLst>
+                              <p:par>
+                                <p:cTn id="5" presetID="2" presetClass="entr" presetSubtype="4" fill="hold" grpId="0" nodeType="clickEffect">
+                                  <p:stCondLst>
+                                    <p:cond delay="0"/>
+                                  </p:stCondLst>
+                                  <p:childTnLst>
+                                    <p:set>
+                                      <p:cBhvr>
+                                        <p:cTn id="6" dur="1" fill="hold">
+                                          <p:stCondLst>
+                                            <p:cond delay="0"/>
+                                          </p:stCondLst>
+                                        </p:cTn>
+                                        <p:tgtEl>
+                                          <p:spTgt spid="4"/>
+                                        </p:tgtEl>
+                                        <p:attrNameLst>
+                                          <p:attrName>style.visibility</p:attrName>
+                                        </p:attrNameLst>
+                                      </p:cBhvr>
+                                      <p:to>
+                                        <p:strVal val="visible"/>
+                                      </p:to>
+                                    </p:set>
+                                    <p:anim calcmode="lin" valueType="num">
+                                      <p:cBhvr additive="base">
+                                        <p:cTn id="7" dur="500" fill="hold"/>
+                                        <p:tgtEl>
+                                          <p:spTgt spid="4"/>
+                                        </p:tgtEl>
+                                        <p:attrNameLst>
+                                          <p:attrName>ppt_x</p:attrName>
+                                        </p:attrNameLst>
+                                      </p:cBhvr>
+                                      <p:tavLst>
+                                        <p:tav tm="0">
+                                          <p:val>
+                                            <p:strVal val="#ppt_x"/>
+                                          </p:val>
+                                        </p:tav>
+                                        <p:tav tm="100000">
+                                          <p:val>
+                                            <p:strVal val="#ppt_x"/>
+                                          </p:val>
+                                        </p:tav>
+                                      </p:tavLst>
+                                    </p:anim>
+                                    <p:anim calcmode="lin" valueType="num">
+                                      <p:cBhvr additive="base">
+                                        <p:cTn id="8" dur="500" fill="hold"/>
+                                        <p:tgtEl>
+                                          <p:spTgt spid="4"/>
+                                        </p:tgtEl>
+                                        <p:attrNameLst>
+                                          <p:attrName>ppt_y</p:attrName>
+                                        </p:attrNameLst>
+                                      </p:cBhvr>
+                                      <p:tavLst>
+                                        <p:tav tm="0">
+                                          <p:val>
+                                            <p:strVal val="1+#ppt_h/2"/>
+                                          </p:val>
+                                        </p:tav>
+                                        <p:tav tm="100000">
+                                          <p:val>
+                                            <p:strVal val="#ppt_y"/>
+                                          </p:val>
+                                        </p:tav>
+                                      </p:tavLst>
+                                    </p:anim>
+                                  </p:childTnLst>
+                                </p:cTn>
+                              </p:par>
+                            </p:childTnLst>
+                          </p:cTn>
+                        </p:par>
+                      </p:childTnLst>
+                    </p:cTn>
+                  </p:par>
+                </p:childTnLst>
+              </p:cTn>
+              <p:prevCondLst>
+                <p:cond evt="onPrev" delay="0">
+                  <p:tgtEl>
+                    <p:sldTgt/>
+                  </p:tgtEl>
+                </p:cond>
+              </p:prevCondLst>
+              <p:nextCondLst>
+                <p:cond evt="onNext" delay="0">
+                  <p:tgtEl>
+                    <p:sldTgt/>
+                  </p:tgtEl>
+                </p:cond>
+              </p:nextCondLst>
+            </p:seq>
+          </p:childTnLst>
+        </p:cTn>
+      </p:par>
+    </p:tnLst>
+    <p:bldLst>
+      <p:bldP spid="4" grpId="0"/>
+    </p:bldLst>
+  </p:timing>
+</p:sld>
+</file>
+
+<file path=ppt/slides/slide18.xml><?xml version="1.0" encoding="utf-8"?>
+<p:sld xmlns:a="http://schemas.openxmlformats.org/drawingml/2006/main" xmlns:r="http://schemas.openxmlformats.org/officeDocument/2006/relationships" xmlns:p="http://schemas.openxmlformats.org/presentationml/2006/main">
+  <p:cSld>
+    <p:spTree>
+      <p:nvGrpSpPr>
+        <p:cNvPr id="1" name=""/>
+        <p:cNvGrpSpPr/>
+        <p:nvPr/>
+      </p:nvGrpSpPr>
+      <p:grpSpPr>
+        <a:xfrm>
+          <a:off x="0" y="0"/>
+          <a:ext cx="0" cy="0"/>
+          <a:chOff x="0" y="0"/>
+          <a:chExt cx="0" cy="0"/>
+        </a:xfrm>
+      </p:grpSpPr>
+      <p:sp>
+        <p:nvSpPr>
+          <p:cNvPr id="5" name="内容占位符 4"/>
+          <p:cNvSpPr>
+            <a:spLocks noGrp="1"/>
+          </p:cNvSpPr>
+          <p:nvPr>
+            <p:ph idx="1"/>
+          </p:nvPr>
+        </p:nvSpPr>
+        <p:spPr>
+          <a:xfrm>
+            <a:off x="872067" y="1972718"/>
+            <a:ext cx="7408333" cy="4285975"/>
+          </a:xfrm>
+        </p:spPr>
+        <p:txBody>
+          <a:bodyPr>
+            <a:normAutofit lnSpcReduction="10000"/>
+          </a:bodyPr>
+          <a:lstStyle/>
+          <a:p>
+            <a:pPr>
+              <a:buFont typeface="Wingdings" charset="2"/>
+              <a:buChar char="Ø"/>
+            </a:pPr>
+            <a:r>
+              <a:rPr kumimoji="1" lang="en-US" altLang="zh-CN" sz="2000" dirty="0" smtClean="0">
+                <a:latin typeface="+mj-ea"/>
+                <a:ea typeface="+mj-ea"/>
+                <a:cs typeface="Heiti SC Light"/>
+              </a:rPr>
+              <a:t>SpringMVC3</a:t>
+            </a:r>
+            <a:r>
+              <a:rPr kumimoji="1" lang="zh-CN" altLang="en-US" sz="2000" dirty="0" smtClean="0">
+                <a:latin typeface="+mj-ea"/>
+                <a:ea typeface="+mj-ea"/>
+                <a:cs typeface="Heiti SC Light"/>
+              </a:rPr>
+              <a:t>也提供</a:t>
+            </a:r>
+            <a:r>
+              <a:rPr kumimoji="1" lang="en-US" altLang="zh-CN" sz="2000" dirty="0" smtClean="0">
+                <a:latin typeface="+mj-ea"/>
+                <a:ea typeface="+mj-ea"/>
+                <a:cs typeface="Heiti SC Light"/>
+              </a:rPr>
+              <a:t>View</a:t>
+            </a:r>
+            <a:r>
+              <a:rPr kumimoji="1" lang="zh-CN" altLang="en-US" sz="2000" dirty="0" smtClean="0">
+                <a:latin typeface="+mj-ea"/>
+                <a:ea typeface="+mj-ea"/>
+                <a:cs typeface="Heiti SC Light"/>
+              </a:rPr>
+              <a:t>层的展示机制</a:t>
+            </a:r>
+            <a:endParaRPr kumimoji="1" lang="en-US" altLang="zh-CN" sz="2000" dirty="0" smtClean="0">
+              <a:latin typeface="+mj-ea"/>
+              <a:ea typeface="+mj-ea"/>
+              <a:cs typeface="Heiti SC Light"/>
+            </a:endParaRPr>
+          </a:p>
+          <a:p>
+            <a:pPr lvl="1">
+              <a:buFont typeface="Wingdings" charset="2"/>
+              <a:buChar char="Ø"/>
+            </a:pPr>
+            <a:r>
+              <a:rPr kumimoji="1" lang="zh-CN" altLang="en-US" sz="1800" dirty="0" smtClean="0">
+                <a:latin typeface="+mj-ea"/>
+                <a:ea typeface="+mj-ea"/>
+                <a:cs typeface="Heiti SC Light"/>
+              </a:rPr>
+              <a:t>通过模板引擎等生成文本页面。</a:t>
+            </a:r>
+            <a:endParaRPr kumimoji="1" lang="en-US" altLang="zh-CN" sz="1800" dirty="0" smtClean="0">
+              <a:latin typeface="+mj-ea"/>
+              <a:ea typeface="+mj-ea"/>
+              <a:cs typeface="Heiti SC Light"/>
+            </a:endParaRPr>
+          </a:p>
+          <a:p>
+            <a:pPr>
+              <a:buFont typeface="Wingdings" charset="2"/>
+              <a:buChar char="Ø"/>
+            </a:pPr>
+            <a:endParaRPr kumimoji="1" lang="en-US" altLang="zh-CN" sz="2000" dirty="0">
+              <a:latin typeface="+mj-ea"/>
+              <a:ea typeface="+mj-ea"/>
+              <a:cs typeface="Heiti SC Light"/>
+            </a:endParaRPr>
+          </a:p>
+          <a:p>
+            <a:pPr>
+              <a:buFont typeface="Wingdings" charset="2"/>
+              <a:buChar char="Ø"/>
+            </a:pPr>
+            <a:r>
+              <a:rPr kumimoji="1" lang="zh-CN" altLang="en-US" sz="2000" dirty="0" smtClean="0">
+                <a:latin typeface="+mj-ea"/>
+                <a:ea typeface="+mj-ea"/>
+                <a:cs typeface="Heiti SC Light"/>
+              </a:rPr>
+              <a:t>展示</a:t>
+            </a:r>
+            <a:r>
+              <a:rPr kumimoji="1" lang="en-US" altLang="zh-CN" sz="2000" dirty="0" smtClean="0">
+                <a:latin typeface="+mj-ea"/>
+                <a:ea typeface="+mj-ea"/>
+                <a:cs typeface="Heiti SC Light"/>
+              </a:rPr>
+              <a:t>View</a:t>
+            </a:r>
+            <a:r>
+              <a:rPr kumimoji="1" lang="zh-CN" altLang="en-US" sz="2000" dirty="0" smtClean="0">
+                <a:latin typeface="+mj-ea"/>
+                <a:ea typeface="+mj-ea"/>
+                <a:cs typeface="Heiti SC Light"/>
+              </a:rPr>
+              <a:t>用的</a:t>
+            </a:r>
+            <a:r>
+              <a:rPr kumimoji="1" lang="en-US" altLang="zh-CN" sz="2000" dirty="0" smtClean="0">
+                <a:latin typeface="+mj-ea"/>
+                <a:ea typeface="+mj-ea"/>
+                <a:cs typeface="Heiti SC Light"/>
+              </a:rPr>
+              <a:t>Model</a:t>
+            </a:r>
+          </a:p>
+          <a:p>
+            <a:pPr lvl="1">
+              <a:buFont typeface="Wingdings" charset="2"/>
+              <a:buChar char="Ø"/>
+            </a:pPr>
+            <a:r>
+              <a:rPr lang="en-US" altLang="zh-CN" sz="1800" dirty="0" err="1">
+                <a:latin typeface="+mj-ea"/>
+                <a:ea typeface="+mj-ea"/>
+              </a:rPr>
+              <a:t>model.addAttribute</a:t>
+            </a:r>
+            <a:r>
+              <a:rPr lang="en-US" altLang="zh-CN" sz="1800" dirty="0">
+                <a:latin typeface="+mj-ea"/>
+                <a:ea typeface="+mj-ea"/>
+              </a:rPr>
+              <a:t>(“name”, value</a:t>
+            </a:r>
+            <a:r>
+              <a:rPr lang="en-US" altLang="zh-CN" sz="1800" dirty="0" smtClean="0">
+                <a:latin typeface="+mj-ea"/>
+                <a:ea typeface="+mj-ea"/>
+              </a:rPr>
+              <a:t>)</a:t>
+            </a:r>
+          </a:p>
+          <a:p>
+            <a:pPr>
+              <a:buFont typeface="Wingdings" charset="2"/>
+              <a:buChar char="Ø"/>
+            </a:pPr>
+            <a:endParaRPr kumimoji="1" lang="en-US" altLang="zh-CN" sz="2000" dirty="0">
+              <a:latin typeface="+mj-ea"/>
+              <a:ea typeface="+mj-ea"/>
+              <a:cs typeface="Heiti SC Light"/>
+            </a:endParaRPr>
+          </a:p>
+          <a:p>
+            <a:pPr>
+              <a:buFont typeface="Wingdings" charset="2"/>
+              <a:buChar char="Ø"/>
+            </a:pPr>
+            <a:r>
+              <a:rPr kumimoji="1" lang="zh-CN" altLang="en-US" sz="2000" dirty="0" smtClean="0">
+                <a:latin typeface="+mj-ea"/>
+                <a:ea typeface="+mj-ea"/>
+                <a:cs typeface="Heiti SC Light"/>
+              </a:rPr>
+              <a:t>通过方法返回的字符串选择</a:t>
+            </a:r>
+            <a:r>
+              <a:rPr kumimoji="1" lang="en-US" altLang="zh-CN" sz="2000" dirty="0" smtClean="0">
+                <a:latin typeface="+mj-ea"/>
+                <a:ea typeface="+mj-ea"/>
+                <a:cs typeface="Heiti SC Light"/>
+              </a:rPr>
+              <a:t>View</a:t>
+            </a:r>
+            <a:endParaRPr kumimoji="1" lang="en-US" altLang="zh-CN" sz="2000" dirty="0" smtClean="0">
+              <a:latin typeface="+mj-ea"/>
+              <a:ea typeface="+mj-ea"/>
+              <a:cs typeface="Heiti SC Light"/>
+            </a:endParaRPr>
+          </a:p>
+          <a:p>
+            <a:pPr lvl="1">
+              <a:buFont typeface="Wingdings" charset="2"/>
+              <a:buChar char="Ø"/>
+            </a:pPr>
+            <a:r>
+              <a:rPr kumimoji="1" lang="zh-CN" altLang="en-US" sz="1800" dirty="0" smtClean="0">
+                <a:latin typeface="+mj-ea"/>
+                <a:ea typeface="+mj-ea"/>
+                <a:cs typeface="Heiti SC Light"/>
+              </a:rPr>
+              <a:t>方法返回类型不要标注</a:t>
+            </a:r>
+            <a:r>
+              <a:rPr kumimoji="1" lang="en-US" altLang="zh-CN" sz="1800" dirty="0" smtClean="0">
+                <a:latin typeface="+mj-ea"/>
+                <a:ea typeface="+mj-ea"/>
+                <a:cs typeface="Heiti SC Light"/>
+              </a:rPr>
+              <a:t>@</a:t>
+            </a:r>
+            <a:r>
+              <a:rPr kumimoji="1" lang="en-US" altLang="zh-CN" sz="1800" dirty="0" err="1" smtClean="0">
+                <a:latin typeface="+mj-ea"/>
+                <a:ea typeface="+mj-ea"/>
+                <a:cs typeface="Heiti SC Light"/>
+              </a:rPr>
+              <a:t>ResponseBody</a:t>
+            </a:r>
+            <a:endParaRPr kumimoji="1" lang="en-US" altLang="zh-CN" sz="1800" dirty="0" smtClean="0">
+              <a:latin typeface="+mj-ea"/>
+              <a:ea typeface="+mj-ea"/>
+              <a:cs typeface="Heiti SC Light"/>
+            </a:endParaRPr>
+          </a:p>
+          <a:p>
+            <a:pPr lvl="1">
+              <a:buFont typeface="Wingdings" charset="2"/>
+              <a:buChar char="Ø"/>
+            </a:pPr>
+            <a:r>
+              <a:rPr kumimoji="1" lang="zh-CN" altLang="en-US" sz="1800" dirty="0" smtClean="0">
+                <a:latin typeface="+mj-ea"/>
+                <a:ea typeface="+mj-ea"/>
+                <a:cs typeface="Heiti SC Light"/>
+              </a:rPr>
+              <a:t>通过</a:t>
+            </a:r>
+            <a:r>
+              <a:rPr kumimoji="1" lang="en-US" altLang="zh-CN" sz="1800" dirty="0" err="1" smtClean="0">
+                <a:latin typeface="+mj-ea"/>
+                <a:ea typeface="+mj-ea"/>
+                <a:cs typeface="Heiti SC Light"/>
+              </a:rPr>
+              <a:t>ViewResolver</a:t>
+            </a:r>
+            <a:r>
+              <a:rPr kumimoji="1" lang="zh-CN" altLang="en-US" sz="1800" dirty="0" smtClean="0">
+                <a:latin typeface="+mj-ea"/>
+                <a:ea typeface="+mj-ea"/>
+                <a:cs typeface="Heiti SC Light"/>
+              </a:rPr>
+              <a:t>来配置如何找到相应的</a:t>
+            </a:r>
+            <a:r>
+              <a:rPr kumimoji="1" lang="en-US" altLang="zh-CN" sz="1800" dirty="0" smtClean="0">
+                <a:latin typeface="+mj-ea"/>
+                <a:ea typeface="+mj-ea"/>
+                <a:cs typeface="Heiti SC Light"/>
+              </a:rPr>
+              <a:t>View</a:t>
+            </a:r>
+            <a:endParaRPr kumimoji="1" lang="en-US" altLang="zh-CN" sz="1800" dirty="0" smtClean="0">
+              <a:latin typeface="+mj-ea"/>
+              <a:ea typeface="+mj-ea"/>
+              <a:cs typeface="Heiti SC Light"/>
+            </a:endParaRPr>
+          </a:p>
+          <a:p>
+            <a:pPr lvl="1">
+              <a:buFont typeface="Wingdings" charset="2"/>
+              <a:buChar char="Ø"/>
+            </a:pPr>
+            <a:endParaRPr kumimoji="1" lang="en-US" altLang="zh-CN" sz="1800" dirty="0" smtClean="0">
+              <a:latin typeface="+mj-ea"/>
+              <a:ea typeface="+mj-ea"/>
+              <a:cs typeface="Heiti SC Light"/>
+            </a:endParaRPr>
+          </a:p>
+          <a:p>
+            <a:pPr>
+              <a:buFont typeface="Wingdings" charset="2"/>
+              <a:buChar char="Ø"/>
+            </a:pPr>
+            <a:r>
+              <a:rPr kumimoji="1" lang="zh-CN" altLang="en-US" sz="1800" dirty="0" smtClean="0">
+                <a:latin typeface="+mj-ea"/>
+                <a:ea typeface="+mj-ea"/>
+                <a:cs typeface="Heiti SC Light"/>
+              </a:rPr>
+              <a:t>支持</a:t>
+            </a:r>
+            <a:r>
+              <a:rPr kumimoji="1" lang="zh-CN" altLang="en-US" sz="1800" dirty="0" smtClean="0">
+                <a:latin typeface="+mj-ea"/>
+                <a:ea typeface="+mj-ea"/>
+                <a:cs typeface="Heiti SC Light"/>
+              </a:rPr>
+              <a:t>很多</a:t>
+            </a:r>
+            <a:r>
+              <a:rPr kumimoji="1" lang="en-US" altLang="zh-CN" sz="1800" dirty="0" smtClean="0">
+                <a:latin typeface="+mj-ea"/>
+                <a:ea typeface="+mj-ea"/>
+                <a:cs typeface="Heiti SC Light"/>
+              </a:rPr>
+              <a:t>View</a:t>
+            </a:r>
+            <a:r>
+              <a:rPr kumimoji="1" lang="zh-CN" altLang="en-US" sz="1800" dirty="0" smtClean="0">
+                <a:latin typeface="+mj-ea"/>
+                <a:ea typeface="+mj-ea"/>
+                <a:cs typeface="Heiti SC Light"/>
+              </a:rPr>
+              <a:t>层的技术</a:t>
+            </a:r>
+            <a:endParaRPr kumimoji="1" lang="en-US" altLang="zh-CN" sz="1800" dirty="0" smtClean="0">
+              <a:latin typeface="+mj-ea"/>
+              <a:ea typeface="+mj-ea"/>
+              <a:cs typeface="Heiti SC Light"/>
+            </a:endParaRPr>
+          </a:p>
+          <a:p>
+            <a:pPr lvl="1">
+              <a:buFont typeface="Wingdings" charset="2"/>
+              <a:buChar char="Ø"/>
+            </a:pPr>
+            <a:r>
+              <a:rPr kumimoji="1" lang="en-US" altLang="zh-CN" sz="1600" dirty="0" smtClean="0">
+                <a:latin typeface="+mj-ea"/>
+                <a:ea typeface="+mj-ea"/>
+                <a:cs typeface="Heiti SC Light"/>
+              </a:rPr>
+              <a:t>JSP</a:t>
+            </a:r>
+            <a:r>
+              <a:rPr kumimoji="1" lang="zh-CN" altLang="en-US" sz="1600" dirty="0" smtClean="0">
+                <a:latin typeface="+mj-ea"/>
+                <a:ea typeface="+mj-ea"/>
+                <a:cs typeface="Heiti SC Light"/>
+              </a:rPr>
+              <a:t>，</a:t>
+            </a:r>
+            <a:r>
+              <a:rPr kumimoji="1" lang="en-US" altLang="zh-CN" sz="1600" dirty="0" err="1" smtClean="0">
+                <a:latin typeface="+mj-ea"/>
+                <a:ea typeface="+mj-ea"/>
+                <a:cs typeface="Heiti SC Light"/>
+              </a:rPr>
+              <a:t>Freemarker</a:t>
+            </a:r>
+            <a:r>
+              <a:rPr kumimoji="1" lang="zh-CN" altLang="en-US" sz="1600" dirty="0" smtClean="0">
+                <a:latin typeface="+mj-ea"/>
+                <a:ea typeface="+mj-ea"/>
+                <a:cs typeface="Heiti SC Light"/>
+              </a:rPr>
+              <a:t>，</a:t>
+            </a:r>
+            <a:r>
+              <a:rPr kumimoji="1" lang="en-US" altLang="zh-CN" sz="1600" dirty="0" smtClean="0">
+                <a:latin typeface="+mj-ea"/>
+                <a:ea typeface="+mj-ea"/>
+                <a:cs typeface="Heiti SC Light"/>
+              </a:rPr>
+              <a:t>Velocity</a:t>
+            </a:r>
+            <a:r>
+              <a:rPr kumimoji="1" lang="zh-CN" altLang="en-US" sz="1600" dirty="0" smtClean="0">
+                <a:latin typeface="+mj-ea"/>
+                <a:ea typeface="+mj-ea"/>
+                <a:cs typeface="Heiti SC Light"/>
+              </a:rPr>
+              <a:t>，</a:t>
+            </a:r>
+            <a:r>
+              <a:rPr kumimoji="1" lang="en-US" altLang="zh-CN" sz="1600" dirty="0" smtClean="0">
+                <a:latin typeface="+mj-ea"/>
+                <a:ea typeface="+mj-ea"/>
+                <a:cs typeface="Heiti SC Light"/>
+              </a:rPr>
+              <a:t>Tiles</a:t>
+            </a:r>
+            <a:r>
+              <a:rPr kumimoji="1" lang="zh-CN" altLang="en-US" sz="1600" dirty="0" smtClean="0">
+                <a:latin typeface="+mj-ea"/>
+                <a:ea typeface="+mj-ea"/>
+                <a:cs typeface="Heiti SC Light"/>
+              </a:rPr>
+              <a:t>，</a:t>
+            </a:r>
+            <a:r>
+              <a:rPr kumimoji="1" lang="en-US" altLang="zh-CN" sz="1600" dirty="0" err="1" smtClean="0">
+                <a:latin typeface="+mj-ea"/>
+                <a:ea typeface="+mj-ea"/>
+                <a:cs typeface="Heiti SC Light"/>
+              </a:rPr>
+              <a:t>iTextPDF</a:t>
+            </a:r>
+            <a:r>
+              <a:rPr kumimoji="1" lang="zh-CN" altLang="en-US" sz="1600" dirty="0" smtClean="0">
+                <a:latin typeface="+mj-ea"/>
+                <a:ea typeface="+mj-ea"/>
+                <a:cs typeface="Heiti SC Light"/>
+              </a:rPr>
+              <a:t>，</a:t>
+            </a:r>
+            <a:r>
+              <a:rPr kumimoji="1" lang="en-US" altLang="zh-CN" sz="1600" dirty="0" err="1" smtClean="0">
+                <a:latin typeface="+mj-ea"/>
+                <a:ea typeface="+mj-ea"/>
+                <a:cs typeface="Heiti SC Light"/>
+              </a:rPr>
+              <a:t>Jexcel</a:t>
+            </a:r>
+            <a:r>
+              <a:rPr kumimoji="1" lang="zh-CN" altLang="en-US" sz="1600" dirty="0" smtClean="0">
+                <a:latin typeface="+mj-ea"/>
+                <a:ea typeface="+mj-ea"/>
+                <a:cs typeface="Heiti SC Light"/>
+              </a:rPr>
+              <a:t>，</a:t>
+            </a:r>
+            <a:r>
+              <a:rPr kumimoji="1" lang="en-US" altLang="zh-CN" sz="1600" dirty="0" err="1" smtClean="0">
+                <a:latin typeface="+mj-ea"/>
+                <a:ea typeface="+mj-ea"/>
+                <a:cs typeface="Heiti SC Light"/>
+              </a:rPr>
+              <a:t>JapserReport</a:t>
+            </a:r>
+            <a:r>
+              <a:rPr kumimoji="1" lang="zh-CN" altLang="en-US" sz="1600" dirty="0" smtClean="0">
+                <a:latin typeface="+mj-ea"/>
+                <a:ea typeface="+mj-ea"/>
+                <a:cs typeface="Heiti SC Light"/>
+              </a:rPr>
+              <a:t>，</a:t>
+            </a:r>
+            <a:r>
+              <a:rPr kumimoji="1" lang="en-US" altLang="zh-CN" sz="1600" dirty="0" smtClean="0">
+                <a:latin typeface="+mj-ea"/>
+                <a:ea typeface="+mj-ea"/>
+                <a:cs typeface="Heiti SC Light"/>
+              </a:rPr>
+              <a:t>XSLT</a:t>
+            </a:r>
+          </a:p>
+          <a:p>
+            <a:pPr lvl="1">
+              <a:buFont typeface="Wingdings" charset="2"/>
+              <a:buChar char="Ø"/>
+            </a:pPr>
+            <a:r>
+              <a:rPr kumimoji="1" lang="zh-CN" altLang="en-US" sz="1600" dirty="0" smtClean="0">
+                <a:latin typeface="+mj-ea"/>
+                <a:ea typeface="+mj-ea"/>
+                <a:cs typeface="Heiti SC Light"/>
+              </a:rPr>
+              <a:t>自定义</a:t>
+            </a:r>
+            <a:r>
+              <a:rPr kumimoji="1" lang="en-US" altLang="zh-CN" sz="1600" dirty="0" err="1" smtClean="0">
+                <a:latin typeface="+mj-ea"/>
+                <a:ea typeface="+mj-ea"/>
+                <a:cs typeface="Heiti SC Light"/>
+              </a:rPr>
+              <a:t>VIew</a:t>
+            </a:r>
+            <a:endParaRPr kumimoji="1" lang="en-US" altLang="zh-CN" sz="1600" dirty="0" smtClean="0">
+              <a:latin typeface="+mj-ea"/>
+              <a:ea typeface="+mj-ea"/>
+              <a:cs typeface="Heiti SC Light"/>
+            </a:endParaRPr>
+          </a:p>
+        </p:txBody>
+      </p:sp>
+      <p:sp>
+        <p:nvSpPr>
+          <p:cNvPr id="2" name="标题 1"/>
+          <p:cNvSpPr>
+            <a:spLocks noGrp="1"/>
+          </p:cNvSpPr>
+          <p:nvPr>
+            <p:ph type="title"/>
+          </p:nvPr>
+        </p:nvSpPr>
+        <p:spPr/>
+        <p:txBody>
+          <a:bodyPr/>
+          <a:lstStyle/>
+          <a:p>
+            <a:r>
+              <a:rPr kumimoji="1" lang="zh-CN" altLang="en-US" dirty="0" smtClean="0">
+                <a:latin typeface="+mj-ea"/>
+                <a:cs typeface="Heiti SC Light"/>
+              </a:rPr>
+              <a:t>展示</a:t>
+            </a:r>
+            <a:r>
+              <a:rPr kumimoji="1" lang="en-US" altLang="zh-CN" dirty="0" smtClean="0">
+                <a:latin typeface="+mj-ea"/>
+                <a:cs typeface="Heiti SC Light"/>
+              </a:rPr>
+              <a:t>View</a:t>
+            </a:r>
+            <a:endParaRPr kumimoji="1" lang="en-US" altLang="zh-CN" dirty="0">
+              <a:latin typeface="+mj-ea"/>
+              <a:cs typeface="Heiti SC Light"/>
+            </a:endParaRPr>
+          </a:p>
+        </p:txBody>
+      </p:sp>
+      <p:sp>
+        <p:nvSpPr>
+          <p:cNvPr id="4" name="矩形 3"/>
+          <p:cNvSpPr/>
+          <p:nvPr/>
+        </p:nvSpPr>
+        <p:spPr>
+          <a:xfrm>
+            <a:off x="4133833" y="6488668"/>
+            <a:ext cx="5010167" cy="369332"/>
+          </a:xfrm>
+          <a:prstGeom prst="rect">
+            <a:avLst/>
+          </a:prstGeom>
+        </p:spPr>
+        <p:txBody>
+          <a:bodyPr wrap="square">
+            <a:spAutoFit/>
+          </a:bodyPr>
+          <a:lstStyle/>
+          <a:p>
+            <a:r>
+              <a:rPr lang="en-US" altLang="zh-CN" dirty="0" smtClean="0"/>
+              <a:t>Demo</a:t>
+            </a:r>
+            <a:r>
+              <a:rPr lang="zh-CN" altLang="zh-CN" dirty="0" smtClean="0"/>
+              <a:t>:</a:t>
+            </a:r>
+            <a:r>
+              <a:rPr lang="en-US" altLang="zh-CN" dirty="0" err="1"/>
+              <a:t>org.springframework.samples.mvc.views</a:t>
+            </a:r>
+            <a:endParaRPr lang="zh-CN" altLang="en-US" dirty="0"/>
+          </a:p>
+        </p:txBody>
+      </p:sp>
+    </p:spTree>
+    <p:extLst>
+      <p:ext uri="{BB962C8B-B14F-4D97-AF65-F5344CB8AC3E}">
+        <p14:creationId xmlns:p14="http://schemas.microsoft.com/office/powerpoint/2010/main" val="1266575870"/>
+      </p:ext>
+    </p:extLst>
+  </p:cSld>
+  <p:clrMapOvr>
+    <a:masterClrMapping/>
+  </p:clrMapOvr>
+  <p:timing>
+    <p:tnLst>
+      <p:par>
+        <p:cTn xmlns:p14="http://schemas.microsoft.com/office/powerpoint/2010/main" id="1" dur="indefinite" restart="never" nodeType="tmRoot">
+          <p:childTnLst>
+            <p:seq concurrent="1" nextAc="seek">
+              <p:cTn id="2" dur="indefinite" nodeType="mainSeq">
+                <p:childTnLst>
+                  <p:par>
+                    <p:cTn id="3" fill="hold">
+                      <p:stCondLst>
+                        <p:cond delay="indefinite"/>
+                      </p:stCondLst>
+                      <p:childTnLst>
+                        <p:par>
+                          <p:cTn id="4" fill="hold">
+                            <p:stCondLst>
+                              <p:cond delay="0"/>
+                            </p:stCondLst>
+                            <p:childTnLst>
+                              <p:par>
+                                <p:cTn id="5" presetID="2" presetClass="entr" presetSubtype="4" fill="hold" grpId="0" nodeType="clickEffect">
+                                  <p:stCondLst>
+                                    <p:cond delay="0"/>
+                                  </p:stCondLst>
+                                  <p:childTnLst>
+                                    <p:set>
+                                      <p:cBhvr>
+                                        <p:cTn id="6" dur="1" fill="hold">
+                                          <p:stCondLst>
+                                            <p:cond delay="0"/>
+                                          </p:stCondLst>
+                                        </p:cTn>
+                                        <p:tgtEl>
+                                          <p:spTgt spid="4"/>
+                                        </p:tgtEl>
+                                        <p:attrNameLst>
+                                          <p:attrName>style.visibility</p:attrName>
+                                        </p:attrNameLst>
+                                      </p:cBhvr>
+                                      <p:to>
+                                        <p:strVal val="visible"/>
+                                      </p:to>
+                                    </p:set>
+                                    <p:anim calcmode="lin" valueType="num">
+                                      <p:cBhvr additive="base">
+                                        <p:cTn id="7" dur="500" fill="hold"/>
+                                        <p:tgtEl>
+                                          <p:spTgt spid="4"/>
+                                        </p:tgtEl>
+                                        <p:attrNameLst>
+                                          <p:attrName>ppt_x</p:attrName>
+                                        </p:attrNameLst>
+                                      </p:cBhvr>
+                                      <p:tavLst>
+                                        <p:tav tm="0">
+                                          <p:val>
+                                            <p:strVal val="#ppt_x"/>
+                                          </p:val>
+                                        </p:tav>
+                                        <p:tav tm="100000">
+                                          <p:val>
+                                            <p:strVal val="#ppt_x"/>
+                                          </p:val>
+                                        </p:tav>
+                                      </p:tavLst>
+                                    </p:anim>
+                                    <p:anim calcmode="lin" valueType="num">
+                                      <p:cBhvr additive="base">
+                                        <p:cTn id="8" dur="500" fill="hold"/>
+                                        <p:tgtEl>
+                                          <p:spTgt spid="4"/>
+                                        </p:tgtEl>
+                                        <p:attrNameLst>
+                                          <p:attrName>ppt_y</p:attrName>
+                                        </p:attrNameLst>
+                                      </p:cBhvr>
+                                      <p:tavLst>
+                                        <p:tav tm="0">
+                                          <p:val>
+                                            <p:strVal val="1+#ppt_h/2"/>
+                                          </p:val>
+                                        </p:tav>
+                                        <p:tav tm="100000">
+                                          <p:val>
+                                            <p:strVal val="#ppt_y"/>
+                                          </p:val>
+                                        </p:tav>
+                                      </p:tavLst>
+                                    </p:anim>
+                                  </p:childTnLst>
+                                </p:cTn>
+                              </p:par>
+                            </p:childTnLst>
+                          </p:cTn>
+                        </p:par>
+                      </p:childTnLst>
+                    </p:cTn>
+                  </p:par>
+                </p:childTnLst>
+              </p:cTn>
+              <p:prevCondLst>
+                <p:cond evt="onPrev" delay="0">
+                  <p:tgtEl>
+                    <p:sldTgt/>
+                  </p:tgtEl>
+                </p:cond>
+              </p:prevCondLst>
+              <p:nextCondLst>
+                <p:cond evt="onNext" delay="0">
+                  <p:tgtEl>
+                    <p:sldTgt/>
+                  </p:tgtEl>
+                </p:cond>
+              </p:nextCondLst>
+            </p:seq>
+          </p:childTnLst>
+        </p:cTn>
+      </p:par>
+    </p:tnLst>
+    <p:bldLst>
+      <p:bldP spid="4" grpId="0"/>
+    </p:bldLst>
+  </p:timing>
+</p:sld>
+</file>
+
+<file path=ppt/slides/slide19.xml><?xml version="1.0" encoding="utf-8"?>
+<p:sld xmlns:a="http://schemas.openxmlformats.org/drawingml/2006/main" xmlns:r="http://schemas.openxmlformats.org/officeDocument/2006/relationships" xmlns:p="http://schemas.openxmlformats.org/presentationml/2006/main">
+  <p:cSld>
+    <p:spTree>
+      <p:nvGrpSpPr>
+        <p:cNvPr id="1" name=""/>
+        <p:cNvGrpSpPr/>
+        <p:nvPr/>
+      </p:nvGrpSpPr>
+      <p:grpSpPr>
+        <a:xfrm>
+          <a:off x="0" y="0"/>
+          <a:ext cx="0" cy="0"/>
+          <a:chOff x="0" y="0"/>
+          <a:chExt cx="0" cy="0"/>
+        </a:xfrm>
+      </p:grpSpPr>
+      <p:sp>
+        <p:nvSpPr>
+          <p:cNvPr id="5" name="内容占位符 4"/>
+          <p:cNvSpPr>
+            <a:spLocks noGrp="1"/>
+          </p:cNvSpPr>
+          <p:nvPr>
+            <p:ph idx="1"/>
+          </p:nvPr>
+        </p:nvSpPr>
+        <p:spPr>
+          <a:xfrm>
+            <a:off x="872067" y="1972718"/>
+            <a:ext cx="7408333" cy="4285975"/>
+          </a:xfrm>
+        </p:spPr>
+        <p:txBody>
+          <a:bodyPr>
+            <a:normAutofit/>
+          </a:bodyPr>
+          <a:lstStyle/>
+          <a:p>
+            <a:pPr>
+              <a:buFont typeface="Wingdings" charset="2"/>
+              <a:buChar char="Ø"/>
+            </a:pPr>
+            <a:r>
+              <a:rPr kumimoji="1" lang="en-US" altLang="zh-CN" sz="2000" dirty="0" smtClean="0">
+                <a:latin typeface="+mj-ea"/>
+                <a:ea typeface="+mj-ea"/>
+                <a:cs typeface="Heiti SC Light"/>
+              </a:rPr>
+              <a:t>SpringMVC3</a:t>
+            </a:r>
+            <a:r>
+              <a:rPr kumimoji="1" lang="zh-CN" altLang="en-US" sz="2000" dirty="0" smtClean="0">
+                <a:latin typeface="+mj-ea"/>
+                <a:ea typeface="+mj-ea"/>
+                <a:cs typeface="Heiti SC Light"/>
+              </a:rPr>
+              <a:t>提供两种生成</a:t>
+            </a:r>
+            <a:r>
+              <a:rPr kumimoji="1" lang="en-US" altLang="zh-CN" sz="2000" dirty="0" smtClean="0">
+                <a:latin typeface="+mj-ea"/>
+                <a:ea typeface="+mj-ea"/>
+                <a:cs typeface="Heiti SC Light"/>
+              </a:rPr>
+              <a:t>Response</a:t>
+            </a:r>
+            <a:r>
+              <a:rPr kumimoji="1" lang="zh-CN" altLang="en-US" sz="2000" dirty="0" smtClean="0">
+                <a:latin typeface="+mj-ea"/>
+                <a:ea typeface="+mj-ea"/>
+                <a:cs typeface="Heiti SC Light"/>
+              </a:rPr>
+              <a:t>的方式</a:t>
+            </a:r>
+            <a:endParaRPr kumimoji="1" lang="en-US" altLang="zh-CN" sz="2000" dirty="0" smtClean="0">
+              <a:latin typeface="+mj-ea"/>
+              <a:ea typeface="+mj-ea"/>
+              <a:cs typeface="Heiti SC Light"/>
+            </a:endParaRPr>
+          </a:p>
+          <a:p>
+            <a:pPr lvl="1">
+              <a:buFont typeface="Wingdings" charset="2"/>
+              <a:buChar char="Ø"/>
+            </a:pPr>
+            <a:r>
+              <a:rPr kumimoji="1" lang="en-US" altLang="zh-CN" sz="1800" dirty="0" smtClean="0">
+                <a:latin typeface="+mj-ea"/>
+                <a:ea typeface="+mj-ea"/>
+                <a:cs typeface="Heiti SC Light"/>
+              </a:rPr>
+              <a:t>View</a:t>
+            </a:r>
+            <a:r>
+              <a:rPr kumimoji="1" lang="zh-CN" altLang="en-US" sz="1800" dirty="0" smtClean="0">
+                <a:latin typeface="+mj-ea"/>
+                <a:ea typeface="+mj-ea"/>
+                <a:cs typeface="Heiti SC Light"/>
+              </a:rPr>
+              <a:t>层的展示机制</a:t>
+            </a:r>
+            <a:endParaRPr kumimoji="1" lang="en-US" altLang="zh-CN" sz="1800" dirty="0" smtClean="0">
+              <a:latin typeface="+mj-ea"/>
+              <a:ea typeface="+mj-ea"/>
+              <a:cs typeface="Heiti SC Light"/>
+            </a:endParaRPr>
+          </a:p>
+          <a:p>
+            <a:pPr lvl="1">
+              <a:buFont typeface="Wingdings" charset="2"/>
+              <a:buChar char="Ø"/>
+            </a:pPr>
+            <a:r>
+              <a:rPr kumimoji="1" lang="en-US" altLang="zh-CN" sz="1800" dirty="0" smtClean="0">
+                <a:latin typeface="+mj-ea"/>
+                <a:ea typeface="+mj-ea"/>
+                <a:cs typeface="Heiti SC Light"/>
+              </a:rPr>
+              <a:t>@</a:t>
+            </a:r>
+            <a:r>
+              <a:rPr kumimoji="1" lang="en-US" altLang="zh-CN" sz="1800" dirty="0" err="1" smtClean="0">
+                <a:latin typeface="+mj-ea"/>
+                <a:ea typeface="+mj-ea"/>
+                <a:cs typeface="Heiti SC Light"/>
+              </a:rPr>
+              <a:t>ResponseBody</a:t>
+            </a:r>
+            <a:r>
+              <a:rPr kumimoji="1" lang="zh-CN" altLang="en-US" sz="1800" dirty="0" smtClean="0">
+                <a:latin typeface="+mj-ea"/>
+                <a:ea typeface="+mj-ea"/>
+                <a:cs typeface="Heiti SC Light"/>
+              </a:rPr>
+              <a:t>(</a:t>
+            </a:r>
+            <a:r>
+              <a:rPr kumimoji="1" lang="en-US" altLang="zh-CN" sz="1800" dirty="0" err="1" smtClean="0">
+                <a:latin typeface="+mj-ea"/>
+                <a:ea typeface="+mj-ea"/>
+                <a:cs typeface="Heiti SC Light"/>
+              </a:rPr>
+              <a:t>HttpMessageConverter</a:t>
+            </a:r>
+            <a:r>
+              <a:rPr kumimoji="1" lang="en-US" altLang="zh-CN" sz="1800" dirty="0" smtClean="0">
+                <a:latin typeface="+mj-ea"/>
+                <a:ea typeface="+mj-ea"/>
+                <a:cs typeface="Heiti SC Light"/>
+              </a:rPr>
+              <a:t>)</a:t>
+            </a:r>
+          </a:p>
+          <a:p>
+            <a:pPr>
+              <a:buFont typeface="Wingdings" charset="2"/>
+              <a:buChar char="Ø"/>
+            </a:pPr>
+            <a:endParaRPr kumimoji="1" lang="en-US" altLang="zh-CN" sz="2000" dirty="0">
+              <a:latin typeface="+mj-ea"/>
+              <a:ea typeface="+mj-ea"/>
+              <a:cs typeface="Heiti SC Light"/>
+            </a:endParaRPr>
+          </a:p>
+          <a:p>
+            <a:pPr>
+              <a:buFont typeface="Wingdings" charset="2"/>
+              <a:buChar char="Ø"/>
+            </a:pPr>
+            <a:r>
+              <a:rPr kumimoji="1" lang="zh-CN" altLang="en-US" sz="2000" dirty="0" smtClean="0">
+                <a:latin typeface="+mj-ea"/>
+                <a:ea typeface="+mj-ea"/>
+                <a:cs typeface="Heiti SC Light"/>
+              </a:rPr>
+              <a:t>改用哪一种？</a:t>
+            </a:r>
+            <a:endParaRPr kumimoji="1" lang="en-US" altLang="zh-CN" sz="2000" dirty="0" smtClean="0">
+              <a:latin typeface="+mj-ea"/>
+              <a:ea typeface="+mj-ea"/>
+              <a:cs typeface="Heiti SC Light"/>
+            </a:endParaRPr>
+          </a:p>
+          <a:p>
+            <a:pPr lvl="1">
+              <a:buFont typeface="Wingdings" charset="2"/>
+              <a:buChar char="Ø"/>
+            </a:pPr>
+            <a:r>
+              <a:rPr lang="zh-CN" altLang="en-US" sz="1800" dirty="0" smtClean="0">
+                <a:latin typeface="+mj-ea"/>
+                <a:ea typeface="+mj-ea"/>
+              </a:rPr>
+              <a:t>当需要生成浏览器显示的文档时用</a:t>
+            </a:r>
+            <a:r>
+              <a:rPr lang="en-US" altLang="zh-CN" sz="1800" dirty="0" smtClean="0">
+                <a:latin typeface="+mj-ea"/>
+                <a:ea typeface="+mj-ea"/>
+              </a:rPr>
+              <a:t>View</a:t>
+            </a:r>
+            <a:r>
+              <a:rPr lang="zh-CN" altLang="en-US" sz="1800" dirty="0" smtClean="0">
+                <a:latin typeface="+mj-ea"/>
+                <a:ea typeface="+mj-ea"/>
+              </a:rPr>
+              <a:t>，例如</a:t>
+            </a:r>
+            <a:r>
+              <a:rPr lang="en-US" altLang="zh-CN" sz="1800" dirty="0" smtClean="0">
+                <a:latin typeface="+mj-ea"/>
+                <a:ea typeface="+mj-ea"/>
+              </a:rPr>
+              <a:t>HTML</a:t>
+            </a:r>
+            <a:r>
+              <a:rPr lang="zh-CN" altLang="en-US" sz="1800" dirty="0" smtClean="0">
+                <a:latin typeface="+mj-ea"/>
+                <a:ea typeface="+mj-ea"/>
+              </a:rPr>
+              <a:t>，</a:t>
+            </a:r>
+            <a:r>
+              <a:rPr lang="en-US" altLang="zh-CN" sz="1800" dirty="0" smtClean="0">
+                <a:latin typeface="+mj-ea"/>
+                <a:ea typeface="+mj-ea"/>
+              </a:rPr>
+              <a:t>PDF</a:t>
+            </a:r>
+            <a:r>
+              <a:rPr lang="zh-CN" altLang="en-US" sz="1800" dirty="0" smtClean="0">
+                <a:latin typeface="+mj-ea"/>
+                <a:ea typeface="+mj-ea"/>
+              </a:rPr>
+              <a:t>等</a:t>
+            </a:r>
+            <a:endParaRPr lang="en-US" altLang="zh-CN" sz="1800" dirty="0" smtClean="0">
+              <a:latin typeface="+mj-ea"/>
+              <a:ea typeface="+mj-ea"/>
+            </a:endParaRPr>
+          </a:p>
+          <a:p>
+            <a:pPr lvl="1">
+              <a:buFont typeface="Wingdings" charset="2"/>
+              <a:buChar char="Ø"/>
+            </a:pPr>
+            <a:r>
+              <a:rPr lang="zh-CN" altLang="en-US" sz="1800" dirty="0" smtClean="0">
+                <a:latin typeface="+mj-ea"/>
+                <a:ea typeface="+mj-ea"/>
+              </a:rPr>
+              <a:t>当需要提供</a:t>
+            </a:r>
+            <a:r>
+              <a:rPr lang="en-US" altLang="zh-CN" sz="1800" dirty="0" smtClean="0">
+                <a:latin typeface="+mj-ea"/>
+                <a:ea typeface="+mj-ea"/>
+              </a:rPr>
+              <a:t>Web</a:t>
+            </a:r>
+            <a:r>
+              <a:rPr lang="zh-CN" altLang="en-US" sz="1800" dirty="0" smtClean="0">
+                <a:latin typeface="+mj-ea"/>
+                <a:ea typeface="+mj-ea"/>
+              </a:rPr>
+              <a:t>服务是用</a:t>
+            </a:r>
+            <a:r>
+              <a:rPr lang="en-US" altLang="zh-CN" sz="1800" dirty="0" smtClean="0">
+                <a:latin typeface="+mj-ea"/>
+                <a:ea typeface="+mj-ea"/>
+              </a:rPr>
+              <a:t>@</a:t>
+            </a:r>
+            <a:r>
+              <a:rPr lang="en-US" altLang="zh-CN" sz="1800" dirty="0" err="1" smtClean="0">
+                <a:latin typeface="+mj-ea"/>
+                <a:ea typeface="+mj-ea"/>
+              </a:rPr>
+              <a:t>ResponseBody</a:t>
+            </a:r>
+            <a:r>
+              <a:rPr lang="zh-CN" altLang="en-US" sz="1800" dirty="0" smtClean="0">
+                <a:latin typeface="+mj-ea"/>
+                <a:ea typeface="+mj-ea"/>
+              </a:rPr>
+              <a:t>，例如</a:t>
+            </a:r>
+            <a:r>
+              <a:rPr lang="en-US" altLang="zh-CN" sz="1800" dirty="0" smtClean="0">
+                <a:latin typeface="+mj-ea"/>
+                <a:ea typeface="+mj-ea"/>
+              </a:rPr>
+              <a:t>JSON</a:t>
+            </a:r>
+            <a:r>
+              <a:rPr lang="zh-CN" altLang="en-US" sz="1800" dirty="0" smtClean="0">
+                <a:latin typeface="+mj-ea"/>
+                <a:ea typeface="+mj-ea"/>
+              </a:rPr>
+              <a:t>，</a:t>
+            </a:r>
+            <a:r>
+              <a:rPr lang="en-US" altLang="zh-CN" sz="1800" dirty="0" smtClean="0">
+                <a:latin typeface="+mj-ea"/>
+                <a:ea typeface="+mj-ea"/>
+              </a:rPr>
+              <a:t>XML</a:t>
+            </a:r>
+            <a:r>
+              <a:rPr lang="zh-CN" altLang="en-US" sz="1800" dirty="0" smtClean="0">
+                <a:latin typeface="+mj-ea"/>
+                <a:ea typeface="+mj-ea"/>
+              </a:rPr>
+              <a:t>等</a:t>
+            </a:r>
+            <a:endParaRPr kumimoji="1" lang="en-US" altLang="zh-CN" sz="1600" dirty="0" smtClean="0">
+              <a:latin typeface="+mj-ea"/>
+              <a:ea typeface="+mj-ea"/>
+              <a:cs typeface="Heiti SC Light"/>
+            </a:endParaRPr>
+          </a:p>
+        </p:txBody>
+      </p:sp>
+      <p:sp>
+        <p:nvSpPr>
+          <p:cNvPr id="2" name="标题 1"/>
+          <p:cNvSpPr>
+            <a:spLocks noGrp="1"/>
+          </p:cNvSpPr>
+          <p:nvPr>
+            <p:ph type="title"/>
+          </p:nvPr>
+        </p:nvSpPr>
+        <p:spPr/>
+        <p:txBody>
+          <a:bodyPr>
+            <a:normAutofit/>
+          </a:bodyPr>
+          <a:lstStyle/>
+          <a:p>
+            <a:r>
+              <a:rPr kumimoji="1" lang="en-US" altLang="zh-CN" dirty="0" smtClean="0">
+                <a:latin typeface="+mj-ea"/>
+                <a:cs typeface="Heiti SC Light"/>
+              </a:rPr>
+              <a:t>View</a:t>
+            </a:r>
+            <a:r>
+              <a:rPr kumimoji="1" lang="zh-CN" altLang="en-US" dirty="0" smtClean="0">
+                <a:latin typeface="+mj-ea"/>
+                <a:cs typeface="Heiti SC Light"/>
+              </a:rPr>
+              <a:t> </a:t>
+            </a:r>
+            <a:r>
+              <a:rPr kumimoji="1" lang="en-US" altLang="zh-CN" dirty="0" err="1" smtClean="0">
+                <a:latin typeface="+mj-ea"/>
+                <a:cs typeface="Heiti SC Light"/>
+              </a:rPr>
+              <a:t>vs</a:t>
+            </a:r>
+            <a:r>
+              <a:rPr kumimoji="1" lang="zh-CN" altLang="en-US" dirty="0" smtClean="0">
+                <a:latin typeface="+mj-ea"/>
+                <a:cs typeface="Heiti SC Light"/>
+              </a:rPr>
+              <a:t>. </a:t>
+            </a:r>
+            <a:r>
+              <a:rPr kumimoji="1" lang="zh-CN" altLang="zh-CN" dirty="0" smtClean="0">
+                <a:latin typeface="+mj-ea"/>
+                <a:cs typeface="Heiti SC Light"/>
+              </a:rPr>
+              <a:t>@</a:t>
+            </a:r>
+            <a:r>
+              <a:rPr kumimoji="1" lang="en-US" altLang="zh-CN" dirty="0" err="1" smtClean="0">
+                <a:latin typeface="+mj-ea"/>
+                <a:cs typeface="Heiti SC Light"/>
+              </a:rPr>
+              <a:t>ResponseBody</a:t>
+            </a:r>
+            <a:endParaRPr kumimoji="1" lang="en-US" altLang="zh-CN" dirty="0">
+              <a:latin typeface="+mj-ea"/>
+              <a:cs typeface="Heiti SC Light"/>
+            </a:endParaRPr>
+          </a:p>
+        </p:txBody>
+      </p:sp>
+    </p:spTree>
+    <p:extLst>
+      <p:ext uri="{BB962C8B-B14F-4D97-AF65-F5344CB8AC3E}">
+        <p14:creationId xmlns:p14="http://schemas.microsoft.com/office/powerpoint/2010/main" val="2851563735"/>
       </p:ext>
     </p:extLst>
   </p:cSld>
@@ -18185,6 +20487,537 @@
 </p:sld>
 </file>
 
+<file path=ppt/slides/slide20.xml><?xml version="1.0" encoding="utf-8"?>
+<p:sld xmlns:a="http://schemas.openxmlformats.org/drawingml/2006/main" xmlns:r="http://schemas.openxmlformats.org/officeDocument/2006/relationships" xmlns:p="http://schemas.openxmlformats.org/presentationml/2006/main">
+  <p:cSld>
+    <p:spTree>
+      <p:nvGrpSpPr>
+        <p:cNvPr id="1" name=""/>
+        <p:cNvGrpSpPr/>
+        <p:nvPr/>
+      </p:nvGrpSpPr>
+      <p:grpSpPr>
+        <a:xfrm>
+          <a:off x="0" y="0"/>
+          <a:ext cx="0" cy="0"/>
+          <a:chOff x="0" y="0"/>
+          <a:chExt cx="0" cy="0"/>
+        </a:xfrm>
+      </p:grpSpPr>
+      <p:sp>
+        <p:nvSpPr>
+          <p:cNvPr id="5" name="内容占位符 4"/>
+          <p:cNvSpPr>
+            <a:spLocks noGrp="1"/>
+          </p:cNvSpPr>
+          <p:nvPr>
+            <p:ph idx="1"/>
+          </p:nvPr>
+        </p:nvSpPr>
+        <p:spPr>
+          <a:xfrm>
+            <a:off x="872067" y="1972718"/>
+            <a:ext cx="7408333" cy="4285975"/>
+          </a:xfrm>
+        </p:spPr>
+        <p:txBody>
+          <a:bodyPr>
+            <a:normAutofit/>
+          </a:bodyPr>
+          <a:lstStyle/>
+          <a:p>
+            <a:pPr>
+              <a:buFont typeface="Wingdings" charset="2"/>
+              <a:buChar char="Ø"/>
+            </a:pPr>
+            <a:r>
+              <a:rPr kumimoji="1" lang="en-US" altLang="zh-CN" sz="2000" dirty="0" smtClean="0">
+                <a:latin typeface="+mj-ea"/>
+                <a:ea typeface="+mj-ea"/>
+                <a:cs typeface="Heiti SC Light"/>
+              </a:rPr>
+              <a:t>SpringMVC3</a:t>
+            </a:r>
+            <a:r>
+              <a:rPr kumimoji="1" lang="zh-CN" altLang="en-US" sz="2000" dirty="0" smtClean="0">
+                <a:latin typeface="+mj-ea"/>
+                <a:ea typeface="+mj-ea"/>
+                <a:cs typeface="Heiti SC Light"/>
+              </a:rPr>
+              <a:t>提供两种生成</a:t>
+            </a:r>
+            <a:r>
+              <a:rPr kumimoji="1" lang="en-US" altLang="zh-CN" sz="2000" dirty="0" smtClean="0">
+                <a:latin typeface="+mj-ea"/>
+                <a:ea typeface="+mj-ea"/>
+                <a:cs typeface="Heiti SC Light"/>
+              </a:rPr>
+              <a:t>Response</a:t>
+            </a:r>
+            <a:r>
+              <a:rPr kumimoji="1" lang="zh-CN" altLang="en-US" sz="2000" dirty="0" smtClean="0">
+                <a:latin typeface="+mj-ea"/>
+                <a:ea typeface="+mj-ea"/>
+                <a:cs typeface="Heiti SC Light"/>
+              </a:rPr>
+              <a:t>的方式</a:t>
+            </a:r>
+            <a:endParaRPr kumimoji="1" lang="en-US" altLang="zh-CN" sz="2000" dirty="0" smtClean="0">
+              <a:latin typeface="+mj-ea"/>
+              <a:ea typeface="+mj-ea"/>
+              <a:cs typeface="Heiti SC Light"/>
+            </a:endParaRPr>
+          </a:p>
+          <a:p>
+            <a:pPr lvl="1">
+              <a:buFont typeface="Wingdings" charset="2"/>
+              <a:buChar char="Ø"/>
+            </a:pPr>
+            <a:r>
+              <a:rPr kumimoji="1" lang="en-US" altLang="zh-CN" sz="1800" dirty="0" smtClean="0">
+                <a:latin typeface="+mj-ea"/>
+                <a:ea typeface="+mj-ea"/>
+                <a:cs typeface="Heiti SC Light"/>
+              </a:rPr>
+              <a:t>View</a:t>
+            </a:r>
+            <a:r>
+              <a:rPr kumimoji="1" lang="zh-CN" altLang="en-US" sz="1800" dirty="0" smtClean="0">
+                <a:latin typeface="+mj-ea"/>
+                <a:ea typeface="+mj-ea"/>
+                <a:cs typeface="Heiti SC Light"/>
+              </a:rPr>
+              <a:t>层的展示机制</a:t>
+            </a:r>
+            <a:endParaRPr kumimoji="1" lang="en-US" altLang="zh-CN" sz="1800" dirty="0" smtClean="0">
+              <a:latin typeface="+mj-ea"/>
+              <a:ea typeface="+mj-ea"/>
+              <a:cs typeface="Heiti SC Light"/>
+            </a:endParaRPr>
+          </a:p>
+          <a:p>
+            <a:pPr lvl="1">
+              <a:buFont typeface="Wingdings" charset="2"/>
+              <a:buChar char="Ø"/>
+            </a:pPr>
+            <a:r>
+              <a:rPr kumimoji="1" lang="en-US" altLang="zh-CN" sz="1800" dirty="0" smtClean="0">
+                <a:latin typeface="+mj-ea"/>
+                <a:ea typeface="+mj-ea"/>
+                <a:cs typeface="Heiti SC Light"/>
+              </a:rPr>
+              <a:t>@</a:t>
+            </a:r>
+            <a:r>
+              <a:rPr kumimoji="1" lang="en-US" altLang="zh-CN" sz="1800" dirty="0" err="1" smtClean="0">
+                <a:latin typeface="+mj-ea"/>
+                <a:ea typeface="+mj-ea"/>
+                <a:cs typeface="Heiti SC Light"/>
+              </a:rPr>
+              <a:t>ResponseBody</a:t>
+            </a:r>
+            <a:r>
+              <a:rPr kumimoji="1" lang="zh-CN" altLang="en-US" sz="1800" dirty="0" smtClean="0">
+                <a:latin typeface="+mj-ea"/>
+                <a:ea typeface="+mj-ea"/>
+                <a:cs typeface="Heiti SC Light"/>
+              </a:rPr>
+              <a:t>(</a:t>
+            </a:r>
+            <a:r>
+              <a:rPr kumimoji="1" lang="en-US" altLang="zh-CN" sz="1800" dirty="0" err="1" smtClean="0">
+                <a:latin typeface="+mj-ea"/>
+                <a:ea typeface="+mj-ea"/>
+                <a:cs typeface="Heiti SC Light"/>
+              </a:rPr>
+              <a:t>HttpMessageConverter</a:t>
+            </a:r>
+            <a:r>
+              <a:rPr kumimoji="1" lang="en-US" altLang="zh-CN" sz="1800" dirty="0" smtClean="0">
+                <a:latin typeface="+mj-ea"/>
+                <a:ea typeface="+mj-ea"/>
+                <a:cs typeface="Heiti SC Light"/>
+              </a:rPr>
+              <a:t>)</a:t>
+            </a:r>
+          </a:p>
+          <a:p>
+            <a:pPr>
+              <a:buFont typeface="Wingdings" charset="2"/>
+              <a:buChar char="Ø"/>
+            </a:pPr>
+            <a:endParaRPr kumimoji="1" lang="en-US" altLang="zh-CN" sz="2000" dirty="0">
+              <a:latin typeface="+mj-ea"/>
+              <a:ea typeface="+mj-ea"/>
+              <a:cs typeface="Heiti SC Light"/>
+            </a:endParaRPr>
+          </a:p>
+          <a:p>
+            <a:pPr>
+              <a:buFont typeface="Wingdings" charset="2"/>
+              <a:buChar char="Ø"/>
+            </a:pPr>
+            <a:r>
+              <a:rPr kumimoji="1" lang="zh-CN" altLang="en-US" sz="2000" dirty="0" smtClean="0">
+                <a:latin typeface="+mj-ea"/>
+                <a:ea typeface="+mj-ea"/>
+                <a:cs typeface="Heiti SC Light"/>
+              </a:rPr>
+              <a:t>改用哪一种？</a:t>
+            </a:r>
+            <a:endParaRPr kumimoji="1" lang="en-US" altLang="zh-CN" sz="2000" dirty="0" smtClean="0">
+              <a:latin typeface="+mj-ea"/>
+              <a:ea typeface="+mj-ea"/>
+              <a:cs typeface="Heiti SC Light"/>
+            </a:endParaRPr>
+          </a:p>
+          <a:p>
+            <a:pPr lvl="1">
+              <a:buFont typeface="Wingdings" charset="2"/>
+              <a:buChar char="Ø"/>
+            </a:pPr>
+            <a:r>
+              <a:rPr lang="zh-CN" altLang="en-US" sz="1800" dirty="0" smtClean="0">
+                <a:latin typeface="+mj-ea"/>
+                <a:ea typeface="+mj-ea"/>
+              </a:rPr>
+              <a:t>当需要生成浏览器显示的文档时用</a:t>
+            </a:r>
+            <a:r>
+              <a:rPr lang="en-US" altLang="zh-CN" sz="1800" dirty="0" smtClean="0">
+                <a:latin typeface="+mj-ea"/>
+                <a:ea typeface="+mj-ea"/>
+              </a:rPr>
+              <a:t>View</a:t>
+            </a:r>
+            <a:r>
+              <a:rPr lang="zh-CN" altLang="en-US" sz="1800" dirty="0" smtClean="0">
+                <a:latin typeface="+mj-ea"/>
+                <a:ea typeface="+mj-ea"/>
+              </a:rPr>
+              <a:t>，例如</a:t>
+            </a:r>
+            <a:r>
+              <a:rPr lang="en-US" altLang="zh-CN" sz="1800" dirty="0" smtClean="0">
+                <a:latin typeface="+mj-ea"/>
+                <a:ea typeface="+mj-ea"/>
+              </a:rPr>
+              <a:t>HTML</a:t>
+            </a:r>
+            <a:r>
+              <a:rPr lang="zh-CN" altLang="en-US" sz="1800" dirty="0" smtClean="0">
+                <a:latin typeface="+mj-ea"/>
+                <a:ea typeface="+mj-ea"/>
+              </a:rPr>
+              <a:t>，</a:t>
+            </a:r>
+            <a:r>
+              <a:rPr lang="en-US" altLang="zh-CN" sz="1800" dirty="0" smtClean="0">
+                <a:latin typeface="+mj-ea"/>
+                <a:ea typeface="+mj-ea"/>
+              </a:rPr>
+              <a:t>PDF</a:t>
+            </a:r>
+            <a:r>
+              <a:rPr lang="zh-CN" altLang="en-US" sz="1800" dirty="0" smtClean="0">
+                <a:latin typeface="+mj-ea"/>
+                <a:ea typeface="+mj-ea"/>
+              </a:rPr>
+              <a:t>等</a:t>
+            </a:r>
+            <a:endParaRPr lang="en-US" altLang="zh-CN" sz="1800" dirty="0" smtClean="0">
+              <a:latin typeface="+mj-ea"/>
+              <a:ea typeface="+mj-ea"/>
+            </a:endParaRPr>
+          </a:p>
+          <a:p>
+            <a:pPr lvl="1">
+              <a:buFont typeface="Wingdings" charset="2"/>
+              <a:buChar char="Ø"/>
+            </a:pPr>
+            <a:r>
+              <a:rPr lang="zh-CN" altLang="en-US" sz="1800" dirty="0" smtClean="0">
+                <a:latin typeface="+mj-ea"/>
+                <a:ea typeface="+mj-ea"/>
+              </a:rPr>
+              <a:t>当需要提供</a:t>
+            </a:r>
+            <a:r>
+              <a:rPr lang="en-US" altLang="zh-CN" sz="1800" dirty="0" smtClean="0">
+                <a:latin typeface="+mj-ea"/>
+                <a:ea typeface="+mj-ea"/>
+              </a:rPr>
+              <a:t>Web</a:t>
+            </a:r>
+            <a:r>
+              <a:rPr lang="zh-CN" altLang="en-US" sz="1800" dirty="0" smtClean="0">
+                <a:latin typeface="+mj-ea"/>
+                <a:ea typeface="+mj-ea"/>
+              </a:rPr>
+              <a:t>服务是用</a:t>
+            </a:r>
+            <a:r>
+              <a:rPr lang="en-US" altLang="zh-CN" sz="1800" dirty="0" smtClean="0">
+                <a:latin typeface="+mj-ea"/>
+                <a:ea typeface="+mj-ea"/>
+              </a:rPr>
+              <a:t>@</a:t>
+            </a:r>
+            <a:r>
+              <a:rPr lang="en-US" altLang="zh-CN" sz="1800" dirty="0" err="1" smtClean="0">
+                <a:latin typeface="+mj-ea"/>
+                <a:ea typeface="+mj-ea"/>
+              </a:rPr>
+              <a:t>ResponseBody</a:t>
+            </a:r>
+            <a:r>
+              <a:rPr lang="zh-CN" altLang="en-US" sz="1800" dirty="0" smtClean="0">
+                <a:latin typeface="+mj-ea"/>
+                <a:ea typeface="+mj-ea"/>
+              </a:rPr>
+              <a:t>，例如</a:t>
+            </a:r>
+            <a:r>
+              <a:rPr lang="en-US" altLang="zh-CN" sz="1800" dirty="0" smtClean="0">
+                <a:latin typeface="+mj-ea"/>
+                <a:ea typeface="+mj-ea"/>
+              </a:rPr>
+              <a:t>JSON</a:t>
+            </a:r>
+            <a:r>
+              <a:rPr lang="zh-CN" altLang="en-US" sz="1800" dirty="0" smtClean="0">
+                <a:latin typeface="+mj-ea"/>
+                <a:ea typeface="+mj-ea"/>
+              </a:rPr>
+              <a:t>，</a:t>
+            </a:r>
+            <a:r>
+              <a:rPr lang="en-US" altLang="zh-CN" sz="1800" dirty="0" smtClean="0">
+                <a:latin typeface="+mj-ea"/>
+                <a:ea typeface="+mj-ea"/>
+              </a:rPr>
+              <a:t>XML</a:t>
+            </a:r>
+            <a:r>
+              <a:rPr lang="zh-CN" altLang="en-US" sz="1800" dirty="0" smtClean="0">
+                <a:latin typeface="+mj-ea"/>
+                <a:ea typeface="+mj-ea"/>
+              </a:rPr>
+              <a:t>等</a:t>
+            </a:r>
+            <a:endParaRPr kumimoji="1" lang="en-US" altLang="zh-CN" sz="1600" dirty="0" smtClean="0">
+              <a:latin typeface="+mj-ea"/>
+              <a:ea typeface="+mj-ea"/>
+              <a:cs typeface="Heiti SC Light"/>
+            </a:endParaRPr>
+          </a:p>
+        </p:txBody>
+      </p:sp>
+      <p:sp>
+        <p:nvSpPr>
+          <p:cNvPr id="2" name="标题 1"/>
+          <p:cNvSpPr>
+            <a:spLocks noGrp="1"/>
+          </p:cNvSpPr>
+          <p:nvPr>
+            <p:ph type="title"/>
+          </p:nvPr>
+        </p:nvSpPr>
+        <p:spPr/>
+        <p:txBody>
+          <a:bodyPr>
+            <a:normAutofit/>
+          </a:bodyPr>
+          <a:lstStyle/>
+          <a:p>
+            <a:r>
+              <a:rPr kumimoji="1" lang="zh-CN" altLang="en-US" smtClean="0">
+                <a:latin typeface="+mj-ea"/>
+                <a:cs typeface="Heiti SC Light"/>
+              </a:rPr>
+              <a:t>类型转换</a:t>
+            </a:r>
+            <a:endParaRPr kumimoji="1" lang="en-US" altLang="zh-CN" dirty="0">
+              <a:latin typeface="+mj-ea"/>
+              <a:cs typeface="Heiti SC Light"/>
+            </a:endParaRPr>
+          </a:p>
+        </p:txBody>
+      </p:sp>
+      <p:sp>
+        <p:nvSpPr>
+          <p:cNvPr id="4" name="矩形 3"/>
+          <p:cNvSpPr/>
+          <p:nvPr/>
+        </p:nvSpPr>
+        <p:spPr>
+          <a:xfrm>
+            <a:off x="4133833" y="6488668"/>
+            <a:ext cx="5010167" cy="369332"/>
+          </a:xfrm>
+          <a:prstGeom prst="rect">
+            <a:avLst/>
+          </a:prstGeom>
+        </p:spPr>
+        <p:txBody>
+          <a:bodyPr wrap="square">
+            <a:spAutoFit/>
+          </a:bodyPr>
+          <a:lstStyle/>
+          <a:p>
+            <a:r>
+              <a:rPr lang="en-US" altLang="zh-CN" dirty="0" smtClean="0"/>
+              <a:t>Demo</a:t>
+            </a:r>
+            <a:r>
+              <a:rPr lang="zh-CN" altLang="zh-CN" dirty="0" smtClean="0"/>
+              <a:t>:</a:t>
+            </a:r>
+            <a:r>
+              <a:rPr lang="en-US" altLang="zh-CN" dirty="0" err="1"/>
+              <a:t>org.springframework.samples.mvc.views</a:t>
+            </a:r>
+            <a:endParaRPr lang="zh-CN" altLang="en-US" dirty="0"/>
+          </a:p>
+        </p:txBody>
+      </p:sp>
+    </p:spTree>
+    <p:extLst>
+      <p:ext uri="{BB962C8B-B14F-4D97-AF65-F5344CB8AC3E}">
+        <p14:creationId xmlns:p14="http://schemas.microsoft.com/office/powerpoint/2010/main" val="302608202"/>
+      </p:ext>
+    </p:extLst>
+  </p:cSld>
+  <p:clrMapOvr>
+    <a:masterClrMapping/>
+  </p:clrMapOvr>
+  <p:timing>
+    <p:tnLst>
+      <p:par>
+        <p:cTn xmlns:p14="http://schemas.microsoft.com/office/powerpoint/2010/main" id="1" dur="indefinite" restart="never" nodeType="tmRoot">
+          <p:childTnLst>
+            <p:seq concurrent="1" nextAc="seek">
+              <p:cTn id="2" dur="indefinite" nodeType="mainSeq">
+                <p:childTnLst>
+                  <p:par>
+                    <p:cTn id="3" fill="hold">
+                      <p:stCondLst>
+                        <p:cond delay="indefinite"/>
+                      </p:stCondLst>
+                      <p:childTnLst>
+                        <p:par>
+                          <p:cTn id="4" fill="hold">
+                            <p:stCondLst>
+                              <p:cond delay="0"/>
+                            </p:stCondLst>
+                            <p:childTnLst>
+                              <p:par>
+                                <p:cTn id="5" presetID="2" presetClass="entr" presetSubtype="4" fill="hold" grpId="0" nodeType="clickEffect">
+                                  <p:stCondLst>
+                                    <p:cond delay="0"/>
+                                  </p:stCondLst>
+                                  <p:childTnLst>
+                                    <p:set>
+                                      <p:cBhvr>
+                                        <p:cTn id="6" dur="1" fill="hold">
+                                          <p:stCondLst>
+                                            <p:cond delay="0"/>
+                                          </p:stCondLst>
+                                        </p:cTn>
+                                        <p:tgtEl>
+                                          <p:spTgt spid="4"/>
+                                        </p:tgtEl>
+                                        <p:attrNameLst>
+                                          <p:attrName>style.visibility</p:attrName>
+                                        </p:attrNameLst>
+                                      </p:cBhvr>
+                                      <p:to>
+                                        <p:strVal val="visible"/>
+                                      </p:to>
+                                    </p:set>
+                                    <p:anim calcmode="lin" valueType="num">
+                                      <p:cBhvr additive="base">
+                                        <p:cTn id="7" dur="500" fill="hold"/>
+                                        <p:tgtEl>
+                                          <p:spTgt spid="4"/>
+                                        </p:tgtEl>
+                                        <p:attrNameLst>
+                                          <p:attrName>ppt_x</p:attrName>
+                                        </p:attrNameLst>
+                                      </p:cBhvr>
+                                      <p:tavLst>
+                                        <p:tav tm="0">
+                                          <p:val>
+                                            <p:strVal val="#ppt_x"/>
+                                          </p:val>
+                                        </p:tav>
+                                        <p:tav tm="100000">
+                                          <p:val>
+                                            <p:strVal val="#ppt_x"/>
+                                          </p:val>
+                                        </p:tav>
+                                      </p:tavLst>
+                                    </p:anim>
+                                    <p:anim calcmode="lin" valueType="num">
+                                      <p:cBhvr additive="base">
+                                        <p:cTn id="8" dur="500" fill="hold"/>
+                                        <p:tgtEl>
+                                          <p:spTgt spid="4"/>
+                                        </p:tgtEl>
+                                        <p:attrNameLst>
+                                          <p:attrName>ppt_y</p:attrName>
+                                        </p:attrNameLst>
+                                      </p:cBhvr>
+                                      <p:tavLst>
+                                        <p:tav tm="0">
+                                          <p:val>
+                                            <p:strVal val="1+#ppt_h/2"/>
+                                          </p:val>
+                                        </p:tav>
+                                        <p:tav tm="100000">
+                                          <p:val>
+                                            <p:strVal val="#ppt_y"/>
+                                          </p:val>
+                                        </p:tav>
+                                      </p:tavLst>
+                                    </p:anim>
+                                  </p:childTnLst>
+                                </p:cTn>
+                              </p:par>
+                            </p:childTnLst>
+                          </p:cTn>
+                        </p:par>
+                      </p:childTnLst>
+                    </p:cTn>
+                  </p:par>
+                </p:childTnLst>
+              </p:cTn>
+              <p:prevCondLst>
+                <p:cond evt="onPrev" delay="0">
+                  <p:tgtEl>
+                    <p:sldTgt/>
+                  </p:tgtEl>
+                </p:cond>
+              </p:prevCondLst>
+              <p:nextCondLst>
+                <p:cond evt="onNext" delay="0">
+                  <p:tgtEl>
+                    <p:sldTgt/>
+                  </p:tgtEl>
+                </p:cond>
+              </p:nextCondLst>
+            </p:seq>
+          </p:childTnLst>
+        </p:cTn>
+      </p:par>
+    </p:tnLst>
+    <p:bldLst>
+      <p:bldP spid="4" grpId="0"/>
+    </p:bldLst>
+  </p:timing>
+</p:sld>
+</file>
+
 <file path=ppt/slides/slide3.xml><?xml version="1.0" encoding="utf-8"?>
 <p:sld xmlns:a="http://schemas.openxmlformats.org/drawingml/2006/main" xmlns:r="http://schemas.openxmlformats.org/officeDocument/2006/relationships" xmlns:p="http://schemas.openxmlformats.org/presentationml/2006/main">
   <p:cSld>
@@ -19410,7 +22243,7 @@
               <a:t>在</a:t>
             </a:r>
             <a:r>
-              <a:rPr kumimoji="1" lang="en-US" altLang="zh-CN" dirty="0" smtClean="0">
+              <a:rPr kumimoji="1" lang="en-US" altLang="zh-CN" dirty="0" err="1" smtClean="0">
                 <a:latin typeface="+mj-ea"/>
                 <a:ea typeface="+mj-ea"/>
                 <a:cs typeface="Heiti SC Light"/>
@@ -19453,7 +22286,7 @@
               <a:t>Spring</a:t>
             </a:r>
             <a:r>
-              <a:rPr kumimoji="1" lang="zh-CN" altLang="en-US" dirty="0">
+              <a:rPr kumimoji="1" lang="zh-CN" altLang="en-US" dirty="0" smtClean="0">
                 <a:latin typeface="+mj-ea"/>
                 <a:ea typeface="+mj-ea"/>
                 <a:cs typeface="Heiti SC Light"/>
@@ -19461,40 +22294,12 @@
               <a:t>环境</a:t>
             </a:r>
             <a:r>
-              <a:rPr kumimoji="1" lang="en-US" altLang="zh-CN" dirty="0" smtClean="0">
+              <a:rPr kumimoji="1" lang="en-US" altLang="zh-CN" dirty="0" err="1" smtClean="0">
                 <a:latin typeface="+mj-ea"/>
                 <a:ea typeface="+mj-ea"/>
                 <a:cs typeface="Heiti SC Light"/>
               </a:rPr>
               <a:t>appName-servlet.xml</a:t>
-            </a:r>
-          </a:p>
-          <a:p>
-            <a:pPr lvl="1">
-              <a:buFont typeface="Wingdings" charset="2"/>
-              <a:buChar char="Ø"/>
-            </a:pPr>
-            <a:r>
-              <a:rPr kumimoji="1" lang="en-US" altLang="zh-CN" dirty="0" smtClean="0">
-                <a:latin typeface="+mj-ea"/>
-                <a:ea typeface="+mj-ea"/>
-                <a:cs typeface="Heiti SC Light"/>
-              </a:rPr>
-              <a:t>component-scan</a:t>
-            </a:r>
-          </a:p>
-          <a:p>
-            <a:pPr lvl="1">
-              <a:buFont typeface="Wingdings" charset="2"/>
-              <a:buChar char="Ø"/>
-            </a:pPr>
-            <a:r>
-              <a:rPr kumimoji="1" lang="en-US" altLang="zh-CN" dirty="0" err="1" smtClean="0">
-                <a:latin typeface="+mj-ea"/>
-                <a:ea typeface="+mj-ea"/>
-                <a:cs typeface="Heiti SC Light"/>
-              </a:rPr>
-              <a:t>ViewResolver</a:t>
             </a:r>
             <a:endParaRPr kumimoji="1" lang="en-US" altLang="zh-CN" dirty="0" smtClean="0">
               <a:latin typeface="+mj-ea"/>
@@ -19503,17 +22308,31 @@
             </a:endParaRPr>
           </a:p>
           <a:p>
-            <a:pPr>
+            <a:pPr lvl="1">
               <a:buFont typeface="Wingdings" charset="2"/>
               <a:buChar char="Ø"/>
             </a:pPr>
             <a:r>
+              <a:rPr kumimoji="1" lang="en-US" altLang="zh-CN" dirty="0" smtClean="0">
+                <a:latin typeface="+mj-ea"/>
+                <a:ea typeface="+mj-ea"/>
+                <a:cs typeface="Heiti SC Light"/>
+              </a:rPr>
+              <a:t>component-scan</a:t>
+            </a:r>
+          </a:p>
+          <a:p>
+            <a:pPr lvl="1">
+              <a:buFont typeface="Wingdings" charset="2"/>
+              <a:buChar char="Ø"/>
+            </a:pPr>
+            <a:r>
               <a:rPr kumimoji="1" lang="en-US" altLang="zh-CN" dirty="0" err="1" smtClean="0">
                 <a:latin typeface="+mj-ea"/>
                 <a:ea typeface="+mj-ea"/>
                 <a:cs typeface="Heiti SC Light"/>
               </a:rPr>
-              <a:t>HelloController</a:t>
+              <a:t>ViewResolver</a:t>
             </a:r>
             <a:endParaRPr kumimoji="1" lang="en-US" altLang="zh-CN" dirty="0" smtClean="0">
               <a:latin typeface="+mj-ea"/>
@@ -19527,20 +22346,31 @@
               <a:buChar char="Ø"/>
             </a:pPr>
             <a:r>
-              <a:rPr kumimoji="1" lang="en-US" altLang="zh-CN" dirty="0" err="1">
-                <a:latin typeface="+mj-ea"/>
-                <a:ea typeface="+mj-ea"/>
-                <a:cs typeface="Heiti SC Light"/>
-              </a:rPr>
-              <a:t>h</a:t>
-            </a:r>
-            <a:r>
               <a:rPr kumimoji="1" lang="en-US" altLang="zh-CN" dirty="0" err="1" smtClean="0">
                 <a:latin typeface="+mj-ea"/>
                 <a:ea typeface="+mj-ea"/>
                 <a:cs typeface="Heiti SC Light"/>
               </a:rPr>
-              <a:t>ello.jsp</a:t>
+              <a:t>HelloController</a:t>
+            </a:r>
+            <a:endParaRPr kumimoji="1" lang="en-US" altLang="zh-CN" dirty="0" smtClean="0">
+              <a:latin typeface="+mj-ea"/>
+              <a:ea typeface="+mj-ea"/>
+              <a:cs typeface="Heiti SC Light"/>
+            </a:endParaRPr>
+          </a:p>
+          <a:p>
+            <a:pPr>
+              <a:buFont typeface="Wingdings" charset="2"/>
+              <a:buChar char="Ø"/>
+            </a:pPr>
+            <a:r>
+              <a:rPr kumimoji="1" lang="en-US" altLang="zh-CN" dirty="0" err="1" smtClean="0">
+                <a:latin typeface="+mj-ea"/>
+                <a:ea typeface="+mj-ea"/>
+                <a:cs typeface="Heiti SC Light"/>
+              </a:rPr>
+              <a:t>hello.jsp</a:t>
             </a:r>
             <a:endParaRPr kumimoji="1" lang="en-US" altLang="zh-CN" dirty="0" smtClean="0">
               <a:latin typeface="+mj-ea"/>
@@ -19790,6 +22620,43 @@
           </a:p>
         </p:txBody>
       </p:sp>
+      <p:sp>
+        <p:nvSpPr>
+          <p:cNvPr id="3" name="矩形 2"/>
+          <p:cNvSpPr/>
+          <p:nvPr/>
+        </p:nvSpPr>
+        <p:spPr>
+          <a:xfrm>
+            <a:off x="5575896" y="6488668"/>
+            <a:ext cx="3568104" cy="369332"/>
+          </a:xfrm>
+          <a:prstGeom prst="rect">
+            <a:avLst/>
+          </a:prstGeom>
+        </p:spPr>
+        <p:txBody>
+          <a:bodyPr wrap="square">
+            <a:spAutoFit/>
+          </a:bodyPr>
+          <a:lstStyle/>
+          <a:p>
+            <a:r>
+              <a:rPr lang="en-US" altLang="zh-CN" dirty="0" smtClean="0"/>
+              <a:t>Demo</a:t>
+            </a:r>
+            <a:r>
+              <a:rPr lang="zh-CN" altLang="zh-CN" dirty="0" smtClean="0"/>
+              <a:t>:</a:t>
+            </a:r>
+            <a:r>
+              <a:rPr lang="en-US" altLang="zh-CN" dirty="0" smtClean="0"/>
+              <a:t>simple project</a:t>
+            </a:r>
+            <a:endParaRPr lang="zh-CN" altLang="en-US" dirty="0"/>
+          </a:p>
+        </p:txBody>
+      </p:sp>
     </p:spTree>
     <p:extLst>
       <p:ext uri="{BB962C8B-B14F-4D97-AF65-F5344CB8AC3E}">
@@ -19803,9 +22670,126 @@
   <p:timing>
     <p:tnLst>
       <p:par>
-        <p:cTn xmlns:p14="http://schemas.microsoft.com/office/powerpoint/2010/main" id="1" dur="indefinite" restart="never" nodeType="tmRoot"/>
+        <p:cTn xmlns:p14="http://schemas.microsoft.com/office/powerpoint/2010/main" id="1" dur="indefinite" restart="never" nodeType="tmRoot">
+          <p:childTnLst>
+            <p:seq concurrent="1" nextAc="seek">
+              <p:cTn id="2" dur="indefinite" nodeType="mainSeq">
+                <p:childTnLst>
+                  <p:par>
+                    <p:cTn id="3" fill="hold">
+                      <p:stCondLst>
+                        <p:cond delay="indefinite"/>
+                      </p:stCondLst>
+                      <p:childTnLst>
+                        <p:par>
+                          <p:cTn id="4" fill="hold">
+                            <p:stCondLst>
+                              <p:cond delay="0"/>
+                            </p:stCondLst>
+                            <p:childTnLst>
+                              <p:par>
+                                <p:cTn id="5" presetID="2" presetClass="entr" presetSubtype="4" fill="hold" grpId="0" nodeType="clickEffect">
+                                  <p:stCondLst>
+                                    <p:cond delay="0"/>
+                                  </p:stCondLst>
+                                  <p:childTnLst>
+                                    <p:set>
+                                      <p:cBhvr>
+                                        <p:cTn id="6" dur="1" fill="hold">
+                                          <p:stCondLst>
+                                            <p:cond delay="0"/>
+                                          </p:stCondLst>
+                                        </p:cTn>
+                                        <p:tgtEl>
+                                          <p:spTgt spid="3"/>
+                                        </p:tgtEl>
+                                        <p:attrNameLst>
+                                          <p:attrName>style.visibility</p:attrName>
+                                        </p:attrNameLst>
+                                      </p:cBhvr>
+                                      <p:to>
+                                        <p:strVal val="visible"/>
+                                      </p:to>
+                                    </p:set>
+                                    <p:anim calcmode="lin" valueType="num">
+                                      <p:cBhvr additive="base">
+                                        <p:cTn id="7" dur="500" fill="hold"/>
+                                        <p:tgtEl>
+                                          <p:spTgt spid="3"/>
+                                        </p:tgtEl>
+                                        <p:attrNameLst>
+                                          <p:attrName>ppt_x</p:attrName>
+                                        </p:attrNameLst>
+                                      </p:cBhvr>
+                                      <p:tavLst>
+                                        <p:tav tm="0">
+                                          <p:val>
+                                            <p:strVal val="#ppt_x"/>
+                                          </p:val>
+                                        </p:tav>
+                                        <p:tav tm="100000">
+                                          <p:val>
+                                            <p:strVal val="#ppt_x"/>
+                                          </p:val>
+                                        </p:tav>
+                                      </p:tavLst>
+                                    </p:anim>
+                                    <p:anim calcmode="lin" valueType="num">
+                                      <p:cBhvr additive="base">
+                                        <p:cTn id="8" dur="500" fill="hold"/>
+                                        <p:tgtEl>
+                                          <p:spTgt spid="3"/>
+                                        </p:tgtEl>
+                                        <p:attrNameLst>
+                                          <p:attrName>ppt_y</p:attrName>
+                                        </p:attrNameLst>
+                                      </p:cBhvr>
+                                      <p:tavLst>
+                                        <p:tav tm="0">
+                                          <p:val>
+                                            <p:strVal val="1+#ppt_h/2"/>
+                                          </p:val>
+                                        </p:tav>
+                                        <p:tav tm="100000">
+                                          <p:val>
+                                            <p:strVal val="#ppt_y"/>
+                                          </p:val>
+                                        </p:tav>
+                                      </p:tavLst>
+                                    </p:anim>
+                                  </p:childTnLst>
+                                </p:cTn>
+                              </p:par>
+                            </p:childTnLst>
+                          </p:cTn>
+                        </p:par>
+                      </p:childTnLst>
+                    </p:cTn>
+                  </p:par>
+                </p:childTnLst>
+              </p:cTn>
+              <p:prevCondLst>
+                <p:cond evt="onPrev" delay="0">
+                  <p:tgtEl>
+                    <p:sldTgt/>
+                  </p:tgtEl>
+                </p:cond>
+              </p:prevCondLst>
+              <p:nextCondLst>
+                <p:cond evt="onNext" delay="0">
+                  <p:tgtEl>
+                    <p:sldTgt/>
+                  </p:tgtEl>
+                </p:cond>
+              </p:nextCondLst>
+            </p:seq>
+          </p:childTnLst>
+        </p:cTn>
       </p:par>
     </p:tnLst>
+    <p:bldLst>
+      <p:bldP spid="3" grpId="0"/>
+    </p:bldLst>
   </p:timing>
 </p:sld>
 </file>
@@ -20410,6 +23394,43 @@
           </a:p>
         </p:txBody>
       </p:sp>
+      <p:sp>
+        <p:nvSpPr>
+          <p:cNvPr id="6" name="矩形 5"/>
+          <p:cNvSpPr/>
+          <p:nvPr/>
+        </p:nvSpPr>
+        <p:spPr>
+          <a:xfrm>
+            <a:off x="3317434" y="6488668"/>
+            <a:ext cx="5826566" cy="369332"/>
+          </a:xfrm>
+          <a:prstGeom prst="rect">
+            <a:avLst/>
+          </a:prstGeom>
+        </p:spPr>
+        <p:txBody>
+          <a:bodyPr wrap="square">
+            <a:spAutoFit/>
+          </a:bodyPr>
+          <a:lstStyle/>
+          <a:p>
+            <a:r>
+              <a:rPr lang="en-US" altLang="zh-CN" dirty="0" smtClean="0"/>
+              <a:t>Demo</a:t>
+            </a:r>
+            <a:r>
+              <a:rPr lang="zh-CN" altLang="zh-CN" dirty="0" smtClean="0"/>
+              <a:t>:</a:t>
+            </a:r>
+            <a:r>
+              <a:rPr lang="en-US" altLang="zh-CN" dirty="0" err="1"/>
+              <a:t>org.springframework.samples.mvc.simple</a:t>
+            </a:r>
+            <a:endParaRPr lang="zh-CN" altLang="en-US" dirty="0"/>
+          </a:p>
+        </p:txBody>
+      </p:sp>
     </p:spTree>
     <p:extLst>
       <p:ext uri="{BB962C8B-B14F-4D97-AF65-F5344CB8AC3E}">
@@ -20519,6 +23540,97 @@
                       </p:childTnLst>
                     </p:cTn>
                   </p:par>
+                  <p:par>
+                    <p:cTn id="9" fill="hold">
+                      <p:stCondLst>
+                        <p:cond delay="indefinite"/>
+                      </p:stCondLst>
+                      <p:childTnLst>
+                        <p:par>
+                          <p:cTn id="10" fill="hold">
+                            <p:stCondLst>
+                              <p:cond delay="0"/>
+                            </p:stCondLst>
+                            <p:childTnLst>
+                              <p:par>
+                                <p:cTn id="11" presetID="2" presetClass="entr" presetSubtype="4" fill="hold" grpId="0" nodeType="clickEffect">
+                                  <p:stCondLst>
+                                    <p:cond delay="0"/>
+                                  </p:stCondLst>
+                                  <p:childTnLst>
+                                    <p:set>
+                                      <p:cBhvr>
+                                        <p:cTn id="12" dur="1" fill="hold">
+                                          <p:stCondLst>
+                                            <p:cond delay="0"/>
+                                          </p:stCondLst>
+                                        </p:cTn>
+                                        <p:tgtEl>
+                                          <p:spTgt spid="6"/>
+                                        </p:tgtEl>
+                                        <p:attrNameLst>
+                                          <p:attrName>style.visibility</p:attrName>
+                                        </p:attrNameLst>
+                                      </p:cBhvr>
+                                      <p:to>
+                                        <p:strVal val="visible"/>
+                                      </p:to>
+                                    </p:set>
+                                    <p:anim calcmode="lin" valueType="num">
+                                      <p:cBhvr additive="base">
+                                        <p:cTn id="13" dur="500" fill="hold"/>
+                                        <p:tgtEl>
+                                          <p:spTgt spid="6"/>
+                                        </p:tgtEl>
+                                        <p:attrNameLst>
+                                          <p:attrName>ppt_x</p:attrName>
+                                        </p:attrNameLst>
+                                      </p:cBhvr>
+                                      <p:tavLst>
+                                        <p:tav tm="0">
+                                          <p:val>
+                                            <p:strVal val="#ppt_x"/>
+                                          </p:val>
+                                        </p:tav>
+                                        <p:tav tm="100000">
+                                          <p:val>
+                                            <p:strVal val="#ppt_x"/>
+                                          </p:val>
+                                        </p:tav>
+                                      </p:tavLst>
+                                    </p:anim>
+                                    <p:anim calcmode="lin" valueType="num">
+                                      <p:cBhvr additive="base">
+                                        <p:cTn id="14" dur="500" fill="hold"/>
+                                        <p:tgtEl>
+                                          <p:spTgt spid="6"/>
+                                        </p:tgtEl>
+                                        <p:attrNameLst>
+                                          <p:attrName>ppt_y</p:attrName>
+                                        </p:attrNameLst>
+                                      </p:cBhvr>
+                                      <p:tavLst>
+                                        <p:tav tm="0">
+                                          <p:val>
+                                            <p:strVal val="1+#ppt_h/2"/>
+                                          </p:val>
+                                        </p:tav>
+                                        <p:tav tm="100000">
+                                          <p:val>
+                                            <p:strVal val="#ppt_y"/>
+                                          </p:val>
+                                        </p:tav>
+                                      </p:tavLst>
+                                    </p:anim>
+                                  </p:childTnLst>
+                                </p:cTn>
+                              </p:par>
+                            </p:childTnLst>
+                          </p:cTn>
+                        </p:par>
+                      </p:childTnLst>
+                    </p:cTn>
+                  </p:par>
                 </p:childTnLst>
               </p:cTn>
               <p:prevCondLst>
@@ -20542,6 +23654,7 @@
     </p:tnLst>
     <p:bldLst>
       <p:bldP spid="3" grpId="0"/>
+      <p:bldP spid="6" grpId="0"/>
     </p:bldLst>
   </p:timing>
 </p:sld>
@@ -21512,6 +24625,47 @@
           </a:p>
         </p:txBody>
       </p:sp>
+      <p:sp>
+        <p:nvSpPr>
+          <p:cNvPr id="4" name="矩形 3"/>
+          <p:cNvSpPr/>
+          <p:nvPr/>
+        </p:nvSpPr>
+        <p:spPr>
+          <a:xfrm>
+            <a:off x="3317434" y="6488668"/>
+            <a:ext cx="5826566" cy="369332"/>
+          </a:xfrm>
+          <a:prstGeom prst="rect">
+            <a:avLst/>
+          </a:prstGeom>
+        </p:spPr>
+        <p:txBody>
+          <a:bodyPr wrap="square">
+            <a:spAutoFit/>
+          </a:bodyPr>
+          <a:lstStyle/>
+          <a:p>
+            <a:r>
+              <a:rPr lang="en-US" altLang="zh-CN" dirty="0" smtClean="0"/>
+              <a:t>Demo</a:t>
+            </a:r>
+            <a:r>
+              <a:rPr lang="zh-CN" altLang="zh-CN" dirty="0" smtClean="0"/>
+              <a:t>:</a:t>
+            </a:r>
+            <a:r>
+              <a:rPr lang="en-US" altLang="zh-CN" dirty="0" err="1" smtClean="0"/>
+              <a:t>org.springframework.samples.mvc.</a:t>
+            </a:r>
+            <a:r>
+              <a:rPr lang="en-US" altLang="zh-CN" dirty="0" err="1" smtClean="0"/>
+              <a:t>mapping</a:t>
+            </a:r>
+            <a:endParaRPr lang="zh-CN" altLang="en-US" dirty="0"/>
+          </a:p>
+        </p:txBody>
+      </p:sp>
     </p:spTree>
     <p:extLst>
       <p:ext uri="{BB962C8B-B14F-4D97-AF65-F5344CB8AC3E}">
@@ -21525,9 +24679,126 @@
   <p:timing>
     <p:tnLst>
       <p:par>
-        <p:cTn xmlns:p14="http://schemas.microsoft.com/office/powerpoint/2010/main" id="1" dur="indefinite" restart="never" nodeType="tmRoot"/>
+        <p:cTn xmlns:p14="http://schemas.microsoft.com/office/powerpoint/2010/main" id="1" dur="indefinite" restart="never" nodeType="tmRoot">
+          <p:childTnLst>
+            <p:seq concurrent="1" nextAc="seek">
+              <p:cTn id="2" dur="indefinite" nodeType="mainSeq">
+                <p:childTnLst>
+                  <p:par>
+                    <p:cTn id="3" fill="hold">
+                      <p:stCondLst>
+                        <p:cond delay="indefinite"/>
+                      </p:stCondLst>
+                      <p:childTnLst>
+                        <p:par>
+                          <p:cTn id="4" fill="hold">
+                            <p:stCondLst>
+                              <p:cond delay="0"/>
+                            </p:stCondLst>
+                            <p:childTnLst>
+                              <p:par>
+                                <p:cTn id="5" presetID="2" presetClass="entr" presetSubtype="4" fill="hold" grpId="0" nodeType="clickEffect">
+                                  <p:stCondLst>
+                                    <p:cond delay="0"/>
+                                  </p:stCondLst>
+                                  <p:childTnLst>
+                                    <p:set>
+                                      <p:cBhvr>
+                                        <p:cTn id="6" dur="1" fill="hold">
+                                          <p:stCondLst>
+                                            <p:cond delay="0"/>
+                                          </p:stCondLst>
+                                        </p:cTn>
+                                        <p:tgtEl>
+                                          <p:spTgt spid="4"/>
+                                        </p:tgtEl>
+                                        <p:attrNameLst>
+                                          <p:attrName>style.visibility</p:attrName>
+                                        </p:attrNameLst>
+                                      </p:cBhvr>
+                                      <p:to>
+                                        <p:strVal val="visible"/>
+                                      </p:to>
+                                    </p:set>
+                                    <p:anim calcmode="lin" valueType="num">
+                                      <p:cBhvr additive="base">
+                                        <p:cTn id="7" dur="500" fill="hold"/>
+                                        <p:tgtEl>
+                                          <p:spTgt spid="4"/>
+                                        </p:tgtEl>
+                                        <p:attrNameLst>
+                                          <p:attrName>ppt_x</p:attrName>
+                                        </p:attrNameLst>
+                                      </p:cBhvr>
+                                      <p:tavLst>
+                                        <p:tav tm="0">
+                                          <p:val>
+                                            <p:strVal val="#ppt_x"/>
+                                          </p:val>
+                                        </p:tav>
+                                        <p:tav tm="100000">
+                                          <p:val>
+                                            <p:strVal val="#ppt_x"/>
+                                          </p:val>
+                                        </p:tav>
+                                      </p:tavLst>
+                                    </p:anim>
+                                    <p:anim calcmode="lin" valueType="num">
+                                      <p:cBhvr additive="base">
+                                        <p:cTn id="8" dur="500" fill="hold"/>
+                                        <p:tgtEl>
+                                          <p:spTgt spid="4"/>
+                                        </p:tgtEl>
+                                        <p:attrNameLst>
+                                          <p:attrName>ppt_y</p:attrName>
+                                        </p:attrNameLst>
+                                      </p:cBhvr>
+                                      <p:tavLst>
+                                        <p:tav tm="0">
+                                          <p:val>
+                                            <p:strVal val="1+#ppt_h/2"/>
+                                          </p:val>
+                                        </p:tav>
+                                        <p:tav tm="100000">
+                                          <p:val>
+                                            <p:strVal val="#ppt_y"/>
+                                          </p:val>
+                                        </p:tav>
+                                      </p:tavLst>
+                                    </p:anim>
+                                  </p:childTnLst>
+                                </p:cTn>
+                              </p:par>
+                            </p:childTnLst>
+                          </p:cTn>
+                        </p:par>
+                      </p:childTnLst>
+                    </p:cTn>
+                  </p:par>
+                </p:childTnLst>
+              </p:cTn>
+              <p:prevCondLst>
+                <p:cond evt="onPrev" delay="0">
+                  <p:tgtEl>
+                    <p:sldTgt/>
+                  </p:tgtEl>
+                </p:cond>
+              </p:prevCondLst>
+              <p:nextCondLst>
+                <p:cond evt="onNext" delay="0">
+                  <p:tgtEl>
+                    <p:sldTgt/>
+                  </p:tgtEl>
+                </p:cond>
+              </p:nextCondLst>
+            </p:seq>
+          </p:childTnLst>
+        </p:cTn>
       </p:par>
     </p:tnLst>
+    <p:bldLst>
+      <p:bldP spid="4" grpId="0"/>
+    </p:bldLst>
   </p:timing>
 </p:sld>
 </file>

--- a/SpringMVC3.pptx
+++ b/SpringMVC3.pptx
@@ -4,6 +4,9 @@
   <p:sldMasterIdLst>
     <p:sldMasterId id="2147483744" r:id="rId1"/>
   </p:sldMasterIdLst>
+  <p:notesMasterIdLst>
+    <p:notesMasterId r:id="rId27"/>
+  </p:notesMasterIdLst>
   <p:sldIdLst>
     <p:sldId id="256" r:id="rId2"/>
     <p:sldId id="257" r:id="rId3"/>
@@ -25,6 +28,11 @@
     <p:sldId id="273" r:id="rId19"/>
     <p:sldId id="274" r:id="rId20"/>
     <p:sldId id="275" r:id="rId21"/>
+    <p:sldId id="276" r:id="rId22"/>
+    <p:sldId id="277" r:id="rId23"/>
+    <p:sldId id="278" r:id="rId24"/>
+    <p:sldId id="279" r:id="rId25"/>
+    <p:sldId id="280" r:id="rId26"/>
   </p:sldIdLst>
   <p:sldSz cx="9144000" cy="6858000" type="screen4x3"/>
   <p:notesSz cx="6858000" cy="9144000"/>
@@ -124,6 +132,692 @@
     </a:lvl9pPr>
   </p:defaultTextStyle>
 </p:presentation>
+</file>
+
+<file path=ppt/notesMasters/notesMaster1.xml><?xml version="1.0" encoding="utf-8"?>
+<p:notesMaster xmlns:a="http://schemas.openxmlformats.org/drawingml/2006/main" xmlns:r="http://schemas.openxmlformats.org/officeDocument/2006/relationships" xmlns:p="http://schemas.openxmlformats.org/presentationml/2006/main">
+  <p:cSld>
+    <p:bg>
+      <p:bgRef idx="1001">
+        <a:schemeClr val="bg1"/>
+      </p:bgRef>
+    </p:bg>
+    <p:spTree>
+      <p:nvGrpSpPr>
+        <p:cNvPr id="1" name=""/>
+        <p:cNvGrpSpPr/>
+        <p:nvPr/>
+      </p:nvGrpSpPr>
+      <p:grpSpPr>
+        <a:xfrm>
+          <a:off x="0" y="0"/>
+          <a:ext cx="0" cy="0"/>
+          <a:chOff x="0" y="0"/>
+          <a:chExt cx="0" cy="0"/>
+        </a:xfrm>
+      </p:grpSpPr>
+      <p:sp>
+        <p:nvSpPr>
+          <p:cNvPr id="2" name="页眉占位符 1"/>
+          <p:cNvSpPr>
+            <a:spLocks noGrp="1"/>
+          </p:cNvSpPr>
+          <p:nvPr>
+            <p:ph type="hdr" sz="quarter"/>
+          </p:nvPr>
+        </p:nvSpPr>
+        <p:spPr>
+          <a:xfrm>
+            <a:off x="0" y="0"/>
+            <a:ext cx="2971800" cy="457200"/>
+          </a:xfrm>
+          <a:prstGeom prst="rect">
+            <a:avLst/>
+          </a:prstGeom>
+        </p:spPr>
+        <p:txBody>
+          <a:bodyPr vert="horz" lIns="91440" tIns="45720" rIns="91440" bIns="45720" rtlCol="0"/>
+          <a:lstStyle>
+            <a:lvl1pPr algn="l">
+              <a:defRPr sz="1200"/>
+            </a:lvl1pPr>
+          </a:lstStyle>
+          <a:p>
+            <a:endParaRPr kumimoji="1" lang="zh-CN" altLang="en-US"/>
+          </a:p>
+        </p:txBody>
+      </p:sp>
+      <p:sp>
+        <p:nvSpPr>
+          <p:cNvPr id="3" name="日期占位符 2"/>
+          <p:cNvSpPr>
+            <a:spLocks noGrp="1"/>
+          </p:cNvSpPr>
+          <p:nvPr>
+            <p:ph type="dt" idx="1"/>
+          </p:nvPr>
+        </p:nvSpPr>
+        <p:spPr>
+          <a:xfrm>
+            <a:off x="3884613" y="0"/>
+            <a:ext cx="2971800" cy="457200"/>
+          </a:xfrm>
+          <a:prstGeom prst="rect">
+            <a:avLst/>
+          </a:prstGeom>
+        </p:spPr>
+        <p:txBody>
+          <a:bodyPr vert="horz" lIns="91440" tIns="45720" rIns="91440" bIns="45720" rtlCol="0"/>
+          <a:lstStyle>
+            <a:lvl1pPr algn="r">
+              <a:defRPr sz="1200"/>
+            </a:lvl1pPr>
+          </a:lstStyle>
+          <a:p>
+            <a:fld id="{8725B1A8-C99F-C84A-95BB-BB7447C7F2DD}" type="datetimeFigureOut">
+              <a:rPr kumimoji="1" lang="zh-CN" altLang="en-US" smtClean="0"/>
+              <a:t>13-10-16</a:t>
+            </a:fld>
+            <a:endParaRPr kumimoji="1" lang="zh-CN" altLang="en-US"/>
+          </a:p>
+        </p:txBody>
+      </p:sp>
+      <p:sp>
+        <p:nvSpPr>
+          <p:cNvPr id="4" name="幻灯片图像占位符 3"/>
+          <p:cNvSpPr>
+            <a:spLocks noGrp="1" noRot="1" noChangeAspect="1"/>
+          </p:cNvSpPr>
+          <p:nvPr>
+            <p:ph type="sldImg" idx="2"/>
+          </p:nvPr>
+        </p:nvSpPr>
+        <p:spPr>
+          <a:xfrm>
+            <a:off x="1143000" y="685800"/>
+            <a:ext cx="4572000" cy="3429000"/>
+          </a:xfrm>
+          <a:prstGeom prst="rect">
+            <a:avLst/>
+          </a:prstGeom>
+          <a:noFill/>
+          <a:ln w="12700">
+            <a:solidFill>
+              <a:prstClr val="black"/>
+            </a:solidFill>
+          </a:ln>
+        </p:spPr>
+        <p:txBody>
+          <a:bodyPr vert="horz" lIns="91440" tIns="45720" rIns="91440" bIns="45720" rtlCol="0" anchor="ctr"/>
+          <a:lstStyle/>
+          <a:p>
+            <a:endParaRPr lang="zh-CN" altLang="en-US"/>
+          </a:p>
+        </p:txBody>
+      </p:sp>
+      <p:sp>
+        <p:nvSpPr>
+          <p:cNvPr id="5" name="备注占位符 4"/>
+          <p:cNvSpPr>
+            <a:spLocks noGrp="1"/>
+          </p:cNvSpPr>
+          <p:nvPr>
+            <p:ph type="body" sz="quarter" idx="3"/>
+          </p:nvPr>
+        </p:nvSpPr>
+        <p:spPr>
+          <a:xfrm>
+            <a:off x="685800" y="4343400"/>
+            <a:ext cx="5486400" cy="4114800"/>
+          </a:xfrm>
+          <a:prstGeom prst="rect">
+            <a:avLst/>
+          </a:prstGeom>
+        </p:spPr>
+        <p:txBody>
+          <a:bodyPr vert="horz" lIns="91440" tIns="45720" rIns="91440" bIns="45720" rtlCol="0"/>
+          <a:lstStyle/>
+          <a:p>
+            <a:pPr lvl="0"/>
+            <a:r>
+              <a:rPr kumimoji="1" lang="zh-CN" altLang="en-US" smtClean="0"/>
+              <a:t>单击此处编辑母版文本样式</a:t>
+            </a:r>
+          </a:p>
+          <a:p>
+            <a:pPr lvl="1"/>
+            <a:r>
+              <a:rPr kumimoji="1" lang="zh-CN" altLang="en-US" smtClean="0"/>
+              <a:t>二级</a:t>
+            </a:r>
+          </a:p>
+          <a:p>
+            <a:pPr lvl="2"/>
+            <a:r>
+              <a:rPr kumimoji="1" lang="zh-CN" altLang="en-US" smtClean="0"/>
+              <a:t>三级</a:t>
+            </a:r>
+          </a:p>
+          <a:p>
+            <a:pPr lvl="3"/>
+            <a:r>
+              <a:rPr kumimoji="1" lang="zh-CN" altLang="en-US" smtClean="0"/>
+              <a:t>四级</a:t>
+            </a:r>
+          </a:p>
+          <a:p>
+            <a:pPr lvl="4"/>
+            <a:r>
+              <a:rPr kumimoji="1" lang="zh-CN" altLang="en-US" smtClean="0"/>
+              <a:t>五级</a:t>
+            </a:r>
+            <a:endParaRPr kumimoji="1" lang="zh-CN" altLang="en-US"/>
+          </a:p>
+        </p:txBody>
+      </p:sp>
+      <p:sp>
+        <p:nvSpPr>
+          <p:cNvPr id="6" name="页脚占位符 5"/>
+          <p:cNvSpPr>
+            <a:spLocks noGrp="1"/>
+          </p:cNvSpPr>
+          <p:nvPr>
+            <p:ph type="ftr" sz="quarter" idx="4"/>
+          </p:nvPr>
+        </p:nvSpPr>
+        <p:spPr>
+          <a:xfrm>
+            <a:off x="0" y="8685213"/>
+            <a:ext cx="2971800" cy="457200"/>
+          </a:xfrm>
+          <a:prstGeom prst="rect">
+            <a:avLst/>
+          </a:prstGeom>
+        </p:spPr>
+        <p:txBody>
+          <a:bodyPr vert="horz" lIns="91440" tIns="45720" rIns="91440" bIns="45720" rtlCol="0" anchor="b"/>
+          <a:lstStyle>
+            <a:lvl1pPr algn="l">
+              <a:defRPr sz="1200"/>
+            </a:lvl1pPr>
+          </a:lstStyle>
+          <a:p>
+            <a:endParaRPr kumimoji="1" lang="zh-CN" altLang="en-US"/>
+          </a:p>
+        </p:txBody>
+      </p:sp>
+      <p:sp>
+        <p:nvSpPr>
+          <p:cNvPr id="7" name="幻灯片编号占位符 6"/>
+          <p:cNvSpPr>
+            <a:spLocks noGrp="1"/>
+          </p:cNvSpPr>
+          <p:nvPr>
+            <p:ph type="sldNum" sz="quarter" idx="5"/>
+          </p:nvPr>
+        </p:nvSpPr>
+        <p:spPr>
+          <a:xfrm>
+            <a:off x="3884613" y="8685213"/>
+            <a:ext cx="2971800" cy="457200"/>
+          </a:xfrm>
+          <a:prstGeom prst="rect">
+            <a:avLst/>
+          </a:prstGeom>
+        </p:spPr>
+        <p:txBody>
+          <a:bodyPr vert="horz" lIns="91440" tIns="45720" rIns="91440" bIns="45720" rtlCol="0" anchor="b"/>
+          <a:lstStyle>
+            <a:lvl1pPr algn="r">
+              <a:defRPr sz="1200"/>
+            </a:lvl1pPr>
+          </a:lstStyle>
+          <a:p>
+            <a:fld id="{F27B3BCB-71B9-7546-BEF0-734BDFDB0ED4}" type="slidenum">
+              <a:rPr kumimoji="1" lang="zh-CN" altLang="en-US" smtClean="0"/>
+              <a:t>‹#›</a:t>
+            </a:fld>
+            <a:endParaRPr kumimoji="1" lang="zh-CN" altLang="en-US"/>
+          </a:p>
+        </p:txBody>
+      </p:sp>
+    </p:spTree>
+    <p:extLst>
+      <p:ext uri="{BB962C8B-B14F-4D97-AF65-F5344CB8AC3E}">
+        <p14:creationId xmlns:p14="http://schemas.microsoft.com/office/powerpoint/2010/main" val="2471702775"/>
+      </p:ext>
+    </p:extLst>
+  </p:cSld>
+  <p:clrMap bg1="lt1" tx1="dk1" bg2="lt2" tx2="dk2" accent1="accent1" accent2="accent2" accent3="accent3" accent4="accent4" accent5="accent5" accent6="accent6" hlink="hlink" folHlink="folHlink"/>
+  <p:notesStyle>
+    <a:lvl1pPr marL="0" algn="l" defTabSz="457200" rtl="0" eaLnBrk="1" latinLnBrk="0" hangingPunct="1">
+      <a:defRPr sz="1200" kern="1200">
+        <a:solidFill>
+          <a:schemeClr val="tx1"/>
+        </a:solidFill>
+        <a:latin typeface="+mn-lt"/>
+        <a:ea typeface="+mn-ea"/>
+        <a:cs typeface="+mn-cs"/>
+      </a:defRPr>
+    </a:lvl1pPr>
+    <a:lvl2pPr marL="457200" algn="l" defTabSz="457200" rtl="0" eaLnBrk="1" latinLnBrk="0" hangingPunct="1">
+      <a:defRPr sz="1200" kern="1200">
+        <a:solidFill>
+          <a:schemeClr val="tx1"/>
+        </a:solidFill>
+        <a:latin typeface="+mn-lt"/>
+        <a:ea typeface="+mn-ea"/>
+        <a:cs typeface="+mn-cs"/>
+      </a:defRPr>
+    </a:lvl2pPr>
+    <a:lvl3pPr marL="914400" algn="l" defTabSz="457200" rtl="0" eaLnBrk="1" latinLnBrk="0" hangingPunct="1">
+      <a:defRPr sz="1200" kern="1200">
+        <a:solidFill>
+          <a:schemeClr val="tx1"/>
+        </a:solidFill>
+        <a:latin typeface="+mn-lt"/>
+        <a:ea typeface="+mn-ea"/>
+        <a:cs typeface="+mn-cs"/>
+      </a:defRPr>
+    </a:lvl3pPr>
+    <a:lvl4pPr marL="1371600" algn="l" defTabSz="457200" rtl="0" eaLnBrk="1" latinLnBrk="0" hangingPunct="1">
+      <a:defRPr sz="1200" kern="1200">
+        <a:solidFill>
+          <a:schemeClr val="tx1"/>
+        </a:solidFill>
+        <a:latin typeface="+mn-lt"/>
+        <a:ea typeface="+mn-ea"/>
+        <a:cs typeface="+mn-cs"/>
+      </a:defRPr>
+    </a:lvl4pPr>
+    <a:lvl5pPr marL="1828800" algn="l" defTabSz="457200" rtl="0" eaLnBrk="1" latinLnBrk="0" hangingPunct="1">
+      <a:defRPr sz="1200" kern="1200">
+        <a:solidFill>
+          <a:schemeClr val="tx1"/>
+        </a:solidFill>
+        <a:latin typeface="+mn-lt"/>
+        <a:ea typeface="+mn-ea"/>
+        <a:cs typeface="+mn-cs"/>
+      </a:defRPr>
+    </a:lvl5pPr>
+    <a:lvl6pPr marL="2286000" algn="l" defTabSz="457200" rtl="0" eaLnBrk="1" latinLnBrk="0" hangingPunct="1">
+      <a:defRPr sz="1200" kern="1200">
+        <a:solidFill>
+          <a:schemeClr val="tx1"/>
+        </a:solidFill>
+        <a:latin typeface="+mn-lt"/>
+        <a:ea typeface="+mn-ea"/>
+        <a:cs typeface="+mn-cs"/>
+      </a:defRPr>
+    </a:lvl6pPr>
+    <a:lvl7pPr marL="2743200" algn="l" defTabSz="457200" rtl="0" eaLnBrk="1" latinLnBrk="0" hangingPunct="1">
+      <a:defRPr sz="1200" kern="1200">
+        <a:solidFill>
+          <a:schemeClr val="tx1"/>
+        </a:solidFill>
+        <a:latin typeface="+mn-lt"/>
+        <a:ea typeface="+mn-ea"/>
+        <a:cs typeface="+mn-cs"/>
+      </a:defRPr>
+    </a:lvl7pPr>
+    <a:lvl8pPr marL="3200400" algn="l" defTabSz="457200" rtl="0" eaLnBrk="1" latinLnBrk="0" hangingPunct="1">
+      <a:defRPr sz="1200" kern="1200">
+        <a:solidFill>
+          <a:schemeClr val="tx1"/>
+        </a:solidFill>
+        <a:latin typeface="+mn-lt"/>
+        <a:ea typeface="+mn-ea"/>
+        <a:cs typeface="+mn-cs"/>
+      </a:defRPr>
+    </a:lvl8pPr>
+    <a:lvl9pPr marL="3657600" algn="l" defTabSz="457200" rtl="0" eaLnBrk="1" latinLnBrk="0" hangingPunct="1">
+      <a:defRPr sz="1200" kern="1200">
+        <a:solidFill>
+          <a:schemeClr val="tx1"/>
+        </a:solidFill>
+        <a:latin typeface="+mn-lt"/>
+        <a:ea typeface="+mn-ea"/>
+        <a:cs typeface="+mn-cs"/>
+      </a:defRPr>
+    </a:lvl9pPr>
+  </p:notesStyle>
+</p:notesMaster>
+</file>
+
+<file path=ppt/notesSlides/notesSlide1.xml><?xml version="1.0" encoding="utf-8"?>
+<p:notes xmlns:a="http://schemas.openxmlformats.org/drawingml/2006/main" xmlns:r="http://schemas.openxmlformats.org/officeDocument/2006/relationships" xmlns:p="http://schemas.openxmlformats.org/presentationml/2006/main">
+  <p:cSld>
+    <p:spTree>
+      <p:nvGrpSpPr>
+        <p:cNvPr id="1" name=""/>
+        <p:cNvGrpSpPr/>
+        <p:nvPr/>
+      </p:nvGrpSpPr>
+      <p:grpSpPr>
+        <a:xfrm>
+          <a:off x="0" y="0"/>
+          <a:ext cx="0" cy="0"/>
+          <a:chOff x="0" y="0"/>
+          <a:chExt cx="0" cy="0"/>
+        </a:xfrm>
+      </p:grpSpPr>
+      <p:sp>
+        <p:nvSpPr>
+          <p:cNvPr id="2" name="幻灯片图像占位符 1"/>
+          <p:cNvSpPr>
+            <a:spLocks noGrp="1" noRot="1" noChangeAspect="1"/>
+          </p:cNvSpPr>
+          <p:nvPr>
+            <p:ph type="sldImg"/>
+          </p:nvPr>
+        </p:nvSpPr>
+        <p:spPr/>
+      </p:sp>
+      <p:sp>
+        <p:nvSpPr>
+          <p:cNvPr id="3" name="备注占位符 2"/>
+          <p:cNvSpPr>
+            <a:spLocks noGrp="1"/>
+          </p:cNvSpPr>
+          <p:nvPr>
+            <p:ph type="body" idx="1"/>
+          </p:nvPr>
+        </p:nvSpPr>
+        <p:spPr/>
+        <p:txBody>
+          <a:bodyPr/>
+          <a:lstStyle/>
+          <a:p>
+            <a:endParaRPr kumimoji="1" lang="zh-CN" altLang="en-US" dirty="0"/>
+          </a:p>
+        </p:txBody>
+      </p:sp>
+      <p:sp>
+        <p:nvSpPr>
+          <p:cNvPr id="4" name="幻灯片编号占位符 3"/>
+          <p:cNvSpPr>
+            <a:spLocks noGrp="1"/>
+          </p:cNvSpPr>
+          <p:nvPr>
+            <p:ph type="sldNum" sz="quarter" idx="10"/>
+          </p:nvPr>
+        </p:nvSpPr>
+        <p:spPr/>
+        <p:txBody>
+          <a:bodyPr/>
+          <a:lstStyle/>
+          <a:p>
+            <a:fld id="{F27B3BCB-71B9-7546-BEF0-734BDFDB0ED4}" type="slidenum">
+              <a:rPr kumimoji="1" lang="zh-CN" altLang="en-US" smtClean="0"/>
+              <a:t>22</a:t>
+            </a:fld>
+            <a:endParaRPr kumimoji="1" lang="zh-CN" altLang="en-US"/>
+          </a:p>
+        </p:txBody>
+      </p:sp>
+    </p:spTree>
+    <p:extLst>
+      <p:ext uri="{BB962C8B-B14F-4D97-AF65-F5344CB8AC3E}">
+        <p14:creationId xmlns:p14="http://schemas.microsoft.com/office/powerpoint/2010/main" val="719416585"/>
+      </p:ext>
+    </p:extLst>
+  </p:cSld>
+  <p:clrMapOvr>
+    <a:masterClrMapping/>
+  </p:clrMapOvr>
+</p:notes>
+</file>
+
+<file path=ppt/notesSlides/notesSlide2.xml><?xml version="1.0" encoding="utf-8"?>
+<p:notes xmlns:a="http://schemas.openxmlformats.org/drawingml/2006/main" xmlns:r="http://schemas.openxmlformats.org/officeDocument/2006/relationships" xmlns:p="http://schemas.openxmlformats.org/presentationml/2006/main">
+  <p:cSld>
+    <p:spTree>
+      <p:nvGrpSpPr>
+        <p:cNvPr id="1" name=""/>
+        <p:cNvGrpSpPr/>
+        <p:nvPr/>
+      </p:nvGrpSpPr>
+      <p:grpSpPr>
+        <a:xfrm>
+          <a:off x="0" y="0"/>
+          <a:ext cx="0" cy="0"/>
+          <a:chOff x="0" y="0"/>
+          <a:chExt cx="0" cy="0"/>
+        </a:xfrm>
+      </p:grpSpPr>
+      <p:sp>
+        <p:nvSpPr>
+          <p:cNvPr id="2" name="幻灯片图像占位符 1"/>
+          <p:cNvSpPr>
+            <a:spLocks noGrp="1" noRot="1" noChangeAspect="1"/>
+          </p:cNvSpPr>
+          <p:nvPr>
+            <p:ph type="sldImg"/>
+          </p:nvPr>
+        </p:nvSpPr>
+        <p:spPr/>
+      </p:sp>
+      <p:sp>
+        <p:nvSpPr>
+          <p:cNvPr id="3" name="备注占位符 2"/>
+          <p:cNvSpPr>
+            <a:spLocks noGrp="1"/>
+          </p:cNvSpPr>
+          <p:nvPr>
+            <p:ph type="body" idx="1"/>
+          </p:nvPr>
+        </p:nvSpPr>
+        <p:spPr/>
+        <p:txBody>
+          <a:bodyPr/>
+          <a:lstStyle/>
+          <a:p>
+            <a:endParaRPr kumimoji="1" lang="zh-CN" altLang="en-US" dirty="0"/>
+          </a:p>
+        </p:txBody>
+      </p:sp>
+      <p:sp>
+        <p:nvSpPr>
+          <p:cNvPr id="4" name="幻灯片编号占位符 3"/>
+          <p:cNvSpPr>
+            <a:spLocks noGrp="1"/>
+          </p:cNvSpPr>
+          <p:nvPr>
+            <p:ph type="sldNum" sz="quarter" idx="10"/>
+          </p:nvPr>
+        </p:nvSpPr>
+        <p:spPr/>
+        <p:txBody>
+          <a:bodyPr/>
+          <a:lstStyle/>
+          <a:p>
+            <a:fld id="{F27B3BCB-71B9-7546-BEF0-734BDFDB0ED4}" type="slidenum">
+              <a:rPr kumimoji="1" lang="zh-CN" altLang="en-US" smtClean="0"/>
+              <a:t>23</a:t>
+            </a:fld>
+            <a:endParaRPr kumimoji="1" lang="zh-CN" altLang="en-US"/>
+          </a:p>
+        </p:txBody>
+      </p:sp>
+    </p:spTree>
+    <p:extLst>
+      <p:ext uri="{BB962C8B-B14F-4D97-AF65-F5344CB8AC3E}">
+        <p14:creationId xmlns:p14="http://schemas.microsoft.com/office/powerpoint/2010/main" val="719416585"/>
+      </p:ext>
+    </p:extLst>
+  </p:cSld>
+  <p:clrMapOvr>
+    <a:masterClrMapping/>
+  </p:clrMapOvr>
+</p:notes>
+</file>
+
+<file path=ppt/notesSlides/notesSlide3.xml><?xml version="1.0" encoding="utf-8"?>
+<p:notes xmlns:a="http://schemas.openxmlformats.org/drawingml/2006/main" xmlns:r="http://schemas.openxmlformats.org/officeDocument/2006/relationships" xmlns:p="http://schemas.openxmlformats.org/presentationml/2006/main">
+  <p:cSld>
+    <p:spTree>
+      <p:nvGrpSpPr>
+        <p:cNvPr id="1" name=""/>
+        <p:cNvGrpSpPr/>
+        <p:nvPr/>
+      </p:nvGrpSpPr>
+      <p:grpSpPr>
+        <a:xfrm>
+          <a:off x="0" y="0"/>
+          <a:ext cx="0" cy="0"/>
+          <a:chOff x="0" y="0"/>
+          <a:chExt cx="0" cy="0"/>
+        </a:xfrm>
+      </p:grpSpPr>
+      <p:sp>
+        <p:nvSpPr>
+          <p:cNvPr id="2" name="幻灯片图像占位符 1"/>
+          <p:cNvSpPr>
+            <a:spLocks noGrp="1" noRot="1" noChangeAspect="1"/>
+          </p:cNvSpPr>
+          <p:nvPr>
+            <p:ph type="sldImg"/>
+          </p:nvPr>
+        </p:nvSpPr>
+        <p:spPr/>
+      </p:sp>
+      <p:sp>
+        <p:nvSpPr>
+          <p:cNvPr id="3" name="备注占位符 2"/>
+          <p:cNvSpPr>
+            <a:spLocks noGrp="1"/>
+          </p:cNvSpPr>
+          <p:nvPr>
+            <p:ph type="body" idx="1"/>
+          </p:nvPr>
+        </p:nvSpPr>
+        <p:spPr/>
+        <p:txBody>
+          <a:bodyPr/>
+          <a:lstStyle/>
+          <a:p>
+            <a:endParaRPr kumimoji="1" lang="zh-CN" altLang="en-US" dirty="0"/>
+          </a:p>
+        </p:txBody>
+      </p:sp>
+      <p:sp>
+        <p:nvSpPr>
+          <p:cNvPr id="4" name="幻灯片编号占位符 3"/>
+          <p:cNvSpPr>
+            <a:spLocks noGrp="1"/>
+          </p:cNvSpPr>
+          <p:nvPr>
+            <p:ph type="sldNum" sz="quarter" idx="10"/>
+          </p:nvPr>
+        </p:nvSpPr>
+        <p:spPr/>
+        <p:txBody>
+          <a:bodyPr/>
+          <a:lstStyle/>
+          <a:p>
+            <a:fld id="{F27B3BCB-71B9-7546-BEF0-734BDFDB0ED4}" type="slidenum">
+              <a:rPr kumimoji="1" lang="zh-CN" altLang="en-US" smtClean="0"/>
+              <a:t>24</a:t>
+            </a:fld>
+            <a:endParaRPr kumimoji="1" lang="zh-CN" altLang="en-US"/>
+          </a:p>
+        </p:txBody>
+      </p:sp>
+    </p:spTree>
+    <p:extLst>
+      <p:ext uri="{BB962C8B-B14F-4D97-AF65-F5344CB8AC3E}">
+        <p14:creationId xmlns:p14="http://schemas.microsoft.com/office/powerpoint/2010/main" val="719416585"/>
+      </p:ext>
+    </p:extLst>
+  </p:cSld>
+  <p:clrMapOvr>
+    <a:masterClrMapping/>
+  </p:clrMapOvr>
+</p:notes>
+</file>
+
+<file path=ppt/notesSlides/notesSlide4.xml><?xml version="1.0" encoding="utf-8"?>
+<p:notes xmlns:a="http://schemas.openxmlformats.org/drawingml/2006/main" xmlns:r="http://schemas.openxmlformats.org/officeDocument/2006/relationships" xmlns:p="http://schemas.openxmlformats.org/presentationml/2006/main">
+  <p:cSld>
+    <p:spTree>
+      <p:nvGrpSpPr>
+        <p:cNvPr id="1" name=""/>
+        <p:cNvGrpSpPr/>
+        <p:nvPr/>
+      </p:nvGrpSpPr>
+      <p:grpSpPr>
+        <a:xfrm>
+          <a:off x="0" y="0"/>
+          <a:ext cx="0" cy="0"/>
+          <a:chOff x="0" y="0"/>
+          <a:chExt cx="0" cy="0"/>
+        </a:xfrm>
+      </p:grpSpPr>
+      <p:sp>
+        <p:nvSpPr>
+          <p:cNvPr id="2" name="幻灯片图像占位符 1"/>
+          <p:cNvSpPr>
+            <a:spLocks noGrp="1" noRot="1" noChangeAspect="1"/>
+          </p:cNvSpPr>
+          <p:nvPr>
+            <p:ph type="sldImg"/>
+          </p:nvPr>
+        </p:nvSpPr>
+        <p:spPr/>
+      </p:sp>
+      <p:sp>
+        <p:nvSpPr>
+          <p:cNvPr id="3" name="备注占位符 2"/>
+          <p:cNvSpPr>
+            <a:spLocks noGrp="1"/>
+          </p:cNvSpPr>
+          <p:nvPr>
+            <p:ph type="body" idx="1"/>
+          </p:nvPr>
+        </p:nvSpPr>
+        <p:spPr/>
+        <p:txBody>
+          <a:bodyPr/>
+          <a:lstStyle/>
+          <a:p>
+            <a:endParaRPr kumimoji="1" lang="zh-CN" altLang="en-US" dirty="0"/>
+          </a:p>
+        </p:txBody>
+      </p:sp>
+      <p:sp>
+        <p:nvSpPr>
+          <p:cNvPr id="4" name="幻灯片编号占位符 3"/>
+          <p:cNvSpPr>
+            <a:spLocks noGrp="1"/>
+          </p:cNvSpPr>
+          <p:nvPr>
+            <p:ph type="sldNum" sz="quarter" idx="10"/>
+          </p:nvPr>
+        </p:nvSpPr>
+        <p:spPr/>
+        <p:txBody>
+          <a:bodyPr/>
+          <a:lstStyle/>
+          <a:p>
+            <a:fld id="{F27B3BCB-71B9-7546-BEF0-734BDFDB0ED4}" type="slidenum">
+              <a:rPr kumimoji="1" lang="zh-CN" altLang="en-US" smtClean="0"/>
+              <a:t>25</a:t>
+            </a:fld>
+            <a:endParaRPr kumimoji="1" lang="zh-CN" altLang="en-US"/>
+          </a:p>
+        </p:txBody>
+      </p:sp>
+    </p:spTree>
+    <p:extLst>
+      <p:ext uri="{BB962C8B-B14F-4D97-AF65-F5344CB8AC3E}">
+        <p14:creationId xmlns:p14="http://schemas.microsoft.com/office/powerpoint/2010/main" val="719416585"/>
+      </p:ext>
+    </p:extLst>
+  </p:cSld>
+  <p:clrMapOvr>
+    <a:masterClrMapping/>
+  </p:clrMapOvr>
+</p:notes>
 </file>
 
 <file path=ppt/slideLayouts/slideLayout1.xml><?xml version="1.0" encoding="utf-8"?>
@@ -1939,7 +2633,7 @@
             <a:fld id="{E30E2307-1E40-4E12-8716-25BFDA8E7013}" type="datetime1">
               <a:rPr lang="en-US" smtClean="0"/>
               <a:pPr/>
-              <a:t>13-10-14</a:t>
+              <a:t>13-10-16</a:t>
             </a:fld>
             <a:endParaRPr lang="en-US"/>
           </a:p>
@@ -2122,7 +2816,7 @@
             <a:fld id="{E5CFCF5A-EA79-452C-A52C-1A2668C2E7DF}" type="datetime1">
               <a:rPr lang="en-US" smtClean="0"/>
               <a:pPr/>
-              <a:t>13-10-14</a:t>
+              <a:t>13-10-16</a:t>
             </a:fld>
             <a:endParaRPr lang="en-US"/>
           </a:p>
@@ -2275,7 +2969,7 @@
             <a:fld id="{2E5C4C28-BD4B-4892-9A2D-6E19BD753A9A}" type="datetime1">
               <a:rPr lang="en-US" smtClean="0"/>
               <a:pPr/>
-              <a:t>13-10-14</a:t>
+              <a:t>13-10-16</a:t>
             </a:fld>
             <a:endParaRPr lang="en-US"/>
           </a:p>
@@ -4103,7 +4797,7 @@
             <a:fld id="{61FD9D02-426E-46C9-9EE9-0DE1EF8B2838}" type="datetime1">
               <a:rPr lang="en-US" smtClean="0"/>
               <a:pPr/>
-              <a:t>13-10-14</a:t>
+              <a:t>13-10-16</a:t>
             </a:fld>
             <a:endParaRPr lang="en-US"/>
           </a:p>
@@ -5975,7 +6669,7 @@
             <a:fld id="{7B8AEBBE-F8B2-42CF-9895-E86A608384EB}" type="datetime1">
               <a:rPr lang="en-US" smtClean="0"/>
               <a:pPr/>
-              <a:t>13-10-14</a:t>
+              <a:t>13-10-16</a:t>
             </a:fld>
             <a:endParaRPr lang="en-US"/>
           </a:p>
@@ -6090,7 +6784,7 @@
             <a:fld id="{E1FAA6B6-10E5-4810-BC9F-DA72D8452E73}" type="datetime1">
               <a:rPr lang="en-US" smtClean="0"/>
               <a:pPr/>
-              <a:t>13-10-14</a:t>
+              <a:t>13-10-16</a:t>
             </a:fld>
             <a:endParaRPr lang="en-US"/>
           </a:p>
@@ -6633,7 +7327,7 @@
             <a:fld id="{6D18D072-EF12-4AA2-BD71-ABC68B06D0E2}" type="datetime1">
               <a:rPr lang="en-US" smtClean="0"/>
               <a:pPr/>
-              <a:t>13-10-14</a:t>
+              <a:t>13-10-16</a:t>
             </a:fld>
             <a:endParaRPr lang="en-US"/>
           </a:p>
@@ -6748,7 +7442,7 @@
             <a:fld id="{B8CDBF60-6CC3-4B74-A60D-3486985E4346}" type="datetime1">
               <a:rPr lang="en-US" smtClean="0"/>
               <a:pPr/>
-              <a:t>13-10-14</a:t>
+              <a:t>13-10-16</a:t>
             </a:fld>
             <a:endParaRPr lang="en-US"/>
           </a:p>
@@ -8461,7 +9155,7 @@
             <a:fld id="{22714818-984F-4759-BF72-A33BDC1963BD}" type="datetime1">
               <a:rPr lang="en-US" smtClean="0"/>
               <a:pPr/>
-              <a:t>13-10-14</a:t>
+              <a:t>13-10-16</a:t>
             </a:fld>
             <a:endParaRPr lang="en-US"/>
           </a:p>
@@ -8614,7 +9308,7 @@
             <a:fld id="{9EA7E191-5F94-4FC1-B823-BD7CABF7FA06}" type="datetime1">
               <a:rPr lang="en-US" smtClean="0"/>
               <a:pPr/>
-              <a:t>13-10-14</a:t>
+              <a:t>13-10-16</a:t>
             </a:fld>
             <a:endParaRPr lang="en-US"/>
           </a:p>
@@ -12231,7 +12925,7 @@
             <a:fld id="{88856D55-EFBE-4F9B-8A5F-09D42CA22A9B}" type="datetime1">
               <a:rPr lang="en-US" smtClean="0"/>
               <a:pPr/>
-              <a:t>13-10-14</a:t>
+              <a:t>13-10-16</a:t>
             </a:fld>
             <a:endParaRPr lang="en-US"/>
           </a:p>
@@ -14092,7 +14786,7 @@
             <a:fld id="{9D1D110F-3F4E-48D9-B8AA-5D0E825AFDBA}" type="datetime1">
               <a:rPr lang="en-US" smtClean="0"/>
               <a:pPr/>
-              <a:t>13-10-14</a:t>
+              <a:t>13-10-16</a:t>
             </a:fld>
             <a:endParaRPr lang="en-US"/>
           </a:p>
@@ -15079,11 +15773,7 @@
             </a:r>
             <a:r>
               <a:rPr lang="en-US" altLang="zh-CN" dirty="0" err="1" smtClean="0"/>
-              <a:t>org.springframework.samples.mvc.</a:t>
-            </a:r>
-            <a:r>
-              <a:rPr lang="en-US" altLang="zh-CN" dirty="0" err="1" smtClean="0"/>
-              <a:t>mapping</a:t>
+              <a:t>org.springframework.samples.mvc.mapping</a:t>
             </a:r>
             <a:endParaRPr lang="zh-CN" altLang="en-US" dirty="0"/>
           </a:p>
@@ -17420,15 +18110,7 @@
                 <a:ea typeface="+mj-ea"/>
                 <a:cs typeface="Heiti SC Light"/>
               </a:rPr>
-              <a:t>组</a:t>
-            </a:r>
-            <a:r>
-              <a:rPr kumimoji="1" lang="zh-CN" altLang="en-US" sz="2000" dirty="0" smtClean="0">
-                <a:latin typeface="+mj-ea"/>
-                <a:ea typeface="+mj-ea"/>
-                <a:cs typeface="Heiti SC Light"/>
-              </a:rPr>
-              <a:t>件</a:t>
+              <a:t>组件</a:t>
             </a:r>
             <a:endParaRPr kumimoji="1" lang="en-US" altLang="zh-CN" sz="2000" dirty="0" smtClean="0">
               <a:latin typeface="+mj-ea"/>
@@ -18607,11 +19289,6 @@
               </a:rPr>
               <a:t>)</a:t>
             </a:r>
-            <a:endParaRPr kumimoji="1" lang="en-US" altLang="zh-CN" sz="1800" dirty="0" smtClean="0">
-              <a:latin typeface="+mj-ea"/>
-              <a:ea typeface="+mj-ea"/>
-              <a:cs typeface="Heiti SC Light"/>
-            </a:endParaRPr>
           </a:p>
           <a:p>
             <a:pPr lvl="1">
@@ -19171,11 +19848,6 @@
               </a:rPr>
               <a:t>View</a:t>
             </a:r>
-            <a:endParaRPr kumimoji="1" lang="en-US" altLang="zh-CN" sz="2000" dirty="0" smtClean="0">
-              <a:latin typeface="+mj-ea"/>
-              <a:ea typeface="+mj-ea"/>
-              <a:cs typeface="Heiti SC Light"/>
-            </a:endParaRPr>
           </a:p>
           <a:p>
             <a:pPr lvl="1">
@@ -19249,11 +19921,6 @@
               </a:rPr>
               <a:t>View</a:t>
             </a:r>
-            <a:endParaRPr kumimoji="1" lang="en-US" altLang="zh-CN" sz="1800" dirty="0" smtClean="0">
-              <a:latin typeface="+mj-ea"/>
-              <a:ea typeface="+mj-ea"/>
-              <a:cs typeface="Heiti SC Light"/>
-            </a:endParaRPr>
           </a:p>
           <a:p>
             <a:pPr lvl="1">
@@ -19277,15 +19944,7 @@
                 <a:ea typeface="+mj-ea"/>
                 <a:cs typeface="Heiti SC Light"/>
               </a:rPr>
-              <a:t>支持</a:t>
-            </a:r>
-            <a:r>
-              <a:rPr kumimoji="1" lang="zh-CN" altLang="en-US" sz="1800" dirty="0" smtClean="0">
-                <a:latin typeface="+mj-ea"/>
-                <a:ea typeface="+mj-ea"/>
-                <a:cs typeface="Heiti SC Light"/>
-              </a:rPr>
-              <a:t>很多</a:t>
+              <a:t>支持很多</a:t>
             </a:r>
             <a:r>
               <a:rPr kumimoji="1" lang="en-US" altLang="zh-CN" sz="1800" dirty="0" smtClean="0">
@@ -19845,14 +20504,14 @@
               <a:buChar char="Ø"/>
             </a:pPr>
             <a:r>
-              <a:rPr kumimoji="1" lang="zh-CN" altLang="en-US" sz="2000" dirty="0" smtClean="0">
-                <a:latin typeface="+mj-ea"/>
-                <a:ea typeface="+mj-ea"/>
-                <a:cs typeface="Heiti SC Light"/>
-              </a:rPr>
-              <a:t>改用哪一种？</a:t>
-            </a:r>
-            <a:endParaRPr kumimoji="1" lang="en-US" altLang="zh-CN" sz="2000" dirty="0" smtClean="0">
+              <a:rPr kumimoji="1" lang="zh-CN" altLang="en-US" sz="2000" dirty="0">
+                <a:latin typeface="+mj-ea"/>
+                <a:ea typeface="+mj-ea"/>
+                <a:cs typeface="Heiti SC Light"/>
+              </a:rPr>
+              <a:t>该选择用哪一种？</a:t>
+            </a:r>
+            <a:endParaRPr kumimoji="1" lang="en-US" altLang="zh-CN" sz="2000" dirty="0">
               <a:latin typeface="+mj-ea"/>
               <a:ea typeface="+mj-ea"/>
               <a:cs typeface="Heiti SC Light"/>
@@ -19864,55 +20523,55 @@
               <a:buChar char="Ø"/>
             </a:pPr>
             <a:r>
-              <a:rPr lang="zh-CN" altLang="en-US" sz="1800" dirty="0" smtClean="0">
+              <a:rPr lang="zh-CN" altLang="en-US" sz="1800" dirty="0">
                 <a:latin typeface="+mj-ea"/>
                 <a:ea typeface="+mj-ea"/>
               </a:rPr>
               <a:t>当需要生成浏览器显示的文档时用</a:t>
             </a:r>
             <a:r>
-              <a:rPr lang="en-US" altLang="zh-CN" sz="1800" dirty="0" smtClean="0">
+              <a:rPr lang="en-US" altLang="zh-CN" sz="1800" dirty="0">
                 <a:latin typeface="+mj-ea"/>
                 <a:ea typeface="+mj-ea"/>
               </a:rPr>
               <a:t>View</a:t>
             </a:r>
             <a:r>
-              <a:rPr lang="zh-CN" altLang="en-US" sz="1800" dirty="0" smtClean="0">
+              <a:rPr lang="zh-CN" altLang="en-US" sz="1800" dirty="0">
                 <a:latin typeface="+mj-ea"/>
                 <a:ea typeface="+mj-ea"/>
               </a:rPr>
               <a:t>，例如</a:t>
             </a:r>
             <a:r>
-              <a:rPr lang="en-US" altLang="zh-CN" sz="1800" dirty="0" smtClean="0">
+              <a:rPr lang="en-US" altLang="zh-CN" sz="1800" dirty="0">
                 <a:latin typeface="+mj-ea"/>
                 <a:ea typeface="+mj-ea"/>
               </a:rPr>
               <a:t>HTML</a:t>
             </a:r>
             <a:r>
-              <a:rPr lang="zh-CN" altLang="en-US" sz="1800" dirty="0" smtClean="0">
+              <a:rPr lang="zh-CN" altLang="en-US" sz="1800" dirty="0">
                 <a:latin typeface="+mj-ea"/>
                 <a:ea typeface="+mj-ea"/>
               </a:rPr>
               <a:t>，</a:t>
             </a:r>
             <a:r>
-              <a:rPr lang="en-US" altLang="zh-CN" sz="1800" dirty="0" smtClean="0">
+              <a:rPr lang="en-US" altLang="zh-CN" sz="1800" dirty="0">
                 <a:latin typeface="+mj-ea"/>
                 <a:ea typeface="+mj-ea"/>
               </a:rPr>
               <a:t>PDF</a:t>
             </a:r>
             <a:r>
-              <a:rPr lang="zh-CN" altLang="en-US" sz="1800" dirty="0" smtClean="0">
+              <a:rPr lang="zh-CN" altLang="en-US" sz="1800" dirty="0">
                 <a:latin typeface="+mj-ea"/>
                 <a:ea typeface="+mj-ea"/>
               </a:rPr>
               <a:t>等</a:t>
             </a:r>
-            <a:endParaRPr lang="en-US" altLang="zh-CN" sz="1800" dirty="0" smtClean="0">
+            <a:endParaRPr lang="en-US" altLang="zh-CN" sz="1800" dirty="0">
               <a:latin typeface="+mj-ea"/>
               <a:ea typeface="+mj-ea"/>
             </a:endParaRPr>
@@ -19923,74 +20582,53 @@
               <a:buChar char="Ø"/>
             </a:pPr>
             <a:r>
-              <a:rPr lang="zh-CN" altLang="en-US" sz="1800" dirty="0" smtClean="0">
+              <a:rPr lang="zh-CN" altLang="en-US" sz="1800" dirty="0">
                 <a:latin typeface="+mj-ea"/>
                 <a:ea typeface="+mj-ea"/>
               </a:rPr>
               <a:t>当需要提供</a:t>
             </a:r>
             <a:r>
-              <a:rPr lang="en-US" altLang="zh-CN" sz="1800" dirty="0" smtClean="0">
+              <a:rPr lang="en-US" altLang="zh-CN" sz="1800" dirty="0">
                 <a:latin typeface="+mj-ea"/>
                 <a:ea typeface="+mj-ea"/>
               </a:rPr>
               <a:t>Web</a:t>
             </a:r>
             <a:r>
-              <a:rPr lang="zh-CN" altLang="en-US" sz="1800" dirty="0" smtClean="0">
-                <a:latin typeface="+mj-ea"/>
-                <a:ea typeface="+mj-ea"/>
-              </a:rPr>
-              <a:t>服务是用</a:t>
-            </a:r>
-            <a:r>
-              <a:rPr lang="en-US" altLang="zh-CN" sz="1800" dirty="0" smtClean="0">
+              <a:rPr lang="zh-CN" altLang="en-US" sz="1800" dirty="0">
+                <a:latin typeface="+mj-ea"/>
+                <a:ea typeface="+mj-ea"/>
+              </a:rPr>
+              <a:t>服务时用</a:t>
+            </a:r>
+            <a:r>
+              <a:rPr lang="en-US" altLang="zh-CN" sz="1800" dirty="0">
                 <a:latin typeface="+mj-ea"/>
                 <a:ea typeface="+mj-ea"/>
               </a:rPr>
               <a:t>@</a:t>
             </a:r>
             <a:r>
-              <a:rPr lang="en-US" altLang="zh-CN" sz="1800" dirty="0" err="1" smtClean="0">
+              <a:rPr lang="en-US" altLang="zh-CN" sz="1800" dirty="0" err="1">
                 <a:latin typeface="+mj-ea"/>
                 <a:ea typeface="+mj-ea"/>
               </a:rPr>
               <a:t>ResponseBody</a:t>
             </a:r>
             <a:r>
-              <a:rPr lang="zh-CN" altLang="en-US" sz="1800" dirty="0" smtClean="0">
+              <a:rPr lang="zh-CN" altLang="en-US" sz="1800" dirty="0">
                 <a:latin typeface="+mj-ea"/>
                 <a:ea typeface="+mj-ea"/>
               </a:rPr>
               <a:t>，例如</a:t>
             </a:r>
             <a:r>
-              <a:rPr lang="en-US" altLang="zh-CN" sz="1800" dirty="0" smtClean="0">
+              <a:rPr lang="en-US" altLang="zh-CN" sz="1800" dirty="0">
                 <a:latin typeface="+mj-ea"/>
                 <a:ea typeface="+mj-ea"/>
               </a:rPr>
               <a:t>JSON</a:t>
-            </a:r>
-            <a:r>
-              <a:rPr lang="zh-CN" altLang="en-US" sz="1800" dirty="0" smtClean="0">
-                <a:latin typeface="+mj-ea"/>
-                <a:ea typeface="+mj-ea"/>
-              </a:rPr>
-              <a:t>，</a:t>
-            </a:r>
-            <a:r>
-              <a:rPr lang="en-US" altLang="zh-CN" sz="1800" dirty="0" smtClean="0">
-                <a:latin typeface="+mj-ea"/>
-                <a:ea typeface="+mj-ea"/>
-              </a:rPr>
-              <a:t>XML</a:t>
-            </a:r>
-            <a:r>
-              <a:rPr lang="zh-CN" altLang="en-US" sz="1800" dirty="0" smtClean="0">
-                <a:latin typeface="+mj-ea"/>
-                <a:ea typeface="+mj-ea"/>
-              </a:rPr>
-              <a:t>等</a:t>
             </a:r>
             <a:endParaRPr kumimoji="1" lang="en-US" altLang="zh-CN" sz="1600" dirty="0" smtClean="0">
               <a:latin typeface="+mj-ea"/>
@@ -20522,7 +21160,7 @@
         </p:spPr>
         <p:txBody>
           <a:bodyPr>
-            <a:normAutofit/>
+            <a:normAutofit lnSpcReduction="10000"/>
           </a:bodyPr>
           <a:lstStyle/>
           <a:p>
@@ -20532,36 +21170,309 @@
             </a:pPr>
             <a:r>
               <a:rPr kumimoji="1" lang="en-US" altLang="zh-CN" sz="2000" dirty="0" smtClean="0">
-                <a:latin typeface="+mj-ea"/>
-                <a:ea typeface="+mj-ea"/>
-                <a:cs typeface="Heiti SC Light"/>
-              </a:rPr>
-              <a:t>SpringMVC3</a:t>
+                <a:latin typeface="华文新魏"/>
+                <a:ea typeface="华文新魏"/>
+                <a:cs typeface="华文新魏"/>
+              </a:rPr>
+              <a:t>Request</a:t>
             </a:r>
             <a:r>
               <a:rPr kumimoji="1" lang="zh-CN" altLang="en-US" sz="2000" dirty="0" smtClean="0">
-                <a:latin typeface="+mj-ea"/>
-                <a:ea typeface="+mj-ea"/>
-                <a:cs typeface="Heiti SC Light"/>
-              </a:rPr>
-              <a:t>提供两种生成</a:t>
+                <a:latin typeface="华文新魏"/>
+                <a:ea typeface="华文新魏"/>
+                <a:cs typeface="华文新魏"/>
+              </a:rPr>
+              <a:t>中的内容都是以文本格式，而我们的代码中的数据是有类型的</a:t>
             </a:r>
             <a:r>
               <a:rPr kumimoji="1" lang="en-US" altLang="zh-CN" sz="2000" dirty="0" smtClean="0">
-                <a:latin typeface="+mj-ea"/>
-                <a:ea typeface="+mj-ea"/>
-                <a:cs typeface="Heiti SC Light"/>
-              </a:rPr>
-              <a:t>Response</a:t>
+                <a:latin typeface="华文新魏"/>
+                <a:ea typeface="华文新魏"/>
+                <a:cs typeface="华文新魏"/>
+              </a:rPr>
+              <a:t>(</a:t>
+            </a:r>
+            <a:r>
+              <a:rPr kumimoji="1" lang="en-US" altLang="zh-CN" sz="2000" dirty="0" err="1" smtClean="0">
+                <a:latin typeface="华文新魏"/>
+                <a:ea typeface="华文新魏"/>
+                <a:cs typeface="华文新魏"/>
+              </a:rPr>
+              <a:t>string,int,date,javabean</a:t>
+            </a:r>
+            <a:r>
+              <a:rPr kumimoji="1" lang="en-US" altLang="zh-CN" sz="2000" dirty="0" smtClean="0">
+                <a:latin typeface="华文新魏"/>
+                <a:ea typeface="华文新魏"/>
+                <a:cs typeface="华文新魏"/>
+              </a:rPr>
+              <a:t>…)</a:t>
             </a:r>
             <a:r>
               <a:rPr kumimoji="1" lang="zh-CN" altLang="en-US" sz="2000" dirty="0" smtClean="0">
-                <a:latin typeface="+mj-ea"/>
-                <a:ea typeface="+mj-ea"/>
-                <a:cs typeface="Heiti SC Light"/>
-              </a:rPr>
-              <a:t>的方式</a:t>
-            </a:r>
+                <a:latin typeface="华文新魏"/>
+                <a:ea typeface="华文新魏"/>
+                <a:cs typeface="华文新魏"/>
+              </a:rPr>
+              <a:t>。</a:t>
+            </a:r>
+            <a:r>
+              <a:rPr kumimoji="1" lang="en-US" altLang="zh-CN" sz="2000" dirty="0" err="1" smtClean="0">
+                <a:latin typeface="华文新魏"/>
+                <a:ea typeface="华文新魏"/>
+                <a:cs typeface="华文新魏"/>
+              </a:rPr>
+              <a:t>SpringMVC</a:t>
+            </a:r>
+            <a:r>
+              <a:rPr kumimoji="1" lang="zh-CN" altLang="en-US" sz="2000" dirty="0" smtClean="0">
+                <a:latin typeface="华文新魏"/>
+                <a:ea typeface="华文新魏"/>
+                <a:cs typeface="华文新魏"/>
+              </a:rPr>
+              <a:t>会自动转换类型。</a:t>
+            </a:r>
+            <a:endParaRPr kumimoji="1" lang="en-US" altLang="zh-CN" sz="2000" dirty="0" smtClean="0">
+              <a:latin typeface="华文新魏"/>
+              <a:ea typeface="华文新魏"/>
+              <a:cs typeface="华文新魏"/>
+            </a:endParaRPr>
+          </a:p>
+          <a:p>
+            <a:pPr lvl="1">
+              <a:buFont typeface="Wingdings" charset="2"/>
+              <a:buChar char="Ø"/>
+            </a:pPr>
+            <a:r>
+              <a:rPr kumimoji="1" lang="en-US" altLang="zh-CN" sz="1800" dirty="0" smtClean="0">
+                <a:latin typeface="华文新魏"/>
+                <a:ea typeface="华文新魏"/>
+                <a:cs typeface="华文新魏"/>
+              </a:rPr>
+              <a:t>@</a:t>
+            </a:r>
+            <a:r>
+              <a:rPr kumimoji="1" lang="en-US" altLang="zh-CN" sz="1800" dirty="0" err="1" smtClean="0">
+                <a:latin typeface="华文新魏"/>
+                <a:ea typeface="华文新魏"/>
+                <a:cs typeface="华文新魏"/>
+              </a:rPr>
+              <a:t>RequestParam</a:t>
+            </a:r>
+            <a:r>
+              <a:rPr kumimoji="1" lang="en-US" altLang="zh-CN" sz="1800" dirty="0" smtClean="0">
+                <a:latin typeface="华文新魏"/>
+                <a:ea typeface="华文新魏"/>
+                <a:cs typeface="华文新魏"/>
+              </a:rPr>
+              <a:t>,</a:t>
+            </a:r>
+            <a:r>
+              <a:rPr kumimoji="1" lang="zh-CN" altLang="en-US" sz="1800" dirty="0" smtClean="0">
+                <a:latin typeface="华文新魏"/>
+                <a:ea typeface="华文新魏"/>
+                <a:cs typeface="华文新魏"/>
+              </a:rPr>
+              <a:t> </a:t>
+            </a:r>
+            <a:r>
+              <a:rPr kumimoji="1" lang="en-US" altLang="zh-CN" sz="1800" dirty="0" smtClean="0">
+                <a:latin typeface="华文新魏"/>
+                <a:ea typeface="华文新魏"/>
+                <a:cs typeface="华文新魏"/>
+              </a:rPr>
+              <a:t>@</a:t>
+            </a:r>
+            <a:r>
+              <a:rPr kumimoji="1" lang="en-US" altLang="zh-CN" sz="1800" dirty="0" err="1" smtClean="0">
+                <a:latin typeface="华文新魏"/>
+                <a:ea typeface="华文新魏"/>
+                <a:cs typeface="华文新魏"/>
+              </a:rPr>
+              <a:t>PathVariable</a:t>
+            </a:r>
+            <a:r>
+              <a:rPr kumimoji="1" lang="en-US" altLang="zh-CN" sz="1800" dirty="0" smtClean="0">
+                <a:latin typeface="华文新魏"/>
+                <a:ea typeface="华文新魏"/>
+                <a:cs typeface="华文新魏"/>
+              </a:rPr>
+              <a:t>,</a:t>
+            </a:r>
+            <a:r>
+              <a:rPr kumimoji="1" lang="zh-CN" altLang="en-US" sz="1800" dirty="0" smtClean="0">
+                <a:latin typeface="华文新魏"/>
+                <a:ea typeface="华文新魏"/>
+                <a:cs typeface="华文新魏"/>
+              </a:rPr>
+              <a:t> </a:t>
+            </a:r>
+            <a:r>
+              <a:rPr kumimoji="1" lang="en-US" altLang="zh-CN" sz="1800" dirty="0" smtClean="0">
+                <a:latin typeface="华文新魏"/>
+                <a:ea typeface="华文新魏"/>
+                <a:cs typeface="华文新魏"/>
+              </a:rPr>
+              <a:t>@</a:t>
+            </a:r>
+            <a:r>
+              <a:rPr kumimoji="1" lang="en-US" altLang="zh-CN" sz="1800" dirty="0" err="1" smtClean="0">
+                <a:latin typeface="华文新魏"/>
+                <a:ea typeface="华文新魏"/>
+                <a:cs typeface="华文新魏"/>
+              </a:rPr>
+              <a:t>RequestHeader</a:t>
+            </a:r>
+            <a:r>
+              <a:rPr kumimoji="1" lang="en-US" altLang="zh-CN" sz="1800" dirty="0" smtClean="0">
+                <a:latin typeface="华文新魏"/>
+                <a:ea typeface="华文新魏"/>
+                <a:cs typeface="华文新魏"/>
+              </a:rPr>
+              <a:t>,</a:t>
+            </a:r>
+            <a:r>
+              <a:rPr kumimoji="1" lang="zh-CN" altLang="en-US" sz="1800" dirty="0" smtClean="0">
+                <a:latin typeface="华文新魏"/>
+                <a:ea typeface="华文新魏"/>
+                <a:cs typeface="华文新魏"/>
+              </a:rPr>
+              <a:t> </a:t>
+            </a:r>
+            <a:r>
+              <a:rPr kumimoji="1" lang="en-US" altLang="zh-CN" sz="1800" dirty="0" smtClean="0">
+                <a:latin typeface="华文新魏"/>
+                <a:ea typeface="华文新魏"/>
+                <a:cs typeface="华文新魏"/>
+              </a:rPr>
+              <a:t>@</a:t>
+            </a:r>
+            <a:r>
+              <a:rPr kumimoji="1" lang="en-US" altLang="zh-CN" sz="1800" dirty="0" err="1" smtClean="0">
+                <a:latin typeface="华文新魏"/>
+                <a:ea typeface="华文新魏"/>
+                <a:cs typeface="华文新魏"/>
+              </a:rPr>
+              <a:t>CookieValue</a:t>
+            </a:r>
+            <a:r>
+              <a:rPr kumimoji="1" lang="zh-CN" altLang="en-US" sz="1800" dirty="0" smtClean="0">
+                <a:latin typeface="华文新魏"/>
+                <a:ea typeface="华文新魏"/>
+                <a:cs typeface="华文新魏"/>
+              </a:rPr>
+              <a:t>，</a:t>
+            </a:r>
+            <a:r>
+              <a:rPr kumimoji="1" lang="en-US" altLang="zh-CN" sz="1800" dirty="0" smtClean="0">
+                <a:latin typeface="华文新魏"/>
+                <a:ea typeface="华文新魏"/>
+                <a:cs typeface="华文新魏"/>
+              </a:rPr>
+              <a:t>JavaBean</a:t>
+            </a:r>
+            <a:r>
+              <a:rPr kumimoji="1" lang="zh-CN" altLang="en-US" sz="1800" dirty="0" smtClean="0">
+                <a:latin typeface="华文新魏"/>
+                <a:ea typeface="华文新魏"/>
+                <a:cs typeface="华文新魏"/>
+              </a:rPr>
+              <a:t>使用</a:t>
+            </a:r>
+            <a:r>
+              <a:rPr kumimoji="1" lang="en-US" altLang="zh-CN" sz="1800" dirty="0" err="1" smtClean="0">
+                <a:latin typeface="华文新魏"/>
+                <a:ea typeface="华文新魏"/>
+                <a:cs typeface="华文新魏"/>
+              </a:rPr>
+              <a:t>ConversionService</a:t>
+            </a:r>
+            <a:endParaRPr kumimoji="1" lang="en-US" altLang="zh-CN" sz="1800" dirty="0">
+              <a:latin typeface="华文新魏"/>
+              <a:ea typeface="华文新魏"/>
+              <a:cs typeface="华文新魏"/>
+            </a:endParaRPr>
+          </a:p>
+          <a:p>
+            <a:pPr lvl="1">
+              <a:buFont typeface="Wingdings" charset="2"/>
+              <a:buChar char="Ø"/>
+            </a:pPr>
+            <a:r>
+              <a:rPr kumimoji="1" lang="en-US" altLang="zh-CN" sz="1800" dirty="0" smtClean="0">
+                <a:latin typeface="华文新魏"/>
+                <a:ea typeface="华文新魏"/>
+                <a:cs typeface="华文新魏"/>
+              </a:rPr>
+              <a:t>@</a:t>
+            </a:r>
+            <a:r>
+              <a:rPr kumimoji="1" lang="en-US" altLang="zh-CN" sz="1800" dirty="0" err="1" smtClean="0">
+                <a:latin typeface="华文新魏"/>
+                <a:ea typeface="华文新魏"/>
+                <a:cs typeface="华文新魏"/>
+              </a:rPr>
+              <a:t>RequestBody</a:t>
+            </a:r>
+            <a:r>
+              <a:rPr kumimoji="1" lang="zh-CN" altLang="en-US" sz="1800" dirty="0" smtClean="0">
+                <a:latin typeface="华文新魏"/>
+                <a:ea typeface="华文新魏"/>
+                <a:cs typeface="华文新魏"/>
+              </a:rPr>
+              <a:t>， </a:t>
+            </a:r>
+            <a:r>
+              <a:rPr kumimoji="1" lang="en-US" altLang="zh-CN" sz="1800" dirty="0" err="1" smtClean="0">
+                <a:latin typeface="华文新魏"/>
+                <a:ea typeface="华文新魏"/>
+                <a:cs typeface="华文新魏"/>
+              </a:rPr>
+              <a:t>HttpEntity</a:t>
+            </a:r>
+            <a:r>
+              <a:rPr kumimoji="1" lang="zh-CN" altLang="en-US" sz="1800" dirty="0" smtClean="0">
+                <a:latin typeface="华文新魏"/>
+                <a:ea typeface="华文新魏"/>
+                <a:cs typeface="华文新魏"/>
+              </a:rPr>
+              <a:t>则使用</a:t>
+            </a:r>
+            <a:r>
+              <a:rPr kumimoji="1" lang="en-US" altLang="zh-CN" sz="1800" dirty="0" err="1" smtClean="0">
+                <a:latin typeface="华文新魏"/>
+                <a:ea typeface="华文新魏"/>
+                <a:cs typeface="华文新魏"/>
+              </a:rPr>
+              <a:t>HttpMessage</a:t>
+            </a:r>
+            <a:r>
+              <a:rPr kumimoji="1" lang="en-US" altLang="zh-CN" sz="1800" dirty="0" err="1" smtClean="0">
+                <a:latin typeface="华文新魏"/>
+                <a:ea typeface="华文新魏"/>
+                <a:cs typeface="华文新魏"/>
+              </a:rPr>
+              <a:t>Convert</a:t>
+            </a:r>
+            <a:r>
+              <a:rPr kumimoji="1" lang="en-US" altLang="zh-CN" sz="1800" dirty="0" err="1" smtClean="0">
+                <a:latin typeface="华文新魏"/>
+                <a:ea typeface="华文新魏"/>
+                <a:cs typeface="华文新魏"/>
+              </a:rPr>
+              <a:t>er</a:t>
+            </a:r>
+            <a:endParaRPr kumimoji="1" lang="en-US" altLang="zh-CN" sz="1800" dirty="0" smtClean="0">
+              <a:latin typeface="华文新魏"/>
+              <a:ea typeface="华文新魏"/>
+              <a:cs typeface="华文新魏"/>
+            </a:endParaRPr>
+          </a:p>
+          <a:p>
+            <a:pPr>
+              <a:buFont typeface="Wingdings" charset="2"/>
+              <a:buChar char="Ø"/>
+            </a:pPr>
             <a:endParaRPr kumimoji="1" lang="en-US" altLang="zh-CN" sz="2000" dirty="0" smtClean="0">
               <a:latin typeface="+mj-ea"/>
               <a:ea typeface="+mj-ea"/>
@@ -20569,26 +21480,67 @@
             </a:endParaRPr>
           </a:p>
           <a:p>
+            <a:pPr>
+              <a:buFont typeface="Wingdings" charset="2"/>
+              <a:buChar char="Ø"/>
+            </a:pPr>
+            <a:r>
+              <a:rPr kumimoji="1" lang="en-US" altLang="zh-CN" sz="2000" dirty="0" err="1" smtClean="0">
+                <a:latin typeface="+mj-ea"/>
+                <a:ea typeface="+mj-ea"/>
+                <a:cs typeface="Heiti SC Light"/>
+              </a:rPr>
+              <a:t>SpringMVC</a:t>
+            </a:r>
+            <a:r>
+              <a:rPr kumimoji="1" lang="zh-CN" altLang="en-US" sz="2000" dirty="0" smtClean="0">
+                <a:latin typeface="+mj-ea"/>
+                <a:ea typeface="+mj-ea"/>
+                <a:cs typeface="Heiti SC Light"/>
+              </a:rPr>
+              <a:t>支持所有常用类型的转换</a:t>
+            </a:r>
+            <a:endParaRPr kumimoji="1" lang="en-US" altLang="zh-CN" sz="2000" dirty="0" smtClean="0">
+              <a:latin typeface="+mj-ea"/>
+              <a:ea typeface="+mj-ea"/>
+              <a:cs typeface="Heiti SC Light"/>
+            </a:endParaRPr>
+          </a:p>
+          <a:p>
             <a:pPr lvl="1">
               <a:buFont typeface="Wingdings" charset="2"/>
               <a:buChar char="Ø"/>
             </a:pPr>
             <a:r>
+              <a:rPr kumimoji="1" lang="en-US" altLang="zh-CN" sz="1800" dirty="0">
+                <a:latin typeface="+mj-ea"/>
+                <a:ea typeface="+mj-ea"/>
+                <a:cs typeface="Heiti SC Light"/>
+              </a:rPr>
+              <a:t>Primitives, Strings, Dates, Collections, Maps, </a:t>
+            </a:r>
+            <a:r>
               <a:rPr kumimoji="1" lang="en-US" altLang="zh-CN" sz="1800" dirty="0" smtClean="0">
                 <a:latin typeface="+mj-ea"/>
                 <a:ea typeface="+mj-ea"/>
                 <a:cs typeface="Heiti SC Light"/>
               </a:rPr>
-              <a:t>View</a:t>
-            </a:r>
-            <a:r>
-              <a:rPr kumimoji="1" lang="zh-CN" altLang="en-US" sz="1800" dirty="0" smtClean="0">
-                <a:latin typeface="+mj-ea"/>
-                <a:ea typeface="+mj-ea"/>
-                <a:cs typeface="Heiti SC Light"/>
-              </a:rPr>
-              <a:t>层的展示机制</a:t>
-            </a:r>
+              <a:t>JavaBean</a:t>
+            </a:r>
+            <a:r>
+              <a:rPr kumimoji="1" lang="en-US" altLang="zh-CN" sz="1800" dirty="0" smtClean="0">
+                <a:latin typeface="+mj-ea"/>
+                <a:ea typeface="+mj-ea"/>
+                <a:cs typeface="Heiti SC Light"/>
+              </a:rPr>
+              <a:t>s</a:t>
+            </a:r>
+          </a:p>
+          <a:p>
+            <a:pPr lvl="1">
+              <a:buFont typeface="Wingdings" charset="2"/>
+              <a:buChar char="Ø"/>
+            </a:pPr>
             <a:endParaRPr kumimoji="1" lang="en-US" altLang="zh-CN" sz="1800" dirty="0" smtClean="0">
               <a:latin typeface="+mj-ea"/>
               <a:ea typeface="+mj-ea"/>
@@ -20596,74 +21548,33 @@
             </a:endParaRPr>
           </a:p>
           <a:p>
-            <a:pPr lvl="1">
-              <a:buFont typeface="Wingdings" charset="2"/>
-              <a:buChar char="Ø"/>
-            </a:pPr>
-            <a:r>
-              <a:rPr kumimoji="1" lang="en-US" altLang="zh-CN" sz="1800" dirty="0" smtClean="0">
-                <a:latin typeface="+mj-ea"/>
-                <a:ea typeface="+mj-ea"/>
-                <a:cs typeface="Heiti SC Light"/>
-              </a:rPr>
-              <a:t>@</a:t>
-            </a:r>
-            <a:r>
-              <a:rPr kumimoji="1" lang="en-US" altLang="zh-CN" sz="1800" dirty="0" err="1" smtClean="0">
-                <a:latin typeface="+mj-ea"/>
-                <a:ea typeface="+mj-ea"/>
-                <a:cs typeface="Heiti SC Light"/>
-              </a:rPr>
-              <a:t>ResponseBody</a:t>
-            </a:r>
-            <a:r>
-              <a:rPr kumimoji="1" lang="zh-CN" altLang="en-US" sz="1800" dirty="0" smtClean="0">
-                <a:latin typeface="+mj-ea"/>
-                <a:ea typeface="+mj-ea"/>
-                <a:cs typeface="Heiti SC Light"/>
-              </a:rPr>
-              <a:t>(</a:t>
-            </a:r>
-            <a:r>
-              <a:rPr kumimoji="1" lang="en-US" altLang="zh-CN" sz="1800" dirty="0" err="1" smtClean="0">
-                <a:latin typeface="+mj-ea"/>
-                <a:ea typeface="+mj-ea"/>
-                <a:cs typeface="Heiti SC Light"/>
-              </a:rPr>
-              <a:t>HttpMessageConverter</a:t>
-            </a:r>
-            <a:r>
-              <a:rPr kumimoji="1" lang="en-US" altLang="zh-CN" sz="1800" dirty="0" smtClean="0">
-                <a:latin typeface="+mj-ea"/>
-                <a:ea typeface="+mj-ea"/>
-                <a:cs typeface="Heiti SC Light"/>
-              </a:rPr>
-              <a:t>)</a:t>
-            </a:r>
-          </a:p>
-          <a:p>
             <a:pPr>
               <a:buFont typeface="Wingdings" charset="2"/>
               <a:buChar char="Ø"/>
             </a:pPr>
-            <a:endParaRPr kumimoji="1" lang="en-US" altLang="zh-CN" sz="2000" dirty="0">
-              <a:latin typeface="+mj-ea"/>
-              <a:ea typeface="+mj-ea"/>
-              <a:cs typeface="Heiti SC Light"/>
-            </a:endParaRPr>
-          </a:p>
-          <a:p>
-            <a:pPr>
-              <a:buFont typeface="Wingdings" charset="2"/>
-              <a:buChar char="Ø"/>
-            </a:pPr>
             <a:r>
               <a:rPr kumimoji="1" lang="zh-CN" altLang="en-US" sz="2000" dirty="0" smtClean="0">
                 <a:latin typeface="+mj-ea"/>
                 <a:ea typeface="+mj-ea"/>
                 <a:cs typeface="Heiti SC Light"/>
               </a:rPr>
-              <a:t>改用哪一种？</a:t>
+              <a:t>通过</a:t>
+            </a:r>
+            <a:r>
+              <a:rPr kumimoji="1" lang="en-US" altLang="zh-CN" sz="2000" dirty="0" smtClean="0">
+                <a:latin typeface="+mj-ea"/>
+                <a:ea typeface="+mj-ea"/>
+                <a:cs typeface="Heiti SC Light"/>
+              </a:rPr>
+              <a:t>Annotation</a:t>
+            </a:r>
+            <a:r>
+              <a:rPr kumimoji="1" lang="zh-CN" altLang="en-US" sz="2000" dirty="0" smtClean="0">
+                <a:latin typeface="+mj-ea"/>
+                <a:ea typeface="+mj-ea"/>
+                <a:cs typeface="Heiti SC Light"/>
+              </a:rPr>
+              <a:t>来配置转换规则</a:t>
             </a:r>
             <a:endParaRPr kumimoji="1" lang="en-US" altLang="zh-CN" sz="2000" dirty="0" smtClean="0">
               <a:latin typeface="+mj-ea"/>
@@ -20677,135 +21588,164 @@
               <a:buChar char="Ø"/>
             </a:pPr>
             <a:r>
-              <a:rPr lang="zh-CN" altLang="en-US" sz="1800" dirty="0" smtClean="0">
-                <a:latin typeface="+mj-ea"/>
-                <a:ea typeface="+mj-ea"/>
-              </a:rPr>
-              <a:t>当需要生成浏览器显示的文档时用</a:t>
-            </a:r>
-            <a:r>
-              <a:rPr lang="en-US" altLang="zh-CN" sz="1800" dirty="0" smtClean="0">
-                <a:latin typeface="+mj-ea"/>
-                <a:ea typeface="+mj-ea"/>
-              </a:rPr>
-              <a:t>View</a:t>
-            </a:r>
-            <a:r>
-              <a:rPr lang="zh-CN" altLang="en-US" sz="1800" dirty="0" smtClean="0">
-                <a:latin typeface="+mj-ea"/>
-                <a:ea typeface="+mj-ea"/>
-              </a:rPr>
-              <a:t>，例如</a:t>
-            </a:r>
-            <a:r>
-              <a:rPr lang="en-US" altLang="zh-CN" sz="1800" dirty="0" smtClean="0">
-                <a:latin typeface="+mj-ea"/>
-                <a:ea typeface="+mj-ea"/>
-              </a:rPr>
-              <a:t>HTML</a:t>
-            </a:r>
-            <a:r>
-              <a:rPr lang="zh-CN" altLang="en-US" sz="1800" dirty="0" smtClean="0">
-                <a:latin typeface="+mj-ea"/>
-                <a:ea typeface="+mj-ea"/>
-              </a:rPr>
-              <a:t>，</a:t>
-            </a:r>
-            <a:r>
-              <a:rPr lang="en-US" altLang="zh-CN" sz="1800" dirty="0" smtClean="0">
-                <a:latin typeface="+mj-ea"/>
-                <a:ea typeface="+mj-ea"/>
-              </a:rPr>
-              <a:t>PDF</a:t>
-            </a:r>
-            <a:r>
-              <a:rPr lang="zh-CN" altLang="en-US" sz="1800" dirty="0" smtClean="0">
-                <a:latin typeface="+mj-ea"/>
-                <a:ea typeface="+mj-ea"/>
-              </a:rPr>
-              <a:t>等</a:t>
-            </a:r>
-            <a:endParaRPr lang="en-US" altLang="zh-CN" sz="1800" dirty="0" smtClean="0">
-              <a:latin typeface="+mj-ea"/>
-              <a:ea typeface="+mj-ea"/>
-            </a:endParaRPr>
-          </a:p>
-          <a:p>
-            <a:pPr lvl="1">
+              <a:rPr kumimoji="1" lang="en-US" altLang="zh-CN" sz="1800" dirty="0">
+                <a:latin typeface="+mj-ea"/>
+                <a:ea typeface="+mj-ea"/>
+                <a:cs typeface="Heiti SC Light"/>
+              </a:rPr>
+              <a:t>@</a:t>
+            </a:r>
+            <a:r>
+              <a:rPr kumimoji="1" lang="en-US" altLang="zh-CN" sz="1800" dirty="0" err="1">
+                <a:latin typeface="+mj-ea"/>
+                <a:ea typeface="+mj-ea"/>
+                <a:cs typeface="Heiti SC Light"/>
+              </a:rPr>
+              <a:t>NumberFormat</a:t>
+            </a:r>
+            <a:r>
+              <a:rPr kumimoji="1" lang="en-US" altLang="zh-CN" sz="1800" dirty="0">
+                <a:latin typeface="+mj-ea"/>
+                <a:ea typeface="+mj-ea"/>
+                <a:cs typeface="Heiti SC Light"/>
+              </a:rPr>
+              <a:t>, @</a:t>
+            </a:r>
+            <a:r>
+              <a:rPr kumimoji="1" lang="en-US" altLang="zh-CN" sz="1800" dirty="0" err="1">
+                <a:latin typeface="+mj-ea"/>
+                <a:ea typeface="+mj-ea"/>
+                <a:cs typeface="Heiti SC Light"/>
+              </a:rPr>
+              <a:t>DateTimeFormat</a:t>
+            </a:r>
+            <a:r>
+              <a:rPr kumimoji="1" lang="en-US" altLang="zh-CN" sz="1800" dirty="0">
+                <a:latin typeface="+mj-ea"/>
+                <a:ea typeface="+mj-ea"/>
+                <a:cs typeface="Heiti SC Light"/>
+              </a:rPr>
+              <a:t>, </a:t>
+            </a:r>
+            <a:r>
+              <a:rPr kumimoji="1" lang="zh-CN" altLang="en-US" sz="1800" dirty="0">
+                <a:latin typeface="+mj-ea"/>
+                <a:ea typeface="+mj-ea"/>
+                <a:cs typeface="Heiti SC Light"/>
+              </a:rPr>
+              <a:t>自定义</a:t>
+            </a:r>
+            <a:r>
+              <a:rPr kumimoji="1" lang="en-US" altLang="zh-CN" sz="1800" dirty="0">
+                <a:latin typeface="+mj-ea"/>
+                <a:ea typeface="+mj-ea"/>
+                <a:cs typeface="Heiti SC Light"/>
+              </a:rPr>
+              <a:t> </a:t>
+            </a:r>
+            <a:r>
+              <a:rPr kumimoji="1" lang="en-US" altLang="zh-CN" sz="1800" dirty="0">
+                <a:latin typeface="+mj-ea"/>
+                <a:ea typeface="+mj-ea"/>
+                <a:cs typeface="Heiti SC Light"/>
+              </a:rPr>
+              <a:t>@Format </a:t>
+            </a:r>
+            <a:r>
+              <a:rPr kumimoji="1" lang="en-US" altLang="zh-CN" sz="1800" dirty="0" smtClean="0">
+                <a:latin typeface="+mj-ea"/>
+                <a:ea typeface="+mj-ea"/>
+                <a:cs typeface="Heiti SC Light"/>
+              </a:rPr>
+              <a:t>annotation</a:t>
+            </a:r>
+          </a:p>
+          <a:p>
+            <a:pPr>
               <a:buFont typeface="Wingdings" charset="2"/>
               <a:buChar char="Ø"/>
             </a:pPr>
             <a:r>
-              <a:rPr lang="zh-CN" altLang="en-US" sz="1800" dirty="0" smtClean="0">
-                <a:latin typeface="+mj-ea"/>
-                <a:ea typeface="+mj-ea"/>
-              </a:rPr>
-              <a:t>当需要提供</a:t>
-            </a:r>
-            <a:r>
-              <a:rPr lang="en-US" altLang="zh-CN" sz="1800" dirty="0" smtClean="0">
-                <a:latin typeface="+mj-ea"/>
-                <a:ea typeface="+mj-ea"/>
-              </a:rPr>
-              <a:t>Web</a:t>
-            </a:r>
-            <a:r>
-              <a:rPr lang="zh-CN" altLang="en-US" sz="1800" dirty="0" smtClean="0">
-                <a:latin typeface="+mj-ea"/>
-                <a:ea typeface="+mj-ea"/>
-              </a:rPr>
-              <a:t>服务是用</a:t>
-            </a:r>
-            <a:r>
-              <a:rPr lang="en-US" altLang="zh-CN" sz="1800" dirty="0" smtClean="0">
-                <a:latin typeface="+mj-ea"/>
-                <a:ea typeface="+mj-ea"/>
-              </a:rPr>
-              <a:t>@</a:t>
-            </a:r>
-            <a:r>
-              <a:rPr lang="en-US" altLang="zh-CN" sz="1800" dirty="0" err="1" smtClean="0">
-                <a:latin typeface="+mj-ea"/>
-                <a:ea typeface="+mj-ea"/>
-              </a:rPr>
-              <a:t>ResponseBody</a:t>
-            </a:r>
-            <a:r>
-              <a:rPr lang="zh-CN" altLang="en-US" sz="1800" dirty="0" smtClean="0">
-                <a:latin typeface="+mj-ea"/>
-                <a:ea typeface="+mj-ea"/>
-              </a:rPr>
-              <a:t>，例如</a:t>
-            </a:r>
-            <a:r>
-              <a:rPr lang="en-US" altLang="zh-CN" sz="1800" dirty="0" smtClean="0">
-                <a:latin typeface="+mj-ea"/>
-                <a:ea typeface="+mj-ea"/>
-              </a:rPr>
-              <a:t>JSON</a:t>
-            </a:r>
-            <a:r>
-              <a:rPr lang="zh-CN" altLang="en-US" sz="1800" dirty="0" smtClean="0">
-                <a:latin typeface="+mj-ea"/>
-                <a:ea typeface="+mj-ea"/>
-              </a:rPr>
-              <a:t>，</a:t>
-            </a:r>
-            <a:r>
-              <a:rPr lang="en-US" altLang="zh-CN" sz="1800" dirty="0" smtClean="0">
-                <a:latin typeface="+mj-ea"/>
-                <a:ea typeface="+mj-ea"/>
-              </a:rPr>
-              <a:t>XML</a:t>
-            </a:r>
-            <a:r>
-              <a:rPr lang="zh-CN" altLang="en-US" sz="1800" dirty="0" smtClean="0">
-                <a:latin typeface="+mj-ea"/>
-                <a:ea typeface="+mj-ea"/>
-              </a:rPr>
-              <a:t>等</a:t>
-            </a:r>
-            <a:endParaRPr kumimoji="1" lang="en-US" altLang="zh-CN" sz="1600" dirty="0" smtClean="0">
+              <a:rPr kumimoji="1" lang="zh-CN" altLang="en-US" sz="2000" dirty="0" smtClean="0">
+                <a:latin typeface="+mj-ea"/>
+                <a:ea typeface="+mj-ea"/>
+                <a:cs typeface="Heiti SC Light"/>
+              </a:rPr>
+              <a:t>自定义</a:t>
+            </a:r>
+            <a:r>
+              <a:rPr kumimoji="1" lang="en-US" altLang="zh-CN" sz="2000" dirty="0" smtClean="0">
+                <a:latin typeface="+mj-ea"/>
+                <a:ea typeface="+mj-ea"/>
+                <a:cs typeface="Heiti SC Light"/>
+              </a:rPr>
+              <a:t>Converter</a:t>
+            </a:r>
+            <a:r>
+              <a:rPr kumimoji="1" lang="zh-CN" altLang="en-US" sz="2000" dirty="0" smtClean="0">
+                <a:latin typeface="+mj-ea"/>
+                <a:ea typeface="+mj-ea"/>
+                <a:cs typeface="Heiti SC Light"/>
+              </a:rPr>
+              <a:t> (</a:t>
+            </a:r>
+            <a:r>
+              <a:rPr kumimoji="1" lang="en-US" altLang="zh-CN" sz="2000" dirty="0" smtClean="0">
+                <a:latin typeface="+mj-ea"/>
+                <a:ea typeface="+mj-ea"/>
+                <a:cs typeface="Heiti SC Light"/>
+              </a:rPr>
+              <a:t>Spring</a:t>
+            </a:r>
+            <a:r>
+              <a:rPr kumimoji="1" lang="zh-CN" altLang="en-US" sz="2000" dirty="0">
+                <a:latin typeface="+mj-ea"/>
+                <a:ea typeface="+mj-ea"/>
+                <a:cs typeface="Heiti SC Light"/>
+              </a:rPr>
+              <a:t> </a:t>
+            </a:r>
+            <a:r>
+              <a:rPr kumimoji="1" lang="en-US" altLang="zh-CN" sz="2000" dirty="0" smtClean="0">
+                <a:latin typeface="+mj-ea"/>
+                <a:ea typeface="+mj-ea"/>
+                <a:cs typeface="Heiti SC Light"/>
+              </a:rPr>
+              <a:t>Core</a:t>
+            </a:r>
+            <a:r>
+              <a:rPr kumimoji="1" lang="zh-CN" altLang="en-US" sz="2000" dirty="0" smtClean="0">
+                <a:latin typeface="+mj-ea"/>
+                <a:ea typeface="+mj-ea"/>
+                <a:cs typeface="Heiti SC Light"/>
+              </a:rPr>
+              <a:t>的</a:t>
+            </a:r>
+            <a:r>
+              <a:rPr kumimoji="1" lang="en-US" altLang="zh-CN" sz="2000" dirty="0" err="1" smtClean="0">
+                <a:latin typeface="+mj-ea"/>
+                <a:ea typeface="+mj-ea"/>
+                <a:cs typeface="Heiti SC Light"/>
+              </a:rPr>
+              <a:t>TypeConverter</a:t>
+            </a:r>
+            <a:r>
+              <a:rPr kumimoji="1" lang="zh-CN" altLang="en-US" sz="2000" dirty="0" smtClean="0">
+                <a:latin typeface="+mj-ea"/>
+                <a:ea typeface="+mj-ea"/>
+                <a:cs typeface="Heiti SC Light"/>
+              </a:rPr>
+              <a:t>机制</a:t>
+            </a:r>
+            <a:r>
+              <a:rPr kumimoji="1" lang="en-US" altLang="zh-CN" sz="2000" dirty="0" smtClean="0">
+                <a:latin typeface="+mj-ea"/>
+                <a:ea typeface="+mj-ea"/>
+                <a:cs typeface="Heiti SC Light"/>
+              </a:rPr>
+              <a:t>)</a:t>
+            </a:r>
+            <a:endParaRPr kumimoji="1" lang="en-US" altLang="zh-CN" sz="2000" dirty="0">
               <a:latin typeface="+mj-ea"/>
               <a:ea typeface="+mj-ea"/>
               <a:cs typeface="Heiti SC Light"/>
@@ -20852,8 +21792,8 @@
         </p:nvSpPr>
         <p:spPr>
           <a:xfrm>
-            <a:off x="4133833" y="6488668"/>
-            <a:ext cx="5010167" cy="369332"/>
+            <a:off x="3887617" y="6488668"/>
+            <a:ext cx="5256383" cy="369332"/>
           </a:xfrm>
           <a:prstGeom prst="rect">
             <a:avLst/>
@@ -20875,7 +21815,15 @@
             </a:r>
             <a:r>
               <a:rPr lang="en-US" altLang="zh-CN" dirty="0" err="1"/>
-              <a:t>org.springframework.samples.mvc.views</a:t>
+              <a:t>org.springframework.samples.mvc</a:t>
+            </a:r>
+            <a:r>
+              <a:rPr lang="en-US" altLang="zh-CN" dirty="0" smtClean="0"/>
+              <a:t>.</a:t>
+            </a:r>
+            <a:r>
+              <a:rPr lang="en-US" altLang="zh-CN" dirty="0"/>
+              <a:t> convert</a:t>
             </a:r>
             <a:endParaRPr lang="zh-CN" altLang="en-US" dirty="0"/>
           </a:p>
@@ -20885,6 +21833,3019 @@
     <p:extLst>
       <p:ext uri="{BB962C8B-B14F-4D97-AF65-F5344CB8AC3E}">
         <p14:creationId xmlns:p14="http://schemas.microsoft.com/office/powerpoint/2010/main" val="302608202"/>
+      </p:ext>
+    </p:extLst>
+  </p:cSld>
+  <p:clrMapOvr>
+    <a:masterClrMapping/>
+  </p:clrMapOvr>
+  <p:timing>
+    <p:tnLst>
+      <p:par>
+        <p:cTn xmlns:p14="http://schemas.microsoft.com/office/powerpoint/2010/main" id="1" dur="indefinite" restart="never" nodeType="tmRoot">
+          <p:childTnLst>
+            <p:seq concurrent="1" nextAc="seek">
+              <p:cTn id="2" dur="indefinite" nodeType="mainSeq">
+                <p:childTnLst>
+                  <p:par>
+                    <p:cTn id="3" fill="hold">
+                      <p:stCondLst>
+                        <p:cond delay="indefinite"/>
+                      </p:stCondLst>
+                      <p:childTnLst>
+                        <p:par>
+                          <p:cTn id="4" fill="hold">
+                            <p:stCondLst>
+                              <p:cond delay="0"/>
+                            </p:stCondLst>
+                            <p:childTnLst>
+                              <p:par>
+                                <p:cTn id="5" presetID="2" presetClass="entr" presetSubtype="4" fill="hold" grpId="0" nodeType="clickEffect">
+                                  <p:stCondLst>
+                                    <p:cond delay="0"/>
+                                  </p:stCondLst>
+                                  <p:childTnLst>
+                                    <p:set>
+                                      <p:cBhvr>
+                                        <p:cTn id="6" dur="1" fill="hold">
+                                          <p:stCondLst>
+                                            <p:cond delay="0"/>
+                                          </p:stCondLst>
+                                        </p:cTn>
+                                        <p:tgtEl>
+                                          <p:spTgt spid="4"/>
+                                        </p:tgtEl>
+                                        <p:attrNameLst>
+                                          <p:attrName>style.visibility</p:attrName>
+                                        </p:attrNameLst>
+                                      </p:cBhvr>
+                                      <p:to>
+                                        <p:strVal val="visible"/>
+                                      </p:to>
+                                    </p:set>
+                                    <p:anim calcmode="lin" valueType="num">
+                                      <p:cBhvr additive="base">
+                                        <p:cTn id="7" dur="500" fill="hold"/>
+                                        <p:tgtEl>
+                                          <p:spTgt spid="4"/>
+                                        </p:tgtEl>
+                                        <p:attrNameLst>
+                                          <p:attrName>ppt_x</p:attrName>
+                                        </p:attrNameLst>
+                                      </p:cBhvr>
+                                      <p:tavLst>
+                                        <p:tav tm="0">
+                                          <p:val>
+                                            <p:strVal val="#ppt_x"/>
+                                          </p:val>
+                                        </p:tav>
+                                        <p:tav tm="100000">
+                                          <p:val>
+                                            <p:strVal val="#ppt_x"/>
+                                          </p:val>
+                                        </p:tav>
+                                      </p:tavLst>
+                                    </p:anim>
+                                    <p:anim calcmode="lin" valueType="num">
+                                      <p:cBhvr additive="base">
+                                        <p:cTn id="8" dur="500" fill="hold"/>
+                                        <p:tgtEl>
+                                          <p:spTgt spid="4"/>
+                                        </p:tgtEl>
+                                        <p:attrNameLst>
+                                          <p:attrName>ppt_y</p:attrName>
+                                        </p:attrNameLst>
+                                      </p:cBhvr>
+                                      <p:tavLst>
+                                        <p:tav tm="0">
+                                          <p:val>
+                                            <p:strVal val="1+#ppt_h/2"/>
+                                          </p:val>
+                                        </p:tav>
+                                        <p:tav tm="100000">
+                                          <p:val>
+                                            <p:strVal val="#ppt_y"/>
+                                          </p:val>
+                                        </p:tav>
+                                      </p:tavLst>
+                                    </p:anim>
+                                  </p:childTnLst>
+                                </p:cTn>
+                              </p:par>
+                            </p:childTnLst>
+                          </p:cTn>
+                        </p:par>
+                      </p:childTnLst>
+                    </p:cTn>
+                  </p:par>
+                </p:childTnLst>
+              </p:cTn>
+              <p:prevCondLst>
+                <p:cond evt="onPrev" delay="0">
+                  <p:tgtEl>
+                    <p:sldTgt/>
+                  </p:tgtEl>
+                </p:cond>
+              </p:prevCondLst>
+              <p:nextCondLst>
+                <p:cond evt="onNext" delay="0">
+                  <p:tgtEl>
+                    <p:sldTgt/>
+                  </p:tgtEl>
+                </p:cond>
+              </p:nextCondLst>
+            </p:seq>
+          </p:childTnLst>
+        </p:cTn>
+      </p:par>
+    </p:tnLst>
+    <p:bldLst>
+      <p:bldP spid="4" grpId="0"/>
+    </p:bldLst>
+  </p:timing>
+</p:sld>
+</file>
+
+<file path=ppt/slides/slide21.xml><?xml version="1.0" encoding="utf-8"?>
+<p:sld xmlns:a="http://schemas.openxmlformats.org/drawingml/2006/main" xmlns:r="http://schemas.openxmlformats.org/officeDocument/2006/relationships" xmlns:p="http://schemas.openxmlformats.org/presentationml/2006/main">
+  <p:cSld>
+    <p:spTree>
+      <p:nvGrpSpPr>
+        <p:cNvPr id="1" name=""/>
+        <p:cNvGrpSpPr/>
+        <p:nvPr/>
+      </p:nvGrpSpPr>
+      <p:grpSpPr>
+        <a:xfrm>
+          <a:off x="0" y="0"/>
+          <a:ext cx="0" cy="0"/>
+          <a:chOff x="0" y="0"/>
+          <a:chExt cx="0" cy="0"/>
+        </a:xfrm>
+      </p:grpSpPr>
+      <p:sp>
+        <p:nvSpPr>
+          <p:cNvPr id="5" name="内容占位符 4"/>
+          <p:cNvSpPr>
+            <a:spLocks noGrp="1"/>
+          </p:cNvSpPr>
+          <p:nvPr>
+            <p:ph idx="1"/>
+          </p:nvPr>
+        </p:nvSpPr>
+        <p:spPr>
+          <a:xfrm>
+            <a:off x="872067" y="1972718"/>
+            <a:ext cx="7408333" cy="4285975"/>
+          </a:xfrm>
+        </p:spPr>
+        <p:txBody>
+          <a:bodyPr>
+            <a:normAutofit/>
+          </a:bodyPr>
+          <a:lstStyle/>
+          <a:p>
+            <a:pPr>
+              <a:buFont typeface="Wingdings" charset="2"/>
+              <a:buChar char="Ø"/>
+            </a:pPr>
+            <a:r>
+              <a:rPr kumimoji="1" lang="zh-CN" altLang="en-US" sz="2000" dirty="0" smtClean="0">
+                <a:latin typeface="+mj-ea"/>
+                <a:ea typeface="+mj-ea"/>
+                <a:cs typeface="Heiti SC Light"/>
+              </a:rPr>
+              <a:t>当参数的</a:t>
+            </a:r>
+            <a:r>
+              <a:rPr kumimoji="1" lang="en-US" altLang="zh-CN" sz="2000" dirty="0" smtClean="0">
+                <a:latin typeface="+mj-ea"/>
+                <a:ea typeface="+mj-ea"/>
+                <a:cs typeface="Heiti SC Light"/>
+              </a:rPr>
+              <a:t>JavaBean</a:t>
+            </a:r>
+            <a:r>
+              <a:rPr kumimoji="1" lang="zh-CN" altLang="en-US" sz="2000" dirty="0" smtClean="0">
+                <a:latin typeface="+mj-ea"/>
+                <a:ea typeface="+mj-ea"/>
+                <a:cs typeface="Heiti SC Light"/>
+              </a:rPr>
+              <a:t>被标注为</a:t>
+            </a:r>
+            <a:r>
+              <a:rPr kumimoji="1" lang="en-US" altLang="zh-CN" sz="2000" dirty="0" smtClean="0">
+                <a:latin typeface="+mj-ea"/>
+                <a:ea typeface="+mj-ea"/>
+                <a:cs typeface="Heiti SC Light"/>
+              </a:rPr>
+              <a:t>@Valid</a:t>
+            </a:r>
+            <a:r>
+              <a:rPr kumimoji="1" lang="zh-CN" altLang="en-US" sz="2000" dirty="0" smtClean="0">
+                <a:latin typeface="+mj-ea"/>
+                <a:ea typeface="+mj-ea"/>
+                <a:cs typeface="Heiti SC Light"/>
+              </a:rPr>
+              <a:t>时，会根据</a:t>
+            </a:r>
+            <a:r>
+              <a:rPr kumimoji="1" lang="en-US" altLang="zh-CN" sz="2000" dirty="0" smtClean="0">
+                <a:latin typeface="+mj-ea"/>
+                <a:ea typeface="+mj-ea"/>
+                <a:cs typeface="Heiti SC Light"/>
+              </a:rPr>
+              <a:t>JavaBean</a:t>
+            </a:r>
+            <a:r>
+              <a:rPr kumimoji="1" lang="zh-CN" altLang="en-US" sz="2000" dirty="0" smtClean="0">
+                <a:latin typeface="+mj-ea"/>
+                <a:ea typeface="+mj-ea"/>
+                <a:cs typeface="Heiti SC Light"/>
+              </a:rPr>
+              <a:t>中的属性的标注执行校验</a:t>
+            </a:r>
+            <a:endParaRPr kumimoji="1" lang="en-US" altLang="zh-CN" sz="2000" dirty="0" smtClean="0">
+              <a:latin typeface="+mj-ea"/>
+              <a:ea typeface="+mj-ea"/>
+              <a:cs typeface="Heiti SC Light"/>
+            </a:endParaRPr>
+          </a:p>
+          <a:p>
+            <a:pPr lvl="1">
+              <a:buFont typeface="Wingdings" charset="2"/>
+              <a:buChar char="Ø"/>
+            </a:pPr>
+            <a:r>
+              <a:rPr kumimoji="1" lang="zh-CN" altLang="en-US" sz="1800" dirty="0" smtClean="0">
+                <a:latin typeface="+mj-ea"/>
+                <a:ea typeface="+mj-ea"/>
+                <a:cs typeface="Heiti SC Light"/>
+              </a:rPr>
+              <a:t>如果</a:t>
+            </a:r>
+            <a:r>
+              <a:rPr kumimoji="1" lang="en-US" altLang="zh-CN" sz="1800" dirty="0" err="1" smtClean="0">
+                <a:latin typeface="+mj-ea"/>
+                <a:ea typeface="+mj-ea"/>
+                <a:cs typeface="Heiti SC Light"/>
+              </a:rPr>
+              <a:t>ClassPath</a:t>
+            </a:r>
+            <a:r>
+              <a:rPr kumimoji="1" lang="zh-CN" altLang="en-US" sz="1800" dirty="0" smtClean="0">
+                <a:latin typeface="+mj-ea"/>
+                <a:ea typeface="+mj-ea"/>
+                <a:cs typeface="Heiti SC Light"/>
+              </a:rPr>
+              <a:t>下有</a:t>
+            </a:r>
+            <a:r>
+              <a:rPr kumimoji="1" lang="en-US" altLang="zh-CN" sz="1800" dirty="0" smtClean="0">
+                <a:latin typeface="+mj-ea"/>
+                <a:ea typeface="+mj-ea"/>
+                <a:cs typeface="Heiti SC Light"/>
+              </a:rPr>
+              <a:t>JSR-303</a:t>
+            </a:r>
+            <a:r>
+              <a:rPr kumimoji="1" lang="zh-CN" altLang="en-US" sz="1800" dirty="0" smtClean="0">
+                <a:latin typeface="+mj-ea"/>
+                <a:ea typeface="+mj-ea"/>
+                <a:cs typeface="Heiti SC Light"/>
+              </a:rPr>
+              <a:t>的</a:t>
+            </a:r>
+            <a:r>
+              <a:rPr kumimoji="1" lang="en-US" altLang="zh-CN" sz="1800" dirty="0" smtClean="0">
+                <a:latin typeface="+mj-ea"/>
+                <a:ea typeface="+mj-ea"/>
+                <a:cs typeface="Heiti SC Light"/>
+              </a:rPr>
+              <a:t>Provider</a:t>
+            </a:r>
+            <a:r>
+              <a:rPr kumimoji="1" lang="zh-CN" altLang="en-US" sz="1800" dirty="0" smtClean="0">
+                <a:latin typeface="+mj-ea"/>
+                <a:ea typeface="+mj-ea"/>
+                <a:cs typeface="Heiti SC Light"/>
+              </a:rPr>
+              <a:t>则自动使用</a:t>
+            </a:r>
+            <a:r>
+              <a:rPr kumimoji="1" lang="en-US" altLang="zh-CN" sz="1800" dirty="0" smtClean="0">
+                <a:latin typeface="+mj-ea"/>
+                <a:ea typeface="+mj-ea"/>
+                <a:cs typeface="Heiti SC Light"/>
+              </a:rPr>
+              <a:t>JSR-303</a:t>
+            </a:r>
+          </a:p>
+          <a:p>
+            <a:pPr lvl="1">
+              <a:buFont typeface="Wingdings" charset="2"/>
+              <a:buChar char="Ø"/>
+            </a:pPr>
+            <a:r>
+              <a:rPr kumimoji="1" lang="en-US" altLang="zh-CN" sz="1800" dirty="0" smtClean="0">
+                <a:latin typeface="+mj-ea"/>
+                <a:ea typeface="+mj-ea"/>
+                <a:cs typeface="Heiti SC Light"/>
+              </a:rPr>
+              <a:t>Hibernate-Validator</a:t>
+            </a:r>
+          </a:p>
+          <a:p>
+            <a:pPr lvl="1">
+              <a:buFont typeface="Wingdings" charset="2"/>
+              <a:buChar char="Ø"/>
+            </a:pPr>
+            <a:endParaRPr kumimoji="1" lang="en-US" altLang="zh-CN" sz="1800" dirty="0">
+              <a:latin typeface="+mj-ea"/>
+              <a:ea typeface="+mj-ea"/>
+              <a:cs typeface="Heiti SC Light"/>
+            </a:endParaRPr>
+          </a:p>
+          <a:p>
+            <a:pPr>
+              <a:buFont typeface="Wingdings" charset="2"/>
+              <a:buChar char="Ø"/>
+            </a:pPr>
+            <a:r>
+              <a:rPr kumimoji="1" lang="zh-CN" altLang="en-US" sz="2000" dirty="0" smtClean="0">
+                <a:latin typeface="+mj-ea"/>
+                <a:ea typeface="+mj-ea"/>
+                <a:cs typeface="Heiti SC Light"/>
+              </a:rPr>
+              <a:t>校验结果会通过</a:t>
+            </a:r>
+            <a:r>
+              <a:rPr kumimoji="1" lang="en-US" altLang="zh-CN" sz="2000" dirty="0" err="1" smtClean="0">
+                <a:latin typeface="+mj-ea"/>
+                <a:ea typeface="+mj-ea"/>
+                <a:cs typeface="Heiti SC Light"/>
+              </a:rPr>
+              <a:t>BindingResult</a:t>
+            </a:r>
+            <a:r>
+              <a:rPr kumimoji="1" lang="zh-CN" altLang="en-US" sz="2000" dirty="0" smtClean="0">
+                <a:latin typeface="+mj-ea"/>
+                <a:ea typeface="+mj-ea"/>
+                <a:cs typeface="Heiti SC Light"/>
+              </a:rPr>
+              <a:t>/</a:t>
+            </a:r>
+            <a:r>
+              <a:rPr kumimoji="1" lang="en-US" altLang="zh-CN" sz="2000" dirty="0" smtClean="0">
+                <a:latin typeface="+mj-ea"/>
+                <a:ea typeface="+mj-ea"/>
+                <a:cs typeface="Heiti SC Light"/>
+              </a:rPr>
+              <a:t>Errors</a:t>
+            </a:r>
+            <a:r>
+              <a:rPr kumimoji="1" lang="zh-CN" altLang="en-US" sz="2000" dirty="0" smtClean="0">
+                <a:latin typeface="+mj-ea"/>
+                <a:ea typeface="+mj-ea"/>
+                <a:cs typeface="Heiti SC Light"/>
+              </a:rPr>
+              <a:t>类型的参数传递给</a:t>
+            </a:r>
+            <a:r>
+              <a:rPr kumimoji="1" lang="en-US" altLang="zh-CN" sz="2000" dirty="0" smtClean="0">
+                <a:latin typeface="+mj-ea"/>
+                <a:ea typeface="+mj-ea"/>
+                <a:cs typeface="Heiti SC Light"/>
+              </a:rPr>
+              <a:t>Controller</a:t>
+            </a:r>
+          </a:p>
+          <a:p>
+            <a:pPr lvl="1">
+              <a:buFont typeface="Wingdings" charset="2"/>
+              <a:buChar char="Ø"/>
+            </a:pPr>
+            <a:r>
+              <a:rPr kumimoji="1" lang="zh-CN" altLang="en-US" sz="1800" dirty="0" smtClean="0">
+                <a:latin typeface="+mj-ea"/>
+                <a:ea typeface="+mj-ea"/>
+                <a:cs typeface="Heiti SC Light"/>
+              </a:rPr>
+              <a:t>这个参数必须紧接着被校验的</a:t>
+            </a:r>
+            <a:r>
+              <a:rPr kumimoji="1" lang="en-US" altLang="zh-CN" sz="1800" dirty="0" smtClean="0">
+                <a:latin typeface="+mj-ea"/>
+                <a:ea typeface="+mj-ea"/>
+                <a:cs typeface="Heiti SC Light"/>
+              </a:rPr>
+              <a:t>JavaBean</a:t>
+            </a:r>
+          </a:p>
+          <a:p>
+            <a:pPr lvl="1">
+              <a:buFont typeface="Wingdings" charset="2"/>
+              <a:buChar char="Ø"/>
+            </a:pPr>
+            <a:r>
+              <a:rPr kumimoji="1" lang="en-US" altLang="zh-CN" sz="1800" dirty="0" smtClean="0">
+                <a:latin typeface="+mj-ea"/>
+                <a:ea typeface="+mj-ea"/>
+                <a:cs typeface="Heiti SC Light"/>
+              </a:rPr>
+              <a:t>Errors</a:t>
+            </a:r>
+            <a:r>
+              <a:rPr kumimoji="1" lang="zh-CN" altLang="en-US" sz="1800" dirty="0" smtClean="0">
+                <a:latin typeface="+mj-ea"/>
+                <a:ea typeface="+mj-ea"/>
+                <a:cs typeface="Heiti SC Light"/>
+              </a:rPr>
+              <a:t>会自动被叫到</a:t>
+            </a:r>
+            <a:r>
+              <a:rPr kumimoji="1" lang="en-US" altLang="zh-CN" sz="1800" dirty="0" smtClean="0">
+                <a:latin typeface="+mj-ea"/>
+                <a:ea typeface="+mj-ea"/>
+                <a:cs typeface="Heiti SC Light"/>
+              </a:rPr>
+              <a:t>Model</a:t>
+            </a:r>
+            <a:r>
+              <a:rPr kumimoji="1" lang="zh-CN" altLang="en-US" sz="1800" dirty="0" smtClean="0">
+                <a:latin typeface="+mj-ea"/>
+                <a:ea typeface="+mj-ea"/>
+                <a:cs typeface="Heiti SC Light"/>
+              </a:rPr>
+              <a:t>中</a:t>
+            </a:r>
+            <a:r>
+              <a:rPr kumimoji="1" lang="en-US" altLang="zh-CN" sz="1800" dirty="0" smtClean="0">
+                <a:latin typeface="+mj-ea"/>
+                <a:ea typeface="+mj-ea"/>
+                <a:cs typeface="Heiti SC Light"/>
+              </a:rPr>
+              <a:t>(</a:t>
+            </a:r>
+            <a:r>
+              <a:rPr kumimoji="1" lang="zh-CN" altLang="en-US" sz="1800" dirty="0" smtClean="0">
+                <a:latin typeface="+mj-ea"/>
+                <a:ea typeface="+mj-ea"/>
+                <a:cs typeface="Heiti SC Light"/>
+              </a:rPr>
+              <a:t>可以在</a:t>
+            </a:r>
+            <a:r>
+              <a:rPr kumimoji="1" lang="zh-CN" altLang="en-US" sz="1800" dirty="0" smtClean="0">
+                <a:latin typeface="+mj-ea"/>
+                <a:ea typeface="+mj-ea"/>
+                <a:cs typeface="Heiti SC Light"/>
+              </a:rPr>
+              <a:t>展示</a:t>
+            </a:r>
+            <a:r>
+              <a:rPr kumimoji="1" lang="en-US" altLang="zh-CN" sz="1800" dirty="0" smtClean="0">
+                <a:latin typeface="+mj-ea"/>
+                <a:ea typeface="+mj-ea"/>
+                <a:cs typeface="Heiti SC Light"/>
+              </a:rPr>
+              <a:t>View</a:t>
+            </a:r>
+            <a:r>
+              <a:rPr kumimoji="1" lang="zh-CN" altLang="en-US" sz="1800" dirty="0" smtClean="0">
+                <a:latin typeface="+mj-ea"/>
+                <a:ea typeface="+mj-ea"/>
+                <a:cs typeface="Heiti SC Light"/>
+              </a:rPr>
+              <a:t>的时候使用</a:t>
+            </a:r>
+            <a:r>
+              <a:rPr kumimoji="1" lang="en-US" altLang="zh-CN" sz="1800" dirty="0" smtClean="0">
+                <a:latin typeface="+mj-ea"/>
+                <a:ea typeface="+mj-ea"/>
+                <a:cs typeface="Heiti SC Light"/>
+              </a:rPr>
+              <a:t>)</a:t>
+            </a:r>
+          </a:p>
+          <a:p>
+            <a:pPr lvl="1">
+              <a:buFont typeface="Wingdings" charset="2"/>
+              <a:buChar char="Ø"/>
+            </a:pPr>
+            <a:r>
+              <a:rPr kumimoji="1" lang="en-US" altLang="zh-CN" sz="1800" dirty="0">
+                <a:latin typeface="+mj-ea"/>
+                <a:ea typeface="+mj-ea"/>
+                <a:cs typeface="Heiti SC Light"/>
+              </a:rPr>
+              <a:t>@</a:t>
+            </a:r>
+            <a:r>
+              <a:rPr kumimoji="1" lang="en-US" altLang="zh-CN" sz="1800" dirty="0" err="1" smtClean="0">
+                <a:latin typeface="+mj-ea"/>
+                <a:ea typeface="+mj-ea"/>
+                <a:cs typeface="Heiti SC Light"/>
+              </a:rPr>
+              <a:t>RequestBody</a:t>
+            </a:r>
+            <a:r>
+              <a:rPr kumimoji="1" lang="zh-CN" altLang="en-US" sz="1800" dirty="0" smtClean="0">
+                <a:latin typeface="+mj-ea"/>
+                <a:ea typeface="+mj-ea"/>
+                <a:cs typeface="Heiti SC Light"/>
+              </a:rPr>
+              <a:t>的时候不支持！</a:t>
+            </a:r>
+            <a:endParaRPr kumimoji="1" lang="en-US" altLang="zh-CN" sz="1800" dirty="0">
+              <a:latin typeface="+mj-ea"/>
+              <a:ea typeface="+mj-ea"/>
+              <a:cs typeface="Heiti SC Light"/>
+            </a:endParaRPr>
+          </a:p>
+        </p:txBody>
+      </p:sp>
+      <p:sp>
+        <p:nvSpPr>
+          <p:cNvPr id="2" name="标题 1"/>
+          <p:cNvSpPr>
+            <a:spLocks noGrp="1"/>
+          </p:cNvSpPr>
+          <p:nvPr>
+            <p:ph type="title"/>
+          </p:nvPr>
+        </p:nvSpPr>
+        <p:spPr/>
+        <p:txBody>
+          <a:bodyPr>
+            <a:normAutofit/>
+          </a:bodyPr>
+          <a:lstStyle/>
+          <a:p>
+            <a:r>
+              <a:rPr kumimoji="1" lang="zh-CN" altLang="en-US" dirty="0" smtClean="0">
+                <a:latin typeface="+mj-ea"/>
+                <a:cs typeface="Heiti SC Light"/>
+              </a:rPr>
+              <a:t>输入校验</a:t>
+            </a:r>
+            <a:endParaRPr kumimoji="1" lang="en-US" altLang="zh-CN" dirty="0">
+              <a:latin typeface="+mj-ea"/>
+              <a:cs typeface="Heiti SC Light"/>
+            </a:endParaRPr>
+          </a:p>
+        </p:txBody>
+      </p:sp>
+      <p:sp>
+        <p:nvSpPr>
+          <p:cNvPr id="4" name="矩形 3"/>
+          <p:cNvSpPr/>
+          <p:nvPr/>
+        </p:nvSpPr>
+        <p:spPr>
+          <a:xfrm>
+            <a:off x="3887617" y="6488668"/>
+            <a:ext cx="5256383" cy="369332"/>
+          </a:xfrm>
+          <a:prstGeom prst="rect">
+            <a:avLst/>
+          </a:prstGeom>
+        </p:spPr>
+        <p:txBody>
+          <a:bodyPr wrap="square">
+            <a:spAutoFit/>
+          </a:bodyPr>
+          <a:lstStyle/>
+          <a:p>
+            <a:r>
+              <a:rPr lang="en-US" altLang="zh-CN" dirty="0" smtClean="0"/>
+              <a:t>Demo</a:t>
+            </a:r>
+            <a:r>
+              <a:rPr lang="zh-CN" altLang="zh-CN" dirty="0" smtClean="0"/>
+              <a:t>:</a:t>
+            </a:r>
+            <a:r>
+              <a:rPr lang="en-US" altLang="zh-CN" dirty="0" err="1" smtClean="0"/>
+              <a:t>org.springframework.samples.mvc.</a:t>
+            </a:r>
+            <a:r>
+              <a:rPr lang="en-US" altLang="zh-CN" dirty="0" err="1" smtClean="0"/>
+              <a:t>validation</a:t>
+            </a:r>
+            <a:endParaRPr lang="zh-CN" altLang="en-US" dirty="0"/>
+          </a:p>
+        </p:txBody>
+      </p:sp>
+    </p:spTree>
+    <p:extLst>
+      <p:ext uri="{BB962C8B-B14F-4D97-AF65-F5344CB8AC3E}">
+        <p14:creationId xmlns:p14="http://schemas.microsoft.com/office/powerpoint/2010/main" val="2757264578"/>
+      </p:ext>
+    </p:extLst>
+  </p:cSld>
+  <p:clrMapOvr>
+    <a:masterClrMapping/>
+  </p:clrMapOvr>
+  <p:timing>
+    <p:tnLst>
+      <p:par>
+        <p:cTn xmlns:p14="http://schemas.microsoft.com/office/powerpoint/2010/main" id="1" dur="indefinite" restart="never" nodeType="tmRoot">
+          <p:childTnLst>
+            <p:seq concurrent="1" nextAc="seek">
+              <p:cTn id="2" dur="indefinite" nodeType="mainSeq">
+                <p:childTnLst>
+                  <p:par>
+                    <p:cTn id="3" fill="hold">
+                      <p:stCondLst>
+                        <p:cond delay="indefinite"/>
+                      </p:stCondLst>
+                      <p:childTnLst>
+                        <p:par>
+                          <p:cTn id="4" fill="hold">
+                            <p:stCondLst>
+                              <p:cond delay="0"/>
+                            </p:stCondLst>
+                            <p:childTnLst>
+                              <p:par>
+                                <p:cTn id="5" presetID="2" presetClass="entr" presetSubtype="4" fill="hold" grpId="0" nodeType="clickEffect">
+                                  <p:stCondLst>
+                                    <p:cond delay="0"/>
+                                  </p:stCondLst>
+                                  <p:childTnLst>
+                                    <p:set>
+                                      <p:cBhvr>
+                                        <p:cTn id="6" dur="1" fill="hold">
+                                          <p:stCondLst>
+                                            <p:cond delay="0"/>
+                                          </p:stCondLst>
+                                        </p:cTn>
+                                        <p:tgtEl>
+                                          <p:spTgt spid="4"/>
+                                        </p:tgtEl>
+                                        <p:attrNameLst>
+                                          <p:attrName>style.visibility</p:attrName>
+                                        </p:attrNameLst>
+                                      </p:cBhvr>
+                                      <p:to>
+                                        <p:strVal val="visible"/>
+                                      </p:to>
+                                    </p:set>
+                                    <p:anim calcmode="lin" valueType="num">
+                                      <p:cBhvr additive="base">
+                                        <p:cTn id="7" dur="500" fill="hold"/>
+                                        <p:tgtEl>
+                                          <p:spTgt spid="4"/>
+                                        </p:tgtEl>
+                                        <p:attrNameLst>
+                                          <p:attrName>ppt_x</p:attrName>
+                                        </p:attrNameLst>
+                                      </p:cBhvr>
+                                      <p:tavLst>
+                                        <p:tav tm="0">
+                                          <p:val>
+                                            <p:strVal val="#ppt_x"/>
+                                          </p:val>
+                                        </p:tav>
+                                        <p:tav tm="100000">
+                                          <p:val>
+                                            <p:strVal val="#ppt_x"/>
+                                          </p:val>
+                                        </p:tav>
+                                      </p:tavLst>
+                                    </p:anim>
+                                    <p:anim calcmode="lin" valueType="num">
+                                      <p:cBhvr additive="base">
+                                        <p:cTn id="8" dur="500" fill="hold"/>
+                                        <p:tgtEl>
+                                          <p:spTgt spid="4"/>
+                                        </p:tgtEl>
+                                        <p:attrNameLst>
+                                          <p:attrName>ppt_y</p:attrName>
+                                        </p:attrNameLst>
+                                      </p:cBhvr>
+                                      <p:tavLst>
+                                        <p:tav tm="0">
+                                          <p:val>
+                                            <p:strVal val="1+#ppt_h/2"/>
+                                          </p:val>
+                                        </p:tav>
+                                        <p:tav tm="100000">
+                                          <p:val>
+                                            <p:strVal val="#ppt_y"/>
+                                          </p:val>
+                                        </p:tav>
+                                      </p:tavLst>
+                                    </p:anim>
+                                  </p:childTnLst>
+                                </p:cTn>
+                              </p:par>
+                            </p:childTnLst>
+                          </p:cTn>
+                        </p:par>
+                      </p:childTnLst>
+                    </p:cTn>
+                  </p:par>
+                </p:childTnLst>
+              </p:cTn>
+              <p:prevCondLst>
+                <p:cond evt="onPrev" delay="0">
+                  <p:tgtEl>
+                    <p:sldTgt/>
+                  </p:tgtEl>
+                </p:cond>
+              </p:prevCondLst>
+              <p:nextCondLst>
+                <p:cond evt="onNext" delay="0">
+                  <p:tgtEl>
+                    <p:sldTgt/>
+                  </p:tgtEl>
+                </p:cond>
+              </p:nextCondLst>
+            </p:seq>
+          </p:childTnLst>
+        </p:cTn>
+      </p:par>
+    </p:tnLst>
+    <p:bldLst>
+      <p:bldP spid="4" grpId="0"/>
+    </p:bldLst>
+  </p:timing>
+</p:sld>
+</file>
+
+<file path=ppt/slides/slide22.xml><?xml version="1.0" encoding="utf-8"?>
+<p:sld xmlns:a="http://schemas.openxmlformats.org/drawingml/2006/main" xmlns:r="http://schemas.openxmlformats.org/officeDocument/2006/relationships" xmlns:p="http://schemas.openxmlformats.org/presentationml/2006/main">
+  <p:cSld>
+    <p:spTree>
+      <p:nvGrpSpPr>
+        <p:cNvPr id="1" name=""/>
+        <p:cNvGrpSpPr/>
+        <p:nvPr/>
+      </p:nvGrpSpPr>
+      <p:grpSpPr>
+        <a:xfrm>
+          <a:off x="0" y="0"/>
+          <a:ext cx="0" cy="0"/>
+          <a:chOff x="0" y="0"/>
+          <a:chExt cx="0" cy="0"/>
+        </a:xfrm>
+      </p:grpSpPr>
+      <p:sp>
+        <p:nvSpPr>
+          <p:cNvPr id="5" name="内容占位符 4"/>
+          <p:cNvSpPr>
+            <a:spLocks noGrp="1"/>
+          </p:cNvSpPr>
+          <p:nvPr>
+            <p:ph idx="1"/>
+          </p:nvPr>
+        </p:nvSpPr>
+        <p:spPr>
+          <a:xfrm>
+            <a:off x="872067" y="1972718"/>
+            <a:ext cx="7408333" cy="4285975"/>
+          </a:xfrm>
+        </p:spPr>
+        <p:txBody>
+          <a:bodyPr>
+            <a:normAutofit/>
+          </a:bodyPr>
+          <a:lstStyle/>
+          <a:p>
+            <a:pPr>
+              <a:buFont typeface="Wingdings" charset="2"/>
+              <a:buChar char="Ø"/>
+            </a:pPr>
+            <a:r>
+              <a:rPr kumimoji="1" lang="zh-CN" altLang="en-US" sz="2000" dirty="0" smtClean="0">
+                <a:latin typeface="+mj-ea"/>
+                <a:ea typeface="+mj-ea"/>
+                <a:cs typeface="Heiti SC Light"/>
+              </a:rPr>
+              <a:t>文件上传的</a:t>
+            </a:r>
+            <a:r>
+              <a:rPr kumimoji="1" lang="en-US" altLang="zh-CN" sz="2000" dirty="0" smtClean="0">
+                <a:latin typeface="+mj-ea"/>
+                <a:ea typeface="+mj-ea"/>
+                <a:cs typeface="Heiti SC Light"/>
+              </a:rPr>
+              <a:t>Form</a:t>
+            </a:r>
+          </a:p>
+          <a:p>
+            <a:pPr lvl="1">
+              <a:buFont typeface="Wingdings" charset="2"/>
+              <a:buChar char="Ø"/>
+            </a:pPr>
+            <a:r>
+              <a:rPr kumimoji="1" lang="en-US" altLang="zh-CN" sz="1800" dirty="0" smtClean="0">
+                <a:latin typeface="+mj-ea"/>
+                <a:ea typeface="+mj-ea"/>
+                <a:cs typeface="Heiti SC Light"/>
+              </a:rPr>
+              <a:t>form</a:t>
+            </a:r>
+            <a:r>
+              <a:rPr kumimoji="1" lang="zh-CN" altLang="en-US" sz="1800" dirty="0" smtClean="0">
+                <a:latin typeface="+mj-ea"/>
+                <a:ea typeface="+mj-ea"/>
+                <a:cs typeface="Heiti SC Light"/>
+              </a:rPr>
+              <a:t>的</a:t>
+            </a:r>
+            <a:r>
+              <a:rPr kumimoji="1" lang="en-US" altLang="zh-CN" sz="1800" dirty="0" smtClean="0">
+                <a:latin typeface="+mj-ea"/>
+                <a:ea typeface="+mj-ea"/>
+                <a:cs typeface="Heiti SC Light"/>
+              </a:rPr>
+              <a:t>encoding</a:t>
+            </a:r>
+            <a:r>
+              <a:rPr kumimoji="1" lang="zh-CN" altLang="en-US" sz="1800" dirty="0" smtClean="0">
+                <a:latin typeface="+mj-ea"/>
+                <a:ea typeface="+mj-ea"/>
+                <a:cs typeface="Heiti SC Light"/>
+              </a:rPr>
+              <a:t>是</a:t>
+            </a:r>
+            <a:r>
+              <a:rPr lang="en-US" altLang="zh-CN" sz="1800" dirty="0"/>
+              <a:t>multipart/form-data</a:t>
+            </a:r>
+            <a:endParaRPr kumimoji="1" lang="en-US" altLang="zh-CN" sz="1800" dirty="0" smtClean="0">
+              <a:latin typeface="+mj-ea"/>
+              <a:ea typeface="+mj-ea"/>
+              <a:cs typeface="Heiti SC Light"/>
+            </a:endParaRPr>
+          </a:p>
+          <a:p>
+            <a:pPr lvl="1">
+              <a:buFont typeface="Wingdings" charset="2"/>
+              <a:buChar char="Ø"/>
+            </a:pPr>
+            <a:r>
+              <a:rPr kumimoji="1" lang="zh-CN" altLang="en-US" sz="1800" dirty="0" smtClean="0">
+                <a:latin typeface="+mj-ea"/>
+                <a:ea typeface="+mj-ea"/>
+                <a:cs typeface="Heiti SC Light"/>
+              </a:rPr>
+              <a:t>通过</a:t>
+            </a:r>
+            <a:r>
+              <a:rPr kumimoji="1" lang="en-US" altLang="zh-CN" sz="1800" dirty="0" smtClean="0">
+                <a:latin typeface="+mj-ea"/>
+                <a:ea typeface="+mj-ea"/>
+                <a:cs typeface="Heiti SC Light"/>
+              </a:rPr>
+              <a:t>&lt;input</a:t>
+            </a:r>
+            <a:r>
+              <a:rPr kumimoji="1" lang="zh-CN" altLang="en-US" sz="1800" dirty="0" smtClean="0">
+                <a:latin typeface="+mj-ea"/>
+                <a:ea typeface="+mj-ea"/>
+                <a:cs typeface="Heiti SC Light"/>
+              </a:rPr>
+              <a:t> </a:t>
+            </a:r>
+            <a:r>
+              <a:rPr kumimoji="1" lang="en-US" altLang="zh-CN" sz="1800" dirty="0" smtClean="0">
+                <a:latin typeface="+mj-ea"/>
+                <a:ea typeface="+mj-ea"/>
+                <a:cs typeface="Heiti SC Light"/>
+              </a:rPr>
+              <a:t>type=file/&gt;</a:t>
+            </a:r>
+            <a:r>
+              <a:rPr kumimoji="1" lang="zh-CN" altLang="en-US" sz="1800" dirty="0" smtClean="0">
+                <a:latin typeface="+mj-ea"/>
+                <a:ea typeface="+mj-ea"/>
+                <a:cs typeface="Heiti SC Light"/>
+              </a:rPr>
+              <a:t>字段指定要上传的文件</a:t>
+            </a:r>
+            <a:endParaRPr kumimoji="1" lang="en-US" altLang="zh-CN" sz="1800" dirty="0" smtClean="0">
+              <a:latin typeface="+mj-ea"/>
+              <a:ea typeface="+mj-ea"/>
+              <a:cs typeface="Heiti SC Light"/>
+            </a:endParaRPr>
+          </a:p>
+          <a:p>
+            <a:pPr lvl="1">
+              <a:buFont typeface="Wingdings" charset="2"/>
+              <a:buChar char="Ø"/>
+            </a:pPr>
+            <a:endParaRPr kumimoji="1" lang="en-US" altLang="zh-CN" sz="1800" dirty="0">
+              <a:latin typeface="+mj-ea"/>
+              <a:ea typeface="+mj-ea"/>
+              <a:cs typeface="Heiti SC Light"/>
+            </a:endParaRPr>
+          </a:p>
+          <a:p>
+            <a:pPr>
+              <a:buFont typeface="Wingdings" charset="2"/>
+              <a:buChar char="Ø"/>
+            </a:pPr>
+            <a:r>
+              <a:rPr kumimoji="1" lang="zh-CN" altLang="en-US" sz="2000" dirty="0" smtClean="0">
+                <a:latin typeface="+mj-ea"/>
+                <a:ea typeface="+mj-ea"/>
+                <a:cs typeface="Heiti SC Light"/>
+              </a:rPr>
+              <a:t>文件上传用的</a:t>
+            </a:r>
+            <a:r>
+              <a:rPr kumimoji="1" lang="en-US" altLang="zh-CN" sz="2000" dirty="0" smtClean="0">
+                <a:latin typeface="+mj-ea"/>
+                <a:ea typeface="+mj-ea"/>
+                <a:cs typeface="Heiti SC Light"/>
+              </a:rPr>
+              <a:t>Controller</a:t>
+            </a:r>
+          </a:p>
+          <a:p>
+            <a:pPr lvl="1">
+              <a:buFont typeface="Wingdings" charset="2"/>
+              <a:buChar char="Ø"/>
+            </a:pPr>
+            <a:r>
+              <a:rPr kumimoji="1" lang="zh-CN" altLang="en-US" sz="1800" dirty="0" smtClean="0">
+                <a:latin typeface="+mj-ea"/>
+                <a:ea typeface="+mj-ea"/>
+                <a:cs typeface="Heiti SC Light"/>
+              </a:rPr>
+              <a:t>映射到</a:t>
+            </a:r>
+            <a:r>
+              <a:rPr kumimoji="1" lang="en-US" altLang="zh-CN" sz="1800" dirty="0" smtClean="0">
+                <a:latin typeface="+mj-ea"/>
+                <a:ea typeface="+mj-ea"/>
+                <a:cs typeface="Heiti SC Light"/>
+              </a:rPr>
+              <a:t>method=</a:t>
+            </a:r>
+            <a:r>
+              <a:rPr kumimoji="1" lang="en-US" altLang="zh-CN" sz="1800" dirty="0" err="1" smtClean="0">
+                <a:latin typeface="+mj-ea"/>
+                <a:ea typeface="+mj-ea"/>
+                <a:cs typeface="Heiti SC Light"/>
+              </a:rPr>
+              <a:t>RequestMethod.POST</a:t>
+            </a:r>
+            <a:endParaRPr kumimoji="1" lang="en-US" altLang="zh-CN" sz="1800" dirty="0" smtClean="0">
+              <a:latin typeface="+mj-ea"/>
+              <a:ea typeface="+mj-ea"/>
+              <a:cs typeface="Heiti SC Light"/>
+            </a:endParaRPr>
+          </a:p>
+          <a:p>
+            <a:pPr lvl="1">
+              <a:buFont typeface="Wingdings" charset="2"/>
+              <a:buChar char="Ø"/>
+            </a:pPr>
+            <a:r>
+              <a:rPr kumimoji="1" lang="zh-CN" altLang="en-US" sz="1800" dirty="0" smtClean="0">
+                <a:latin typeface="+mj-ea"/>
+                <a:ea typeface="+mj-ea"/>
+                <a:cs typeface="Heiti SC Light"/>
+              </a:rPr>
+              <a:t>参数的类型为</a:t>
+            </a:r>
+            <a:r>
+              <a:rPr kumimoji="1" lang="en-US" altLang="zh-CN" sz="1800" dirty="0" err="1" smtClean="0">
+                <a:latin typeface="+mj-ea"/>
+                <a:ea typeface="+mj-ea"/>
+                <a:cs typeface="Heiti SC Light"/>
+              </a:rPr>
+              <a:t>MultipartFile</a:t>
+            </a:r>
+            <a:endParaRPr kumimoji="1" lang="en-US" altLang="zh-CN" sz="1800" dirty="0" smtClean="0">
+              <a:latin typeface="+mj-ea"/>
+              <a:ea typeface="+mj-ea"/>
+              <a:cs typeface="Heiti SC Light"/>
+            </a:endParaRPr>
+          </a:p>
+          <a:p>
+            <a:pPr>
+              <a:buFont typeface="Wingdings" charset="2"/>
+              <a:buChar char="Ø"/>
+            </a:pPr>
+            <a:endParaRPr kumimoji="1" lang="en-US" altLang="zh-CN" sz="2000" dirty="0">
+              <a:latin typeface="+mj-ea"/>
+              <a:ea typeface="+mj-ea"/>
+              <a:cs typeface="Heiti SC Light"/>
+            </a:endParaRPr>
+          </a:p>
+          <a:p>
+            <a:pPr>
+              <a:buFont typeface="Wingdings" charset="2"/>
+              <a:buChar char="Ø"/>
+            </a:pPr>
+            <a:r>
+              <a:rPr kumimoji="1" lang="zh-CN" altLang="en-US" sz="2000" dirty="0" smtClean="0">
+                <a:latin typeface="+mj-ea"/>
+                <a:ea typeface="+mj-ea"/>
+                <a:cs typeface="Heiti SC Light"/>
+              </a:rPr>
+              <a:t>通过</a:t>
+            </a:r>
+            <a:r>
+              <a:rPr kumimoji="1" lang="en-US" altLang="zh-CN" sz="2000" dirty="0" err="1" smtClean="0">
+                <a:latin typeface="+mj-ea"/>
+                <a:ea typeface="+mj-ea"/>
+                <a:cs typeface="Heiti SC Light"/>
+              </a:rPr>
+              <a:t>MultipartResolver</a:t>
+            </a:r>
+            <a:r>
+              <a:rPr kumimoji="1" lang="zh-CN" altLang="en-US" sz="2000" dirty="0" smtClean="0">
+                <a:latin typeface="+mj-ea"/>
+                <a:ea typeface="+mj-ea"/>
+                <a:cs typeface="Heiti SC Light"/>
+              </a:rPr>
+              <a:t>可以配置上传组件</a:t>
+            </a:r>
+            <a:endParaRPr kumimoji="1" lang="en-US" altLang="zh-CN" sz="2000" dirty="0" smtClean="0">
+              <a:latin typeface="+mj-ea"/>
+              <a:ea typeface="+mj-ea"/>
+              <a:cs typeface="Heiti SC Light"/>
+            </a:endParaRPr>
+          </a:p>
+          <a:p>
+            <a:pPr lvl="1">
+              <a:buFont typeface="Wingdings" charset="2"/>
+              <a:buChar char="Ø"/>
+            </a:pPr>
+            <a:r>
+              <a:rPr lang="zh-CN" altLang="en-US" sz="1800" dirty="0" smtClean="0">
+                <a:latin typeface="+mj-ea"/>
+                <a:ea typeface="+mj-ea"/>
+              </a:rPr>
+              <a:t>一般使用</a:t>
+            </a:r>
+            <a:r>
+              <a:rPr lang="en-US" altLang="zh-CN" sz="1800" dirty="0" err="1" smtClean="0">
+                <a:latin typeface="+mj-ea"/>
+                <a:ea typeface="+mj-ea"/>
+              </a:rPr>
+              <a:t>CommonsMultipartResolver</a:t>
+            </a:r>
+            <a:endParaRPr lang="en-US" altLang="zh-CN" sz="1800" dirty="0">
+              <a:latin typeface="+mj-ea"/>
+              <a:ea typeface="+mj-ea"/>
+            </a:endParaRPr>
+          </a:p>
+          <a:p>
+            <a:pPr lvl="1">
+              <a:buFont typeface="Wingdings" charset="2"/>
+              <a:buChar char="Ø"/>
+            </a:pPr>
+            <a:r>
+              <a:rPr lang="zh-CN" altLang="en-US" sz="1800" dirty="0">
+                <a:latin typeface="+mj-ea"/>
+                <a:ea typeface="+mj-ea"/>
+              </a:rPr>
+              <a:t>需要</a:t>
+            </a:r>
+            <a:r>
+              <a:rPr lang="en-US" altLang="zh-CN" sz="1800" dirty="0">
+                <a:latin typeface="+mj-ea"/>
+                <a:ea typeface="+mj-ea"/>
+              </a:rPr>
+              <a:t>commons-</a:t>
+            </a:r>
+            <a:r>
+              <a:rPr lang="en-US" altLang="zh-CN" sz="1800" dirty="0" err="1">
+                <a:latin typeface="+mj-ea"/>
+                <a:ea typeface="+mj-ea"/>
+              </a:rPr>
+              <a:t>fileupload</a:t>
+            </a:r>
+            <a:r>
+              <a:rPr lang="en-US" altLang="zh-CN" sz="1800" dirty="0">
+                <a:latin typeface="+mj-ea"/>
+                <a:ea typeface="+mj-ea"/>
+              </a:rPr>
+              <a:t> </a:t>
+            </a:r>
+            <a:r>
+              <a:rPr lang="zh-CN" altLang="en-US" sz="1800" dirty="0">
+                <a:latin typeface="+mj-ea"/>
+                <a:ea typeface="+mj-ea"/>
+              </a:rPr>
+              <a:t>和</a:t>
+            </a:r>
+            <a:r>
+              <a:rPr lang="en-US" altLang="zh-CN" sz="1800" dirty="0">
+                <a:latin typeface="+mj-ea"/>
+                <a:ea typeface="+mj-ea"/>
+              </a:rPr>
+              <a:t> </a:t>
+            </a:r>
+            <a:r>
+              <a:rPr lang="en-US" altLang="zh-CN" sz="1800" dirty="0">
+                <a:latin typeface="+mj-ea"/>
+                <a:ea typeface="+mj-ea"/>
+              </a:rPr>
+              <a:t>commons-</a:t>
+            </a:r>
+            <a:r>
+              <a:rPr lang="en-US" altLang="zh-CN" sz="1800" dirty="0" err="1">
+                <a:latin typeface="+mj-ea"/>
+                <a:ea typeface="+mj-ea"/>
+              </a:rPr>
+              <a:t>io</a:t>
+            </a:r>
+            <a:r>
+              <a:rPr lang="zh-CN" altLang="en-US" sz="1800" dirty="0">
+                <a:latin typeface="+mj-ea"/>
+                <a:ea typeface="+mj-ea"/>
+              </a:rPr>
+              <a:t>库</a:t>
+            </a:r>
+            <a:endParaRPr lang="en-US" altLang="zh-CN" sz="1800" dirty="0">
+              <a:latin typeface="+mj-ea"/>
+              <a:ea typeface="+mj-ea"/>
+            </a:endParaRPr>
+          </a:p>
+        </p:txBody>
+      </p:sp>
+      <p:sp>
+        <p:nvSpPr>
+          <p:cNvPr id="2" name="标题 1"/>
+          <p:cNvSpPr>
+            <a:spLocks noGrp="1"/>
+          </p:cNvSpPr>
+          <p:nvPr>
+            <p:ph type="title"/>
+          </p:nvPr>
+        </p:nvSpPr>
+        <p:spPr/>
+        <p:txBody>
+          <a:bodyPr>
+            <a:normAutofit/>
+          </a:bodyPr>
+          <a:lstStyle/>
+          <a:p>
+            <a:r>
+              <a:rPr kumimoji="1" lang="zh-CN" altLang="en-US" dirty="0" smtClean="0">
+                <a:latin typeface="+mj-ea"/>
+                <a:cs typeface="Heiti SC Light"/>
+              </a:rPr>
+              <a:t>文件上传</a:t>
+            </a:r>
+            <a:endParaRPr kumimoji="1" lang="en-US" altLang="zh-CN" dirty="0">
+              <a:latin typeface="+mj-ea"/>
+              <a:cs typeface="Heiti SC Light"/>
+            </a:endParaRPr>
+          </a:p>
+        </p:txBody>
+      </p:sp>
+      <p:sp>
+        <p:nvSpPr>
+          <p:cNvPr id="4" name="矩形 3"/>
+          <p:cNvSpPr/>
+          <p:nvPr/>
+        </p:nvSpPr>
+        <p:spPr>
+          <a:xfrm>
+            <a:off x="3887617" y="6488668"/>
+            <a:ext cx="5256383" cy="369332"/>
+          </a:xfrm>
+          <a:prstGeom prst="rect">
+            <a:avLst/>
+          </a:prstGeom>
+        </p:spPr>
+        <p:txBody>
+          <a:bodyPr wrap="square">
+            <a:spAutoFit/>
+          </a:bodyPr>
+          <a:lstStyle/>
+          <a:p>
+            <a:r>
+              <a:rPr lang="en-US" altLang="zh-CN" dirty="0" smtClean="0"/>
+              <a:t>Demo</a:t>
+            </a:r>
+            <a:r>
+              <a:rPr lang="zh-CN" altLang="zh-CN" dirty="0" smtClean="0"/>
+              <a:t>:</a:t>
+            </a:r>
+            <a:r>
+              <a:rPr lang="en-US" altLang="zh-CN" dirty="0" err="1" smtClean="0"/>
+              <a:t>org.springframework.samples.mvc.</a:t>
+            </a:r>
+            <a:r>
+              <a:rPr lang="en-US" altLang="zh-CN" dirty="0" err="1" smtClean="0"/>
+              <a:t>fileupload</a:t>
+            </a:r>
+            <a:endParaRPr lang="zh-CN" altLang="en-US" dirty="0"/>
+          </a:p>
+        </p:txBody>
+      </p:sp>
+    </p:spTree>
+    <p:extLst>
+      <p:ext uri="{BB962C8B-B14F-4D97-AF65-F5344CB8AC3E}">
+        <p14:creationId xmlns:p14="http://schemas.microsoft.com/office/powerpoint/2010/main" val="4291483642"/>
+      </p:ext>
+    </p:extLst>
+  </p:cSld>
+  <p:clrMapOvr>
+    <a:masterClrMapping/>
+  </p:clrMapOvr>
+  <p:timing>
+    <p:tnLst>
+      <p:par>
+        <p:cTn xmlns:p14="http://schemas.microsoft.com/office/powerpoint/2010/main" id="1" dur="indefinite" restart="never" nodeType="tmRoot">
+          <p:childTnLst>
+            <p:seq concurrent="1" nextAc="seek">
+              <p:cTn id="2" dur="indefinite" nodeType="mainSeq">
+                <p:childTnLst>
+                  <p:par>
+                    <p:cTn id="3" fill="hold">
+                      <p:stCondLst>
+                        <p:cond delay="indefinite"/>
+                      </p:stCondLst>
+                      <p:childTnLst>
+                        <p:par>
+                          <p:cTn id="4" fill="hold">
+                            <p:stCondLst>
+                              <p:cond delay="0"/>
+                            </p:stCondLst>
+                            <p:childTnLst>
+                              <p:par>
+                                <p:cTn id="5" presetID="2" presetClass="entr" presetSubtype="4" fill="hold" grpId="0" nodeType="clickEffect">
+                                  <p:stCondLst>
+                                    <p:cond delay="0"/>
+                                  </p:stCondLst>
+                                  <p:childTnLst>
+                                    <p:set>
+                                      <p:cBhvr>
+                                        <p:cTn id="6" dur="1" fill="hold">
+                                          <p:stCondLst>
+                                            <p:cond delay="0"/>
+                                          </p:stCondLst>
+                                        </p:cTn>
+                                        <p:tgtEl>
+                                          <p:spTgt spid="4"/>
+                                        </p:tgtEl>
+                                        <p:attrNameLst>
+                                          <p:attrName>style.visibility</p:attrName>
+                                        </p:attrNameLst>
+                                      </p:cBhvr>
+                                      <p:to>
+                                        <p:strVal val="visible"/>
+                                      </p:to>
+                                    </p:set>
+                                    <p:anim calcmode="lin" valueType="num">
+                                      <p:cBhvr additive="base">
+                                        <p:cTn id="7" dur="500" fill="hold"/>
+                                        <p:tgtEl>
+                                          <p:spTgt spid="4"/>
+                                        </p:tgtEl>
+                                        <p:attrNameLst>
+                                          <p:attrName>ppt_x</p:attrName>
+                                        </p:attrNameLst>
+                                      </p:cBhvr>
+                                      <p:tavLst>
+                                        <p:tav tm="0">
+                                          <p:val>
+                                            <p:strVal val="#ppt_x"/>
+                                          </p:val>
+                                        </p:tav>
+                                        <p:tav tm="100000">
+                                          <p:val>
+                                            <p:strVal val="#ppt_x"/>
+                                          </p:val>
+                                        </p:tav>
+                                      </p:tavLst>
+                                    </p:anim>
+                                    <p:anim calcmode="lin" valueType="num">
+                                      <p:cBhvr additive="base">
+                                        <p:cTn id="8" dur="500" fill="hold"/>
+                                        <p:tgtEl>
+                                          <p:spTgt spid="4"/>
+                                        </p:tgtEl>
+                                        <p:attrNameLst>
+                                          <p:attrName>ppt_y</p:attrName>
+                                        </p:attrNameLst>
+                                      </p:cBhvr>
+                                      <p:tavLst>
+                                        <p:tav tm="0">
+                                          <p:val>
+                                            <p:strVal val="1+#ppt_h/2"/>
+                                          </p:val>
+                                        </p:tav>
+                                        <p:tav tm="100000">
+                                          <p:val>
+                                            <p:strVal val="#ppt_y"/>
+                                          </p:val>
+                                        </p:tav>
+                                      </p:tavLst>
+                                    </p:anim>
+                                  </p:childTnLst>
+                                </p:cTn>
+                              </p:par>
+                            </p:childTnLst>
+                          </p:cTn>
+                        </p:par>
+                      </p:childTnLst>
+                    </p:cTn>
+                  </p:par>
+                </p:childTnLst>
+              </p:cTn>
+              <p:prevCondLst>
+                <p:cond evt="onPrev" delay="0">
+                  <p:tgtEl>
+                    <p:sldTgt/>
+                  </p:tgtEl>
+                </p:cond>
+              </p:prevCondLst>
+              <p:nextCondLst>
+                <p:cond evt="onNext" delay="0">
+                  <p:tgtEl>
+                    <p:sldTgt/>
+                  </p:tgtEl>
+                </p:cond>
+              </p:nextCondLst>
+            </p:seq>
+          </p:childTnLst>
+        </p:cTn>
+      </p:par>
+    </p:tnLst>
+    <p:bldLst>
+      <p:bldP spid="4" grpId="0"/>
+    </p:bldLst>
+  </p:timing>
+</p:sld>
+</file>
+
+<file path=ppt/slides/slide23.xml><?xml version="1.0" encoding="utf-8"?>
+<p:sld xmlns:a="http://schemas.openxmlformats.org/drawingml/2006/main" xmlns:r="http://schemas.openxmlformats.org/officeDocument/2006/relationships" xmlns:p="http://schemas.openxmlformats.org/presentationml/2006/main">
+  <p:cSld>
+    <p:spTree>
+      <p:nvGrpSpPr>
+        <p:cNvPr id="1" name=""/>
+        <p:cNvGrpSpPr/>
+        <p:nvPr/>
+      </p:nvGrpSpPr>
+      <p:grpSpPr>
+        <a:xfrm>
+          <a:off x="0" y="0"/>
+          <a:ext cx="0" cy="0"/>
+          <a:chOff x="0" y="0"/>
+          <a:chExt cx="0" cy="0"/>
+        </a:xfrm>
+      </p:grpSpPr>
+      <p:sp>
+        <p:nvSpPr>
+          <p:cNvPr id="5" name="内容占位符 4"/>
+          <p:cNvSpPr>
+            <a:spLocks noGrp="1"/>
+          </p:cNvSpPr>
+          <p:nvPr>
+            <p:ph idx="1"/>
+          </p:nvPr>
+        </p:nvSpPr>
+        <p:spPr>
+          <a:xfrm>
+            <a:off x="872067" y="1972718"/>
+            <a:ext cx="7408333" cy="4285975"/>
+          </a:xfrm>
+        </p:spPr>
+        <p:txBody>
+          <a:bodyPr>
+            <a:normAutofit/>
+          </a:bodyPr>
+          <a:lstStyle/>
+          <a:p>
+            <a:pPr>
+              <a:buFont typeface="Wingdings" charset="2"/>
+              <a:buChar char="Ø"/>
+            </a:pPr>
+            <a:r>
+              <a:rPr kumimoji="1" lang="zh-CN" altLang="en-US" sz="2000" dirty="0" smtClean="0">
+                <a:latin typeface="+mj-ea"/>
+                <a:ea typeface="+mj-ea"/>
+                <a:cs typeface="Heiti SC Light"/>
+              </a:rPr>
+              <a:t>两级别异常处理</a:t>
+            </a:r>
+            <a:endParaRPr kumimoji="1" lang="en-US" altLang="zh-CN" sz="2000" dirty="0" smtClean="0">
+              <a:latin typeface="+mj-ea"/>
+              <a:ea typeface="+mj-ea"/>
+              <a:cs typeface="Heiti SC Light"/>
+            </a:endParaRPr>
+          </a:p>
+          <a:p>
+            <a:pPr lvl="1">
+              <a:buFont typeface="Wingdings" charset="2"/>
+              <a:buChar char="Ø"/>
+            </a:pPr>
+            <a:r>
+              <a:rPr kumimoji="1" lang="en-US" altLang="zh-CN" sz="1800" dirty="0" smtClean="0">
+                <a:latin typeface="+mj-ea"/>
+                <a:ea typeface="+mj-ea"/>
+                <a:cs typeface="Heiti SC Light"/>
+              </a:rPr>
+              <a:t>@Controller</a:t>
+            </a:r>
+            <a:r>
+              <a:rPr kumimoji="1" lang="zh-CN" altLang="en-US" sz="1800" dirty="0" smtClean="0">
+                <a:latin typeface="+mj-ea"/>
+                <a:ea typeface="+mj-ea"/>
+                <a:cs typeface="Heiti SC Light"/>
+              </a:rPr>
+              <a:t>级别</a:t>
+            </a:r>
+            <a:endParaRPr kumimoji="1" lang="en-US" altLang="zh-CN" sz="1800" dirty="0" smtClean="0">
+              <a:latin typeface="+mj-ea"/>
+              <a:ea typeface="+mj-ea"/>
+              <a:cs typeface="Heiti SC Light"/>
+            </a:endParaRPr>
+          </a:p>
+          <a:p>
+            <a:pPr lvl="1">
+              <a:buFont typeface="Wingdings" charset="2"/>
+              <a:buChar char="Ø"/>
+            </a:pPr>
+            <a:r>
+              <a:rPr kumimoji="1" lang="en-US" altLang="zh-CN" sz="1800" dirty="0" err="1" smtClean="0">
+                <a:latin typeface="+mj-ea"/>
+                <a:ea typeface="+mj-ea"/>
+                <a:cs typeface="Heiti SC Light"/>
+              </a:rPr>
+              <a:t>DispatcherServlet</a:t>
+            </a:r>
+            <a:r>
+              <a:rPr kumimoji="1" lang="zh-CN" altLang="en-US" sz="1800" dirty="0" smtClean="0">
+                <a:latin typeface="+mj-ea"/>
+                <a:ea typeface="+mj-ea"/>
+                <a:cs typeface="Heiti SC Light"/>
+              </a:rPr>
+              <a:t>级别</a:t>
+            </a:r>
+            <a:endParaRPr kumimoji="1" lang="en-US" altLang="zh-CN" sz="1800" dirty="0" smtClean="0">
+              <a:latin typeface="+mj-ea"/>
+              <a:ea typeface="+mj-ea"/>
+              <a:cs typeface="Heiti SC Light"/>
+            </a:endParaRPr>
+          </a:p>
+          <a:p>
+            <a:pPr lvl="1">
+              <a:buFont typeface="Wingdings" charset="2"/>
+              <a:buChar char="Ø"/>
+            </a:pPr>
+            <a:endParaRPr kumimoji="1" lang="en-US" altLang="zh-CN" sz="1800" dirty="0">
+              <a:latin typeface="+mj-ea"/>
+              <a:ea typeface="+mj-ea"/>
+              <a:cs typeface="Heiti SC Light"/>
+            </a:endParaRPr>
+          </a:p>
+          <a:p>
+            <a:pPr>
+              <a:buFont typeface="Wingdings" charset="2"/>
+              <a:buChar char="Ø"/>
+            </a:pPr>
+            <a:r>
+              <a:rPr kumimoji="1" lang="en-US" altLang="zh-CN" sz="2000" dirty="0">
+                <a:latin typeface="+mj-ea"/>
+                <a:ea typeface="+mj-ea"/>
+                <a:cs typeface="Heiti SC Light"/>
+              </a:rPr>
+              <a:t>@Controller</a:t>
+            </a:r>
+            <a:r>
+              <a:rPr kumimoji="1" lang="zh-CN" altLang="en-US" sz="2000" dirty="0">
+                <a:latin typeface="+mj-ea"/>
+                <a:ea typeface="+mj-ea"/>
+                <a:cs typeface="Heiti SC Light"/>
+              </a:rPr>
+              <a:t>级别</a:t>
+            </a:r>
+            <a:endParaRPr kumimoji="1" lang="en-US" altLang="zh-CN" sz="2000" dirty="0">
+              <a:latin typeface="+mj-ea"/>
+              <a:ea typeface="+mj-ea"/>
+              <a:cs typeface="Heiti SC Light"/>
+            </a:endParaRPr>
+          </a:p>
+          <a:p>
+            <a:pPr lvl="1">
+              <a:buFont typeface="Wingdings" charset="2"/>
+              <a:buChar char="Ø"/>
+            </a:pPr>
+            <a:r>
+              <a:rPr kumimoji="1" lang="en-US" altLang="zh-CN" sz="2000" dirty="0" smtClean="0">
+                <a:latin typeface="+mj-ea"/>
+                <a:ea typeface="+mj-ea"/>
+                <a:cs typeface="Heiti SC Light"/>
+              </a:rPr>
+              <a:t>Controller</a:t>
+            </a:r>
+            <a:r>
+              <a:rPr kumimoji="1" lang="zh-CN" altLang="en-US" sz="2000" dirty="0" smtClean="0">
+                <a:latin typeface="+mj-ea"/>
+                <a:ea typeface="+mj-ea"/>
+                <a:cs typeface="Heiti SC Light"/>
+              </a:rPr>
+              <a:t>里有一个方法被标注为</a:t>
+            </a:r>
+            <a:r>
+              <a:rPr kumimoji="1" lang="en-US" altLang="zh-CN" sz="2000" dirty="0">
+                <a:latin typeface="+mj-ea"/>
+                <a:ea typeface="+mj-ea"/>
+                <a:cs typeface="Heiti SC Light"/>
+              </a:rPr>
+              <a:t>@</a:t>
+            </a:r>
+            <a:r>
+              <a:rPr kumimoji="1" lang="en-US" altLang="zh-CN" sz="2000" dirty="0" err="1" smtClean="0">
+                <a:latin typeface="+mj-ea"/>
+                <a:ea typeface="+mj-ea"/>
+                <a:cs typeface="Heiti SC Light"/>
+              </a:rPr>
+              <a:t>ExceptionHandler</a:t>
+            </a:r>
+            <a:endParaRPr kumimoji="1" lang="en-US" altLang="zh-CN" sz="2000" dirty="0">
+              <a:latin typeface="+mj-ea"/>
+              <a:ea typeface="+mj-ea"/>
+              <a:cs typeface="Heiti SC Light"/>
+            </a:endParaRPr>
+          </a:p>
+          <a:p>
+            <a:pPr lvl="1">
+              <a:buFont typeface="Wingdings" charset="2"/>
+              <a:buChar char="Ø"/>
+            </a:pPr>
+            <a:r>
+              <a:rPr kumimoji="1" lang="zh-CN" altLang="en-US" sz="2000" dirty="0" smtClean="0">
+                <a:latin typeface="+mj-ea"/>
+                <a:ea typeface="+mj-ea"/>
+                <a:cs typeface="Heiti SC Light"/>
+              </a:rPr>
+              <a:t>或者直接在你方法里直接</a:t>
+            </a:r>
+            <a:r>
+              <a:rPr kumimoji="1" lang="en-US" altLang="zh-CN" sz="2000" dirty="0" smtClean="0">
+                <a:latin typeface="+mj-ea"/>
+                <a:ea typeface="+mj-ea"/>
+                <a:cs typeface="Heiti SC Light"/>
+              </a:rPr>
+              <a:t>try-catch</a:t>
+            </a:r>
+            <a:endParaRPr kumimoji="1" lang="en-US" altLang="zh-CN" sz="2000" dirty="0">
+              <a:latin typeface="+mj-ea"/>
+              <a:ea typeface="+mj-ea"/>
+              <a:cs typeface="Heiti SC Light"/>
+            </a:endParaRPr>
+          </a:p>
+          <a:p>
+            <a:pPr lvl="1">
+              <a:buFont typeface="Wingdings" charset="2"/>
+              <a:buChar char="Ø"/>
+            </a:pPr>
+            <a:endParaRPr kumimoji="1" lang="en-US" altLang="zh-CN" sz="2000" dirty="0">
+              <a:latin typeface="+mj-ea"/>
+              <a:ea typeface="+mj-ea"/>
+              <a:cs typeface="Heiti SC Light"/>
+            </a:endParaRPr>
+          </a:p>
+          <a:p>
+            <a:pPr>
+              <a:buFont typeface="Wingdings" charset="2"/>
+              <a:buChar char="Ø"/>
+            </a:pPr>
+            <a:r>
+              <a:rPr kumimoji="1" lang="en-US" altLang="zh-CN" sz="2000" dirty="0" err="1">
+                <a:latin typeface="+mj-ea"/>
+                <a:ea typeface="+mj-ea"/>
+                <a:cs typeface="Heiti SC Light"/>
+              </a:rPr>
+              <a:t>DispatcherServlet</a:t>
+            </a:r>
+            <a:r>
+              <a:rPr kumimoji="1" lang="zh-CN" altLang="en-US" sz="2000" dirty="0" smtClean="0">
+                <a:latin typeface="+mj-ea"/>
+                <a:ea typeface="+mj-ea"/>
+                <a:cs typeface="Heiti SC Light"/>
+              </a:rPr>
+              <a:t>级别</a:t>
+            </a:r>
+            <a:endParaRPr kumimoji="1" lang="en-US" altLang="zh-CN" sz="2000" dirty="0">
+              <a:latin typeface="+mj-ea"/>
+              <a:ea typeface="+mj-ea"/>
+              <a:cs typeface="Heiti SC Light"/>
+            </a:endParaRPr>
+          </a:p>
+          <a:p>
+            <a:pPr lvl="1">
+              <a:buFont typeface="Wingdings" charset="2"/>
+              <a:buChar char="Ø"/>
+            </a:pPr>
+            <a:r>
+              <a:rPr kumimoji="1" lang="en-US" altLang="zh-CN" sz="1800" dirty="0" err="1" smtClean="0">
+                <a:latin typeface="+mj-ea"/>
+                <a:ea typeface="+mj-ea"/>
+                <a:cs typeface="Heiti SC Light"/>
+              </a:rPr>
+              <a:t>DefaultHandlerExceptionResolver</a:t>
+            </a:r>
+            <a:r>
+              <a:rPr kumimoji="1" lang="zh-CN" altLang="en-US" sz="1800" dirty="0" smtClean="0">
+                <a:latin typeface="+mj-ea"/>
+                <a:ea typeface="+mj-ea"/>
+                <a:cs typeface="Heiti SC Light"/>
+              </a:rPr>
+              <a:t> </a:t>
+            </a:r>
+            <a:r>
+              <a:rPr kumimoji="1" lang="en-US" altLang="zh-CN" sz="1800" dirty="0" smtClean="0">
+                <a:latin typeface="+mj-ea"/>
+                <a:ea typeface="+mj-ea"/>
+                <a:cs typeface="Heiti SC Light"/>
+              </a:rPr>
+              <a:t>(</a:t>
+            </a:r>
+            <a:r>
+              <a:rPr kumimoji="1" lang="zh-CN" altLang="en-US" sz="1800" dirty="0" smtClean="0">
+                <a:latin typeface="+mj-ea"/>
+                <a:ea typeface="+mj-ea"/>
+                <a:cs typeface="Heiti SC Light"/>
+              </a:rPr>
+              <a:t>把异常映射为</a:t>
+            </a:r>
+            <a:r>
+              <a:rPr kumimoji="1" lang="en-US" altLang="zh-CN" sz="1800" dirty="0" err="1" smtClean="0">
+                <a:latin typeface="+mj-ea"/>
+                <a:ea typeface="+mj-ea"/>
+                <a:cs typeface="Heiti SC Light"/>
+              </a:rPr>
+              <a:t>StatusCode</a:t>
+            </a:r>
+            <a:r>
+              <a:rPr kumimoji="1" lang="en-US" altLang="zh-CN" sz="1800" dirty="0" smtClean="0">
+                <a:latin typeface="+mj-ea"/>
+                <a:ea typeface="+mj-ea"/>
+                <a:cs typeface="Heiti SC Light"/>
+              </a:rPr>
+              <a:t>)</a:t>
+            </a:r>
+          </a:p>
+          <a:p>
+            <a:pPr lvl="1">
+              <a:buFont typeface="Wingdings" charset="2"/>
+              <a:buChar char="Ø"/>
+            </a:pPr>
+            <a:r>
+              <a:rPr kumimoji="1" lang="en-US" altLang="zh-CN" sz="1800" dirty="0" err="1" smtClean="0">
+                <a:latin typeface="+mj-ea"/>
+                <a:ea typeface="+mj-ea"/>
+                <a:cs typeface="Heiti SC Light"/>
+              </a:rPr>
+              <a:t>ControllerAdvice</a:t>
+            </a:r>
+            <a:r>
+              <a:rPr kumimoji="1" lang="zh-CN" altLang="en-US" sz="1800" dirty="0" smtClean="0">
+                <a:latin typeface="+mj-ea"/>
+                <a:ea typeface="+mj-ea"/>
+                <a:cs typeface="Heiti SC Light"/>
+              </a:rPr>
+              <a:t> </a:t>
+            </a:r>
+            <a:r>
+              <a:rPr kumimoji="1" lang="en-US" altLang="zh-CN" sz="1800" dirty="0" smtClean="0">
+                <a:latin typeface="+mj-ea"/>
+                <a:ea typeface="+mj-ea"/>
+                <a:cs typeface="Heiti SC Light"/>
+              </a:rPr>
+              <a:t>+</a:t>
+            </a:r>
+            <a:r>
+              <a:rPr kumimoji="1" lang="zh-CN" altLang="en-US" sz="1800" dirty="0" smtClean="0">
+                <a:latin typeface="+mj-ea"/>
+                <a:ea typeface="+mj-ea"/>
+                <a:cs typeface="Heiti SC Light"/>
+              </a:rPr>
+              <a:t> </a:t>
+            </a:r>
+            <a:r>
+              <a:rPr kumimoji="1" lang="en-US" altLang="zh-CN" sz="1800" dirty="0">
+                <a:latin typeface="+mj-ea"/>
+                <a:ea typeface="+mj-ea"/>
+                <a:cs typeface="Heiti SC Light"/>
+              </a:rPr>
+              <a:t>@</a:t>
+            </a:r>
+            <a:r>
+              <a:rPr kumimoji="1" lang="en-US" altLang="zh-CN" sz="1800" dirty="0" err="1">
+                <a:latin typeface="+mj-ea"/>
+                <a:ea typeface="+mj-ea"/>
+                <a:cs typeface="Heiti SC Light"/>
+              </a:rPr>
+              <a:t>ExceptionHandler</a:t>
+            </a:r>
+            <a:endParaRPr kumimoji="1" lang="en-US" altLang="zh-CN" sz="1800" dirty="0" smtClean="0">
+              <a:latin typeface="+mj-ea"/>
+              <a:ea typeface="+mj-ea"/>
+              <a:cs typeface="Heiti SC Light"/>
+            </a:endParaRPr>
+          </a:p>
+          <a:p>
+            <a:pPr lvl="1">
+              <a:buFont typeface="Wingdings" charset="2"/>
+              <a:buChar char="Ø"/>
+            </a:pPr>
+            <a:r>
+              <a:rPr kumimoji="1" lang="zh-CN" altLang="en-US" sz="1800" dirty="0" smtClean="0">
+                <a:latin typeface="+mj-ea"/>
+                <a:ea typeface="+mj-ea"/>
+                <a:cs typeface="Heiti SC Light"/>
+              </a:rPr>
+              <a:t>自定义</a:t>
+            </a:r>
+            <a:r>
+              <a:rPr kumimoji="1" lang="en-US" altLang="zh-CN" sz="1800" dirty="0" err="1" smtClean="0">
+                <a:latin typeface="+mj-ea"/>
+                <a:ea typeface="+mj-ea"/>
+                <a:cs typeface="Heiti SC Light"/>
+              </a:rPr>
+              <a:t>HandlerExceptionResolver</a:t>
+            </a:r>
+            <a:endParaRPr kumimoji="1" lang="en-US" altLang="zh-CN" sz="1800" dirty="0" smtClean="0">
+              <a:latin typeface="+mj-ea"/>
+              <a:ea typeface="+mj-ea"/>
+              <a:cs typeface="Heiti SC Light"/>
+            </a:endParaRPr>
+          </a:p>
+        </p:txBody>
+      </p:sp>
+      <p:sp>
+        <p:nvSpPr>
+          <p:cNvPr id="2" name="标题 1"/>
+          <p:cNvSpPr>
+            <a:spLocks noGrp="1"/>
+          </p:cNvSpPr>
+          <p:nvPr>
+            <p:ph type="title"/>
+          </p:nvPr>
+        </p:nvSpPr>
+        <p:spPr/>
+        <p:txBody>
+          <a:bodyPr>
+            <a:normAutofit/>
+          </a:bodyPr>
+          <a:lstStyle/>
+          <a:p>
+            <a:r>
+              <a:rPr kumimoji="1" lang="zh-CN" altLang="en-US" dirty="0" smtClean="0">
+                <a:latin typeface="+mj-ea"/>
+                <a:cs typeface="Heiti SC Light"/>
+              </a:rPr>
+              <a:t>异常处理</a:t>
+            </a:r>
+            <a:endParaRPr kumimoji="1" lang="en-US" altLang="zh-CN" dirty="0">
+              <a:latin typeface="+mj-ea"/>
+              <a:cs typeface="Heiti SC Light"/>
+            </a:endParaRPr>
+          </a:p>
+        </p:txBody>
+      </p:sp>
+      <p:sp>
+        <p:nvSpPr>
+          <p:cNvPr id="4" name="矩形 3"/>
+          <p:cNvSpPr/>
+          <p:nvPr/>
+        </p:nvSpPr>
+        <p:spPr>
+          <a:xfrm>
+            <a:off x="3783949" y="6488668"/>
+            <a:ext cx="5360052" cy="369332"/>
+          </a:xfrm>
+          <a:prstGeom prst="rect">
+            <a:avLst/>
+          </a:prstGeom>
+        </p:spPr>
+        <p:txBody>
+          <a:bodyPr wrap="square">
+            <a:spAutoFit/>
+          </a:bodyPr>
+          <a:lstStyle/>
+          <a:p>
+            <a:r>
+              <a:rPr lang="en-US" altLang="zh-CN" dirty="0" smtClean="0"/>
+              <a:t>Demo</a:t>
+            </a:r>
+            <a:r>
+              <a:rPr lang="zh-CN" altLang="zh-CN" dirty="0" smtClean="0"/>
+              <a:t>:</a:t>
+            </a:r>
+            <a:r>
+              <a:rPr lang="en-US" altLang="zh-CN" dirty="0" err="1" smtClean="0"/>
+              <a:t>org.springframework.samples.mvc.</a:t>
+            </a:r>
+            <a:r>
+              <a:rPr lang="en-US" altLang="zh-CN" dirty="0" err="1" smtClean="0"/>
+              <a:t>exceptions</a:t>
+            </a:r>
+            <a:endParaRPr lang="zh-CN" altLang="en-US" dirty="0"/>
+          </a:p>
+        </p:txBody>
+      </p:sp>
+    </p:spTree>
+    <p:extLst>
+      <p:ext uri="{BB962C8B-B14F-4D97-AF65-F5344CB8AC3E}">
+        <p14:creationId xmlns:p14="http://schemas.microsoft.com/office/powerpoint/2010/main" val="1858975265"/>
+      </p:ext>
+    </p:extLst>
+  </p:cSld>
+  <p:clrMapOvr>
+    <a:masterClrMapping/>
+  </p:clrMapOvr>
+  <p:timing>
+    <p:tnLst>
+      <p:par>
+        <p:cTn xmlns:p14="http://schemas.microsoft.com/office/powerpoint/2010/main" id="1" dur="indefinite" restart="never" nodeType="tmRoot">
+          <p:childTnLst>
+            <p:seq concurrent="1" nextAc="seek">
+              <p:cTn id="2" dur="indefinite" nodeType="mainSeq">
+                <p:childTnLst>
+                  <p:par>
+                    <p:cTn id="3" fill="hold">
+                      <p:stCondLst>
+                        <p:cond delay="indefinite"/>
+                      </p:stCondLst>
+                      <p:childTnLst>
+                        <p:par>
+                          <p:cTn id="4" fill="hold">
+                            <p:stCondLst>
+                              <p:cond delay="0"/>
+                            </p:stCondLst>
+                            <p:childTnLst>
+                              <p:par>
+                                <p:cTn id="5" presetID="2" presetClass="entr" presetSubtype="4" fill="hold" grpId="0" nodeType="clickEffect">
+                                  <p:stCondLst>
+                                    <p:cond delay="0"/>
+                                  </p:stCondLst>
+                                  <p:childTnLst>
+                                    <p:set>
+                                      <p:cBhvr>
+                                        <p:cTn id="6" dur="1" fill="hold">
+                                          <p:stCondLst>
+                                            <p:cond delay="0"/>
+                                          </p:stCondLst>
+                                        </p:cTn>
+                                        <p:tgtEl>
+                                          <p:spTgt spid="4"/>
+                                        </p:tgtEl>
+                                        <p:attrNameLst>
+                                          <p:attrName>style.visibility</p:attrName>
+                                        </p:attrNameLst>
+                                      </p:cBhvr>
+                                      <p:to>
+                                        <p:strVal val="visible"/>
+                                      </p:to>
+                                    </p:set>
+                                    <p:anim calcmode="lin" valueType="num">
+                                      <p:cBhvr additive="base">
+                                        <p:cTn id="7" dur="500" fill="hold"/>
+                                        <p:tgtEl>
+                                          <p:spTgt spid="4"/>
+                                        </p:tgtEl>
+                                        <p:attrNameLst>
+                                          <p:attrName>ppt_x</p:attrName>
+                                        </p:attrNameLst>
+                                      </p:cBhvr>
+                                      <p:tavLst>
+                                        <p:tav tm="0">
+                                          <p:val>
+                                            <p:strVal val="#ppt_x"/>
+                                          </p:val>
+                                        </p:tav>
+                                        <p:tav tm="100000">
+                                          <p:val>
+                                            <p:strVal val="#ppt_x"/>
+                                          </p:val>
+                                        </p:tav>
+                                      </p:tavLst>
+                                    </p:anim>
+                                    <p:anim calcmode="lin" valueType="num">
+                                      <p:cBhvr additive="base">
+                                        <p:cTn id="8" dur="500" fill="hold"/>
+                                        <p:tgtEl>
+                                          <p:spTgt spid="4"/>
+                                        </p:tgtEl>
+                                        <p:attrNameLst>
+                                          <p:attrName>ppt_y</p:attrName>
+                                        </p:attrNameLst>
+                                      </p:cBhvr>
+                                      <p:tavLst>
+                                        <p:tav tm="0">
+                                          <p:val>
+                                            <p:strVal val="1+#ppt_h/2"/>
+                                          </p:val>
+                                        </p:tav>
+                                        <p:tav tm="100000">
+                                          <p:val>
+                                            <p:strVal val="#ppt_y"/>
+                                          </p:val>
+                                        </p:tav>
+                                      </p:tavLst>
+                                    </p:anim>
+                                  </p:childTnLst>
+                                </p:cTn>
+                              </p:par>
+                            </p:childTnLst>
+                          </p:cTn>
+                        </p:par>
+                      </p:childTnLst>
+                    </p:cTn>
+                  </p:par>
+                </p:childTnLst>
+              </p:cTn>
+              <p:prevCondLst>
+                <p:cond evt="onPrev" delay="0">
+                  <p:tgtEl>
+                    <p:sldTgt/>
+                  </p:tgtEl>
+                </p:cond>
+              </p:prevCondLst>
+              <p:nextCondLst>
+                <p:cond evt="onNext" delay="0">
+                  <p:tgtEl>
+                    <p:sldTgt/>
+                  </p:tgtEl>
+                </p:cond>
+              </p:nextCondLst>
+            </p:seq>
+          </p:childTnLst>
+        </p:cTn>
+      </p:par>
+    </p:tnLst>
+    <p:bldLst>
+      <p:bldP spid="4" grpId="0"/>
+    </p:bldLst>
+  </p:timing>
+</p:sld>
+</file>
+
+<file path=ppt/slides/slide24.xml><?xml version="1.0" encoding="utf-8"?>
+<p:sld xmlns:a="http://schemas.openxmlformats.org/drawingml/2006/main" xmlns:r="http://schemas.openxmlformats.org/officeDocument/2006/relationships" xmlns:p="http://schemas.openxmlformats.org/presentationml/2006/main">
+  <p:cSld>
+    <p:spTree>
+      <p:nvGrpSpPr>
+        <p:cNvPr id="1" name=""/>
+        <p:cNvGrpSpPr/>
+        <p:nvPr/>
+      </p:nvGrpSpPr>
+      <p:grpSpPr>
+        <a:xfrm>
+          <a:off x="0" y="0"/>
+          <a:ext cx="0" cy="0"/>
+          <a:chOff x="0" y="0"/>
+          <a:chExt cx="0" cy="0"/>
+        </a:xfrm>
+      </p:grpSpPr>
+      <p:sp>
+        <p:nvSpPr>
+          <p:cNvPr id="5" name="内容占位符 4"/>
+          <p:cNvSpPr>
+            <a:spLocks noGrp="1"/>
+          </p:cNvSpPr>
+          <p:nvPr>
+            <p:ph idx="1"/>
+          </p:nvPr>
+        </p:nvSpPr>
+        <p:spPr>
+          <a:xfrm>
+            <a:off x="872067" y="1972718"/>
+            <a:ext cx="7408333" cy="4285975"/>
+          </a:xfrm>
+        </p:spPr>
+        <p:txBody>
+          <a:bodyPr>
+            <a:normAutofit/>
+          </a:bodyPr>
+          <a:lstStyle/>
+          <a:p>
+            <a:pPr>
+              <a:buFont typeface="Wingdings" charset="2"/>
+              <a:buChar char="Ø"/>
+            </a:pPr>
+            <a:r>
+              <a:rPr kumimoji="1" lang="zh-CN" altLang="en-US" sz="2000" dirty="0" smtClean="0">
+                <a:latin typeface="+mj-ea"/>
+                <a:ea typeface="+mj-ea"/>
+                <a:cs typeface="Heiti SC Light"/>
+              </a:rPr>
+              <a:t>两级别异常处理</a:t>
+            </a:r>
+            <a:endParaRPr kumimoji="1" lang="en-US" altLang="zh-CN" sz="2000" dirty="0" smtClean="0">
+              <a:latin typeface="+mj-ea"/>
+              <a:ea typeface="+mj-ea"/>
+              <a:cs typeface="Heiti SC Light"/>
+            </a:endParaRPr>
+          </a:p>
+          <a:p>
+            <a:pPr lvl="1">
+              <a:buFont typeface="Wingdings" charset="2"/>
+              <a:buChar char="Ø"/>
+            </a:pPr>
+            <a:r>
+              <a:rPr kumimoji="1" lang="en-US" altLang="zh-CN" sz="1800" dirty="0" smtClean="0">
+                <a:latin typeface="+mj-ea"/>
+                <a:ea typeface="+mj-ea"/>
+                <a:cs typeface="Heiti SC Light"/>
+              </a:rPr>
+              <a:t>@Controller</a:t>
+            </a:r>
+            <a:r>
+              <a:rPr kumimoji="1" lang="zh-CN" altLang="en-US" sz="1800" dirty="0" smtClean="0">
+                <a:latin typeface="+mj-ea"/>
+                <a:ea typeface="+mj-ea"/>
+                <a:cs typeface="Heiti SC Light"/>
+              </a:rPr>
+              <a:t>级别</a:t>
+            </a:r>
+            <a:endParaRPr kumimoji="1" lang="en-US" altLang="zh-CN" sz="1800" dirty="0" smtClean="0">
+              <a:latin typeface="+mj-ea"/>
+              <a:ea typeface="+mj-ea"/>
+              <a:cs typeface="Heiti SC Light"/>
+            </a:endParaRPr>
+          </a:p>
+          <a:p>
+            <a:pPr lvl="1">
+              <a:buFont typeface="Wingdings" charset="2"/>
+              <a:buChar char="Ø"/>
+            </a:pPr>
+            <a:r>
+              <a:rPr kumimoji="1" lang="en-US" altLang="zh-CN" sz="1800" dirty="0" err="1" smtClean="0">
+                <a:latin typeface="+mj-ea"/>
+                <a:ea typeface="+mj-ea"/>
+                <a:cs typeface="Heiti SC Light"/>
+              </a:rPr>
+              <a:t>DispatcherServlet</a:t>
+            </a:r>
+            <a:r>
+              <a:rPr kumimoji="1" lang="zh-CN" altLang="en-US" sz="1800" dirty="0" smtClean="0">
+                <a:latin typeface="+mj-ea"/>
+                <a:ea typeface="+mj-ea"/>
+                <a:cs typeface="Heiti SC Light"/>
+              </a:rPr>
+              <a:t>级别</a:t>
+            </a:r>
+            <a:endParaRPr kumimoji="1" lang="en-US" altLang="zh-CN" sz="1800" dirty="0" smtClean="0">
+              <a:latin typeface="+mj-ea"/>
+              <a:ea typeface="+mj-ea"/>
+              <a:cs typeface="Heiti SC Light"/>
+            </a:endParaRPr>
+          </a:p>
+          <a:p>
+            <a:pPr lvl="1">
+              <a:buFont typeface="Wingdings" charset="2"/>
+              <a:buChar char="Ø"/>
+            </a:pPr>
+            <a:endParaRPr kumimoji="1" lang="en-US" altLang="zh-CN" sz="1800" dirty="0">
+              <a:latin typeface="+mj-ea"/>
+              <a:ea typeface="+mj-ea"/>
+              <a:cs typeface="Heiti SC Light"/>
+            </a:endParaRPr>
+          </a:p>
+          <a:p>
+            <a:pPr>
+              <a:buFont typeface="Wingdings" charset="2"/>
+              <a:buChar char="Ø"/>
+            </a:pPr>
+            <a:r>
+              <a:rPr kumimoji="1" lang="en-US" altLang="zh-CN" sz="2000" dirty="0">
+                <a:latin typeface="+mj-ea"/>
+                <a:ea typeface="+mj-ea"/>
+                <a:cs typeface="Heiti SC Light"/>
+              </a:rPr>
+              <a:t>@Controller</a:t>
+            </a:r>
+            <a:r>
+              <a:rPr kumimoji="1" lang="zh-CN" altLang="en-US" sz="2000" dirty="0">
+                <a:latin typeface="+mj-ea"/>
+                <a:ea typeface="+mj-ea"/>
+                <a:cs typeface="Heiti SC Light"/>
+              </a:rPr>
+              <a:t>级别</a:t>
+            </a:r>
+            <a:endParaRPr kumimoji="1" lang="en-US" altLang="zh-CN" sz="2000" dirty="0">
+              <a:latin typeface="+mj-ea"/>
+              <a:ea typeface="+mj-ea"/>
+              <a:cs typeface="Heiti SC Light"/>
+            </a:endParaRPr>
+          </a:p>
+          <a:p>
+            <a:pPr lvl="1">
+              <a:buFont typeface="Wingdings" charset="2"/>
+              <a:buChar char="Ø"/>
+            </a:pPr>
+            <a:r>
+              <a:rPr kumimoji="1" lang="en-US" altLang="zh-CN" sz="2000" dirty="0" smtClean="0">
+                <a:latin typeface="+mj-ea"/>
+                <a:ea typeface="+mj-ea"/>
+                <a:cs typeface="Heiti SC Light"/>
+              </a:rPr>
+              <a:t>Controller</a:t>
+            </a:r>
+            <a:r>
+              <a:rPr kumimoji="1" lang="zh-CN" altLang="en-US" sz="2000" dirty="0" smtClean="0">
+                <a:latin typeface="+mj-ea"/>
+                <a:ea typeface="+mj-ea"/>
+                <a:cs typeface="Heiti SC Light"/>
+              </a:rPr>
+              <a:t>里有一个方法被标注为</a:t>
+            </a:r>
+            <a:r>
+              <a:rPr kumimoji="1" lang="en-US" altLang="zh-CN" sz="2000" dirty="0">
+                <a:latin typeface="+mj-ea"/>
+                <a:ea typeface="+mj-ea"/>
+                <a:cs typeface="Heiti SC Light"/>
+              </a:rPr>
+              <a:t>@</a:t>
+            </a:r>
+            <a:r>
+              <a:rPr kumimoji="1" lang="en-US" altLang="zh-CN" sz="2000" dirty="0" err="1" smtClean="0">
+                <a:latin typeface="+mj-ea"/>
+                <a:ea typeface="+mj-ea"/>
+                <a:cs typeface="Heiti SC Light"/>
+              </a:rPr>
+              <a:t>ExceptionHandler</a:t>
+            </a:r>
+            <a:endParaRPr kumimoji="1" lang="en-US" altLang="zh-CN" sz="2000" dirty="0">
+              <a:latin typeface="+mj-ea"/>
+              <a:ea typeface="+mj-ea"/>
+              <a:cs typeface="Heiti SC Light"/>
+            </a:endParaRPr>
+          </a:p>
+          <a:p>
+            <a:pPr lvl="1">
+              <a:buFont typeface="Wingdings" charset="2"/>
+              <a:buChar char="Ø"/>
+            </a:pPr>
+            <a:r>
+              <a:rPr kumimoji="1" lang="zh-CN" altLang="en-US" sz="2000" dirty="0" smtClean="0">
+                <a:latin typeface="+mj-ea"/>
+                <a:ea typeface="+mj-ea"/>
+                <a:cs typeface="Heiti SC Light"/>
+              </a:rPr>
+              <a:t>或者直接在你方法里直接</a:t>
+            </a:r>
+            <a:r>
+              <a:rPr kumimoji="1" lang="en-US" altLang="zh-CN" sz="2000" dirty="0" smtClean="0">
+                <a:latin typeface="+mj-ea"/>
+                <a:ea typeface="+mj-ea"/>
+                <a:cs typeface="Heiti SC Light"/>
+              </a:rPr>
+              <a:t>try-catch</a:t>
+            </a:r>
+            <a:endParaRPr kumimoji="1" lang="en-US" altLang="zh-CN" sz="2000" dirty="0">
+              <a:latin typeface="+mj-ea"/>
+              <a:ea typeface="+mj-ea"/>
+              <a:cs typeface="Heiti SC Light"/>
+            </a:endParaRPr>
+          </a:p>
+          <a:p>
+            <a:pPr lvl="1">
+              <a:buFont typeface="Wingdings" charset="2"/>
+              <a:buChar char="Ø"/>
+            </a:pPr>
+            <a:endParaRPr kumimoji="1" lang="en-US" altLang="zh-CN" sz="2000" dirty="0">
+              <a:latin typeface="+mj-ea"/>
+              <a:ea typeface="+mj-ea"/>
+              <a:cs typeface="Heiti SC Light"/>
+            </a:endParaRPr>
+          </a:p>
+          <a:p>
+            <a:pPr>
+              <a:buFont typeface="Wingdings" charset="2"/>
+              <a:buChar char="Ø"/>
+            </a:pPr>
+            <a:r>
+              <a:rPr kumimoji="1" lang="en-US" altLang="zh-CN" sz="2000" dirty="0" err="1">
+                <a:latin typeface="+mj-ea"/>
+                <a:ea typeface="+mj-ea"/>
+                <a:cs typeface="Heiti SC Light"/>
+              </a:rPr>
+              <a:t>DispatcherServlet</a:t>
+            </a:r>
+            <a:r>
+              <a:rPr kumimoji="1" lang="zh-CN" altLang="en-US" sz="2000" dirty="0" smtClean="0">
+                <a:latin typeface="+mj-ea"/>
+                <a:ea typeface="+mj-ea"/>
+                <a:cs typeface="Heiti SC Light"/>
+              </a:rPr>
+              <a:t>级别</a:t>
+            </a:r>
+            <a:endParaRPr kumimoji="1" lang="en-US" altLang="zh-CN" sz="2000" dirty="0">
+              <a:latin typeface="+mj-ea"/>
+              <a:ea typeface="+mj-ea"/>
+              <a:cs typeface="Heiti SC Light"/>
+            </a:endParaRPr>
+          </a:p>
+          <a:p>
+            <a:pPr lvl="1">
+              <a:buFont typeface="Wingdings" charset="2"/>
+              <a:buChar char="Ø"/>
+            </a:pPr>
+            <a:r>
+              <a:rPr kumimoji="1" lang="en-US" altLang="zh-CN" sz="1800" dirty="0" err="1" smtClean="0">
+                <a:latin typeface="+mj-ea"/>
+                <a:ea typeface="+mj-ea"/>
+                <a:cs typeface="Heiti SC Light"/>
+              </a:rPr>
+              <a:t>DefaultHandlerExceptionResolver</a:t>
+            </a:r>
+            <a:r>
+              <a:rPr kumimoji="1" lang="zh-CN" altLang="en-US" sz="1800" dirty="0" smtClean="0">
+                <a:latin typeface="+mj-ea"/>
+                <a:ea typeface="+mj-ea"/>
+                <a:cs typeface="Heiti SC Light"/>
+              </a:rPr>
+              <a:t> </a:t>
+            </a:r>
+            <a:r>
+              <a:rPr kumimoji="1" lang="en-US" altLang="zh-CN" sz="1800" dirty="0" smtClean="0">
+                <a:latin typeface="+mj-ea"/>
+                <a:ea typeface="+mj-ea"/>
+                <a:cs typeface="Heiti SC Light"/>
+              </a:rPr>
+              <a:t>(</a:t>
+            </a:r>
+            <a:r>
+              <a:rPr kumimoji="1" lang="zh-CN" altLang="en-US" sz="1800" dirty="0" smtClean="0">
+                <a:latin typeface="+mj-ea"/>
+                <a:ea typeface="+mj-ea"/>
+                <a:cs typeface="Heiti SC Light"/>
+              </a:rPr>
+              <a:t>把异常映射为</a:t>
+            </a:r>
+            <a:r>
+              <a:rPr kumimoji="1" lang="en-US" altLang="zh-CN" sz="1800" dirty="0" err="1" smtClean="0">
+                <a:latin typeface="+mj-ea"/>
+                <a:ea typeface="+mj-ea"/>
+                <a:cs typeface="Heiti SC Light"/>
+              </a:rPr>
+              <a:t>StatusCode</a:t>
+            </a:r>
+            <a:r>
+              <a:rPr kumimoji="1" lang="en-US" altLang="zh-CN" sz="1800" dirty="0" smtClean="0">
+                <a:latin typeface="+mj-ea"/>
+                <a:ea typeface="+mj-ea"/>
+                <a:cs typeface="Heiti SC Light"/>
+              </a:rPr>
+              <a:t>)</a:t>
+            </a:r>
+          </a:p>
+          <a:p>
+            <a:pPr lvl="1">
+              <a:buFont typeface="Wingdings" charset="2"/>
+              <a:buChar char="Ø"/>
+            </a:pPr>
+            <a:r>
+              <a:rPr kumimoji="1" lang="en-US" altLang="zh-CN" sz="1800" dirty="0" smtClean="0">
+                <a:latin typeface="+mj-ea"/>
+                <a:ea typeface="+mj-ea"/>
+                <a:cs typeface="Heiti SC Light"/>
+              </a:rPr>
+              <a:t>@</a:t>
+            </a:r>
+            <a:r>
+              <a:rPr kumimoji="1" lang="en-US" altLang="zh-CN" sz="1800" dirty="0" err="1" smtClean="0">
+                <a:latin typeface="+mj-ea"/>
+                <a:ea typeface="+mj-ea"/>
+                <a:cs typeface="Heiti SC Light"/>
+              </a:rPr>
+              <a:t>ControllerAdvice</a:t>
+            </a:r>
+            <a:r>
+              <a:rPr kumimoji="1" lang="zh-CN" altLang="en-US" sz="1800" dirty="0" smtClean="0">
+                <a:latin typeface="+mj-ea"/>
+                <a:ea typeface="+mj-ea"/>
+                <a:cs typeface="Heiti SC Light"/>
+              </a:rPr>
+              <a:t> </a:t>
+            </a:r>
+            <a:r>
+              <a:rPr kumimoji="1" lang="en-US" altLang="zh-CN" sz="1800" dirty="0" smtClean="0">
+                <a:latin typeface="+mj-ea"/>
+                <a:ea typeface="+mj-ea"/>
+                <a:cs typeface="Heiti SC Light"/>
+              </a:rPr>
+              <a:t>+</a:t>
+            </a:r>
+            <a:r>
+              <a:rPr kumimoji="1" lang="zh-CN" altLang="en-US" sz="1800" dirty="0" smtClean="0">
+                <a:latin typeface="+mj-ea"/>
+                <a:ea typeface="+mj-ea"/>
+                <a:cs typeface="Heiti SC Light"/>
+              </a:rPr>
+              <a:t> </a:t>
+            </a:r>
+            <a:r>
+              <a:rPr kumimoji="1" lang="en-US" altLang="zh-CN" sz="1800" dirty="0">
+                <a:latin typeface="+mj-ea"/>
+                <a:ea typeface="+mj-ea"/>
+                <a:cs typeface="Heiti SC Light"/>
+              </a:rPr>
+              <a:t>@</a:t>
+            </a:r>
+            <a:r>
+              <a:rPr kumimoji="1" lang="en-US" altLang="zh-CN" sz="1800" dirty="0" err="1">
+                <a:latin typeface="+mj-ea"/>
+                <a:ea typeface="+mj-ea"/>
+                <a:cs typeface="Heiti SC Light"/>
+              </a:rPr>
+              <a:t>ExceptionHandler</a:t>
+            </a:r>
+            <a:endParaRPr kumimoji="1" lang="en-US" altLang="zh-CN" sz="1800" dirty="0" smtClean="0">
+              <a:latin typeface="+mj-ea"/>
+              <a:ea typeface="+mj-ea"/>
+              <a:cs typeface="Heiti SC Light"/>
+            </a:endParaRPr>
+          </a:p>
+          <a:p>
+            <a:pPr lvl="1">
+              <a:buFont typeface="Wingdings" charset="2"/>
+              <a:buChar char="Ø"/>
+            </a:pPr>
+            <a:r>
+              <a:rPr kumimoji="1" lang="zh-CN" altLang="en-US" sz="1800" dirty="0" smtClean="0">
+                <a:latin typeface="+mj-ea"/>
+                <a:ea typeface="+mj-ea"/>
+                <a:cs typeface="Heiti SC Light"/>
+              </a:rPr>
+              <a:t>自定义</a:t>
+            </a:r>
+            <a:r>
+              <a:rPr kumimoji="1" lang="en-US" altLang="zh-CN" sz="1800" dirty="0" err="1" smtClean="0">
+                <a:latin typeface="+mj-ea"/>
+                <a:ea typeface="+mj-ea"/>
+                <a:cs typeface="Heiti SC Light"/>
+              </a:rPr>
+              <a:t>HandlerExceptionResolver</a:t>
+            </a:r>
+            <a:endParaRPr kumimoji="1" lang="en-US" altLang="zh-CN" sz="1800" dirty="0" smtClean="0">
+              <a:latin typeface="+mj-ea"/>
+              <a:ea typeface="+mj-ea"/>
+              <a:cs typeface="Heiti SC Light"/>
+            </a:endParaRPr>
+          </a:p>
+        </p:txBody>
+      </p:sp>
+      <p:sp>
+        <p:nvSpPr>
+          <p:cNvPr id="2" name="标题 1"/>
+          <p:cNvSpPr>
+            <a:spLocks noGrp="1"/>
+          </p:cNvSpPr>
+          <p:nvPr>
+            <p:ph type="title"/>
+          </p:nvPr>
+        </p:nvSpPr>
+        <p:spPr/>
+        <p:txBody>
+          <a:bodyPr>
+            <a:normAutofit/>
+          </a:bodyPr>
+          <a:lstStyle/>
+          <a:p>
+            <a:r>
+              <a:rPr kumimoji="1" lang="zh-CN" altLang="en-US" dirty="0" smtClean="0">
+                <a:latin typeface="+mj-ea"/>
+                <a:cs typeface="Heiti SC Light"/>
+              </a:rPr>
+              <a:t>异常处理</a:t>
+            </a:r>
+            <a:endParaRPr kumimoji="1" lang="en-US" altLang="zh-CN" dirty="0">
+              <a:latin typeface="+mj-ea"/>
+              <a:cs typeface="Heiti SC Light"/>
+            </a:endParaRPr>
+          </a:p>
+        </p:txBody>
+      </p:sp>
+      <p:sp>
+        <p:nvSpPr>
+          <p:cNvPr id="4" name="矩形 3"/>
+          <p:cNvSpPr/>
+          <p:nvPr/>
+        </p:nvSpPr>
+        <p:spPr>
+          <a:xfrm>
+            <a:off x="3783949" y="6488668"/>
+            <a:ext cx="5360052" cy="369332"/>
+          </a:xfrm>
+          <a:prstGeom prst="rect">
+            <a:avLst/>
+          </a:prstGeom>
+        </p:spPr>
+        <p:txBody>
+          <a:bodyPr wrap="square">
+            <a:spAutoFit/>
+          </a:bodyPr>
+          <a:lstStyle/>
+          <a:p>
+            <a:r>
+              <a:rPr lang="en-US" altLang="zh-CN" dirty="0" smtClean="0"/>
+              <a:t>Demo</a:t>
+            </a:r>
+            <a:r>
+              <a:rPr lang="zh-CN" altLang="zh-CN" dirty="0" smtClean="0"/>
+              <a:t>:</a:t>
+            </a:r>
+            <a:r>
+              <a:rPr lang="en-US" altLang="zh-CN" dirty="0" err="1" smtClean="0"/>
+              <a:t>org.springframework.samples.mvc.</a:t>
+            </a:r>
+            <a:r>
+              <a:rPr lang="en-US" altLang="zh-CN" dirty="0" err="1" smtClean="0"/>
+              <a:t>exceptions</a:t>
+            </a:r>
+            <a:endParaRPr lang="zh-CN" altLang="en-US" dirty="0"/>
+          </a:p>
+        </p:txBody>
+      </p:sp>
+    </p:spTree>
+    <p:extLst>
+      <p:ext uri="{BB962C8B-B14F-4D97-AF65-F5344CB8AC3E}">
+        <p14:creationId xmlns:p14="http://schemas.microsoft.com/office/powerpoint/2010/main" val="2838421750"/>
+      </p:ext>
+    </p:extLst>
+  </p:cSld>
+  <p:clrMapOvr>
+    <a:masterClrMapping/>
+  </p:clrMapOvr>
+  <p:timing>
+    <p:tnLst>
+      <p:par>
+        <p:cTn xmlns:p14="http://schemas.microsoft.com/office/powerpoint/2010/main" id="1" dur="indefinite" restart="never" nodeType="tmRoot">
+          <p:childTnLst>
+            <p:seq concurrent="1" nextAc="seek">
+              <p:cTn id="2" dur="indefinite" nodeType="mainSeq">
+                <p:childTnLst>
+                  <p:par>
+                    <p:cTn id="3" fill="hold">
+                      <p:stCondLst>
+                        <p:cond delay="indefinite"/>
+                      </p:stCondLst>
+                      <p:childTnLst>
+                        <p:par>
+                          <p:cTn id="4" fill="hold">
+                            <p:stCondLst>
+                              <p:cond delay="0"/>
+                            </p:stCondLst>
+                            <p:childTnLst>
+                              <p:par>
+                                <p:cTn id="5" presetID="2" presetClass="entr" presetSubtype="4" fill="hold" grpId="0" nodeType="clickEffect">
+                                  <p:stCondLst>
+                                    <p:cond delay="0"/>
+                                  </p:stCondLst>
+                                  <p:childTnLst>
+                                    <p:set>
+                                      <p:cBhvr>
+                                        <p:cTn id="6" dur="1" fill="hold">
+                                          <p:stCondLst>
+                                            <p:cond delay="0"/>
+                                          </p:stCondLst>
+                                        </p:cTn>
+                                        <p:tgtEl>
+                                          <p:spTgt spid="4"/>
+                                        </p:tgtEl>
+                                        <p:attrNameLst>
+                                          <p:attrName>style.visibility</p:attrName>
+                                        </p:attrNameLst>
+                                      </p:cBhvr>
+                                      <p:to>
+                                        <p:strVal val="visible"/>
+                                      </p:to>
+                                    </p:set>
+                                    <p:anim calcmode="lin" valueType="num">
+                                      <p:cBhvr additive="base">
+                                        <p:cTn id="7" dur="500" fill="hold"/>
+                                        <p:tgtEl>
+                                          <p:spTgt spid="4"/>
+                                        </p:tgtEl>
+                                        <p:attrNameLst>
+                                          <p:attrName>ppt_x</p:attrName>
+                                        </p:attrNameLst>
+                                      </p:cBhvr>
+                                      <p:tavLst>
+                                        <p:tav tm="0">
+                                          <p:val>
+                                            <p:strVal val="#ppt_x"/>
+                                          </p:val>
+                                        </p:tav>
+                                        <p:tav tm="100000">
+                                          <p:val>
+                                            <p:strVal val="#ppt_x"/>
+                                          </p:val>
+                                        </p:tav>
+                                      </p:tavLst>
+                                    </p:anim>
+                                    <p:anim calcmode="lin" valueType="num">
+                                      <p:cBhvr additive="base">
+                                        <p:cTn id="8" dur="500" fill="hold"/>
+                                        <p:tgtEl>
+                                          <p:spTgt spid="4"/>
+                                        </p:tgtEl>
+                                        <p:attrNameLst>
+                                          <p:attrName>ppt_y</p:attrName>
+                                        </p:attrNameLst>
+                                      </p:cBhvr>
+                                      <p:tavLst>
+                                        <p:tav tm="0">
+                                          <p:val>
+                                            <p:strVal val="1+#ppt_h/2"/>
+                                          </p:val>
+                                        </p:tav>
+                                        <p:tav tm="100000">
+                                          <p:val>
+                                            <p:strVal val="#ppt_y"/>
+                                          </p:val>
+                                        </p:tav>
+                                      </p:tavLst>
+                                    </p:anim>
+                                  </p:childTnLst>
+                                </p:cTn>
+                              </p:par>
+                            </p:childTnLst>
+                          </p:cTn>
+                        </p:par>
+                      </p:childTnLst>
+                    </p:cTn>
+                  </p:par>
+                </p:childTnLst>
+              </p:cTn>
+              <p:prevCondLst>
+                <p:cond evt="onPrev" delay="0">
+                  <p:tgtEl>
+                    <p:sldTgt/>
+                  </p:tgtEl>
+                </p:cond>
+              </p:prevCondLst>
+              <p:nextCondLst>
+                <p:cond evt="onNext" delay="0">
+                  <p:tgtEl>
+                    <p:sldTgt/>
+                  </p:tgtEl>
+                </p:cond>
+              </p:nextCondLst>
+            </p:seq>
+          </p:childTnLst>
+        </p:cTn>
+      </p:par>
+    </p:tnLst>
+    <p:bldLst>
+      <p:bldP spid="4" grpId="0"/>
+    </p:bldLst>
+  </p:timing>
+</p:sld>
+</file>
+
+<file path=ppt/slides/slide25.xml><?xml version="1.0" encoding="utf-8"?>
+<p:sld xmlns:a="http://schemas.openxmlformats.org/drawingml/2006/main" xmlns:r="http://schemas.openxmlformats.org/officeDocument/2006/relationships" xmlns:p="http://schemas.openxmlformats.org/presentationml/2006/main">
+  <p:cSld>
+    <p:spTree>
+      <p:nvGrpSpPr>
+        <p:cNvPr id="1" name=""/>
+        <p:cNvGrpSpPr/>
+        <p:nvPr/>
+      </p:nvGrpSpPr>
+      <p:grpSpPr>
+        <a:xfrm>
+          <a:off x="0" y="0"/>
+          <a:ext cx="0" cy="0"/>
+          <a:chOff x="0" y="0"/>
+          <a:chExt cx="0" cy="0"/>
+        </a:xfrm>
+      </p:grpSpPr>
+      <p:sp>
+        <p:nvSpPr>
+          <p:cNvPr id="5" name="内容占位符 4"/>
+          <p:cNvSpPr>
+            <a:spLocks noGrp="1"/>
+          </p:cNvSpPr>
+          <p:nvPr>
+            <p:ph idx="1"/>
+          </p:nvPr>
+        </p:nvSpPr>
+        <p:spPr>
+          <a:xfrm>
+            <a:off x="872067" y="1972718"/>
+            <a:ext cx="7408333" cy="4285975"/>
+          </a:xfrm>
+        </p:spPr>
+        <p:txBody>
+          <a:bodyPr>
+            <a:normAutofit/>
+          </a:bodyPr>
+          <a:lstStyle/>
+          <a:p>
+            <a:pPr>
+              <a:buFont typeface="Wingdings" charset="2"/>
+              <a:buChar char="Ø"/>
+            </a:pPr>
+            <a:r>
+              <a:rPr kumimoji="1" lang="en-US" altLang="zh-CN" dirty="0" smtClean="0">
+                <a:latin typeface="+mj-ea"/>
+                <a:ea typeface="+mj-ea"/>
+                <a:cs typeface="Heiti SC Light"/>
+              </a:rPr>
+              <a:t>Controller</a:t>
+            </a:r>
+            <a:r>
+              <a:rPr kumimoji="1" lang="zh-CN" altLang="en-US" sz="1800" dirty="0" smtClean="0">
+                <a:latin typeface="+mj-ea"/>
+                <a:ea typeface="+mj-ea"/>
+                <a:cs typeface="Heiti SC Light"/>
+              </a:rPr>
+              <a:t>是</a:t>
+            </a:r>
+            <a:r>
+              <a:rPr kumimoji="1" lang="en-US" altLang="zh-CN" sz="1800" dirty="0" smtClean="0">
+                <a:latin typeface="+mj-ea"/>
+                <a:ea typeface="+mj-ea"/>
+                <a:cs typeface="Heiti SC Light"/>
+              </a:rPr>
+              <a:t>POJO</a:t>
+            </a:r>
+            <a:r>
+              <a:rPr kumimoji="1" lang="zh-CN" altLang="en-US" sz="1800" dirty="0" smtClean="0">
+                <a:latin typeface="+mj-ea"/>
+                <a:ea typeface="+mj-ea"/>
+                <a:cs typeface="Heiti SC Light"/>
+              </a:rPr>
+              <a:t>， 可以直接写</a:t>
+            </a:r>
+            <a:r>
+              <a:rPr kumimoji="1" lang="en-US" altLang="zh-CN" sz="1800" dirty="0" smtClean="0">
+                <a:latin typeface="+mj-ea"/>
+                <a:ea typeface="+mj-ea"/>
+                <a:cs typeface="Heiti SC Light"/>
+              </a:rPr>
+              <a:t>Unit</a:t>
+            </a:r>
+            <a:r>
+              <a:rPr kumimoji="1" lang="zh-CN" altLang="en-US" sz="1800" dirty="0" smtClean="0">
+                <a:latin typeface="+mj-ea"/>
+                <a:ea typeface="+mj-ea"/>
+                <a:cs typeface="Heiti SC Light"/>
+              </a:rPr>
+              <a:t> </a:t>
+            </a:r>
+            <a:r>
+              <a:rPr kumimoji="1" lang="en-US" altLang="zh-CN" sz="1800" dirty="0" smtClean="0">
+                <a:latin typeface="+mj-ea"/>
+                <a:ea typeface="+mj-ea"/>
+                <a:cs typeface="Heiti SC Light"/>
+              </a:rPr>
+              <a:t>Test</a:t>
+            </a:r>
+          </a:p>
+          <a:p>
+            <a:pPr>
+              <a:buFont typeface="Wingdings" charset="2"/>
+              <a:buChar char="Ø"/>
+            </a:pPr>
+            <a:r>
+              <a:rPr kumimoji="1" lang="en-US" altLang="zh-CN" dirty="0" smtClean="0">
+                <a:latin typeface="+mj-ea"/>
+                <a:ea typeface="+mj-ea"/>
+                <a:cs typeface="Heiti SC Light"/>
+              </a:rPr>
+              <a:t>MVC</a:t>
+            </a:r>
+            <a:r>
+              <a:rPr kumimoji="1" lang="zh-CN" altLang="en-US" dirty="0" smtClean="0">
+                <a:latin typeface="+mj-ea"/>
+                <a:ea typeface="+mj-ea"/>
+                <a:cs typeface="Heiti SC Light"/>
+              </a:rPr>
+              <a:t> </a:t>
+            </a:r>
+            <a:r>
+              <a:rPr kumimoji="1" lang="en-US" altLang="zh-CN" dirty="0" smtClean="0">
+                <a:latin typeface="+mj-ea"/>
+                <a:ea typeface="+mj-ea"/>
+                <a:cs typeface="Heiti SC Light"/>
+              </a:rPr>
+              <a:t>Test</a:t>
+            </a:r>
+            <a:r>
+              <a:rPr kumimoji="1" lang="zh-CN" altLang="en-US" dirty="0" smtClean="0">
+                <a:latin typeface="+mj-ea"/>
+                <a:ea typeface="+mj-ea"/>
+                <a:cs typeface="Heiti SC Light"/>
+              </a:rPr>
+              <a:t> </a:t>
+            </a:r>
+            <a:r>
+              <a:rPr kumimoji="1" lang="en-US" altLang="zh-CN" dirty="0" smtClean="0">
+                <a:latin typeface="+mj-ea"/>
+                <a:ea typeface="+mj-ea"/>
+                <a:cs typeface="Heiti SC Light"/>
+              </a:rPr>
+              <a:t>Framework</a:t>
+            </a:r>
+          </a:p>
+          <a:p>
+            <a:pPr marL="0" indent="0">
+              <a:buNone/>
+            </a:pPr>
+            <a:endParaRPr kumimoji="1" lang="en-US" altLang="zh-CN" dirty="0" smtClean="0">
+              <a:latin typeface="+mj-ea"/>
+              <a:ea typeface="+mj-ea"/>
+              <a:cs typeface="Heiti SC Light"/>
+            </a:endParaRPr>
+          </a:p>
+          <a:p>
+            <a:pPr marL="0" indent="0">
+              <a:buNone/>
+            </a:pPr>
+            <a:r>
+              <a:rPr kumimoji="1" lang="en-US" altLang="zh-CN" sz="2000" dirty="0" err="1">
+                <a:latin typeface="+mj-ea"/>
+                <a:ea typeface="+mj-ea"/>
+                <a:cs typeface="Heiti SC Light"/>
+              </a:rPr>
+              <a:t>mockMvc.perform</a:t>
+            </a:r>
+            <a:r>
+              <a:rPr kumimoji="1" lang="en-US" altLang="zh-CN" sz="2000" dirty="0">
+                <a:latin typeface="+mj-ea"/>
+                <a:ea typeface="+mj-ea"/>
+                <a:cs typeface="Heiti SC Light"/>
+              </a:rPr>
+              <a:t>(get("/foo").accept("application/</a:t>
+            </a:r>
+            <a:r>
+              <a:rPr kumimoji="1" lang="en-US" altLang="zh-CN" sz="2000" dirty="0" err="1">
+                <a:latin typeface="+mj-ea"/>
+                <a:ea typeface="+mj-ea"/>
+                <a:cs typeface="Heiti SC Light"/>
+              </a:rPr>
+              <a:t>json</a:t>
+            </a:r>
+            <a:r>
+              <a:rPr kumimoji="1" lang="en-US" altLang="zh-CN" sz="2000" dirty="0">
+                <a:latin typeface="+mj-ea"/>
+                <a:ea typeface="+mj-ea"/>
+                <a:cs typeface="Heiti SC Light"/>
+              </a:rPr>
+              <a:t>"))</a:t>
+            </a:r>
+          </a:p>
+          <a:p>
+            <a:pPr marL="0" indent="0">
+              <a:buNone/>
+            </a:pPr>
+            <a:r>
+              <a:rPr kumimoji="1" lang="en-US" altLang="zh-CN" sz="2000" dirty="0">
+                <a:latin typeface="+mj-ea"/>
+                <a:ea typeface="+mj-ea"/>
+                <a:cs typeface="Heiti SC Light"/>
+              </a:rPr>
+              <a:t>  .</a:t>
+            </a:r>
+            <a:r>
+              <a:rPr kumimoji="1" lang="en-US" altLang="zh-CN" sz="2000" dirty="0" err="1">
+                <a:latin typeface="+mj-ea"/>
+                <a:ea typeface="+mj-ea"/>
+                <a:cs typeface="Heiti SC Light"/>
+              </a:rPr>
+              <a:t>andExpect</a:t>
+            </a:r>
+            <a:r>
+              <a:rPr kumimoji="1" lang="en-US" altLang="zh-CN" sz="2000" dirty="0">
+                <a:latin typeface="+mj-ea"/>
+                <a:ea typeface="+mj-ea"/>
+                <a:cs typeface="Heiti SC Light"/>
+              </a:rPr>
+              <a:t>(status().</a:t>
+            </a:r>
+            <a:r>
+              <a:rPr kumimoji="1" lang="en-US" altLang="zh-CN" sz="2000" dirty="0" err="1">
+                <a:latin typeface="+mj-ea"/>
+                <a:ea typeface="+mj-ea"/>
+                <a:cs typeface="Heiti SC Light"/>
+              </a:rPr>
+              <a:t>isOk</a:t>
+            </a:r>
+            <a:r>
+              <a:rPr kumimoji="1" lang="en-US" altLang="zh-CN" sz="2000" dirty="0">
+                <a:latin typeface="+mj-ea"/>
+                <a:ea typeface="+mj-ea"/>
+                <a:cs typeface="Heiti SC Light"/>
+              </a:rPr>
+              <a:t>())</a:t>
+            </a:r>
+          </a:p>
+          <a:p>
+            <a:pPr marL="0" indent="0">
+              <a:buNone/>
+            </a:pPr>
+            <a:r>
+              <a:rPr kumimoji="1" lang="en-US" altLang="zh-CN" sz="2000" dirty="0">
+                <a:latin typeface="+mj-ea"/>
+                <a:ea typeface="+mj-ea"/>
+                <a:cs typeface="Heiti SC Light"/>
+              </a:rPr>
+              <a:t>  .</a:t>
+            </a:r>
+            <a:r>
+              <a:rPr kumimoji="1" lang="en-US" altLang="zh-CN" sz="2000" dirty="0" err="1">
+                <a:latin typeface="+mj-ea"/>
+                <a:ea typeface="+mj-ea"/>
+                <a:cs typeface="Heiti SC Light"/>
+              </a:rPr>
+              <a:t>andExpect</a:t>
+            </a:r>
+            <a:r>
+              <a:rPr kumimoji="1" lang="en-US" altLang="zh-CN" sz="2000" dirty="0">
+                <a:latin typeface="+mj-ea"/>
+                <a:ea typeface="+mj-ea"/>
+                <a:cs typeface="Heiti SC Light"/>
+              </a:rPr>
+              <a:t>(content().</a:t>
+            </a:r>
+            <a:r>
+              <a:rPr kumimoji="1" lang="en-US" altLang="zh-CN" sz="2000" dirty="0" err="1">
+                <a:latin typeface="+mj-ea"/>
+                <a:ea typeface="+mj-ea"/>
+                <a:cs typeface="Heiti SC Light"/>
+              </a:rPr>
+              <a:t>mimeType</a:t>
+            </a:r>
+            <a:r>
+              <a:rPr kumimoji="1" lang="en-US" altLang="zh-CN" sz="2000" dirty="0">
+                <a:latin typeface="+mj-ea"/>
+                <a:ea typeface="+mj-ea"/>
+                <a:cs typeface="Heiti SC Light"/>
+              </a:rPr>
+              <a:t>("application/</a:t>
+            </a:r>
+            <a:r>
+              <a:rPr kumimoji="1" lang="en-US" altLang="zh-CN" sz="2000" dirty="0" err="1">
+                <a:latin typeface="+mj-ea"/>
+                <a:ea typeface="+mj-ea"/>
+                <a:cs typeface="Heiti SC Light"/>
+              </a:rPr>
+              <a:t>json</a:t>
+            </a:r>
+            <a:r>
+              <a:rPr kumimoji="1" lang="en-US" altLang="zh-CN" sz="2000" dirty="0">
+                <a:latin typeface="+mj-ea"/>
+                <a:ea typeface="+mj-ea"/>
+                <a:cs typeface="Heiti SC Light"/>
+              </a:rPr>
+              <a:t>"))</a:t>
+            </a:r>
+          </a:p>
+          <a:p>
+            <a:pPr marL="0" indent="0">
+              <a:buNone/>
+            </a:pPr>
+            <a:r>
+              <a:rPr kumimoji="1" lang="en-US" altLang="zh-CN" sz="2000" dirty="0">
+                <a:latin typeface="+mj-ea"/>
+                <a:ea typeface="+mj-ea"/>
+                <a:cs typeface="Heiti SC Light"/>
+              </a:rPr>
+              <a:t>  .</a:t>
+            </a:r>
+            <a:r>
+              <a:rPr kumimoji="1" lang="en-US" altLang="zh-CN" sz="2000" dirty="0" err="1">
+                <a:latin typeface="+mj-ea"/>
+                <a:ea typeface="+mj-ea"/>
+                <a:cs typeface="Heiti SC Light"/>
+              </a:rPr>
+              <a:t>andExpect</a:t>
+            </a:r>
+            <a:r>
+              <a:rPr kumimoji="1" lang="en-US" altLang="zh-CN" sz="2000" dirty="0">
+                <a:latin typeface="+mj-ea"/>
+                <a:ea typeface="+mj-ea"/>
+                <a:cs typeface="Heiti SC Light"/>
+              </a:rPr>
+              <a:t>(</a:t>
+            </a:r>
+            <a:r>
+              <a:rPr kumimoji="1" lang="en-US" altLang="zh-CN" sz="2000" dirty="0" err="1">
+                <a:latin typeface="+mj-ea"/>
+                <a:ea typeface="+mj-ea"/>
+                <a:cs typeface="Heiti SC Light"/>
+              </a:rPr>
+              <a:t>jsonPath</a:t>
+            </a:r>
+            <a:r>
+              <a:rPr kumimoji="1" lang="en-US" altLang="zh-CN" sz="2000" dirty="0">
+                <a:latin typeface="+mj-ea"/>
+                <a:ea typeface="+mj-ea"/>
+                <a:cs typeface="Heiti SC Light"/>
+              </a:rPr>
+              <a:t>("$.name").value("Lee"));</a:t>
+            </a:r>
+            <a:endParaRPr kumimoji="1" lang="en-US" altLang="zh-CN" sz="2000" dirty="0" smtClean="0">
+              <a:latin typeface="+mj-ea"/>
+              <a:ea typeface="+mj-ea"/>
+              <a:cs typeface="Heiti SC Light"/>
+            </a:endParaRPr>
+          </a:p>
+        </p:txBody>
+      </p:sp>
+      <p:sp>
+        <p:nvSpPr>
+          <p:cNvPr id="2" name="标题 1"/>
+          <p:cNvSpPr>
+            <a:spLocks noGrp="1"/>
+          </p:cNvSpPr>
+          <p:nvPr>
+            <p:ph type="title"/>
+          </p:nvPr>
+        </p:nvSpPr>
+        <p:spPr/>
+        <p:txBody>
+          <a:bodyPr>
+            <a:normAutofit/>
+          </a:bodyPr>
+          <a:lstStyle/>
+          <a:p>
+            <a:r>
+              <a:rPr kumimoji="1" lang="en-US" altLang="zh-CN" dirty="0" smtClean="0">
+                <a:latin typeface="+mj-ea"/>
+                <a:cs typeface="Heiti SC Light"/>
+              </a:rPr>
+              <a:t>Unit</a:t>
+            </a:r>
+            <a:r>
+              <a:rPr kumimoji="1" lang="zh-CN" altLang="en-US" dirty="0" smtClean="0">
+                <a:latin typeface="+mj-ea"/>
+                <a:cs typeface="Heiti SC Light"/>
+              </a:rPr>
+              <a:t> </a:t>
+            </a:r>
+            <a:r>
+              <a:rPr kumimoji="1" lang="en-US" altLang="zh-CN" dirty="0" smtClean="0">
+                <a:latin typeface="+mj-ea"/>
+                <a:cs typeface="Heiti SC Light"/>
+              </a:rPr>
+              <a:t>Test</a:t>
+            </a:r>
+            <a:endParaRPr kumimoji="1" lang="en-US" altLang="zh-CN" dirty="0">
+              <a:latin typeface="+mj-ea"/>
+              <a:cs typeface="Heiti SC Light"/>
+            </a:endParaRPr>
+          </a:p>
+        </p:txBody>
+      </p:sp>
+      <p:sp>
+        <p:nvSpPr>
+          <p:cNvPr id="4" name="矩形 3"/>
+          <p:cNvSpPr/>
+          <p:nvPr/>
+        </p:nvSpPr>
+        <p:spPr>
+          <a:xfrm>
+            <a:off x="3783949" y="6488668"/>
+            <a:ext cx="5360052" cy="369332"/>
+          </a:xfrm>
+          <a:prstGeom prst="rect">
+            <a:avLst/>
+          </a:prstGeom>
+        </p:spPr>
+        <p:txBody>
+          <a:bodyPr wrap="square">
+            <a:spAutoFit/>
+          </a:bodyPr>
+          <a:lstStyle/>
+          <a:p>
+            <a:r>
+              <a:rPr lang="en-US" altLang="zh-CN" dirty="0" smtClean="0"/>
+              <a:t>Demo</a:t>
+            </a:r>
+            <a:r>
+              <a:rPr lang="zh-CN" altLang="zh-CN" dirty="0" smtClean="0"/>
+              <a:t>:</a:t>
+            </a:r>
+            <a:r>
+              <a:rPr lang="en-US" altLang="zh-CN" dirty="0" err="1" smtClean="0"/>
+              <a:t>org.springframework.samples.mvc.</a:t>
+            </a:r>
+            <a:r>
+              <a:rPr lang="en-US" altLang="zh-CN" dirty="0" err="1" smtClean="0"/>
+              <a:t>exceptions</a:t>
+            </a:r>
+            <a:endParaRPr lang="zh-CN" altLang="en-US" dirty="0"/>
+          </a:p>
+        </p:txBody>
+      </p:sp>
+    </p:spTree>
+    <p:extLst>
+      <p:ext uri="{BB962C8B-B14F-4D97-AF65-F5344CB8AC3E}">
+        <p14:creationId xmlns:p14="http://schemas.microsoft.com/office/powerpoint/2010/main" val="267605532"/>
       </p:ext>
     </p:extLst>
   </p:cSld>
@@ -21514,7 +25475,7 @@
         </p:spPr>
         <p:txBody>
           <a:bodyPr>
-            <a:normAutofit fontScale="92500" lnSpcReduction="10000"/>
+            <a:normAutofit fontScale="92500" lnSpcReduction="20000"/>
           </a:bodyPr>
           <a:lstStyle/>
           <a:p>
@@ -21747,23 +25708,7 @@
                 <a:ea typeface="+mj-ea"/>
                 <a:cs typeface="Heiti SC Light"/>
               </a:rPr>
-              <a:t>输</a:t>
-            </a:r>
-            <a:r>
-              <a:rPr kumimoji="1" lang="zh-CN" altLang="en-US" dirty="0">
-                <a:latin typeface="+mj-ea"/>
-                <a:ea typeface="+mj-ea"/>
-                <a:cs typeface="Heiti SC Light"/>
-              </a:rPr>
-              <a:t>入验</a:t>
-            </a:r>
-            <a:r>
-              <a:rPr kumimoji="1" lang="zh-CN" altLang="en-US" dirty="0" smtClean="0">
-                <a:latin typeface="+mj-ea"/>
-                <a:ea typeface="+mj-ea"/>
-                <a:cs typeface="Heiti SC Light"/>
-              </a:rPr>
-              <a:t>证</a:t>
+              <a:t>输入验证</a:t>
             </a:r>
             <a:r>
               <a:rPr kumimoji="1" lang="en-US" altLang="zh-CN" dirty="0" smtClean="0">
@@ -21771,7 +25716,7 @@
                 <a:ea typeface="+mj-ea"/>
                 <a:cs typeface="Heiti SC Light"/>
               </a:rPr>
-              <a:t>, Form,</a:t>
+              <a:t>,</a:t>
             </a:r>
             <a:r>
               <a:rPr kumimoji="1" lang="zh-CN" altLang="en-US" dirty="0" smtClean="0">
@@ -21806,7 +25751,15 @@
                 <a:ea typeface="+mj-ea"/>
                 <a:cs typeface="Heiti SC Light"/>
               </a:rPr>
-              <a:t>常处理</a:t>
+              <a:t>常处</a:t>
+            </a:r>
+            <a:r>
+              <a:rPr kumimoji="1" lang="zh-CN" altLang="en-US" dirty="0" smtClean="0">
+                <a:latin typeface="+mj-ea"/>
+                <a:ea typeface="+mj-ea"/>
+                <a:cs typeface="Heiti SC Light"/>
+              </a:rPr>
+              <a:t>理</a:t>
             </a:r>
             <a:endParaRPr kumimoji="1" lang="en-US" altLang="zh-CN" dirty="0" smtClean="0">
               <a:latin typeface="+mj-ea"/>
@@ -21820,12 +25773,20 @@
               <a:buChar char="Ø"/>
             </a:pPr>
             <a:r>
-              <a:rPr kumimoji="1" lang="zh-CN" altLang="en-US" dirty="0">
-                <a:latin typeface="+mj-ea"/>
-                <a:ea typeface="+mj-ea"/>
-                <a:cs typeface="Heiti SC Light"/>
-              </a:rPr>
-              <a:t>扩</a:t>
+              <a:rPr kumimoji="1" lang="zh-CN" altLang="zh-CN" dirty="0" smtClean="0">
+                <a:latin typeface="+mj-ea"/>
+                <a:ea typeface="+mj-ea"/>
+                <a:cs typeface="Heiti SC Light"/>
+              </a:rPr>
+              <a:t>U</a:t>
+            </a:r>
+            <a:r>
+              <a:rPr kumimoji="1" lang="en-US" altLang="zh-CN" dirty="0" smtClean="0">
+                <a:latin typeface="+mj-ea"/>
+                <a:ea typeface="+mj-ea"/>
+                <a:cs typeface="Heiti SC Light"/>
+              </a:rPr>
+              <a:t>nit</a:t>
             </a:r>
             <a:r>
               <a:rPr kumimoji="1" lang="zh-CN" altLang="en-US" dirty="0" smtClean="0">
@@ -21833,7 +25794,15 @@
                 <a:ea typeface="+mj-ea"/>
                 <a:cs typeface="Heiti SC Light"/>
               </a:rPr>
-              <a:t>展</a:t>
+              <a:t> </a:t>
+            </a:r>
+            <a:r>
+              <a:rPr kumimoji="1" lang="en-US" altLang="zh-CN" dirty="0" smtClean="0">
+                <a:latin typeface="+mj-ea"/>
+                <a:ea typeface="+mj-ea"/>
+                <a:cs typeface="Heiti SC Light"/>
+              </a:rPr>
+              <a:t>Test</a:t>
             </a:r>
             <a:endParaRPr kumimoji="1" lang="en-US" altLang="zh-CN" dirty="0" smtClean="0">
               <a:latin typeface="+mj-ea"/>
@@ -21847,20 +25816,47 @@
               <a:buChar char="Ø"/>
             </a:pPr>
             <a:r>
-              <a:rPr kumimoji="1" lang="en-US" altLang="zh-CN" dirty="0" smtClean="0">
-                <a:latin typeface="+mj-ea"/>
-                <a:ea typeface="+mj-ea"/>
-                <a:cs typeface="Heiti SC Light"/>
-              </a:rPr>
-              <a:t>3.1/3.2</a:t>
-            </a:r>
-            <a:r>
               <a:rPr kumimoji="1" lang="zh-CN" altLang="en-US" dirty="0" smtClean="0">
                 <a:latin typeface="+mj-ea"/>
                 <a:ea typeface="+mj-ea"/>
                 <a:cs typeface="Heiti SC Light"/>
               </a:rPr>
-              <a:t>的新功能</a:t>
+              <a:t>扩展</a:t>
+            </a:r>
+            <a:endParaRPr kumimoji="1" lang="en-US" altLang="zh-CN" dirty="0" smtClean="0">
+              <a:latin typeface="+mj-ea"/>
+              <a:ea typeface="+mj-ea"/>
+              <a:cs typeface="Heiti SC Light"/>
+            </a:endParaRPr>
+          </a:p>
+          <a:p>
+            <a:pPr>
+              <a:buFont typeface="Wingdings" charset="2"/>
+              <a:buChar char="Ø"/>
+            </a:pPr>
+            <a:r>
+              <a:rPr kumimoji="1" lang="en-US" altLang="zh-CN" dirty="0">
+                <a:latin typeface="+mj-ea"/>
+                <a:ea typeface="+mj-ea"/>
+                <a:cs typeface="Heiti SC Light"/>
+              </a:rPr>
+              <a:t>Servlet 3 </a:t>
+            </a:r>
+            <a:r>
+              <a:rPr kumimoji="1" lang="en-US" altLang="zh-CN" dirty="0" err="1">
+                <a:latin typeface="+mj-ea"/>
+                <a:ea typeface="+mj-ea"/>
+                <a:cs typeface="Heiti SC Light"/>
+              </a:rPr>
+              <a:t>async</a:t>
+            </a:r>
+            <a:r>
+              <a:rPr kumimoji="1" lang="en-US" altLang="zh-CN" dirty="0">
+                <a:latin typeface="+mj-ea"/>
+                <a:ea typeface="+mj-ea"/>
+                <a:cs typeface="Heiti SC Light"/>
+              </a:rPr>
+              <a:t> support</a:t>
             </a:r>
             <a:endParaRPr kumimoji="1" lang="en-US" altLang="zh-CN" dirty="0" smtClean="0">
               <a:latin typeface="+mj-ea"/>
@@ -24656,11 +28652,7 @@
             </a:r>
             <a:r>
               <a:rPr lang="en-US" altLang="zh-CN" dirty="0" err="1" smtClean="0"/>
-              <a:t>org.springframework.samples.mvc.</a:t>
-            </a:r>
-            <a:r>
-              <a:rPr lang="en-US" altLang="zh-CN" dirty="0" err="1" smtClean="0"/>
-              <a:t>mapping</a:t>
+              <a:t>org.springframework.samples.mvc.mapping</a:t>
             </a:r>
             <a:endParaRPr lang="zh-CN" altLang="en-US" dirty="0"/>
           </a:p>
@@ -25395,4 +29387,324 @@
   <a:objectDefaults/>
   <a:extraClrSchemeLst/>
 </a:theme>
+</file>
+
+<file path=ppt/theme/theme2.xml><?xml version="1.0" encoding="utf-8"?>
+<a:theme xmlns:a="http://schemas.openxmlformats.org/drawingml/2006/main" name="Office 主题">
+  <a:themeElements>
+    <a:clrScheme name="办公室">
+      <a:dk1>
+        <a:sysClr val="windowText" lastClr="000000"/>
+      </a:dk1>
+      <a:lt1>
+        <a:sysClr val="window" lastClr="FFFFFF"/>
+      </a:lt1>
+      <a:dk2>
+        <a:srgbClr val="1F497D"/>
+      </a:dk2>
+      <a:lt2>
+        <a:srgbClr val="EEECE1"/>
+      </a:lt2>
+      <a:accent1>
+        <a:srgbClr val="4F81BD"/>
+      </a:accent1>
+      <a:accent2>
+        <a:srgbClr val="C0504D"/>
+      </a:accent2>
+      <a:accent3>
+        <a:srgbClr val="9BBB59"/>
+      </a:accent3>
+      <a:accent4>
+        <a:srgbClr val="8064A2"/>
+      </a:accent4>
+      <a:accent5>
+        <a:srgbClr val="4BACC6"/>
+      </a:accent5>
+      <a:accent6>
+        <a:srgbClr val="F79646"/>
+      </a:accent6>
+      <a:hlink>
+        <a:srgbClr val="0000FF"/>
+      </a:hlink>
+      <a:folHlink>
+        <a:srgbClr val="800080"/>
+      </a:folHlink>
+    </a:clrScheme>
+    <a:fontScheme name="办公室">
+      <a:majorFont>
+        <a:latin typeface="Calibri"/>
+        <a:ea typeface=""/>
+        <a:cs typeface=""/>
+        <a:font script="Jpan" typeface="ＭＳ Ｐゴシック"/>
+        <a:font script="Hang" typeface="맑은 고딕"/>
+        <a:font script="Hans" typeface="宋体"/>
+        <a:font script="Hant" typeface="新細明體"/>
+        <a:font script="Arab" typeface="Times New Roman"/>
+        <a:font script="Hebr" typeface="Times New Roman"/>
+        <a:font script="Thai" typeface="Angsana New"/>
+        <a:font script="Ethi" typeface="Nyala"/>
+        <a:font script="Beng" typeface="Vrinda"/>
+        <a:font script="Gujr" typeface="Shruti"/>
+        <a:font script="Khmr" typeface="MoolBoran"/>
+        <a:font script="Knda" typeface="Tunga"/>
+        <a:font script="Guru" typeface="Raavi"/>
+        <a:font script="Cans" typeface="Euphemia"/>
+        <a:font script="Cher" typeface="Plantagenet Cherokee"/>
+        <a:font script="Yiii" typeface="Microsoft Yi Baiti"/>
+        <a:font script="Tibt" typeface="Microsoft Himalaya"/>
+        <a:font script="Thaa" typeface="MV Boli"/>
+        <a:font script="Deva" typeface="Mangal"/>
+        <a:font script="Telu" typeface="Gautami"/>
+        <a:font script="Taml" typeface="Latha"/>
+        <a:font script="Syrc" typeface="Estrangelo Edessa"/>
+        <a:font script="Orya" typeface="Kalinga"/>
+        <a:font script="Mlym" typeface="Kartika"/>
+        <a:font script="Laoo" typeface="DokChampa"/>
+        <a:font script="Sinh" typeface="Iskoola Pota"/>
+        <a:font script="Mong" typeface="Mongolian Baiti"/>
+        <a:font script="Viet" typeface="Times New Roman"/>
+        <a:font script="Uigh" typeface="Microsoft Uighur"/>
+        <a:font script="Geor" typeface="Sylfaen"/>
+      </a:majorFont>
+      <a:minorFont>
+        <a:latin typeface="Calibri"/>
+        <a:ea typeface=""/>
+        <a:cs typeface=""/>
+        <a:font script="Jpan" typeface="ＭＳ Ｐゴシック"/>
+        <a:font script="Hang" typeface="맑은 고딕"/>
+        <a:font script="Hans" typeface="宋体"/>
+        <a:font script="Hant" typeface="新細明體"/>
+        <a:font script="Arab" typeface="Arial"/>
+        <a:font script="Hebr" typeface="Arial"/>
+        <a:font script="Thai" typeface="Cordia New"/>
+        <a:font script="Ethi" typeface="Nyala"/>
+        <a:font script="Beng" typeface="Vrinda"/>
+        <a:font script="Gujr" typeface="Shruti"/>
+        <a:font script="Khmr" typeface="DaunPenh"/>
+        <a:font script="Knda" typeface="Tunga"/>
+        <a:font script="Guru" typeface="Raavi"/>
+        <a:font script="Cans" typeface="Euphemia"/>
+        <a:font script="Cher" typeface="Plantagenet Cherokee"/>
+        <a:font script="Yiii" typeface="Microsoft Yi Baiti"/>
+        <a:font script="Tibt" typeface="Microsoft Himalaya"/>
+        <a:font script="Thaa" typeface="MV Boli"/>
+        <a:font script="Deva" typeface="Mangal"/>
+        <a:font script="Telu" typeface="Gautami"/>
+        <a:font script="Taml" typeface="Latha"/>
+        <a:font script="Syrc" typeface="Estrangelo Edessa"/>
+        <a:font script="Orya" typeface="Kalinga"/>
+        <a:font script="Mlym" typeface="Kartika"/>
+        <a:font script="Laoo" typeface="DokChampa"/>
+        <a:font script="Sinh" typeface="Iskoola Pota"/>
+        <a:font script="Mong" typeface="Mongolian Baiti"/>
+        <a:font script="Viet" typeface="Arial"/>
+        <a:font script="Uigh" typeface="Microsoft Uighur"/>
+        <a:font script="Geor" typeface="Sylfaen"/>
+      </a:minorFont>
+    </a:fontScheme>
+    <a:fmtScheme name="办公室">
+      <a:fillStyleLst>
+        <a:solidFill>
+          <a:schemeClr val="phClr"/>
+        </a:solidFill>
+        <a:gradFill rotWithShape="1">
+          <a:gsLst>
+            <a:gs pos="0">
+              <a:schemeClr val="phClr">
+                <a:tint val="50000"/>
+                <a:satMod val="300000"/>
+              </a:schemeClr>
+            </a:gs>
+            <a:gs pos="35000">
+              <a:schemeClr val="phClr">
+                <a:tint val="37000"/>
+                <a:satMod val="300000"/>
+              </a:schemeClr>
+            </a:gs>
+            <a:gs pos="100000">
+              <a:schemeClr val="phClr">
+                <a:tint val="15000"/>
+                <a:satMod val="350000"/>
+              </a:schemeClr>
+            </a:gs>
+          </a:gsLst>
+          <a:lin ang="16200000" scaled="1"/>
+        </a:gradFill>
+        <a:gradFill rotWithShape="1">
+          <a:gsLst>
+            <a:gs pos="0">
+              <a:schemeClr val="phClr">
+                <a:tint val="100000"/>
+                <a:shade val="100000"/>
+                <a:satMod val="130000"/>
+              </a:schemeClr>
+            </a:gs>
+            <a:gs pos="100000">
+              <a:schemeClr val="phClr">
+                <a:tint val="50000"/>
+                <a:shade val="100000"/>
+                <a:satMod val="350000"/>
+              </a:schemeClr>
+            </a:gs>
+          </a:gsLst>
+          <a:lin ang="16200000" scaled="0"/>
+        </a:gradFill>
+      </a:fillStyleLst>
+      <a:lnStyleLst>
+        <a:ln w="9525" cap="flat" cmpd="sng" algn="ctr">
+          <a:solidFill>
+            <a:schemeClr val="phClr">
+              <a:shade val="95000"/>
+              <a:satMod val="105000"/>
+            </a:schemeClr>
+          </a:solidFill>
+          <a:prstDash val="solid"/>
+        </a:ln>
+        <a:ln w="25400" cap="flat" cmpd="sng" algn="ctr">
+          <a:solidFill>
+            <a:schemeClr val="phClr"/>
+          </a:solidFill>
+          <a:prstDash val="solid"/>
+        </a:ln>
+        <a:ln w="38100" cap="flat" cmpd="sng" algn="ctr">
+          <a:solidFill>
+            <a:schemeClr val="phClr"/>
+          </a:solidFill>
+          <a:prstDash val="solid"/>
+        </a:ln>
+      </a:lnStyleLst>
+      <a:effectStyleLst>
+        <a:effectStyle>
+          <a:effectLst>
+            <a:outerShdw blurRad="40000" dist="20000" dir="5400000" rotWithShape="0">
+              <a:srgbClr val="000000">
+                <a:alpha val="38000"/>
+              </a:srgbClr>
+            </a:outerShdw>
+          </a:effectLst>
+        </a:effectStyle>
+        <a:effectStyle>
+          <a:effectLst>
+            <a:outerShdw blurRad="40000" dist="23000" dir="5400000" rotWithShape="0">
+              <a:srgbClr val="000000">
+                <a:alpha val="35000"/>
+              </a:srgbClr>
+            </a:outerShdw>
+          </a:effectLst>
+        </a:effectStyle>
+        <a:effectStyle>
+          <a:effectLst>
+            <a:outerShdw blurRad="40000" dist="23000" dir="5400000" rotWithShape="0">
+              <a:srgbClr val="000000">
+                <a:alpha val="35000"/>
+              </a:srgbClr>
+            </a:outerShdw>
+          </a:effectLst>
+          <a:scene3d>
+            <a:camera prst="orthographicFront">
+              <a:rot lat="0" lon="0" rev="0"/>
+            </a:camera>
+            <a:lightRig rig="threePt" dir="t">
+              <a:rot lat="0" lon="0" rev="1200000"/>
+            </a:lightRig>
+          </a:scene3d>
+          <a:sp3d>
+            <a:bevelT w="63500" h="25400"/>
+          </a:sp3d>
+        </a:effectStyle>
+      </a:effectStyleLst>
+      <a:bgFillStyleLst>
+        <a:solidFill>
+          <a:schemeClr val="phClr"/>
+        </a:solidFill>
+        <a:gradFill rotWithShape="1">
+          <a:gsLst>
+            <a:gs pos="0">
+              <a:schemeClr val="phClr">
+                <a:tint val="40000"/>
+                <a:satMod val="350000"/>
+              </a:schemeClr>
+            </a:gs>
+            <a:gs pos="40000">
+              <a:schemeClr val="phClr">
+                <a:tint val="45000"/>
+                <a:shade val="99000"/>
+                <a:satMod val="350000"/>
+              </a:schemeClr>
+            </a:gs>
+            <a:gs pos="100000">
+              <a:schemeClr val="phClr">
+                <a:shade val="20000"/>
+                <a:satMod val="255000"/>
+              </a:schemeClr>
+            </a:gs>
+          </a:gsLst>
+          <a:path path="circle">
+            <a:fillToRect l="50000" t="-80000" r="50000" b="180000"/>
+          </a:path>
+        </a:gradFill>
+        <a:gradFill rotWithShape="1">
+          <a:gsLst>
+            <a:gs pos="0">
+              <a:schemeClr val="phClr">
+                <a:tint val="80000"/>
+                <a:satMod val="300000"/>
+              </a:schemeClr>
+            </a:gs>
+            <a:gs pos="100000">
+              <a:schemeClr val="phClr">
+                <a:shade val="30000"/>
+                <a:satMod val="200000"/>
+              </a:schemeClr>
+            </a:gs>
+          </a:gsLst>
+          <a:path path="circle">
+            <a:fillToRect l="50000" t="50000" r="50000" b="50000"/>
+          </a:path>
+        </a:gradFill>
+      </a:bgFillStyleLst>
+    </a:fmtScheme>
+  </a:themeElements>
+  <a:objectDefaults>
+    <a:spDef>
+      <a:spPr/>
+      <a:bodyPr/>
+      <a:lstStyle/>
+      <a:style>
+        <a:lnRef idx="1">
+          <a:schemeClr val="accent1"/>
+        </a:lnRef>
+        <a:fillRef idx="3">
+          <a:schemeClr val="accent1"/>
+        </a:fillRef>
+        <a:effectRef idx="2">
+          <a:schemeClr val="accent1"/>
+        </a:effectRef>
+        <a:fontRef idx="minor">
+          <a:schemeClr val="lt1"/>
+        </a:fontRef>
+      </a:style>
+    </a:spDef>
+    <a:lnDef>
+      <a:spPr/>
+      <a:bodyPr/>
+      <a:lstStyle/>
+      <a:style>
+        <a:lnRef idx="2">
+          <a:schemeClr val="accent1"/>
+        </a:lnRef>
+        <a:fillRef idx="0">
+          <a:schemeClr val="accent1"/>
+        </a:fillRef>
+        <a:effectRef idx="1">
+          <a:schemeClr val="accent1"/>
+        </a:effectRef>
+        <a:fontRef idx="minor">
+          <a:schemeClr val="tx1"/>
+        </a:fontRef>
+      </a:style>
+    </a:lnDef>
+  </a:objectDefaults>
+  <a:extraClrSchemeLst/>
+</a:theme>
 </file>
--- a/SpringMVC3.pptx
+++ b/SpringMVC3.pptx
@@ -5,7 +5,7 @@
     <p:sldMasterId id="2147483744" r:id="rId1"/>
   </p:sldMasterIdLst>
   <p:notesMasterIdLst>
-    <p:notesMasterId r:id="rId27"/>
+    <p:notesMasterId r:id="rId31"/>
   </p:notesMasterIdLst>
   <p:sldIdLst>
     <p:sldId id="256" r:id="rId2"/>
@@ -33,6 +33,10 @@
     <p:sldId id="278" r:id="rId24"/>
     <p:sldId id="279" r:id="rId25"/>
     <p:sldId id="280" r:id="rId26"/>
+    <p:sldId id="281" r:id="rId27"/>
+    <p:sldId id="282" r:id="rId28"/>
+    <p:sldId id="283" r:id="rId29"/>
+    <p:sldId id="284" r:id="rId30"/>
   </p:sldIdLst>
   <p:sldSz cx="9144000" cy="6858000" type="screen4x3"/>
   <p:notesSz cx="6858000" cy="9144000"/>
@@ -216,7 +220,7 @@
           <a:p>
             <a:fld id="{8725B1A8-C99F-C84A-95BB-BB7447C7F2DD}" type="datetimeFigureOut">
               <a:rPr kumimoji="1" lang="zh-CN" altLang="en-US" smtClean="0"/>
-              <a:t>13-10-16</a:t>
+              <a:t>2013/10/17</a:t>
             </a:fld>
             <a:endParaRPr kumimoji="1" lang="zh-CN" altLang="en-US"/>
           </a:p>
@@ -820,6 +824,342 @@
 </p:notes>
 </file>
 
+<file path=ppt/notesSlides/notesSlide5.xml><?xml version="1.0" encoding="utf-8"?>
+<p:notes xmlns:a="http://schemas.openxmlformats.org/drawingml/2006/main" xmlns:r="http://schemas.openxmlformats.org/officeDocument/2006/relationships" xmlns:p="http://schemas.openxmlformats.org/presentationml/2006/main">
+  <p:cSld>
+    <p:spTree>
+      <p:nvGrpSpPr>
+        <p:cNvPr id="1" name=""/>
+        <p:cNvGrpSpPr/>
+        <p:nvPr/>
+      </p:nvGrpSpPr>
+      <p:grpSpPr>
+        <a:xfrm>
+          <a:off x="0" y="0"/>
+          <a:ext cx="0" cy="0"/>
+          <a:chOff x="0" y="0"/>
+          <a:chExt cx="0" cy="0"/>
+        </a:xfrm>
+      </p:grpSpPr>
+      <p:sp>
+        <p:nvSpPr>
+          <p:cNvPr id="2" name="幻灯片图像占位符 1"/>
+          <p:cNvSpPr>
+            <a:spLocks noGrp="1" noRot="1" noChangeAspect="1"/>
+          </p:cNvSpPr>
+          <p:nvPr>
+            <p:ph type="sldImg"/>
+          </p:nvPr>
+        </p:nvSpPr>
+        <p:spPr/>
+      </p:sp>
+      <p:sp>
+        <p:nvSpPr>
+          <p:cNvPr id="3" name="备注占位符 2"/>
+          <p:cNvSpPr>
+            <a:spLocks noGrp="1"/>
+          </p:cNvSpPr>
+          <p:nvPr>
+            <p:ph type="body" idx="1"/>
+          </p:nvPr>
+        </p:nvSpPr>
+        <p:spPr/>
+        <p:txBody>
+          <a:bodyPr/>
+          <a:lstStyle/>
+          <a:p>
+            <a:endParaRPr kumimoji="1" lang="zh-CN" altLang="en-US" dirty="0"/>
+          </a:p>
+        </p:txBody>
+      </p:sp>
+      <p:sp>
+        <p:nvSpPr>
+          <p:cNvPr id="4" name="幻灯片编号占位符 3"/>
+          <p:cNvSpPr>
+            <a:spLocks noGrp="1"/>
+          </p:cNvSpPr>
+          <p:nvPr>
+            <p:ph type="sldNum" sz="quarter" idx="10"/>
+          </p:nvPr>
+        </p:nvSpPr>
+        <p:spPr/>
+        <p:txBody>
+          <a:bodyPr/>
+          <a:lstStyle/>
+          <a:p>
+            <a:fld id="{F27B3BCB-71B9-7546-BEF0-734BDFDB0ED4}" type="slidenum">
+              <a:rPr kumimoji="1" lang="zh-CN" altLang="en-US" smtClean="0"/>
+              <a:t>26</a:t>
+            </a:fld>
+            <a:endParaRPr kumimoji="1" lang="zh-CN" altLang="en-US"/>
+          </a:p>
+        </p:txBody>
+      </p:sp>
+    </p:spTree>
+    <p:extLst>
+      <p:ext uri="{BB962C8B-B14F-4D97-AF65-F5344CB8AC3E}">
+        <p14:creationId xmlns:p14="http://schemas.microsoft.com/office/powerpoint/2010/main" val="719416585"/>
+      </p:ext>
+    </p:extLst>
+  </p:cSld>
+  <p:clrMapOvr>
+    <a:masterClrMapping/>
+  </p:clrMapOvr>
+</p:notes>
+</file>
+
+<file path=ppt/notesSlides/notesSlide6.xml><?xml version="1.0" encoding="utf-8"?>
+<p:notes xmlns:a="http://schemas.openxmlformats.org/drawingml/2006/main" xmlns:r="http://schemas.openxmlformats.org/officeDocument/2006/relationships" xmlns:p="http://schemas.openxmlformats.org/presentationml/2006/main">
+  <p:cSld>
+    <p:spTree>
+      <p:nvGrpSpPr>
+        <p:cNvPr id="1" name=""/>
+        <p:cNvGrpSpPr/>
+        <p:nvPr/>
+      </p:nvGrpSpPr>
+      <p:grpSpPr>
+        <a:xfrm>
+          <a:off x="0" y="0"/>
+          <a:ext cx="0" cy="0"/>
+          <a:chOff x="0" y="0"/>
+          <a:chExt cx="0" cy="0"/>
+        </a:xfrm>
+      </p:grpSpPr>
+      <p:sp>
+        <p:nvSpPr>
+          <p:cNvPr id="2" name="幻灯片图像占位符 1"/>
+          <p:cNvSpPr>
+            <a:spLocks noGrp="1" noRot="1" noChangeAspect="1"/>
+          </p:cNvSpPr>
+          <p:nvPr>
+            <p:ph type="sldImg"/>
+          </p:nvPr>
+        </p:nvSpPr>
+        <p:spPr/>
+      </p:sp>
+      <p:sp>
+        <p:nvSpPr>
+          <p:cNvPr id="3" name="备注占位符 2"/>
+          <p:cNvSpPr>
+            <a:spLocks noGrp="1"/>
+          </p:cNvSpPr>
+          <p:nvPr>
+            <p:ph type="body" idx="1"/>
+          </p:nvPr>
+        </p:nvSpPr>
+        <p:spPr/>
+        <p:txBody>
+          <a:bodyPr/>
+          <a:lstStyle/>
+          <a:p>
+            <a:endParaRPr kumimoji="1" lang="zh-CN" altLang="en-US" dirty="0"/>
+          </a:p>
+        </p:txBody>
+      </p:sp>
+      <p:sp>
+        <p:nvSpPr>
+          <p:cNvPr id="4" name="幻灯片编号占位符 3"/>
+          <p:cNvSpPr>
+            <a:spLocks noGrp="1"/>
+          </p:cNvSpPr>
+          <p:nvPr>
+            <p:ph type="sldNum" sz="quarter" idx="10"/>
+          </p:nvPr>
+        </p:nvSpPr>
+        <p:spPr/>
+        <p:txBody>
+          <a:bodyPr/>
+          <a:lstStyle/>
+          <a:p>
+            <a:fld id="{F27B3BCB-71B9-7546-BEF0-734BDFDB0ED4}" type="slidenum">
+              <a:rPr kumimoji="1" lang="zh-CN" altLang="en-US" smtClean="0"/>
+              <a:t>27</a:t>
+            </a:fld>
+            <a:endParaRPr kumimoji="1" lang="zh-CN" altLang="en-US"/>
+          </a:p>
+        </p:txBody>
+      </p:sp>
+    </p:spTree>
+    <p:extLst>
+      <p:ext uri="{BB962C8B-B14F-4D97-AF65-F5344CB8AC3E}">
+        <p14:creationId xmlns:p14="http://schemas.microsoft.com/office/powerpoint/2010/main" val="719416585"/>
+      </p:ext>
+    </p:extLst>
+  </p:cSld>
+  <p:clrMapOvr>
+    <a:masterClrMapping/>
+  </p:clrMapOvr>
+</p:notes>
+</file>
+
+<file path=ppt/notesSlides/notesSlide7.xml><?xml version="1.0" encoding="utf-8"?>
+<p:notes xmlns:a="http://schemas.openxmlformats.org/drawingml/2006/main" xmlns:r="http://schemas.openxmlformats.org/officeDocument/2006/relationships" xmlns:p="http://schemas.openxmlformats.org/presentationml/2006/main">
+  <p:cSld>
+    <p:spTree>
+      <p:nvGrpSpPr>
+        <p:cNvPr id="1" name=""/>
+        <p:cNvGrpSpPr/>
+        <p:nvPr/>
+      </p:nvGrpSpPr>
+      <p:grpSpPr>
+        <a:xfrm>
+          <a:off x="0" y="0"/>
+          <a:ext cx="0" cy="0"/>
+          <a:chOff x="0" y="0"/>
+          <a:chExt cx="0" cy="0"/>
+        </a:xfrm>
+      </p:grpSpPr>
+      <p:sp>
+        <p:nvSpPr>
+          <p:cNvPr id="2" name="幻灯片图像占位符 1"/>
+          <p:cNvSpPr>
+            <a:spLocks noGrp="1" noRot="1" noChangeAspect="1"/>
+          </p:cNvSpPr>
+          <p:nvPr>
+            <p:ph type="sldImg"/>
+          </p:nvPr>
+        </p:nvSpPr>
+        <p:spPr/>
+      </p:sp>
+      <p:sp>
+        <p:nvSpPr>
+          <p:cNvPr id="3" name="备注占位符 2"/>
+          <p:cNvSpPr>
+            <a:spLocks noGrp="1"/>
+          </p:cNvSpPr>
+          <p:nvPr>
+            <p:ph type="body" idx="1"/>
+          </p:nvPr>
+        </p:nvSpPr>
+        <p:spPr/>
+        <p:txBody>
+          <a:bodyPr/>
+          <a:lstStyle/>
+          <a:p>
+            <a:endParaRPr kumimoji="1" lang="zh-CN" altLang="en-US" dirty="0"/>
+          </a:p>
+        </p:txBody>
+      </p:sp>
+      <p:sp>
+        <p:nvSpPr>
+          <p:cNvPr id="4" name="幻灯片编号占位符 3"/>
+          <p:cNvSpPr>
+            <a:spLocks noGrp="1"/>
+          </p:cNvSpPr>
+          <p:nvPr>
+            <p:ph type="sldNum" sz="quarter" idx="10"/>
+          </p:nvPr>
+        </p:nvSpPr>
+        <p:spPr/>
+        <p:txBody>
+          <a:bodyPr/>
+          <a:lstStyle/>
+          <a:p>
+            <a:fld id="{F27B3BCB-71B9-7546-BEF0-734BDFDB0ED4}" type="slidenum">
+              <a:rPr kumimoji="1" lang="zh-CN" altLang="en-US" smtClean="0"/>
+              <a:t>28</a:t>
+            </a:fld>
+            <a:endParaRPr kumimoji="1" lang="zh-CN" altLang="en-US"/>
+          </a:p>
+        </p:txBody>
+      </p:sp>
+    </p:spTree>
+    <p:extLst>
+      <p:ext uri="{BB962C8B-B14F-4D97-AF65-F5344CB8AC3E}">
+        <p14:creationId xmlns:p14="http://schemas.microsoft.com/office/powerpoint/2010/main" val="719416585"/>
+      </p:ext>
+    </p:extLst>
+  </p:cSld>
+  <p:clrMapOvr>
+    <a:masterClrMapping/>
+  </p:clrMapOvr>
+</p:notes>
+</file>
+
+<file path=ppt/notesSlides/notesSlide8.xml><?xml version="1.0" encoding="utf-8"?>
+<p:notes xmlns:a="http://schemas.openxmlformats.org/drawingml/2006/main" xmlns:r="http://schemas.openxmlformats.org/officeDocument/2006/relationships" xmlns:p="http://schemas.openxmlformats.org/presentationml/2006/main">
+  <p:cSld>
+    <p:spTree>
+      <p:nvGrpSpPr>
+        <p:cNvPr id="1" name=""/>
+        <p:cNvGrpSpPr/>
+        <p:nvPr/>
+      </p:nvGrpSpPr>
+      <p:grpSpPr>
+        <a:xfrm>
+          <a:off x="0" y="0"/>
+          <a:ext cx="0" cy="0"/>
+          <a:chOff x="0" y="0"/>
+          <a:chExt cx="0" cy="0"/>
+        </a:xfrm>
+      </p:grpSpPr>
+      <p:sp>
+        <p:nvSpPr>
+          <p:cNvPr id="2" name="幻灯片图像占位符 1"/>
+          <p:cNvSpPr>
+            <a:spLocks noGrp="1" noRot="1" noChangeAspect="1"/>
+          </p:cNvSpPr>
+          <p:nvPr>
+            <p:ph type="sldImg"/>
+          </p:nvPr>
+        </p:nvSpPr>
+        <p:spPr/>
+      </p:sp>
+      <p:sp>
+        <p:nvSpPr>
+          <p:cNvPr id="3" name="备注占位符 2"/>
+          <p:cNvSpPr>
+            <a:spLocks noGrp="1"/>
+          </p:cNvSpPr>
+          <p:nvPr>
+            <p:ph type="body" idx="1"/>
+          </p:nvPr>
+        </p:nvSpPr>
+        <p:spPr/>
+        <p:txBody>
+          <a:bodyPr/>
+          <a:lstStyle/>
+          <a:p>
+            <a:endParaRPr kumimoji="1" lang="zh-CN" altLang="en-US" dirty="0"/>
+          </a:p>
+        </p:txBody>
+      </p:sp>
+      <p:sp>
+        <p:nvSpPr>
+          <p:cNvPr id="4" name="幻灯片编号占位符 3"/>
+          <p:cNvSpPr>
+            <a:spLocks noGrp="1"/>
+          </p:cNvSpPr>
+          <p:nvPr>
+            <p:ph type="sldNum" sz="quarter" idx="10"/>
+          </p:nvPr>
+        </p:nvSpPr>
+        <p:spPr/>
+        <p:txBody>
+          <a:bodyPr/>
+          <a:lstStyle/>
+          <a:p>
+            <a:fld id="{F27B3BCB-71B9-7546-BEF0-734BDFDB0ED4}" type="slidenum">
+              <a:rPr kumimoji="1" lang="zh-CN" altLang="en-US" smtClean="0"/>
+              <a:t>29</a:t>
+            </a:fld>
+            <a:endParaRPr kumimoji="1" lang="zh-CN" altLang="en-US"/>
+          </a:p>
+        </p:txBody>
+      </p:sp>
+    </p:spTree>
+    <p:extLst>
+      <p:ext uri="{BB962C8B-B14F-4D97-AF65-F5344CB8AC3E}">
+        <p14:creationId xmlns:p14="http://schemas.microsoft.com/office/powerpoint/2010/main" val="719416585"/>
+      </p:ext>
+    </p:extLst>
+  </p:cSld>
+  <p:clrMapOvr>
+    <a:masterClrMapping/>
+  </p:clrMapOvr>
+</p:notes>
+</file>
+
 <file path=ppt/slideLayouts/slideLayout1.xml><?xml version="1.0" encoding="utf-8"?>
 <p:sldLayout xmlns:a="http://schemas.openxmlformats.org/drawingml/2006/main" xmlns:r="http://schemas.openxmlformats.org/officeDocument/2006/relationships" xmlns:p="http://schemas.openxmlformats.org/presentationml/2006/main" showMasterSp="0" type="title" preserve="1">
   <p:cSld name="标题幻灯片">
@@ -2633,7 +2973,7 @@
             <a:fld id="{E30E2307-1E40-4E12-8716-25BFDA8E7013}" type="datetime1">
               <a:rPr lang="en-US" smtClean="0"/>
               <a:pPr/>
-              <a:t>13-10-16</a:t>
+              <a:t>10/17/2013</a:t>
             </a:fld>
             <a:endParaRPr lang="en-US"/>
           </a:p>
@@ -2816,7 +3156,7 @@
             <a:fld id="{E5CFCF5A-EA79-452C-A52C-1A2668C2E7DF}" type="datetime1">
               <a:rPr lang="en-US" smtClean="0"/>
               <a:pPr/>
-              <a:t>13-10-16</a:t>
+              <a:t>10/17/2013</a:t>
             </a:fld>
             <a:endParaRPr lang="en-US"/>
           </a:p>
@@ -2969,7 +3309,7 @@
             <a:fld id="{2E5C4C28-BD4B-4892-9A2D-6E19BD753A9A}" type="datetime1">
               <a:rPr lang="en-US" smtClean="0"/>
               <a:pPr/>
-              <a:t>13-10-16</a:t>
+              <a:t>10/17/2013</a:t>
             </a:fld>
             <a:endParaRPr lang="en-US"/>
           </a:p>
@@ -4797,7 +5137,7 @@
             <a:fld id="{61FD9D02-426E-46C9-9EE9-0DE1EF8B2838}" type="datetime1">
               <a:rPr lang="en-US" smtClean="0"/>
               <a:pPr/>
-              <a:t>13-10-16</a:t>
+              <a:t>10/17/2013</a:t>
             </a:fld>
             <a:endParaRPr lang="en-US"/>
           </a:p>
@@ -6669,7 +7009,7 @@
             <a:fld id="{7B8AEBBE-F8B2-42CF-9895-E86A608384EB}" type="datetime1">
               <a:rPr lang="en-US" smtClean="0"/>
               <a:pPr/>
-              <a:t>13-10-16</a:t>
+              <a:t>10/17/2013</a:t>
             </a:fld>
             <a:endParaRPr lang="en-US"/>
           </a:p>
@@ -6784,7 +7124,7 @@
             <a:fld id="{E1FAA6B6-10E5-4810-BC9F-DA72D8452E73}" type="datetime1">
               <a:rPr lang="en-US" smtClean="0"/>
               <a:pPr/>
-              <a:t>13-10-16</a:t>
+              <a:t>10/17/2013</a:t>
             </a:fld>
             <a:endParaRPr lang="en-US"/>
           </a:p>
@@ -7327,7 +7667,7 @@
             <a:fld id="{6D18D072-EF12-4AA2-BD71-ABC68B06D0E2}" type="datetime1">
               <a:rPr lang="en-US" smtClean="0"/>
               <a:pPr/>
-              <a:t>13-10-16</a:t>
+              <a:t>10/17/2013</a:t>
             </a:fld>
             <a:endParaRPr lang="en-US"/>
           </a:p>
@@ -7442,7 +7782,7 @@
             <a:fld id="{B8CDBF60-6CC3-4B74-A60D-3486985E4346}" type="datetime1">
               <a:rPr lang="en-US" smtClean="0"/>
               <a:pPr/>
-              <a:t>13-10-16</a:t>
+              <a:t>10/17/2013</a:t>
             </a:fld>
             <a:endParaRPr lang="en-US"/>
           </a:p>
@@ -9155,7 +9495,7 @@
             <a:fld id="{22714818-984F-4759-BF72-A33BDC1963BD}" type="datetime1">
               <a:rPr lang="en-US" smtClean="0"/>
               <a:pPr/>
-              <a:t>13-10-16</a:t>
+              <a:t>10/17/2013</a:t>
             </a:fld>
             <a:endParaRPr lang="en-US"/>
           </a:p>
@@ -9308,7 +9648,7 @@
             <a:fld id="{9EA7E191-5F94-4FC1-B823-BD7CABF7FA06}" type="datetime1">
               <a:rPr lang="en-US" smtClean="0"/>
               <a:pPr/>
-              <a:t>13-10-16</a:t>
+              <a:t>10/17/2013</a:t>
             </a:fld>
             <a:endParaRPr lang="en-US"/>
           </a:p>
@@ -12925,7 +13265,7 @@
             <a:fld id="{88856D55-EFBE-4F9B-8A5F-09D42CA22A9B}" type="datetime1">
               <a:rPr lang="en-US" smtClean="0"/>
               <a:pPr/>
-              <a:t>13-10-16</a:t>
+              <a:t>10/17/2013</a:t>
             </a:fld>
             <a:endParaRPr lang="en-US"/>
           </a:p>
@@ -14786,7 +15126,7 @@
             <a:fld id="{9D1D110F-3F4E-48D9-B8AA-5D0E825AFDBA}" type="datetime1">
               <a:rPr lang="en-US" smtClean="0"/>
               <a:pPr/>
-              <a:t>13-10-16</a:t>
+              <a:t>10/17/2013</a:t>
             </a:fld>
             <a:endParaRPr lang="en-US"/>
           </a:p>
@@ -15407,7 +15747,7 @@
   <p:timing>
     <p:tnLst>
       <p:par>
-        <p:cTn xmlns:p14="http://schemas.microsoft.com/office/powerpoint/2010/main" id="1" dur="indefinite" restart="never" nodeType="tmRoot"/>
+        <p:cTn id="1" dur="indefinite" restart="never" nodeType="tmRoot"/>
       </p:par>
     </p:tnLst>
   </p:timing>
@@ -15792,7 +16132,7 @@
   <p:timing>
     <p:tnLst>
       <p:par>
-        <p:cTn xmlns:p14="http://schemas.microsoft.com/office/powerpoint/2010/main" id="1" dur="indefinite" restart="never" nodeType="tmRoot">
+        <p:cTn id="1" dur="indefinite" restart="never" nodeType="tmRoot">
           <p:childTnLst>
             <p:seq concurrent="1" nextAc="seek">
               <p:cTn id="2" dur="indefinite" nodeType="mainSeq">
@@ -16590,7 +16930,7 @@
   <p:timing>
     <p:tnLst>
       <p:par>
-        <p:cTn xmlns:p14="http://schemas.microsoft.com/office/powerpoint/2010/main" id="1" dur="indefinite" restart="never" nodeType="tmRoot">
+        <p:cTn id="1" dur="indefinite" restart="never" nodeType="tmRoot">
           <p:childTnLst>
             <p:seq concurrent="1" nextAc="seek">
               <p:cTn id="2" dur="indefinite" nodeType="mainSeq">
@@ -17058,7 +17398,7 @@
   <p:timing>
     <p:tnLst>
       <p:par>
-        <p:cTn xmlns:p14="http://schemas.microsoft.com/office/powerpoint/2010/main" id="1" dur="indefinite" restart="never" nodeType="tmRoot">
+        <p:cTn id="1" dur="indefinite" restart="never" nodeType="tmRoot">
           <p:childTnLst>
             <p:seq concurrent="1" nextAc="seek">
               <p:cTn id="2" dur="indefinite" nodeType="mainSeq">
@@ -17410,7 +17750,7 @@
   <p:timing>
     <p:tnLst>
       <p:par>
-        <p:cTn xmlns:p14="http://schemas.microsoft.com/office/powerpoint/2010/main" id="1" dur="indefinite" restart="never" nodeType="tmRoot">
+        <p:cTn id="1" dur="indefinite" restart="never" nodeType="tmRoot">
           <p:childTnLst>
             <p:seq concurrent="1" nextAc="seek">
               <p:cTn id="2" dur="indefinite" nodeType="mainSeq">
@@ -17865,7 +18205,7 @@
   <p:timing>
     <p:tnLst>
       <p:par>
-        <p:cTn xmlns:p14="http://schemas.microsoft.com/office/powerpoint/2010/main" id="1" dur="indefinite" restart="never" nodeType="tmRoot">
+        <p:cTn id="1" dur="indefinite" restart="never" nodeType="tmRoot">
           <p:childTnLst>
             <p:seq concurrent="1" nextAc="seek">
               <p:cTn id="2" dur="indefinite" nodeType="mainSeq">
@@ -18618,7 +18958,7 @@
   <p:timing>
     <p:tnLst>
       <p:par>
-        <p:cTn xmlns:p14="http://schemas.microsoft.com/office/powerpoint/2010/main" id="1" dur="indefinite" restart="never" nodeType="tmRoot"/>
+        <p:cTn id="1" dur="indefinite" restart="never" nodeType="tmRoot"/>
       </p:par>
     </p:tnLst>
   </p:timing>
@@ -19107,7 +19447,7 @@
   <p:timing>
     <p:tnLst>
       <p:par>
-        <p:cTn xmlns:p14="http://schemas.microsoft.com/office/powerpoint/2010/main" id="1" dur="indefinite" restart="never" nodeType="tmRoot"/>
+        <p:cTn id="1" dur="indefinite" restart="never" nodeType="tmRoot"/>
       </p:par>
     </p:tnLst>
   </p:timing>
@@ -19516,7 +19856,7 @@
   <p:timing>
     <p:tnLst>
       <p:par>
-        <p:cTn xmlns:p14="http://schemas.microsoft.com/office/powerpoint/2010/main" id="1" dur="indefinite" restart="never" nodeType="tmRoot">
+        <p:cTn id="1" dur="indefinite" restart="never" nodeType="tmRoot">
           <p:childTnLst>
             <p:seq concurrent="1" nextAc="seek">
               <p:cTn id="2" dur="indefinite" nodeType="mainSeq">
@@ -20209,7 +20549,7 @@
   <p:timing>
     <p:tnLst>
       <p:par>
-        <p:cTn xmlns:p14="http://schemas.microsoft.com/office/powerpoint/2010/main" id="1" dur="indefinite" restart="never" nodeType="tmRoot">
+        <p:cTn id="1" dur="indefinite" restart="never" nodeType="tmRoot">
           <p:childTnLst>
             <p:seq concurrent="1" nextAc="seek">
               <p:cTn id="2" dur="indefinite" nodeType="mainSeq">
@@ -20717,7 +21057,7 @@
   <p:timing>
     <p:tnLst>
       <p:par>
-        <p:cTn xmlns:p14="http://schemas.microsoft.com/office/powerpoint/2010/main" id="1" dur="indefinite" restart="never" nodeType="tmRoot"/>
+        <p:cTn id="1" dur="indefinite" restart="never" nodeType="tmRoot"/>
       </p:par>
     </p:tnLst>
   </p:timing>
@@ -21118,7 +21458,7 @@
   <p:timing>
     <p:tnLst>
       <p:par>
-        <p:cTn xmlns:p14="http://schemas.microsoft.com/office/powerpoint/2010/main" id="1" dur="indefinite" restart="never" nodeType="tmRoot"/>
+        <p:cTn id="1" dur="indefinite" restart="never" nodeType="tmRoot"/>
       </p:par>
     </p:tnLst>
   </p:timing>
@@ -21444,23 +21784,7 @@
                 <a:ea typeface="华文新魏"/>
                 <a:cs typeface="华文新魏"/>
               </a:rPr>
-              <a:t>HttpMessage</a:t>
-            </a:r>
-            <a:r>
-              <a:rPr kumimoji="1" lang="en-US" altLang="zh-CN" sz="1800" dirty="0" err="1" smtClean="0">
-                <a:latin typeface="华文新魏"/>
-                <a:ea typeface="华文新魏"/>
-                <a:cs typeface="华文新魏"/>
-              </a:rPr>
-              <a:t>Convert</a:t>
-            </a:r>
-            <a:r>
-              <a:rPr kumimoji="1" lang="en-US" altLang="zh-CN" sz="1800" dirty="0" err="1" smtClean="0">
-                <a:latin typeface="华文新魏"/>
-                <a:ea typeface="华文新魏"/>
-                <a:cs typeface="华文新魏"/>
-              </a:rPr>
-              <a:t>er</a:t>
+              <a:t>HttpMessageConverter</a:t>
             </a:r>
             <a:endParaRPr kumimoji="1" lang="en-US" altLang="zh-CN" sz="1800" dirty="0" smtClean="0">
               <a:latin typeface="华文新魏"/>
@@ -21525,15 +21849,7 @@
                 <a:ea typeface="+mj-ea"/>
                 <a:cs typeface="Heiti SC Light"/>
               </a:rPr>
-              <a:t>JavaBean</a:t>
-            </a:r>
-            <a:r>
-              <a:rPr kumimoji="1" lang="en-US" altLang="zh-CN" sz="1800" dirty="0" smtClean="0">
-                <a:latin typeface="+mj-ea"/>
-                <a:ea typeface="+mj-ea"/>
-                <a:cs typeface="Heiti SC Light"/>
-              </a:rPr>
-              <a:t>s</a:t>
+              <a:t>JavaBeans</a:t>
             </a:r>
           </a:p>
           <a:p>
@@ -21641,15 +21957,7 @@
                 <a:ea typeface="+mj-ea"/>
                 <a:cs typeface="Heiti SC Light"/>
               </a:rPr>
-              <a:t> </a:t>
-            </a:r>
-            <a:r>
-              <a:rPr kumimoji="1" lang="en-US" altLang="zh-CN" sz="1800" dirty="0">
-                <a:latin typeface="+mj-ea"/>
-                <a:ea typeface="+mj-ea"/>
-                <a:cs typeface="Heiti SC Light"/>
-              </a:rPr>
-              <a:t>@Format </a:t>
+              <a:t> @Format </a:t>
             </a:r>
             <a:r>
               <a:rPr kumimoji="1" lang="en-US" altLang="zh-CN" sz="1800" dirty="0" smtClean="0">
@@ -21842,7 +22150,7 @@
   <p:timing>
     <p:tnLst>
       <p:par>
-        <p:cTn xmlns:p14="http://schemas.microsoft.com/office/powerpoint/2010/main" id="1" dur="indefinite" restart="never" nodeType="tmRoot">
+        <p:cTn id="1" dur="indefinite" restart="never" nodeType="tmRoot">
           <p:childTnLst>
             <p:seq concurrent="1" nextAc="seek">
               <p:cTn id="2" dur="indefinite" nodeType="mainSeq">
@@ -22293,15 +22601,7 @@
                 <a:ea typeface="+mj-ea"/>
                 <a:cs typeface="Heiti SC Light"/>
               </a:rPr>
-              <a:t>可以在</a:t>
-            </a:r>
-            <a:r>
-              <a:rPr kumimoji="1" lang="zh-CN" altLang="en-US" sz="1800" dirty="0" smtClean="0">
-                <a:latin typeface="+mj-ea"/>
-                <a:ea typeface="+mj-ea"/>
-                <a:cs typeface="Heiti SC Light"/>
-              </a:rPr>
-              <a:t>展示</a:t>
+              <a:t>可以在展示</a:t>
             </a:r>
             <a:r>
               <a:rPr kumimoji="1" lang="en-US" altLang="zh-CN" sz="1800" dirty="0" smtClean="0">
@@ -22427,11 +22727,7 @@
             </a:r>
             <a:r>
               <a:rPr lang="en-US" altLang="zh-CN" dirty="0" err="1" smtClean="0"/>
-              <a:t>org.springframework.samples.mvc.</a:t>
-            </a:r>
-            <a:r>
-              <a:rPr lang="en-US" altLang="zh-CN" dirty="0" err="1" smtClean="0"/>
-              <a:t>validation</a:t>
+              <a:t>org.springframework.samples.mvc.validation</a:t>
             </a:r>
             <a:endParaRPr lang="zh-CN" altLang="en-US" dirty="0"/>
           </a:p>
@@ -22450,7 +22746,7 @@
   <p:timing>
     <p:tnLst>
       <p:par>
-        <p:cTn xmlns:p14="http://schemas.microsoft.com/office/powerpoint/2010/main" id="1" dur="indefinite" restart="never" nodeType="tmRoot">
+        <p:cTn id="1" dur="indefinite" restart="never" nodeType="tmRoot">
           <p:childTnLst>
             <p:seq concurrent="1" nextAc="seek">
               <p:cTn id="2" dur="indefinite" nodeType="mainSeq">
@@ -22942,14 +23238,7 @@
                 <a:latin typeface="+mj-ea"/>
                 <a:ea typeface="+mj-ea"/>
               </a:rPr>
-              <a:t> </a:t>
-            </a:r>
-            <a:r>
-              <a:rPr lang="en-US" altLang="zh-CN" sz="1800" dirty="0">
-                <a:latin typeface="+mj-ea"/>
-                <a:ea typeface="+mj-ea"/>
-              </a:rPr>
-              <a:t>commons-</a:t>
+              <a:t> commons-</a:t>
             </a:r>
             <a:r>
               <a:rPr lang="en-US" altLang="zh-CN" sz="1800" dirty="0" err="1">
@@ -23034,11 +23323,7 @@
             </a:r>
             <a:r>
               <a:rPr lang="en-US" altLang="zh-CN" dirty="0" err="1" smtClean="0"/>
-              <a:t>org.springframework.samples.mvc.</a:t>
-            </a:r>
-            <a:r>
-              <a:rPr lang="en-US" altLang="zh-CN" dirty="0" err="1" smtClean="0"/>
-              <a:t>fileupload</a:t>
+              <a:t>org.springframework.samples.mvc.fileupload</a:t>
             </a:r>
             <a:endParaRPr lang="zh-CN" altLang="en-US" dirty="0"/>
           </a:p>
@@ -23057,7 +23342,7 @@
   <p:timing>
     <p:tnLst>
       <p:par>
-        <p:cTn xmlns:p14="http://schemas.microsoft.com/office/powerpoint/2010/main" id="1" dur="indefinite" restart="never" nodeType="tmRoot">
+        <p:cTn id="1" dur="indefinite" restart="never" nodeType="tmRoot">
           <p:childTnLst>
             <p:seq concurrent="1" nextAc="seek">
               <p:cTn id="2" dur="indefinite" nodeType="mainSeq">
@@ -23642,11 +23927,7 @@
             </a:r>
             <a:r>
               <a:rPr lang="en-US" altLang="zh-CN" dirty="0" err="1" smtClean="0"/>
-              <a:t>org.springframework.samples.mvc.</a:t>
-            </a:r>
-            <a:r>
-              <a:rPr lang="en-US" altLang="zh-CN" dirty="0" err="1" smtClean="0"/>
-              <a:t>exceptions</a:t>
+              <a:t>org.springframework.samples.mvc.exceptions</a:t>
             </a:r>
             <a:endParaRPr lang="zh-CN" altLang="en-US" dirty="0"/>
           </a:p>
@@ -23665,7 +23946,7 @@
   <p:timing>
     <p:tnLst>
       <p:par>
-        <p:cTn xmlns:p14="http://schemas.microsoft.com/office/powerpoint/2010/main" id="1" dur="indefinite" restart="never" nodeType="tmRoot">
+        <p:cTn id="1" dur="indefinite" restart="never" nodeType="tmRoot">
           <p:childTnLst>
             <p:seq concurrent="1" nextAc="seek">
               <p:cTn id="2" dur="indefinite" nodeType="mainSeq">
@@ -24258,11 +24539,7 @@
             </a:r>
             <a:r>
               <a:rPr lang="en-US" altLang="zh-CN" dirty="0" err="1" smtClean="0"/>
-              <a:t>org.springframework.samples.mvc.</a:t>
-            </a:r>
-            <a:r>
-              <a:rPr lang="en-US" altLang="zh-CN" dirty="0" err="1" smtClean="0"/>
-              <a:t>exceptions</a:t>
+              <a:t>org.springframework.samples.mvc.exceptions</a:t>
             </a:r>
             <a:endParaRPr lang="zh-CN" altLang="en-US" dirty="0"/>
           </a:p>
@@ -24281,7 +24558,7 @@
   <p:timing>
     <p:tnLst>
       <p:par>
-        <p:cTn xmlns:p14="http://schemas.microsoft.com/office/powerpoint/2010/main" id="1" dur="indefinite" restart="never" nodeType="tmRoot">
+        <p:cTn id="1" dur="indefinite" restart="never" nodeType="tmRoot">
           <p:childTnLst>
             <p:seq concurrent="1" nextAc="seek">
               <p:cTn id="2" dur="indefinite" nodeType="mainSeq">
@@ -24832,11 +25109,7 @@
             </a:r>
             <a:r>
               <a:rPr lang="en-US" altLang="zh-CN" dirty="0" err="1" smtClean="0"/>
-              <a:t>org.springframework.samples.mvc.</a:t>
-            </a:r>
-            <a:r>
-              <a:rPr lang="en-US" altLang="zh-CN" dirty="0" err="1" smtClean="0"/>
-              <a:t>exceptions</a:t>
+              <a:t>org.springframework.samples.mvc.exceptions</a:t>
             </a:r>
             <a:endParaRPr lang="zh-CN" altLang="en-US" dirty="0"/>
           </a:p>
@@ -24855,7 +25128,7 @@
   <p:timing>
     <p:tnLst>
       <p:par>
-        <p:cTn xmlns:p14="http://schemas.microsoft.com/office/powerpoint/2010/main" id="1" dur="indefinite" restart="never" nodeType="tmRoot">
+        <p:cTn id="1" dur="indefinite" restart="never" nodeType="tmRoot">
           <p:childTnLst>
             <p:seq concurrent="1" nextAc="seek">
               <p:cTn id="2" dur="indefinite" nodeType="mainSeq">
@@ -24975,6 +25248,1581 @@
     <p:bldLst>
       <p:bldP spid="4" grpId="0"/>
     </p:bldLst>
+  </p:timing>
+</p:sld>
+</file>
+
+<file path=ppt/slides/slide26.xml><?xml version="1.0" encoding="utf-8"?>
+<p:sld xmlns:a="http://schemas.openxmlformats.org/drawingml/2006/main" xmlns:r="http://schemas.openxmlformats.org/officeDocument/2006/relationships" xmlns:p="http://schemas.openxmlformats.org/presentationml/2006/main">
+  <p:cSld>
+    <p:spTree>
+      <p:nvGrpSpPr>
+        <p:cNvPr id="1" name=""/>
+        <p:cNvGrpSpPr/>
+        <p:nvPr/>
+      </p:nvGrpSpPr>
+      <p:grpSpPr>
+        <a:xfrm>
+          <a:off x="0" y="0"/>
+          <a:ext cx="0" cy="0"/>
+          <a:chOff x="0" y="0"/>
+          <a:chExt cx="0" cy="0"/>
+        </a:xfrm>
+      </p:grpSpPr>
+      <p:sp>
+        <p:nvSpPr>
+          <p:cNvPr id="5" name="内容占位符 4"/>
+          <p:cNvSpPr>
+            <a:spLocks noGrp="1"/>
+          </p:cNvSpPr>
+          <p:nvPr>
+            <p:ph idx="1"/>
+          </p:nvPr>
+        </p:nvSpPr>
+        <p:spPr>
+          <a:xfrm>
+            <a:off x="872067" y="1972718"/>
+            <a:ext cx="7408333" cy="4285975"/>
+          </a:xfrm>
+        </p:spPr>
+        <p:txBody>
+          <a:bodyPr>
+            <a:normAutofit fontScale="92500" lnSpcReduction="20000"/>
+          </a:bodyPr>
+          <a:lstStyle/>
+          <a:p>
+            <a:pPr>
+              <a:buFont typeface="Wingdings" charset="2"/>
+              <a:buChar char="Ø"/>
+            </a:pPr>
+            <a:r>
+              <a:rPr lang="en-US" altLang="zh-CN" dirty="0" err="1" smtClean="0"/>
+              <a:t>org.springframework.web.servlet.HandlerInterceptor</a:t>
+            </a:r>
+            <a:endParaRPr kumimoji="1" lang="en-US" altLang="zh-CN" dirty="0" smtClean="0">
+              <a:latin typeface="+mj-ea"/>
+              <a:ea typeface="+mj-ea"/>
+              <a:cs typeface="Heiti SC Light"/>
+            </a:endParaRPr>
+          </a:p>
+          <a:p>
+            <a:pPr>
+              <a:buFont typeface="Wingdings" charset="2"/>
+              <a:buChar char="Ø"/>
+            </a:pPr>
+            <a:r>
+              <a:rPr lang="en-US" dirty="0" err="1" smtClean="0"/>
+              <a:t>org.springframework.web.servlet.HandlerMapping</a:t>
+            </a:r>
+            <a:endParaRPr lang="en-US" dirty="0" smtClean="0"/>
+          </a:p>
+          <a:p>
+            <a:pPr>
+              <a:buFont typeface="Wingdings" charset="2"/>
+              <a:buChar char="Ø"/>
+            </a:pPr>
+            <a:r>
+              <a:rPr kumimoji="1" lang="en-US" altLang="zh-CN" dirty="0" err="1" smtClean="0">
+                <a:latin typeface="+mj-ea"/>
+                <a:ea typeface="+mj-ea"/>
+                <a:cs typeface="Heiti SC Light"/>
+              </a:rPr>
+              <a:t>org.springframework.web.servlet.HandlerAdapter</a:t>
+            </a:r>
+            <a:endParaRPr kumimoji="1" lang="en-US" altLang="zh-CN" dirty="0" smtClean="0">
+              <a:latin typeface="+mj-ea"/>
+              <a:ea typeface="+mj-ea"/>
+              <a:cs typeface="Heiti SC Light"/>
+            </a:endParaRPr>
+          </a:p>
+          <a:p>
+            <a:pPr>
+              <a:buFont typeface="Wingdings" charset="2"/>
+              <a:buChar char="Ø"/>
+            </a:pPr>
+            <a:r>
+              <a:rPr kumimoji="1" lang="en-US" altLang="zh-CN" dirty="0" err="1">
+                <a:latin typeface="+mj-ea"/>
+                <a:ea typeface="+mj-ea"/>
+                <a:cs typeface="Heiti SC Light"/>
+              </a:rPr>
+              <a:t>org.springframework.web.servlet.ViewResolver</a:t>
+            </a:r>
+            <a:endParaRPr kumimoji="1" lang="en-US" altLang="zh-CN" dirty="0">
+              <a:latin typeface="+mj-ea"/>
+              <a:ea typeface="+mj-ea"/>
+              <a:cs typeface="Heiti SC Light"/>
+            </a:endParaRPr>
+          </a:p>
+          <a:p>
+            <a:pPr>
+              <a:buFont typeface="Wingdings" charset="2"/>
+              <a:buChar char="Ø"/>
+            </a:pPr>
+            <a:r>
+              <a:rPr kumimoji="1" lang="en-US" altLang="zh-CN" dirty="0" err="1" smtClean="0">
+                <a:latin typeface="+mj-ea"/>
+                <a:ea typeface="+mj-ea"/>
+                <a:cs typeface="Heiti SC Light"/>
+              </a:rPr>
+              <a:t>org.springframework.web.servlet.HandlerExceptionResolver</a:t>
+            </a:r>
+            <a:endParaRPr kumimoji="1" lang="en-US" altLang="zh-CN" dirty="0" smtClean="0">
+              <a:latin typeface="+mj-ea"/>
+              <a:ea typeface="+mj-ea"/>
+              <a:cs typeface="Heiti SC Light"/>
+            </a:endParaRPr>
+          </a:p>
+          <a:p>
+            <a:pPr>
+              <a:buFont typeface="Wingdings" charset="2"/>
+              <a:buChar char="Ø"/>
+            </a:pPr>
+            <a:r>
+              <a:rPr kumimoji="1" lang="en-US" altLang="zh-CN" dirty="0" err="1" smtClean="0">
+                <a:latin typeface="+mj-ea"/>
+                <a:ea typeface="+mj-ea"/>
+                <a:cs typeface="Heiti SC Light"/>
+              </a:rPr>
+              <a:t>org.springframework.web.servlet.LocaleResolver</a:t>
+            </a:r>
+            <a:endParaRPr kumimoji="1" lang="en-US" altLang="zh-CN" dirty="0" smtClean="0">
+              <a:latin typeface="+mj-ea"/>
+              <a:ea typeface="+mj-ea"/>
+              <a:cs typeface="Heiti SC Light"/>
+            </a:endParaRPr>
+          </a:p>
+          <a:p>
+            <a:pPr>
+              <a:buFont typeface="Wingdings" charset="2"/>
+              <a:buChar char="Ø"/>
+            </a:pPr>
+            <a:r>
+              <a:rPr kumimoji="1" lang="en-US" altLang="zh-CN" dirty="0" err="1" smtClean="0">
+                <a:latin typeface="+mj-ea"/>
+                <a:ea typeface="+mj-ea"/>
+                <a:cs typeface="Heiti SC Light"/>
+              </a:rPr>
+              <a:t>org.springframework.web.servlet.ThemeResolver</a:t>
+            </a:r>
+            <a:endParaRPr kumimoji="1" lang="en-US" altLang="zh-CN" dirty="0" smtClean="0">
+              <a:latin typeface="+mj-ea"/>
+              <a:ea typeface="+mj-ea"/>
+              <a:cs typeface="Heiti SC Light"/>
+            </a:endParaRPr>
+          </a:p>
+          <a:p>
+            <a:pPr>
+              <a:buFont typeface="Wingdings" charset="2"/>
+              <a:buChar char="Ø"/>
+            </a:pPr>
+            <a:r>
+              <a:rPr kumimoji="1" lang="en-US" altLang="zh-CN" dirty="0" err="1" smtClean="0">
+                <a:latin typeface="+mj-ea"/>
+                <a:ea typeface="+mj-ea"/>
+                <a:cs typeface="Heiti SC Light"/>
+              </a:rPr>
+              <a:t>org.springframework.web.servlet.FlashMapManager</a:t>
+            </a:r>
+            <a:endParaRPr kumimoji="1" lang="en-US" altLang="zh-CN" dirty="0" smtClean="0">
+              <a:latin typeface="+mj-ea"/>
+              <a:ea typeface="+mj-ea"/>
+              <a:cs typeface="Heiti SC Light"/>
+            </a:endParaRPr>
+          </a:p>
+          <a:p>
+            <a:pPr>
+              <a:buFont typeface="Wingdings" charset="2"/>
+              <a:buChar char="Ø"/>
+            </a:pPr>
+            <a:endParaRPr kumimoji="1" lang="en-US" altLang="zh-CN" dirty="0" smtClean="0">
+              <a:latin typeface="+mj-ea"/>
+              <a:ea typeface="+mj-ea"/>
+              <a:cs typeface="Heiti SC Light"/>
+            </a:endParaRPr>
+          </a:p>
+          <a:p>
+            <a:pPr>
+              <a:buFont typeface="Wingdings" charset="2"/>
+              <a:buChar char="Ø"/>
+            </a:pPr>
+            <a:r>
+              <a:rPr kumimoji="1" lang="en-US" altLang="zh-CN" dirty="0" err="1" smtClean="0">
+                <a:latin typeface="+mj-ea"/>
+                <a:ea typeface="+mj-ea"/>
+                <a:cs typeface="Heiti SC Light"/>
+              </a:rPr>
+              <a:t>TypeConverter</a:t>
+            </a:r>
+            <a:r>
+              <a:rPr kumimoji="1" lang="en-US" altLang="zh-CN" dirty="0">
+                <a:latin typeface="+mj-ea"/>
+                <a:ea typeface="+mj-ea"/>
+                <a:cs typeface="Heiti SC Light"/>
+              </a:rPr>
+              <a:t>, </a:t>
+            </a:r>
+            <a:r>
+              <a:rPr kumimoji="1" lang="en-US" altLang="zh-CN" dirty="0" err="1" smtClean="0">
+                <a:latin typeface="+mj-ea"/>
+                <a:ea typeface="+mj-ea"/>
+                <a:cs typeface="Heiti SC Light"/>
+              </a:rPr>
+              <a:t>HandlerMethodArgumentResolver</a:t>
+            </a:r>
+            <a:r>
+              <a:rPr kumimoji="1" lang="en-US" altLang="zh-CN" dirty="0">
+                <a:latin typeface="+mj-ea"/>
+                <a:ea typeface="+mj-ea"/>
+                <a:cs typeface="Heiti SC Light"/>
+              </a:rPr>
+              <a:t>, Validator, View, </a:t>
+            </a:r>
+            <a:r>
+              <a:rPr kumimoji="1" lang="en-US" altLang="zh-CN" dirty="0" smtClean="0">
+                <a:latin typeface="+mj-ea"/>
+                <a:ea typeface="+mj-ea"/>
+                <a:cs typeface="Heiti SC Light"/>
+              </a:rPr>
+              <a:t>Formatter,……</a:t>
+            </a:r>
+          </a:p>
+          <a:p>
+            <a:pPr>
+              <a:buFont typeface="Wingdings" charset="2"/>
+              <a:buChar char="Ø"/>
+            </a:pPr>
+            <a:r>
+              <a:rPr kumimoji="1" lang="zh-CN" altLang="en-US" dirty="0">
+                <a:latin typeface="+mj-ea"/>
+                <a:ea typeface="+mj-ea"/>
+                <a:cs typeface="Heiti SC Light"/>
+              </a:rPr>
+              <a:t>几</a:t>
+            </a:r>
+            <a:r>
+              <a:rPr kumimoji="1" lang="zh-CN" altLang="en-US" dirty="0" smtClean="0">
+                <a:latin typeface="+mj-ea"/>
+                <a:ea typeface="+mj-ea"/>
+                <a:cs typeface="Heiti SC Light"/>
+              </a:rPr>
+              <a:t>乎每一个组件都可以自定义</a:t>
+            </a:r>
+            <a:r>
+              <a:rPr kumimoji="1" lang="en-US" altLang="zh-CN" dirty="0" smtClean="0">
+                <a:latin typeface="+mj-ea"/>
+                <a:ea typeface="+mj-ea"/>
+                <a:cs typeface="Heiti SC Light"/>
+              </a:rPr>
+              <a:t>.</a:t>
+            </a:r>
+            <a:endParaRPr kumimoji="1" lang="en-US" altLang="zh-CN" dirty="0">
+              <a:latin typeface="+mj-ea"/>
+              <a:ea typeface="+mj-ea"/>
+              <a:cs typeface="Heiti SC Light"/>
+            </a:endParaRPr>
+          </a:p>
+        </p:txBody>
+      </p:sp>
+      <p:sp>
+        <p:nvSpPr>
+          <p:cNvPr id="2" name="标题 1"/>
+          <p:cNvSpPr>
+            <a:spLocks noGrp="1"/>
+          </p:cNvSpPr>
+          <p:nvPr>
+            <p:ph type="title"/>
+          </p:nvPr>
+        </p:nvSpPr>
+        <p:spPr/>
+        <p:txBody>
+          <a:bodyPr>
+            <a:normAutofit/>
+          </a:bodyPr>
+          <a:lstStyle/>
+          <a:p>
+            <a:r>
+              <a:rPr kumimoji="1" lang="zh-CN" altLang="en-US" dirty="0">
+                <a:latin typeface="+mj-ea"/>
+                <a:cs typeface="Heiti SC Light"/>
+              </a:rPr>
+              <a:t>扩</a:t>
+            </a:r>
+            <a:r>
+              <a:rPr kumimoji="1" lang="zh-CN" altLang="en-US" dirty="0" smtClean="0">
+                <a:latin typeface="+mj-ea"/>
+                <a:cs typeface="Heiti SC Light"/>
+              </a:rPr>
+              <a:t>展</a:t>
+            </a:r>
+            <a:r>
+              <a:rPr kumimoji="1" lang="en-US" altLang="zh-CN" dirty="0" smtClean="0">
+                <a:latin typeface="+mj-ea"/>
+                <a:cs typeface="Heiti SC Light"/>
+              </a:rPr>
+              <a:t>Spring MVC</a:t>
+            </a:r>
+            <a:endParaRPr kumimoji="1" lang="en-US" altLang="zh-CN" dirty="0">
+              <a:latin typeface="+mj-ea"/>
+              <a:cs typeface="Heiti SC Light"/>
+            </a:endParaRPr>
+          </a:p>
+        </p:txBody>
+      </p:sp>
+      <p:sp>
+        <p:nvSpPr>
+          <p:cNvPr id="4" name="矩形 3"/>
+          <p:cNvSpPr/>
+          <p:nvPr/>
+        </p:nvSpPr>
+        <p:spPr>
+          <a:xfrm>
+            <a:off x="3783949" y="6488668"/>
+            <a:ext cx="5360052" cy="369332"/>
+          </a:xfrm>
+          <a:prstGeom prst="rect">
+            <a:avLst/>
+          </a:prstGeom>
+        </p:spPr>
+        <p:txBody>
+          <a:bodyPr wrap="square">
+            <a:spAutoFit/>
+          </a:bodyPr>
+          <a:lstStyle/>
+          <a:p>
+            <a:r>
+              <a:rPr lang="en-US" altLang="zh-CN" dirty="0" smtClean="0"/>
+              <a:t>Demo</a:t>
+            </a:r>
+            <a:r>
+              <a:rPr lang="zh-CN" altLang="zh-CN" dirty="0" smtClean="0"/>
+              <a:t>:</a:t>
+            </a:r>
+            <a:r>
+              <a:rPr lang="en-US" altLang="zh-CN" dirty="0" err="1" smtClean="0"/>
+              <a:t>org.springframework.samples.mvc.ext</a:t>
+            </a:r>
+            <a:endParaRPr lang="zh-CN" altLang="en-US" dirty="0"/>
+          </a:p>
+        </p:txBody>
+      </p:sp>
+    </p:spTree>
+    <p:extLst>
+      <p:ext uri="{BB962C8B-B14F-4D97-AF65-F5344CB8AC3E}">
+        <p14:creationId xmlns:p14="http://schemas.microsoft.com/office/powerpoint/2010/main" val="284885123"/>
+      </p:ext>
+    </p:extLst>
+  </p:cSld>
+  <p:clrMapOvr>
+    <a:masterClrMapping/>
+  </p:clrMapOvr>
+  <p:timing>
+    <p:tnLst>
+      <p:par>
+        <p:cTn id="1" dur="indefinite" restart="never" nodeType="tmRoot">
+          <p:childTnLst>
+            <p:seq concurrent="1" nextAc="seek">
+              <p:cTn id="2" dur="indefinite" nodeType="mainSeq">
+                <p:childTnLst>
+                  <p:par>
+                    <p:cTn id="3" fill="hold">
+                      <p:stCondLst>
+                        <p:cond delay="indefinite"/>
+                      </p:stCondLst>
+                      <p:childTnLst>
+                        <p:par>
+                          <p:cTn id="4" fill="hold">
+                            <p:stCondLst>
+                              <p:cond delay="0"/>
+                            </p:stCondLst>
+                            <p:childTnLst>
+                              <p:par>
+                                <p:cTn id="5" presetID="2" presetClass="entr" presetSubtype="4" fill="hold" grpId="0" nodeType="clickEffect">
+                                  <p:stCondLst>
+                                    <p:cond delay="0"/>
+                                  </p:stCondLst>
+                                  <p:childTnLst>
+                                    <p:set>
+                                      <p:cBhvr>
+                                        <p:cTn id="6" dur="1" fill="hold">
+                                          <p:stCondLst>
+                                            <p:cond delay="0"/>
+                                          </p:stCondLst>
+                                        </p:cTn>
+                                        <p:tgtEl>
+                                          <p:spTgt spid="4"/>
+                                        </p:tgtEl>
+                                        <p:attrNameLst>
+                                          <p:attrName>style.visibility</p:attrName>
+                                        </p:attrNameLst>
+                                      </p:cBhvr>
+                                      <p:to>
+                                        <p:strVal val="visible"/>
+                                      </p:to>
+                                    </p:set>
+                                    <p:anim calcmode="lin" valueType="num">
+                                      <p:cBhvr additive="base">
+                                        <p:cTn id="7" dur="500" fill="hold"/>
+                                        <p:tgtEl>
+                                          <p:spTgt spid="4"/>
+                                        </p:tgtEl>
+                                        <p:attrNameLst>
+                                          <p:attrName>ppt_x</p:attrName>
+                                        </p:attrNameLst>
+                                      </p:cBhvr>
+                                      <p:tavLst>
+                                        <p:tav tm="0">
+                                          <p:val>
+                                            <p:strVal val="#ppt_x"/>
+                                          </p:val>
+                                        </p:tav>
+                                        <p:tav tm="100000">
+                                          <p:val>
+                                            <p:strVal val="#ppt_x"/>
+                                          </p:val>
+                                        </p:tav>
+                                      </p:tavLst>
+                                    </p:anim>
+                                    <p:anim calcmode="lin" valueType="num">
+                                      <p:cBhvr additive="base">
+                                        <p:cTn id="8" dur="500" fill="hold"/>
+                                        <p:tgtEl>
+                                          <p:spTgt spid="4"/>
+                                        </p:tgtEl>
+                                        <p:attrNameLst>
+                                          <p:attrName>ppt_y</p:attrName>
+                                        </p:attrNameLst>
+                                      </p:cBhvr>
+                                      <p:tavLst>
+                                        <p:tav tm="0">
+                                          <p:val>
+                                            <p:strVal val="1+#ppt_h/2"/>
+                                          </p:val>
+                                        </p:tav>
+                                        <p:tav tm="100000">
+                                          <p:val>
+                                            <p:strVal val="#ppt_y"/>
+                                          </p:val>
+                                        </p:tav>
+                                      </p:tavLst>
+                                    </p:anim>
+                                  </p:childTnLst>
+                                </p:cTn>
+                              </p:par>
+                            </p:childTnLst>
+                          </p:cTn>
+                        </p:par>
+                      </p:childTnLst>
+                    </p:cTn>
+                  </p:par>
+                </p:childTnLst>
+              </p:cTn>
+              <p:prevCondLst>
+                <p:cond evt="onPrev" delay="0">
+                  <p:tgtEl>
+                    <p:sldTgt/>
+                  </p:tgtEl>
+                </p:cond>
+              </p:prevCondLst>
+              <p:nextCondLst>
+                <p:cond evt="onNext" delay="0">
+                  <p:tgtEl>
+                    <p:sldTgt/>
+                  </p:tgtEl>
+                </p:cond>
+              </p:nextCondLst>
+            </p:seq>
+          </p:childTnLst>
+        </p:cTn>
+      </p:par>
+    </p:tnLst>
+    <p:bldLst>
+      <p:bldP spid="4" grpId="0"/>
+    </p:bldLst>
+  </p:timing>
+</p:sld>
+</file>
+
+<file path=ppt/slides/slide27.xml><?xml version="1.0" encoding="utf-8"?>
+<p:sld xmlns:a="http://schemas.openxmlformats.org/drawingml/2006/main" xmlns:r="http://schemas.openxmlformats.org/officeDocument/2006/relationships" xmlns:p="http://schemas.openxmlformats.org/presentationml/2006/main">
+  <p:cSld>
+    <p:spTree>
+      <p:nvGrpSpPr>
+        <p:cNvPr id="1" name=""/>
+        <p:cNvGrpSpPr/>
+        <p:nvPr/>
+      </p:nvGrpSpPr>
+      <p:grpSpPr>
+        <a:xfrm>
+          <a:off x="0" y="0"/>
+          <a:ext cx="0" cy="0"/>
+          <a:chOff x="0" y="0"/>
+          <a:chExt cx="0" cy="0"/>
+        </a:xfrm>
+      </p:grpSpPr>
+      <p:sp>
+        <p:nvSpPr>
+          <p:cNvPr id="5" name="内容占位符 4"/>
+          <p:cNvSpPr>
+            <a:spLocks noGrp="1"/>
+          </p:cNvSpPr>
+          <p:nvPr>
+            <p:ph idx="1"/>
+          </p:nvPr>
+        </p:nvSpPr>
+        <p:spPr>
+          <a:xfrm>
+            <a:off x="872067" y="1972718"/>
+            <a:ext cx="7408333" cy="4285975"/>
+          </a:xfrm>
+        </p:spPr>
+        <p:txBody>
+          <a:bodyPr>
+            <a:normAutofit fontScale="92500" lnSpcReduction="10000"/>
+          </a:bodyPr>
+          <a:lstStyle/>
+          <a:p>
+            <a:pPr>
+              <a:buFont typeface="Wingdings" charset="2"/>
+              <a:buChar char="Ø"/>
+            </a:pPr>
+            <a:r>
+              <a:rPr kumimoji="1" lang="en-US" altLang="zh-CN" dirty="0" smtClean="0">
+                <a:latin typeface="+mj-ea"/>
+                <a:ea typeface="+mj-ea"/>
+                <a:cs typeface="Heiti SC Light"/>
+              </a:rPr>
+              <a:t>Servlet3.0 </a:t>
+            </a:r>
+            <a:r>
+              <a:rPr kumimoji="1" lang="zh-CN" altLang="en-US" dirty="0" smtClean="0">
+                <a:latin typeface="+mj-ea"/>
+                <a:ea typeface="+mj-ea"/>
+                <a:cs typeface="Heiti SC Light"/>
+              </a:rPr>
+              <a:t>开始提供了异步</a:t>
+            </a:r>
+            <a:r>
+              <a:rPr kumimoji="1" lang="en-US" altLang="zh-CN" dirty="0" smtClean="0">
+                <a:latin typeface="+mj-ea"/>
+                <a:ea typeface="+mj-ea"/>
+                <a:cs typeface="Heiti SC Light"/>
+              </a:rPr>
+              <a:t>API</a:t>
+            </a:r>
+            <a:endParaRPr kumimoji="1" lang="en-US" altLang="zh-CN" dirty="0">
+              <a:latin typeface="+mj-ea"/>
+              <a:ea typeface="+mj-ea"/>
+              <a:cs typeface="Heiti SC Light"/>
+            </a:endParaRPr>
+          </a:p>
+          <a:p>
+            <a:pPr lvl="1">
+              <a:buFont typeface="Wingdings" charset="2"/>
+              <a:buChar char="Ø"/>
+            </a:pPr>
+            <a:r>
+              <a:rPr kumimoji="1" lang="en-US" altLang="zh-CN" dirty="0" err="1">
+                <a:latin typeface="+mj-ea"/>
+                <a:ea typeface="+mj-ea"/>
+                <a:cs typeface="Heiti SC Light"/>
+              </a:rPr>
+              <a:t>AsyncContext</a:t>
+            </a:r>
+            <a:r>
+              <a:rPr kumimoji="1" lang="en-US" altLang="zh-CN" dirty="0">
+                <a:latin typeface="+mj-ea"/>
+                <a:ea typeface="+mj-ea"/>
+                <a:cs typeface="Heiti SC Light"/>
+              </a:rPr>
+              <a:t> </a:t>
+            </a:r>
+            <a:r>
+              <a:rPr kumimoji="1" lang="en-US" altLang="zh-CN" dirty="0" err="1">
+                <a:latin typeface="+mj-ea"/>
+                <a:ea typeface="+mj-ea"/>
+                <a:cs typeface="Heiti SC Light"/>
+              </a:rPr>
+              <a:t>asyncCtx</a:t>
+            </a:r>
+            <a:r>
+              <a:rPr kumimoji="1" lang="en-US" altLang="zh-CN" dirty="0">
+                <a:latin typeface="+mj-ea"/>
+                <a:ea typeface="+mj-ea"/>
+                <a:cs typeface="Heiti SC Light"/>
+              </a:rPr>
+              <a:t> = </a:t>
+            </a:r>
+            <a:r>
+              <a:rPr kumimoji="1" lang="en-US" altLang="zh-CN" dirty="0" err="1">
+                <a:latin typeface="+mj-ea"/>
+                <a:ea typeface="+mj-ea"/>
+                <a:cs typeface="Heiti SC Light"/>
+              </a:rPr>
+              <a:t>request.startAsync</a:t>
+            </a:r>
+            <a:r>
+              <a:rPr kumimoji="1" lang="en-US" altLang="zh-CN" dirty="0">
+                <a:latin typeface="+mj-ea"/>
+                <a:ea typeface="+mj-ea"/>
+                <a:cs typeface="Heiti SC Light"/>
+              </a:rPr>
+              <a:t>();</a:t>
+            </a:r>
+          </a:p>
+          <a:p>
+            <a:pPr lvl="1">
+              <a:buFont typeface="Wingdings" charset="2"/>
+              <a:buChar char="Ø"/>
+            </a:pPr>
+            <a:r>
+              <a:rPr kumimoji="1" lang="en-US" altLang="zh-CN" dirty="0" err="1">
+                <a:latin typeface="+mj-ea"/>
+                <a:ea typeface="+mj-ea"/>
+                <a:cs typeface="Heiti SC Light"/>
+              </a:rPr>
+              <a:t>asyncCtx.addListener</a:t>
+            </a:r>
+            <a:r>
+              <a:rPr kumimoji="1" lang="en-US" altLang="zh-CN" dirty="0">
+                <a:latin typeface="+mj-ea"/>
+                <a:ea typeface="+mj-ea"/>
+                <a:cs typeface="Heiti SC Light"/>
+              </a:rPr>
+              <a:t>(new </a:t>
+            </a:r>
+            <a:r>
+              <a:rPr kumimoji="1" lang="en-US" altLang="zh-CN" dirty="0" err="1">
+                <a:latin typeface="+mj-ea"/>
+                <a:ea typeface="+mj-ea"/>
+                <a:cs typeface="Heiti SC Light"/>
+              </a:rPr>
+              <a:t>AppAsyncListener</a:t>
+            </a:r>
+            <a:r>
+              <a:rPr kumimoji="1" lang="en-US" altLang="zh-CN" dirty="0">
+                <a:latin typeface="+mj-ea"/>
+                <a:ea typeface="+mj-ea"/>
+                <a:cs typeface="Heiti SC Light"/>
+              </a:rPr>
+              <a:t>());</a:t>
+            </a:r>
+          </a:p>
+          <a:p>
+            <a:pPr lvl="1">
+              <a:buFont typeface="Wingdings" charset="2"/>
+              <a:buChar char="Ø"/>
+            </a:pPr>
+            <a:r>
+              <a:rPr kumimoji="1" lang="en-US" altLang="zh-CN" dirty="0" err="1">
+                <a:latin typeface="+mj-ea"/>
+                <a:ea typeface="+mj-ea"/>
+                <a:cs typeface="Heiti SC Light"/>
+              </a:rPr>
+              <a:t>asyncCtx.setTimeout</a:t>
+            </a:r>
+            <a:r>
+              <a:rPr kumimoji="1" lang="en-US" altLang="zh-CN" dirty="0">
+                <a:latin typeface="+mj-ea"/>
+                <a:ea typeface="+mj-ea"/>
+                <a:cs typeface="Heiti SC Light"/>
+              </a:rPr>
+              <a:t>(9000);</a:t>
+            </a:r>
+          </a:p>
+          <a:p>
+            <a:pPr lvl="1">
+              <a:buFont typeface="Wingdings" charset="2"/>
+              <a:buChar char="Ø"/>
+            </a:pPr>
+            <a:r>
+              <a:rPr kumimoji="1" lang="en-US" altLang="zh-CN" dirty="0" err="1">
+                <a:latin typeface="+mj-ea"/>
+                <a:ea typeface="+mj-ea"/>
+                <a:cs typeface="Heiti SC Light"/>
+              </a:rPr>
+              <a:t>asyncCtx.dispatch</a:t>
+            </a:r>
+            <a:r>
+              <a:rPr kumimoji="1" lang="en-US" altLang="zh-CN" dirty="0">
+                <a:latin typeface="+mj-ea"/>
+                <a:ea typeface="+mj-ea"/>
+                <a:cs typeface="Heiti SC Light"/>
+              </a:rPr>
+              <a:t>/complete</a:t>
+            </a:r>
+            <a:r>
+              <a:rPr kumimoji="1" lang="en-US" altLang="zh-CN" dirty="0" smtClean="0">
+                <a:latin typeface="+mj-ea"/>
+                <a:ea typeface="+mj-ea"/>
+                <a:cs typeface="Heiti SC Light"/>
+              </a:rPr>
+              <a:t>()</a:t>
+            </a:r>
+          </a:p>
+          <a:p>
+            <a:pPr>
+              <a:buFont typeface="Wingdings" charset="2"/>
+              <a:buChar char="Ø"/>
+            </a:pPr>
+            <a:endParaRPr kumimoji="1" lang="en-US" altLang="zh-CN" dirty="0">
+              <a:latin typeface="+mj-ea"/>
+              <a:ea typeface="+mj-ea"/>
+              <a:cs typeface="Heiti SC Light"/>
+            </a:endParaRPr>
+          </a:p>
+          <a:p>
+            <a:pPr>
+              <a:buFont typeface="Wingdings" charset="2"/>
+              <a:buChar char="Ø"/>
+            </a:pPr>
+            <a:r>
+              <a:rPr kumimoji="1" lang="zh-CN" altLang="en-US" dirty="0" smtClean="0">
+                <a:latin typeface="+mj-ea"/>
+                <a:ea typeface="+mj-ea"/>
+                <a:cs typeface="Heiti SC Light"/>
+              </a:rPr>
+              <a:t>异步方法可以返回如下类型的对象</a:t>
+            </a:r>
+            <a:endParaRPr kumimoji="1" lang="en-US" altLang="zh-CN" dirty="0" smtClean="0">
+              <a:latin typeface="+mj-ea"/>
+              <a:ea typeface="+mj-ea"/>
+              <a:cs typeface="Heiti SC Light"/>
+            </a:endParaRPr>
+          </a:p>
+          <a:p>
+            <a:pPr lvl="1">
+              <a:buFont typeface="Wingdings" charset="2"/>
+              <a:buChar char="Ø"/>
+            </a:pPr>
+            <a:r>
+              <a:rPr kumimoji="1" lang="en-US" altLang="zh-CN" dirty="0">
+                <a:latin typeface="+mj-ea"/>
+                <a:ea typeface="+mj-ea"/>
+                <a:cs typeface="Heiti SC Light"/>
+              </a:rPr>
+              <a:t>Callable</a:t>
+            </a:r>
+          </a:p>
+          <a:p>
+            <a:pPr lvl="1">
+              <a:buFont typeface="Wingdings" charset="2"/>
+              <a:buChar char="Ø"/>
+            </a:pPr>
+            <a:r>
+              <a:rPr kumimoji="1" lang="en-US" altLang="zh-CN" dirty="0" err="1">
+                <a:latin typeface="+mj-ea"/>
+                <a:ea typeface="+mj-ea"/>
+                <a:cs typeface="Heiti SC Light"/>
+              </a:rPr>
+              <a:t>DeferredResult</a:t>
+            </a:r>
+            <a:endParaRPr kumimoji="1" lang="en-US" altLang="zh-CN" dirty="0">
+              <a:latin typeface="+mj-ea"/>
+              <a:ea typeface="+mj-ea"/>
+              <a:cs typeface="Heiti SC Light"/>
+            </a:endParaRPr>
+          </a:p>
+          <a:p>
+            <a:pPr lvl="1">
+              <a:buFont typeface="Wingdings" charset="2"/>
+              <a:buChar char="Ø"/>
+            </a:pPr>
+            <a:r>
+              <a:rPr kumimoji="1" lang="en-US" altLang="zh-CN" dirty="0" err="1" smtClean="0">
+                <a:latin typeface="+mj-ea"/>
+                <a:ea typeface="+mj-ea"/>
+                <a:cs typeface="Heiti SC Light"/>
+              </a:rPr>
+              <a:t>AsyncTask</a:t>
+            </a:r>
+            <a:endParaRPr kumimoji="1" lang="en-US" altLang="zh-CN" dirty="0" smtClean="0">
+              <a:latin typeface="+mj-ea"/>
+              <a:ea typeface="+mj-ea"/>
+              <a:cs typeface="Heiti SC Light"/>
+            </a:endParaRPr>
+          </a:p>
+          <a:p>
+            <a:pPr lvl="1">
+              <a:buFont typeface="Wingdings" charset="2"/>
+              <a:buChar char="Ø"/>
+            </a:pPr>
+            <a:endParaRPr kumimoji="1" lang="en-US" altLang="zh-CN" dirty="0">
+              <a:latin typeface="+mj-ea"/>
+              <a:ea typeface="+mj-ea"/>
+              <a:cs typeface="Heiti SC Light"/>
+            </a:endParaRPr>
+          </a:p>
+          <a:p>
+            <a:pPr>
+              <a:buFont typeface="Wingdings" charset="2"/>
+              <a:buChar char="Ø"/>
+            </a:pPr>
+            <a:r>
+              <a:rPr kumimoji="1" lang="zh-CN" altLang="en-US" dirty="0" smtClean="0">
+                <a:latin typeface="+mj-ea"/>
+                <a:ea typeface="+mj-ea"/>
+                <a:cs typeface="Heiti SC Light"/>
+              </a:rPr>
+              <a:t>往往跟异步处理结合使用</a:t>
+            </a:r>
+            <a:r>
+              <a:rPr kumimoji="1" lang="en-US" altLang="zh-CN" dirty="0" smtClean="0">
+                <a:latin typeface="+mj-ea"/>
+                <a:ea typeface="+mj-ea"/>
+                <a:cs typeface="Heiti SC Light"/>
+              </a:rPr>
+              <a:t>: File IO/ Network IO</a:t>
+            </a:r>
+            <a:endParaRPr kumimoji="1" lang="en-US" altLang="zh-CN" dirty="0">
+              <a:latin typeface="+mj-ea"/>
+              <a:ea typeface="+mj-ea"/>
+              <a:cs typeface="Heiti SC Light"/>
+            </a:endParaRPr>
+          </a:p>
+        </p:txBody>
+      </p:sp>
+      <p:sp>
+        <p:nvSpPr>
+          <p:cNvPr id="2" name="标题 1"/>
+          <p:cNvSpPr>
+            <a:spLocks noGrp="1"/>
+          </p:cNvSpPr>
+          <p:nvPr>
+            <p:ph type="title"/>
+          </p:nvPr>
+        </p:nvSpPr>
+        <p:spPr/>
+        <p:txBody>
+          <a:bodyPr>
+            <a:normAutofit/>
+          </a:bodyPr>
+          <a:lstStyle/>
+          <a:p>
+            <a:r>
+              <a:rPr kumimoji="1" lang="en-US" altLang="zh-CN" dirty="0">
+                <a:latin typeface="+mj-ea"/>
+                <a:cs typeface="Heiti SC Light"/>
+              </a:rPr>
+              <a:t>Servlet 3 </a:t>
+            </a:r>
+            <a:r>
+              <a:rPr kumimoji="1" lang="en-US" altLang="zh-CN" dirty="0" err="1">
+                <a:latin typeface="+mj-ea"/>
+                <a:cs typeface="Heiti SC Light"/>
+              </a:rPr>
+              <a:t>async</a:t>
+            </a:r>
+            <a:r>
+              <a:rPr kumimoji="1" lang="en-US" altLang="zh-CN" dirty="0">
+                <a:latin typeface="+mj-ea"/>
+                <a:cs typeface="Heiti SC Light"/>
+              </a:rPr>
+              <a:t> support</a:t>
+            </a:r>
+          </a:p>
+        </p:txBody>
+      </p:sp>
+    </p:spTree>
+    <p:extLst>
+      <p:ext uri="{BB962C8B-B14F-4D97-AF65-F5344CB8AC3E}">
+        <p14:creationId xmlns:p14="http://schemas.microsoft.com/office/powerpoint/2010/main" val="3608316173"/>
+      </p:ext>
+    </p:extLst>
+  </p:cSld>
+  <p:clrMapOvr>
+    <a:masterClrMapping/>
+  </p:clrMapOvr>
+  <p:timing>
+    <p:tnLst>
+      <p:par>
+        <p:cTn id="1" dur="indefinite" restart="never" nodeType="tmRoot"/>
+      </p:par>
+    </p:tnLst>
+  </p:timing>
+</p:sld>
+</file>
+
+<file path=ppt/slides/slide28.xml><?xml version="1.0" encoding="utf-8"?>
+<p:sld xmlns:a="http://schemas.openxmlformats.org/drawingml/2006/main" xmlns:r="http://schemas.openxmlformats.org/officeDocument/2006/relationships" xmlns:p="http://schemas.openxmlformats.org/presentationml/2006/main">
+  <p:cSld>
+    <p:spTree>
+      <p:nvGrpSpPr>
+        <p:cNvPr id="1" name=""/>
+        <p:cNvGrpSpPr/>
+        <p:nvPr/>
+      </p:nvGrpSpPr>
+      <p:grpSpPr>
+        <a:xfrm>
+          <a:off x="0" y="0"/>
+          <a:ext cx="0" cy="0"/>
+          <a:chOff x="0" y="0"/>
+          <a:chExt cx="0" cy="0"/>
+        </a:xfrm>
+      </p:grpSpPr>
+      <p:sp>
+        <p:nvSpPr>
+          <p:cNvPr id="5" name="内容占位符 4"/>
+          <p:cNvSpPr>
+            <a:spLocks noGrp="1"/>
+          </p:cNvSpPr>
+          <p:nvPr>
+            <p:ph idx="1"/>
+          </p:nvPr>
+        </p:nvSpPr>
+        <p:spPr>
+          <a:xfrm>
+            <a:off x="872067" y="1972718"/>
+            <a:ext cx="7408333" cy="4285975"/>
+          </a:xfrm>
+        </p:spPr>
+        <p:txBody>
+          <a:bodyPr>
+            <a:normAutofit/>
+          </a:bodyPr>
+          <a:lstStyle/>
+          <a:p>
+            <a:pPr>
+              <a:buFont typeface="Wingdings" charset="2"/>
+              <a:buChar char="Ø"/>
+            </a:pPr>
+            <a:endParaRPr kumimoji="1" lang="en-US" altLang="zh-CN" dirty="0">
+              <a:latin typeface="+mj-ea"/>
+              <a:ea typeface="+mj-ea"/>
+              <a:cs typeface="Heiti SC Light"/>
+            </a:endParaRPr>
+          </a:p>
+        </p:txBody>
+      </p:sp>
+      <p:sp>
+        <p:nvSpPr>
+          <p:cNvPr id="2" name="标题 1"/>
+          <p:cNvSpPr>
+            <a:spLocks noGrp="1"/>
+          </p:cNvSpPr>
+          <p:nvPr>
+            <p:ph type="title"/>
+          </p:nvPr>
+        </p:nvSpPr>
+        <p:spPr/>
+        <p:txBody>
+          <a:bodyPr>
+            <a:normAutofit/>
+          </a:bodyPr>
+          <a:lstStyle/>
+          <a:p>
+            <a:r>
+              <a:rPr kumimoji="1" lang="zh-CN" altLang="en-US" dirty="0">
+                <a:latin typeface="+mj-ea"/>
+                <a:cs typeface="Heiti SC Light"/>
+              </a:rPr>
+              <a:t>从</a:t>
+            </a:r>
+            <a:r>
+              <a:rPr kumimoji="1" lang="en-US" altLang="zh-CN" dirty="0">
+                <a:latin typeface="+mj-ea"/>
+                <a:cs typeface="Heiti SC Light"/>
+              </a:rPr>
+              <a:t>Struts2</a:t>
+            </a:r>
+            <a:r>
+              <a:rPr kumimoji="1" lang="zh-CN" altLang="en-US" dirty="0">
+                <a:latin typeface="+mj-ea"/>
+                <a:cs typeface="Heiti SC Light"/>
+              </a:rPr>
+              <a:t>迁移到</a:t>
+            </a:r>
+            <a:r>
+              <a:rPr kumimoji="1" lang="en-US" altLang="zh-CN" dirty="0">
+                <a:latin typeface="+mj-ea"/>
+                <a:cs typeface="Heiti SC Light"/>
+              </a:rPr>
+              <a:t>Spring MVC3</a:t>
+            </a:r>
+          </a:p>
+        </p:txBody>
+      </p:sp>
+    </p:spTree>
+    <p:extLst>
+      <p:ext uri="{BB962C8B-B14F-4D97-AF65-F5344CB8AC3E}">
+        <p14:creationId xmlns:p14="http://schemas.microsoft.com/office/powerpoint/2010/main" val="455677433"/>
+      </p:ext>
+    </p:extLst>
+  </p:cSld>
+  <p:clrMapOvr>
+    <a:masterClrMapping/>
+  </p:clrMapOvr>
+  <p:timing>
+    <p:tnLst>
+      <p:par>
+        <p:cTn id="1" dur="indefinite" restart="never" nodeType="tmRoot"/>
+      </p:par>
+    </p:tnLst>
+  </p:timing>
+</p:sld>
+</file>
+
+<file path=ppt/slides/slide29.xml><?xml version="1.0" encoding="utf-8"?>
+<p:sld xmlns:a="http://schemas.openxmlformats.org/drawingml/2006/main" xmlns:r="http://schemas.openxmlformats.org/officeDocument/2006/relationships" xmlns:p="http://schemas.openxmlformats.org/presentationml/2006/main">
+  <p:cSld>
+    <p:spTree>
+      <p:nvGrpSpPr>
+        <p:cNvPr id="1" name=""/>
+        <p:cNvGrpSpPr/>
+        <p:nvPr/>
+      </p:nvGrpSpPr>
+      <p:grpSpPr>
+        <a:xfrm>
+          <a:off x="0" y="0"/>
+          <a:ext cx="0" cy="0"/>
+          <a:chOff x="0" y="0"/>
+          <a:chExt cx="0" cy="0"/>
+        </a:xfrm>
+      </p:grpSpPr>
+      <p:sp>
+        <p:nvSpPr>
+          <p:cNvPr id="5" name="内容占位符 4"/>
+          <p:cNvSpPr>
+            <a:spLocks noGrp="1"/>
+          </p:cNvSpPr>
+          <p:nvPr>
+            <p:ph idx="1"/>
+          </p:nvPr>
+        </p:nvSpPr>
+        <p:spPr>
+          <a:xfrm>
+            <a:off x="872067" y="1972718"/>
+            <a:ext cx="7408333" cy="4285975"/>
+          </a:xfrm>
+        </p:spPr>
+        <p:txBody>
+          <a:bodyPr>
+            <a:normAutofit/>
+          </a:bodyPr>
+          <a:lstStyle/>
+          <a:p>
+            <a:pPr>
+              <a:buFont typeface="Wingdings" charset="2"/>
+              <a:buChar char="Ø"/>
+            </a:pPr>
+            <a:r>
+              <a:rPr kumimoji="1" lang="en-US" altLang="zh-CN" dirty="0">
+                <a:latin typeface="+mj-ea"/>
+                <a:ea typeface="+mj-ea"/>
+                <a:cs typeface="Heiti SC Light"/>
+                <a:hlinkClick r:id="rId3"/>
+              </a:rPr>
+              <a:t>https://</a:t>
+            </a:r>
+            <a:r>
+              <a:rPr kumimoji="1" lang="en-US" altLang="zh-CN" dirty="0" smtClean="0">
+                <a:latin typeface="+mj-ea"/>
+                <a:ea typeface="+mj-ea"/>
+                <a:cs typeface="Heiti SC Light"/>
+                <a:hlinkClick r:id="rId3"/>
+              </a:rPr>
+              <a:t>github.com/zjumty/springmvc3_vs_struts2</a:t>
+            </a:r>
+            <a:endParaRPr kumimoji="1" lang="en-US" altLang="zh-CN" dirty="0" smtClean="0">
+              <a:latin typeface="+mj-ea"/>
+              <a:ea typeface="+mj-ea"/>
+              <a:cs typeface="Heiti SC Light"/>
+            </a:endParaRPr>
+          </a:p>
+          <a:p>
+            <a:pPr>
+              <a:buFont typeface="Wingdings" charset="2"/>
+              <a:buChar char="Ø"/>
+            </a:pPr>
+            <a:r>
+              <a:rPr lang="en-US" dirty="0"/>
+              <a:t>Tomcat 7.0.42/NIO Connector/ -</a:t>
+            </a:r>
+            <a:r>
+              <a:rPr lang="en-US" dirty="0" smtClean="0"/>
+              <a:t>Xmx1024m/ </a:t>
+            </a:r>
+            <a:r>
+              <a:rPr lang="pt-BR" dirty="0"/>
+              <a:t>intel i7 </a:t>
+            </a:r>
+            <a:r>
+              <a:rPr lang="pt-BR" dirty="0" smtClean="0"/>
+              <a:t>4*2 </a:t>
+            </a:r>
+            <a:r>
+              <a:rPr lang="pt-BR" dirty="0"/>
+              <a:t>cores </a:t>
+            </a:r>
+            <a:r>
+              <a:rPr lang="pt-BR" dirty="0" smtClean="0"/>
+              <a:t>mbp/ 500</a:t>
+            </a:r>
+            <a:r>
+              <a:rPr lang="zh-CN" altLang="en-US" dirty="0" smtClean="0"/>
+              <a:t>并发</a:t>
+            </a:r>
+            <a:endParaRPr lang="en-US" altLang="zh-CN" dirty="0" smtClean="0"/>
+          </a:p>
+          <a:p>
+            <a:pPr marL="0" indent="0">
+              <a:buNone/>
+            </a:pPr>
+            <a:endParaRPr kumimoji="1" lang="en-US" altLang="zh-CN" dirty="0">
+              <a:latin typeface="+mj-ea"/>
+              <a:ea typeface="+mj-ea"/>
+              <a:cs typeface="Heiti SC Light"/>
+            </a:endParaRPr>
+          </a:p>
+        </p:txBody>
+      </p:sp>
+      <p:sp>
+        <p:nvSpPr>
+          <p:cNvPr id="2" name="标题 1"/>
+          <p:cNvSpPr>
+            <a:spLocks noGrp="1"/>
+          </p:cNvSpPr>
+          <p:nvPr>
+            <p:ph type="title"/>
+          </p:nvPr>
+        </p:nvSpPr>
+        <p:spPr/>
+        <p:txBody>
+          <a:bodyPr>
+            <a:normAutofit/>
+          </a:bodyPr>
+          <a:lstStyle/>
+          <a:p>
+            <a:r>
+              <a:rPr kumimoji="1" lang="en-US" altLang="zh-CN" dirty="0">
+                <a:latin typeface="+mj-ea"/>
+                <a:cs typeface="Heiti SC Light"/>
+              </a:rPr>
+              <a:t>Performance</a:t>
+            </a:r>
+          </a:p>
+        </p:txBody>
+      </p:sp>
+      <p:pic>
+        <p:nvPicPr>
+          <p:cNvPr id="2050" name="Picture 2"/>
+          <p:cNvPicPr>
+            <a:picLocks noChangeAspect="1" noChangeArrowheads="1"/>
+          </p:cNvPicPr>
+          <p:nvPr/>
+        </p:nvPicPr>
+        <p:blipFill>
+          <a:blip r:embed="rId4">
+            <a:extLst>
+              <a:ext uri="{28A0092B-C50C-407E-A947-70E740481C1C}">
+                <a14:useLocalDpi xmlns:a14="http://schemas.microsoft.com/office/drawing/2010/main" val="0"/>
+              </a:ext>
+            </a:extLst>
+          </a:blip>
+          <a:srcRect/>
+          <a:stretch>
+            <a:fillRect/>
+          </a:stretch>
+        </p:blipFill>
+        <p:spPr bwMode="auto">
+          <a:xfrm>
+            <a:off x="1251116" y="3409666"/>
+            <a:ext cx="6405276" cy="2336042"/>
+          </a:xfrm>
+          <a:prstGeom prst="rect">
+            <a:avLst/>
+          </a:prstGeom>
+          <a:noFill/>
+          <a:ln>
+            <a:noFill/>
+          </a:ln>
+          <a:extLst>
+            <a:ext uri="{909E8E84-426E-40DD-AFC4-6F175D3DCCD1}">
+              <a14:hiddenFill xmlns:a14="http://schemas.microsoft.com/office/drawing/2010/main">
+                <a:solidFill>
+                  <a:schemeClr val="accent1"/>
+                </a:solidFill>
+              </a14:hiddenFill>
+            </a:ext>
+            <a:ext uri="{91240B29-F687-4F45-9708-019B960494DF}">
+              <a14:hiddenLine xmlns:a14="http://schemas.microsoft.com/office/drawing/2010/main" w="9525">
+                <a:solidFill>
+                  <a:schemeClr val="tx1"/>
+                </a:solidFill>
+                <a:miter lim="800000"/>
+                <a:headEnd/>
+                <a:tailEnd/>
+              </a14:hiddenLine>
+            </a:ext>
+          </a:extLst>
+        </p:spPr>
+      </p:pic>
+      <p:pic>
+        <p:nvPicPr>
+          <p:cNvPr id="2051" name="Picture 3"/>
+          <p:cNvPicPr>
+            <a:picLocks noChangeAspect="1" noChangeArrowheads="1"/>
+          </p:cNvPicPr>
+          <p:nvPr/>
+        </p:nvPicPr>
+        <p:blipFill>
+          <a:blip r:embed="rId5">
+            <a:extLst>
+              <a:ext uri="{28A0092B-C50C-407E-A947-70E740481C1C}">
+                <a14:useLocalDpi xmlns:a14="http://schemas.microsoft.com/office/drawing/2010/main" val="0"/>
+              </a:ext>
+            </a:extLst>
+          </a:blip>
+          <a:srcRect/>
+          <a:stretch>
+            <a:fillRect/>
+          </a:stretch>
+        </p:blipFill>
+        <p:spPr bwMode="auto">
+          <a:xfrm>
+            <a:off x="1053113" y="3409666"/>
+            <a:ext cx="6603279" cy="2367517"/>
+          </a:xfrm>
+          <a:prstGeom prst="rect">
+            <a:avLst/>
+          </a:prstGeom>
+          <a:noFill/>
+          <a:ln>
+            <a:noFill/>
+          </a:ln>
+          <a:extLst>
+            <a:ext uri="{909E8E84-426E-40DD-AFC4-6F175D3DCCD1}">
+              <a14:hiddenFill xmlns:a14="http://schemas.microsoft.com/office/drawing/2010/main">
+                <a:solidFill>
+                  <a:schemeClr val="accent1"/>
+                </a:solidFill>
+              </a14:hiddenFill>
+            </a:ext>
+            <a:ext uri="{91240B29-F687-4F45-9708-019B960494DF}">
+              <a14:hiddenLine xmlns:a14="http://schemas.microsoft.com/office/drawing/2010/main" w="9525">
+                <a:solidFill>
+                  <a:schemeClr val="tx1"/>
+                </a:solidFill>
+                <a:miter lim="800000"/>
+                <a:headEnd/>
+                <a:tailEnd/>
+              </a14:hiddenLine>
+            </a:ext>
+          </a:extLst>
+        </p:spPr>
+      </p:pic>
+    </p:spTree>
+    <p:extLst>
+      <p:ext uri="{BB962C8B-B14F-4D97-AF65-F5344CB8AC3E}">
+        <p14:creationId xmlns:p14="http://schemas.microsoft.com/office/powerpoint/2010/main" val="1215884600"/>
+      </p:ext>
+    </p:extLst>
+  </p:cSld>
+  <p:clrMapOvr>
+    <a:masterClrMapping/>
+  </p:clrMapOvr>
+  <p:timing>
+    <p:tnLst>
+      <p:par>
+        <p:cTn id="1" dur="indefinite" restart="never" nodeType="tmRoot">
+          <p:childTnLst>
+            <p:seq concurrent="1" nextAc="seek">
+              <p:cTn id="2" dur="indefinite" nodeType="mainSeq">
+                <p:childTnLst>
+                  <p:par>
+                    <p:cTn id="3" fill="hold">
+                      <p:stCondLst>
+                        <p:cond delay="indefinite"/>
+                      </p:stCondLst>
+                      <p:childTnLst>
+                        <p:par>
+                          <p:cTn id="4" fill="hold">
+                            <p:stCondLst>
+                              <p:cond delay="0"/>
+                            </p:stCondLst>
+                            <p:childTnLst>
+                              <p:par>
+                                <p:cTn id="5" presetID="2" presetClass="entr" presetSubtype="4" fill="hold" nodeType="clickEffect">
+                                  <p:stCondLst>
+                                    <p:cond delay="0"/>
+                                  </p:stCondLst>
+                                  <p:childTnLst>
+                                    <p:set>
+                                      <p:cBhvr>
+                                        <p:cTn id="6" dur="1" fill="hold">
+                                          <p:stCondLst>
+                                            <p:cond delay="0"/>
+                                          </p:stCondLst>
+                                        </p:cTn>
+                                        <p:tgtEl>
+                                          <p:spTgt spid="2051"/>
+                                        </p:tgtEl>
+                                        <p:attrNameLst>
+                                          <p:attrName>style.visibility</p:attrName>
+                                        </p:attrNameLst>
+                                      </p:cBhvr>
+                                      <p:to>
+                                        <p:strVal val="visible"/>
+                                      </p:to>
+                                    </p:set>
+                                    <p:anim calcmode="lin" valueType="num">
+                                      <p:cBhvr additive="base">
+                                        <p:cTn id="7" dur="500" fill="hold"/>
+                                        <p:tgtEl>
+                                          <p:spTgt spid="2051"/>
+                                        </p:tgtEl>
+                                        <p:attrNameLst>
+                                          <p:attrName>ppt_x</p:attrName>
+                                        </p:attrNameLst>
+                                      </p:cBhvr>
+                                      <p:tavLst>
+                                        <p:tav tm="0">
+                                          <p:val>
+                                            <p:strVal val="#ppt_x"/>
+                                          </p:val>
+                                        </p:tav>
+                                        <p:tav tm="100000">
+                                          <p:val>
+                                            <p:strVal val="#ppt_x"/>
+                                          </p:val>
+                                        </p:tav>
+                                      </p:tavLst>
+                                    </p:anim>
+                                    <p:anim calcmode="lin" valueType="num">
+                                      <p:cBhvr additive="base">
+                                        <p:cTn id="8" dur="500" fill="hold"/>
+                                        <p:tgtEl>
+                                          <p:spTgt spid="2051"/>
+                                        </p:tgtEl>
+                                        <p:attrNameLst>
+                                          <p:attrName>ppt_y</p:attrName>
+                                        </p:attrNameLst>
+                                      </p:cBhvr>
+                                      <p:tavLst>
+                                        <p:tav tm="0">
+                                          <p:val>
+                                            <p:strVal val="1+#ppt_h/2"/>
+                                          </p:val>
+                                        </p:tav>
+                                        <p:tav tm="100000">
+                                          <p:val>
+                                            <p:strVal val="#ppt_y"/>
+                                          </p:val>
+                                        </p:tav>
+                                      </p:tavLst>
+                                    </p:anim>
+                                  </p:childTnLst>
+                                </p:cTn>
+                              </p:par>
+                            </p:childTnLst>
+                          </p:cTn>
+                        </p:par>
+                      </p:childTnLst>
+                    </p:cTn>
+                  </p:par>
+                  <p:par>
+                    <p:cTn id="9" fill="hold">
+                      <p:stCondLst>
+                        <p:cond delay="indefinite"/>
+                      </p:stCondLst>
+                      <p:childTnLst>
+                        <p:par>
+                          <p:cTn id="10" fill="hold">
+                            <p:stCondLst>
+                              <p:cond delay="0"/>
+                            </p:stCondLst>
+                            <p:childTnLst>
+                              <p:par>
+                                <p:cTn id="11" presetID="2" presetClass="exit" presetSubtype="4" fill="hold" nodeType="clickEffect">
+                                  <p:stCondLst>
+                                    <p:cond delay="0"/>
+                                  </p:stCondLst>
+                                  <p:childTnLst>
+                                    <p:anim calcmode="lin" valueType="num">
+                                      <p:cBhvr additive="base">
+                                        <p:cTn id="12" dur="500"/>
+                                        <p:tgtEl>
+                                          <p:spTgt spid="2051"/>
+                                        </p:tgtEl>
+                                        <p:attrNameLst>
+                                          <p:attrName>ppt_x</p:attrName>
+                                        </p:attrNameLst>
+                                      </p:cBhvr>
+                                      <p:tavLst>
+                                        <p:tav tm="0">
+                                          <p:val>
+                                            <p:strVal val="ppt_x"/>
+                                          </p:val>
+                                        </p:tav>
+                                        <p:tav tm="100000">
+                                          <p:val>
+                                            <p:strVal val="ppt_x"/>
+                                          </p:val>
+                                        </p:tav>
+                                      </p:tavLst>
+                                    </p:anim>
+                                    <p:anim calcmode="lin" valueType="num">
+                                      <p:cBhvr additive="base">
+                                        <p:cTn id="13" dur="500"/>
+                                        <p:tgtEl>
+                                          <p:spTgt spid="2051"/>
+                                        </p:tgtEl>
+                                        <p:attrNameLst>
+                                          <p:attrName>ppt_y</p:attrName>
+                                        </p:attrNameLst>
+                                      </p:cBhvr>
+                                      <p:tavLst>
+                                        <p:tav tm="0">
+                                          <p:val>
+                                            <p:strVal val="ppt_y"/>
+                                          </p:val>
+                                        </p:tav>
+                                        <p:tav tm="100000">
+                                          <p:val>
+                                            <p:strVal val="1+ppt_h/2"/>
+                                          </p:val>
+                                        </p:tav>
+                                      </p:tavLst>
+                                    </p:anim>
+                                    <p:set>
+                                      <p:cBhvr>
+                                        <p:cTn id="14" dur="1" fill="hold">
+                                          <p:stCondLst>
+                                            <p:cond delay="499"/>
+                                          </p:stCondLst>
+                                        </p:cTn>
+                                        <p:tgtEl>
+                                          <p:spTgt spid="2051"/>
+                                        </p:tgtEl>
+                                        <p:attrNameLst>
+                                          <p:attrName>style.visibility</p:attrName>
+                                        </p:attrNameLst>
+                                      </p:cBhvr>
+                                      <p:to>
+                                        <p:strVal val="hidden"/>
+                                      </p:to>
+                                    </p:set>
+                                  </p:childTnLst>
+                                </p:cTn>
+                              </p:par>
+                            </p:childTnLst>
+                          </p:cTn>
+                        </p:par>
+                      </p:childTnLst>
+                    </p:cTn>
+                  </p:par>
+                  <p:par>
+                    <p:cTn id="15" fill="hold">
+                      <p:stCondLst>
+                        <p:cond delay="indefinite"/>
+                      </p:stCondLst>
+                      <p:childTnLst>
+                        <p:par>
+                          <p:cTn id="16" fill="hold">
+                            <p:stCondLst>
+                              <p:cond delay="0"/>
+                            </p:stCondLst>
+                            <p:childTnLst>
+                              <p:par>
+                                <p:cTn id="17" presetID="2" presetClass="entr" presetSubtype="4" fill="hold" nodeType="clickEffect">
+                                  <p:stCondLst>
+                                    <p:cond delay="0"/>
+                                  </p:stCondLst>
+                                  <p:childTnLst>
+                                    <p:set>
+                                      <p:cBhvr>
+                                        <p:cTn id="18" dur="1" fill="hold">
+                                          <p:stCondLst>
+                                            <p:cond delay="0"/>
+                                          </p:stCondLst>
+                                        </p:cTn>
+                                        <p:tgtEl>
+                                          <p:spTgt spid="2050"/>
+                                        </p:tgtEl>
+                                        <p:attrNameLst>
+                                          <p:attrName>style.visibility</p:attrName>
+                                        </p:attrNameLst>
+                                      </p:cBhvr>
+                                      <p:to>
+                                        <p:strVal val="visible"/>
+                                      </p:to>
+                                    </p:set>
+                                    <p:anim calcmode="lin" valueType="num">
+                                      <p:cBhvr additive="base">
+                                        <p:cTn id="19" dur="500" fill="hold"/>
+                                        <p:tgtEl>
+                                          <p:spTgt spid="2050"/>
+                                        </p:tgtEl>
+                                        <p:attrNameLst>
+                                          <p:attrName>ppt_x</p:attrName>
+                                        </p:attrNameLst>
+                                      </p:cBhvr>
+                                      <p:tavLst>
+                                        <p:tav tm="0">
+                                          <p:val>
+                                            <p:strVal val="#ppt_x"/>
+                                          </p:val>
+                                        </p:tav>
+                                        <p:tav tm="100000">
+                                          <p:val>
+                                            <p:strVal val="#ppt_x"/>
+                                          </p:val>
+                                        </p:tav>
+                                      </p:tavLst>
+                                    </p:anim>
+                                    <p:anim calcmode="lin" valueType="num">
+                                      <p:cBhvr additive="base">
+                                        <p:cTn id="20" dur="500" fill="hold"/>
+                                        <p:tgtEl>
+                                          <p:spTgt spid="2050"/>
+                                        </p:tgtEl>
+                                        <p:attrNameLst>
+                                          <p:attrName>ppt_y</p:attrName>
+                                        </p:attrNameLst>
+                                      </p:cBhvr>
+                                      <p:tavLst>
+                                        <p:tav tm="0">
+                                          <p:val>
+                                            <p:strVal val="1+#ppt_h/2"/>
+                                          </p:val>
+                                        </p:tav>
+                                        <p:tav tm="100000">
+                                          <p:val>
+                                            <p:strVal val="#ppt_y"/>
+                                          </p:val>
+                                        </p:tav>
+                                      </p:tavLst>
+                                    </p:anim>
+                                  </p:childTnLst>
+                                </p:cTn>
+                              </p:par>
+                            </p:childTnLst>
+                          </p:cTn>
+                        </p:par>
+                      </p:childTnLst>
+                    </p:cTn>
+                  </p:par>
+                </p:childTnLst>
+              </p:cTn>
+              <p:prevCondLst>
+                <p:cond evt="onPrev" delay="0">
+                  <p:tgtEl>
+                    <p:sldTgt/>
+                  </p:tgtEl>
+                </p:cond>
+              </p:prevCondLst>
+              <p:nextCondLst>
+                <p:cond evt="onNext" delay="0">
+                  <p:tgtEl>
+                    <p:sldTgt/>
+                  </p:tgtEl>
+                </p:cond>
+              </p:nextCondLst>
+            </p:seq>
+          </p:childTnLst>
+        </p:cTn>
+      </p:par>
+    </p:tnLst>
   </p:timing>
 </p:sld>
 </file>
@@ -25433,7 +27281,7 @@
   <p:timing>
     <p:tnLst>
       <p:par>
-        <p:cTn xmlns:p14="http://schemas.microsoft.com/office/powerpoint/2010/main" id="1" dur="indefinite" restart="never" nodeType="tmRoot"/>
+        <p:cTn id="1" dur="indefinite" restart="never" nodeType="tmRoot"/>
       </p:par>
     </p:tnLst>
   </p:timing>
@@ -25751,15 +27599,7 @@
                 <a:ea typeface="+mj-ea"/>
                 <a:cs typeface="Heiti SC Light"/>
               </a:rPr>
-              <a:t>常处</a:t>
-            </a:r>
-            <a:r>
-              <a:rPr kumimoji="1" lang="zh-CN" altLang="en-US" dirty="0" smtClean="0">
-                <a:latin typeface="+mj-ea"/>
-                <a:ea typeface="+mj-ea"/>
-                <a:cs typeface="Heiti SC Light"/>
-              </a:rPr>
-              <a:t>理</a:t>
+              <a:t>常处理</a:t>
             </a:r>
             <a:endParaRPr kumimoji="1" lang="en-US" altLang="zh-CN" dirty="0" smtClean="0">
               <a:latin typeface="+mj-ea"/>
@@ -25804,11 +27644,6 @@
               </a:rPr>
               <a:t>Test</a:t>
             </a:r>
-            <a:endParaRPr kumimoji="1" lang="en-US" altLang="zh-CN" dirty="0" smtClean="0">
-              <a:latin typeface="+mj-ea"/>
-              <a:ea typeface="+mj-ea"/>
-              <a:cs typeface="Heiti SC Light"/>
-            </a:endParaRPr>
           </a:p>
           <a:p>
             <a:pPr>
@@ -26180,7 +28015,7 @@
   <p:timing>
     <p:tnLst>
       <p:par>
-        <p:cTn xmlns:p14="http://schemas.microsoft.com/office/powerpoint/2010/main" id="1" dur="indefinite" restart="never" nodeType="tmRoot"/>
+        <p:cTn id="1" dur="indefinite" restart="never" nodeType="tmRoot"/>
       </p:par>
     </p:tnLst>
   </p:timing>
@@ -26666,7 +28501,7 @@
   <p:timing>
     <p:tnLst>
       <p:par>
-        <p:cTn xmlns:p14="http://schemas.microsoft.com/office/powerpoint/2010/main" id="1" dur="indefinite" restart="never" nodeType="tmRoot">
+        <p:cTn id="1" dur="indefinite" restart="never" nodeType="tmRoot">
           <p:childTnLst>
             <p:seq concurrent="1" nextAc="seek">
               <p:cTn id="2" dur="indefinite" nodeType="mainSeq">
@@ -27440,7 +29275,7 @@
   <p:timing>
     <p:tnLst>
       <p:par>
-        <p:cTn xmlns:p14="http://schemas.microsoft.com/office/powerpoint/2010/main" id="1" dur="indefinite" restart="never" nodeType="tmRoot">
+        <p:cTn id="1" dur="indefinite" restart="never" nodeType="tmRoot">
           <p:childTnLst>
             <p:seq concurrent="1" nextAc="seek">
               <p:cTn id="2" dur="indefinite" nodeType="mainSeq">
@@ -28323,7 +30158,7 @@
   <p:timing>
     <p:tnLst>
       <p:par>
-        <p:cTn xmlns:p14="http://schemas.microsoft.com/office/powerpoint/2010/main" id="1" dur="indefinite" restart="never" nodeType="tmRoot"/>
+        <p:cTn id="1" dur="indefinite" restart="never" nodeType="tmRoot"/>
       </p:par>
     </p:tnLst>
   </p:timing>
@@ -28671,7 +30506,7 @@
   <p:timing>
     <p:tnLst>
       <p:par>
-        <p:cTn xmlns:p14="http://schemas.microsoft.com/office/powerpoint/2010/main" id="1" dur="indefinite" restart="never" nodeType="tmRoot">
+        <p:cTn id="1" dur="indefinite" restart="never" nodeType="tmRoot">
           <p:childTnLst>
             <p:seq concurrent="1" nextAc="seek">
               <p:cTn id="2" dur="indefinite" nodeType="mainSeq">
@@ -29086,7 +30921,7 @@
   <p:timing>
     <p:tnLst>
       <p:par>
-        <p:cTn xmlns:p14="http://schemas.microsoft.com/office/powerpoint/2010/main" id="1" dur="indefinite" restart="never" nodeType="tmRoot"/>
+        <p:cTn id="1" dur="indefinite" restart="never" nodeType="tmRoot"/>
       </p:par>
     </p:tnLst>
   </p:timing>

--- a/SpringMVC3.pptx
+++ b/SpringMVC3.pptx
@@ -220,7 +220,7 @@
           <a:p>
             <a:fld id="{8725B1A8-C99F-C84A-95BB-BB7447C7F2DD}" type="datetimeFigureOut">
               <a:rPr kumimoji="1" lang="zh-CN" altLang="en-US" smtClean="0"/>
-              <a:t>2013/10/17</a:t>
+              <a:t>2013/10/25</a:t>
             </a:fld>
             <a:endParaRPr kumimoji="1" lang="zh-CN" altLang="en-US"/>
           </a:p>
@@ -2973,7 +2973,7 @@
             <a:fld id="{E30E2307-1E40-4E12-8716-25BFDA8E7013}" type="datetime1">
               <a:rPr lang="en-US" smtClean="0"/>
               <a:pPr/>
-              <a:t>10/17/2013</a:t>
+              <a:t>10/25/2013</a:t>
             </a:fld>
             <a:endParaRPr lang="en-US"/>
           </a:p>
@@ -3156,7 +3156,7 @@
             <a:fld id="{E5CFCF5A-EA79-452C-A52C-1A2668C2E7DF}" type="datetime1">
               <a:rPr lang="en-US" smtClean="0"/>
               <a:pPr/>
-              <a:t>10/17/2013</a:t>
+              <a:t>10/25/2013</a:t>
             </a:fld>
             <a:endParaRPr lang="en-US"/>
           </a:p>
@@ -3309,7 +3309,7 @@
             <a:fld id="{2E5C4C28-BD4B-4892-9A2D-6E19BD753A9A}" type="datetime1">
               <a:rPr lang="en-US" smtClean="0"/>
               <a:pPr/>
-              <a:t>10/17/2013</a:t>
+              <a:t>10/25/2013</a:t>
             </a:fld>
             <a:endParaRPr lang="en-US"/>
           </a:p>
@@ -5137,7 +5137,7 @@
             <a:fld id="{61FD9D02-426E-46C9-9EE9-0DE1EF8B2838}" type="datetime1">
               <a:rPr lang="en-US" smtClean="0"/>
               <a:pPr/>
-              <a:t>10/17/2013</a:t>
+              <a:t>10/25/2013</a:t>
             </a:fld>
             <a:endParaRPr lang="en-US"/>
           </a:p>
@@ -7009,7 +7009,7 @@
             <a:fld id="{7B8AEBBE-F8B2-42CF-9895-E86A608384EB}" type="datetime1">
               <a:rPr lang="en-US" smtClean="0"/>
               <a:pPr/>
-              <a:t>10/17/2013</a:t>
+              <a:t>10/25/2013</a:t>
             </a:fld>
             <a:endParaRPr lang="en-US"/>
           </a:p>
@@ -7124,7 +7124,7 @@
             <a:fld id="{E1FAA6B6-10E5-4810-BC9F-DA72D8452E73}" type="datetime1">
               <a:rPr lang="en-US" smtClean="0"/>
               <a:pPr/>
-              <a:t>10/17/2013</a:t>
+              <a:t>10/25/2013</a:t>
             </a:fld>
             <a:endParaRPr lang="en-US"/>
           </a:p>
@@ -7667,7 +7667,7 @@
             <a:fld id="{6D18D072-EF12-4AA2-BD71-ABC68B06D0E2}" type="datetime1">
               <a:rPr lang="en-US" smtClean="0"/>
               <a:pPr/>
-              <a:t>10/17/2013</a:t>
+              <a:t>10/25/2013</a:t>
             </a:fld>
             <a:endParaRPr lang="en-US"/>
           </a:p>
@@ -7782,7 +7782,7 @@
             <a:fld id="{B8CDBF60-6CC3-4B74-A60D-3486985E4346}" type="datetime1">
               <a:rPr lang="en-US" smtClean="0"/>
               <a:pPr/>
-              <a:t>10/17/2013</a:t>
+              <a:t>10/25/2013</a:t>
             </a:fld>
             <a:endParaRPr lang="en-US"/>
           </a:p>
@@ -9495,7 +9495,7 @@
             <a:fld id="{22714818-984F-4759-BF72-A33BDC1963BD}" type="datetime1">
               <a:rPr lang="en-US" smtClean="0"/>
               <a:pPr/>
-              <a:t>10/17/2013</a:t>
+              <a:t>10/25/2013</a:t>
             </a:fld>
             <a:endParaRPr lang="en-US"/>
           </a:p>
@@ -9648,7 +9648,7 @@
             <a:fld id="{9EA7E191-5F94-4FC1-B823-BD7CABF7FA06}" type="datetime1">
               <a:rPr lang="en-US" smtClean="0"/>
               <a:pPr/>
-              <a:t>10/17/2013</a:t>
+              <a:t>10/25/2013</a:t>
             </a:fld>
             <a:endParaRPr lang="en-US"/>
           </a:p>
@@ -13265,7 +13265,7 @@
             <a:fld id="{88856D55-EFBE-4F9B-8A5F-09D42CA22A9B}" type="datetime1">
               <a:rPr lang="en-US" smtClean="0"/>
               <a:pPr/>
-              <a:t>10/17/2013</a:t>
+              <a:t>10/25/2013</a:t>
             </a:fld>
             <a:endParaRPr lang="en-US"/>
           </a:p>
@@ -15126,7 +15126,7 @@
             <a:fld id="{9D1D110F-3F4E-48D9-B8AA-5D0E825AFDBA}" type="datetime1">
               <a:rPr lang="en-US" smtClean="0"/>
               <a:pPr/>
-              <a:t>10/17/2013</a:t>
+              <a:t>10/25/2013</a:t>
             </a:fld>
             <a:endParaRPr lang="en-US"/>
           </a:p>
@@ -26178,9 +26178,443 @@
         </p:spPr>
         <p:txBody>
           <a:bodyPr>
-            <a:normAutofit/>
+            <a:normAutofit fontScale="92500"/>
           </a:bodyPr>
           <a:lstStyle/>
+          <a:p>
+            <a:pPr>
+              <a:buFont typeface="Wingdings" charset="2"/>
+              <a:buChar char="Ø"/>
+            </a:pPr>
+            <a:r>
+              <a:rPr kumimoji="1" lang="zh-CN" altLang="en-US" dirty="0">
+                <a:latin typeface="+mj-ea"/>
+                <a:ea typeface="+mj-ea"/>
+                <a:cs typeface="Heiti SC Light"/>
+              </a:rPr>
+              <a:t>导</a:t>
+            </a:r>
+            <a:r>
+              <a:rPr kumimoji="1" lang="zh-CN" altLang="en-US" dirty="0" smtClean="0">
+                <a:latin typeface="+mj-ea"/>
+                <a:ea typeface="+mj-ea"/>
+                <a:cs typeface="Heiti SC Light"/>
+              </a:rPr>
+              <a:t>入</a:t>
+            </a:r>
+            <a:r>
+              <a:rPr kumimoji="1" lang="en-US" altLang="zh-CN" dirty="0" smtClean="0">
+                <a:latin typeface="+mj-ea"/>
+                <a:ea typeface="+mj-ea"/>
+                <a:cs typeface="Heiti SC Light"/>
+              </a:rPr>
+              <a:t>Spring MVC jar (</a:t>
+            </a:r>
+            <a:r>
+              <a:rPr kumimoji="1" lang="en-US" altLang="zh-CN" dirty="0" err="1" smtClean="0">
+                <a:latin typeface="+mj-ea"/>
+                <a:ea typeface="+mj-ea"/>
+                <a:cs typeface="Heiti SC Light"/>
+              </a:rPr>
+              <a:t>pom</a:t>
+            </a:r>
+            <a:r>
+              <a:rPr kumimoji="1" lang="en-US" altLang="zh-CN" dirty="0" smtClean="0">
+                <a:latin typeface="+mj-ea"/>
+                <a:ea typeface="+mj-ea"/>
+                <a:cs typeface="Heiti SC Light"/>
+              </a:rPr>
+              <a:t>), </a:t>
+            </a:r>
+            <a:r>
+              <a:rPr kumimoji="1" lang="zh-CN" altLang="en-US" dirty="0" smtClean="0">
+                <a:latin typeface="+mj-ea"/>
+                <a:ea typeface="+mj-ea"/>
+                <a:cs typeface="Heiti SC Light"/>
+              </a:rPr>
+              <a:t>配置</a:t>
+            </a:r>
+            <a:r>
+              <a:rPr kumimoji="1" lang="en-US" altLang="zh-CN" dirty="0" smtClean="0">
+                <a:latin typeface="+mj-ea"/>
+                <a:ea typeface="+mj-ea"/>
+                <a:cs typeface="Heiti SC Light"/>
+              </a:rPr>
+              <a:t>(web.xml, spring.xml)</a:t>
+            </a:r>
+          </a:p>
+          <a:p>
+            <a:pPr>
+              <a:buFont typeface="Wingdings" charset="2"/>
+              <a:buChar char="Ø"/>
+            </a:pPr>
+            <a:r>
+              <a:rPr kumimoji="1" lang="en-US" altLang="zh-CN" dirty="0" smtClean="0">
+                <a:latin typeface="+mj-ea"/>
+                <a:ea typeface="+mj-ea"/>
+                <a:cs typeface="Heiti SC Light"/>
+              </a:rPr>
+              <a:t>Action</a:t>
+            </a:r>
+            <a:r>
+              <a:rPr kumimoji="1" lang="zh-CN" altLang="en-US" dirty="0" smtClean="0">
+                <a:latin typeface="+mj-ea"/>
+                <a:ea typeface="+mj-ea"/>
+                <a:cs typeface="Heiti SC Light"/>
+              </a:rPr>
+              <a:t>类</a:t>
+            </a:r>
+            <a:endParaRPr kumimoji="1" lang="en-US" altLang="zh-CN" dirty="0" smtClean="0">
+              <a:latin typeface="+mj-ea"/>
+              <a:ea typeface="+mj-ea"/>
+              <a:cs typeface="Heiti SC Light"/>
+            </a:endParaRPr>
+          </a:p>
+          <a:p>
+            <a:pPr lvl="1">
+              <a:buFont typeface="Wingdings" charset="2"/>
+              <a:buChar char="Ø"/>
+            </a:pPr>
+            <a:r>
+              <a:rPr kumimoji="1" lang="zh-CN" altLang="en-US" dirty="0" smtClean="0">
+                <a:latin typeface="+mj-ea"/>
+                <a:ea typeface="+mj-ea"/>
+                <a:cs typeface="Heiti SC Light"/>
+              </a:rPr>
+              <a:t>不用继承</a:t>
+            </a:r>
+            <a:r>
+              <a:rPr kumimoji="1" lang="en-US" altLang="zh-CN" dirty="0" err="1" smtClean="0">
+                <a:latin typeface="+mj-ea"/>
+                <a:ea typeface="+mj-ea"/>
+                <a:cs typeface="Heiti SC Light"/>
+              </a:rPr>
+              <a:t>BaseAction</a:t>
+            </a:r>
+            <a:r>
+              <a:rPr kumimoji="1" lang="en-US" altLang="zh-CN" dirty="0" smtClean="0">
+                <a:latin typeface="+mj-ea"/>
+                <a:ea typeface="+mj-ea"/>
+                <a:cs typeface="Heiti SC Light"/>
+              </a:rPr>
+              <a:t>, </a:t>
+            </a:r>
+            <a:r>
+              <a:rPr kumimoji="1" lang="zh-CN" altLang="en-US" dirty="0" smtClean="0">
+                <a:latin typeface="+mj-ea"/>
+                <a:ea typeface="+mj-ea"/>
+                <a:cs typeface="Heiti SC Light"/>
+              </a:rPr>
+              <a:t>不用实现</a:t>
+            </a:r>
+            <a:r>
+              <a:rPr kumimoji="1" lang="en-US" altLang="zh-CN" dirty="0" err="1" smtClean="0">
+                <a:latin typeface="+mj-ea"/>
+                <a:ea typeface="+mj-ea"/>
+                <a:cs typeface="Heiti SC Light"/>
+              </a:rPr>
+              <a:t>ModelDriven</a:t>
+            </a:r>
+            <a:r>
+              <a:rPr kumimoji="1" lang="zh-CN" altLang="en-US" dirty="0" smtClean="0">
+                <a:latin typeface="+mj-ea"/>
+                <a:ea typeface="+mj-ea"/>
+                <a:cs typeface="Heiti SC Light"/>
+              </a:rPr>
+              <a:t>接口</a:t>
+            </a:r>
+            <a:endParaRPr kumimoji="1" lang="en-US" altLang="zh-CN" dirty="0" smtClean="0">
+              <a:latin typeface="+mj-ea"/>
+              <a:ea typeface="+mj-ea"/>
+              <a:cs typeface="Heiti SC Light"/>
+            </a:endParaRPr>
+          </a:p>
+          <a:p>
+            <a:pPr lvl="1">
+              <a:buFont typeface="Wingdings" charset="2"/>
+              <a:buChar char="Ø"/>
+            </a:pPr>
+            <a:r>
+              <a:rPr kumimoji="1" lang="zh-CN" altLang="en-US" dirty="0" smtClean="0">
+                <a:latin typeface="+mj-ea"/>
+                <a:ea typeface="+mj-ea"/>
+                <a:cs typeface="Heiti SC Light"/>
+              </a:rPr>
+              <a:t>去除</a:t>
+            </a:r>
+            <a:r>
+              <a:rPr kumimoji="1" lang="en-US" altLang="zh-CN" dirty="0" smtClean="0">
+                <a:latin typeface="+mj-ea"/>
+                <a:ea typeface="+mj-ea"/>
+                <a:cs typeface="Heiti SC Light"/>
+              </a:rPr>
+              <a:t>@Namespace</a:t>
+            </a:r>
+          </a:p>
+          <a:p>
+            <a:pPr lvl="1">
+              <a:buFont typeface="Wingdings" charset="2"/>
+              <a:buChar char="Ø"/>
+            </a:pPr>
+            <a:r>
+              <a:rPr kumimoji="1" lang="zh-CN" altLang="en-US" dirty="0" smtClean="0">
+                <a:latin typeface="+mj-ea"/>
+                <a:ea typeface="+mj-ea"/>
+                <a:cs typeface="Heiti SC Light"/>
+              </a:rPr>
+              <a:t>换成</a:t>
+            </a:r>
+            <a:r>
+              <a:rPr kumimoji="1" lang="en-US" altLang="zh-CN" dirty="0" smtClean="0">
+                <a:latin typeface="+mj-ea"/>
+                <a:ea typeface="+mj-ea"/>
+                <a:cs typeface="Heiti SC Light"/>
+              </a:rPr>
+              <a:t>@Controller</a:t>
+            </a:r>
+            <a:endParaRPr kumimoji="1" lang="en-US" altLang="zh-CN" dirty="0">
+              <a:latin typeface="+mj-ea"/>
+              <a:ea typeface="+mj-ea"/>
+              <a:cs typeface="Heiti SC Light"/>
+            </a:endParaRPr>
+          </a:p>
+          <a:p>
+            <a:pPr lvl="1">
+              <a:buFont typeface="Wingdings" charset="2"/>
+              <a:buChar char="Ø"/>
+            </a:pPr>
+            <a:r>
+              <a:rPr kumimoji="1" lang="en-US" altLang="zh-CN" dirty="0">
+                <a:latin typeface="+mj-ea"/>
+                <a:ea typeface="+mj-ea"/>
+                <a:cs typeface="Heiti SC Light"/>
+              </a:rPr>
+              <a:t>@</a:t>
+            </a:r>
+            <a:r>
+              <a:rPr kumimoji="1" lang="en-US" altLang="zh-CN" dirty="0" err="1">
+                <a:latin typeface="+mj-ea"/>
+                <a:ea typeface="+mj-ea"/>
+                <a:cs typeface="Heiti SC Light"/>
+              </a:rPr>
+              <a:t>RequestMapping</a:t>
+            </a:r>
+            <a:r>
+              <a:rPr kumimoji="1" lang="en-US" altLang="zh-CN" dirty="0">
+                <a:latin typeface="+mj-ea"/>
+                <a:ea typeface="+mj-ea"/>
+                <a:cs typeface="Heiti SC Light"/>
+              </a:rPr>
+              <a:t>("/claim/attachment</a:t>
+            </a:r>
+            <a:r>
+              <a:rPr kumimoji="1" lang="en-US" altLang="zh-CN" dirty="0" smtClean="0">
+                <a:latin typeface="+mj-ea"/>
+                <a:ea typeface="+mj-ea"/>
+                <a:cs typeface="Heiti SC Light"/>
+              </a:rPr>
+              <a:t>")</a:t>
+            </a:r>
+          </a:p>
+          <a:p>
+            <a:pPr>
+              <a:buFont typeface="Wingdings" charset="2"/>
+              <a:buChar char="Ø"/>
+            </a:pPr>
+            <a:r>
+              <a:rPr kumimoji="1" lang="en-US" altLang="zh-CN" dirty="0" smtClean="0">
+                <a:latin typeface="+mj-ea"/>
+                <a:ea typeface="+mj-ea"/>
+                <a:cs typeface="Heiti SC Light"/>
+              </a:rPr>
+              <a:t>Action</a:t>
+            </a:r>
+            <a:r>
+              <a:rPr kumimoji="1" lang="zh-CN" altLang="en-US" dirty="0" smtClean="0">
+                <a:latin typeface="+mj-ea"/>
+                <a:ea typeface="+mj-ea"/>
+                <a:cs typeface="Heiti SC Light"/>
+              </a:rPr>
+              <a:t>方法</a:t>
+            </a:r>
+            <a:endParaRPr kumimoji="1" lang="en-US" altLang="zh-CN" dirty="0" smtClean="0">
+              <a:latin typeface="+mj-ea"/>
+              <a:ea typeface="+mj-ea"/>
+              <a:cs typeface="Heiti SC Light"/>
+            </a:endParaRPr>
+          </a:p>
+          <a:p>
+            <a:pPr lvl="1">
+              <a:buFont typeface="Wingdings" charset="2"/>
+              <a:buChar char="Ø"/>
+            </a:pPr>
+            <a:r>
+              <a:rPr kumimoji="1" lang="zh-CN" altLang="en-US" dirty="0">
+                <a:latin typeface="+mj-ea"/>
+                <a:ea typeface="+mj-ea"/>
+                <a:cs typeface="Heiti SC Light"/>
+              </a:rPr>
+              <a:t>去</a:t>
+            </a:r>
+            <a:r>
+              <a:rPr kumimoji="1" lang="zh-CN" altLang="en-US" dirty="0" smtClean="0">
+                <a:latin typeface="+mj-ea"/>
+                <a:ea typeface="+mj-ea"/>
+                <a:cs typeface="Heiti SC Light"/>
+              </a:rPr>
+              <a:t>除</a:t>
+            </a:r>
+            <a:r>
+              <a:rPr kumimoji="1" lang="en-US" altLang="zh-CN" dirty="0">
+                <a:latin typeface="+mj-ea"/>
+                <a:ea typeface="+mj-ea"/>
+                <a:cs typeface="Heiti SC Light"/>
+              </a:rPr>
+              <a:t>@</a:t>
+            </a:r>
+            <a:r>
+              <a:rPr kumimoji="1" lang="en-US" altLang="zh-CN" dirty="0" smtClean="0">
+                <a:latin typeface="+mj-ea"/>
+                <a:ea typeface="+mj-ea"/>
+                <a:cs typeface="Heiti SC Light"/>
+              </a:rPr>
+              <a:t>Action</a:t>
+            </a:r>
+          </a:p>
+          <a:p>
+            <a:pPr lvl="1">
+              <a:buFont typeface="Wingdings" charset="2"/>
+              <a:buChar char="Ø"/>
+            </a:pPr>
+            <a:r>
+              <a:rPr kumimoji="1" lang="zh-CN" altLang="en-US" dirty="0">
+                <a:latin typeface="+mj-ea"/>
+                <a:ea typeface="+mj-ea"/>
+                <a:cs typeface="Heiti SC Light"/>
+              </a:rPr>
+              <a:t>换</a:t>
+            </a:r>
+            <a:r>
+              <a:rPr kumimoji="1" lang="zh-CN" altLang="en-US" dirty="0" smtClean="0">
+                <a:latin typeface="+mj-ea"/>
+                <a:ea typeface="+mj-ea"/>
+                <a:cs typeface="Heiti SC Light"/>
+              </a:rPr>
+              <a:t>成</a:t>
+            </a:r>
+            <a:r>
+              <a:rPr kumimoji="1" lang="en-US" altLang="zh-CN" dirty="0">
+                <a:latin typeface="+mj-ea"/>
+                <a:cs typeface="Heiti SC Light"/>
+              </a:rPr>
+              <a:t>@</a:t>
+            </a:r>
+            <a:r>
+              <a:rPr kumimoji="1" lang="en-US" altLang="zh-CN" dirty="0" err="1" smtClean="0">
+                <a:latin typeface="+mj-ea"/>
+                <a:cs typeface="Heiti SC Light"/>
+              </a:rPr>
+              <a:t>RequestMapping</a:t>
+            </a:r>
+            <a:endParaRPr kumimoji="1" lang="en-US" altLang="zh-CN" dirty="0" smtClean="0">
+              <a:latin typeface="+mj-ea"/>
+              <a:cs typeface="Heiti SC Light"/>
+            </a:endParaRPr>
+          </a:p>
+          <a:p>
+            <a:pPr>
+              <a:buFont typeface="Wingdings" charset="2"/>
+              <a:buChar char="Ø"/>
+            </a:pPr>
+            <a:r>
+              <a:rPr kumimoji="1" lang="zh-CN" altLang="en-US" dirty="0" smtClean="0">
+                <a:latin typeface="+mj-ea"/>
+                <a:ea typeface="+mj-ea"/>
+                <a:cs typeface="Heiti SC Light"/>
+              </a:rPr>
+              <a:t>去除</a:t>
+            </a:r>
+            <a:r>
+              <a:rPr kumimoji="1" lang="en-US" altLang="zh-CN" dirty="0" err="1" smtClean="0">
+                <a:latin typeface="+mj-ea"/>
+                <a:ea typeface="+mj-ea"/>
+                <a:cs typeface="Heiti SC Light"/>
+              </a:rPr>
+              <a:t>ParamVO</a:t>
+            </a:r>
+            <a:r>
+              <a:rPr kumimoji="1" lang="zh-CN" altLang="en-US" dirty="0" smtClean="0">
+                <a:latin typeface="+mj-ea"/>
+                <a:ea typeface="+mj-ea"/>
+                <a:cs typeface="Heiti SC Light"/>
+              </a:rPr>
+              <a:t>的成员变量</a:t>
+            </a:r>
+            <a:r>
+              <a:rPr kumimoji="1" lang="en-US" altLang="zh-CN" dirty="0" smtClean="0">
+                <a:latin typeface="+mj-ea"/>
+                <a:ea typeface="+mj-ea"/>
+                <a:cs typeface="Heiti SC Light"/>
+              </a:rPr>
+              <a:t>, </a:t>
+            </a:r>
+            <a:r>
+              <a:rPr kumimoji="1" lang="zh-CN" altLang="en-US" dirty="0" smtClean="0">
+                <a:latin typeface="+mj-ea"/>
+                <a:ea typeface="+mj-ea"/>
+                <a:cs typeface="Heiti SC Light"/>
+              </a:rPr>
+              <a:t>改为通过方法参数传递</a:t>
+            </a:r>
+            <a:endParaRPr kumimoji="1" lang="en-US" altLang="zh-CN" dirty="0" smtClean="0">
+              <a:latin typeface="+mj-ea"/>
+              <a:ea typeface="+mj-ea"/>
+              <a:cs typeface="Heiti SC Light"/>
+            </a:endParaRPr>
+          </a:p>
+          <a:p>
+            <a:pPr>
+              <a:buFont typeface="Wingdings" charset="2"/>
+              <a:buChar char="Ø"/>
+            </a:pPr>
+            <a:r>
+              <a:rPr kumimoji="1" lang="zh-CN" altLang="en-US" dirty="0" smtClean="0">
+                <a:latin typeface="+mj-ea"/>
+                <a:ea typeface="+mj-ea"/>
+                <a:cs typeface="Heiti SC Light"/>
+              </a:rPr>
+              <a:t>将所有给</a:t>
+            </a:r>
+            <a:r>
+              <a:rPr kumimoji="1" lang="en-US" altLang="zh-CN" dirty="0" smtClean="0">
+                <a:latin typeface="+mj-ea"/>
+                <a:ea typeface="+mj-ea"/>
+                <a:cs typeface="Heiti SC Light"/>
+              </a:rPr>
+              <a:t>View</a:t>
+            </a:r>
+            <a:r>
+              <a:rPr kumimoji="1" lang="zh-CN" altLang="en-US" dirty="0" smtClean="0">
+                <a:latin typeface="+mj-ea"/>
+                <a:ea typeface="+mj-ea"/>
+                <a:cs typeface="Heiti SC Light"/>
+              </a:rPr>
+              <a:t>用的数据放到</a:t>
+            </a:r>
+            <a:r>
+              <a:rPr kumimoji="1" lang="en-US" altLang="zh-CN" dirty="0" smtClean="0">
+                <a:latin typeface="+mj-ea"/>
+                <a:ea typeface="+mj-ea"/>
+                <a:cs typeface="Heiti SC Light"/>
+              </a:rPr>
+              <a:t>Model</a:t>
+            </a:r>
+            <a:endParaRPr kumimoji="1" lang="en-US" altLang="zh-CN" dirty="0" smtClean="0">
+              <a:latin typeface="+mj-ea"/>
+              <a:ea typeface="+mj-ea"/>
+              <a:cs typeface="Heiti SC Light"/>
+            </a:endParaRPr>
+          </a:p>
           <a:p>
             <a:pPr>
               <a:buFont typeface="Wingdings" charset="2"/>
